--- a/Dissertation/Beamer/test.pptx
+++ b/Dissertation/Beamer/test.pptx
@@ -5,7 +5,7 @@
     <p:sldMasterId id="2147483648" r:id="rId1"/>
   </p:sldMasterIdLst>
   <p:notesMasterIdLst>
-    <p:notesMasterId r:id="rId8"/>
+    <p:notesMasterId r:id="rId9"/>
   </p:notesMasterIdLst>
   <p:sldIdLst>
     <p:sldId id="256" r:id="rId2"/>
@@ -13,7 +13,8 @@
     <p:sldId id="258" r:id="rId4"/>
     <p:sldId id="259" r:id="rId5"/>
     <p:sldId id="260" r:id="rId6"/>
-    <p:sldId id="261" r:id="rId7"/>
+    <p:sldId id="262" r:id="rId7"/>
+    <p:sldId id="261" r:id="rId8"/>
   </p:sldIdLst>
   <p:sldSz cx="12192000" cy="6858000"/>
   <p:notesSz cx="6858000" cy="9144000"/>
@@ -202,7 +203,7 @@
           <a:p>
             <a:fld id="{9E12240E-F1A6-4A91-967F-8E68706835E0}" type="datetimeFigureOut">
               <a:rPr lang="en-HK" smtClean="0"/>
-              <a:t>4/1/2024</a:t>
+              <a:t>9/3/2024</a:t>
             </a:fld>
             <a:endParaRPr lang="en-HK"/>
           </a:p>
@@ -706,7 +707,7 @@
           <a:p>
             <a:fld id="{A662AB9F-F8D6-4D84-8C93-94B520C5C2D5}" type="datetimeFigureOut">
               <a:rPr lang="en-HK" smtClean="0"/>
-              <a:t>4/1/2024</a:t>
+              <a:t>9/3/2024</a:t>
             </a:fld>
             <a:endParaRPr lang="en-HK"/>
           </a:p>
@@ -906,7 +907,7 @@
           <a:p>
             <a:fld id="{A662AB9F-F8D6-4D84-8C93-94B520C5C2D5}" type="datetimeFigureOut">
               <a:rPr lang="en-HK" smtClean="0"/>
-              <a:t>4/1/2024</a:t>
+              <a:t>9/3/2024</a:t>
             </a:fld>
             <a:endParaRPr lang="en-HK"/>
           </a:p>
@@ -1116,7 +1117,7 @@
           <a:p>
             <a:fld id="{A662AB9F-F8D6-4D84-8C93-94B520C5C2D5}" type="datetimeFigureOut">
               <a:rPr lang="en-HK" smtClean="0"/>
-              <a:t>4/1/2024</a:t>
+              <a:t>9/3/2024</a:t>
             </a:fld>
             <a:endParaRPr lang="en-HK"/>
           </a:p>
@@ -1316,7 +1317,7 @@
           <a:p>
             <a:fld id="{A662AB9F-F8D6-4D84-8C93-94B520C5C2D5}" type="datetimeFigureOut">
               <a:rPr lang="en-HK" smtClean="0"/>
-              <a:t>4/1/2024</a:t>
+              <a:t>9/3/2024</a:t>
             </a:fld>
             <a:endParaRPr lang="en-HK"/>
           </a:p>
@@ -1592,7 +1593,7 @@
           <a:p>
             <a:fld id="{A662AB9F-F8D6-4D84-8C93-94B520C5C2D5}" type="datetimeFigureOut">
               <a:rPr lang="en-HK" smtClean="0"/>
-              <a:t>4/1/2024</a:t>
+              <a:t>9/3/2024</a:t>
             </a:fld>
             <a:endParaRPr lang="en-HK"/>
           </a:p>
@@ -1860,7 +1861,7 @@
           <a:p>
             <a:fld id="{A662AB9F-F8D6-4D84-8C93-94B520C5C2D5}" type="datetimeFigureOut">
               <a:rPr lang="en-HK" smtClean="0"/>
-              <a:t>4/1/2024</a:t>
+              <a:t>9/3/2024</a:t>
             </a:fld>
             <a:endParaRPr lang="en-HK"/>
           </a:p>
@@ -2275,7 +2276,7 @@
           <a:p>
             <a:fld id="{A662AB9F-F8D6-4D84-8C93-94B520C5C2D5}" type="datetimeFigureOut">
               <a:rPr lang="en-HK" smtClean="0"/>
-              <a:t>4/1/2024</a:t>
+              <a:t>9/3/2024</a:t>
             </a:fld>
             <a:endParaRPr lang="en-HK"/>
           </a:p>
@@ -2417,7 +2418,7 @@
           <a:p>
             <a:fld id="{A662AB9F-F8D6-4D84-8C93-94B520C5C2D5}" type="datetimeFigureOut">
               <a:rPr lang="en-HK" smtClean="0"/>
-              <a:t>4/1/2024</a:t>
+              <a:t>9/3/2024</a:t>
             </a:fld>
             <a:endParaRPr lang="en-HK"/>
           </a:p>
@@ -2530,7 +2531,7 @@
           <a:p>
             <a:fld id="{A662AB9F-F8D6-4D84-8C93-94B520C5C2D5}" type="datetimeFigureOut">
               <a:rPr lang="en-HK" smtClean="0"/>
-              <a:t>4/1/2024</a:t>
+              <a:t>9/3/2024</a:t>
             </a:fld>
             <a:endParaRPr lang="en-HK"/>
           </a:p>
@@ -2843,7 +2844,7 @@
           <a:p>
             <a:fld id="{A662AB9F-F8D6-4D84-8C93-94B520C5C2D5}" type="datetimeFigureOut">
               <a:rPr lang="en-HK" smtClean="0"/>
-              <a:t>4/1/2024</a:t>
+              <a:t>9/3/2024</a:t>
             </a:fld>
             <a:endParaRPr lang="en-HK"/>
           </a:p>
@@ -3132,7 +3133,7 @@
           <a:p>
             <a:fld id="{A662AB9F-F8D6-4D84-8C93-94B520C5C2D5}" type="datetimeFigureOut">
               <a:rPr lang="en-HK" smtClean="0"/>
-              <a:t>4/1/2024</a:t>
+              <a:t>9/3/2024</a:t>
             </a:fld>
             <a:endParaRPr lang="en-HK"/>
           </a:p>
@@ -3375,7 +3376,7 @@
           <a:p>
             <a:fld id="{A662AB9F-F8D6-4D84-8C93-94B520C5C2D5}" type="datetimeFigureOut">
               <a:rPr lang="en-HK" smtClean="0"/>
-              <a:t>4/1/2024</a:t>
+              <a:t>9/3/2024</a:t>
             </a:fld>
             <a:endParaRPr lang="en-HK"/>
           </a:p>
@@ -5654,6 +5655,1515 @@
           </a:p>
         </p:txBody>
       </p:sp>
+      <p:graphicFrame>
+        <p:nvGraphicFramePr>
+          <p:cNvPr id="9" name="Table 4">
+            <a:extLst>
+              <a:ext uri="{FF2B5EF4-FFF2-40B4-BE49-F238E27FC236}">
+                <a16:creationId xmlns:a16="http://schemas.microsoft.com/office/drawing/2014/main" id="{DF41D44F-E334-FDE7-F985-4F7DE99E2DF6}"/>
+              </a:ext>
+            </a:extLst>
+          </p:cNvPr>
+          <p:cNvGraphicFramePr>
+            <a:graphicFrameLocks noGrp="1"/>
+          </p:cNvGraphicFramePr>
+          <p:nvPr>
+            <p:extLst>
+              <p:ext uri="{D42A27DB-BD31-4B8C-83A1-F6EECF244321}">
+                <p14:modId xmlns:p14="http://schemas.microsoft.com/office/powerpoint/2010/main" val="563771756"/>
+              </p:ext>
+            </p:extLst>
+          </p:nvPr>
+        </p:nvGraphicFramePr>
+        <p:xfrm>
+          <a:off x="677653" y="2464897"/>
+          <a:ext cx="4230780" cy="370840"/>
+        </p:xfrm>
+        <a:graphic>
+          <a:graphicData uri="http://schemas.openxmlformats.org/drawingml/2006/table">
+            <a:tbl>
+              <a:tblPr firstRow="1" bandRow="1">
+                <a:tableStyleId>{5C22544A-7EE6-4342-B048-85BDC9FD1C3A}</a:tableStyleId>
+              </a:tblPr>
+              <a:tblGrid>
+                <a:gridCol w="423078">
+                  <a:extLst>
+                    <a:ext uri="{9D8B030D-6E8A-4147-A177-3AD203B41FA5}">
+                      <a16:colId xmlns:a16="http://schemas.microsoft.com/office/drawing/2014/main" val="1958716807"/>
+                    </a:ext>
+                  </a:extLst>
+                </a:gridCol>
+                <a:gridCol w="423078">
+                  <a:extLst>
+                    <a:ext uri="{9D8B030D-6E8A-4147-A177-3AD203B41FA5}">
+                      <a16:colId xmlns:a16="http://schemas.microsoft.com/office/drawing/2014/main" val="2177103222"/>
+                    </a:ext>
+                  </a:extLst>
+                </a:gridCol>
+                <a:gridCol w="423078">
+                  <a:extLst>
+                    <a:ext uri="{9D8B030D-6E8A-4147-A177-3AD203B41FA5}">
+                      <a16:colId xmlns:a16="http://schemas.microsoft.com/office/drawing/2014/main" val="3409141404"/>
+                    </a:ext>
+                  </a:extLst>
+                </a:gridCol>
+                <a:gridCol w="423078">
+                  <a:extLst>
+                    <a:ext uri="{9D8B030D-6E8A-4147-A177-3AD203B41FA5}">
+                      <a16:colId xmlns:a16="http://schemas.microsoft.com/office/drawing/2014/main" val="217707470"/>
+                    </a:ext>
+                  </a:extLst>
+                </a:gridCol>
+                <a:gridCol w="423078">
+                  <a:extLst>
+                    <a:ext uri="{9D8B030D-6E8A-4147-A177-3AD203B41FA5}">
+                      <a16:colId xmlns:a16="http://schemas.microsoft.com/office/drawing/2014/main" val="770379941"/>
+                    </a:ext>
+                  </a:extLst>
+                </a:gridCol>
+                <a:gridCol w="423078">
+                  <a:extLst>
+                    <a:ext uri="{9D8B030D-6E8A-4147-A177-3AD203B41FA5}">
+                      <a16:colId xmlns:a16="http://schemas.microsoft.com/office/drawing/2014/main" val="4085467491"/>
+                    </a:ext>
+                  </a:extLst>
+                </a:gridCol>
+                <a:gridCol w="423078">
+                  <a:extLst>
+                    <a:ext uri="{9D8B030D-6E8A-4147-A177-3AD203B41FA5}">
+                      <a16:colId xmlns:a16="http://schemas.microsoft.com/office/drawing/2014/main" val="2183018877"/>
+                    </a:ext>
+                  </a:extLst>
+                </a:gridCol>
+                <a:gridCol w="423078">
+                  <a:extLst>
+                    <a:ext uri="{9D8B030D-6E8A-4147-A177-3AD203B41FA5}">
+                      <a16:colId xmlns:a16="http://schemas.microsoft.com/office/drawing/2014/main" val="3957069584"/>
+                    </a:ext>
+                  </a:extLst>
+                </a:gridCol>
+                <a:gridCol w="423078">
+                  <a:extLst>
+                    <a:ext uri="{9D8B030D-6E8A-4147-A177-3AD203B41FA5}">
+                      <a16:colId xmlns:a16="http://schemas.microsoft.com/office/drawing/2014/main" val="3244291510"/>
+                    </a:ext>
+                  </a:extLst>
+                </a:gridCol>
+                <a:gridCol w="423078">
+                  <a:extLst>
+                    <a:ext uri="{9D8B030D-6E8A-4147-A177-3AD203B41FA5}">
+                      <a16:colId xmlns:a16="http://schemas.microsoft.com/office/drawing/2014/main" val="3722398860"/>
+                    </a:ext>
+                  </a:extLst>
+                </a:gridCol>
+              </a:tblGrid>
+              <a:tr h="370840">
+                <a:tc>
+                  <a:txBody>
+                    <a:bodyPr/>
+                    <a:lstStyle/>
+                    <a:p>
+                      <a:endParaRPr lang="en-HK" dirty="0"/>
+                    </a:p>
+                  </a:txBody>
+                  <a:tcPr>
+                    <a:solidFill>
+                      <a:schemeClr val="accent2">
+                        <a:lumMod val="40000"/>
+                        <a:lumOff val="60000"/>
+                      </a:schemeClr>
+                    </a:solidFill>
+                  </a:tcPr>
+                </a:tc>
+                <a:tc>
+                  <a:txBody>
+                    <a:bodyPr/>
+                    <a:lstStyle/>
+                    <a:p>
+                      <a:endParaRPr lang="en-HK" dirty="0"/>
+                    </a:p>
+                  </a:txBody>
+                  <a:tcPr>
+                    <a:solidFill>
+                      <a:schemeClr val="accent2">
+                        <a:lumMod val="40000"/>
+                        <a:lumOff val="60000"/>
+                      </a:schemeClr>
+                    </a:solidFill>
+                  </a:tcPr>
+                </a:tc>
+                <a:tc>
+                  <a:txBody>
+                    <a:bodyPr/>
+                    <a:lstStyle/>
+                    <a:p>
+                      <a:endParaRPr lang="en-HK" dirty="0"/>
+                    </a:p>
+                  </a:txBody>
+                  <a:tcPr>
+                    <a:lnTlToBr w="12700" cap="flat" cmpd="sng" algn="ctr">
+                      <a:solidFill>
+                        <a:schemeClr val="tx1"/>
+                      </a:solidFill>
+                      <a:prstDash val="solid"/>
+                      <a:round/>
+                      <a:headEnd type="none" w="med" len="med"/>
+                      <a:tailEnd type="none" w="med" len="med"/>
+                    </a:lnTlToBr>
+                    <a:lnBlToTr w="12700" cap="flat" cmpd="sng" algn="ctr">
+                      <a:solidFill>
+                        <a:schemeClr val="tx1"/>
+                      </a:solidFill>
+                      <a:prstDash val="solid"/>
+                      <a:round/>
+                      <a:headEnd type="none" w="med" len="med"/>
+                      <a:tailEnd type="none" w="med" len="med"/>
+                    </a:lnBlToTr>
+                    <a:solidFill>
+                      <a:schemeClr val="accent1">
+                        <a:lumMod val="40000"/>
+                        <a:lumOff val="60000"/>
+                      </a:schemeClr>
+                    </a:solidFill>
+                  </a:tcPr>
+                </a:tc>
+                <a:tc>
+                  <a:txBody>
+                    <a:bodyPr/>
+                    <a:lstStyle/>
+                    <a:p>
+                      <a:endParaRPr lang="en-HK" dirty="0"/>
+                    </a:p>
+                  </a:txBody>
+                  <a:tcPr>
+                    <a:solidFill>
+                      <a:schemeClr val="accent2">
+                        <a:lumMod val="40000"/>
+                        <a:lumOff val="60000"/>
+                      </a:schemeClr>
+                    </a:solidFill>
+                  </a:tcPr>
+                </a:tc>
+                <a:tc>
+                  <a:txBody>
+                    <a:bodyPr/>
+                    <a:lstStyle/>
+                    <a:p>
+                      <a:endParaRPr lang="en-HK" dirty="0"/>
+                    </a:p>
+                  </a:txBody>
+                  <a:tcPr>
+                    <a:lnTlToBr w="12700" cap="flat" cmpd="sng" algn="ctr">
+                      <a:solidFill>
+                        <a:schemeClr val="tx1"/>
+                      </a:solidFill>
+                      <a:prstDash val="solid"/>
+                      <a:round/>
+                      <a:headEnd type="none" w="med" len="med"/>
+                      <a:tailEnd type="none" w="med" len="med"/>
+                    </a:lnTlToBr>
+                    <a:lnBlToTr w="12700" cap="flat" cmpd="sng" algn="ctr">
+                      <a:solidFill>
+                        <a:schemeClr val="tx1"/>
+                      </a:solidFill>
+                      <a:prstDash val="solid"/>
+                      <a:round/>
+                      <a:headEnd type="none" w="med" len="med"/>
+                      <a:tailEnd type="none" w="med" len="med"/>
+                    </a:lnBlToTr>
+                    <a:solidFill>
+                      <a:schemeClr val="accent1">
+                        <a:lumMod val="40000"/>
+                        <a:lumOff val="60000"/>
+                      </a:schemeClr>
+                    </a:solidFill>
+                  </a:tcPr>
+                </a:tc>
+                <a:tc>
+                  <a:txBody>
+                    <a:bodyPr/>
+                    <a:lstStyle/>
+                    <a:p>
+                      <a:endParaRPr lang="en-HK" dirty="0"/>
+                    </a:p>
+                  </a:txBody>
+                  <a:tcPr>
+                    <a:solidFill>
+                      <a:schemeClr val="accent2">
+                        <a:lumMod val="40000"/>
+                        <a:lumOff val="60000"/>
+                      </a:schemeClr>
+                    </a:solidFill>
+                  </a:tcPr>
+                </a:tc>
+                <a:tc>
+                  <a:txBody>
+                    <a:bodyPr/>
+                    <a:lstStyle/>
+                    <a:p>
+                      <a:endParaRPr lang="en-HK" dirty="0"/>
+                    </a:p>
+                  </a:txBody>
+                  <a:tcPr>
+                    <a:solidFill>
+                      <a:schemeClr val="accent2">
+                        <a:lumMod val="40000"/>
+                        <a:lumOff val="60000"/>
+                      </a:schemeClr>
+                    </a:solidFill>
+                  </a:tcPr>
+                </a:tc>
+                <a:tc>
+                  <a:txBody>
+                    <a:bodyPr/>
+                    <a:lstStyle/>
+                    <a:p>
+                      <a:endParaRPr lang="en-HK" dirty="0"/>
+                    </a:p>
+                  </a:txBody>
+                  <a:tcPr>
+                    <a:solidFill>
+                      <a:schemeClr val="accent2">
+                        <a:lumMod val="40000"/>
+                        <a:lumOff val="60000"/>
+                      </a:schemeClr>
+                    </a:solidFill>
+                  </a:tcPr>
+                </a:tc>
+                <a:tc>
+                  <a:txBody>
+                    <a:bodyPr/>
+                    <a:lstStyle/>
+                    <a:p>
+                      <a:endParaRPr lang="en-HK" dirty="0"/>
+                    </a:p>
+                  </a:txBody>
+                  <a:tcPr>
+                    <a:lnTlToBr w="12700" cap="flat" cmpd="sng" algn="ctr">
+                      <a:solidFill>
+                        <a:schemeClr val="tx1"/>
+                      </a:solidFill>
+                      <a:prstDash val="solid"/>
+                      <a:round/>
+                      <a:headEnd type="none" w="med" len="med"/>
+                      <a:tailEnd type="none" w="med" len="med"/>
+                    </a:lnTlToBr>
+                    <a:lnBlToTr w="12700" cap="flat" cmpd="sng" algn="ctr">
+                      <a:solidFill>
+                        <a:schemeClr val="tx1"/>
+                      </a:solidFill>
+                      <a:prstDash val="solid"/>
+                      <a:round/>
+                      <a:headEnd type="none" w="med" len="med"/>
+                      <a:tailEnd type="none" w="med" len="med"/>
+                    </a:lnBlToTr>
+                    <a:solidFill>
+                      <a:schemeClr val="accent1">
+                        <a:lumMod val="40000"/>
+                        <a:lumOff val="60000"/>
+                      </a:schemeClr>
+                    </a:solidFill>
+                  </a:tcPr>
+                </a:tc>
+                <a:tc>
+                  <a:txBody>
+                    <a:bodyPr/>
+                    <a:lstStyle/>
+                    <a:p>
+                      <a:endParaRPr lang="en-HK" dirty="0"/>
+                    </a:p>
+                  </a:txBody>
+                  <a:tcPr>
+                    <a:solidFill>
+                      <a:schemeClr val="accent2">
+                        <a:lumMod val="40000"/>
+                        <a:lumOff val="60000"/>
+                      </a:schemeClr>
+                    </a:solidFill>
+                  </a:tcPr>
+                </a:tc>
+                <a:extLst>
+                  <a:ext uri="{0D108BD9-81ED-4DB2-BD59-A6C34878D82A}">
+                    <a16:rowId xmlns:a16="http://schemas.microsoft.com/office/drawing/2014/main" val="2601047344"/>
+                  </a:ext>
+                </a:extLst>
+              </a:tr>
+            </a:tbl>
+          </a:graphicData>
+        </a:graphic>
+      </p:graphicFrame>
+      <p:graphicFrame>
+        <p:nvGraphicFramePr>
+          <p:cNvPr id="10" name="Table 4">
+            <a:extLst>
+              <a:ext uri="{FF2B5EF4-FFF2-40B4-BE49-F238E27FC236}">
+                <a16:creationId xmlns:a16="http://schemas.microsoft.com/office/drawing/2014/main" id="{6913DCE2-8D26-147F-B65A-42CD0497A807}"/>
+              </a:ext>
+            </a:extLst>
+          </p:cNvPr>
+          <p:cNvGraphicFramePr>
+            <a:graphicFrameLocks noGrp="1"/>
+          </p:cNvGraphicFramePr>
+          <p:nvPr>
+            <p:extLst>
+              <p:ext uri="{D42A27DB-BD31-4B8C-83A1-F6EECF244321}">
+                <p14:modId xmlns:p14="http://schemas.microsoft.com/office/powerpoint/2010/main" val="1545857558"/>
+              </p:ext>
+            </p:extLst>
+          </p:nvPr>
+        </p:nvGraphicFramePr>
+        <p:xfrm>
+          <a:off x="6609751" y="4644975"/>
+          <a:ext cx="4230780" cy="370840"/>
+        </p:xfrm>
+        <a:graphic>
+          <a:graphicData uri="http://schemas.openxmlformats.org/drawingml/2006/table">
+            <a:tbl>
+              <a:tblPr firstRow="1" bandRow="1">
+                <a:tableStyleId>{5C22544A-7EE6-4342-B048-85BDC9FD1C3A}</a:tableStyleId>
+              </a:tblPr>
+              <a:tblGrid>
+                <a:gridCol w="423078">
+                  <a:extLst>
+                    <a:ext uri="{9D8B030D-6E8A-4147-A177-3AD203B41FA5}">
+                      <a16:colId xmlns:a16="http://schemas.microsoft.com/office/drawing/2014/main" val="1958716807"/>
+                    </a:ext>
+                  </a:extLst>
+                </a:gridCol>
+                <a:gridCol w="423078">
+                  <a:extLst>
+                    <a:ext uri="{9D8B030D-6E8A-4147-A177-3AD203B41FA5}">
+                      <a16:colId xmlns:a16="http://schemas.microsoft.com/office/drawing/2014/main" val="2177103222"/>
+                    </a:ext>
+                  </a:extLst>
+                </a:gridCol>
+                <a:gridCol w="423078">
+                  <a:extLst>
+                    <a:ext uri="{9D8B030D-6E8A-4147-A177-3AD203B41FA5}">
+                      <a16:colId xmlns:a16="http://schemas.microsoft.com/office/drawing/2014/main" val="3409141404"/>
+                    </a:ext>
+                  </a:extLst>
+                </a:gridCol>
+                <a:gridCol w="423078">
+                  <a:extLst>
+                    <a:ext uri="{9D8B030D-6E8A-4147-A177-3AD203B41FA5}">
+                      <a16:colId xmlns:a16="http://schemas.microsoft.com/office/drawing/2014/main" val="217707470"/>
+                    </a:ext>
+                  </a:extLst>
+                </a:gridCol>
+                <a:gridCol w="423078">
+                  <a:extLst>
+                    <a:ext uri="{9D8B030D-6E8A-4147-A177-3AD203B41FA5}">
+                      <a16:colId xmlns:a16="http://schemas.microsoft.com/office/drawing/2014/main" val="770379941"/>
+                    </a:ext>
+                  </a:extLst>
+                </a:gridCol>
+                <a:gridCol w="423078">
+                  <a:extLst>
+                    <a:ext uri="{9D8B030D-6E8A-4147-A177-3AD203B41FA5}">
+                      <a16:colId xmlns:a16="http://schemas.microsoft.com/office/drawing/2014/main" val="4085467491"/>
+                    </a:ext>
+                  </a:extLst>
+                </a:gridCol>
+                <a:gridCol w="423078">
+                  <a:extLst>
+                    <a:ext uri="{9D8B030D-6E8A-4147-A177-3AD203B41FA5}">
+                      <a16:colId xmlns:a16="http://schemas.microsoft.com/office/drawing/2014/main" val="2183018877"/>
+                    </a:ext>
+                  </a:extLst>
+                </a:gridCol>
+                <a:gridCol w="423078">
+                  <a:extLst>
+                    <a:ext uri="{9D8B030D-6E8A-4147-A177-3AD203B41FA5}">
+                      <a16:colId xmlns:a16="http://schemas.microsoft.com/office/drawing/2014/main" val="3957069584"/>
+                    </a:ext>
+                  </a:extLst>
+                </a:gridCol>
+                <a:gridCol w="423078">
+                  <a:extLst>
+                    <a:ext uri="{9D8B030D-6E8A-4147-A177-3AD203B41FA5}">
+                      <a16:colId xmlns:a16="http://schemas.microsoft.com/office/drawing/2014/main" val="3244291510"/>
+                    </a:ext>
+                  </a:extLst>
+                </a:gridCol>
+                <a:gridCol w="423078">
+                  <a:extLst>
+                    <a:ext uri="{9D8B030D-6E8A-4147-A177-3AD203B41FA5}">
+                      <a16:colId xmlns:a16="http://schemas.microsoft.com/office/drawing/2014/main" val="3722398860"/>
+                    </a:ext>
+                  </a:extLst>
+                </a:gridCol>
+              </a:tblGrid>
+              <a:tr h="370840">
+                <a:tc>
+                  <a:txBody>
+                    <a:bodyPr/>
+                    <a:lstStyle/>
+                    <a:p>
+                      <a:endParaRPr lang="en-HK" dirty="0"/>
+                    </a:p>
+                  </a:txBody>
+                  <a:tcPr>
+                    <a:solidFill>
+                      <a:schemeClr val="accent2">
+                        <a:lumMod val="40000"/>
+                        <a:lumOff val="60000"/>
+                      </a:schemeClr>
+                    </a:solidFill>
+                  </a:tcPr>
+                </a:tc>
+                <a:tc>
+                  <a:txBody>
+                    <a:bodyPr/>
+                    <a:lstStyle/>
+                    <a:p>
+                      <a:endParaRPr lang="en-HK" dirty="0"/>
+                    </a:p>
+                  </a:txBody>
+                  <a:tcPr>
+                    <a:solidFill>
+                      <a:schemeClr val="accent2">
+                        <a:lumMod val="40000"/>
+                        <a:lumOff val="60000"/>
+                      </a:schemeClr>
+                    </a:solidFill>
+                  </a:tcPr>
+                </a:tc>
+                <a:tc>
+                  <a:txBody>
+                    <a:bodyPr/>
+                    <a:lstStyle/>
+                    <a:p>
+                      <a:endParaRPr lang="en-HK" dirty="0"/>
+                    </a:p>
+                  </a:txBody>
+                  <a:tcPr>
+                    <a:solidFill>
+                      <a:schemeClr val="accent2">
+                        <a:lumMod val="40000"/>
+                        <a:lumOff val="60000"/>
+                      </a:schemeClr>
+                    </a:solidFill>
+                  </a:tcPr>
+                </a:tc>
+                <a:tc>
+                  <a:txBody>
+                    <a:bodyPr/>
+                    <a:lstStyle/>
+                    <a:p>
+                      <a:endParaRPr lang="en-HK" dirty="0"/>
+                    </a:p>
+                  </a:txBody>
+                  <a:tcPr>
+                    <a:solidFill>
+                      <a:schemeClr val="accent2">
+                        <a:lumMod val="40000"/>
+                        <a:lumOff val="60000"/>
+                      </a:schemeClr>
+                    </a:solidFill>
+                  </a:tcPr>
+                </a:tc>
+                <a:tc>
+                  <a:txBody>
+                    <a:bodyPr/>
+                    <a:lstStyle/>
+                    <a:p>
+                      <a:endParaRPr lang="en-HK" dirty="0"/>
+                    </a:p>
+                  </a:txBody>
+                  <a:tcPr>
+                    <a:solidFill>
+                      <a:schemeClr val="accent2">
+                        <a:lumMod val="40000"/>
+                        <a:lumOff val="60000"/>
+                      </a:schemeClr>
+                    </a:solidFill>
+                  </a:tcPr>
+                </a:tc>
+                <a:tc>
+                  <a:txBody>
+                    <a:bodyPr/>
+                    <a:lstStyle/>
+                    <a:p>
+                      <a:endParaRPr lang="en-HK" dirty="0"/>
+                    </a:p>
+                  </a:txBody>
+                  <a:tcPr>
+                    <a:solidFill>
+                      <a:schemeClr val="accent2">
+                        <a:lumMod val="40000"/>
+                        <a:lumOff val="60000"/>
+                      </a:schemeClr>
+                    </a:solidFill>
+                  </a:tcPr>
+                </a:tc>
+                <a:tc>
+                  <a:txBody>
+                    <a:bodyPr/>
+                    <a:lstStyle/>
+                    <a:p>
+                      <a:endParaRPr lang="en-HK" dirty="0"/>
+                    </a:p>
+                  </a:txBody>
+                  <a:tcPr>
+                    <a:solidFill>
+                      <a:schemeClr val="accent2">
+                        <a:lumMod val="40000"/>
+                        <a:lumOff val="60000"/>
+                      </a:schemeClr>
+                    </a:solidFill>
+                  </a:tcPr>
+                </a:tc>
+                <a:tc>
+                  <a:txBody>
+                    <a:bodyPr/>
+                    <a:lstStyle/>
+                    <a:p>
+                      <a:endParaRPr lang="en-HK" dirty="0"/>
+                    </a:p>
+                  </a:txBody>
+                  <a:tcPr>
+                    <a:solidFill>
+                      <a:schemeClr val="accent2">
+                        <a:lumMod val="40000"/>
+                        <a:lumOff val="60000"/>
+                      </a:schemeClr>
+                    </a:solidFill>
+                  </a:tcPr>
+                </a:tc>
+                <a:tc>
+                  <a:txBody>
+                    <a:bodyPr/>
+                    <a:lstStyle/>
+                    <a:p>
+                      <a:endParaRPr lang="en-HK" dirty="0"/>
+                    </a:p>
+                  </a:txBody>
+                  <a:tcPr>
+                    <a:solidFill>
+                      <a:schemeClr val="accent2">
+                        <a:lumMod val="40000"/>
+                        <a:lumOff val="60000"/>
+                      </a:schemeClr>
+                    </a:solidFill>
+                  </a:tcPr>
+                </a:tc>
+                <a:tc>
+                  <a:txBody>
+                    <a:bodyPr/>
+                    <a:lstStyle/>
+                    <a:p>
+                      <a:endParaRPr lang="en-HK" dirty="0"/>
+                    </a:p>
+                  </a:txBody>
+                  <a:tcPr>
+                    <a:solidFill>
+                      <a:schemeClr val="accent2">
+                        <a:lumMod val="40000"/>
+                        <a:lumOff val="60000"/>
+                      </a:schemeClr>
+                    </a:solidFill>
+                  </a:tcPr>
+                </a:tc>
+                <a:extLst>
+                  <a:ext uri="{0D108BD9-81ED-4DB2-BD59-A6C34878D82A}">
+                    <a16:rowId xmlns:a16="http://schemas.microsoft.com/office/drawing/2014/main" val="2601047344"/>
+                  </a:ext>
+                </a:extLst>
+              </a:tr>
+            </a:tbl>
+          </a:graphicData>
+        </a:graphic>
+      </p:graphicFrame>
+      <p:graphicFrame>
+        <p:nvGraphicFramePr>
+          <p:cNvPr id="11" name="Table 4">
+            <a:extLst>
+              <a:ext uri="{FF2B5EF4-FFF2-40B4-BE49-F238E27FC236}">
+                <a16:creationId xmlns:a16="http://schemas.microsoft.com/office/drawing/2014/main" id="{0228550D-2E4F-14D2-A000-B8F5130FCEFA}"/>
+              </a:ext>
+            </a:extLst>
+          </p:cNvPr>
+          <p:cNvGraphicFramePr>
+            <a:graphicFrameLocks noGrp="1"/>
+          </p:cNvGraphicFramePr>
+          <p:nvPr>
+            <p:extLst>
+              <p:ext uri="{D42A27DB-BD31-4B8C-83A1-F6EECF244321}">
+                <p14:modId xmlns:p14="http://schemas.microsoft.com/office/powerpoint/2010/main" val="2754405601"/>
+              </p:ext>
+            </p:extLst>
+          </p:nvPr>
+        </p:nvGraphicFramePr>
+        <p:xfrm>
+          <a:off x="6609751" y="3707854"/>
+          <a:ext cx="846156" cy="370840"/>
+        </p:xfrm>
+        <a:graphic>
+          <a:graphicData uri="http://schemas.openxmlformats.org/drawingml/2006/table">
+            <a:tbl>
+              <a:tblPr firstRow="1" bandRow="1">
+                <a:tableStyleId>{5C22544A-7EE6-4342-B048-85BDC9FD1C3A}</a:tableStyleId>
+              </a:tblPr>
+              <a:tblGrid>
+                <a:gridCol w="423078">
+                  <a:extLst>
+                    <a:ext uri="{9D8B030D-6E8A-4147-A177-3AD203B41FA5}">
+                      <a16:colId xmlns:a16="http://schemas.microsoft.com/office/drawing/2014/main" val="1958716807"/>
+                    </a:ext>
+                  </a:extLst>
+                </a:gridCol>
+                <a:gridCol w="423078">
+                  <a:extLst>
+                    <a:ext uri="{9D8B030D-6E8A-4147-A177-3AD203B41FA5}">
+                      <a16:colId xmlns:a16="http://schemas.microsoft.com/office/drawing/2014/main" val="2177103222"/>
+                    </a:ext>
+                  </a:extLst>
+                </a:gridCol>
+              </a:tblGrid>
+              <a:tr h="370840">
+                <a:tc>
+                  <a:txBody>
+                    <a:bodyPr/>
+                    <a:lstStyle/>
+                    <a:p>
+                      <a:endParaRPr lang="en-HK" dirty="0"/>
+                    </a:p>
+                  </a:txBody>
+                  <a:tcPr>
+                    <a:solidFill>
+                      <a:schemeClr val="accent6">
+                        <a:lumMod val="60000"/>
+                        <a:lumOff val="40000"/>
+                      </a:schemeClr>
+                    </a:solidFill>
+                  </a:tcPr>
+                </a:tc>
+                <a:tc>
+                  <a:txBody>
+                    <a:bodyPr/>
+                    <a:lstStyle/>
+                    <a:p>
+                      <a:endParaRPr lang="en-HK" dirty="0"/>
+                    </a:p>
+                  </a:txBody>
+                  <a:tcPr>
+                    <a:solidFill>
+                      <a:schemeClr val="accent6">
+                        <a:lumMod val="60000"/>
+                        <a:lumOff val="40000"/>
+                      </a:schemeClr>
+                    </a:solidFill>
+                  </a:tcPr>
+                </a:tc>
+                <a:extLst>
+                  <a:ext uri="{0D108BD9-81ED-4DB2-BD59-A6C34878D82A}">
+                    <a16:rowId xmlns:a16="http://schemas.microsoft.com/office/drawing/2014/main" val="2601047344"/>
+                  </a:ext>
+                </a:extLst>
+              </a:tr>
+            </a:tbl>
+          </a:graphicData>
+        </a:graphic>
+      </p:graphicFrame>
+      <p:cxnSp>
+        <p:nvCxnSpPr>
+          <p:cNvPr id="13" name="Straight Arrow Connector 12">
+            <a:extLst>
+              <a:ext uri="{FF2B5EF4-FFF2-40B4-BE49-F238E27FC236}">
+                <a16:creationId xmlns:a16="http://schemas.microsoft.com/office/drawing/2014/main" id="{ED66A68B-9E4D-6CF7-84D9-EB9732A589DA}"/>
+              </a:ext>
+            </a:extLst>
+          </p:cNvPr>
+          <p:cNvCxnSpPr>
+            <a:cxnSpLocks/>
+          </p:cNvCxnSpPr>
+          <p:nvPr/>
+        </p:nvCxnSpPr>
+        <p:spPr>
+          <a:xfrm>
+            <a:off x="7032829" y="4160843"/>
+            <a:ext cx="0" cy="422694"/>
+          </a:xfrm>
+          <a:prstGeom prst="straightConnector1">
+            <a:avLst/>
+          </a:prstGeom>
+          <a:ln>
+            <a:tailEnd type="triangle"/>
+          </a:ln>
+        </p:spPr>
+        <p:style>
+          <a:lnRef idx="3">
+            <a:schemeClr val="dk1"/>
+          </a:lnRef>
+          <a:fillRef idx="0">
+            <a:schemeClr val="dk1"/>
+          </a:fillRef>
+          <a:effectRef idx="2">
+            <a:schemeClr val="dk1"/>
+          </a:effectRef>
+          <a:fontRef idx="minor">
+            <a:schemeClr val="tx1"/>
+          </a:fontRef>
+        </p:style>
+      </p:cxnSp>
+      <p:graphicFrame>
+        <p:nvGraphicFramePr>
+          <p:cNvPr id="14" name="Table 4">
+            <a:extLst>
+              <a:ext uri="{FF2B5EF4-FFF2-40B4-BE49-F238E27FC236}">
+                <a16:creationId xmlns:a16="http://schemas.microsoft.com/office/drawing/2014/main" id="{D4588EEB-6689-C1E8-59C0-95BCBF8952EC}"/>
+              </a:ext>
+            </a:extLst>
+          </p:cNvPr>
+          <p:cNvGraphicFramePr>
+            <a:graphicFrameLocks noGrp="1"/>
+          </p:cNvGraphicFramePr>
+          <p:nvPr>
+            <p:extLst>
+              <p:ext uri="{D42A27DB-BD31-4B8C-83A1-F6EECF244321}">
+                <p14:modId xmlns:p14="http://schemas.microsoft.com/office/powerpoint/2010/main" val="4115625248"/>
+              </p:ext>
+            </p:extLst>
+          </p:nvPr>
+        </p:nvGraphicFramePr>
+        <p:xfrm>
+          <a:off x="677651" y="5149970"/>
+          <a:ext cx="4567200" cy="370840"/>
+        </p:xfrm>
+        <a:graphic>
+          <a:graphicData uri="http://schemas.openxmlformats.org/drawingml/2006/table">
+            <a:tbl>
+              <a:tblPr firstRow="1" bandRow="1">
+                <a:tableStyleId>{5C22544A-7EE6-4342-B048-85BDC9FD1C3A}</a:tableStyleId>
+              </a:tblPr>
+              <a:tblGrid>
+                <a:gridCol w="415200">
+                  <a:extLst>
+                    <a:ext uri="{9D8B030D-6E8A-4147-A177-3AD203B41FA5}">
+                      <a16:colId xmlns:a16="http://schemas.microsoft.com/office/drawing/2014/main" val="1958716807"/>
+                    </a:ext>
+                  </a:extLst>
+                </a:gridCol>
+                <a:gridCol w="415200">
+                  <a:extLst>
+                    <a:ext uri="{9D8B030D-6E8A-4147-A177-3AD203B41FA5}">
+                      <a16:colId xmlns:a16="http://schemas.microsoft.com/office/drawing/2014/main" val="2177103222"/>
+                    </a:ext>
+                  </a:extLst>
+                </a:gridCol>
+                <a:gridCol w="415200">
+                  <a:extLst>
+                    <a:ext uri="{9D8B030D-6E8A-4147-A177-3AD203B41FA5}">
+                      <a16:colId xmlns:a16="http://schemas.microsoft.com/office/drawing/2014/main" val="3409141404"/>
+                    </a:ext>
+                  </a:extLst>
+                </a:gridCol>
+                <a:gridCol w="415200">
+                  <a:extLst>
+                    <a:ext uri="{9D8B030D-6E8A-4147-A177-3AD203B41FA5}">
+                      <a16:colId xmlns:a16="http://schemas.microsoft.com/office/drawing/2014/main" val="217707470"/>
+                    </a:ext>
+                  </a:extLst>
+                </a:gridCol>
+                <a:gridCol w="415200">
+                  <a:extLst>
+                    <a:ext uri="{9D8B030D-6E8A-4147-A177-3AD203B41FA5}">
+                      <a16:colId xmlns:a16="http://schemas.microsoft.com/office/drawing/2014/main" val="770379941"/>
+                    </a:ext>
+                  </a:extLst>
+                </a:gridCol>
+                <a:gridCol w="415200">
+                  <a:extLst>
+                    <a:ext uri="{9D8B030D-6E8A-4147-A177-3AD203B41FA5}">
+                      <a16:colId xmlns:a16="http://schemas.microsoft.com/office/drawing/2014/main" val="4085467491"/>
+                    </a:ext>
+                  </a:extLst>
+                </a:gridCol>
+                <a:gridCol w="415200">
+                  <a:extLst>
+                    <a:ext uri="{9D8B030D-6E8A-4147-A177-3AD203B41FA5}">
+                      <a16:colId xmlns:a16="http://schemas.microsoft.com/office/drawing/2014/main" val="2183018877"/>
+                    </a:ext>
+                  </a:extLst>
+                </a:gridCol>
+                <a:gridCol w="415200">
+                  <a:extLst>
+                    <a:ext uri="{9D8B030D-6E8A-4147-A177-3AD203B41FA5}">
+                      <a16:colId xmlns:a16="http://schemas.microsoft.com/office/drawing/2014/main" val="3957069584"/>
+                    </a:ext>
+                  </a:extLst>
+                </a:gridCol>
+                <a:gridCol w="415200">
+                  <a:extLst>
+                    <a:ext uri="{9D8B030D-6E8A-4147-A177-3AD203B41FA5}">
+                      <a16:colId xmlns:a16="http://schemas.microsoft.com/office/drawing/2014/main" val="3244291510"/>
+                    </a:ext>
+                  </a:extLst>
+                </a:gridCol>
+                <a:gridCol w="415200">
+                  <a:extLst>
+                    <a:ext uri="{9D8B030D-6E8A-4147-A177-3AD203B41FA5}">
+                      <a16:colId xmlns:a16="http://schemas.microsoft.com/office/drawing/2014/main" val="3722398860"/>
+                    </a:ext>
+                  </a:extLst>
+                </a:gridCol>
+                <a:gridCol w="415200">
+                  <a:extLst>
+                    <a:ext uri="{9D8B030D-6E8A-4147-A177-3AD203B41FA5}">
+                      <a16:colId xmlns:a16="http://schemas.microsoft.com/office/drawing/2014/main" val="894685214"/>
+                    </a:ext>
+                  </a:extLst>
+                </a:gridCol>
+              </a:tblGrid>
+              <a:tr h="370840">
+                <a:tc>
+                  <a:txBody>
+                    <a:bodyPr/>
+                    <a:lstStyle/>
+                    <a:p>
+                      <a:endParaRPr lang="en-HK" dirty="0"/>
+                    </a:p>
+                  </a:txBody>
+                  <a:tcPr>
+                    <a:solidFill>
+                      <a:schemeClr val="accent2">
+                        <a:lumMod val="40000"/>
+                        <a:lumOff val="60000"/>
+                      </a:schemeClr>
+                    </a:solidFill>
+                  </a:tcPr>
+                </a:tc>
+                <a:tc>
+                  <a:txBody>
+                    <a:bodyPr/>
+                    <a:lstStyle/>
+                    <a:p>
+                      <a:endParaRPr lang="en-HK" dirty="0"/>
+                    </a:p>
+                  </a:txBody>
+                  <a:tcPr>
+                    <a:solidFill>
+                      <a:schemeClr val="accent2">
+                        <a:lumMod val="40000"/>
+                        <a:lumOff val="60000"/>
+                      </a:schemeClr>
+                    </a:solidFill>
+                  </a:tcPr>
+                </a:tc>
+                <a:tc>
+                  <a:txBody>
+                    <a:bodyPr/>
+                    <a:lstStyle/>
+                    <a:p>
+                      <a:endParaRPr lang="en-HK" dirty="0"/>
+                    </a:p>
+                  </a:txBody>
+                  <a:tcPr>
+                    <a:solidFill>
+                      <a:schemeClr val="accent1">
+                        <a:lumMod val="40000"/>
+                        <a:lumOff val="60000"/>
+                      </a:schemeClr>
+                    </a:solidFill>
+                  </a:tcPr>
+                </a:tc>
+                <a:tc>
+                  <a:txBody>
+                    <a:bodyPr/>
+                    <a:lstStyle/>
+                    <a:p>
+                      <a:endParaRPr lang="en-HK" dirty="0"/>
+                    </a:p>
+                  </a:txBody>
+                  <a:tcPr>
+                    <a:solidFill>
+                      <a:schemeClr val="accent2">
+                        <a:lumMod val="40000"/>
+                        <a:lumOff val="60000"/>
+                      </a:schemeClr>
+                    </a:solidFill>
+                  </a:tcPr>
+                </a:tc>
+                <a:tc>
+                  <a:txBody>
+                    <a:bodyPr/>
+                    <a:lstStyle/>
+                    <a:p>
+                      <a:endParaRPr lang="en-HK" dirty="0"/>
+                    </a:p>
+                  </a:txBody>
+                  <a:tcPr>
+                    <a:solidFill>
+                      <a:schemeClr val="accent1">
+                        <a:lumMod val="40000"/>
+                        <a:lumOff val="60000"/>
+                      </a:schemeClr>
+                    </a:solidFill>
+                  </a:tcPr>
+                </a:tc>
+                <a:tc>
+                  <a:txBody>
+                    <a:bodyPr/>
+                    <a:lstStyle/>
+                    <a:p>
+                      <a:endParaRPr lang="en-HK" dirty="0"/>
+                    </a:p>
+                  </a:txBody>
+                  <a:tcPr>
+                    <a:solidFill>
+                      <a:schemeClr val="accent2">
+                        <a:lumMod val="40000"/>
+                        <a:lumOff val="60000"/>
+                      </a:schemeClr>
+                    </a:solidFill>
+                  </a:tcPr>
+                </a:tc>
+                <a:tc>
+                  <a:txBody>
+                    <a:bodyPr/>
+                    <a:lstStyle/>
+                    <a:p>
+                      <a:endParaRPr lang="en-HK" dirty="0"/>
+                    </a:p>
+                  </a:txBody>
+                  <a:tcPr>
+                    <a:solidFill>
+                      <a:schemeClr val="accent2">
+                        <a:lumMod val="40000"/>
+                        <a:lumOff val="60000"/>
+                      </a:schemeClr>
+                    </a:solidFill>
+                  </a:tcPr>
+                </a:tc>
+                <a:tc>
+                  <a:txBody>
+                    <a:bodyPr/>
+                    <a:lstStyle/>
+                    <a:p>
+                      <a:endParaRPr lang="en-HK" dirty="0"/>
+                    </a:p>
+                  </a:txBody>
+                  <a:tcPr>
+                    <a:solidFill>
+                      <a:schemeClr val="accent2">
+                        <a:lumMod val="40000"/>
+                        <a:lumOff val="60000"/>
+                      </a:schemeClr>
+                    </a:solidFill>
+                  </a:tcPr>
+                </a:tc>
+                <a:tc>
+                  <a:txBody>
+                    <a:bodyPr/>
+                    <a:lstStyle/>
+                    <a:p>
+                      <a:endParaRPr lang="en-HK" dirty="0"/>
+                    </a:p>
+                  </a:txBody>
+                  <a:tcPr>
+                    <a:solidFill>
+                      <a:schemeClr val="accent1">
+                        <a:lumMod val="40000"/>
+                        <a:lumOff val="60000"/>
+                      </a:schemeClr>
+                    </a:solidFill>
+                  </a:tcPr>
+                </a:tc>
+                <a:tc>
+                  <a:txBody>
+                    <a:bodyPr/>
+                    <a:lstStyle/>
+                    <a:p>
+                      <a:endParaRPr lang="en-HK" dirty="0"/>
+                    </a:p>
+                  </a:txBody>
+                  <a:tcPr>
+                    <a:solidFill>
+                      <a:schemeClr val="accent2">
+                        <a:lumMod val="40000"/>
+                        <a:lumOff val="60000"/>
+                      </a:schemeClr>
+                    </a:solidFill>
+                  </a:tcPr>
+                </a:tc>
+                <a:tc>
+                  <a:txBody>
+                    <a:bodyPr/>
+                    <a:lstStyle/>
+                    <a:p>
+                      <a:endParaRPr lang="en-HK" dirty="0"/>
+                    </a:p>
+                  </a:txBody>
+                  <a:tcPr>
+                    <a:solidFill>
+                      <a:schemeClr val="accent3">
+                        <a:lumMod val="60000"/>
+                        <a:lumOff val="40000"/>
+                      </a:schemeClr>
+                    </a:solidFill>
+                  </a:tcPr>
+                </a:tc>
+                <a:extLst>
+                  <a:ext uri="{0D108BD9-81ED-4DB2-BD59-A6C34878D82A}">
+                    <a16:rowId xmlns:a16="http://schemas.microsoft.com/office/drawing/2014/main" val="2601047344"/>
+                  </a:ext>
+                </a:extLst>
+              </a:tr>
+            </a:tbl>
+          </a:graphicData>
+        </a:graphic>
+      </p:graphicFrame>
+      <p:cxnSp>
+        <p:nvCxnSpPr>
+          <p:cNvPr id="15" name="Straight Arrow Connector 14">
+            <a:extLst>
+              <a:ext uri="{FF2B5EF4-FFF2-40B4-BE49-F238E27FC236}">
+                <a16:creationId xmlns:a16="http://schemas.microsoft.com/office/drawing/2014/main" id="{61558E12-4E83-EA9D-F9E8-507F250B36A1}"/>
+              </a:ext>
+            </a:extLst>
+          </p:cNvPr>
+          <p:cNvCxnSpPr>
+            <a:cxnSpLocks/>
+          </p:cNvCxnSpPr>
+          <p:nvPr/>
+        </p:nvCxnSpPr>
+        <p:spPr>
+          <a:xfrm>
+            <a:off x="8720350" y="5149970"/>
+            <a:ext cx="0" cy="376687"/>
+          </a:xfrm>
+          <a:prstGeom prst="straightConnector1">
+            <a:avLst/>
+          </a:prstGeom>
+          <a:ln>
+            <a:tailEnd type="triangle"/>
+          </a:ln>
+        </p:spPr>
+        <p:style>
+          <a:lnRef idx="3">
+            <a:schemeClr val="dk1"/>
+          </a:lnRef>
+          <a:fillRef idx="0">
+            <a:schemeClr val="dk1"/>
+          </a:fillRef>
+          <a:effectRef idx="2">
+            <a:schemeClr val="dk1"/>
+          </a:effectRef>
+          <a:fontRef idx="minor">
+            <a:schemeClr val="tx1"/>
+          </a:fontRef>
+        </p:style>
+      </p:cxnSp>
+      <p:graphicFrame>
+        <p:nvGraphicFramePr>
+          <p:cNvPr id="16" name="Table 4">
+            <a:extLst>
+              <a:ext uri="{FF2B5EF4-FFF2-40B4-BE49-F238E27FC236}">
+                <a16:creationId xmlns:a16="http://schemas.microsoft.com/office/drawing/2014/main" id="{0904DAD7-D973-ABB1-9CF9-0DF8690F3343}"/>
+              </a:ext>
+            </a:extLst>
+          </p:cNvPr>
+          <p:cNvGraphicFramePr>
+            <a:graphicFrameLocks noGrp="1"/>
+          </p:cNvGraphicFramePr>
+          <p:nvPr>
+            <p:extLst>
+              <p:ext uri="{D42A27DB-BD31-4B8C-83A1-F6EECF244321}">
+                <p14:modId xmlns:p14="http://schemas.microsoft.com/office/powerpoint/2010/main" val="3546640070"/>
+              </p:ext>
+            </p:extLst>
+          </p:nvPr>
+        </p:nvGraphicFramePr>
+        <p:xfrm>
+          <a:off x="6609751" y="5690956"/>
+          <a:ext cx="4230780" cy="370840"/>
+        </p:xfrm>
+        <a:graphic>
+          <a:graphicData uri="http://schemas.openxmlformats.org/drawingml/2006/table">
+            <a:tbl>
+              <a:tblPr firstRow="1" bandRow="1">
+                <a:tableStyleId>{5C22544A-7EE6-4342-B048-85BDC9FD1C3A}</a:tableStyleId>
+              </a:tblPr>
+              <a:tblGrid>
+                <a:gridCol w="423078">
+                  <a:extLst>
+                    <a:ext uri="{9D8B030D-6E8A-4147-A177-3AD203B41FA5}">
+                      <a16:colId xmlns:a16="http://schemas.microsoft.com/office/drawing/2014/main" val="1958716807"/>
+                    </a:ext>
+                  </a:extLst>
+                </a:gridCol>
+                <a:gridCol w="423078">
+                  <a:extLst>
+                    <a:ext uri="{9D8B030D-6E8A-4147-A177-3AD203B41FA5}">
+                      <a16:colId xmlns:a16="http://schemas.microsoft.com/office/drawing/2014/main" val="2177103222"/>
+                    </a:ext>
+                  </a:extLst>
+                </a:gridCol>
+                <a:gridCol w="423078">
+                  <a:extLst>
+                    <a:ext uri="{9D8B030D-6E8A-4147-A177-3AD203B41FA5}">
+                      <a16:colId xmlns:a16="http://schemas.microsoft.com/office/drawing/2014/main" val="3409141404"/>
+                    </a:ext>
+                  </a:extLst>
+                </a:gridCol>
+                <a:gridCol w="423078">
+                  <a:extLst>
+                    <a:ext uri="{9D8B030D-6E8A-4147-A177-3AD203B41FA5}">
+                      <a16:colId xmlns:a16="http://schemas.microsoft.com/office/drawing/2014/main" val="217707470"/>
+                    </a:ext>
+                  </a:extLst>
+                </a:gridCol>
+                <a:gridCol w="423078">
+                  <a:extLst>
+                    <a:ext uri="{9D8B030D-6E8A-4147-A177-3AD203B41FA5}">
+                      <a16:colId xmlns:a16="http://schemas.microsoft.com/office/drawing/2014/main" val="770379941"/>
+                    </a:ext>
+                  </a:extLst>
+                </a:gridCol>
+                <a:gridCol w="423078">
+                  <a:extLst>
+                    <a:ext uri="{9D8B030D-6E8A-4147-A177-3AD203B41FA5}">
+                      <a16:colId xmlns:a16="http://schemas.microsoft.com/office/drawing/2014/main" val="4085467491"/>
+                    </a:ext>
+                  </a:extLst>
+                </a:gridCol>
+                <a:gridCol w="423078">
+                  <a:extLst>
+                    <a:ext uri="{9D8B030D-6E8A-4147-A177-3AD203B41FA5}">
+                      <a16:colId xmlns:a16="http://schemas.microsoft.com/office/drawing/2014/main" val="2183018877"/>
+                    </a:ext>
+                  </a:extLst>
+                </a:gridCol>
+                <a:gridCol w="423078">
+                  <a:extLst>
+                    <a:ext uri="{9D8B030D-6E8A-4147-A177-3AD203B41FA5}">
+                      <a16:colId xmlns:a16="http://schemas.microsoft.com/office/drawing/2014/main" val="3957069584"/>
+                    </a:ext>
+                  </a:extLst>
+                </a:gridCol>
+                <a:gridCol w="423078">
+                  <a:extLst>
+                    <a:ext uri="{9D8B030D-6E8A-4147-A177-3AD203B41FA5}">
+                      <a16:colId xmlns:a16="http://schemas.microsoft.com/office/drawing/2014/main" val="3244291510"/>
+                    </a:ext>
+                  </a:extLst>
+                </a:gridCol>
+                <a:gridCol w="423078">
+                  <a:extLst>
+                    <a:ext uri="{9D8B030D-6E8A-4147-A177-3AD203B41FA5}">
+                      <a16:colId xmlns:a16="http://schemas.microsoft.com/office/drawing/2014/main" val="3722398860"/>
+                    </a:ext>
+                  </a:extLst>
+                </a:gridCol>
+              </a:tblGrid>
+              <a:tr h="370840">
+                <a:tc>
+                  <a:txBody>
+                    <a:bodyPr/>
+                    <a:lstStyle/>
+                    <a:p>
+                      <a:endParaRPr lang="en-HK" dirty="0"/>
+                    </a:p>
+                  </a:txBody>
+                  <a:tcPr>
+                    <a:lnTlToBr w="12700" cap="flat" cmpd="sng" algn="ctr">
+                      <a:solidFill>
+                        <a:schemeClr val="tx1"/>
+                      </a:solidFill>
+                      <a:prstDash val="solid"/>
+                      <a:round/>
+                      <a:headEnd type="none" w="med" len="med"/>
+                      <a:tailEnd type="none" w="med" len="med"/>
+                    </a:lnTlToBr>
+                    <a:lnBlToTr w="12700" cap="flat" cmpd="sng" algn="ctr">
+                      <a:solidFill>
+                        <a:schemeClr val="tx1"/>
+                      </a:solidFill>
+                      <a:prstDash val="solid"/>
+                      <a:round/>
+                      <a:headEnd type="none" w="med" len="med"/>
+                      <a:tailEnd type="none" w="med" len="med"/>
+                    </a:lnBlToTr>
+                    <a:solidFill>
+                      <a:schemeClr val="accent6">
+                        <a:lumMod val="60000"/>
+                        <a:lumOff val="40000"/>
+                      </a:schemeClr>
+                    </a:solidFill>
+                  </a:tcPr>
+                </a:tc>
+                <a:tc>
+                  <a:txBody>
+                    <a:bodyPr/>
+                    <a:lstStyle/>
+                    <a:p>
+                      <a:endParaRPr lang="en-HK" dirty="0"/>
+                    </a:p>
+                  </a:txBody>
+                  <a:tcPr>
+                    <a:lnTlToBr w="12700" cap="flat" cmpd="sng" algn="ctr">
+                      <a:solidFill>
+                        <a:schemeClr val="tx1"/>
+                      </a:solidFill>
+                      <a:prstDash val="solid"/>
+                      <a:round/>
+                      <a:headEnd type="none" w="med" len="med"/>
+                      <a:tailEnd type="none" w="med" len="med"/>
+                    </a:lnTlToBr>
+                    <a:lnBlToTr w="12700" cap="flat" cmpd="sng" algn="ctr">
+                      <a:solidFill>
+                        <a:schemeClr val="tx1"/>
+                      </a:solidFill>
+                      <a:prstDash val="solid"/>
+                      <a:round/>
+                      <a:headEnd type="none" w="med" len="med"/>
+                      <a:tailEnd type="none" w="med" len="med"/>
+                    </a:lnBlToTr>
+                    <a:solidFill>
+                      <a:schemeClr val="accent6">
+                        <a:lumMod val="60000"/>
+                        <a:lumOff val="40000"/>
+                      </a:schemeClr>
+                    </a:solidFill>
+                  </a:tcPr>
+                </a:tc>
+                <a:tc>
+                  <a:txBody>
+                    <a:bodyPr/>
+                    <a:lstStyle/>
+                    <a:p>
+                      <a:endParaRPr lang="en-HK" dirty="0"/>
+                    </a:p>
+                  </a:txBody>
+                  <a:tcPr>
+                    <a:lnTlToBr w="12700" cap="flat" cmpd="sng" algn="ctr">
+                      <a:solidFill>
+                        <a:schemeClr val="tx1"/>
+                      </a:solidFill>
+                      <a:prstDash val="solid"/>
+                      <a:round/>
+                      <a:headEnd type="none" w="med" len="med"/>
+                      <a:tailEnd type="none" w="med" len="med"/>
+                    </a:lnTlToBr>
+                    <a:lnBlToTr w="12700" cap="flat" cmpd="sng" algn="ctr">
+                      <a:solidFill>
+                        <a:schemeClr val="tx1"/>
+                      </a:solidFill>
+                      <a:prstDash val="solid"/>
+                      <a:round/>
+                      <a:headEnd type="none" w="med" len="med"/>
+                      <a:tailEnd type="none" w="med" len="med"/>
+                    </a:lnBlToTr>
+                    <a:solidFill>
+                      <a:schemeClr val="accent1">
+                        <a:lumMod val="40000"/>
+                        <a:lumOff val="60000"/>
+                      </a:schemeClr>
+                    </a:solidFill>
+                  </a:tcPr>
+                </a:tc>
+                <a:tc>
+                  <a:txBody>
+                    <a:bodyPr/>
+                    <a:lstStyle/>
+                    <a:p>
+                      <a:endParaRPr lang="en-HK" dirty="0"/>
+                    </a:p>
+                  </a:txBody>
+                  <a:tcPr>
+                    <a:solidFill>
+                      <a:schemeClr val="accent2">
+                        <a:lumMod val="40000"/>
+                        <a:lumOff val="60000"/>
+                      </a:schemeClr>
+                    </a:solidFill>
+                  </a:tcPr>
+                </a:tc>
+                <a:tc>
+                  <a:txBody>
+                    <a:bodyPr/>
+                    <a:lstStyle/>
+                    <a:p>
+                      <a:endParaRPr lang="en-HK" dirty="0"/>
+                    </a:p>
+                  </a:txBody>
+                  <a:tcPr>
+                    <a:solidFill>
+                      <a:schemeClr val="accent2">
+                        <a:lumMod val="40000"/>
+                        <a:lumOff val="60000"/>
+                      </a:schemeClr>
+                    </a:solidFill>
+                  </a:tcPr>
+                </a:tc>
+                <a:tc>
+                  <a:txBody>
+                    <a:bodyPr/>
+                    <a:lstStyle/>
+                    <a:p>
+                      <a:endParaRPr lang="en-HK" dirty="0"/>
+                    </a:p>
+                  </a:txBody>
+                  <a:tcPr>
+                    <a:solidFill>
+                      <a:schemeClr val="accent2">
+                        <a:lumMod val="40000"/>
+                        <a:lumOff val="60000"/>
+                      </a:schemeClr>
+                    </a:solidFill>
+                  </a:tcPr>
+                </a:tc>
+                <a:tc>
+                  <a:txBody>
+                    <a:bodyPr/>
+                    <a:lstStyle/>
+                    <a:p>
+                      <a:endParaRPr lang="en-HK" dirty="0"/>
+                    </a:p>
+                  </a:txBody>
+                  <a:tcPr>
+                    <a:solidFill>
+                      <a:schemeClr val="accent2">
+                        <a:lumMod val="40000"/>
+                        <a:lumOff val="60000"/>
+                      </a:schemeClr>
+                    </a:solidFill>
+                  </a:tcPr>
+                </a:tc>
+                <a:tc>
+                  <a:txBody>
+                    <a:bodyPr/>
+                    <a:lstStyle/>
+                    <a:p>
+                      <a:endParaRPr lang="en-HK" dirty="0"/>
+                    </a:p>
+                  </a:txBody>
+                  <a:tcPr>
+                    <a:solidFill>
+                      <a:schemeClr val="accent2">
+                        <a:lumMod val="40000"/>
+                        <a:lumOff val="60000"/>
+                      </a:schemeClr>
+                    </a:solidFill>
+                  </a:tcPr>
+                </a:tc>
+                <a:tc>
+                  <a:txBody>
+                    <a:bodyPr/>
+                    <a:lstStyle/>
+                    <a:p>
+                      <a:endParaRPr lang="en-HK" dirty="0"/>
+                    </a:p>
+                  </a:txBody>
+                  <a:tcPr>
+                    <a:solidFill>
+                      <a:schemeClr val="accent2">
+                        <a:lumMod val="40000"/>
+                        <a:lumOff val="60000"/>
+                      </a:schemeClr>
+                    </a:solidFill>
+                  </a:tcPr>
+                </a:tc>
+                <a:tc>
+                  <a:txBody>
+                    <a:bodyPr/>
+                    <a:lstStyle/>
+                    <a:p>
+                      <a:endParaRPr lang="en-HK" dirty="0"/>
+                    </a:p>
+                  </a:txBody>
+                  <a:tcPr>
+                    <a:solidFill>
+                      <a:schemeClr val="accent2">
+                        <a:lumMod val="40000"/>
+                        <a:lumOff val="60000"/>
+                      </a:schemeClr>
+                    </a:solidFill>
+                  </a:tcPr>
+                </a:tc>
+                <a:extLst>
+                  <a:ext uri="{0D108BD9-81ED-4DB2-BD59-A6C34878D82A}">
+                    <a16:rowId xmlns:a16="http://schemas.microsoft.com/office/drawing/2014/main" val="2601047344"/>
+                  </a:ext>
+                </a:extLst>
+              </a:tr>
+            </a:tbl>
+          </a:graphicData>
+        </a:graphic>
+      </p:graphicFrame>
+      <p:sp>
+        <p:nvSpPr>
+          <p:cNvPr id="17" name="TextBox 16">
+            <a:extLst>
+              <a:ext uri="{FF2B5EF4-FFF2-40B4-BE49-F238E27FC236}">
+                <a16:creationId xmlns:a16="http://schemas.microsoft.com/office/drawing/2014/main" id="{7FFED4E9-7134-62F7-577C-EE04C21ED462}"/>
+              </a:ext>
+            </a:extLst>
+          </p:cNvPr>
+          <p:cNvSpPr txBox="1"/>
+          <p:nvPr/>
+        </p:nvSpPr>
+        <p:spPr>
+          <a:xfrm>
+            <a:off x="1801521" y="3010619"/>
+            <a:ext cx="1983043" cy="369332"/>
+          </a:xfrm>
+          <a:prstGeom prst="rect">
+            <a:avLst/>
+          </a:prstGeom>
+          <a:noFill/>
+        </p:spPr>
+        <p:txBody>
+          <a:bodyPr wrap="none" rtlCol="0">
+            <a:spAutoFit/>
+          </a:bodyPr>
+          <a:lstStyle/>
+          <a:p>
+            <a:r>
+              <a:rPr lang="en-US" altLang="zh-CN" dirty="0"/>
+              <a:t>Fixed seat planning</a:t>
+            </a:r>
+            <a:endParaRPr lang="en-HK" dirty="0"/>
+          </a:p>
+        </p:txBody>
+      </p:sp>
+      <p:sp>
+        <p:nvSpPr>
+          <p:cNvPr id="18" name="TextBox 17">
+            <a:extLst>
+              <a:ext uri="{FF2B5EF4-FFF2-40B4-BE49-F238E27FC236}">
+                <a16:creationId xmlns:a16="http://schemas.microsoft.com/office/drawing/2014/main" id="{98D31FBC-1864-2B24-D111-652C20CA603F}"/>
+              </a:ext>
+            </a:extLst>
+          </p:cNvPr>
+          <p:cNvSpPr txBox="1"/>
+          <p:nvPr/>
+        </p:nvSpPr>
+        <p:spPr>
+          <a:xfrm>
+            <a:off x="1725283" y="4398871"/>
+            <a:ext cx="2206886" cy="369332"/>
+          </a:xfrm>
+          <a:prstGeom prst="rect">
+            <a:avLst/>
+          </a:prstGeom>
+          <a:noFill/>
+        </p:spPr>
+        <p:txBody>
+          <a:bodyPr wrap="none" rtlCol="0">
+            <a:spAutoFit/>
+          </a:bodyPr>
+          <a:lstStyle/>
+          <a:p>
+            <a:r>
+              <a:rPr lang="en-US" altLang="zh-CN" dirty="0"/>
+              <a:t>Flexible seat planning</a:t>
+            </a:r>
+            <a:endParaRPr lang="en-HK" dirty="0"/>
+          </a:p>
+        </p:txBody>
+      </p:sp>
     </p:spTree>
     <p:extLst>
       <p:ext uri="{BB962C8B-B14F-4D97-AF65-F5344CB8AC3E}">
@@ -5668,6 +7178,2056 @@
 </file>
 
 <file path=ppt/slides/slide6.xml><?xml version="1.0" encoding="utf-8"?>
+<p:sld xmlns:a="http://schemas.openxmlformats.org/drawingml/2006/main" xmlns:r="http://schemas.openxmlformats.org/officeDocument/2006/relationships" xmlns:p="http://schemas.openxmlformats.org/presentationml/2006/main">
+  <p:cSld>
+    <p:spTree>
+      <p:nvGrpSpPr>
+        <p:cNvPr id="1" name=""/>
+        <p:cNvGrpSpPr/>
+        <p:nvPr/>
+      </p:nvGrpSpPr>
+      <p:grpSpPr>
+        <a:xfrm>
+          <a:off x="0" y="0"/>
+          <a:ext cx="0" cy="0"/>
+          <a:chOff x="0" y="0"/>
+          <a:chExt cx="0" cy="0"/>
+        </a:xfrm>
+      </p:grpSpPr>
+      <p:graphicFrame>
+        <p:nvGraphicFramePr>
+          <p:cNvPr id="12" name="Table 4">
+            <a:extLst>
+              <a:ext uri="{FF2B5EF4-FFF2-40B4-BE49-F238E27FC236}">
+                <a16:creationId xmlns:a16="http://schemas.microsoft.com/office/drawing/2014/main" id="{27F0C37B-C53F-2748-90C5-9F808CC65E50}"/>
+              </a:ext>
+            </a:extLst>
+          </p:cNvPr>
+          <p:cNvGraphicFramePr>
+            <a:graphicFrameLocks noGrp="1"/>
+          </p:cNvGraphicFramePr>
+          <p:nvPr>
+            <p:extLst>
+              <p:ext uri="{D42A27DB-BD31-4B8C-83A1-F6EECF244321}">
+                <p14:modId xmlns:p14="http://schemas.microsoft.com/office/powerpoint/2010/main" val="2665220629"/>
+              </p:ext>
+            </p:extLst>
+          </p:nvPr>
+        </p:nvGraphicFramePr>
+        <p:xfrm>
+          <a:off x="677651" y="4081259"/>
+          <a:ext cx="6723822" cy="370840"/>
+        </p:xfrm>
+        <a:graphic>
+          <a:graphicData uri="http://schemas.openxmlformats.org/drawingml/2006/table">
+            <a:tbl>
+              <a:tblPr firstRow="1" bandRow="1">
+                <a:tableStyleId>{5C22544A-7EE6-4342-B048-85BDC9FD1C3A}</a:tableStyleId>
+              </a:tblPr>
+              <a:tblGrid>
+                <a:gridCol w="320182">
+                  <a:extLst>
+                    <a:ext uri="{9D8B030D-6E8A-4147-A177-3AD203B41FA5}">
+                      <a16:colId xmlns:a16="http://schemas.microsoft.com/office/drawing/2014/main" val="1958716807"/>
+                    </a:ext>
+                  </a:extLst>
+                </a:gridCol>
+                <a:gridCol w="320182">
+                  <a:extLst>
+                    <a:ext uri="{9D8B030D-6E8A-4147-A177-3AD203B41FA5}">
+                      <a16:colId xmlns:a16="http://schemas.microsoft.com/office/drawing/2014/main" val="2177103222"/>
+                    </a:ext>
+                  </a:extLst>
+                </a:gridCol>
+                <a:gridCol w="320182">
+                  <a:extLst>
+                    <a:ext uri="{9D8B030D-6E8A-4147-A177-3AD203B41FA5}">
+                      <a16:colId xmlns:a16="http://schemas.microsoft.com/office/drawing/2014/main" val="191291771"/>
+                    </a:ext>
+                  </a:extLst>
+                </a:gridCol>
+                <a:gridCol w="320182">
+                  <a:extLst>
+                    <a:ext uri="{9D8B030D-6E8A-4147-A177-3AD203B41FA5}">
+                      <a16:colId xmlns:a16="http://schemas.microsoft.com/office/drawing/2014/main" val="3854136493"/>
+                    </a:ext>
+                  </a:extLst>
+                </a:gridCol>
+                <a:gridCol w="320182">
+                  <a:extLst>
+                    <a:ext uri="{9D8B030D-6E8A-4147-A177-3AD203B41FA5}">
+                      <a16:colId xmlns:a16="http://schemas.microsoft.com/office/drawing/2014/main" val="3409141404"/>
+                    </a:ext>
+                  </a:extLst>
+                </a:gridCol>
+                <a:gridCol w="320182">
+                  <a:extLst>
+                    <a:ext uri="{9D8B030D-6E8A-4147-A177-3AD203B41FA5}">
+                      <a16:colId xmlns:a16="http://schemas.microsoft.com/office/drawing/2014/main" val="217707470"/>
+                    </a:ext>
+                  </a:extLst>
+                </a:gridCol>
+                <a:gridCol w="320182">
+                  <a:extLst>
+                    <a:ext uri="{9D8B030D-6E8A-4147-A177-3AD203B41FA5}">
+                      <a16:colId xmlns:a16="http://schemas.microsoft.com/office/drawing/2014/main" val="2493533114"/>
+                    </a:ext>
+                  </a:extLst>
+                </a:gridCol>
+                <a:gridCol w="320182">
+                  <a:extLst>
+                    <a:ext uri="{9D8B030D-6E8A-4147-A177-3AD203B41FA5}">
+                      <a16:colId xmlns:a16="http://schemas.microsoft.com/office/drawing/2014/main" val="1642796582"/>
+                    </a:ext>
+                  </a:extLst>
+                </a:gridCol>
+                <a:gridCol w="320182">
+                  <a:extLst>
+                    <a:ext uri="{9D8B030D-6E8A-4147-A177-3AD203B41FA5}">
+                      <a16:colId xmlns:a16="http://schemas.microsoft.com/office/drawing/2014/main" val="967441402"/>
+                    </a:ext>
+                  </a:extLst>
+                </a:gridCol>
+                <a:gridCol w="320182">
+                  <a:extLst>
+                    <a:ext uri="{9D8B030D-6E8A-4147-A177-3AD203B41FA5}">
+                      <a16:colId xmlns:a16="http://schemas.microsoft.com/office/drawing/2014/main" val="770379941"/>
+                    </a:ext>
+                  </a:extLst>
+                </a:gridCol>
+                <a:gridCol w="320182">
+                  <a:extLst>
+                    <a:ext uri="{9D8B030D-6E8A-4147-A177-3AD203B41FA5}">
+                      <a16:colId xmlns:a16="http://schemas.microsoft.com/office/drawing/2014/main" val="4085467491"/>
+                    </a:ext>
+                  </a:extLst>
+                </a:gridCol>
+                <a:gridCol w="320182">
+                  <a:extLst>
+                    <a:ext uri="{9D8B030D-6E8A-4147-A177-3AD203B41FA5}">
+                      <a16:colId xmlns:a16="http://schemas.microsoft.com/office/drawing/2014/main" val="2183018877"/>
+                    </a:ext>
+                  </a:extLst>
+                </a:gridCol>
+                <a:gridCol w="320182">
+                  <a:extLst>
+                    <a:ext uri="{9D8B030D-6E8A-4147-A177-3AD203B41FA5}">
+                      <a16:colId xmlns:a16="http://schemas.microsoft.com/office/drawing/2014/main" val="3957069584"/>
+                    </a:ext>
+                  </a:extLst>
+                </a:gridCol>
+                <a:gridCol w="320182">
+                  <a:extLst>
+                    <a:ext uri="{9D8B030D-6E8A-4147-A177-3AD203B41FA5}">
+                      <a16:colId xmlns:a16="http://schemas.microsoft.com/office/drawing/2014/main" val="647280036"/>
+                    </a:ext>
+                  </a:extLst>
+                </a:gridCol>
+                <a:gridCol w="320182">
+                  <a:extLst>
+                    <a:ext uri="{9D8B030D-6E8A-4147-A177-3AD203B41FA5}">
+                      <a16:colId xmlns:a16="http://schemas.microsoft.com/office/drawing/2014/main" val="3244291510"/>
+                    </a:ext>
+                  </a:extLst>
+                </a:gridCol>
+                <a:gridCol w="320182">
+                  <a:extLst>
+                    <a:ext uri="{9D8B030D-6E8A-4147-A177-3AD203B41FA5}">
+                      <a16:colId xmlns:a16="http://schemas.microsoft.com/office/drawing/2014/main" val="3722398860"/>
+                    </a:ext>
+                  </a:extLst>
+                </a:gridCol>
+                <a:gridCol w="320182">
+                  <a:extLst>
+                    <a:ext uri="{9D8B030D-6E8A-4147-A177-3AD203B41FA5}">
+                      <a16:colId xmlns:a16="http://schemas.microsoft.com/office/drawing/2014/main" val="1908913428"/>
+                    </a:ext>
+                  </a:extLst>
+                </a:gridCol>
+                <a:gridCol w="320182">
+                  <a:extLst>
+                    <a:ext uri="{9D8B030D-6E8A-4147-A177-3AD203B41FA5}">
+                      <a16:colId xmlns:a16="http://schemas.microsoft.com/office/drawing/2014/main" val="3415233984"/>
+                    </a:ext>
+                  </a:extLst>
+                </a:gridCol>
+                <a:gridCol w="320182">
+                  <a:extLst>
+                    <a:ext uri="{9D8B030D-6E8A-4147-A177-3AD203B41FA5}">
+                      <a16:colId xmlns:a16="http://schemas.microsoft.com/office/drawing/2014/main" val="2902414225"/>
+                    </a:ext>
+                  </a:extLst>
+                </a:gridCol>
+                <a:gridCol w="320182">
+                  <a:extLst>
+                    <a:ext uri="{9D8B030D-6E8A-4147-A177-3AD203B41FA5}">
+                      <a16:colId xmlns:a16="http://schemas.microsoft.com/office/drawing/2014/main" val="1661741288"/>
+                    </a:ext>
+                  </a:extLst>
+                </a:gridCol>
+                <a:gridCol w="320182">
+                  <a:extLst>
+                    <a:ext uri="{9D8B030D-6E8A-4147-A177-3AD203B41FA5}">
+                      <a16:colId xmlns:a16="http://schemas.microsoft.com/office/drawing/2014/main" val="2175505222"/>
+                    </a:ext>
+                  </a:extLst>
+                </a:gridCol>
+              </a:tblGrid>
+              <a:tr h="370840">
+                <a:tc>
+                  <a:txBody>
+                    <a:bodyPr/>
+                    <a:lstStyle/>
+                    <a:p>
+                      <a:endParaRPr lang="en-HK" dirty="0"/>
+                    </a:p>
+                  </a:txBody>
+                  <a:tcPr>
+                    <a:lnL w="12700" cap="flat" cmpd="sng" algn="ctr">
+                      <a:solidFill>
+                        <a:srgbClr val="FF0000"/>
+                      </a:solidFill>
+                      <a:prstDash val="solid"/>
+                      <a:round/>
+                      <a:headEnd type="none" w="med" len="med"/>
+                      <a:tailEnd type="none" w="med" len="med"/>
+                    </a:lnL>
+                    <a:lnT w="12700" cap="flat" cmpd="sng" algn="ctr">
+                      <a:solidFill>
+                        <a:srgbClr val="FF0000"/>
+                      </a:solidFill>
+                      <a:prstDash val="solid"/>
+                      <a:round/>
+                      <a:headEnd type="none" w="med" len="med"/>
+                      <a:tailEnd type="none" w="med" len="med"/>
+                    </a:lnT>
+                    <a:lnB w="12700" cap="flat" cmpd="sng" algn="ctr">
+                      <a:solidFill>
+                        <a:srgbClr val="FF0000"/>
+                      </a:solidFill>
+                      <a:prstDash val="solid"/>
+                      <a:round/>
+                      <a:headEnd type="none" w="med" len="med"/>
+                      <a:tailEnd type="none" w="med" len="med"/>
+                    </a:lnB>
+                    <a:solidFill>
+                      <a:schemeClr val="accent2">
+                        <a:lumMod val="40000"/>
+                        <a:lumOff val="60000"/>
+                      </a:schemeClr>
+                    </a:solidFill>
+                  </a:tcPr>
+                </a:tc>
+                <a:tc>
+                  <a:txBody>
+                    <a:bodyPr/>
+                    <a:lstStyle/>
+                    <a:p>
+                      <a:endParaRPr lang="en-HK" dirty="0"/>
+                    </a:p>
+                  </a:txBody>
+                  <a:tcPr>
+                    <a:lnT w="12700" cap="flat" cmpd="sng" algn="ctr">
+                      <a:solidFill>
+                        <a:srgbClr val="FF0000"/>
+                      </a:solidFill>
+                      <a:prstDash val="solid"/>
+                      <a:round/>
+                      <a:headEnd type="none" w="med" len="med"/>
+                      <a:tailEnd type="none" w="med" len="med"/>
+                    </a:lnT>
+                    <a:lnB w="12700" cap="flat" cmpd="sng" algn="ctr">
+                      <a:solidFill>
+                        <a:srgbClr val="FF0000"/>
+                      </a:solidFill>
+                      <a:prstDash val="solid"/>
+                      <a:round/>
+                      <a:headEnd type="none" w="med" len="med"/>
+                      <a:tailEnd type="none" w="med" len="med"/>
+                    </a:lnB>
+                    <a:solidFill>
+                      <a:schemeClr val="accent2">
+                        <a:lumMod val="40000"/>
+                        <a:lumOff val="60000"/>
+                      </a:schemeClr>
+                    </a:solidFill>
+                  </a:tcPr>
+                </a:tc>
+                <a:tc>
+                  <a:txBody>
+                    <a:bodyPr/>
+                    <a:lstStyle/>
+                    <a:p>
+                      <a:endParaRPr lang="en-HK" dirty="0"/>
+                    </a:p>
+                  </a:txBody>
+                  <a:tcPr>
+                    <a:lnT w="12700" cap="flat" cmpd="sng" algn="ctr">
+                      <a:solidFill>
+                        <a:srgbClr val="FF0000"/>
+                      </a:solidFill>
+                      <a:prstDash val="solid"/>
+                      <a:round/>
+                      <a:headEnd type="none" w="med" len="med"/>
+                      <a:tailEnd type="none" w="med" len="med"/>
+                    </a:lnT>
+                    <a:lnB w="12700" cap="flat" cmpd="sng" algn="ctr">
+                      <a:solidFill>
+                        <a:srgbClr val="FF0000"/>
+                      </a:solidFill>
+                      <a:prstDash val="solid"/>
+                      <a:round/>
+                      <a:headEnd type="none" w="med" len="med"/>
+                      <a:tailEnd type="none" w="med" len="med"/>
+                    </a:lnB>
+                    <a:solidFill>
+                      <a:schemeClr val="accent2">
+                        <a:lumMod val="40000"/>
+                        <a:lumOff val="60000"/>
+                      </a:schemeClr>
+                    </a:solidFill>
+                  </a:tcPr>
+                </a:tc>
+                <a:tc>
+                  <a:txBody>
+                    <a:bodyPr/>
+                    <a:lstStyle/>
+                    <a:p>
+                      <a:endParaRPr lang="en-HK" dirty="0"/>
+                    </a:p>
+                  </a:txBody>
+                  <a:tcPr>
+                    <a:lnT w="12700" cap="flat" cmpd="sng" algn="ctr">
+                      <a:solidFill>
+                        <a:srgbClr val="FF0000"/>
+                      </a:solidFill>
+                      <a:prstDash val="solid"/>
+                      <a:round/>
+                      <a:headEnd type="none" w="med" len="med"/>
+                      <a:tailEnd type="none" w="med" len="med"/>
+                    </a:lnT>
+                    <a:lnB w="12700" cap="flat" cmpd="sng" algn="ctr">
+                      <a:solidFill>
+                        <a:srgbClr val="FF0000"/>
+                      </a:solidFill>
+                      <a:prstDash val="solid"/>
+                      <a:round/>
+                      <a:headEnd type="none" w="med" len="med"/>
+                      <a:tailEnd type="none" w="med" len="med"/>
+                    </a:lnB>
+                    <a:solidFill>
+                      <a:schemeClr val="accent2">
+                        <a:lumMod val="40000"/>
+                        <a:lumOff val="60000"/>
+                      </a:schemeClr>
+                    </a:solidFill>
+                  </a:tcPr>
+                </a:tc>
+                <a:tc>
+                  <a:txBody>
+                    <a:bodyPr/>
+                    <a:lstStyle/>
+                    <a:p>
+                      <a:endParaRPr lang="en-HK" dirty="0"/>
+                    </a:p>
+                  </a:txBody>
+                  <a:tcPr>
+                    <a:lnR w="12700" cap="flat" cmpd="sng" algn="ctr">
+                      <a:solidFill>
+                        <a:srgbClr val="FF0000"/>
+                      </a:solidFill>
+                      <a:prstDash val="solid"/>
+                      <a:round/>
+                      <a:headEnd type="none" w="med" len="med"/>
+                      <a:tailEnd type="none" w="med" len="med"/>
+                    </a:lnR>
+                    <a:lnT w="12700" cap="flat" cmpd="sng" algn="ctr">
+                      <a:solidFill>
+                        <a:srgbClr val="FF0000"/>
+                      </a:solidFill>
+                      <a:prstDash val="solid"/>
+                      <a:round/>
+                      <a:headEnd type="none" w="med" len="med"/>
+                      <a:tailEnd type="none" w="med" len="med"/>
+                    </a:lnT>
+                    <a:lnB w="12700" cap="flat" cmpd="sng" algn="ctr">
+                      <a:solidFill>
+                        <a:srgbClr val="FF0000"/>
+                      </a:solidFill>
+                      <a:prstDash val="solid"/>
+                      <a:round/>
+                      <a:headEnd type="none" w="med" len="med"/>
+                      <a:tailEnd type="none" w="med" len="med"/>
+                    </a:lnB>
+                    <a:solidFill>
+                      <a:schemeClr val="accent1">
+                        <a:lumMod val="40000"/>
+                        <a:lumOff val="60000"/>
+                      </a:schemeClr>
+                    </a:solidFill>
+                  </a:tcPr>
+                </a:tc>
+                <a:tc>
+                  <a:txBody>
+                    <a:bodyPr/>
+                    <a:lstStyle/>
+                    <a:p>
+                      <a:endParaRPr lang="en-HK" dirty="0"/>
+                    </a:p>
+                  </a:txBody>
+                  <a:tcPr>
+                    <a:lnL w="12700" cap="flat" cmpd="sng" algn="ctr">
+                      <a:solidFill>
+                        <a:srgbClr val="FF0000"/>
+                      </a:solidFill>
+                      <a:prstDash val="solid"/>
+                      <a:round/>
+                      <a:headEnd type="none" w="med" len="med"/>
+                      <a:tailEnd type="none" w="med" len="med"/>
+                    </a:lnL>
+                    <a:lnT w="12700" cap="flat" cmpd="sng" algn="ctr">
+                      <a:solidFill>
+                        <a:srgbClr val="FF0000"/>
+                      </a:solidFill>
+                      <a:prstDash val="solid"/>
+                      <a:round/>
+                      <a:headEnd type="none" w="med" len="med"/>
+                      <a:tailEnd type="none" w="med" len="med"/>
+                    </a:lnT>
+                    <a:lnB w="12700" cap="flat" cmpd="sng" algn="ctr">
+                      <a:solidFill>
+                        <a:srgbClr val="FF0000"/>
+                      </a:solidFill>
+                      <a:prstDash val="solid"/>
+                      <a:round/>
+                      <a:headEnd type="none" w="med" len="med"/>
+                      <a:tailEnd type="none" w="med" len="med"/>
+                    </a:lnB>
+                    <a:solidFill>
+                      <a:schemeClr val="accent2">
+                        <a:lumMod val="40000"/>
+                        <a:lumOff val="60000"/>
+                      </a:schemeClr>
+                    </a:solidFill>
+                  </a:tcPr>
+                </a:tc>
+                <a:tc>
+                  <a:txBody>
+                    <a:bodyPr/>
+                    <a:lstStyle/>
+                    <a:p>
+                      <a:endParaRPr lang="en-HK" dirty="0"/>
+                    </a:p>
+                  </a:txBody>
+                  <a:tcPr>
+                    <a:lnT w="12700" cap="flat" cmpd="sng" algn="ctr">
+                      <a:solidFill>
+                        <a:srgbClr val="FF0000"/>
+                      </a:solidFill>
+                      <a:prstDash val="solid"/>
+                      <a:round/>
+                      <a:headEnd type="none" w="med" len="med"/>
+                      <a:tailEnd type="none" w="med" len="med"/>
+                    </a:lnT>
+                    <a:lnB w="12700" cap="flat" cmpd="sng" algn="ctr">
+                      <a:solidFill>
+                        <a:srgbClr val="FF0000"/>
+                      </a:solidFill>
+                      <a:prstDash val="solid"/>
+                      <a:round/>
+                      <a:headEnd type="none" w="med" len="med"/>
+                      <a:tailEnd type="none" w="med" len="med"/>
+                    </a:lnB>
+                    <a:solidFill>
+                      <a:schemeClr val="accent2">
+                        <a:lumMod val="40000"/>
+                        <a:lumOff val="60000"/>
+                      </a:schemeClr>
+                    </a:solidFill>
+                  </a:tcPr>
+                </a:tc>
+                <a:tc>
+                  <a:txBody>
+                    <a:bodyPr/>
+                    <a:lstStyle/>
+                    <a:p>
+                      <a:endParaRPr lang="en-HK" dirty="0"/>
+                    </a:p>
+                  </a:txBody>
+                  <a:tcPr>
+                    <a:lnT w="12700" cap="flat" cmpd="sng" algn="ctr">
+                      <a:solidFill>
+                        <a:srgbClr val="FF0000"/>
+                      </a:solidFill>
+                      <a:prstDash val="solid"/>
+                      <a:round/>
+                      <a:headEnd type="none" w="med" len="med"/>
+                      <a:tailEnd type="none" w="med" len="med"/>
+                    </a:lnT>
+                    <a:lnB w="12700" cap="flat" cmpd="sng" algn="ctr">
+                      <a:solidFill>
+                        <a:srgbClr val="FF0000"/>
+                      </a:solidFill>
+                      <a:prstDash val="solid"/>
+                      <a:round/>
+                      <a:headEnd type="none" w="med" len="med"/>
+                      <a:tailEnd type="none" w="med" len="med"/>
+                    </a:lnB>
+                    <a:solidFill>
+                      <a:schemeClr val="accent2">
+                        <a:lumMod val="40000"/>
+                        <a:lumOff val="60000"/>
+                      </a:schemeClr>
+                    </a:solidFill>
+                  </a:tcPr>
+                </a:tc>
+                <a:tc>
+                  <a:txBody>
+                    <a:bodyPr/>
+                    <a:lstStyle/>
+                    <a:p>
+                      <a:endParaRPr lang="en-HK" dirty="0"/>
+                    </a:p>
+                  </a:txBody>
+                  <a:tcPr>
+                    <a:lnT w="12700" cap="flat" cmpd="sng" algn="ctr">
+                      <a:solidFill>
+                        <a:srgbClr val="FF0000"/>
+                      </a:solidFill>
+                      <a:prstDash val="solid"/>
+                      <a:round/>
+                      <a:headEnd type="none" w="med" len="med"/>
+                      <a:tailEnd type="none" w="med" len="med"/>
+                    </a:lnT>
+                    <a:lnB w="12700" cap="flat" cmpd="sng" algn="ctr">
+                      <a:solidFill>
+                        <a:srgbClr val="FF0000"/>
+                      </a:solidFill>
+                      <a:prstDash val="solid"/>
+                      <a:round/>
+                      <a:headEnd type="none" w="med" len="med"/>
+                      <a:tailEnd type="none" w="med" len="med"/>
+                    </a:lnB>
+                    <a:solidFill>
+                      <a:schemeClr val="accent2">
+                        <a:lumMod val="40000"/>
+                        <a:lumOff val="60000"/>
+                      </a:schemeClr>
+                    </a:solidFill>
+                  </a:tcPr>
+                </a:tc>
+                <a:tc>
+                  <a:txBody>
+                    <a:bodyPr/>
+                    <a:lstStyle/>
+                    <a:p>
+                      <a:endParaRPr lang="en-HK" dirty="0"/>
+                    </a:p>
+                  </a:txBody>
+                  <a:tcPr>
+                    <a:lnR w="12700" cap="flat" cmpd="sng" algn="ctr">
+                      <a:solidFill>
+                        <a:srgbClr val="FF0000"/>
+                      </a:solidFill>
+                      <a:prstDash val="solid"/>
+                      <a:round/>
+                      <a:headEnd type="none" w="med" len="med"/>
+                      <a:tailEnd type="none" w="med" len="med"/>
+                    </a:lnR>
+                    <a:lnT w="12700" cap="flat" cmpd="sng" algn="ctr">
+                      <a:solidFill>
+                        <a:srgbClr val="FF0000"/>
+                      </a:solidFill>
+                      <a:prstDash val="solid"/>
+                      <a:round/>
+                      <a:headEnd type="none" w="med" len="med"/>
+                      <a:tailEnd type="none" w="med" len="med"/>
+                    </a:lnT>
+                    <a:lnB w="12700" cap="flat" cmpd="sng" algn="ctr">
+                      <a:solidFill>
+                        <a:srgbClr val="FF0000"/>
+                      </a:solidFill>
+                      <a:prstDash val="solid"/>
+                      <a:round/>
+                      <a:headEnd type="none" w="med" len="med"/>
+                      <a:tailEnd type="none" w="med" len="med"/>
+                    </a:lnB>
+                    <a:solidFill>
+                      <a:schemeClr val="accent1">
+                        <a:lumMod val="40000"/>
+                        <a:lumOff val="60000"/>
+                      </a:schemeClr>
+                    </a:solidFill>
+                  </a:tcPr>
+                </a:tc>
+                <a:tc>
+                  <a:txBody>
+                    <a:bodyPr/>
+                    <a:lstStyle/>
+                    <a:p>
+                      <a:endParaRPr lang="en-HK" dirty="0"/>
+                    </a:p>
+                  </a:txBody>
+                  <a:tcPr>
+                    <a:lnL w="12700" cap="flat" cmpd="sng" algn="ctr">
+                      <a:solidFill>
+                        <a:srgbClr val="FF0000"/>
+                      </a:solidFill>
+                      <a:prstDash val="solid"/>
+                      <a:round/>
+                      <a:headEnd type="none" w="med" len="med"/>
+                      <a:tailEnd type="none" w="med" len="med"/>
+                    </a:lnL>
+                    <a:lnT w="12700" cap="flat" cmpd="sng" algn="ctr">
+                      <a:solidFill>
+                        <a:srgbClr val="FF0000"/>
+                      </a:solidFill>
+                      <a:prstDash val="solid"/>
+                      <a:round/>
+                      <a:headEnd type="none" w="med" len="med"/>
+                      <a:tailEnd type="none" w="med" len="med"/>
+                    </a:lnT>
+                    <a:lnB w="12700" cap="flat" cmpd="sng" algn="ctr">
+                      <a:solidFill>
+                        <a:srgbClr val="FF0000"/>
+                      </a:solidFill>
+                      <a:prstDash val="solid"/>
+                      <a:round/>
+                      <a:headEnd type="none" w="med" len="med"/>
+                      <a:tailEnd type="none" w="med" len="med"/>
+                    </a:lnB>
+                    <a:solidFill>
+                      <a:schemeClr val="accent2">
+                        <a:lumMod val="40000"/>
+                        <a:lumOff val="60000"/>
+                      </a:schemeClr>
+                    </a:solidFill>
+                  </a:tcPr>
+                </a:tc>
+                <a:tc>
+                  <a:txBody>
+                    <a:bodyPr/>
+                    <a:lstStyle/>
+                    <a:p>
+                      <a:endParaRPr lang="en-HK" dirty="0"/>
+                    </a:p>
+                  </a:txBody>
+                  <a:tcPr>
+                    <a:lnT w="12700" cap="flat" cmpd="sng" algn="ctr">
+                      <a:solidFill>
+                        <a:srgbClr val="FF0000"/>
+                      </a:solidFill>
+                      <a:prstDash val="solid"/>
+                      <a:round/>
+                      <a:headEnd type="none" w="med" len="med"/>
+                      <a:tailEnd type="none" w="med" len="med"/>
+                    </a:lnT>
+                    <a:lnB w="12700" cap="flat" cmpd="sng" algn="ctr">
+                      <a:solidFill>
+                        <a:srgbClr val="FF0000"/>
+                      </a:solidFill>
+                      <a:prstDash val="solid"/>
+                      <a:round/>
+                      <a:headEnd type="none" w="med" len="med"/>
+                      <a:tailEnd type="none" w="med" len="med"/>
+                    </a:lnB>
+                    <a:solidFill>
+                      <a:schemeClr val="accent2">
+                        <a:lumMod val="40000"/>
+                        <a:lumOff val="60000"/>
+                      </a:schemeClr>
+                    </a:solidFill>
+                  </a:tcPr>
+                </a:tc>
+                <a:tc>
+                  <a:txBody>
+                    <a:bodyPr/>
+                    <a:lstStyle/>
+                    <a:p>
+                      <a:endParaRPr lang="en-HK" dirty="0"/>
+                    </a:p>
+                  </a:txBody>
+                  <a:tcPr>
+                    <a:lnT w="12700" cap="flat" cmpd="sng" algn="ctr">
+                      <a:solidFill>
+                        <a:srgbClr val="FF0000"/>
+                      </a:solidFill>
+                      <a:prstDash val="solid"/>
+                      <a:round/>
+                      <a:headEnd type="none" w="med" len="med"/>
+                      <a:tailEnd type="none" w="med" len="med"/>
+                    </a:lnT>
+                    <a:lnB w="12700" cap="flat" cmpd="sng" algn="ctr">
+                      <a:solidFill>
+                        <a:srgbClr val="FF0000"/>
+                      </a:solidFill>
+                      <a:prstDash val="solid"/>
+                      <a:round/>
+                      <a:headEnd type="none" w="med" len="med"/>
+                      <a:tailEnd type="none" w="med" len="med"/>
+                    </a:lnB>
+                    <a:solidFill>
+                      <a:schemeClr val="accent2">
+                        <a:lumMod val="40000"/>
+                        <a:lumOff val="60000"/>
+                      </a:schemeClr>
+                    </a:solidFill>
+                  </a:tcPr>
+                </a:tc>
+                <a:tc>
+                  <a:txBody>
+                    <a:bodyPr/>
+                    <a:lstStyle/>
+                    <a:p>
+                      <a:endParaRPr lang="en-HK" dirty="0"/>
+                    </a:p>
+                  </a:txBody>
+                  <a:tcPr>
+                    <a:lnT w="12700" cap="flat" cmpd="sng" algn="ctr">
+                      <a:solidFill>
+                        <a:srgbClr val="FF0000"/>
+                      </a:solidFill>
+                      <a:prstDash val="solid"/>
+                      <a:round/>
+                      <a:headEnd type="none" w="med" len="med"/>
+                      <a:tailEnd type="none" w="med" len="med"/>
+                    </a:lnT>
+                    <a:lnB w="12700" cap="flat" cmpd="sng" algn="ctr">
+                      <a:solidFill>
+                        <a:srgbClr val="FF0000"/>
+                      </a:solidFill>
+                      <a:prstDash val="solid"/>
+                      <a:round/>
+                      <a:headEnd type="none" w="med" len="med"/>
+                      <a:tailEnd type="none" w="med" len="med"/>
+                    </a:lnB>
+                    <a:solidFill>
+                      <a:schemeClr val="accent2">
+                        <a:lumMod val="40000"/>
+                        <a:lumOff val="60000"/>
+                      </a:schemeClr>
+                    </a:solidFill>
+                  </a:tcPr>
+                </a:tc>
+                <a:tc>
+                  <a:txBody>
+                    <a:bodyPr/>
+                    <a:lstStyle/>
+                    <a:p>
+                      <a:endParaRPr lang="en-HK" dirty="0"/>
+                    </a:p>
+                  </a:txBody>
+                  <a:tcPr>
+                    <a:lnR w="12700" cap="flat" cmpd="sng" algn="ctr">
+                      <a:solidFill>
+                        <a:srgbClr val="FF0000"/>
+                      </a:solidFill>
+                      <a:prstDash val="solid"/>
+                      <a:round/>
+                      <a:headEnd type="none" w="med" len="med"/>
+                      <a:tailEnd type="none" w="med" len="med"/>
+                    </a:lnR>
+                    <a:lnT w="12700" cap="flat" cmpd="sng" algn="ctr">
+                      <a:solidFill>
+                        <a:srgbClr val="FF0000"/>
+                      </a:solidFill>
+                      <a:prstDash val="solid"/>
+                      <a:round/>
+                      <a:headEnd type="none" w="med" len="med"/>
+                      <a:tailEnd type="none" w="med" len="med"/>
+                    </a:lnT>
+                    <a:lnB w="12700" cap="flat" cmpd="sng" algn="ctr">
+                      <a:solidFill>
+                        <a:srgbClr val="FF0000"/>
+                      </a:solidFill>
+                      <a:prstDash val="solid"/>
+                      <a:round/>
+                      <a:headEnd type="none" w="med" len="med"/>
+                      <a:tailEnd type="none" w="med" len="med"/>
+                    </a:lnB>
+                    <a:solidFill>
+                      <a:schemeClr val="accent1">
+                        <a:lumMod val="40000"/>
+                        <a:lumOff val="60000"/>
+                      </a:schemeClr>
+                    </a:solidFill>
+                  </a:tcPr>
+                </a:tc>
+                <a:tc>
+                  <a:txBody>
+                    <a:bodyPr/>
+                    <a:lstStyle/>
+                    <a:p>
+                      <a:endParaRPr lang="en-HK" dirty="0"/>
+                    </a:p>
+                  </a:txBody>
+                  <a:tcPr>
+                    <a:lnL w="12700" cap="flat" cmpd="sng" algn="ctr">
+                      <a:solidFill>
+                        <a:srgbClr val="FF0000"/>
+                      </a:solidFill>
+                      <a:prstDash val="solid"/>
+                      <a:round/>
+                      <a:headEnd type="none" w="med" len="med"/>
+                      <a:tailEnd type="none" w="med" len="med"/>
+                    </a:lnL>
+                    <a:lnT w="12700" cap="flat" cmpd="sng" algn="ctr">
+                      <a:solidFill>
+                        <a:srgbClr val="FF0000"/>
+                      </a:solidFill>
+                      <a:prstDash val="solid"/>
+                      <a:round/>
+                      <a:headEnd type="none" w="med" len="med"/>
+                      <a:tailEnd type="none" w="med" len="med"/>
+                    </a:lnT>
+                    <a:lnB w="12700" cap="flat" cmpd="sng" algn="ctr">
+                      <a:solidFill>
+                        <a:srgbClr val="FF0000"/>
+                      </a:solidFill>
+                      <a:prstDash val="solid"/>
+                      <a:round/>
+                      <a:headEnd type="none" w="med" len="med"/>
+                      <a:tailEnd type="none" w="med" len="med"/>
+                    </a:lnB>
+                    <a:solidFill>
+                      <a:schemeClr val="accent2">
+                        <a:lumMod val="40000"/>
+                        <a:lumOff val="60000"/>
+                      </a:schemeClr>
+                    </a:solidFill>
+                  </a:tcPr>
+                </a:tc>
+                <a:tc>
+                  <a:txBody>
+                    <a:bodyPr/>
+                    <a:lstStyle/>
+                    <a:p>
+                      <a:endParaRPr lang="en-HK" dirty="0"/>
+                    </a:p>
+                  </a:txBody>
+                  <a:tcPr>
+                    <a:lnT w="12700" cap="flat" cmpd="sng" algn="ctr">
+                      <a:solidFill>
+                        <a:srgbClr val="FF0000"/>
+                      </a:solidFill>
+                      <a:prstDash val="solid"/>
+                      <a:round/>
+                      <a:headEnd type="none" w="med" len="med"/>
+                      <a:tailEnd type="none" w="med" len="med"/>
+                    </a:lnT>
+                    <a:lnB w="12700" cap="flat" cmpd="sng" algn="ctr">
+                      <a:solidFill>
+                        <a:srgbClr val="FF0000"/>
+                      </a:solidFill>
+                      <a:prstDash val="solid"/>
+                      <a:round/>
+                      <a:headEnd type="none" w="med" len="med"/>
+                      <a:tailEnd type="none" w="med" len="med"/>
+                    </a:lnB>
+                    <a:solidFill>
+                      <a:schemeClr val="accent2">
+                        <a:lumMod val="40000"/>
+                        <a:lumOff val="60000"/>
+                      </a:schemeClr>
+                    </a:solidFill>
+                  </a:tcPr>
+                </a:tc>
+                <a:tc>
+                  <a:txBody>
+                    <a:bodyPr/>
+                    <a:lstStyle/>
+                    <a:p>
+                      <a:endParaRPr lang="en-HK" dirty="0"/>
+                    </a:p>
+                  </a:txBody>
+                  <a:tcPr>
+                    <a:lnT w="12700" cap="flat" cmpd="sng" algn="ctr">
+                      <a:solidFill>
+                        <a:srgbClr val="FF0000"/>
+                      </a:solidFill>
+                      <a:prstDash val="solid"/>
+                      <a:round/>
+                      <a:headEnd type="none" w="med" len="med"/>
+                      <a:tailEnd type="none" w="med" len="med"/>
+                    </a:lnT>
+                    <a:lnB w="12700" cap="flat" cmpd="sng" algn="ctr">
+                      <a:solidFill>
+                        <a:srgbClr val="FF0000"/>
+                      </a:solidFill>
+                      <a:prstDash val="solid"/>
+                      <a:round/>
+                      <a:headEnd type="none" w="med" len="med"/>
+                      <a:tailEnd type="none" w="med" len="med"/>
+                    </a:lnB>
+                    <a:solidFill>
+                      <a:schemeClr val="accent2">
+                        <a:lumMod val="40000"/>
+                        <a:lumOff val="60000"/>
+                      </a:schemeClr>
+                    </a:solidFill>
+                  </a:tcPr>
+                </a:tc>
+                <a:tc>
+                  <a:txBody>
+                    <a:bodyPr/>
+                    <a:lstStyle/>
+                    <a:p>
+                      <a:endParaRPr lang="en-HK" dirty="0"/>
+                    </a:p>
+                  </a:txBody>
+                  <a:tcPr>
+                    <a:lnT w="12700" cap="flat" cmpd="sng" algn="ctr">
+                      <a:solidFill>
+                        <a:srgbClr val="FF0000"/>
+                      </a:solidFill>
+                      <a:prstDash val="solid"/>
+                      <a:round/>
+                      <a:headEnd type="none" w="med" len="med"/>
+                      <a:tailEnd type="none" w="med" len="med"/>
+                    </a:lnT>
+                    <a:lnB w="12700" cap="flat" cmpd="sng" algn="ctr">
+                      <a:solidFill>
+                        <a:srgbClr val="FF0000"/>
+                      </a:solidFill>
+                      <a:prstDash val="solid"/>
+                      <a:round/>
+                      <a:headEnd type="none" w="med" len="med"/>
+                      <a:tailEnd type="none" w="med" len="med"/>
+                    </a:lnB>
+                    <a:solidFill>
+                      <a:schemeClr val="accent2">
+                        <a:lumMod val="40000"/>
+                        <a:lumOff val="60000"/>
+                      </a:schemeClr>
+                    </a:solidFill>
+                  </a:tcPr>
+                </a:tc>
+                <a:tc>
+                  <a:txBody>
+                    <a:bodyPr/>
+                    <a:lstStyle/>
+                    <a:p>
+                      <a:endParaRPr lang="en-HK" dirty="0"/>
+                    </a:p>
+                  </a:txBody>
+                  <a:tcPr>
+                    <a:lnR w="12700" cap="flat" cmpd="sng" algn="ctr">
+                      <a:solidFill>
+                        <a:srgbClr val="FF0000"/>
+                      </a:solidFill>
+                      <a:prstDash val="solid"/>
+                      <a:round/>
+                      <a:headEnd type="none" w="med" len="med"/>
+                      <a:tailEnd type="none" w="med" len="med"/>
+                    </a:lnR>
+                    <a:lnT w="12700" cap="flat" cmpd="sng" algn="ctr">
+                      <a:solidFill>
+                        <a:srgbClr val="FF0000"/>
+                      </a:solidFill>
+                      <a:prstDash val="solid"/>
+                      <a:round/>
+                      <a:headEnd type="none" w="med" len="med"/>
+                      <a:tailEnd type="none" w="med" len="med"/>
+                    </a:lnT>
+                    <a:lnB w="12700" cap="flat" cmpd="sng" algn="ctr">
+                      <a:solidFill>
+                        <a:srgbClr val="FF0000"/>
+                      </a:solidFill>
+                      <a:prstDash val="solid"/>
+                      <a:round/>
+                      <a:headEnd type="none" w="med" len="med"/>
+                      <a:tailEnd type="none" w="med" len="med"/>
+                    </a:lnB>
+                    <a:solidFill>
+                      <a:schemeClr val="accent1">
+                        <a:lumMod val="40000"/>
+                        <a:lumOff val="60000"/>
+                      </a:schemeClr>
+                    </a:solidFill>
+                  </a:tcPr>
+                </a:tc>
+                <a:tc>
+                  <a:txBody>
+                    <a:bodyPr/>
+                    <a:lstStyle/>
+                    <a:p>
+                      <a:endParaRPr lang="en-HK" dirty="0"/>
+                    </a:p>
+                  </a:txBody>
+                  <a:tcPr>
+                    <a:lnL w="12700" cap="flat" cmpd="sng" algn="ctr">
+                      <a:solidFill>
+                        <a:srgbClr val="FF0000"/>
+                      </a:solidFill>
+                      <a:prstDash val="solid"/>
+                      <a:round/>
+                      <a:headEnd type="none" w="med" len="med"/>
+                      <a:tailEnd type="none" w="med" len="med"/>
+                    </a:lnL>
+                    <a:solidFill>
+                      <a:schemeClr val="bg2">
+                        <a:lumMod val="90000"/>
+                      </a:schemeClr>
+                    </a:solidFill>
+                  </a:tcPr>
+                </a:tc>
+                <a:extLst>
+                  <a:ext uri="{0D108BD9-81ED-4DB2-BD59-A6C34878D82A}">
+                    <a16:rowId xmlns:a16="http://schemas.microsoft.com/office/drawing/2014/main" val="2601047344"/>
+                  </a:ext>
+                </a:extLst>
+              </a:tr>
+            </a:tbl>
+          </a:graphicData>
+        </a:graphic>
+      </p:graphicFrame>
+      <p:graphicFrame>
+        <p:nvGraphicFramePr>
+          <p:cNvPr id="19" name="Table 4">
+            <a:extLst>
+              <a:ext uri="{FF2B5EF4-FFF2-40B4-BE49-F238E27FC236}">
+                <a16:creationId xmlns:a16="http://schemas.microsoft.com/office/drawing/2014/main" id="{CF3EBE47-1456-000E-5FDF-D317E2A579DE}"/>
+              </a:ext>
+            </a:extLst>
+          </p:cNvPr>
+          <p:cNvGraphicFramePr>
+            <a:graphicFrameLocks noGrp="1"/>
+          </p:cNvGraphicFramePr>
+          <p:nvPr>
+            <p:extLst>
+              <p:ext uri="{D42A27DB-BD31-4B8C-83A1-F6EECF244321}">
+                <p14:modId xmlns:p14="http://schemas.microsoft.com/office/powerpoint/2010/main" val="1461141786"/>
+              </p:ext>
+            </p:extLst>
+          </p:nvPr>
+        </p:nvGraphicFramePr>
+        <p:xfrm>
+          <a:off x="677650" y="4732528"/>
+          <a:ext cx="6723822" cy="370840"/>
+        </p:xfrm>
+        <a:graphic>
+          <a:graphicData uri="http://schemas.openxmlformats.org/drawingml/2006/table">
+            <a:tbl>
+              <a:tblPr firstRow="1" bandRow="1">
+                <a:tableStyleId>{5C22544A-7EE6-4342-B048-85BDC9FD1C3A}</a:tableStyleId>
+              </a:tblPr>
+              <a:tblGrid>
+                <a:gridCol w="320182">
+                  <a:extLst>
+                    <a:ext uri="{9D8B030D-6E8A-4147-A177-3AD203B41FA5}">
+                      <a16:colId xmlns:a16="http://schemas.microsoft.com/office/drawing/2014/main" val="1958716807"/>
+                    </a:ext>
+                  </a:extLst>
+                </a:gridCol>
+                <a:gridCol w="320182">
+                  <a:extLst>
+                    <a:ext uri="{9D8B030D-6E8A-4147-A177-3AD203B41FA5}">
+                      <a16:colId xmlns:a16="http://schemas.microsoft.com/office/drawing/2014/main" val="2177103222"/>
+                    </a:ext>
+                  </a:extLst>
+                </a:gridCol>
+                <a:gridCol w="320182">
+                  <a:extLst>
+                    <a:ext uri="{9D8B030D-6E8A-4147-A177-3AD203B41FA5}">
+                      <a16:colId xmlns:a16="http://schemas.microsoft.com/office/drawing/2014/main" val="191291771"/>
+                    </a:ext>
+                  </a:extLst>
+                </a:gridCol>
+                <a:gridCol w="320182">
+                  <a:extLst>
+                    <a:ext uri="{9D8B030D-6E8A-4147-A177-3AD203B41FA5}">
+                      <a16:colId xmlns:a16="http://schemas.microsoft.com/office/drawing/2014/main" val="3409141404"/>
+                    </a:ext>
+                  </a:extLst>
+                </a:gridCol>
+                <a:gridCol w="320182">
+                  <a:extLst>
+                    <a:ext uri="{9D8B030D-6E8A-4147-A177-3AD203B41FA5}">
+                      <a16:colId xmlns:a16="http://schemas.microsoft.com/office/drawing/2014/main" val="217707470"/>
+                    </a:ext>
+                  </a:extLst>
+                </a:gridCol>
+                <a:gridCol w="320182">
+                  <a:extLst>
+                    <a:ext uri="{9D8B030D-6E8A-4147-A177-3AD203B41FA5}">
+                      <a16:colId xmlns:a16="http://schemas.microsoft.com/office/drawing/2014/main" val="2493533114"/>
+                    </a:ext>
+                  </a:extLst>
+                </a:gridCol>
+                <a:gridCol w="320182">
+                  <a:extLst>
+                    <a:ext uri="{9D8B030D-6E8A-4147-A177-3AD203B41FA5}">
+                      <a16:colId xmlns:a16="http://schemas.microsoft.com/office/drawing/2014/main" val="1642796582"/>
+                    </a:ext>
+                  </a:extLst>
+                </a:gridCol>
+                <a:gridCol w="320182">
+                  <a:extLst>
+                    <a:ext uri="{9D8B030D-6E8A-4147-A177-3AD203B41FA5}">
+                      <a16:colId xmlns:a16="http://schemas.microsoft.com/office/drawing/2014/main" val="770379941"/>
+                    </a:ext>
+                  </a:extLst>
+                </a:gridCol>
+                <a:gridCol w="320182">
+                  <a:extLst>
+                    <a:ext uri="{9D8B030D-6E8A-4147-A177-3AD203B41FA5}">
+                      <a16:colId xmlns:a16="http://schemas.microsoft.com/office/drawing/2014/main" val="2183018877"/>
+                    </a:ext>
+                  </a:extLst>
+                </a:gridCol>
+                <a:gridCol w="320182">
+                  <a:extLst>
+                    <a:ext uri="{9D8B030D-6E8A-4147-A177-3AD203B41FA5}">
+                      <a16:colId xmlns:a16="http://schemas.microsoft.com/office/drawing/2014/main" val="3957069584"/>
+                    </a:ext>
+                  </a:extLst>
+                </a:gridCol>
+                <a:gridCol w="320182">
+                  <a:extLst>
+                    <a:ext uri="{9D8B030D-6E8A-4147-A177-3AD203B41FA5}">
+                      <a16:colId xmlns:a16="http://schemas.microsoft.com/office/drawing/2014/main" val="647280036"/>
+                    </a:ext>
+                  </a:extLst>
+                </a:gridCol>
+                <a:gridCol w="320182">
+                  <a:extLst>
+                    <a:ext uri="{9D8B030D-6E8A-4147-A177-3AD203B41FA5}">
+                      <a16:colId xmlns:a16="http://schemas.microsoft.com/office/drawing/2014/main" val="3244291510"/>
+                    </a:ext>
+                  </a:extLst>
+                </a:gridCol>
+                <a:gridCol w="320182">
+                  <a:extLst>
+                    <a:ext uri="{9D8B030D-6E8A-4147-A177-3AD203B41FA5}">
+                      <a16:colId xmlns:a16="http://schemas.microsoft.com/office/drawing/2014/main" val="3722398860"/>
+                    </a:ext>
+                  </a:extLst>
+                </a:gridCol>
+                <a:gridCol w="320182">
+                  <a:extLst>
+                    <a:ext uri="{9D8B030D-6E8A-4147-A177-3AD203B41FA5}">
+                      <a16:colId xmlns:a16="http://schemas.microsoft.com/office/drawing/2014/main" val="3415233984"/>
+                    </a:ext>
+                  </a:extLst>
+                </a:gridCol>
+                <a:gridCol w="320182">
+                  <a:extLst>
+                    <a:ext uri="{9D8B030D-6E8A-4147-A177-3AD203B41FA5}">
+                      <a16:colId xmlns:a16="http://schemas.microsoft.com/office/drawing/2014/main" val="2902414225"/>
+                    </a:ext>
+                  </a:extLst>
+                </a:gridCol>
+                <a:gridCol w="320182">
+                  <a:extLst>
+                    <a:ext uri="{9D8B030D-6E8A-4147-A177-3AD203B41FA5}">
+                      <a16:colId xmlns:a16="http://schemas.microsoft.com/office/drawing/2014/main" val="1661741288"/>
+                    </a:ext>
+                  </a:extLst>
+                </a:gridCol>
+                <a:gridCol w="320182">
+                  <a:extLst>
+                    <a:ext uri="{9D8B030D-6E8A-4147-A177-3AD203B41FA5}">
+                      <a16:colId xmlns:a16="http://schemas.microsoft.com/office/drawing/2014/main" val="3311475659"/>
+                    </a:ext>
+                  </a:extLst>
+                </a:gridCol>
+                <a:gridCol w="320182">
+                  <a:extLst>
+                    <a:ext uri="{9D8B030D-6E8A-4147-A177-3AD203B41FA5}">
+                      <a16:colId xmlns:a16="http://schemas.microsoft.com/office/drawing/2014/main" val="1290295606"/>
+                    </a:ext>
+                  </a:extLst>
+                </a:gridCol>
+                <a:gridCol w="320182">
+                  <a:extLst>
+                    <a:ext uri="{9D8B030D-6E8A-4147-A177-3AD203B41FA5}">
+                      <a16:colId xmlns:a16="http://schemas.microsoft.com/office/drawing/2014/main" val="1857034175"/>
+                    </a:ext>
+                  </a:extLst>
+                </a:gridCol>
+                <a:gridCol w="320182">
+                  <a:extLst>
+                    <a:ext uri="{9D8B030D-6E8A-4147-A177-3AD203B41FA5}">
+                      <a16:colId xmlns:a16="http://schemas.microsoft.com/office/drawing/2014/main" val="2683234811"/>
+                    </a:ext>
+                  </a:extLst>
+                </a:gridCol>
+                <a:gridCol w="320182">
+                  <a:extLst>
+                    <a:ext uri="{9D8B030D-6E8A-4147-A177-3AD203B41FA5}">
+                      <a16:colId xmlns:a16="http://schemas.microsoft.com/office/drawing/2014/main" val="2175505222"/>
+                    </a:ext>
+                  </a:extLst>
+                </a:gridCol>
+              </a:tblGrid>
+              <a:tr h="370840">
+                <a:tc>
+                  <a:txBody>
+                    <a:bodyPr/>
+                    <a:lstStyle/>
+                    <a:p>
+                      <a:endParaRPr lang="en-HK" dirty="0"/>
+                    </a:p>
+                  </a:txBody>
+                  <a:tcPr>
+                    <a:lnL w="12700" cap="flat" cmpd="sng" algn="ctr">
+                      <a:solidFill>
+                        <a:srgbClr val="FF0000"/>
+                      </a:solidFill>
+                      <a:prstDash val="solid"/>
+                      <a:round/>
+                      <a:headEnd type="none" w="med" len="med"/>
+                      <a:tailEnd type="none" w="med" len="med"/>
+                    </a:lnL>
+                    <a:lnT w="12700" cap="flat" cmpd="sng" algn="ctr">
+                      <a:solidFill>
+                        <a:srgbClr val="FF0000"/>
+                      </a:solidFill>
+                      <a:prstDash val="solid"/>
+                      <a:round/>
+                      <a:headEnd type="none" w="med" len="med"/>
+                      <a:tailEnd type="none" w="med" len="med"/>
+                    </a:lnT>
+                    <a:lnB w="12700" cap="flat" cmpd="sng" algn="ctr">
+                      <a:solidFill>
+                        <a:srgbClr val="FF0000"/>
+                      </a:solidFill>
+                      <a:prstDash val="solid"/>
+                      <a:round/>
+                      <a:headEnd type="none" w="med" len="med"/>
+                      <a:tailEnd type="none" w="med" len="med"/>
+                    </a:lnB>
+                    <a:solidFill>
+                      <a:schemeClr val="accent2">
+                        <a:lumMod val="40000"/>
+                        <a:lumOff val="60000"/>
+                      </a:schemeClr>
+                    </a:solidFill>
+                  </a:tcPr>
+                </a:tc>
+                <a:tc>
+                  <a:txBody>
+                    <a:bodyPr/>
+                    <a:lstStyle/>
+                    <a:p>
+                      <a:endParaRPr lang="en-HK" dirty="0"/>
+                    </a:p>
+                  </a:txBody>
+                  <a:tcPr>
+                    <a:lnT w="12700" cap="flat" cmpd="sng" algn="ctr">
+                      <a:solidFill>
+                        <a:srgbClr val="FF0000"/>
+                      </a:solidFill>
+                      <a:prstDash val="solid"/>
+                      <a:round/>
+                      <a:headEnd type="none" w="med" len="med"/>
+                      <a:tailEnd type="none" w="med" len="med"/>
+                    </a:lnT>
+                    <a:lnB w="12700" cap="flat" cmpd="sng" algn="ctr">
+                      <a:solidFill>
+                        <a:srgbClr val="FF0000"/>
+                      </a:solidFill>
+                      <a:prstDash val="solid"/>
+                      <a:round/>
+                      <a:headEnd type="none" w="med" len="med"/>
+                      <a:tailEnd type="none" w="med" len="med"/>
+                    </a:lnB>
+                    <a:solidFill>
+                      <a:schemeClr val="accent2">
+                        <a:lumMod val="40000"/>
+                        <a:lumOff val="60000"/>
+                      </a:schemeClr>
+                    </a:solidFill>
+                  </a:tcPr>
+                </a:tc>
+                <a:tc>
+                  <a:txBody>
+                    <a:bodyPr/>
+                    <a:lstStyle/>
+                    <a:p>
+                      <a:endParaRPr lang="en-HK" dirty="0"/>
+                    </a:p>
+                  </a:txBody>
+                  <a:tcPr>
+                    <a:lnT w="12700" cap="flat" cmpd="sng" algn="ctr">
+                      <a:solidFill>
+                        <a:srgbClr val="FF0000"/>
+                      </a:solidFill>
+                      <a:prstDash val="solid"/>
+                      <a:round/>
+                      <a:headEnd type="none" w="med" len="med"/>
+                      <a:tailEnd type="none" w="med" len="med"/>
+                    </a:lnT>
+                    <a:lnB w="12700" cap="flat" cmpd="sng" algn="ctr">
+                      <a:solidFill>
+                        <a:srgbClr val="FF0000"/>
+                      </a:solidFill>
+                      <a:prstDash val="solid"/>
+                      <a:round/>
+                      <a:headEnd type="none" w="med" len="med"/>
+                      <a:tailEnd type="none" w="med" len="med"/>
+                    </a:lnB>
+                    <a:solidFill>
+                      <a:schemeClr val="accent2">
+                        <a:lumMod val="40000"/>
+                        <a:lumOff val="60000"/>
+                      </a:schemeClr>
+                    </a:solidFill>
+                  </a:tcPr>
+                </a:tc>
+                <a:tc>
+                  <a:txBody>
+                    <a:bodyPr/>
+                    <a:lstStyle/>
+                    <a:p>
+                      <a:endParaRPr lang="en-HK" dirty="0"/>
+                    </a:p>
+                  </a:txBody>
+                  <a:tcPr>
+                    <a:lnR w="12700" cap="flat" cmpd="sng" algn="ctr">
+                      <a:solidFill>
+                        <a:srgbClr val="FF0000"/>
+                      </a:solidFill>
+                      <a:prstDash val="solid"/>
+                      <a:round/>
+                      <a:headEnd type="none" w="med" len="med"/>
+                      <a:tailEnd type="none" w="med" len="med"/>
+                    </a:lnR>
+                    <a:lnT w="12700" cap="flat" cmpd="sng" algn="ctr">
+                      <a:solidFill>
+                        <a:srgbClr val="FF0000"/>
+                      </a:solidFill>
+                      <a:prstDash val="solid"/>
+                      <a:round/>
+                      <a:headEnd type="none" w="med" len="med"/>
+                      <a:tailEnd type="none" w="med" len="med"/>
+                    </a:lnT>
+                    <a:lnB w="12700" cap="flat" cmpd="sng" algn="ctr">
+                      <a:solidFill>
+                        <a:srgbClr val="FF0000"/>
+                      </a:solidFill>
+                      <a:prstDash val="solid"/>
+                      <a:round/>
+                      <a:headEnd type="none" w="med" len="med"/>
+                      <a:tailEnd type="none" w="med" len="med"/>
+                    </a:lnB>
+                    <a:solidFill>
+                      <a:schemeClr val="accent1">
+                        <a:lumMod val="40000"/>
+                        <a:lumOff val="60000"/>
+                      </a:schemeClr>
+                    </a:solidFill>
+                  </a:tcPr>
+                </a:tc>
+                <a:tc>
+                  <a:txBody>
+                    <a:bodyPr/>
+                    <a:lstStyle/>
+                    <a:p>
+                      <a:endParaRPr lang="en-HK" dirty="0"/>
+                    </a:p>
+                  </a:txBody>
+                  <a:tcPr>
+                    <a:lnL w="12700" cap="flat" cmpd="sng" algn="ctr">
+                      <a:solidFill>
+                        <a:srgbClr val="FF0000"/>
+                      </a:solidFill>
+                      <a:prstDash val="solid"/>
+                      <a:round/>
+                      <a:headEnd type="none" w="med" len="med"/>
+                      <a:tailEnd type="none" w="med" len="med"/>
+                    </a:lnL>
+                    <a:lnT w="12700" cap="flat" cmpd="sng" algn="ctr">
+                      <a:solidFill>
+                        <a:srgbClr val="FF0000"/>
+                      </a:solidFill>
+                      <a:prstDash val="solid"/>
+                      <a:round/>
+                      <a:headEnd type="none" w="med" len="med"/>
+                      <a:tailEnd type="none" w="med" len="med"/>
+                    </a:lnT>
+                    <a:lnB w="12700" cap="flat" cmpd="sng" algn="ctr">
+                      <a:solidFill>
+                        <a:srgbClr val="FF0000"/>
+                      </a:solidFill>
+                      <a:prstDash val="solid"/>
+                      <a:round/>
+                      <a:headEnd type="none" w="med" len="med"/>
+                      <a:tailEnd type="none" w="med" len="med"/>
+                    </a:lnB>
+                    <a:solidFill>
+                      <a:schemeClr val="accent2">
+                        <a:lumMod val="40000"/>
+                        <a:lumOff val="60000"/>
+                      </a:schemeClr>
+                    </a:solidFill>
+                  </a:tcPr>
+                </a:tc>
+                <a:tc>
+                  <a:txBody>
+                    <a:bodyPr/>
+                    <a:lstStyle/>
+                    <a:p>
+                      <a:endParaRPr lang="en-HK" dirty="0"/>
+                    </a:p>
+                  </a:txBody>
+                  <a:tcPr>
+                    <a:lnT w="12700" cap="flat" cmpd="sng" algn="ctr">
+                      <a:solidFill>
+                        <a:srgbClr val="FF0000"/>
+                      </a:solidFill>
+                      <a:prstDash val="solid"/>
+                      <a:round/>
+                      <a:headEnd type="none" w="med" len="med"/>
+                      <a:tailEnd type="none" w="med" len="med"/>
+                    </a:lnT>
+                    <a:lnB w="12700" cap="flat" cmpd="sng" algn="ctr">
+                      <a:solidFill>
+                        <a:srgbClr val="FF0000"/>
+                      </a:solidFill>
+                      <a:prstDash val="solid"/>
+                      <a:round/>
+                      <a:headEnd type="none" w="med" len="med"/>
+                      <a:tailEnd type="none" w="med" len="med"/>
+                    </a:lnB>
+                    <a:solidFill>
+                      <a:schemeClr val="accent2">
+                        <a:lumMod val="40000"/>
+                        <a:lumOff val="60000"/>
+                      </a:schemeClr>
+                    </a:solidFill>
+                  </a:tcPr>
+                </a:tc>
+                <a:tc>
+                  <a:txBody>
+                    <a:bodyPr/>
+                    <a:lstStyle/>
+                    <a:p>
+                      <a:endParaRPr lang="en-HK" dirty="0"/>
+                    </a:p>
+                  </a:txBody>
+                  <a:tcPr>
+                    <a:lnT w="12700" cap="flat" cmpd="sng" algn="ctr">
+                      <a:solidFill>
+                        <a:srgbClr val="FF0000"/>
+                      </a:solidFill>
+                      <a:prstDash val="solid"/>
+                      <a:round/>
+                      <a:headEnd type="none" w="med" len="med"/>
+                      <a:tailEnd type="none" w="med" len="med"/>
+                    </a:lnT>
+                    <a:lnB w="12700" cap="flat" cmpd="sng" algn="ctr">
+                      <a:solidFill>
+                        <a:srgbClr val="FF0000"/>
+                      </a:solidFill>
+                      <a:prstDash val="solid"/>
+                      <a:round/>
+                      <a:headEnd type="none" w="med" len="med"/>
+                      <a:tailEnd type="none" w="med" len="med"/>
+                    </a:lnB>
+                    <a:solidFill>
+                      <a:schemeClr val="accent2">
+                        <a:lumMod val="40000"/>
+                        <a:lumOff val="60000"/>
+                      </a:schemeClr>
+                    </a:solidFill>
+                  </a:tcPr>
+                </a:tc>
+                <a:tc>
+                  <a:txBody>
+                    <a:bodyPr/>
+                    <a:lstStyle/>
+                    <a:p>
+                      <a:endParaRPr lang="en-HK" dirty="0"/>
+                    </a:p>
+                  </a:txBody>
+                  <a:tcPr>
+                    <a:lnR w="12700" cap="flat" cmpd="sng" algn="ctr">
+                      <a:solidFill>
+                        <a:srgbClr val="FF0000"/>
+                      </a:solidFill>
+                      <a:prstDash val="solid"/>
+                      <a:round/>
+                      <a:headEnd type="none" w="med" len="med"/>
+                      <a:tailEnd type="none" w="med" len="med"/>
+                    </a:lnR>
+                    <a:lnT w="12700" cap="flat" cmpd="sng" algn="ctr">
+                      <a:solidFill>
+                        <a:srgbClr val="FF0000"/>
+                      </a:solidFill>
+                      <a:prstDash val="solid"/>
+                      <a:round/>
+                      <a:headEnd type="none" w="med" len="med"/>
+                      <a:tailEnd type="none" w="med" len="med"/>
+                    </a:lnT>
+                    <a:lnB w="12700" cap="flat" cmpd="sng" algn="ctr">
+                      <a:solidFill>
+                        <a:srgbClr val="FF0000"/>
+                      </a:solidFill>
+                      <a:prstDash val="solid"/>
+                      <a:round/>
+                      <a:headEnd type="none" w="med" len="med"/>
+                      <a:tailEnd type="none" w="med" len="med"/>
+                    </a:lnB>
+                    <a:solidFill>
+                      <a:schemeClr val="accent1">
+                        <a:lumMod val="40000"/>
+                        <a:lumOff val="60000"/>
+                      </a:schemeClr>
+                    </a:solidFill>
+                  </a:tcPr>
+                </a:tc>
+                <a:tc>
+                  <a:txBody>
+                    <a:bodyPr/>
+                    <a:lstStyle/>
+                    <a:p>
+                      <a:endParaRPr lang="en-HK" dirty="0"/>
+                    </a:p>
+                  </a:txBody>
+                  <a:tcPr>
+                    <a:lnL w="12700" cap="flat" cmpd="sng" algn="ctr">
+                      <a:solidFill>
+                        <a:srgbClr val="FF0000"/>
+                      </a:solidFill>
+                      <a:prstDash val="solid"/>
+                      <a:round/>
+                      <a:headEnd type="none" w="med" len="med"/>
+                      <a:tailEnd type="none" w="med" len="med"/>
+                    </a:lnL>
+                    <a:lnT w="12700" cap="flat" cmpd="sng" algn="ctr">
+                      <a:solidFill>
+                        <a:srgbClr val="FF0000"/>
+                      </a:solidFill>
+                      <a:prstDash val="solid"/>
+                      <a:round/>
+                      <a:headEnd type="none" w="med" len="med"/>
+                      <a:tailEnd type="none" w="med" len="med"/>
+                    </a:lnT>
+                    <a:lnB w="12700" cap="flat" cmpd="sng" algn="ctr">
+                      <a:solidFill>
+                        <a:srgbClr val="FF0000"/>
+                      </a:solidFill>
+                      <a:prstDash val="solid"/>
+                      <a:round/>
+                      <a:headEnd type="none" w="med" len="med"/>
+                      <a:tailEnd type="none" w="med" len="med"/>
+                    </a:lnB>
+                    <a:solidFill>
+                      <a:schemeClr val="accent2">
+                        <a:lumMod val="40000"/>
+                        <a:lumOff val="60000"/>
+                      </a:schemeClr>
+                    </a:solidFill>
+                  </a:tcPr>
+                </a:tc>
+                <a:tc>
+                  <a:txBody>
+                    <a:bodyPr/>
+                    <a:lstStyle/>
+                    <a:p>
+                      <a:endParaRPr lang="en-HK" dirty="0"/>
+                    </a:p>
+                  </a:txBody>
+                  <a:tcPr>
+                    <a:lnT w="12700" cap="flat" cmpd="sng" algn="ctr">
+                      <a:solidFill>
+                        <a:srgbClr val="FF0000"/>
+                      </a:solidFill>
+                      <a:prstDash val="solid"/>
+                      <a:round/>
+                      <a:headEnd type="none" w="med" len="med"/>
+                      <a:tailEnd type="none" w="med" len="med"/>
+                    </a:lnT>
+                    <a:lnB w="12700" cap="flat" cmpd="sng" algn="ctr">
+                      <a:solidFill>
+                        <a:srgbClr val="FF0000"/>
+                      </a:solidFill>
+                      <a:prstDash val="solid"/>
+                      <a:round/>
+                      <a:headEnd type="none" w="med" len="med"/>
+                      <a:tailEnd type="none" w="med" len="med"/>
+                    </a:lnB>
+                    <a:solidFill>
+                      <a:schemeClr val="accent2">
+                        <a:lumMod val="40000"/>
+                        <a:lumOff val="60000"/>
+                      </a:schemeClr>
+                    </a:solidFill>
+                  </a:tcPr>
+                </a:tc>
+                <a:tc>
+                  <a:txBody>
+                    <a:bodyPr/>
+                    <a:lstStyle/>
+                    <a:p>
+                      <a:endParaRPr lang="en-HK" dirty="0"/>
+                    </a:p>
+                  </a:txBody>
+                  <a:tcPr>
+                    <a:lnT w="12700" cap="flat" cmpd="sng" algn="ctr">
+                      <a:solidFill>
+                        <a:srgbClr val="FF0000"/>
+                      </a:solidFill>
+                      <a:prstDash val="solid"/>
+                      <a:round/>
+                      <a:headEnd type="none" w="med" len="med"/>
+                      <a:tailEnd type="none" w="med" len="med"/>
+                    </a:lnT>
+                    <a:lnB w="12700" cap="flat" cmpd="sng" algn="ctr">
+                      <a:solidFill>
+                        <a:srgbClr val="FF0000"/>
+                      </a:solidFill>
+                      <a:prstDash val="solid"/>
+                      <a:round/>
+                      <a:headEnd type="none" w="med" len="med"/>
+                      <a:tailEnd type="none" w="med" len="med"/>
+                    </a:lnB>
+                    <a:solidFill>
+                      <a:schemeClr val="accent2">
+                        <a:lumMod val="40000"/>
+                        <a:lumOff val="60000"/>
+                      </a:schemeClr>
+                    </a:solidFill>
+                  </a:tcPr>
+                </a:tc>
+                <a:tc>
+                  <a:txBody>
+                    <a:bodyPr/>
+                    <a:lstStyle/>
+                    <a:p>
+                      <a:endParaRPr lang="en-HK" dirty="0"/>
+                    </a:p>
+                  </a:txBody>
+                  <a:tcPr>
+                    <a:lnR w="12700" cap="flat" cmpd="sng" algn="ctr">
+                      <a:solidFill>
+                        <a:srgbClr val="FF0000"/>
+                      </a:solidFill>
+                      <a:prstDash val="solid"/>
+                      <a:round/>
+                      <a:headEnd type="none" w="med" len="med"/>
+                      <a:tailEnd type="none" w="med" len="med"/>
+                    </a:lnR>
+                    <a:lnT w="12700" cap="flat" cmpd="sng" algn="ctr">
+                      <a:solidFill>
+                        <a:srgbClr val="FF0000"/>
+                      </a:solidFill>
+                      <a:prstDash val="solid"/>
+                      <a:round/>
+                      <a:headEnd type="none" w="med" len="med"/>
+                      <a:tailEnd type="none" w="med" len="med"/>
+                    </a:lnT>
+                    <a:lnB w="12700" cap="flat" cmpd="sng" algn="ctr">
+                      <a:solidFill>
+                        <a:srgbClr val="FF0000"/>
+                      </a:solidFill>
+                      <a:prstDash val="solid"/>
+                      <a:round/>
+                      <a:headEnd type="none" w="med" len="med"/>
+                      <a:tailEnd type="none" w="med" len="med"/>
+                    </a:lnB>
+                    <a:solidFill>
+                      <a:schemeClr val="accent1">
+                        <a:lumMod val="40000"/>
+                        <a:lumOff val="60000"/>
+                      </a:schemeClr>
+                    </a:solidFill>
+                  </a:tcPr>
+                </a:tc>
+                <a:tc>
+                  <a:txBody>
+                    <a:bodyPr/>
+                    <a:lstStyle/>
+                    <a:p>
+                      <a:endParaRPr lang="en-HK" dirty="0"/>
+                    </a:p>
+                  </a:txBody>
+                  <a:tcPr>
+                    <a:lnL w="12700" cap="flat" cmpd="sng" algn="ctr">
+                      <a:solidFill>
+                        <a:srgbClr val="FF0000"/>
+                      </a:solidFill>
+                      <a:prstDash val="solid"/>
+                      <a:round/>
+                      <a:headEnd type="none" w="med" len="med"/>
+                      <a:tailEnd type="none" w="med" len="med"/>
+                    </a:lnL>
+                    <a:lnT w="12700" cap="flat" cmpd="sng" algn="ctr">
+                      <a:solidFill>
+                        <a:srgbClr val="FF0000"/>
+                      </a:solidFill>
+                      <a:prstDash val="solid"/>
+                      <a:round/>
+                      <a:headEnd type="none" w="med" len="med"/>
+                      <a:tailEnd type="none" w="med" len="med"/>
+                    </a:lnT>
+                    <a:lnB w="12700" cap="flat" cmpd="sng" algn="ctr">
+                      <a:solidFill>
+                        <a:srgbClr val="FF0000"/>
+                      </a:solidFill>
+                      <a:prstDash val="solid"/>
+                      <a:round/>
+                      <a:headEnd type="none" w="med" len="med"/>
+                      <a:tailEnd type="none" w="med" len="med"/>
+                    </a:lnB>
+                    <a:solidFill>
+                      <a:schemeClr val="accent2">
+                        <a:lumMod val="40000"/>
+                        <a:lumOff val="60000"/>
+                      </a:schemeClr>
+                    </a:solidFill>
+                  </a:tcPr>
+                </a:tc>
+                <a:tc>
+                  <a:txBody>
+                    <a:bodyPr/>
+                    <a:lstStyle/>
+                    <a:p>
+                      <a:endParaRPr lang="en-HK" dirty="0"/>
+                    </a:p>
+                  </a:txBody>
+                  <a:tcPr>
+                    <a:lnT w="12700" cap="flat" cmpd="sng" algn="ctr">
+                      <a:solidFill>
+                        <a:srgbClr val="FF0000"/>
+                      </a:solidFill>
+                      <a:prstDash val="solid"/>
+                      <a:round/>
+                      <a:headEnd type="none" w="med" len="med"/>
+                      <a:tailEnd type="none" w="med" len="med"/>
+                    </a:lnT>
+                    <a:lnB w="12700" cap="flat" cmpd="sng" algn="ctr">
+                      <a:solidFill>
+                        <a:srgbClr val="FF0000"/>
+                      </a:solidFill>
+                      <a:prstDash val="solid"/>
+                      <a:round/>
+                      <a:headEnd type="none" w="med" len="med"/>
+                      <a:tailEnd type="none" w="med" len="med"/>
+                    </a:lnB>
+                    <a:solidFill>
+                      <a:schemeClr val="accent2">
+                        <a:lumMod val="40000"/>
+                        <a:lumOff val="60000"/>
+                      </a:schemeClr>
+                    </a:solidFill>
+                  </a:tcPr>
+                </a:tc>
+                <a:tc>
+                  <a:txBody>
+                    <a:bodyPr/>
+                    <a:lstStyle/>
+                    <a:p>
+                      <a:endParaRPr lang="en-HK" dirty="0"/>
+                    </a:p>
+                  </a:txBody>
+                  <a:tcPr>
+                    <a:lnT w="12700" cap="flat" cmpd="sng" algn="ctr">
+                      <a:solidFill>
+                        <a:srgbClr val="FF0000"/>
+                      </a:solidFill>
+                      <a:prstDash val="solid"/>
+                      <a:round/>
+                      <a:headEnd type="none" w="med" len="med"/>
+                      <a:tailEnd type="none" w="med" len="med"/>
+                    </a:lnT>
+                    <a:lnB w="12700" cap="flat" cmpd="sng" algn="ctr">
+                      <a:solidFill>
+                        <a:srgbClr val="FF0000"/>
+                      </a:solidFill>
+                      <a:prstDash val="solid"/>
+                      <a:round/>
+                      <a:headEnd type="none" w="med" len="med"/>
+                      <a:tailEnd type="none" w="med" len="med"/>
+                    </a:lnB>
+                    <a:solidFill>
+                      <a:schemeClr val="accent2">
+                        <a:lumMod val="40000"/>
+                        <a:lumOff val="60000"/>
+                      </a:schemeClr>
+                    </a:solidFill>
+                  </a:tcPr>
+                </a:tc>
+                <a:tc>
+                  <a:txBody>
+                    <a:bodyPr/>
+                    <a:lstStyle/>
+                    <a:p>
+                      <a:endParaRPr lang="en-HK" dirty="0"/>
+                    </a:p>
+                  </a:txBody>
+                  <a:tcPr>
+                    <a:lnR w="12700" cap="flat" cmpd="sng" algn="ctr">
+                      <a:solidFill>
+                        <a:srgbClr val="FF0000"/>
+                      </a:solidFill>
+                      <a:prstDash val="solid"/>
+                      <a:round/>
+                      <a:headEnd type="none" w="med" len="med"/>
+                      <a:tailEnd type="none" w="med" len="med"/>
+                    </a:lnR>
+                    <a:lnT w="12700" cap="flat" cmpd="sng" algn="ctr">
+                      <a:solidFill>
+                        <a:srgbClr val="FF0000"/>
+                      </a:solidFill>
+                      <a:prstDash val="solid"/>
+                      <a:round/>
+                      <a:headEnd type="none" w="med" len="med"/>
+                      <a:tailEnd type="none" w="med" len="med"/>
+                    </a:lnT>
+                    <a:lnB w="12700" cap="flat" cmpd="sng" algn="ctr">
+                      <a:solidFill>
+                        <a:srgbClr val="FF0000"/>
+                      </a:solidFill>
+                      <a:prstDash val="solid"/>
+                      <a:round/>
+                      <a:headEnd type="none" w="med" len="med"/>
+                      <a:tailEnd type="none" w="med" len="med"/>
+                    </a:lnB>
+                    <a:solidFill>
+                      <a:schemeClr val="accent1">
+                        <a:lumMod val="40000"/>
+                        <a:lumOff val="60000"/>
+                      </a:schemeClr>
+                    </a:solidFill>
+                  </a:tcPr>
+                </a:tc>
+                <a:tc>
+                  <a:txBody>
+                    <a:bodyPr/>
+                    <a:lstStyle/>
+                    <a:p>
+                      <a:endParaRPr lang="en-HK" dirty="0"/>
+                    </a:p>
+                  </a:txBody>
+                  <a:tcPr>
+                    <a:lnL w="12700" cap="flat" cmpd="sng" algn="ctr">
+                      <a:solidFill>
+                        <a:srgbClr val="FF0000"/>
+                      </a:solidFill>
+                      <a:prstDash val="solid"/>
+                      <a:round/>
+                      <a:headEnd type="none" w="med" len="med"/>
+                      <a:tailEnd type="none" w="med" len="med"/>
+                    </a:lnL>
+                    <a:lnT w="12700" cap="flat" cmpd="sng" algn="ctr">
+                      <a:solidFill>
+                        <a:srgbClr val="FF0000"/>
+                      </a:solidFill>
+                      <a:prstDash val="solid"/>
+                      <a:round/>
+                      <a:headEnd type="none" w="med" len="med"/>
+                      <a:tailEnd type="none" w="med" len="med"/>
+                    </a:lnT>
+                    <a:lnB w="12700" cap="flat" cmpd="sng" algn="ctr">
+                      <a:solidFill>
+                        <a:srgbClr val="FF0000"/>
+                      </a:solidFill>
+                      <a:prstDash val="solid"/>
+                      <a:round/>
+                      <a:headEnd type="none" w="med" len="med"/>
+                      <a:tailEnd type="none" w="med" len="med"/>
+                    </a:lnB>
+                    <a:solidFill>
+                      <a:schemeClr val="accent2">
+                        <a:lumMod val="40000"/>
+                        <a:lumOff val="60000"/>
+                      </a:schemeClr>
+                    </a:solidFill>
+                  </a:tcPr>
+                </a:tc>
+                <a:tc>
+                  <a:txBody>
+                    <a:bodyPr/>
+                    <a:lstStyle/>
+                    <a:p>
+                      <a:endParaRPr lang="en-HK" dirty="0"/>
+                    </a:p>
+                  </a:txBody>
+                  <a:tcPr>
+                    <a:lnT w="12700" cap="flat" cmpd="sng" algn="ctr">
+                      <a:solidFill>
+                        <a:srgbClr val="FF0000"/>
+                      </a:solidFill>
+                      <a:prstDash val="solid"/>
+                      <a:round/>
+                      <a:headEnd type="none" w="med" len="med"/>
+                      <a:tailEnd type="none" w="med" len="med"/>
+                    </a:lnT>
+                    <a:lnB w="12700" cap="flat" cmpd="sng" algn="ctr">
+                      <a:solidFill>
+                        <a:srgbClr val="FF0000"/>
+                      </a:solidFill>
+                      <a:prstDash val="solid"/>
+                      <a:round/>
+                      <a:headEnd type="none" w="med" len="med"/>
+                      <a:tailEnd type="none" w="med" len="med"/>
+                    </a:lnB>
+                    <a:solidFill>
+                      <a:schemeClr val="accent2">
+                        <a:lumMod val="40000"/>
+                        <a:lumOff val="60000"/>
+                      </a:schemeClr>
+                    </a:solidFill>
+                  </a:tcPr>
+                </a:tc>
+                <a:tc>
+                  <a:txBody>
+                    <a:bodyPr/>
+                    <a:lstStyle/>
+                    <a:p>
+                      <a:endParaRPr lang="en-HK" dirty="0"/>
+                    </a:p>
+                  </a:txBody>
+                  <a:tcPr>
+                    <a:lnR w="12700" cap="flat" cmpd="sng" algn="ctr">
+                      <a:solidFill>
+                        <a:srgbClr val="FF0000"/>
+                      </a:solidFill>
+                      <a:prstDash val="solid"/>
+                      <a:round/>
+                      <a:headEnd type="none" w="med" len="med"/>
+                      <a:tailEnd type="none" w="med" len="med"/>
+                    </a:lnR>
+                    <a:lnT w="12700" cap="flat" cmpd="sng" algn="ctr">
+                      <a:solidFill>
+                        <a:srgbClr val="FF0000"/>
+                      </a:solidFill>
+                      <a:prstDash val="solid"/>
+                      <a:round/>
+                      <a:headEnd type="none" w="med" len="med"/>
+                      <a:tailEnd type="none" w="med" len="med"/>
+                    </a:lnT>
+                    <a:lnB w="12700" cap="flat" cmpd="sng" algn="ctr">
+                      <a:solidFill>
+                        <a:srgbClr val="FF0000"/>
+                      </a:solidFill>
+                      <a:prstDash val="solid"/>
+                      <a:round/>
+                      <a:headEnd type="none" w="med" len="med"/>
+                      <a:tailEnd type="none" w="med" len="med"/>
+                    </a:lnB>
+                    <a:solidFill>
+                      <a:schemeClr val="accent1">
+                        <a:lumMod val="40000"/>
+                        <a:lumOff val="60000"/>
+                      </a:schemeClr>
+                    </a:solidFill>
+                  </a:tcPr>
+                </a:tc>
+                <a:tc>
+                  <a:txBody>
+                    <a:bodyPr/>
+                    <a:lstStyle/>
+                    <a:p>
+                      <a:endParaRPr lang="en-HK" dirty="0"/>
+                    </a:p>
+                  </a:txBody>
+                  <a:tcPr>
+                    <a:lnL w="12700" cap="flat" cmpd="sng" algn="ctr">
+                      <a:solidFill>
+                        <a:srgbClr val="FF0000"/>
+                      </a:solidFill>
+                      <a:prstDash val="solid"/>
+                      <a:round/>
+                      <a:headEnd type="none" w="med" len="med"/>
+                      <a:tailEnd type="none" w="med" len="med"/>
+                    </a:lnL>
+                    <a:lnT w="12700" cap="flat" cmpd="sng" algn="ctr">
+                      <a:solidFill>
+                        <a:srgbClr val="FF0000"/>
+                      </a:solidFill>
+                      <a:prstDash val="solid"/>
+                      <a:round/>
+                      <a:headEnd type="none" w="med" len="med"/>
+                      <a:tailEnd type="none" w="med" len="med"/>
+                    </a:lnT>
+                    <a:lnB w="12700" cap="flat" cmpd="sng" algn="ctr">
+                      <a:solidFill>
+                        <a:srgbClr val="FF0000"/>
+                      </a:solidFill>
+                      <a:prstDash val="solid"/>
+                      <a:round/>
+                      <a:headEnd type="none" w="med" len="med"/>
+                      <a:tailEnd type="none" w="med" len="med"/>
+                    </a:lnB>
+                    <a:solidFill>
+                      <a:schemeClr val="accent2">
+                        <a:lumMod val="40000"/>
+                        <a:lumOff val="60000"/>
+                      </a:schemeClr>
+                    </a:solidFill>
+                  </a:tcPr>
+                </a:tc>
+                <a:tc>
+                  <a:txBody>
+                    <a:bodyPr/>
+                    <a:lstStyle/>
+                    <a:p>
+                      <a:endParaRPr lang="en-HK" dirty="0"/>
+                    </a:p>
+                  </a:txBody>
+                  <a:tcPr>
+                    <a:lnR w="12700" cap="flat" cmpd="sng" algn="ctr">
+                      <a:solidFill>
+                        <a:srgbClr val="FF0000"/>
+                      </a:solidFill>
+                      <a:prstDash val="solid"/>
+                      <a:round/>
+                      <a:headEnd type="none" w="med" len="med"/>
+                      <a:tailEnd type="none" w="med" len="med"/>
+                    </a:lnR>
+                    <a:lnT w="12700" cap="flat" cmpd="sng" algn="ctr">
+                      <a:solidFill>
+                        <a:srgbClr val="FF0000"/>
+                      </a:solidFill>
+                      <a:prstDash val="solid"/>
+                      <a:round/>
+                      <a:headEnd type="none" w="med" len="med"/>
+                      <a:tailEnd type="none" w="med" len="med"/>
+                    </a:lnT>
+                    <a:lnB w="12700" cap="flat" cmpd="sng" algn="ctr">
+                      <a:solidFill>
+                        <a:srgbClr val="FF0000"/>
+                      </a:solidFill>
+                      <a:prstDash val="solid"/>
+                      <a:round/>
+                      <a:headEnd type="none" w="med" len="med"/>
+                      <a:tailEnd type="none" w="med" len="med"/>
+                    </a:lnB>
+                    <a:solidFill>
+                      <a:schemeClr val="accent1">
+                        <a:lumMod val="40000"/>
+                        <a:lumOff val="60000"/>
+                      </a:schemeClr>
+                    </a:solidFill>
+                  </a:tcPr>
+                </a:tc>
+                <a:extLst>
+                  <a:ext uri="{0D108BD9-81ED-4DB2-BD59-A6C34878D82A}">
+                    <a16:rowId xmlns:a16="http://schemas.microsoft.com/office/drawing/2014/main" val="2601047344"/>
+                  </a:ext>
+                </a:extLst>
+              </a:tr>
+            </a:tbl>
+          </a:graphicData>
+        </a:graphic>
+      </p:graphicFrame>
+    </p:spTree>
+    <p:extLst>
+      <p:ext uri="{BB962C8B-B14F-4D97-AF65-F5344CB8AC3E}">
+        <p14:creationId xmlns:p14="http://schemas.microsoft.com/office/powerpoint/2010/main" val="436674175"/>
+      </p:ext>
+    </p:extLst>
+  </p:cSld>
+  <p:clrMapOvr>
+    <a:masterClrMapping/>
+  </p:clrMapOvr>
+</p:sld>
+</file>
+
+<file path=ppt/slides/slide7.xml><?xml version="1.0" encoding="utf-8"?>
 <p:sld xmlns:a="http://schemas.openxmlformats.org/drawingml/2006/main" xmlns:r="http://schemas.openxmlformats.org/officeDocument/2006/relationships" xmlns:p="http://schemas.openxmlformats.org/presentationml/2006/main">
   <p:cSld>
     <p:spTree>

--- a/Dissertation/Beamer/test.pptx
+++ b/Dissertation/Beamer/test.pptx
@@ -5,7 +5,7 @@
     <p:sldMasterId id="2147483648" r:id="rId1"/>
   </p:sldMasterIdLst>
   <p:notesMasterIdLst>
-    <p:notesMasterId r:id="rId9"/>
+    <p:notesMasterId r:id="rId10"/>
   </p:notesMasterIdLst>
   <p:sldIdLst>
     <p:sldId id="256" r:id="rId2"/>
@@ -15,6 +15,7 @@
     <p:sldId id="260" r:id="rId6"/>
     <p:sldId id="262" r:id="rId7"/>
     <p:sldId id="261" r:id="rId8"/>
+    <p:sldId id="263" r:id="rId9"/>
   </p:sldIdLst>
   <p:sldSz cx="12192000" cy="6858000"/>
   <p:notesSz cx="6858000" cy="9144000"/>
@@ -203,7 +204,7 @@
           <a:p>
             <a:fld id="{9E12240E-F1A6-4A91-967F-8E68706835E0}" type="datetimeFigureOut">
               <a:rPr lang="en-HK" smtClean="0"/>
-              <a:t>9/3/2024</a:t>
+              <a:t>3/4/2024</a:t>
             </a:fld>
             <a:endParaRPr lang="en-HK"/>
           </a:p>
@@ -707,7 +708,7 @@
           <a:p>
             <a:fld id="{A662AB9F-F8D6-4D84-8C93-94B520C5C2D5}" type="datetimeFigureOut">
               <a:rPr lang="en-HK" smtClean="0"/>
-              <a:t>9/3/2024</a:t>
+              <a:t>3/4/2024</a:t>
             </a:fld>
             <a:endParaRPr lang="en-HK"/>
           </a:p>
@@ -907,7 +908,7 @@
           <a:p>
             <a:fld id="{A662AB9F-F8D6-4D84-8C93-94B520C5C2D5}" type="datetimeFigureOut">
               <a:rPr lang="en-HK" smtClean="0"/>
-              <a:t>9/3/2024</a:t>
+              <a:t>3/4/2024</a:t>
             </a:fld>
             <a:endParaRPr lang="en-HK"/>
           </a:p>
@@ -1117,7 +1118,7 @@
           <a:p>
             <a:fld id="{A662AB9F-F8D6-4D84-8C93-94B520C5C2D5}" type="datetimeFigureOut">
               <a:rPr lang="en-HK" smtClean="0"/>
-              <a:t>9/3/2024</a:t>
+              <a:t>3/4/2024</a:t>
             </a:fld>
             <a:endParaRPr lang="en-HK"/>
           </a:p>
@@ -1317,7 +1318,7 @@
           <a:p>
             <a:fld id="{A662AB9F-F8D6-4D84-8C93-94B520C5C2D5}" type="datetimeFigureOut">
               <a:rPr lang="en-HK" smtClean="0"/>
-              <a:t>9/3/2024</a:t>
+              <a:t>3/4/2024</a:t>
             </a:fld>
             <a:endParaRPr lang="en-HK"/>
           </a:p>
@@ -1593,7 +1594,7 @@
           <a:p>
             <a:fld id="{A662AB9F-F8D6-4D84-8C93-94B520C5C2D5}" type="datetimeFigureOut">
               <a:rPr lang="en-HK" smtClean="0"/>
-              <a:t>9/3/2024</a:t>
+              <a:t>3/4/2024</a:t>
             </a:fld>
             <a:endParaRPr lang="en-HK"/>
           </a:p>
@@ -1861,7 +1862,7 @@
           <a:p>
             <a:fld id="{A662AB9F-F8D6-4D84-8C93-94B520C5C2D5}" type="datetimeFigureOut">
               <a:rPr lang="en-HK" smtClean="0"/>
-              <a:t>9/3/2024</a:t>
+              <a:t>3/4/2024</a:t>
             </a:fld>
             <a:endParaRPr lang="en-HK"/>
           </a:p>
@@ -2276,7 +2277,7 @@
           <a:p>
             <a:fld id="{A662AB9F-F8D6-4D84-8C93-94B520C5C2D5}" type="datetimeFigureOut">
               <a:rPr lang="en-HK" smtClean="0"/>
-              <a:t>9/3/2024</a:t>
+              <a:t>3/4/2024</a:t>
             </a:fld>
             <a:endParaRPr lang="en-HK"/>
           </a:p>
@@ -2418,7 +2419,7 @@
           <a:p>
             <a:fld id="{A662AB9F-F8D6-4D84-8C93-94B520C5C2D5}" type="datetimeFigureOut">
               <a:rPr lang="en-HK" smtClean="0"/>
-              <a:t>9/3/2024</a:t>
+              <a:t>3/4/2024</a:t>
             </a:fld>
             <a:endParaRPr lang="en-HK"/>
           </a:p>
@@ -2531,7 +2532,7 @@
           <a:p>
             <a:fld id="{A662AB9F-F8D6-4D84-8C93-94B520C5C2D5}" type="datetimeFigureOut">
               <a:rPr lang="en-HK" smtClean="0"/>
-              <a:t>9/3/2024</a:t>
+              <a:t>3/4/2024</a:t>
             </a:fld>
             <a:endParaRPr lang="en-HK"/>
           </a:p>
@@ -2844,7 +2845,7 @@
           <a:p>
             <a:fld id="{A662AB9F-F8D6-4D84-8C93-94B520C5C2D5}" type="datetimeFigureOut">
               <a:rPr lang="en-HK" smtClean="0"/>
-              <a:t>9/3/2024</a:t>
+              <a:t>3/4/2024</a:t>
             </a:fld>
             <a:endParaRPr lang="en-HK"/>
           </a:p>
@@ -3133,7 +3134,7 @@
           <a:p>
             <a:fld id="{A662AB9F-F8D6-4D84-8C93-94B520C5C2D5}" type="datetimeFigureOut">
               <a:rPr lang="en-HK" smtClean="0"/>
-              <a:t>9/3/2024</a:t>
+              <a:t>3/4/2024</a:t>
             </a:fld>
             <a:endParaRPr lang="en-HK"/>
           </a:p>
@@ -3376,7 +3377,7 @@
           <a:p>
             <a:fld id="{A662AB9F-F8D6-4D84-8C93-94B520C5C2D5}" type="datetimeFigureOut">
               <a:rPr lang="en-HK" smtClean="0"/>
-              <a:t>9/3/2024</a:t>
+              <a:t>3/4/2024</a:t>
             </a:fld>
             <a:endParaRPr lang="en-HK"/>
           </a:p>
@@ -10177,6 +10178,502 @@
     <a:masterClrMapping/>
   </p:clrMapOvr>
 </p:sld>
+</file>
+
+<file path=ppt/slides/slide8.xml><?xml version="1.0" encoding="utf-8"?>
+<p:sld xmlns:a="http://schemas.openxmlformats.org/drawingml/2006/main" xmlns:r="http://schemas.openxmlformats.org/officeDocument/2006/relationships" xmlns:p="http://schemas.openxmlformats.org/presentationml/2006/main">
+  <p:cSld>
+    <p:spTree>
+      <p:nvGrpSpPr>
+        <p:cNvPr id="1" name=""/>
+        <p:cNvGrpSpPr/>
+        <p:nvPr/>
+      </p:nvGrpSpPr>
+      <p:grpSpPr>
+        <a:xfrm>
+          <a:off x="0" y="0"/>
+          <a:ext cx="0" cy="0"/>
+          <a:chOff x="0" y="0"/>
+          <a:chExt cx="0" cy="0"/>
+        </a:xfrm>
+      </p:grpSpPr>
+      <p:pic>
+        <p:nvPicPr>
+          <p:cNvPr id="6" name="Picture 5">
+            <a:extLst>
+              <a:ext uri="{FF2B5EF4-FFF2-40B4-BE49-F238E27FC236}">
+                <a16:creationId xmlns:a16="http://schemas.microsoft.com/office/drawing/2014/main" id="{4C8360B6-7F0E-36D1-591E-F83815C6655F}"/>
+              </a:ext>
+            </a:extLst>
+          </p:cNvPr>
+          <p:cNvPicPr>
+            <a:picLocks noChangeAspect="1"/>
+          </p:cNvPicPr>
+          <p:nvPr/>
+        </p:nvPicPr>
+        <p:blipFill>
+          <a:blip r:embed="rId4"/>
+          <a:stretch>
+            <a:fillRect/>
+          </a:stretch>
+        </p:blipFill>
+        <p:spPr>
+          <a:xfrm>
+            <a:off x="361951" y="4495886"/>
+            <a:ext cx="10302940" cy="1121001"/>
+          </a:xfrm>
+          <a:prstGeom prst="rect">
+            <a:avLst/>
+          </a:prstGeom>
+        </p:spPr>
+      </p:pic>
+      <p:cxnSp>
+        <p:nvCxnSpPr>
+          <p:cNvPr id="8" name="Straight Arrow Connector 7">
+            <a:extLst>
+              <a:ext uri="{FF2B5EF4-FFF2-40B4-BE49-F238E27FC236}">
+                <a16:creationId xmlns:a16="http://schemas.microsoft.com/office/drawing/2014/main" id="{9928570D-6092-A74A-76C1-C06A8F781B65}"/>
+              </a:ext>
+            </a:extLst>
+          </p:cNvPr>
+          <p:cNvCxnSpPr>
+            <a:cxnSpLocks/>
+          </p:cNvCxnSpPr>
+          <p:nvPr/>
+        </p:nvCxnSpPr>
+        <p:spPr>
+          <a:xfrm flipH="1" flipV="1">
+            <a:off x="7208538" y="4347780"/>
+            <a:ext cx="823558" cy="301858"/>
+          </a:xfrm>
+          <a:prstGeom prst="straightConnector1">
+            <a:avLst/>
+          </a:prstGeom>
+          <a:ln>
+            <a:tailEnd type="triangle"/>
+          </a:ln>
+        </p:spPr>
+        <p:style>
+          <a:lnRef idx="1">
+            <a:schemeClr val="dk1"/>
+          </a:lnRef>
+          <a:fillRef idx="0">
+            <a:schemeClr val="dk1"/>
+          </a:fillRef>
+          <a:effectRef idx="0">
+            <a:schemeClr val="dk1"/>
+          </a:effectRef>
+          <a:fontRef idx="minor">
+            <a:schemeClr val="tx1"/>
+          </a:fontRef>
+        </p:style>
+      </p:cxnSp>
+      <p:sp>
+        <p:nvSpPr>
+          <p:cNvPr id="10" name="TextBox 9">
+            <a:extLst>
+              <a:ext uri="{FF2B5EF4-FFF2-40B4-BE49-F238E27FC236}">
+                <a16:creationId xmlns:a16="http://schemas.microsoft.com/office/drawing/2014/main" id="{F26FD96B-11F1-9BC9-F5E6-0EF07E4FD782}"/>
+              </a:ext>
+            </a:extLst>
+          </p:cNvPr>
+          <p:cNvSpPr txBox="1"/>
+          <p:nvPr/>
+        </p:nvSpPr>
+        <p:spPr>
+          <a:xfrm>
+            <a:off x="361951" y="942488"/>
+            <a:ext cx="11455380" cy="1477328"/>
+          </a:xfrm>
+          <a:prstGeom prst="rect">
+            <a:avLst/>
+          </a:prstGeom>
+          <a:noFill/>
+        </p:spPr>
+        <p:txBody>
+          <a:bodyPr wrap="none" rtlCol="0">
+            <a:spAutoFit/>
+          </a:bodyPr>
+          <a:lstStyle/>
+          <a:p>
+            <a:r>
+              <a:rPr lang="en-US" b="0" dirty="0">
+                <a:solidFill>
+                  <a:srgbClr val="676F7D"/>
+                </a:solidFill>
+                <a:effectLst/>
+                <a:latin typeface="Consolas" panose="020B0609020204030204" pitchFamily="49" charset="0"/>
+              </a:rPr>
+              <a:t>Let $</a:t>
+            </a:r>
+            <a:r>
+              <a:rPr lang="en-US" b="0" dirty="0" err="1">
+                <a:solidFill>
+                  <a:srgbClr val="676F7D"/>
+                </a:solidFill>
+                <a:effectLst/>
+                <a:latin typeface="Consolas" panose="020B0609020204030204" pitchFamily="49" charset="0"/>
+              </a:rPr>
+              <a:t>D^t_j</a:t>
+            </a:r>
+            <a:r>
+              <a:rPr lang="en-US" b="0" dirty="0">
+                <a:solidFill>
+                  <a:srgbClr val="676F7D"/>
+                </a:solidFill>
+                <a:effectLst/>
+                <a:latin typeface="Consolas" panose="020B0609020204030204" pitchFamily="49" charset="0"/>
+              </a:rPr>
+              <a:t>$ be the random variable indicates the number of group type $j$ in $t$ periods.</a:t>
+            </a:r>
+            <a:endParaRPr lang="en-US" b="0" dirty="0">
+              <a:solidFill>
+                <a:srgbClr val="E280AE"/>
+              </a:solidFill>
+              <a:effectLst/>
+              <a:latin typeface="Consolas" panose="020B0609020204030204" pitchFamily="49" charset="0"/>
+            </a:endParaRPr>
+          </a:p>
+          <a:p>
+            <a:br>
+              <a:rPr lang="en-US" b="0" dirty="0">
+                <a:solidFill>
+                  <a:srgbClr val="E280AE"/>
+                </a:solidFill>
+                <a:effectLst/>
+                <a:latin typeface="Consolas" panose="020B0609020204030204" pitchFamily="49" charset="0"/>
+              </a:rPr>
+            </a:br>
+            <a:r>
+              <a:rPr lang="en-US" b="0" dirty="0">
+                <a:solidFill>
+                  <a:srgbClr val="676F7D"/>
+                </a:solidFill>
+                <a:effectLst/>
+                <a:latin typeface="Consolas" panose="020B0609020204030204" pitchFamily="49" charset="0"/>
+              </a:rPr>
+              <a:t>$P(D_{</a:t>
+            </a:r>
+            <a:r>
+              <a:rPr lang="en-US" b="0" dirty="0" err="1">
+                <a:solidFill>
+                  <a:srgbClr val="676F7D"/>
+                </a:solidFill>
+                <a:effectLst/>
+                <a:latin typeface="Consolas" panose="020B0609020204030204" pitchFamily="49" charset="0"/>
+              </a:rPr>
+              <a:t>i</a:t>
+            </a:r>
+            <a:r>
+              <a:rPr lang="en-US" b="0" dirty="0">
+                <a:solidFill>
+                  <a:srgbClr val="676F7D"/>
+                </a:solidFill>
+                <a:effectLst/>
+                <a:latin typeface="Consolas" panose="020B0609020204030204" pitchFamily="49" charset="0"/>
+              </a:rPr>
+              <a:t>}^{T-t} \</a:t>
+            </a:r>
+            <a:r>
+              <a:rPr lang="en-US" b="0" dirty="0" err="1">
+                <a:solidFill>
+                  <a:srgbClr val="676F7D"/>
+                </a:solidFill>
+                <a:effectLst/>
+                <a:latin typeface="Consolas" panose="020B0609020204030204" pitchFamily="49" charset="0"/>
+              </a:rPr>
+              <a:t>geq</a:t>
+            </a:r>
+            <a:r>
+              <a:rPr lang="en-US" b="0" dirty="0">
+                <a:solidFill>
+                  <a:srgbClr val="676F7D"/>
+                </a:solidFill>
+                <a:effectLst/>
+                <a:latin typeface="Consolas" panose="020B0609020204030204" pitchFamily="49" charset="0"/>
+              </a:rPr>
+              <a:t> </a:t>
+            </a:r>
+            <a:r>
+              <a:rPr lang="en-US" b="0" dirty="0" err="1">
+                <a:solidFill>
+                  <a:srgbClr val="676F7D"/>
+                </a:solidFill>
+                <a:effectLst/>
+                <a:latin typeface="Consolas" panose="020B0609020204030204" pitchFamily="49" charset="0"/>
+              </a:rPr>
+              <a:t>x_i</a:t>
+            </a:r>
+            <a:r>
+              <a:rPr lang="en-US" b="0" dirty="0">
+                <a:solidFill>
+                  <a:srgbClr val="676F7D"/>
+                </a:solidFill>
+                <a:effectLst/>
+                <a:latin typeface="Consolas" panose="020B0609020204030204" pitchFamily="49" charset="0"/>
+              </a:rPr>
+              <a:t>)$ is the probability that the demand of group type $</a:t>
+            </a:r>
+            <a:r>
+              <a:rPr lang="en-US" b="0" dirty="0" err="1">
+                <a:solidFill>
+                  <a:srgbClr val="676F7D"/>
+                </a:solidFill>
+                <a:effectLst/>
+                <a:latin typeface="Consolas" panose="020B0609020204030204" pitchFamily="49" charset="0"/>
+              </a:rPr>
+              <a:t>i</a:t>
+            </a:r>
+            <a:r>
+              <a:rPr lang="en-US" b="0" dirty="0">
+                <a:solidFill>
+                  <a:srgbClr val="676F7D"/>
+                </a:solidFill>
+                <a:effectLst/>
+                <a:latin typeface="Consolas" panose="020B0609020204030204" pitchFamily="49" charset="0"/>
+              </a:rPr>
+              <a:t>$ </a:t>
+            </a:r>
+          </a:p>
+          <a:p>
+            <a:r>
+              <a:rPr lang="en-US" b="0" dirty="0">
+                <a:solidFill>
+                  <a:srgbClr val="676F7D"/>
+                </a:solidFill>
+                <a:effectLst/>
+                <a:latin typeface="Consolas" panose="020B0609020204030204" pitchFamily="49" charset="0"/>
+              </a:rPr>
+              <a:t>in $(T - t)$ periods is no less than $</a:t>
+            </a:r>
+            <a:r>
+              <a:rPr lang="en-US" b="0" dirty="0" err="1">
+                <a:solidFill>
+                  <a:srgbClr val="676F7D"/>
+                </a:solidFill>
+                <a:effectLst/>
+                <a:latin typeface="Consolas" panose="020B0609020204030204" pitchFamily="49" charset="0"/>
+              </a:rPr>
+              <a:t>x_i</a:t>
+            </a:r>
+            <a:r>
+              <a:rPr lang="en-US" b="0" dirty="0">
+                <a:solidFill>
+                  <a:srgbClr val="676F7D"/>
+                </a:solidFill>
+                <a:effectLst/>
+                <a:latin typeface="Consolas" panose="020B0609020204030204" pitchFamily="49" charset="0"/>
+              </a:rPr>
+              <a:t>$.</a:t>
+            </a:r>
+            <a:endParaRPr lang="en-US" b="0" dirty="0">
+              <a:solidFill>
+                <a:srgbClr val="E280AE"/>
+              </a:solidFill>
+              <a:effectLst/>
+              <a:latin typeface="Consolas" panose="020B0609020204030204" pitchFamily="49" charset="0"/>
+            </a:endParaRPr>
+          </a:p>
+          <a:p>
+            <a:endParaRPr lang="en-HK" dirty="0"/>
+          </a:p>
+        </p:txBody>
+      </p:sp>
+      <p:pic>
+        <p:nvPicPr>
+          <p:cNvPr id="40" name="Picture 39">
+            <a:extLst>
+              <a:ext uri="{FF2B5EF4-FFF2-40B4-BE49-F238E27FC236}">
+                <a16:creationId xmlns:a16="http://schemas.microsoft.com/office/drawing/2014/main" id="{213C6194-81C2-6491-5461-11D3621CDEF7}"/>
+              </a:ext>
+            </a:extLst>
+          </p:cNvPr>
+          <p:cNvPicPr>
+            <a:picLocks noChangeAspect="1"/>
+          </p:cNvPicPr>
+          <p:nvPr>
+            <p:custDataLst>
+              <p:tags r:id="rId1"/>
+            </p:custDataLst>
+          </p:nvPr>
+        </p:nvPicPr>
+        <p:blipFill>
+          <a:blip r:embed="rId5">
+            <a:extLst>
+              <a:ext uri="{28A0092B-C50C-407E-A947-70E740481C1C}">
+                <a14:useLocalDpi xmlns:a14="http://schemas.microsoft.com/office/drawing/2010/main" val="0"/>
+              </a:ext>
+            </a:extLst>
+          </a:blip>
+          <a:stretch>
+            <a:fillRect/>
+          </a:stretch>
+        </p:blipFill>
+        <p:spPr>
+          <a:xfrm>
+            <a:off x="7853231" y="3854270"/>
+            <a:ext cx="2117333" cy="602667"/>
+          </a:xfrm>
+          <a:prstGeom prst="rect">
+            <a:avLst/>
+          </a:prstGeom>
+        </p:spPr>
+      </p:pic>
+      <p:pic>
+        <p:nvPicPr>
+          <p:cNvPr id="38" name="Picture 37">
+            <a:extLst>
+              <a:ext uri="{FF2B5EF4-FFF2-40B4-BE49-F238E27FC236}">
+                <a16:creationId xmlns:a16="http://schemas.microsoft.com/office/drawing/2014/main" id="{D03AC7CF-EA38-7C8D-6877-5796D39B5D34}"/>
+              </a:ext>
+            </a:extLst>
+          </p:cNvPr>
+          <p:cNvPicPr>
+            <a:picLocks noChangeAspect="1"/>
+          </p:cNvPicPr>
+          <p:nvPr>
+            <p:custDataLst>
+              <p:tags r:id="rId2"/>
+            </p:custDataLst>
+          </p:nvPr>
+        </p:nvPicPr>
+        <p:blipFill>
+          <a:blip r:embed="rId6">
+            <a:extLst>
+              <a:ext uri="{28A0092B-C50C-407E-A947-70E740481C1C}">
+                <a14:useLocalDpi xmlns:a14="http://schemas.microsoft.com/office/drawing/2010/main" val="0"/>
+              </a:ext>
+            </a:extLst>
+          </a:blip>
+          <a:stretch>
+            <a:fillRect/>
+          </a:stretch>
+        </p:blipFill>
+        <p:spPr>
+          <a:xfrm>
+            <a:off x="4373276" y="3866553"/>
+            <a:ext cx="2788267" cy="629333"/>
+          </a:xfrm>
+          <a:prstGeom prst="rect">
+            <a:avLst/>
+          </a:prstGeom>
+        </p:spPr>
+      </p:pic>
+      <p:sp>
+        <p:nvSpPr>
+          <p:cNvPr id="13" name="TextBox 12">
+            <a:extLst>
+              <a:ext uri="{FF2B5EF4-FFF2-40B4-BE49-F238E27FC236}">
+                <a16:creationId xmlns:a16="http://schemas.microsoft.com/office/drawing/2014/main" id="{D665F38B-7A06-7031-586E-7A29ADB1C6CE}"/>
+              </a:ext>
+            </a:extLst>
+          </p:cNvPr>
+          <p:cNvSpPr txBox="1"/>
+          <p:nvPr/>
+        </p:nvSpPr>
+        <p:spPr>
+          <a:xfrm>
+            <a:off x="5615797" y="2079920"/>
+            <a:ext cx="6463727" cy="646331"/>
+          </a:xfrm>
+          <a:prstGeom prst="rect">
+            <a:avLst/>
+          </a:prstGeom>
+          <a:noFill/>
+        </p:spPr>
+        <p:txBody>
+          <a:bodyPr wrap="square" rtlCol="0">
+            <a:spAutoFit/>
+          </a:bodyPr>
+          <a:lstStyle/>
+          <a:p>
+            <a:r>
+              <a:rPr lang="en-HK" dirty="0"/>
+              <a:t>                          is the </a:t>
+            </a:r>
+            <a:r>
+              <a:rPr lang="en-US" dirty="0"/>
+              <a:t>probability that the demand of group type </a:t>
+            </a:r>
+            <a:r>
+              <a:rPr lang="en-US" dirty="0" err="1">
+                <a:latin typeface="Times New Roman" panose="02020603050405020304" pitchFamily="18" charset="0"/>
+                <a:cs typeface="Times New Roman" panose="02020603050405020304" pitchFamily="18" charset="0"/>
+              </a:rPr>
+              <a:t>i</a:t>
+            </a:r>
+            <a:r>
+              <a:rPr lang="en-US" dirty="0"/>
+              <a:t> </a:t>
+            </a:r>
+          </a:p>
+          <a:p>
+            <a:r>
+              <a:rPr lang="en-US" dirty="0"/>
+              <a:t>in (T - t) periods is no less than </a:t>
+            </a:r>
+            <a:r>
+              <a:rPr lang="en-US" dirty="0" err="1"/>
+              <a:t>x_i</a:t>
+            </a:r>
+            <a:r>
+              <a:rPr lang="en-HK" dirty="0"/>
+              <a:t>  </a:t>
+            </a:r>
+          </a:p>
+        </p:txBody>
+      </p:sp>
+    </p:spTree>
+    <p:extLst>
+      <p:ext uri="{BB962C8B-B14F-4D97-AF65-F5344CB8AC3E}">
+        <p14:creationId xmlns:p14="http://schemas.microsoft.com/office/powerpoint/2010/main" val="2411662217"/>
+      </p:ext>
+    </p:extLst>
+  </p:cSld>
+  <p:clrMapOvr>
+    <a:masterClrMapping/>
+  </p:clrMapOvr>
+</p:sld>
+</file>
+
+<file path=ppt/tags/tag1.xml><?xml version="1.0" encoding="utf-8"?>
+<p:tagLst xmlns:a="http://schemas.openxmlformats.org/drawingml/2006/main" xmlns:r="http://schemas.openxmlformats.org/officeDocument/2006/relationships" xmlns:p="http://schemas.openxmlformats.org/presentationml/2006/main">
+  <p:tag name="OUTPUTDPI" val="1200"/>
+  <p:tag name="ORIGINALHEIGHT" val="423.697"/>
+  <p:tag name="ORIGINALWIDTH" val="1488.564"/>
+  <p:tag name="OUTPUTTYPE" val="PNG"/>
+  <p:tag name="IGUANATEXVERSION" val="161"/>
+  <p:tag name="LATEXADDIN" val="\documentclass{article}&#10;\usepackage{amsmath}&#10;\usepackage{color}&#10;\pagestyle{empty}&#10;\begin{document}&#10;&#10;{\color{red} $D^t_j$} is a random variable \\ &#10;indicating the number of \\&#10;group type $j$ in $t$ periods.&#10;&#10;\end{document}"/>
+  <p:tag name="IGUANATEXSIZE" val="14"/>
+  <p:tag name="IGUANATEXCURSOR" val="190"/>
+  <p:tag name="TRANSPARENCY" val="True"/>
+  <p:tag name="LATEXENGINEID" val="0"/>
+  <p:tag name="TEMPFOLDER" val="c:\temp\"/>
+  <p:tag name="LATEXFORMHEIGHT" val="320"/>
+  <p:tag name="LATEXFORMWIDTH" val="385"/>
+  <p:tag name="LATEXFORMWRAP" val="True"/>
+  <p:tag name="BITMAPVECTOR" val="0"/>
+</p:tagLst>
+</file>
+
+<file path=ppt/tags/tag2.xml><?xml version="1.0" encoding="utf-8"?>
+<p:tagLst xmlns:a="http://schemas.openxmlformats.org/drawingml/2006/main" xmlns:r="http://schemas.openxmlformats.org/officeDocument/2006/relationships" xmlns:p="http://schemas.openxmlformats.org/presentationml/2006/main">
+  <p:tag name="OUTPUTDPI" val="1200"/>
+  <p:tag name="ORIGINALHEIGHT" val="442.4447"/>
+  <p:tag name="ORIGINALWIDTH" val="1960.255"/>
+  <p:tag name="OUTPUTTYPE" val="PNG"/>
+  <p:tag name="IGUANATEXVERSION" val="161"/>
+  <p:tag name="LATEXADDIN" val="\documentclass{article}&#10;\usepackage{amsmath}&#10;\usepackage{color}&#10;\pagestyle{empty}&#10;\begin{document}&#10;&#10;\noindent&#10;{\color{red} $P(D_{i}^{T-t} \geq x_i)$} is the probability \\&#10;that the demand of group type $i$ \\&#10;in $(T-t)$ periods is no less than $x_i$. &#10;\end{document}"/>
+  <p:tag name="IGUANATEXSIZE" val="14"/>
+  <p:tag name="IGUANATEXCURSOR" val="177"/>
+  <p:tag name="TRANSPARENCY" val="True"/>
+  <p:tag name="LATEXENGINEID" val="0"/>
+  <p:tag name="TEMPFOLDER" val="c:\temp\"/>
+  <p:tag name="LATEXFORMHEIGHT" val="320"/>
+  <p:tag name="LATEXFORMWIDTH" val="385"/>
+  <p:tag name="LATEXFORMWRAP" val="True"/>
+  <p:tag name="BITMAPVECTOR" val="0"/>
+</p:tagLst>
 </file>
 
 <file path=ppt/theme/theme1.xml><?xml version="1.0" encoding="utf-8"?>
@@ -10767,4 +11264,24 @@
     </a:ext>
   </a:extLst>
 </a:theme>
+</file>
+
+<file path=ppt/webextensions/taskpanes.xml><?xml version="1.0" encoding="utf-8"?>
+<wetp:taskpanes xmlns:wetp="http://schemas.microsoft.com/office/webextensions/taskpanes/2010/11">
+  <wetp:taskpane dockstate="right" visibility="0" width="350" row="2">
+    <wetp:webextensionref xmlns:r="http://schemas.openxmlformats.org/officeDocument/2006/relationships" r:id="rId1"/>
+  </wetp:taskpane>
+</wetp:taskpanes>
+</file>
+
+<file path=ppt/webextensions/webextension1.xml><?xml version="1.0" encoding="utf-8"?>
+<we:webextension xmlns:we="http://schemas.microsoft.com/office/webextensions/webextension/2010/11" id="{C6468102-0440-4AF5-A5CF-60A0A5369B19}">
+  <we:reference id="wa104381909" version="3.14.0.0" store="en-US" storeType="OMEX"/>
+  <we:alternateReferences>
+    <we:reference id="WA104381909" version="3.14.0.0" store="WA104381909" storeType="OMEX"/>
+  </we:alternateReferences>
+  <we:properties/>
+  <we:bindings/>
+  <we:snapshot xmlns:r="http://schemas.openxmlformats.org/officeDocument/2006/relationships"/>
+</we:webextension>
 </file>
--- a/Dissertation/Beamer/test.pptx
+++ b/Dissertation/Beamer/test.pptx
@@ -5,7 +5,7 @@
     <p:sldMasterId id="2147483648" r:id="rId1"/>
   </p:sldMasterIdLst>
   <p:notesMasterIdLst>
-    <p:notesMasterId r:id="rId13"/>
+    <p:notesMasterId r:id="rId14"/>
   </p:notesMasterIdLst>
   <p:sldIdLst>
     <p:sldId id="256" r:id="rId2"/>
@@ -13,12 +13,13 @@
     <p:sldId id="258" r:id="rId4"/>
     <p:sldId id="259" r:id="rId5"/>
     <p:sldId id="260" r:id="rId6"/>
-    <p:sldId id="264" r:id="rId7"/>
-    <p:sldId id="265" r:id="rId8"/>
-    <p:sldId id="266" r:id="rId9"/>
-    <p:sldId id="262" r:id="rId10"/>
-    <p:sldId id="261" r:id="rId11"/>
-    <p:sldId id="263" r:id="rId12"/>
+    <p:sldId id="267" r:id="rId7"/>
+    <p:sldId id="264" r:id="rId8"/>
+    <p:sldId id="265" r:id="rId9"/>
+    <p:sldId id="266" r:id="rId10"/>
+    <p:sldId id="262" r:id="rId11"/>
+    <p:sldId id="261" r:id="rId12"/>
+    <p:sldId id="263" r:id="rId13"/>
   </p:sldIdLst>
   <p:sldSz cx="12192000" cy="6858000"/>
   <p:notesSz cx="6858000" cy="9144000"/>
@@ -207,7 +208,7 @@
           <a:p>
             <a:fld id="{9E12240E-F1A6-4A91-967F-8E68706835E0}" type="datetimeFigureOut">
               <a:rPr lang="en-HK" smtClean="0"/>
-              <a:t>5/5/2024</a:t>
+              <a:t>3/7/2024</a:t>
             </a:fld>
             <a:endParaRPr lang="en-HK"/>
           </a:p>
@@ -711,7 +712,7 @@
           <a:p>
             <a:fld id="{A662AB9F-F8D6-4D84-8C93-94B520C5C2D5}" type="datetimeFigureOut">
               <a:rPr lang="en-HK" smtClean="0"/>
-              <a:t>5/5/2024</a:t>
+              <a:t>3/7/2024</a:t>
             </a:fld>
             <a:endParaRPr lang="en-HK"/>
           </a:p>
@@ -911,7 +912,7 @@
           <a:p>
             <a:fld id="{A662AB9F-F8D6-4D84-8C93-94B520C5C2D5}" type="datetimeFigureOut">
               <a:rPr lang="en-HK" smtClean="0"/>
-              <a:t>5/5/2024</a:t>
+              <a:t>3/7/2024</a:t>
             </a:fld>
             <a:endParaRPr lang="en-HK"/>
           </a:p>
@@ -1121,7 +1122,7 @@
           <a:p>
             <a:fld id="{A662AB9F-F8D6-4D84-8C93-94B520C5C2D5}" type="datetimeFigureOut">
               <a:rPr lang="en-HK" smtClean="0"/>
-              <a:t>5/5/2024</a:t>
+              <a:t>3/7/2024</a:t>
             </a:fld>
             <a:endParaRPr lang="en-HK"/>
           </a:p>
@@ -1321,7 +1322,7 @@
           <a:p>
             <a:fld id="{A662AB9F-F8D6-4D84-8C93-94B520C5C2D5}" type="datetimeFigureOut">
               <a:rPr lang="en-HK" smtClean="0"/>
-              <a:t>5/5/2024</a:t>
+              <a:t>3/7/2024</a:t>
             </a:fld>
             <a:endParaRPr lang="en-HK"/>
           </a:p>
@@ -1597,7 +1598,7 @@
           <a:p>
             <a:fld id="{A662AB9F-F8D6-4D84-8C93-94B520C5C2D5}" type="datetimeFigureOut">
               <a:rPr lang="en-HK" smtClean="0"/>
-              <a:t>5/5/2024</a:t>
+              <a:t>3/7/2024</a:t>
             </a:fld>
             <a:endParaRPr lang="en-HK"/>
           </a:p>
@@ -1865,7 +1866,7 @@
           <a:p>
             <a:fld id="{A662AB9F-F8D6-4D84-8C93-94B520C5C2D5}" type="datetimeFigureOut">
               <a:rPr lang="en-HK" smtClean="0"/>
-              <a:t>5/5/2024</a:t>
+              <a:t>3/7/2024</a:t>
             </a:fld>
             <a:endParaRPr lang="en-HK"/>
           </a:p>
@@ -2280,7 +2281,7 @@
           <a:p>
             <a:fld id="{A662AB9F-F8D6-4D84-8C93-94B520C5C2D5}" type="datetimeFigureOut">
               <a:rPr lang="en-HK" smtClean="0"/>
-              <a:t>5/5/2024</a:t>
+              <a:t>3/7/2024</a:t>
             </a:fld>
             <a:endParaRPr lang="en-HK"/>
           </a:p>
@@ -2422,7 +2423,7 @@
           <a:p>
             <a:fld id="{A662AB9F-F8D6-4D84-8C93-94B520C5C2D5}" type="datetimeFigureOut">
               <a:rPr lang="en-HK" smtClean="0"/>
-              <a:t>5/5/2024</a:t>
+              <a:t>3/7/2024</a:t>
             </a:fld>
             <a:endParaRPr lang="en-HK"/>
           </a:p>
@@ -2535,7 +2536,7 @@
           <a:p>
             <a:fld id="{A662AB9F-F8D6-4D84-8C93-94B520C5C2D5}" type="datetimeFigureOut">
               <a:rPr lang="en-HK" smtClean="0"/>
-              <a:t>5/5/2024</a:t>
+              <a:t>3/7/2024</a:t>
             </a:fld>
             <a:endParaRPr lang="en-HK"/>
           </a:p>
@@ -2848,7 +2849,7 @@
           <a:p>
             <a:fld id="{A662AB9F-F8D6-4D84-8C93-94B520C5C2D5}" type="datetimeFigureOut">
               <a:rPr lang="en-HK" smtClean="0"/>
-              <a:t>5/5/2024</a:t>
+              <a:t>3/7/2024</a:t>
             </a:fld>
             <a:endParaRPr lang="en-HK"/>
           </a:p>
@@ -3137,7 +3138,7 @@
           <a:p>
             <a:fld id="{A662AB9F-F8D6-4D84-8C93-94B520C5C2D5}" type="datetimeFigureOut">
               <a:rPr lang="en-HK" smtClean="0"/>
-              <a:t>5/5/2024</a:t>
+              <a:t>3/7/2024</a:t>
             </a:fld>
             <a:endParaRPr lang="en-HK"/>
           </a:p>
@@ -3380,7 +3381,7 @@
           <a:p>
             <a:fld id="{A662AB9F-F8D6-4D84-8C93-94B520C5C2D5}" type="datetimeFigureOut">
               <a:rPr lang="en-HK" smtClean="0"/>
-              <a:t>5/5/2024</a:t>
+              <a:t>3/7/2024</a:t>
             </a:fld>
             <a:endParaRPr lang="en-HK"/>
           </a:p>
@@ -3868,6 +3869,2056 @@
 </file>
 
 <file path=ppt/slides/slide10.xml><?xml version="1.0" encoding="utf-8"?>
+<p:sld xmlns:a="http://schemas.openxmlformats.org/drawingml/2006/main" xmlns:r="http://schemas.openxmlformats.org/officeDocument/2006/relationships" xmlns:p="http://schemas.openxmlformats.org/presentationml/2006/main">
+  <p:cSld>
+    <p:spTree>
+      <p:nvGrpSpPr>
+        <p:cNvPr id="1" name=""/>
+        <p:cNvGrpSpPr/>
+        <p:nvPr/>
+      </p:nvGrpSpPr>
+      <p:grpSpPr>
+        <a:xfrm>
+          <a:off x="0" y="0"/>
+          <a:ext cx="0" cy="0"/>
+          <a:chOff x="0" y="0"/>
+          <a:chExt cx="0" cy="0"/>
+        </a:xfrm>
+      </p:grpSpPr>
+      <p:graphicFrame>
+        <p:nvGraphicFramePr>
+          <p:cNvPr id="12" name="Table 4">
+            <a:extLst>
+              <a:ext uri="{FF2B5EF4-FFF2-40B4-BE49-F238E27FC236}">
+                <a16:creationId xmlns:a16="http://schemas.microsoft.com/office/drawing/2014/main" id="{27F0C37B-C53F-2748-90C5-9F808CC65E50}"/>
+              </a:ext>
+            </a:extLst>
+          </p:cNvPr>
+          <p:cNvGraphicFramePr>
+            <a:graphicFrameLocks noGrp="1"/>
+          </p:cNvGraphicFramePr>
+          <p:nvPr>
+            <p:extLst>
+              <p:ext uri="{D42A27DB-BD31-4B8C-83A1-F6EECF244321}">
+                <p14:modId xmlns:p14="http://schemas.microsoft.com/office/powerpoint/2010/main" val="2665220629"/>
+              </p:ext>
+            </p:extLst>
+          </p:nvPr>
+        </p:nvGraphicFramePr>
+        <p:xfrm>
+          <a:off x="677651" y="4081259"/>
+          <a:ext cx="6723822" cy="370840"/>
+        </p:xfrm>
+        <a:graphic>
+          <a:graphicData uri="http://schemas.openxmlformats.org/drawingml/2006/table">
+            <a:tbl>
+              <a:tblPr firstRow="1" bandRow="1">
+                <a:tableStyleId>{5C22544A-7EE6-4342-B048-85BDC9FD1C3A}</a:tableStyleId>
+              </a:tblPr>
+              <a:tblGrid>
+                <a:gridCol w="320182">
+                  <a:extLst>
+                    <a:ext uri="{9D8B030D-6E8A-4147-A177-3AD203B41FA5}">
+                      <a16:colId xmlns:a16="http://schemas.microsoft.com/office/drawing/2014/main" val="1958716807"/>
+                    </a:ext>
+                  </a:extLst>
+                </a:gridCol>
+                <a:gridCol w="320182">
+                  <a:extLst>
+                    <a:ext uri="{9D8B030D-6E8A-4147-A177-3AD203B41FA5}">
+                      <a16:colId xmlns:a16="http://schemas.microsoft.com/office/drawing/2014/main" val="2177103222"/>
+                    </a:ext>
+                  </a:extLst>
+                </a:gridCol>
+                <a:gridCol w="320182">
+                  <a:extLst>
+                    <a:ext uri="{9D8B030D-6E8A-4147-A177-3AD203B41FA5}">
+                      <a16:colId xmlns:a16="http://schemas.microsoft.com/office/drawing/2014/main" val="191291771"/>
+                    </a:ext>
+                  </a:extLst>
+                </a:gridCol>
+                <a:gridCol w="320182">
+                  <a:extLst>
+                    <a:ext uri="{9D8B030D-6E8A-4147-A177-3AD203B41FA5}">
+                      <a16:colId xmlns:a16="http://schemas.microsoft.com/office/drawing/2014/main" val="3854136493"/>
+                    </a:ext>
+                  </a:extLst>
+                </a:gridCol>
+                <a:gridCol w="320182">
+                  <a:extLst>
+                    <a:ext uri="{9D8B030D-6E8A-4147-A177-3AD203B41FA5}">
+                      <a16:colId xmlns:a16="http://schemas.microsoft.com/office/drawing/2014/main" val="3409141404"/>
+                    </a:ext>
+                  </a:extLst>
+                </a:gridCol>
+                <a:gridCol w="320182">
+                  <a:extLst>
+                    <a:ext uri="{9D8B030D-6E8A-4147-A177-3AD203B41FA5}">
+                      <a16:colId xmlns:a16="http://schemas.microsoft.com/office/drawing/2014/main" val="217707470"/>
+                    </a:ext>
+                  </a:extLst>
+                </a:gridCol>
+                <a:gridCol w="320182">
+                  <a:extLst>
+                    <a:ext uri="{9D8B030D-6E8A-4147-A177-3AD203B41FA5}">
+                      <a16:colId xmlns:a16="http://schemas.microsoft.com/office/drawing/2014/main" val="2493533114"/>
+                    </a:ext>
+                  </a:extLst>
+                </a:gridCol>
+                <a:gridCol w="320182">
+                  <a:extLst>
+                    <a:ext uri="{9D8B030D-6E8A-4147-A177-3AD203B41FA5}">
+                      <a16:colId xmlns:a16="http://schemas.microsoft.com/office/drawing/2014/main" val="1642796582"/>
+                    </a:ext>
+                  </a:extLst>
+                </a:gridCol>
+                <a:gridCol w="320182">
+                  <a:extLst>
+                    <a:ext uri="{9D8B030D-6E8A-4147-A177-3AD203B41FA5}">
+                      <a16:colId xmlns:a16="http://schemas.microsoft.com/office/drawing/2014/main" val="967441402"/>
+                    </a:ext>
+                  </a:extLst>
+                </a:gridCol>
+                <a:gridCol w="320182">
+                  <a:extLst>
+                    <a:ext uri="{9D8B030D-6E8A-4147-A177-3AD203B41FA5}">
+                      <a16:colId xmlns:a16="http://schemas.microsoft.com/office/drawing/2014/main" val="770379941"/>
+                    </a:ext>
+                  </a:extLst>
+                </a:gridCol>
+                <a:gridCol w="320182">
+                  <a:extLst>
+                    <a:ext uri="{9D8B030D-6E8A-4147-A177-3AD203B41FA5}">
+                      <a16:colId xmlns:a16="http://schemas.microsoft.com/office/drawing/2014/main" val="4085467491"/>
+                    </a:ext>
+                  </a:extLst>
+                </a:gridCol>
+                <a:gridCol w="320182">
+                  <a:extLst>
+                    <a:ext uri="{9D8B030D-6E8A-4147-A177-3AD203B41FA5}">
+                      <a16:colId xmlns:a16="http://schemas.microsoft.com/office/drawing/2014/main" val="2183018877"/>
+                    </a:ext>
+                  </a:extLst>
+                </a:gridCol>
+                <a:gridCol w="320182">
+                  <a:extLst>
+                    <a:ext uri="{9D8B030D-6E8A-4147-A177-3AD203B41FA5}">
+                      <a16:colId xmlns:a16="http://schemas.microsoft.com/office/drawing/2014/main" val="3957069584"/>
+                    </a:ext>
+                  </a:extLst>
+                </a:gridCol>
+                <a:gridCol w="320182">
+                  <a:extLst>
+                    <a:ext uri="{9D8B030D-6E8A-4147-A177-3AD203B41FA5}">
+                      <a16:colId xmlns:a16="http://schemas.microsoft.com/office/drawing/2014/main" val="647280036"/>
+                    </a:ext>
+                  </a:extLst>
+                </a:gridCol>
+                <a:gridCol w="320182">
+                  <a:extLst>
+                    <a:ext uri="{9D8B030D-6E8A-4147-A177-3AD203B41FA5}">
+                      <a16:colId xmlns:a16="http://schemas.microsoft.com/office/drawing/2014/main" val="3244291510"/>
+                    </a:ext>
+                  </a:extLst>
+                </a:gridCol>
+                <a:gridCol w="320182">
+                  <a:extLst>
+                    <a:ext uri="{9D8B030D-6E8A-4147-A177-3AD203B41FA5}">
+                      <a16:colId xmlns:a16="http://schemas.microsoft.com/office/drawing/2014/main" val="3722398860"/>
+                    </a:ext>
+                  </a:extLst>
+                </a:gridCol>
+                <a:gridCol w="320182">
+                  <a:extLst>
+                    <a:ext uri="{9D8B030D-6E8A-4147-A177-3AD203B41FA5}">
+                      <a16:colId xmlns:a16="http://schemas.microsoft.com/office/drawing/2014/main" val="1908913428"/>
+                    </a:ext>
+                  </a:extLst>
+                </a:gridCol>
+                <a:gridCol w="320182">
+                  <a:extLst>
+                    <a:ext uri="{9D8B030D-6E8A-4147-A177-3AD203B41FA5}">
+                      <a16:colId xmlns:a16="http://schemas.microsoft.com/office/drawing/2014/main" val="3415233984"/>
+                    </a:ext>
+                  </a:extLst>
+                </a:gridCol>
+                <a:gridCol w="320182">
+                  <a:extLst>
+                    <a:ext uri="{9D8B030D-6E8A-4147-A177-3AD203B41FA5}">
+                      <a16:colId xmlns:a16="http://schemas.microsoft.com/office/drawing/2014/main" val="2902414225"/>
+                    </a:ext>
+                  </a:extLst>
+                </a:gridCol>
+                <a:gridCol w="320182">
+                  <a:extLst>
+                    <a:ext uri="{9D8B030D-6E8A-4147-A177-3AD203B41FA5}">
+                      <a16:colId xmlns:a16="http://schemas.microsoft.com/office/drawing/2014/main" val="1661741288"/>
+                    </a:ext>
+                  </a:extLst>
+                </a:gridCol>
+                <a:gridCol w="320182">
+                  <a:extLst>
+                    <a:ext uri="{9D8B030D-6E8A-4147-A177-3AD203B41FA5}">
+                      <a16:colId xmlns:a16="http://schemas.microsoft.com/office/drawing/2014/main" val="2175505222"/>
+                    </a:ext>
+                  </a:extLst>
+                </a:gridCol>
+              </a:tblGrid>
+              <a:tr h="370840">
+                <a:tc>
+                  <a:txBody>
+                    <a:bodyPr/>
+                    <a:lstStyle/>
+                    <a:p>
+                      <a:endParaRPr lang="en-HK" dirty="0"/>
+                    </a:p>
+                  </a:txBody>
+                  <a:tcPr>
+                    <a:lnL w="12700" cap="flat" cmpd="sng" algn="ctr">
+                      <a:solidFill>
+                        <a:srgbClr val="FF0000"/>
+                      </a:solidFill>
+                      <a:prstDash val="solid"/>
+                      <a:round/>
+                      <a:headEnd type="none" w="med" len="med"/>
+                      <a:tailEnd type="none" w="med" len="med"/>
+                    </a:lnL>
+                    <a:lnT w="12700" cap="flat" cmpd="sng" algn="ctr">
+                      <a:solidFill>
+                        <a:srgbClr val="FF0000"/>
+                      </a:solidFill>
+                      <a:prstDash val="solid"/>
+                      <a:round/>
+                      <a:headEnd type="none" w="med" len="med"/>
+                      <a:tailEnd type="none" w="med" len="med"/>
+                    </a:lnT>
+                    <a:lnB w="12700" cap="flat" cmpd="sng" algn="ctr">
+                      <a:solidFill>
+                        <a:srgbClr val="FF0000"/>
+                      </a:solidFill>
+                      <a:prstDash val="solid"/>
+                      <a:round/>
+                      <a:headEnd type="none" w="med" len="med"/>
+                      <a:tailEnd type="none" w="med" len="med"/>
+                    </a:lnB>
+                    <a:solidFill>
+                      <a:schemeClr val="accent2">
+                        <a:lumMod val="40000"/>
+                        <a:lumOff val="60000"/>
+                      </a:schemeClr>
+                    </a:solidFill>
+                  </a:tcPr>
+                </a:tc>
+                <a:tc>
+                  <a:txBody>
+                    <a:bodyPr/>
+                    <a:lstStyle/>
+                    <a:p>
+                      <a:endParaRPr lang="en-HK" dirty="0"/>
+                    </a:p>
+                  </a:txBody>
+                  <a:tcPr>
+                    <a:lnT w="12700" cap="flat" cmpd="sng" algn="ctr">
+                      <a:solidFill>
+                        <a:srgbClr val="FF0000"/>
+                      </a:solidFill>
+                      <a:prstDash val="solid"/>
+                      <a:round/>
+                      <a:headEnd type="none" w="med" len="med"/>
+                      <a:tailEnd type="none" w="med" len="med"/>
+                    </a:lnT>
+                    <a:lnB w="12700" cap="flat" cmpd="sng" algn="ctr">
+                      <a:solidFill>
+                        <a:srgbClr val="FF0000"/>
+                      </a:solidFill>
+                      <a:prstDash val="solid"/>
+                      <a:round/>
+                      <a:headEnd type="none" w="med" len="med"/>
+                      <a:tailEnd type="none" w="med" len="med"/>
+                    </a:lnB>
+                    <a:solidFill>
+                      <a:schemeClr val="accent2">
+                        <a:lumMod val="40000"/>
+                        <a:lumOff val="60000"/>
+                      </a:schemeClr>
+                    </a:solidFill>
+                  </a:tcPr>
+                </a:tc>
+                <a:tc>
+                  <a:txBody>
+                    <a:bodyPr/>
+                    <a:lstStyle/>
+                    <a:p>
+                      <a:endParaRPr lang="en-HK" dirty="0"/>
+                    </a:p>
+                  </a:txBody>
+                  <a:tcPr>
+                    <a:lnT w="12700" cap="flat" cmpd="sng" algn="ctr">
+                      <a:solidFill>
+                        <a:srgbClr val="FF0000"/>
+                      </a:solidFill>
+                      <a:prstDash val="solid"/>
+                      <a:round/>
+                      <a:headEnd type="none" w="med" len="med"/>
+                      <a:tailEnd type="none" w="med" len="med"/>
+                    </a:lnT>
+                    <a:lnB w="12700" cap="flat" cmpd="sng" algn="ctr">
+                      <a:solidFill>
+                        <a:srgbClr val="FF0000"/>
+                      </a:solidFill>
+                      <a:prstDash val="solid"/>
+                      <a:round/>
+                      <a:headEnd type="none" w="med" len="med"/>
+                      <a:tailEnd type="none" w="med" len="med"/>
+                    </a:lnB>
+                    <a:solidFill>
+                      <a:schemeClr val="accent2">
+                        <a:lumMod val="40000"/>
+                        <a:lumOff val="60000"/>
+                      </a:schemeClr>
+                    </a:solidFill>
+                  </a:tcPr>
+                </a:tc>
+                <a:tc>
+                  <a:txBody>
+                    <a:bodyPr/>
+                    <a:lstStyle/>
+                    <a:p>
+                      <a:endParaRPr lang="en-HK" dirty="0"/>
+                    </a:p>
+                  </a:txBody>
+                  <a:tcPr>
+                    <a:lnT w="12700" cap="flat" cmpd="sng" algn="ctr">
+                      <a:solidFill>
+                        <a:srgbClr val="FF0000"/>
+                      </a:solidFill>
+                      <a:prstDash val="solid"/>
+                      <a:round/>
+                      <a:headEnd type="none" w="med" len="med"/>
+                      <a:tailEnd type="none" w="med" len="med"/>
+                    </a:lnT>
+                    <a:lnB w="12700" cap="flat" cmpd="sng" algn="ctr">
+                      <a:solidFill>
+                        <a:srgbClr val="FF0000"/>
+                      </a:solidFill>
+                      <a:prstDash val="solid"/>
+                      <a:round/>
+                      <a:headEnd type="none" w="med" len="med"/>
+                      <a:tailEnd type="none" w="med" len="med"/>
+                    </a:lnB>
+                    <a:solidFill>
+                      <a:schemeClr val="accent2">
+                        <a:lumMod val="40000"/>
+                        <a:lumOff val="60000"/>
+                      </a:schemeClr>
+                    </a:solidFill>
+                  </a:tcPr>
+                </a:tc>
+                <a:tc>
+                  <a:txBody>
+                    <a:bodyPr/>
+                    <a:lstStyle/>
+                    <a:p>
+                      <a:endParaRPr lang="en-HK" dirty="0"/>
+                    </a:p>
+                  </a:txBody>
+                  <a:tcPr>
+                    <a:lnR w="12700" cap="flat" cmpd="sng" algn="ctr">
+                      <a:solidFill>
+                        <a:srgbClr val="FF0000"/>
+                      </a:solidFill>
+                      <a:prstDash val="solid"/>
+                      <a:round/>
+                      <a:headEnd type="none" w="med" len="med"/>
+                      <a:tailEnd type="none" w="med" len="med"/>
+                    </a:lnR>
+                    <a:lnT w="12700" cap="flat" cmpd="sng" algn="ctr">
+                      <a:solidFill>
+                        <a:srgbClr val="FF0000"/>
+                      </a:solidFill>
+                      <a:prstDash val="solid"/>
+                      <a:round/>
+                      <a:headEnd type="none" w="med" len="med"/>
+                      <a:tailEnd type="none" w="med" len="med"/>
+                    </a:lnT>
+                    <a:lnB w="12700" cap="flat" cmpd="sng" algn="ctr">
+                      <a:solidFill>
+                        <a:srgbClr val="FF0000"/>
+                      </a:solidFill>
+                      <a:prstDash val="solid"/>
+                      <a:round/>
+                      <a:headEnd type="none" w="med" len="med"/>
+                      <a:tailEnd type="none" w="med" len="med"/>
+                    </a:lnB>
+                    <a:solidFill>
+                      <a:schemeClr val="accent1">
+                        <a:lumMod val="40000"/>
+                        <a:lumOff val="60000"/>
+                      </a:schemeClr>
+                    </a:solidFill>
+                  </a:tcPr>
+                </a:tc>
+                <a:tc>
+                  <a:txBody>
+                    <a:bodyPr/>
+                    <a:lstStyle/>
+                    <a:p>
+                      <a:endParaRPr lang="en-HK" dirty="0"/>
+                    </a:p>
+                  </a:txBody>
+                  <a:tcPr>
+                    <a:lnL w="12700" cap="flat" cmpd="sng" algn="ctr">
+                      <a:solidFill>
+                        <a:srgbClr val="FF0000"/>
+                      </a:solidFill>
+                      <a:prstDash val="solid"/>
+                      <a:round/>
+                      <a:headEnd type="none" w="med" len="med"/>
+                      <a:tailEnd type="none" w="med" len="med"/>
+                    </a:lnL>
+                    <a:lnT w="12700" cap="flat" cmpd="sng" algn="ctr">
+                      <a:solidFill>
+                        <a:srgbClr val="FF0000"/>
+                      </a:solidFill>
+                      <a:prstDash val="solid"/>
+                      <a:round/>
+                      <a:headEnd type="none" w="med" len="med"/>
+                      <a:tailEnd type="none" w="med" len="med"/>
+                    </a:lnT>
+                    <a:lnB w="12700" cap="flat" cmpd="sng" algn="ctr">
+                      <a:solidFill>
+                        <a:srgbClr val="FF0000"/>
+                      </a:solidFill>
+                      <a:prstDash val="solid"/>
+                      <a:round/>
+                      <a:headEnd type="none" w="med" len="med"/>
+                      <a:tailEnd type="none" w="med" len="med"/>
+                    </a:lnB>
+                    <a:solidFill>
+                      <a:schemeClr val="accent2">
+                        <a:lumMod val="40000"/>
+                        <a:lumOff val="60000"/>
+                      </a:schemeClr>
+                    </a:solidFill>
+                  </a:tcPr>
+                </a:tc>
+                <a:tc>
+                  <a:txBody>
+                    <a:bodyPr/>
+                    <a:lstStyle/>
+                    <a:p>
+                      <a:endParaRPr lang="en-HK" dirty="0"/>
+                    </a:p>
+                  </a:txBody>
+                  <a:tcPr>
+                    <a:lnT w="12700" cap="flat" cmpd="sng" algn="ctr">
+                      <a:solidFill>
+                        <a:srgbClr val="FF0000"/>
+                      </a:solidFill>
+                      <a:prstDash val="solid"/>
+                      <a:round/>
+                      <a:headEnd type="none" w="med" len="med"/>
+                      <a:tailEnd type="none" w="med" len="med"/>
+                    </a:lnT>
+                    <a:lnB w="12700" cap="flat" cmpd="sng" algn="ctr">
+                      <a:solidFill>
+                        <a:srgbClr val="FF0000"/>
+                      </a:solidFill>
+                      <a:prstDash val="solid"/>
+                      <a:round/>
+                      <a:headEnd type="none" w="med" len="med"/>
+                      <a:tailEnd type="none" w="med" len="med"/>
+                    </a:lnB>
+                    <a:solidFill>
+                      <a:schemeClr val="accent2">
+                        <a:lumMod val="40000"/>
+                        <a:lumOff val="60000"/>
+                      </a:schemeClr>
+                    </a:solidFill>
+                  </a:tcPr>
+                </a:tc>
+                <a:tc>
+                  <a:txBody>
+                    <a:bodyPr/>
+                    <a:lstStyle/>
+                    <a:p>
+                      <a:endParaRPr lang="en-HK" dirty="0"/>
+                    </a:p>
+                  </a:txBody>
+                  <a:tcPr>
+                    <a:lnT w="12700" cap="flat" cmpd="sng" algn="ctr">
+                      <a:solidFill>
+                        <a:srgbClr val="FF0000"/>
+                      </a:solidFill>
+                      <a:prstDash val="solid"/>
+                      <a:round/>
+                      <a:headEnd type="none" w="med" len="med"/>
+                      <a:tailEnd type="none" w="med" len="med"/>
+                    </a:lnT>
+                    <a:lnB w="12700" cap="flat" cmpd="sng" algn="ctr">
+                      <a:solidFill>
+                        <a:srgbClr val="FF0000"/>
+                      </a:solidFill>
+                      <a:prstDash val="solid"/>
+                      <a:round/>
+                      <a:headEnd type="none" w="med" len="med"/>
+                      <a:tailEnd type="none" w="med" len="med"/>
+                    </a:lnB>
+                    <a:solidFill>
+                      <a:schemeClr val="accent2">
+                        <a:lumMod val="40000"/>
+                        <a:lumOff val="60000"/>
+                      </a:schemeClr>
+                    </a:solidFill>
+                  </a:tcPr>
+                </a:tc>
+                <a:tc>
+                  <a:txBody>
+                    <a:bodyPr/>
+                    <a:lstStyle/>
+                    <a:p>
+                      <a:endParaRPr lang="en-HK" dirty="0"/>
+                    </a:p>
+                  </a:txBody>
+                  <a:tcPr>
+                    <a:lnT w="12700" cap="flat" cmpd="sng" algn="ctr">
+                      <a:solidFill>
+                        <a:srgbClr val="FF0000"/>
+                      </a:solidFill>
+                      <a:prstDash val="solid"/>
+                      <a:round/>
+                      <a:headEnd type="none" w="med" len="med"/>
+                      <a:tailEnd type="none" w="med" len="med"/>
+                    </a:lnT>
+                    <a:lnB w="12700" cap="flat" cmpd="sng" algn="ctr">
+                      <a:solidFill>
+                        <a:srgbClr val="FF0000"/>
+                      </a:solidFill>
+                      <a:prstDash val="solid"/>
+                      <a:round/>
+                      <a:headEnd type="none" w="med" len="med"/>
+                      <a:tailEnd type="none" w="med" len="med"/>
+                    </a:lnB>
+                    <a:solidFill>
+                      <a:schemeClr val="accent2">
+                        <a:lumMod val="40000"/>
+                        <a:lumOff val="60000"/>
+                      </a:schemeClr>
+                    </a:solidFill>
+                  </a:tcPr>
+                </a:tc>
+                <a:tc>
+                  <a:txBody>
+                    <a:bodyPr/>
+                    <a:lstStyle/>
+                    <a:p>
+                      <a:endParaRPr lang="en-HK" dirty="0"/>
+                    </a:p>
+                  </a:txBody>
+                  <a:tcPr>
+                    <a:lnR w="12700" cap="flat" cmpd="sng" algn="ctr">
+                      <a:solidFill>
+                        <a:srgbClr val="FF0000"/>
+                      </a:solidFill>
+                      <a:prstDash val="solid"/>
+                      <a:round/>
+                      <a:headEnd type="none" w="med" len="med"/>
+                      <a:tailEnd type="none" w="med" len="med"/>
+                    </a:lnR>
+                    <a:lnT w="12700" cap="flat" cmpd="sng" algn="ctr">
+                      <a:solidFill>
+                        <a:srgbClr val="FF0000"/>
+                      </a:solidFill>
+                      <a:prstDash val="solid"/>
+                      <a:round/>
+                      <a:headEnd type="none" w="med" len="med"/>
+                      <a:tailEnd type="none" w="med" len="med"/>
+                    </a:lnT>
+                    <a:lnB w="12700" cap="flat" cmpd="sng" algn="ctr">
+                      <a:solidFill>
+                        <a:srgbClr val="FF0000"/>
+                      </a:solidFill>
+                      <a:prstDash val="solid"/>
+                      <a:round/>
+                      <a:headEnd type="none" w="med" len="med"/>
+                      <a:tailEnd type="none" w="med" len="med"/>
+                    </a:lnB>
+                    <a:solidFill>
+                      <a:schemeClr val="accent1">
+                        <a:lumMod val="40000"/>
+                        <a:lumOff val="60000"/>
+                      </a:schemeClr>
+                    </a:solidFill>
+                  </a:tcPr>
+                </a:tc>
+                <a:tc>
+                  <a:txBody>
+                    <a:bodyPr/>
+                    <a:lstStyle/>
+                    <a:p>
+                      <a:endParaRPr lang="en-HK" dirty="0"/>
+                    </a:p>
+                  </a:txBody>
+                  <a:tcPr>
+                    <a:lnL w="12700" cap="flat" cmpd="sng" algn="ctr">
+                      <a:solidFill>
+                        <a:srgbClr val="FF0000"/>
+                      </a:solidFill>
+                      <a:prstDash val="solid"/>
+                      <a:round/>
+                      <a:headEnd type="none" w="med" len="med"/>
+                      <a:tailEnd type="none" w="med" len="med"/>
+                    </a:lnL>
+                    <a:lnT w="12700" cap="flat" cmpd="sng" algn="ctr">
+                      <a:solidFill>
+                        <a:srgbClr val="FF0000"/>
+                      </a:solidFill>
+                      <a:prstDash val="solid"/>
+                      <a:round/>
+                      <a:headEnd type="none" w="med" len="med"/>
+                      <a:tailEnd type="none" w="med" len="med"/>
+                    </a:lnT>
+                    <a:lnB w="12700" cap="flat" cmpd="sng" algn="ctr">
+                      <a:solidFill>
+                        <a:srgbClr val="FF0000"/>
+                      </a:solidFill>
+                      <a:prstDash val="solid"/>
+                      <a:round/>
+                      <a:headEnd type="none" w="med" len="med"/>
+                      <a:tailEnd type="none" w="med" len="med"/>
+                    </a:lnB>
+                    <a:solidFill>
+                      <a:schemeClr val="accent2">
+                        <a:lumMod val="40000"/>
+                        <a:lumOff val="60000"/>
+                      </a:schemeClr>
+                    </a:solidFill>
+                  </a:tcPr>
+                </a:tc>
+                <a:tc>
+                  <a:txBody>
+                    <a:bodyPr/>
+                    <a:lstStyle/>
+                    <a:p>
+                      <a:endParaRPr lang="en-HK" dirty="0"/>
+                    </a:p>
+                  </a:txBody>
+                  <a:tcPr>
+                    <a:lnT w="12700" cap="flat" cmpd="sng" algn="ctr">
+                      <a:solidFill>
+                        <a:srgbClr val="FF0000"/>
+                      </a:solidFill>
+                      <a:prstDash val="solid"/>
+                      <a:round/>
+                      <a:headEnd type="none" w="med" len="med"/>
+                      <a:tailEnd type="none" w="med" len="med"/>
+                    </a:lnT>
+                    <a:lnB w="12700" cap="flat" cmpd="sng" algn="ctr">
+                      <a:solidFill>
+                        <a:srgbClr val="FF0000"/>
+                      </a:solidFill>
+                      <a:prstDash val="solid"/>
+                      <a:round/>
+                      <a:headEnd type="none" w="med" len="med"/>
+                      <a:tailEnd type="none" w="med" len="med"/>
+                    </a:lnB>
+                    <a:solidFill>
+                      <a:schemeClr val="accent2">
+                        <a:lumMod val="40000"/>
+                        <a:lumOff val="60000"/>
+                      </a:schemeClr>
+                    </a:solidFill>
+                  </a:tcPr>
+                </a:tc>
+                <a:tc>
+                  <a:txBody>
+                    <a:bodyPr/>
+                    <a:lstStyle/>
+                    <a:p>
+                      <a:endParaRPr lang="en-HK" dirty="0"/>
+                    </a:p>
+                  </a:txBody>
+                  <a:tcPr>
+                    <a:lnT w="12700" cap="flat" cmpd="sng" algn="ctr">
+                      <a:solidFill>
+                        <a:srgbClr val="FF0000"/>
+                      </a:solidFill>
+                      <a:prstDash val="solid"/>
+                      <a:round/>
+                      <a:headEnd type="none" w="med" len="med"/>
+                      <a:tailEnd type="none" w="med" len="med"/>
+                    </a:lnT>
+                    <a:lnB w="12700" cap="flat" cmpd="sng" algn="ctr">
+                      <a:solidFill>
+                        <a:srgbClr val="FF0000"/>
+                      </a:solidFill>
+                      <a:prstDash val="solid"/>
+                      <a:round/>
+                      <a:headEnd type="none" w="med" len="med"/>
+                      <a:tailEnd type="none" w="med" len="med"/>
+                    </a:lnB>
+                    <a:solidFill>
+                      <a:schemeClr val="accent2">
+                        <a:lumMod val="40000"/>
+                        <a:lumOff val="60000"/>
+                      </a:schemeClr>
+                    </a:solidFill>
+                  </a:tcPr>
+                </a:tc>
+                <a:tc>
+                  <a:txBody>
+                    <a:bodyPr/>
+                    <a:lstStyle/>
+                    <a:p>
+                      <a:endParaRPr lang="en-HK" dirty="0"/>
+                    </a:p>
+                  </a:txBody>
+                  <a:tcPr>
+                    <a:lnT w="12700" cap="flat" cmpd="sng" algn="ctr">
+                      <a:solidFill>
+                        <a:srgbClr val="FF0000"/>
+                      </a:solidFill>
+                      <a:prstDash val="solid"/>
+                      <a:round/>
+                      <a:headEnd type="none" w="med" len="med"/>
+                      <a:tailEnd type="none" w="med" len="med"/>
+                    </a:lnT>
+                    <a:lnB w="12700" cap="flat" cmpd="sng" algn="ctr">
+                      <a:solidFill>
+                        <a:srgbClr val="FF0000"/>
+                      </a:solidFill>
+                      <a:prstDash val="solid"/>
+                      <a:round/>
+                      <a:headEnd type="none" w="med" len="med"/>
+                      <a:tailEnd type="none" w="med" len="med"/>
+                    </a:lnB>
+                    <a:solidFill>
+                      <a:schemeClr val="accent2">
+                        <a:lumMod val="40000"/>
+                        <a:lumOff val="60000"/>
+                      </a:schemeClr>
+                    </a:solidFill>
+                  </a:tcPr>
+                </a:tc>
+                <a:tc>
+                  <a:txBody>
+                    <a:bodyPr/>
+                    <a:lstStyle/>
+                    <a:p>
+                      <a:endParaRPr lang="en-HK" dirty="0"/>
+                    </a:p>
+                  </a:txBody>
+                  <a:tcPr>
+                    <a:lnR w="12700" cap="flat" cmpd="sng" algn="ctr">
+                      <a:solidFill>
+                        <a:srgbClr val="FF0000"/>
+                      </a:solidFill>
+                      <a:prstDash val="solid"/>
+                      <a:round/>
+                      <a:headEnd type="none" w="med" len="med"/>
+                      <a:tailEnd type="none" w="med" len="med"/>
+                    </a:lnR>
+                    <a:lnT w="12700" cap="flat" cmpd="sng" algn="ctr">
+                      <a:solidFill>
+                        <a:srgbClr val="FF0000"/>
+                      </a:solidFill>
+                      <a:prstDash val="solid"/>
+                      <a:round/>
+                      <a:headEnd type="none" w="med" len="med"/>
+                      <a:tailEnd type="none" w="med" len="med"/>
+                    </a:lnT>
+                    <a:lnB w="12700" cap="flat" cmpd="sng" algn="ctr">
+                      <a:solidFill>
+                        <a:srgbClr val="FF0000"/>
+                      </a:solidFill>
+                      <a:prstDash val="solid"/>
+                      <a:round/>
+                      <a:headEnd type="none" w="med" len="med"/>
+                      <a:tailEnd type="none" w="med" len="med"/>
+                    </a:lnB>
+                    <a:solidFill>
+                      <a:schemeClr val="accent1">
+                        <a:lumMod val="40000"/>
+                        <a:lumOff val="60000"/>
+                      </a:schemeClr>
+                    </a:solidFill>
+                  </a:tcPr>
+                </a:tc>
+                <a:tc>
+                  <a:txBody>
+                    <a:bodyPr/>
+                    <a:lstStyle/>
+                    <a:p>
+                      <a:endParaRPr lang="en-HK" dirty="0"/>
+                    </a:p>
+                  </a:txBody>
+                  <a:tcPr>
+                    <a:lnL w="12700" cap="flat" cmpd="sng" algn="ctr">
+                      <a:solidFill>
+                        <a:srgbClr val="FF0000"/>
+                      </a:solidFill>
+                      <a:prstDash val="solid"/>
+                      <a:round/>
+                      <a:headEnd type="none" w="med" len="med"/>
+                      <a:tailEnd type="none" w="med" len="med"/>
+                    </a:lnL>
+                    <a:lnT w="12700" cap="flat" cmpd="sng" algn="ctr">
+                      <a:solidFill>
+                        <a:srgbClr val="FF0000"/>
+                      </a:solidFill>
+                      <a:prstDash val="solid"/>
+                      <a:round/>
+                      <a:headEnd type="none" w="med" len="med"/>
+                      <a:tailEnd type="none" w="med" len="med"/>
+                    </a:lnT>
+                    <a:lnB w="12700" cap="flat" cmpd="sng" algn="ctr">
+                      <a:solidFill>
+                        <a:srgbClr val="FF0000"/>
+                      </a:solidFill>
+                      <a:prstDash val="solid"/>
+                      <a:round/>
+                      <a:headEnd type="none" w="med" len="med"/>
+                      <a:tailEnd type="none" w="med" len="med"/>
+                    </a:lnB>
+                    <a:solidFill>
+                      <a:schemeClr val="accent2">
+                        <a:lumMod val="40000"/>
+                        <a:lumOff val="60000"/>
+                      </a:schemeClr>
+                    </a:solidFill>
+                  </a:tcPr>
+                </a:tc>
+                <a:tc>
+                  <a:txBody>
+                    <a:bodyPr/>
+                    <a:lstStyle/>
+                    <a:p>
+                      <a:endParaRPr lang="en-HK" dirty="0"/>
+                    </a:p>
+                  </a:txBody>
+                  <a:tcPr>
+                    <a:lnT w="12700" cap="flat" cmpd="sng" algn="ctr">
+                      <a:solidFill>
+                        <a:srgbClr val="FF0000"/>
+                      </a:solidFill>
+                      <a:prstDash val="solid"/>
+                      <a:round/>
+                      <a:headEnd type="none" w="med" len="med"/>
+                      <a:tailEnd type="none" w="med" len="med"/>
+                    </a:lnT>
+                    <a:lnB w="12700" cap="flat" cmpd="sng" algn="ctr">
+                      <a:solidFill>
+                        <a:srgbClr val="FF0000"/>
+                      </a:solidFill>
+                      <a:prstDash val="solid"/>
+                      <a:round/>
+                      <a:headEnd type="none" w="med" len="med"/>
+                      <a:tailEnd type="none" w="med" len="med"/>
+                    </a:lnB>
+                    <a:solidFill>
+                      <a:schemeClr val="accent2">
+                        <a:lumMod val="40000"/>
+                        <a:lumOff val="60000"/>
+                      </a:schemeClr>
+                    </a:solidFill>
+                  </a:tcPr>
+                </a:tc>
+                <a:tc>
+                  <a:txBody>
+                    <a:bodyPr/>
+                    <a:lstStyle/>
+                    <a:p>
+                      <a:endParaRPr lang="en-HK" dirty="0"/>
+                    </a:p>
+                  </a:txBody>
+                  <a:tcPr>
+                    <a:lnT w="12700" cap="flat" cmpd="sng" algn="ctr">
+                      <a:solidFill>
+                        <a:srgbClr val="FF0000"/>
+                      </a:solidFill>
+                      <a:prstDash val="solid"/>
+                      <a:round/>
+                      <a:headEnd type="none" w="med" len="med"/>
+                      <a:tailEnd type="none" w="med" len="med"/>
+                    </a:lnT>
+                    <a:lnB w="12700" cap="flat" cmpd="sng" algn="ctr">
+                      <a:solidFill>
+                        <a:srgbClr val="FF0000"/>
+                      </a:solidFill>
+                      <a:prstDash val="solid"/>
+                      <a:round/>
+                      <a:headEnd type="none" w="med" len="med"/>
+                      <a:tailEnd type="none" w="med" len="med"/>
+                    </a:lnB>
+                    <a:solidFill>
+                      <a:schemeClr val="accent2">
+                        <a:lumMod val="40000"/>
+                        <a:lumOff val="60000"/>
+                      </a:schemeClr>
+                    </a:solidFill>
+                  </a:tcPr>
+                </a:tc>
+                <a:tc>
+                  <a:txBody>
+                    <a:bodyPr/>
+                    <a:lstStyle/>
+                    <a:p>
+                      <a:endParaRPr lang="en-HK" dirty="0"/>
+                    </a:p>
+                  </a:txBody>
+                  <a:tcPr>
+                    <a:lnT w="12700" cap="flat" cmpd="sng" algn="ctr">
+                      <a:solidFill>
+                        <a:srgbClr val="FF0000"/>
+                      </a:solidFill>
+                      <a:prstDash val="solid"/>
+                      <a:round/>
+                      <a:headEnd type="none" w="med" len="med"/>
+                      <a:tailEnd type="none" w="med" len="med"/>
+                    </a:lnT>
+                    <a:lnB w="12700" cap="flat" cmpd="sng" algn="ctr">
+                      <a:solidFill>
+                        <a:srgbClr val="FF0000"/>
+                      </a:solidFill>
+                      <a:prstDash val="solid"/>
+                      <a:round/>
+                      <a:headEnd type="none" w="med" len="med"/>
+                      <a:tailEnd type="none" w="med" len="med"/>
+                    </a:lnB>
+                    <a:solidFill>
+                      <a:schemeClr val="accent2">
+                        <a:lumMod val="40000"/>
+                        <a:lumOff val="60000"/>
+                      </a:schemeClr>
+                    </a:solidFill>
+                  </a:tcPr>
+                </a:tc>
+                <a:tc>
+                  <a:txBody>
+                    <a:bodyPr/>
+                    <a:lstStyle/>
+                    <a:p>
+                      <a:endParaRPr lang="en-HK" dirty="0"/>
+                    </a:p>
+                  </a:txBody>
+                  <a:tcPr>
+                    <a:lnR w="12700" cap="flat" cmpd="sng" algn="ctr">
+                      <a:solidFill>
+                        <a:srgbClr val="FF0000"/>
+                      </a:solidFill>
+                      <a:prstDash val="solid"/>
+                      <a:round/>
+                      <a:headEnd type="none" w="med" len="med"/>
+                      <a:tailEnd type="none" w="med" len="med"/>
+                    </a:lnR>
+                    <a:lnT w="12700" cap="flat" cmpd="sng" algn="ctr">
+                      <a:solidFill>
+                        <a:srgbClr val="FF0000"/>
+                      </a:solidFill>
+                      <a:prstDash val="solid"/>
+                      <a:round/>
+                      <a:headEnd type="none" w="med" len="med"/>
+                      <a:tailEnd type="none" w="med" len="med"/>
+                    </a:lnT>
+                    <a:lnB w="12700" cap="flat" cmpd="sng" algn="ctr">
+                      <a:solidFill>
+                        <a:srgbClr val="FF0000"/>
+                      </a:solidFill>
+                      <a:prstDash val="solid"/>
+                      <a:round/>
+                      <a:headEnd type="none" w="med" len="med"/>
+                      <a:tailEnd type="none" w="med" len="med"/>
+                    </a:lnB>
+                    <a:solidFill>
+                      <a:schemeClr val="accent1">
+                        <a:lumMod val="40000"/>
+                        <a:lumOff val="60000"/>
+                      </a:schemeClr>
+                    </a:solidFill>
+                  </a:tcPr>
+                </a:tc>
+                <a:tc>
+                  <a:txBody>
+                    <a:bodyPr/>
+                    <a:lstStyle/>
+                    <a:p>
+                      <a:endParaRPr lang="en-HK" dirty="0"/>
+                    </a:p>
+                  </a:txBody>
+                  <a:tcPr>
+                    <a:lnL w="12700" cap="flat" cmpd="sng" algn="ctr">
+                      <a:solidFill>
+                        <a:srgbClr val="FF0000"/>
+                      </a:solidFill>
+                      <a:prstDash val="solid"/>
+                      <a:round/>
+                      <a:headEnd type="none" w="med" len="med"/>
+                      <a:tailEnd type="none" w="med" len="med"/>
+                    </a:lnL>
+                    <a:solidFill>
+                      <a:schemeClr val="bg2">
+                        <a:lumMod val="90000"/>
+                      </a:schemeClr>
+                    </a:solidFill>
+                  </a:tcPr>
+                </a:tc>
+                <a:extLst>
+                  <a:ext uri="{0D108BD9-81ED-4DB2-BD59-A6C34878D82A}">
+                    <a16:rowId xmlns:a16="http://schemas.microsoft.com/office/drawing/2014/main" val="2601047344"/>
+                  </a:ext>
+                </a:extLst>
+              </a:tr>
+            </a:tbl>
+          </a:graphicData>
+        </a:graphic>
+      </p:graphicFrame>
+      <p:graphicFrame>
+        <p:nvGraphicFramePr>
+          <p:cNvPr id="19" name="Table 4">
+            <a:extLst>
+              <a:ext uri="{FF2B5EF4-FFF2-40B4-BE49-F238E27FC236}">
+                <a16:creationId xmlns:a16="http://schemas.microsoft.com/office/drawing/2014/main" id="{CF3EBE47-1456-000E-5FDF-D317E2A579DE}"/>
+              </a:ext>
+            </a:extLst>
+          </p:cNvPr>
+          <p:cNvGraphicFramePr>
+            <a:graphicFrameLocks noGrp="1"/>
+          </p:cNvGraphicFramePr>
+          <p:nvPr>
+            <p:extLst>
+              <p:ext uri="{D42A27DB-BD31-4B8C-83A1-F6EECF244321}">
+                <p14:modId xmlns:p14="http://schemas.microsoft.com/office/powerpoint/2010/main" val="1461141786"/>
+              </p:ext>
+            </p:extLst>
+          </p:nvPr>
+        </p:nvGraphicFramePr>
+        <p:xfrm>
+          <a:off x="677650" y="4732528"/>
+          <a:ext cx="6723822" cy="370840"/>
+        </p:xfrm>
+        <a:graphic>
+          <a:graphicData uri="http://schemas.openxmlformats.org/drawingml/2006/table">
+            <a:tbl>
+              <a:tblPr firstRow="1" bandRow="1">
+                <a:tableStyleId>{5C22544A-7EE6-4342-B048-85BDC9FD1C3A}</a:tableStyleId>
+              </a:tblPr>
+              <a:tblGrid>
+                <a:gridCol w="320182">
+                  <a:extLst>
+                    <a:ext uri="{9D8B030D-6E8A-4147-A177-3AD203B41FA5}">
+                      <a16:colId xmlns:a16="http://schemas.microsoft.com/office/drawing/2014/main" val="1958716807"/>
+                    </a:ext>
+                  </a:extLst>
+                </a:gridCol>
+                <a:gridCol w="320182">
+                  <a:extLst>
+                    <a:ext uri="{9D8B030D-6E8A-4147-A177-3AD203B41FA5}">
+                      <a16:colId xmlns:a16="http://schemas.microsoft.com/office/drawing/2014/main" val="2177103222"/>
+                    </a:ext>
+                  </a:extLst>
+                </a:gridCol>
+                <a:gridCol w="320182">
+                  <a:extLst>
+                    <a:ext uri="{9D8B030D-6E8A-4147-A177-3AD203B41FA5}">
+                      <a16:colId xmlns:a16="http://schemas.microsoft.com/office/drawing/2014/main" val="191291771"/>
+                    </a:ext>
+                  </a:extLst>
+                </a:gridCol>
+                <a:gridCol w="320182">
+                  <a:extLst>
+                    <a:ext uri="{9D8B030D-6E8A-4147-A177-3AD203B41FA5}">
+                      <a16:colId xmlns:a16="http://schemas.microsoft.com/office/drawing/2014/main" val="3409141404"/>
+                    </a:ext>
+                  </a:extLst>
+                </a:gridCol>
+                <a:gridCol w="320182">
+                  <a:extLst>
+                    <a:ext uri="{9D8B030D-6E8A-4147-A177-3AD203B41FA5}">
+                      <a16:colId xmlns:a16="http://schemas.microsoft.com/office/drawing/2014/main" val="217707470"/>
+                    </a:ext>
+                  </a:extLst>
+                </a:gridCol>
+                <a:gridCol w="320182">
+                  <a:extLst>
+                    <a:ext uri="{9D8B030D-6E8A-4147-A177-3AD203B41FA5}">
+                      <a16:colId xmlns:a16="http://schemas.microsoft.com/office/drawing/2014/main" val="2493533114"/>
+                    </a:ext>
+                  </a:extLst>
+                </a:gridCol>
+                <a:gridCol w="320182">
+                  <a:extLst>
+                    <a:ext uri="{9D8B030D-6E8A-4147-A177-3AD203B41FA5}">
+                      <a16:colId xmlns:a16="http://schemas.microsoft.com/office/drawing/2014/main" val="1642796582"/>
+                    </a:ext>
+                  </a:extLst>
+                </a:gridCol>
+                <a:gridCol w="320182">
+                  <a:extLst>
+                    <a:ext uri="{9D8B030D-6E8A-4147-A177-3AD203B41FA5}">
+                      <a16:colId xmlns:a16="http://schemas.microsoft.com/office/drawing/2014/main" val="770379941"/>
+                    </a:ext>
+                  </a:extLst>
+                </a:gridCol>
+                <a:gridCol w="320182">
+                  <a:extLst>
+                    <a:ext uri="{9D8B030D-6E8A-4147-A177-3AD203B41FA5}">
+                      <a16:colId xmlns:a16="http://schemas.microsoft.com/office/drawing/2014/main" val="2183018877"/>
+                    </a:ext>
+                  </a:extLst>
+                </a:gridCol>
+                <a:gridCol w="320182">
+                  <a:extLst>
+                    <a:ext uri="{9D8B030D-6E8A-4147-A177-3AD203B41FA5}">
+                      <a16:colId xmlns:a16="http://schemas.microsoft.com/office/drawing/2014/main" val="3957069584"/>
+                    </a:ext>
+                  </a:extLst>
+                </a:gridCol>
+                <a:gridCol w="320182">
+                  <a:extLst>
+                    <a:ext uri="{9D8B030D-6E8A-4147-A177-3AD203B41FA5}">
+                      <a16:colId xmlns:a16="http://schemas.microsoft.com/office/drawing/2014/main" val="647280036"/>
+                    </a:ext>
+                  </a:extLst>
+                </a:gridCol>
+                <a:gridCol w="320182">
+                  <a:extLst>
+                    <a:ext uri="{9D8B030D-6E8A-4147-A177-3AD203B41FA5}">
+                      <a16:colId xmlns:a16="http://schemas.microsoft.com/office/drawing/2014/main" val="3244291510"/>
+                    </a:ext>
+                  </a:extLst>
+                </a:gridCol>
+                <a:gridCol w="320182">
+                  <a:extLst>
+                    <a:ext uri="{9D8B030D-6E8A-4147-A177-3AD203B41FA5}">
+                      <a16:colId xmlns:a16="http://schemas.microsoft.com/office/drawing/2014/main" val="3722398860"/>
+                    </a:ext>
+                  </a:extLst>
+                </a:gridCol>
+                <a:gridCol w="320182">
+                  <a:extLst>
+                    <a:ext uri="{9D8B030D-6E8A-4147-A177-3AD203B41FA5}">
+                      <a16:colId xmlns:a16="http://schemas.microsoft.com/office/drawing/2014/main" val="3415233984"/>
+                    </a:ext>
+                  </a:extLst>
+                </a:gridCol>
+                <a:gridCol w="320182">
+                  <a:extLst>
+                    <a:ext uri="{9D8B030D-6E8A-4147-A177-3AD203B41FA5}">
+                      <a16:colId xmlns:a16="http://schemas.microsoft.com/office/drawing/2014/main" val="2902414225"/>
+                    </a:ext>
+                  </a:extLst>
+                </a:gridCol>
+                <a:gridCol w="320182">
+                  <a:extLst>
+                    <a:ext uri="{9D8B030D-6E8A-4147-A177-3AD203B41FA5}">
+                      <a16:colId xmlns:a16="http://schemas.microsoft.com/office/drawing/2014/main" val="1661741288"/>
+                    </a:ext>
+                  </a:extLst>
+                </a:gridCol>
+                <a:gridCol w="320182">
+                  <a:extLst>
+                    <a:ext uri="{9D8B030D-6E8A-4147-A177-3AD203B41FA5}">
+                      <a16:colId xmlns:a16="http://schemas.microsoft.com/office/drawing/2014/main" val="3311475659"/>
+                    </a:ext>
+                  </a:extLst>
+                </a:gridCol>
+                <a:gridCol w="320182">
+                  <a:extLst>
+                    <a:ext uri="{9D8B030D-6E8A-4147-A177-3AD203B41FA5}">
+                      <a16:colId xmlns:a16="http://schemas.microsoft.com/office/drawing/2014/main" val="1290295606"/>
+                    </a:ext>
+                  </a:extLst>
+                </a:gridCol>
+                <a:gridCol w="320182">
+                  <a:extLst>
+                    <a:ext uri="{9D8B030D-6E8A-4147-A177-3AD203B41FA5}">
+                      <a16:colId xmlns:a16="http://schemas.microsoft.com/office/drawing/2014/main" val="1857034175"/>
+                    </a:ext>
+                  </a:extLst>
+                </a:gridCol>
+                <a:gridCol w="320182">
+                  <a:extLst>
+                    <a:ext uri="{9D8B030D-6E8A-4147-A177-3AD203B41FA5}">
+                      <a16:colId xmlns:a16="http://schemas.microsoft.com/office/drawing/2014/main" val="2683234811"/>
+                    </a:ext>
+                  </a:extLst>
+                </a:gridCol>
+                <a:gridCol w="320182">
+                  <a:extLst>
+                    <a:ext uri="{9D8B030D-6E8A-4147-A177-3AD203B41FA5}">
+                      <a16:colId xmlns:a16="http://schemas.microsoft.com/office/drawing/2014/main" val="2175505222"/>
+                    </a:ext>
+                  </a:extLst>
+                </a:gridCol>
+              </a:tblGrid>
+              <a:tr h="370840">
+                <a:tc>
+                  <a:txBody>
+                    <a:bodyPr/>
+                    <a:lstStyle/>
+                    <a:p>
+                      <a:endParaRPr lang="en-HK" dirty="0"/>
+                    </a:p>
+                  </a:txBody>
+                  <a:tcPr>
+                    <a:lnL w="12700" cap="flat" cmpd="sng" algn="ctr">
+                      <a:solidFill>
+                        <a:srgbClr val="FF0000"/>
+                      </a:solidFill>
+                      <a:prstDash val="solid"/>
+                      <a:round/>
+                      <a:headEnd type="none" w="med" len="med"/>
+                      <a:tailEnd type="none" w="med" len="med"/>
+                    </a:lnL>
+                    <a:lnT w="12700" cap="flat" cmpd="sng" algn="ctr">
+                      <a:solidFill>
+                        <a:srgbClr val="FF0000"/>
+                      </a:solidFill>
+                      <a:prstDash val="solid"/>
+                      <a:round/>
+                      <a:headEnd type="none" w="med" len="med"/>
+                      <a:tailEnd type="none" w="med" len="med"/>
+                    </a:lnT>
+                    <a:lnB w="12700" cap="flat" cmpd="sng" algn="ctr">
+                      <a:solidFill>
+                        <a:srgbClr val="FF0000"/>
+                      </a:solidFill>
+                      <a:prstDash val="solid"/>
+                      <a:round/>
+                      <a:headEnd type="none" w="med" len="med"/>
+                      <a:tailEnd type="none" w="med" len="med"/>
+                    </a:lnB>
+                    <a:solidFill>
+                      <a:schemeClr val="accent2">
+                        <a:lumMod val="40000"/>
+                        <a:lumOff val="60000"/>
+                      </a:schemeClr>
+                    </a:solidFill>
+                  </a:tcPr>
+                </a:tc>
+                <a:tc>
+                  <a:txBody>
+                    <a:bodyPr/>
+                    <a:lstStyle/>
+                    <a:p>
+                      <a:endParaRPr lang="en-HK" dirty="0"/>
+                    </a:p>
+                  </a:txBody>
+                  <a:tcPr>
+                    <a:lnT w="12700" cap="flat" cmpd="sng" algn="ctr">
+                      <a:solidFill>
+                        <a:srgbClr val="FF0000"/>
+                      </a:solidFill>
+                      <a:prstDash val="solid"/>
+                      <a:round/>
+                      <a:headEnd type="none" w="med" len="med"/>
+                      <a:tailEnd type="none" w="med" len="med"/>
+                    </a:lnT>
+                    <a:lnB w="12700" cap="flat" cmpd="sng" algn="ctr">
+                      <a:solidFill>
+                        <a:srgbClr val="FF0000"/>
+                      </a:solidFill>
+                      <a:prstDash val="solid"/>
+                      <a:round/>
+                      <a:headEnd type="none" w="med" len="med"/>
+                      <a:tailEnd type="none" w="med" len="med"/>
+                    </a:lnB>
+                    <a:solidFill>
+                      <a:schemeClr val="accent2">
+                        <a:lumMod val="40000"/>
+                        <a:lumOff val="60000"/>
+                      </a:schemeClr>
+                    </a:solidFill>
+                  </a:tcPr>
+                </a:tc>
+                <a:tc>
+                  <a:txBody>
+                    <a:bodyPr/>
+                    <a:lstStyle/>
+                    <a:p>
+                      <a:endParaRPr lang="en-HK" dirty="0"/>
+                    </a:p>
+                  </a:txBody>
+                  <a:tcPr>
+                    <a:lnT w="12700" cap="flat" cmpd="sng" algn="ctr">
+                      <a:solidFill>
+                        <a:srgbClr val="FF0000"/>
+                      </a:solidFill>
+                      <a:prstDash val="solid"/>
+                      <a:round/>
+                      <a:headEnd type="none" w="med" len="med"/>
+                      <a:tailEnd type="none" w="med" len="med"/>
+                    </a:lnT>
+                    <a:lnB w="12700" cap="flat" cmpd="sng" algn="ctr">
+                      <a:solidFill>
+                        <a:srgbClr val="FF0000"/>
+                      </a:solidFill>
+                      <a:prstDash val="solid"/>
+                      <a:round/>
+                      <a:headEnd type="none" w="med" len="med"/>
+                      <a:tailEnd type="none" w="med" len="med"/>
+                    </a:lnB>
+                    <a:solidFill>
+                      <a:schemeClr val="accent2">
+                        <a:lumMod val="40000"/>
+                        <a:lumOff val="60000"/>
+                      </a:schemeClr>
+                    </a:solidFill>
+                  </a:tcPr>
+                </a:tc>
+                <a:tc>
+                  <a:txBody>
+                    <a:bodyPr/>
+                    <a:lstStyle/>
+                    <a:p>
+                      <a:endParaRPr lang="en-HK" dirty="0"/>
+                    </a:p>
+                  </a:txBody>
+                  <a:tcPr>
+                    <a:lnR w="12700" cap="flat" cmpd="sng" algn="ctr">
+                      <a:solidFill>
+                        <a:srgbClr val="FF0000"/>
+                      </a:solidFill>
+                      <a:prstDash val="solid"/>
+                      <a:round/>
+                      <a:headEnd type="none" w="med" len="med"/>
+                      <a:tailEnd type="none" w="med" len="med"/>
+                    </a:lnR>
+                    <a:lnT w="12700" cap="flat" cmpd="sng" algn="ctr">
+                      <a:solidFill>
+                        <a:srgbClr val="FF0000"/>
+                      </a:solidFill>
+                      <a:prstDash val="solid"/>
+                      <a:round/>
+                      <a:headEnd type="none" w="med" len="med"/>
+                      <a:tailEnd type="none" w="med" len="med"/>
+                    </a:lnT>
+                    <a:lnB w="12700" cap="flat" cmpd="sng" algn="ctr">
+                      <a:solidFill>
+                        <a:srgbClr val="FF0000"/>
+                      </a:solidFill>
+                      <a:prstDash val="solid"/>
+                      <a:round/>
+                      <a:headEnd type="none" w="med" len="med"/>
+                      <a:tailEnd type="none" w="med" len="med"/>
+                    </a:lnB>
+                    <a:solidFill>
+                      <a:schemeClr val="accent1">
+                        <a:lumMod val="40000"/>
+                        <a:lumOff val="60000"/>
+                      </a:schemeClr>
+                    </a:solidFill>
+                  </a:tcPr>
+                </a:tc>
+                <a:tc>
+                  <a:txBody>
+                    <a:bodyPr/>
+                    <a:lstStyle/>
+                    <a:p>
+                      <a:endParaRPr lang="en-HK" dirty="0"/>
+                    </a:p>
+                  </a:txBody>
+                  <a:tcPr>
+                    <a:lnL w="12700" cap="flat" cmpd="sng" algn="ctr">
+                      <a:solidFill>
+                        <a:srgbClr val="FF0000"/>
+                      </a:solidFill>
+                      <a:prstDash val="solid"/>
+                      <a:round/>
+                      <a:headEnd type="none" w="med" len="med"/>
+                      <a:tailEnd type="none" w="med" len="med"/>
+                    </a:lnL>
+                    <a:lnT w="12700" cap="flat" cmpd="sng" algn="ctr">
+                      <a:solidFill>
+                        <a:srgbClr val="FF0000"/>
+                      </a:solidFill>
+                      <a:prstDash val="solid"/>
+                      <a:round/>
+                      <a:headEnd type="none" w="med" len="med"/>
+                      <a:tailEnd type="none" w="med" len="med"/>
+                    </a:lnT>
+                    <a:lnB w="12700" cap="flat" cmpd="sng" algn="ctr">
+                      <a:solidFill>
+                        <a:srgbClr val="FF0000"/>
+                      </a:solidFill>
+                      <a:prstDash val="solid"/>
+                      <a:round/>
+                      <a:headEnd type="none" w="med" len="med"/>
+                      <a:tailEnd type="none" w="med" len="med"/>
+                    </a:lnB>
+                    <a:solidFill>
+                      <a:schemeClr val="accent2">
+                        <a:lumMod val="40000"/>
+                        <a:lumOff val="60000"/>
+                      </a:schemeClr>
+                    </a:solidFill>
+                  </a:tcPr>
+                </a:tc>
+                <a:tc>
+                  <a:txBody>
+                    <a:bodyPr/>
+                    <a:lstStyle/>
+                    <a:p>
+                      <a:endParaRPr lang="en-HK" dirty="0"/>
+                    </a:p>
+                  </a:txBody>
+                  <a:tcPr>
+                    <a:lnT w="12700" cap="flat" cmpd="sng" algn="ctr">
+                      <a:solidFill>
+                        <a:srgbClr val="FF0000"/>
+                      </a:solidFill>
+                      <a:prstDash val="solid"/>
+                      <a:round/>
+                      <a:headEnd type="none" w="med" len="med"/>
+                      <a:tailEnd type="none" w="med" len="med"/>
+                    </a:lnT>
+                    <a:lnB w="12700" cap="flat" cmpd="sng" algn="ctr">
+                      <a:solidFill>
+                        <a:srgbClr val="FF0000"/>
+                      </a:solidFill>
+                      <a:prstDash val="solid"/>
+                      <a:round/>
+                      <a:headEnd type="none" w="med" len="med"/>
+                      <a:tailEnd type="none" w="med" len="med"/>
+                    </a:lnB>
+                    <a:solidFill>
+                      <a:schemeClr val="accent2">
+                        <a:lumMod val="40000"/>
+                        <a:lumOff val="60000"/>
+                      </a:schemeClr>
+                    </a:solidFill>
+                  </a:tcPr>
+                </a:tc>
+                <a:tc>
+                  <a:txBody>
+                    <a:bodyPr/>
+                    <a:lstStyle/>
+                    <a:p>
+                      <a:endParaRPr lang="en-HK" dirty="0"/>
+                    </a:p>
+                  </a:txBody>
+                  <a:tcPr>
+                    <a:lnT w="12700" cap="flat" cmpd="sng" algn="ctr">
+                      <a:solidFill>
+                        <a:srgbClr val="FF0000"/>
+                      </a:solidFill>
+                      <a:prstDash val="solid"/>
+                      <a:round/>
+                      <a:headEnd type="none" w="med" len="med"/>
+                      <a:tailEnd type="none" w="med" len="med"/>
+                    </a:lnT>
+                    <a:lnB w="12700" cap="flat" cmpd="sng" algn="ctr">
+                      <a:solidFill>
+                        <a:srgbClr val="FF0000"/>
+                      </a:solidFill>
+                      <a:prstDash val="solid"/>
+                      <a:round/>
+                      <a:headEnd type="none" w="med" len="med"/>
+                      <a:tailEnd type="none" w="med" len="med"/>
+                    </a:lnB>
+                    <a:solidFill>
+                      <a:schemeClr val="accent2">
+                        <a:lumMod val="40000"/>
+                        <a:lumOff val="60000"/>
+                      </a:schemeClr>
+                    </a:solidFill>
+                  </a:tcPr>
+                </a:tc>
+                <a:tc>
+                  <a:txBody>
+                    <a:bodyPr/>
+                    <a:lstStyle/>
+                    <a:p>
+                      <a:endParaRPr lang="en-HK" dirty="0"/>
+                    </a:p>
+                  </a:txBody>
+                  <a:tcPr>
+                    <a:lnR w="12700" cap="flat" cmpd="sng" algn="ctr">
+                      <a:solidFill>
+                        <a:srgbClr val="FF0000"/>
+                      </a:solidFill>
+                      <a:prstDash val="solid"/>
+                      <a:round/>
+                      <a:headEnd type="none" w="med" len="med"/>
+                      <a:tailEnd type="none" w="med" len="med"/>
+                    </a:lnR>
+                    <a:lnT w="12700" cap="flat" cmpd="sng" algn="ctr">
+                      <a:solidFill>
+                        <a:srgbClr val="FF0000"/>
+                      </a:solidFill>
+                      <a:prstDash val="solid"/>
+                      <a:round/>
+                      <a:headEnd type="none" w="med" len="med"/>
+                      <a:tailEnd type="none" w="med" len="med"/>
+                    </a:lnT>
+                    <a:lnB w="12700" cap="flat" cmpd="sng" algn="ctr">
+                      <a:solidFill>
+                        <a:srgbClr val="FF0000"/>
+                      </a:solidFill>
+                      <a:prstDash val="solid"/>
+                      <a:round/>
+                      <a:headEnd type="none" w="med" len="med"/>
+                      <a:tailEnd type="none" w="med" len="med"/>
+                    </a:lnB>
+                    <a:solidFill>
+                      <a:schemeClr val="accent1">
+                        <a:lumMod val="40000"/>
+                        <a:lumOff val="60000"/>
+                      </a:schemeClr>
+                    </a:solidFill>
+                  </a:tcPr>
+                </a:tc>
+                <a:tc>
+                  <a:txBody>
+                    <a:bodyPr/>
+                    <a:lstStyle/>
+                    <a:p>
+                      <a:endParaRPr lang="en-HK" dirty="0"/>
+                    </a:p>
+                  </a:txBody>
+                  <a:tcPr>
+                    <a:lnL w="12700" cap="flat" cmpd="sng" algn="ctr">
+                      <a:solidFill>
+                        <a:srgbClr val="FF0000"/>
+                      </a:solidFill>
+                      <a:prstDash val="solid"/>
+                      <a:round/>
+                      <a:headEnd type="none" w="med" len="med"/>
+                      <a:tailEnd type="none" w="med" len="med"/>
+                    </a:lnL>
+                    <a:lnT w="12700" cap="flat" cmpd="sng" algn="ctr">
+                      <a:solidFill>
+                        <a:srgbClr val="FF0000"/>
+                      </a:solidFill>
+                      <a:prstDash val="solid"/>
+                      <a:round/>
+                      <a:headEnd type="none" w="med" len="med"/>
+                      <a:tailEnd type="none" w="med" len="med"/>
+                    </a:lnT>
+                    <a:lnB w="12700" cap="flat" cmpd="sng" algn="ctr">
+                      <a:solidFill>
+                        <a:srgbClr val="FF0000"/>
+                      </a:solidFill>
+                      <a:prstDash val="solid"/>
+                      <a:round/>
+                      <a:headEnd type="none" w="med" len="med"/>
+                      <a:tailEnd type="none" w="med" len="med"/>
+                    </a:lnB>
+                    <a:solidFill>
+                      <a:schemeClr val="accent2">
+                        <a:lumMod val="40000"/>
+                        <a:lumOff val="60000"/>
+                      </a:schemeClr>
+                    </a:solidFill>
+                  </a:tcPr>
+                </a:tc>
+                <a:tc>
+                  <a:txBody>
+                    <a:bodyPr/>
+                    <a:lstStyle/>
+                    <a:p>
+                      <a:endParaRPr lang="en-HK" dirty="0"/>
+                    </a:p>
+                  </a:txBody>
+                  <a:tcPr>
+                    <a:lnT w="12700" cap="flat" cmpd="sng" algn="ctr">
+                      <a:solidFill>
+                        <a:srgbClr val="FF0000"/>
+                      </a:solidFill>
+                      <a:prstDash val="solid"/>
+                      <a:round/>
+                      <a:headEnd type="none" w="med" len="med"/>
+                      <a:tailEnd type="none" w="med" len="med"/>
+                    </a:lnT>
+                    <a:lnB w="12700" cap="flat" cmpd="sng" algn="ctr">
+                      <a:solidFill>
+                        <a:srgbClr val="FF0000"/>
+                      </a:solidFill>
+                      <a:prstDash val="solid"/>
+                      <a:round/>
+                      <a:headEnd type="none" w="med" len="med"/>
+                      <a:tailEnd type="none" w="med" len="med"/>
+                    </a:lnB>
+                    <a:solidFill>
+                      <a:schemeClr val="accent2">
+                        <a:lumMod val="40000"/>
+                        <a:lumOff val="60000"/>
+                      </a:schemeClr>
+                    </a:solidFill>
+                  </a:tcPr>
+                </a:tc>
+                <a:tc>
+                  <a:txBody>
+                    <a:bodyPr/>
+                    <a:lstStyle/>
+                    <a:p>
+                      <a:endParaRPr lang="en-HK" dirty="0"/>
+                    </a:p>
+                  </a:txBody>
+                  <a:tcPr>
+                    <a:lnT w="12700" cap="flat" cmpd="sng" algn="ctr">
+                      <a:solidFill>
+                        <a:srgbClr val="FF0000"/>
+                      </a:solidFill>
+                      <a:prstDash val="solid"/>
+                      <a:round/>
+                      <a:headEnd type="none" w="med" len="med"/>
+                      <a:tailEnd type="none" w="med" len="med"/>
+                    </a:lnT>
+                    <a:lnB w="12700" cap="flat" cmpd="sng" algn="ctr">
+                      <a:solidFill>
+                        <a:srgbClr val="FF0000"/>
+                      </a:solidFill>
+                      <a:prstDash val="solid"/>
+                      <a:round/>
+                      <a:headEnd type="none" w="med" len="med"/>
+                      <a:tailEnd type="none" w="med" len="med"/>
+                    </a:lnB>
+                    <a:solidFill>
+                      <a:schemeClr val="accent2">
+                        <a:lumMod val="40000"/>
+                        <a:lumOff val="60000"/>
+                      </a:schemeClr>
+                    </a:solidFill>
+                  </a:tcPr>
+                </a:tc>
+                <a:tc>
+                  <a:txBody>
+                    <a:bodyPr/>
+                    <a:lstStyle/>
+                    <a:p>
+                      <a:endParaRPr lang="en-HK" dirty="0"/>
+                    </a:p>
+                  </a:txBody>
+                  <a:tcPr>
+                    <a:lnR w="12700" cap="flat" cmpd="sng" algn="ctr">
+                      <a:solidFill>
+                        <a:srgbClr val="FF0000"/>
+                      </a:solidFill>
+                      <a:prstDash val="solid"/>
+                      <a:round/>
+                      <a:headEnd type="none" w="med" len="med"/>
+                      <a:tailEnd type="none" w="med" len="med"/>
+                    </a:lnR>
+                    <a:lnT w="12700" cap="flat" cmpd="sng" algn="ctr">
+                      <a:solidFill>
+                        <a:srgbClr val="FF0000"/>
+                      </a:solidFill>
+                      <a:prstDash val="solid"/>
+                      <a:round/>
+                      <a:headEnd type="none" w="med" len="med"/>
+                      <a:tailEnd type="none" w="med" len="med"/>
+                    </a:lnT>
+                    <a:lnB w="12700" cap="flat" cmpd="sng" algn="ctr">
+                      <a:solidFill>
+                        <a:srgbClr val="FF0000"/>
+                      </a:solidFill>
+                      <a:prstDash val="solid"/>
+                      <a:round/>
+                      <a:headEnd type="none" w="med" len="med"/>
+                      <a:tailEnd type="none" w="med" len="med"/>
+                    </a:lnB>
+                    <a:solidFill>
+                      <a:schemeClr val="accent1">
+                        <a:lumMod val="40000"/>
+                        <a:lumOff val="60000"/>
+                      </a:schemeClr>
+                    </a:solidFill>
+                  </a:tcPr>
+                </a:tc>
+                <a:tc>
+                  <a:txBody>
+                    <a:bodyPr/>
+                    <a:lstStyle/>
+                    <a:p>
+                      <a:endParaRPr lang="en-HK" dirty="0"/>
+                    </a:p>
+                  </a:txBody>
+                  <a:tcPr>
+                    <a:lnL w="12700" cap="flat" cmpd="sng" algn="ctr">
+                      <a:solidFill>
+                        <a:srgbClr val="FF0000"/>
+                      </a:solidFill>
+                      <a:prstDash val="solid"/>
+                      <a:round/>
+                      <a:headEnd type="none" w="med" len="med"/>
+                      <a:tailEnd type="none" w="med" len="med"/>
+                    </a:lnL>
+                    <a:lnT w="12700" cap="flat" cmpd="sng" algn="ctr">
+                      <a:solidFill>
+                        <a:srgbClr val="FF0000"/>
+                      </a:solidFill>
+                      <a:prstDash val="solid"/>
+                      <a:round/>
+                      <a:headEnd type="none" w="med" len="med"/>
+                      <a:tailEnd type="none" w="med" len="med"/>
+                    </a:lnT>
+                    <a:lnB w="12700" cap="flat" cmpd="sng" algn="ctr">
+                      <a:solidFill>
+                        <a:srgbClr val="FF0000"/>
+                      </a:solidFill>
+                      <a:prstDash val="solid"/>
+                      <a:round/>
+                      <a:headEnd type="none" w="med" len="med"/>
+                      <a:tailEnd type="none" w="med" len="med"/>
+                    </a:lnB>
+                    <a:solidFill>
+                      <a:schemeClr val="accent2">
+                        <a:lumMod val="40000"/>
+                        <a:lumOff val="60000"/>
+                      </a:schemeClr>
+                    </a:solidFill>
+                  </a:tcPr>
+                </a:tc>
+                <a:tc>
+                  <a:txBody>
+                    <a:bodyPr/>
+                    <a:lstStyle/>
+                    <a:p>
+                      <a:endParaRPr lang="en-HK" dirty="0"/>
+                    </a:p>
+                  </a:txBody>
+                  <a:tcPr>
+                    <a:lnT w="12700" cap="flat" cmpd="sng" algn="ctr">
+                      <a:solidFill>
+                        <a:srgbClr val="FF0000"/>
+                      </a:solidFill>
+                      <a:prstDash val="solid"/>
+                      <a:round/>
+                      <a:headEnd type="none" w="med" len="med"/>
+                      <a:tailEnd type="none" w="med" len="med"/>
+                    </a:lnT>
+                    <a:lnB w="12700" cap="flat" cmpd="sng" algn="ctr">
+                      <a:solidFill>
+                        <a:srgbClr val="FF0000"/>
+                      </a:solidFill>
+                      <a:prstDash val="solid"/>
+                      <a:round/>
+                      <a:headEnd type="none" w="med" len="med"/>
+                      <a:tailEnd type="none" w="med" len="med"/>
+                    </a:lnB>
+                    <a:solidFill>
+                      <a:schemeClr val="accent2">
+                        <a:lumMod val="40000"/>
+                        <a:lumOff val="60000"/>
+                      </a:schemeClr>
+                    </a:solidFill>
+                  </a:tcPr>
+                </a:tc>
+                <a:tc>
+                  <a:txBody>
+                    <a:bodyPr/>
+                    <a:lstStyle/>
+                    <a:p>
+                      <a:endParaRPr lang="en-HK" dirty="0"/>
+                    </a:p>
+                  </a:txBody>
+                  <a:tcPr>
+                    <a:lnT w="12700" cap="flat" cmpd="sng" algn="ctr">
+                      <a:solidFill>
+                        <a:srgbClr val="FF0000"/>
+                      </a:solidFill>
+                      <a:prstDash val="solid"/>
+                      <a:round/>
+                      <a:headEnd type="none" w="med" len="med"/>
+                      <a:tailEnd type="none" w="med" len="med"/>
+                    </a:lnT>
+                    <a:lnB w="12700" cap="flat" cmpd="sng" algn="ctr">
+                      <a:solidFill>
+                        <a:srgbClr val="FF0000"/>
+                      </a:solidFill>
+                      <a:prstDash val="solid"/>
+                      <a:round/>
+                      <a:headEnd type="none" w="med" len="med"/>
+                      <a:tailEnd type="none" w="med" len="med"/>
+                    </a:lnB>
+                    <a:solidFill>
+                      <a:schemeClr val="accent2">
+                        <a:lumMod val="40000"/>
+                        <a:lumOff val="60000"/>
+                      </a:schemeClr>
+                    </a:solidFill>
+                  </a:tcPr>
+                </a:tc>
+                <a:tc>
+                  <a:txBody>
+                    <a:bodyPr/>
+                    <a:lstStyle/>
+                    <a:p>
+                      <a:endParaRPr lang="en-HK" dirty="0"/>
+                    </a:p>
+                  </a:txBody>
+                  <a:tcPr>
+                    <a:lnR w="12700" cap="flat" cmpd="sng" algn="ctr">
+                      <a:solidFill>
+                        <a:srgbClr val="FF0000"/>
+                      </a:solidFill>
+                      <a:prstDash val="solid"/>
+                      <a:round/>
+                      <a:headEnd type="none" w="med" len="med"/>
+                      <a:tailEnd type="none" w="med" len="med"/>
+                    </a:lnR>
+                    <a:lnT w="12700" cap="flat" cmpd="sng" algn="ctr">
+                      <a:solidFill>
+                        <a:srgbClr val="FF0000"/>
+                      </a:solidFill>
+                      <a:prstDash val="solid"/>
+                      <a:round/>
+                      <a:headEnd type="none" w="med" len="med"/>
+                      <a:tailEnd type="none" w="med" len="med"/>
+                    </a:lnT>
+                    <a:lnB w="12700" cap="flat" cmpd="sng" algn="ctr">
+                      <a:solidFill>
+                        <a:srgbClr val="FF0000"/>
+                      </a:solidFill>
+                      <a:prstDash val="solid"/>
+                      <a:round/>
+                      <a:headEnd type="none" w="med" len="med"/>
+                      <a:tailEnd type="none" w="med" len="med"/>
+                    </a:lnB>
+                    <a:solidFill>
+                      <a:schemeClr val="accent1">
+                        <a:lumMod val="40000"/>
+                        <a:lumOff val="60000"/>
+                      </a:schemeClr>
+                    </a:solidFill>
+                  </a:tcPr>
+                </a:tc>
+                <a:tc>
+                  <a:txBody>
+                    <a:bodyPr/>
+                    <a:lstStyle/>
+                    <a:p>
+                      <a:endParaRPr lang="en-HK" dirty="0"/>
+                    </a:p>
+                  </a:txBody>
+                  <a:tcPr>
+                    <a:lnL w="12700" cap="flat" cmpd="sng" algn="ctr">
+                      <a:solidFill>
+                        <a:srgbClr val="FF0000"/>
+                      </a:solidFill>
+                      <a:prstDash val="solid"/>
+                      <a:round/>
+                      <a:headEnd type="none" w="med" len="med"/>
+                      <a:tailEnd type="none" w="med" len="med"/>
+                    </a:lnL>
+                    <a:lnT w="12700" cap="flat" cmpd="sng" algn="ctr">
+                      <a:solidFill>
+                        <a:srgbClr val="FF0000"/>
+                      </a:solidFill>
+                      <a:prstDash val="solid"/>
+                      <a:round/>
+                      <a:headEnd type="none" w="med" len="med"/>
+                      <a:tailEnd type="none" w="med" len="med"/>
+                    </a:lnT>
+                    <a:lnB w="12700" cap="flat" cmpd="sng" algn="ctr">
+                      <a:solidFill>
+                        <a:srgbClr val="FF0000"/>
+                      </a:solidFill>
+                      <a:prstDash val="solid"/>
+                      <a:round/>
+                      <a:headEnd type="none" w="med" len="med"/>
+                      <a:tailEnd type="none" w="med" len="med"/>
+                    </a:lnB>
+                    <a:solidFill>
+                      <a:schemeClr val="accent2">
+                        <a:lumMod val="40000"/>
+                        <a:lumOff val="60000"/>
+                      </a:schemeClr>
+                    </a:solidFill>
+                  </a:tcPr>
+                </a:tc>
+                <a:tc>
+                  <a:txBody>
+                    <a:bodyPr/>
+                    <a:lstStyle/>
+                    <a:p>
+                      <a:endParaRPr lang="en-HK" dirty="0"/>
+                    </a:p>
+                  </a:txBody>
+                  <a:tcPr>
+                    <a:lnT w="12700" cap="flat" cmpd="sng" algn="ctr">
+                      <a:solidFill>
+                        <a:srgbClr val="FF0000"/>
+                      </a:solidFill>
+                      <a:prstDash val="solid"/>
+                      <a:round/>
+                      <a:headEnd type="none" w="med" len="med"/>
+                      <a:tailEnd type="none" w="med" len="med"/>
+                    </a:lnT>
+                    <a:lnB w="12700" cap="flat" cmpd="sng" algn="ctr">
+                      <a:solidFill>
+                        <a:srgbClr val="FF0000"/>
+                      </a:solidFill>
+                      <a:prstDash val="solid"/>
+                      <a:round/>
+                      <a:headEnd type="none" w="med" len="med"/>
+                      <a:tailEnd type="none" w="med" len="med"/>
+                    </a:lnB>
+                    <a:solidFill>
+                      <a:schemeClr val="accent2">
+                        <a:lumMod val="40000"/>
+                        <a:lumOff val="60000"/>
+                      </a:schemeClr>
+                    </a:solidFill>
+                  </a:tcPr>
+                </a:tc>
+                <a:tc>
+                  <a:txBody>
+                    <a:bodyPr/>
+                    <a:lstStyle/>
+                    <a:p>
+                      <a:endParaRPr lang="en-HK" dirty="0"/>
+                    </a:p>
+                  </a:txBody>
+                  <a:tcPr>
+                    <a:lnR w="12700" cap="flat" cmpd="sng" algn="ctr">
+                      <a:solidFill>
+                        <a:srgbClr val="FF0000"/>
+                      </a:solidFill>
+                      <a:prstDash val="solid"/>
+                      <a:round/>
+                      <a:headEnd type="none" w="med" len="med"/>
+                      <a:tailEnd type="none" w="med" len="med"/>
+                    </a:lnR>
+                    <a:lnT w="12700" cap="flat" cmpd="sng" algn="ctr">
+                      <a:solidFill>
+                        <a:srgbClr val="FF0000"/>
+                      </a:solidFill>
+                      <a:prstDash val="solid"/>
+                      <a:round/>
+                      <a:headEnd type="none" w="med" len="med"/>
+                      <a:tailEnd type="none" w="med" len="med"/>
+                    </a:lnT>
+                    <a:lnB w="12700" cap="flat" cmpd="sng" algn="ctr">
+                      <a:solidFill>
+                        <a:srgbClr val="FF0000"/>
+                      </a:solidFill>
+                      <a:prstDash val="solid"/>
+                      <a:round/>
+                      <a:headEnd type="none" w="med" len="med"/>
+                      <a:tailEnd type="none" w="med" len="med"/>
+                    </a:lnB>
+                    <a:solidFill>
+                      <a:schemeClr val="accent1">
+                        <a:lumMod val="40000"/>
+                        <a:lumOff val="60000"/>
+                      </a:schemeClr>
+                    </a:solidFill>
+                  </a:tcPr>
+                </a:tc>
+                <a:tc>
+                  <a:txBody>
+                    <a:bodyPr/>
+                    <a:lstStyle/>
+                    <a:p>
+                      <a:endParaRPr lang="en-HK" dirty="0"/>
+                    </a:p>
+                  </a:txBody>
+                  <a:tcPr>
+                    <a:lnL w="12700" cap="flat" cmpd="sng" algn="ctr">
+                      <a:solidFill>
+                        <a:srgbClr val="FF0000"/>
+                      </a:solidFill>
+                      <a:prstDash val="solid"/>
+                      <a:round/>
+                      <a:headEnd type="none" w="med" len="med"/>
+                      <a:tailEnd type="none" w="med" len="med"/>
+                    </a:lnL>
+                    <a:lnT w="12700" cap="flat" cmpd="sng" algn="ctr">
+                      <a:solidFill>
+                        <a:srgbClr val="FF0000"/>
+                      </a:solidFill>
+                      <a:prstDash val="solid"/>
+                      <a:round/>
+                      <a:headEnd type="none" w="med" len="med"/>
+                      <a:tailEnd type="none" w="med" len="med"/>
+                    </a:lnT>
+                    <a:lnB w="12700" cap="flat" cmpd="sng" algn="ctr">
+                      <a:solidFill>
+                        <a:srgbClr val="FF0000"/>
+                      </a:solidFill>
+                      <a:prstDash val="solid"/>
+                      <a:round/>
+                      <a:headEnd type="none" w="med" len="med"/>
+                      <a:tailEnd type="none" w="med" len="med"/>
+                    </a:lnB>
+                    <a:solidFill>
+                      <a:schemeClr val="accent2">
+                        <a:lumMod val="40000"/>
+                        <a:lumOff val="60000"/>
+                      </a:schemeClr>
+                    </a:solidFill>
+                  </a:tcPr>
+                </a:tc>
+                <a:tc>
+                  <a:txBody>
+                    <a:bodyPr/>
+                    <a:lstStyle/>
+                    <a:p>
+                      <a:endParaRPr lang="en-HK" dirty="0"/>
+                    </a:p>
+                  </a:txBody>
+                  <a:tcPr>
+                    <a:lnR w="12700" cap="flat" cmpd="sng" algn="ctr">
+                      <a:solidFill>
+                        <a:srgbClr val="FF0000"/>
+                      </a:solidFill>
+                      <a:prstDash val="solid"/>
+                      <a:round/>
+                      <a:headEnd type="none" w="med" len="med"/>
+                      <a:tailEnd type="none" w="med" len="med"/>
+                    </a:lnR>
+                    <a:lnT w="12700" cap="flat" cmpd="sng" algn="ctr">
+                      <a:solidFill>
+                        <a:srgbClr val="FF0000"/>
+                      </a:solidFill>
+                      <a:prstDash val="solid"/>
+                      <a:round/>
+                      <a:headEnd type="none" w="med" len="med"/>
+                      <a:tailEnd type="none" w="med" len="med"/>
+                    </a:lnT>
+                    <a:lnB w="12700" cap="flat" cmpd="sng" algn="ctr">
+                      <a:solidFill>
+                        <a:srgbClr val="FF0000"/>
+                      </a:solidFill>
+                      <a:prstDash val="solid"/>
+                      <a:round/>
+                      <a:headEnd type="none" w="med" len="med"/>
+                      <a:tailEnd type="none" w="med" len="med"/>
+                    </a:lnB>
+                    <a:solidFill>
+                      <a:schemeClr val="accent1">
+                        <a:lumMod val="40000"/>
+                        <a:lumOff val="60000"/>
+                      </a:schemeClr>
+                    </a:solidFill>
+                  </a:tcPr>
+                </a:tc>
+                <a:extLst>
+                  <a:ext uri="{0D108BD9-81ED-4DB2-BD59-A6C34878D82A}">
+                    <a16:rowId xmlns:a16="http://schemas.microsoft.com/office/drawing/2014/main" val="2601047344"/>
+                  </a:ext>
+                </a:extLst>
+              </a:tr>
+            </a:tbl>
+          </a:graphicData>
+        </a:graphic>
+      </p:graphicFrame>
+    </p:spTree>
+    <p:extLst>
+      <p:ext uri="{BB962C8B-B14F-4D97-AF65-F5344CB8AC3E}">
+        <p14:creationId xmlns:p14="http://schemas.microsoft.com/office/powerpoint/2010/main" val="436674175"/>
+      </p:ext>
+    </p:extLst>
+  </p:cSld>
+  <p:clrMapOvr>
+    <a:masterClrMapping/>
+  </p:clrMapOvr>
+</p:sld>
+</file>
+
+<file path=ppt/slides/slide11.xml><?xml version="1.0" encoding="utf-8"?>
 <p:sld xmlns:a="http://schemas.openxmlformats.org/drawingml/2006/main" xmlns:r="http://schemas.openxmlformats.org/officeDocument/2006/relationships" xmlns:p="http://schemas.openxmlformats.org/presentationml/2006/main">
   <p:cSld>
     <p:spTree>
@@ -4819,7 +6870,7 @@
 </p:sld>
 </file>
 
-<file path=ppt/slides/slide11.xml><?xml version="1.0" encoding="utf-8"?>
+<file path=ppt/slides/slide12.xml><?xml version="1.0" encoding="utf-8"?>
 <p:sld xmlns:a="http://schemas.openxmlformats.org/drawingml/2006/main" xmlns:r="http://schemas.openxmlformats.org/officeDocument/2006/relationships" xmlns:p="http://schemas.openxmlformats.org/presentationml/2006/main">
   <p:cSld>
     <p:spTree>
@@ -8608,6 +10659,2927 @@
       </p:grpSpPr>
       <p:graphicFrame>
         <p:nvGraphicFramePr>
+          <p:cNvPr id="4" name="Table 4">
+            <a:extLst>
+              <a:ext uri="{FF2B5EF4-FFF2-40B4-BE49-F238E27FC236}">
+                <a16:creationId xmlns:a16="http://schemas.microsoft.com/office/drawing/2014/main" id="{007631A5-5B7F-0A8F-E80D-96BA09779B51}"/>
+              </a:ext>
+            </a:extLst>
+          </p:cNvPr>
+          <p:cNvGraphicFramePr>
+            <a:graphicFrameLocks noGrp="1"/>
+          </p:cNvGraphicFramePr>
+          <p:nvPr>
+            <p:extLst>
+              <p:ext uri="{D42A27DB-BD31-4B8C-83A1-F6EECF244321}">
+                <p14:modId xmlns:p14="http://schemas.microsoft.com/office/powerpoint/2010/main" val="1249743717"/>
+              </p:ext>
+            </p:extLst>
+          </p:nvPr>
+        </p:nvGraphicFramePr>
+        <p:xfrm>
+          <a:off x="677653" y="659448"/>
+          <a:ext cx="4230780" cy="370840"/>
+        </p:xfrm>
+        <a:graphic>
+          <a:graphicData uri="http://schemas.openxmlformats.org/drawingml/2006/table">
+            <a:tbl>
+              <a:tblPr firstRow="1" bandRow="1">
+                <a:tableStyleId>{5C22544A-7EE6-4342-B048-85BDC9FD1C3A}</a:tableStyleId>
+              </a:tblPr>
+              <a:tblGrid>
+                <a:gridCol w="423078">
+                  <a:extLst>
+                    <a:ext uri="{9D8B030D-6E8A-4147-A177-3AD203B41FA5}">
+                      <a16:colId xmlns:a16="http://schemas.microsoft.com/office/drawing/2014/main" val="1958716807"/>
+                    </a:ext>
+                  </a:extLst>
+                </a:gridCol>
+                <a:gridCol w="423078">
+                  <a:extLst>
+                    <a:ext uri="{9D8B030D-6E8A-4147-A177-3AD203B41FA5}">
+                      <a16:colId xmlns:a16="http://schemas.microsoft.com/office/drawing/2014/main" val="2177103222"/>
+                    </a:ext>
+                  </a:extLst>
+                </a:gridCol>
+                <a:gridCol w="423078">
+                  <a:extLst>
+                    <a:ext uri="{9D8B030D-6E8A-4147-A177-3AD203B41FA5}">
+                      <a16:colId xmlns:a16="http://schemas.microsoft.com/office/drawing/2014/main" val="3409141404"/>
+                    </a:ext>
+                  </a:extLst>
+                </a:gridCol>
+                <a:gridCol w="423078">
+                  <a:extLst>
+                    <a:ext uri="{9D8B030D-6E8A-4147-A177-3AD203B41FA5}">
+                      <a16:colId xmlns:a16="http://schemas.microsoft.com/office/drawing/2014/main" val="217707470"/>
+                    </a:ext>
+                  </a:extLst>
+                </a:gridCol>
+                <a:gridCol w="423078">
+                  <a:extLst>
+                    <a:ext uri="{9D8B030D-6E8A-4147-A177-3AD203B41FA5}">
+                      <a16:colId xmlns:a16="http://schemas.microsoft.com/office/drawing/2014/main" val="770379941"/>
+                    </a:ext>
+                  </a:extLst>
+                </a:gridCol>
+                <a:gridCol w="423078">
+                  <a:extLst>
+                    <a:ext uri="{9D8B030D-6E8A-4147-A177-3AD203B41FA5}">
+                      <a16:colId xmlns:a16="http://schemas.microsoft.com/office/drawing/2014/main" val="4085467491"/>
+                    </a:ext>
+                  </a:extLst>
+                </a:gridCol>
+                <a:gridCol w="423078">
+                  <a:extLst>
+                    <a:ext uri="{9D8B030D-6E8A-4147-A177-3AD203B41FA5}">
+                      <a16:colId xmlns:a16="http://schemas.microsoft.com/office/drawing/2014/main" val="2183018877"/>
+                    </a:ext>
+                  </a:extLst>
+                </a:gridCol>
+                <a:gridCol w="423078">
+                  <a:extLst>
+                    <a:ext uri="{9D8B030D-6E8A-4147-A177-3AD203B41FA5}">
+                      <a16:colId xmlns:a16="http://schemas.microsoft.com/office/drawing/2014/main" val="3957069584"/>
+                    </a:ext>
+                  </a:extLst>
+                </a:gridCol>
+                <a:gridCol w="423078">
+                  <a:extLst>
+                    <a:ext uri="{9D8B030D-6E8A-4147-A177-3AD203B41FA5}">
+                      <a16:colId xmlns:a16="http://schemas.microsoft.com/office/drawing/2014/main" val="3244291510"/>
+                    </a:ext>
+                  </a:extLst>
+                </a:gridCol>
+                <a:gridCol w="423078">
+                  <a:extLst>
+                    <a:ext uri="{9D8B030D-6E8A-4147-A177-3AD203B41FA5}">
+                      <a16:colId xmlns:a16="http://schemas.microsoft.com/office/drawing/2014/main" val="3722398860"/>
+                    </a:ext>
+                  </a:extLst>
+                </a:gridCol>
+              </a:tblGrid>
+              <a:tr h="370840">
+                <a:tc>
+                  <a:txBody>
+                    <a:bodyPr/>
+                    <a:lstStyle/>
+                    <a:p>
+                      <a:pPr algn="ctr"/>
+                      <a:r>
+                        <a:rPr lang="en-HK" dirty="0">
+                          <a:solidFill>
+                            <a:schemeClr val="tx1"/>
+                          </a:solidFill>
+                        </a:rPr>
+                        <a:t>1</a:t>
+                      </a:r>
+                    </a:p>
+                  </a:txBody>
+                  <a:tcPr>
+                    <a:solidFill>
+                      <a:schemeClr val="accent2">
+                        <a:lumMod val="40000"/>
+                        <a:lumOff val="60000"/>
+                      </a:schemeClr>
+                    </a:solidFill>
+                  </a:tcPr>
+                </a:tc>
+                <a:tc>
+                  <a:txBody>
+                    <a:bodyPr/>
+                    <a:lstStyle/>
+                    <a:p>
+                      <a:pPr algn="ctr"/>
+                      <a:r>
+                        <a:rPr lang="en-HK" dirty="0">
+                          <a:solidFill>
+                            <a:schemeClr val="tx1"/>
+                          </a:solidFill>
+                        </a:rPr>
+                        <a:t>2</a:t>
+                      </a:r>
+                    </a:p>
+                  </a:txBody>
+                  <a:tcPr>
+                    <a:solidFill>
+                      <a:schemeClr val="accent2">
+                        <a:lumMod val="40000"/>
+                        <a:lumOff val="60000"/>
+                      </a:schemeClr>
+                    </a:solidFill>
+                  </a:tcPr>
+                </a:tc>
+                <a:tc>
+                  <a:txBody>
+                    <a:bodyPr/>
+                    <a:lstStyle/>
+                    <a:p>
+                      <a:pPr algn="ctr"/>
+                      <a:r>
+                        <a:rPr lang="en-HK" dirty="0">
+                          <a:solidFill>
+                            <a:schemeClr val="tx1"/>
+                          </a:solidFill>
+                        </a:rPr>
+                        <a:t>3</a:t>
+                      </a:r>
+                    </a:p>
+                  </a:txBody>
+                  <a:tcPr>
+                    <a:solidFill>
+                      <a:schemeClr val="accent1">
+                        <a:lumMod val="40000"/>
+                        <a:lumOff val="60000"/>
+                      </a:schemeClr>
+                    </a:solidFill>
+                  </a:tcPr>
+                </a:tc>
+                <a:tc>
+                  <a:txBody>
+                    <a:bodyPr/>
+                    <a:lstStyle/>
+                    <a:p>
+                      <a:pPr algn="ctr"/>
+                      <a:r>
+                        <a:rPr lang="en-HK" dirty="0">
+                          <a:solidFill>
+                            <a:schemeClr val="tx1"/>
+                          </a:solidFill>
+                        </a:rPr>
+                        <a:t>4</a:t>
+                      </a:r>
+                    </a:p>
+                  </a:txBody>
+                  <a:tcPr>
+                    <a:solidFill>
+                      <a:schemeClr val="accent2">
+                        <a:lumMod val="40000"/>
+                        <a:lumOff val="60000"/>
+                      </a:schemeClr>
+                    </a:solidFill>
+                  </a:tcPr>
+                </a:tc>
+                <a:tc>
+                  <a:txBody>
+                    <a:bodyPr/>
+                    <a:lstStyle/>
+                    <a:p>
+                      <a:pPr algn="ctr"/>
+                      <a:r>
+                        <a:rPr lang="en-HK" dirty="0">
+                          <a:solidFill>
+                            <a:schemeClr val="tx1"/>
+                          </a:solidFill>
+                        </a:rPr>
+                        <a:t>5</a:t>
+                      </a:r>
+                    </a:p>
+                  </a:txBody>
+                  <a:tcPr>
+                    <a:solidFill>
+                      <a:schemeClr val="accent1">
+                        <a:lumMod val="40000"/>
+                        <a:lumOff val="60000"/>
+                      </a:schemeClr>
+                    </a:solidFill>
+                  </a:tcPr>
+                </a:tc>
+                <a:tc>
+                  <a:txBody>
+                    <a:bodyPr/>
+                    <a:lstStyle/>
+                    <a:p>
+                      <a:pPr algn="ctr"/>
+                      <a:r>
+                        <a:rPr lang="en-HK" dirty="0">
+                          <a:solidFill>
+                            <a:schemeClr val="tx1"/>
+                          </a:solidFill>
+                        </a:rPr>
+                        <a:t>6</a:t>
+                      </a:r>
+                    </a:p>
+                  </a:txBody>
+                  <a:tcPr>
+                    <a:solidFill>
+                      <a:schemeClr val="accent2">
+                        <a:lumMod val="40000"/>
+                        <a:lumOff val="60000"/>
+                      </a:schemeClr>
+                    </a:solidFill>
+                  </a:tcPr>
+                </a:tc>
+                <a:tc>
+                  <a:txBody>
+                    <a:bodyPr/>
+                    <a:lstStyle/>
+                    <a:p>
+                      <a:pPr algn="ctr"/>
+                      <a:r>
+                        <a:rPr lang="en-HK" dirty="0">
+                          <a:solidFill>
+                            <a:schemeClr val="tx1"/>
+                          </a:solidFill>
+                        </a:rPr>
+                        <a:t>7</a:t>
+                      </a:r>
+                    </a:p>
+                  </a:txBody>
+                  <a:tcPr>
+                    <a:solidFill>
+                      <a:schemeClr val="accent2">
+                        <a:lumMod val="40000"/>
+                        <a:lumOff val="60000"/>
+                      </a:schemeClr>
+                    </a:solidFill>
+                  </a:tcPr>
+                </a:tc>
+                <a:tc>
+                  <a:txBody>
+                    <a:bodyPr/>
+                    <a:lstStyle/>
+                    <a:p>
+                      <a:pPr algn="ctr"/>
+                      <a:r>
+                        <a:rPr lang="en-HK" dirty="0">
+                          <a:solidFill>
+                            <a:schemeClr val="tx1"/>
+                          </a:solidFill>
+                        </a:rPr>
+                        <a:t>8</a:t>
+                      </a:r>
+                    </a:p>
+                  </a:txBody>
+                  <a:tcPr>
+                    <a:solidFill>
+                      <a:schemeClr val="accent2">
+                        <a:lumMod val="40000"/>
+                        <a:lumOff val="60000"/>
+                      </a:schemeClr>
+                    </a:solidFill>
+                  </a:tcPr>
+                </a:tc>
+                <a:tc>
+                  <a:txBody>
+                    <a:bodyPr/>
+                    <a:lstStyle/>
+                    <a:p>
+                      <a:pPr algn="ctr"/>
+                      <a:r>
+                        <a:rPr lang="en-HK" dirty="0">
+                          <a:solidFill>
+                            <a:schemeClr val="tx1"/>
+                          </a:solidFill>
+                        </a:rPr>
+                        <a:t>9</a:t>
+                      </a:r>
+                    </a:p>
+                  </a:txBody>
+                  <a:tcPr>
+                    <a:solidFill>
+                      <a:schemeClr val="accent1">
+                        <a:lumMod val="40000"/>
+                        <a:lumOff val="60000"/>
+                      </a:schemeClr>
+                    </a:solidFill>
+                  </a:tcPr>
+                </a:tc>
+                <a:tc>
+                  <a:txBody>
+                    <a:bodyPr/>
+                    <a:lstStyle/>
+                    <a:p>
+                      <a:pPr algn="ctr"/>
+                      <a:r>
+                        <a:rPr lang="en-HK" dirty="0">
+                          <a:solidFill>
+                            <a:schemeClr val="tx1"/>
+                          </a:solidFill>
+                        </a:rPr>
+                        <a:t>10</a:t>
+                      </a:r>
+                    </a:p>
+                  </a:txBody>
+                  <a:tcPr>
+                    <a:solidFill>
+                      <a:schemeClr val="accent2">
+                        <a:lumMod val="40000"/>
+                        <a:lumOff val="60000"/>
+                      </a:schemeClr>
+                    </a:solidFill>
+                  </a:tcPr>
+                </a:tc>
+                <a:extLst>
+                  <a:ext uri="{0D108BD9-81ED-4DB2-BD59-A6C34878D82A}">
+                    <a16:rowId xmlns:a16="http://schemas.microsoft.com/office/drawing/2014/main" val="2601047344"/>
+                  </a:ext>
+                </a:extLst>
+              </a:tr>
+            </a:tbl>
+          </a:graphicData>
+        </a:graphic>
+      </p:graphicFrame>
+      <p:graphicFrame>
+        <p:nvGraphicFramePr>
+          <p:cNvPr id="5" name="Table 4">
+            <a:extLst>
+              <a:ext uri="{FF2B5EF4-FFF2-40B4-BE49-F238E27FC236}">
+                <a16:creationId xmlns:a16="http://schemas.microsoft.com/office/drawing/2014/main" id="{FAE220C8-F22C-3F85-4AA0-A86CEABEB530}"/>
+              </a:ext>
+            </a:extLst>
+          </p:cNvPr>
+          <p:cNvGraphicFramePr>
+            <a:graphicFrameLocks noGrp="1"/>
+          </p:cNvGraphicFramePr>
+          <p:nvPr>
+            <p:extLst>
+              <p:ext uri="{D42A27DB-BD31-4B8C-83A1-F6EECF244321}">
+                <p14:modId xmlns:p14="http://schemas.microsoft.com/office/powerpoint/2010/main" val="3284694768"/>
+              </p:ext>
+            </p:extLst>
+          </p:nvPr>
+        </p:nvGraphicFramePr>
+        <p:xfrm>
+          <a:off x="6336581" y="659448"/>
+          <a:ext cx="4653473" cy="370840"/>
+        </p:xfrm>
+        <a:graphic>
+          <a:graphicData uri="http://schemas.openxmlformats.org/drawingml/2006/table">
+            <a:tbl>
+              <a:tblPr firstRow="1" bandRow="1">
+                <a:tableStyleId>{5C22544A-7EE6-4342-B048-85BDC9FD1C3A}</a:tableStyleId>
+              </a:tblPr>
+              <a:tblGrid>
+                <a:gridCol w="423043">
+                  <a:extLst>
+                    <a:ext uri="{9D8B030D-6E8A-4147-A177-3AD203B41FA5}">
+                      <a16:colId xmlns:a16="http://schemas.microsoft.com/office/drawing/2014/main" val="1958716807"/>
+                    </a:ext>
+                  </a:extLst>
+                </a:gridCol>
+                <a:gridCol w="423043">
+                  <a:extLst>
+                    <a:ext uri="{9D8B030D-6E8A-4147-A177-3AD203B41FA5}">
+                      <a16:colId xmlns:a16="http://schemas.microsoft.com/office/drawing/2014/main" val="2177103222"/>
+                    </a:ext>
+                  </a:extLst>
+                </a:gridCol>
+                <a:gridCol w="423043">
+                  <a:extLst>
+                    <a:ext uri="{9D8B030D-6E8A-4147-A177-3AD203B41FA5}">
+                      <a16:colId xmlns:a16="http://schemas.microsoft.com/office/drawing/2014/main" val="3409141404"/>
+                    </a:ext>
+                  </a:extLst>
+                </a:gridCol>
+                <a:gridCol w="423043">
+                  <a:extLst>
+                    <a:ext uri="{9D8B030D-6E8A-4147-A177-3AD203B41FA5}">
+                      <a16:colId xmlns:a16="http://schemas.microsoft.com/office/drawing/2014/main" val="217707470"/>
+                    </a:ext>
+                  </a:extLst>
+                </a:gridCol>
+                <a:gridCol w="423043">
+                  <a:extLst>
+                    <a:ext uri="{9D8B030D-6E8A-4147-A177-3AD203B41FA5}">
+                      <a16:colId xmlns:a16="http://schemas.microsoft.com/office/drawing/2014/main" val="770379941"/>
+                    </a:ext>
+                  </a:extLst>
+                </a:gridCol>
+                <a:gridCol w="423043">
+                  <a:extLst>
+                    <a:ext uri="{9D8B030D-6E8A-4147-A177-3AD203B41FA5}">
+                      <a16:colId xmlns:a16="http://schemas.microsoft.com/office/drawing/2014/main" val="4085467491"/>
+                    </a:ext>
+                  </a:extLst>
+                </a:gridCol>
+                <a:gridCol w="423043">
+                  <a:extLst>
+                    <a:ext uri="{9D8B030D-6E8A-4147-A177-3AD203B41FA5}">
+                      <a16:colId xmlns:a16="http://schemas.microsoft.com/office/drawing/2014/main" val="2183018877"/>
+                    </a:ext>
+                  </a:extLst>
+                </a:gridCol>
+                <a:gridCol w="423043">
+                  <a:extLst>
+                    <a:ext uri="{9D8B030D-6E8A-4147-A177-3AD203B41FA5}">
+                      <a16:colId xmlns:a16="http://schemas.microsoft.com/office/drawing/2014/main" val="3957069584"/>
+                    </a:ext>
+                  </a:extLst>
+                </a:gridCol>
+                <a:gridCol w="423043">
+                  <a:extLst>
+                    <a:ext uri="{9D8B030D-6E8A-4147-A177-3AD203B41FA5}">
+                      <a16:colId xmlns:a16="http://schemas.microsoft.com/office/drawing/2014/main" val="3244291510"/>
+                    </a:ext>
+                  </a:extLst>
+                </a:gridCol>
+                <a:gridCol w="423043">
+                  <a:extLst>
+                    <a:ext uri="{9D8B030D-6E8A-4147-A177-3AD203B41FA5}">
+                      <a16:colId xmlns:a16="http://schemas.microsoft.com/office/drawing/2014/main" val="3722398860"/>
+                    </a:ext>
+                  </a:extLst>
+                </a:gridCol>
+                <a:gridCol w="423043">
+                  <a:extLst>
+                    <a:ext uri="{9D8B030D-6E8A-4147-A177-3AD203B41FA5}">
+                      <a16:colId xmlns:a16="http://schemas.microsoft.com/office/drawing/2014/main" val="3031954405"/>
+                    </a:ext>
+                  </a:extLst>
+                </a:gridCol>
+              </a:tblGrid>
+              <a:tr h="370840">
+                <a:tc>
+                  <a:txBody>
+                    <a:bodyPr/>
+                    <a:lstStyle/>
+                    <a:p>
+                      <a:pPr algn="ctr"/>
+                      <a:r>
+                        <a:rPr lang="en-HK" dirty="0">
+                          <a:solidFill>
+                            <a:schemeClr val="tx1"/>
+                          </a:solidFill>
+                        </a:rPr>
+                        <a:t>1</a:t>
+                      </a:r>
+                    </a:p>
+                  </a:txBody>
+                  <a:tcPr>
+                    <a:lnL w="12700" cap="flat" cmpd="sng" algn="ctr">
+                      <a:solidFill>
+                        <a:srgbClr val="FF0000"/>
+                      </a:solidFill>
+                      <a:prstDash val="solid"/>
+                      <a:round/>
+                      <a:headEnd type="none" w="med" len="med"/>
+                      <a:tailEnd type="none" w="med" len="med"/>
+                    </a:lnL>
+                    <a:lnT w="12700" cap="flat" cmpd="sng" algn="ctr">
+                      <a:solidFill>
+                        <a:srgbClr val="FF0000"/>
+                      </a:solidFill>
+                      <a:prstDash val="solid"/>
+                      <a:round/>
+                      <a:headEnd type="none" w="med" len="med"/>
+                      <a:tailEnd type="none" w="med" len="med"/>
+                    </a:lnT>
+                    <a:lnB w="12700" cap="flat" cmpd="sng" algn="ctr">
+                      <a:solidFill>
+                        <a:srgbClr val="FF0000"/>
+                      </a:solidFill>
+                      <a:prstDash val="solid"/>
+                      <a:round/>
+                      <a:headEnd type="none" w="med" len="med"/>
+                      <a:tailEnd type="none" w="med" len="med"/>
+                    </a:lnB>
+                    <a:solidFill>
+                      <a:schemeClr val="accent2">
+                        <a:lumMod val="40000"/>
+                        <a:lumOff val="60000"/>
+                      </a:schemeClr>
+                    </a:solidFill>
+                  </a:tcPr>
+                </a:tc>
+                <a:tc>
+                  <a:txBody>
+                    <a:bodyPr/>
+                    <a:lstStyle/>
+                    <a:p>
+                      <a:pPr algn="ctr"/>
+                      <a:r>
+                        <a:rPr lang="en-HK" dirty="0">
+                          <a:solidFill>
+                            <a:schemeClr val="tx1"/>
+                          </a:solidFill>
+                        </a:rPr>
+                        <a:t>2</a:t>
+                      </a:r>
+                    </a:p>
+                  </a:txBody>
+                  <a:tcPr>
+                    <a:lnT w="12700" cap="flat" cmpd="sng" algn="ctr">
+                      <a:solidFill>
+                        <a:srgbClr val="FF0000"/>
+                      </a:solidFill>
+                      <a:prstDash val="solid"/>
+                      <a:round/>
+                      <a:headEnd type="none" w="med" len="med"/>
+                      <a:tailEnd type="none" w="med" len="med"/>
+                    </a:lnT>
+                    <a:lnB w="12700" cap="flat" cmpd="sng" algn="ctr">
+                      <a:solidFill>
+                        <a:srgbClr val="FF0000"/>
+                      </a:solidFill>
+                      <a:prstDash val="solid"/>
+                      <a:round/>
+                      <a:headEnd type="none" w="med" len="med"/>
+                      <a:tailEnd type="none" w="med" len="med"/>
+                    </a:lnB>
+                    <a:solidFill>
+                      <a:schemeClr val="accent2">
+                        <a:lumMod val="40000"/>
+                        <a:lumOff val="60000"/>
+                      </a:schemeClr>
+                    </a:solidFill>
+                  </a:tcPr>
+                </a:tc>
+                <a:tc>
+                  <a:txBody>
+                    <a:bodyPr/>
+                    <a:lstStyle/>
+                    <a:p>
+                      <a:pPr algn="ctr"/>
+                      <a:r>
+                        <a:rPr lang="en-HK" dirty="0">
+                          <a:solidFill>
+                            <a:schemeClr val="tx1"/>
+                          </a:solidFill>
+                        </a:rPr>
+                        <a:t>3</a:t>
+                      </a:r>
+                    </a:p>
+                  </a:txBody>
+                  <a:tcPr>
+                    <a:lnR w="12700" cap="flat" cmpd="sng" algn="ctr">
+                      <a:solidFill>
+                        <a:srgbClr val="FF0000"/>
+                      </a:solidFill>
+                      <a:prstDash val="solid"/>
+                      <a:round/>
+                      <a:headEnd type="none" w="med" len="med"/>
+                      <a:tailEnd type="none" w="med" len="med"/>
+                    </a:lnR>
+                    <a:lnT w="12700" cap="flat" cmpd="sng" algn="ctr">
+                      <a:solidFill>
+                        <a:srgbClr val="FF0000"/>
+                      </a:solidFill>
+                      <a:prstDash val="solid"/>
+                      <a:round/>
+                      <a:headEnd type="none" w="med" len="med"/>
+                      <a:tailEnd type="none" w="med" len="med"/>
+                    </a:lnT>
+                    <a:lnB w="12700" cap="flat" cmpd="sng" algn="ctr">
+                      <a:solidFill>
+                        <a:srgbClr val="FF0000"/>
+                      </a:solidFill>
+                      <a:prstDash val="solid"/>
+                      <a:round/>
+                      <a:headEnd type="none" w="med" len="med"/>
+                      <a:tailEnd type="none" w="med" len="med"/>
+                    </a:lnB>
+                    <a:solidFill>
+                      <a:schemeClr val="accent2">
+                        <a:lumMod val="40000"/>
+                        <a:lumOff val="60000"/>
+                      </a:schemeClr>
+                    </a:solidFill>
+                  </a:tcPr>
+                </a:tc>
+                <a:tc>
+                  <a:txBody>
+                    <a:bodyPr/>
+                    <a:lstStyle/>
+                    <a:p>
+                      <a:pPr algn="ctr"/>
+                      <a:r>
+                        <a:rPr lang="en-HK" dirty="0">
+                          <a:solidFill>
+                            <a:schemeClr val="tx1"/>
+                          </a:solidFill>
+                        </a:rPr>
+                        <a:t>4</a:t>
+                      </a:r>
+                    </a:p>
+                  </a:txBody>
+                  <a:tcPr>
+                    <a:lnL w="12700" cap="flat" cmpd="sng" algn="ctr">
+                      <a:solidFill>
+                        <a:srgbClr val="FF0000"/>
+                      </a:solidFill>
+                      <a:prstDash val="solid"/>
+                      <a:round/>
+                      <a:headEnd type="none" w="med" len="med"/>
+                      <a:tailEnd type="none" w="med" len="med"/>
+                    </a:lnL>
+                    <a:lnT w="12700" cap="flat" cmpd="sng" algn="ctr">
+                      <a:solidFill>
+                        <a:srgbClr val="FF0000"/>
+                      </a:solidFill>
+                      <a:prstDash val="solid"/>
+                      <a:round/>
+                      <a:headEnd type="none" w="med" len="med"/>
+                      <a:tailEnd type="none" w="med" len="med"/>
+                    </a:lnT>
+                    <a:lnB w="12700" cap="flat" cmpd="sng" algn="ctr">
+                      <a:solidFill>
+                        <a:srgbClr val="FF0000"/>
+                      </a:solidFill>
+                      <a:prstDash val="solid"/>
+                      <a:round/>
+                      <a:headEnd type="none" w="med" len="med"/>
+                      <a:tailEnd type="none" w="med" len="med"/>
+                    </a:lnB>
+                    <a:solidFill>
+                      <a:schemeClr val="accent2">
+                        <a:lumMod val="40000"/>
+                        <a:lumOff val="60000"/>
+                      </a:schemeClr>
+                    </a:solidFill>
+                  </a:tcPr>
+                </a:tc>
+                <a:tc>
+                  <a:txBody>
+                    <a:bodyPr/>
+                    <a:lstStyle/>
+                    <a:p>
+                      <a:pPr algn="ctr"/>
+                      <a:r>
+                        <a:rPr lang="en-HK" dirty="0">
+                          <a:solidFill>
+                            <a:schemeClr val="tx1"/>
+                          </a:solidFill>
+                        </a:rPr>
+                        <a:t>5</a:t>
+                      </a:r>
+                    </a:p>
+                  </a:txBody>
+                  <a:tcPr>
+                    <a:lnR w="12700" cap="flat" cmpd="sng" algn="ctr">
+                      <a:solidFill>
+                        <a:srgbClr val="FF0000"/>
+                      </a:solidFill>
+                      <a:prstDash val="solid"/>
+                      <a:round/>
+                      <a:headEnd type="none" w="med" len="med"/>
+                      <a:tailEnd type="none" w="med" len="med"/>
+                    </a:lnR>
+                    <a:lnT w="12700" cap="flat" cmpd="sng" algn="ctr">
+                      <a:solidFill>
+                        <a:srgbClr val="FF0000"/>
+                      </a:solidFill>
+                      <a:prstDash val="solid"/>
+                      <a:round/>
+                      <a:headEnd type="none" w="med" len="med"/>
+                      <a:tailEnd type="none" w="med" len="med"/>
+                    </a:lnT>
+                    <a:lnB w="12700" cap="flat" cmpd="sng" algn="ctr">
+                      <a:solidFill>
+                        <a:srgbClr val="FF0000"/>
+                      </a:solidFill>
+                      <a:prstDash val="solid"/>
+                      <a:round/>
+                      <a:headEnd type="none" w="med" len="med"/>
+                      <a:tailEnd type="none" w="med" len="med"/>
+                    </a:lnB>
+                    <a:solidFill>
+                      <a:schemeClr val="accent2">
+                        <a:lumMod val="40000"/>
+                        <a:lumOff val="60000"/>
+                      </a:schemeClr>
+                    </a:solidFill>
+                  </a:tcPr>
+                </a:tc>
+                <a:tc>
+                  <a:txBody>
+                    <a:bodyPr/>
+                    <a:lstStyle/>
+                    <a:p>
+                      <a:pPr algn="ctr"/>
+                      <a:r>
+                        <a:rPr lang="en-HK" dirty="0">
+                          <a:solidFill>
+                            <a:schemeClr val="tx1"/>
+                          </a:solidFill>
+                        </a:rPr>
+                        <a:t>6</a:t>
+                      </a:r>
+                    </a:p>
+                  </a:txBody>
+                  <a:tcPr>
+                    <a:lnL w="12700" cap="flat" cmpd="sng" algn="ctr">
+                      <a:solidFill>
+                        <a:srgbClr val="FF0000"/>
+                      </a:solidFill>
+                      <a:prstDash val="solid"/>
+                      <a:round/>
+                      <a:headEnd type="none" w="med" len="med"/>
+                      <a:tailEnd type="none" w="med" len="med"/>
+                    </a:lnL>
+                    <a:lnT w="12700" cap="flat" cmpd="sng" algn="ctr">
+                      <a:solidFill>
+                        <a:srgbClr val="FF0000"/>
+                      </a:solidFill>
+                      <a:prstDash val="solid"/>
+                      <a:round/>
+                      <a:headEnd type="none" w="med" len="med"/>
+                      <a:tailEnd type="none" w="med" len="med"/>
+                    </a:lnT>
+                    <a:lnB w="12700" cap="flat" cmpd="sng" algn="ctr">
+                      <a:solidFill>
+                        <a:srgbClr val="FF0000"/>
+                      </a:solidFill>
+                      <a:prstDash val="solid"/>
+                      <a:round/>
+                      <a:headEnd type="none" w="med" len="med"/>
+                      <a:tailEnd type="none" w="med" len="med"/>
+                    </a:lnB>
+                    <a:solidFill>
+                      <a:schemeClr val="accent2">
+                        <a:lumMod val="40000"/>
+                        <a:lumOff val="60000"/>
+                      </a:schemeClr>
+                    </a:solidFill>
+                  </a:tcPr>
+                </a:tc>
+                <a:tc>
+                  <a:txBody>
+                    <a:bodyPr/>
+                    <a:lstStyle/>
+                    <a:p>
+                      <a:pPr algn="ctr"/>
+                      <a:r>
+                        <a:rPr lang="en-HK" dirty="0">
+                          <a:solidFill>
+                            <a:schemeClr val="tx1"/>
+                          </a:solidFill>
+                        </a:rPr>
+                        <a:t>7</a:t>
+                      </a:r>
+                    </a:p>
+                  </a:txBody>
+                  <a:tcPr>
+                    <a:lnT w="12700" cap="flat" cmpd="sng" algn="ctr">
+                      <a:solidFill>
+                        <a:srgbClr val="FF0000"/>
+                      </a:solidFill>
+                      <a:prstDash val="solid"/>
+                      <a:round/>
+                      <a:headEnd type="none" w="med" len="med"/>
+                      <a:tailEnd type="none" w="med" len="med"/>
+                    </a:lnT>
+                    <a:lnB w="12700" cap="flat" cmpd="sng" algn="ctr">
+                      <a:solidFill>
+                        <a:srgbClr val="FF0000"/>
+                      </a:solidFill>
+                      <a:prstDash val="solid"/>
+                      <a:round/>
+                      <a:headEnd type="none" w="med" len="med"/>
+                      <a:tailEnd type="none" w="med" len="med"/>
+                    </a:lnB>
+                    <a:solidFill>
+                      <a:schemeClr val="accent2">
+                        <a:lumMod val="40000"/>
+                        <a:lumOff val="60000"/>
+                      </a:schemeClr>
+                    </a:solidFill>
+                  </a:tcPr>
+                </a:tc>
+                <a:tc>
+                  <a:txBody>
+                    <a:bodyPr/>
+                    <a:lstStyle/>
+                    <a:p>
+                      <a:pPr algn="ctr"/>
+                      <a:r>
+                        <a:rPr lang="en-HK" dirty="0">
+                          <a:solidFill>
+                            <a:schemeClr val="tx1"/>
+                          </a:solidFill>
+                        </a:rPr>
+                        <a:t>8</a:t>
+                      </a:r>
+                    </a:p>
+                  </a:txBody>
+                  <a:tcPr>
+                    <a:lnT w="12700" cap="flat" cmpd="sng" algn="ctr">
+                      <a:solidFill>
+                        <a:srgbClr val="FF0000"/>
+                      </a:solidFill>
+                      <a:prstDash val="solid"/>
+                      <a:round/>
+                      <a:headEnd type="none" w="med" len="med"/>
+                      <a:tailEnd type="none" w="med" len="med"/>
+                    </a:lnT>
+                    <a:lnB w="12700" cap="flat" cmpd="sng" algn="ctr">
+                      <a:solidFill>
+                        <a:srgbClr val="FF0000"/>
+                      </a:solidFill>
+                      <a:prstDash val="solid"/>
+                      <a:round/>
+                      <a:headEnd type="none" w="med" len="med"/>
+                      <a:tailEnd type="none" w="med" len="med"/>
+                    </a:lnB>
+                    <a:solidFill>
+                      <a:schemeClr val="accent2">
+                        <a:lumMod val="40000"/>
+                        <a:lumOff val="60000"/>
+                      </a:schemeClr>
+                    </a:solidFill>
+                  </a:tcPr>
+                </a:tc>
+                <a:tc>
+                  <a:txBody>
+                    <a:bodyPr/>
+                    <a:lstStyle/>
+                    <a:p>
+                      <a:pPr algn="ctr"/>
+                      <a:r>
+                        <a:rPr lang="en-HK" dirty="0">
+                          <a:solidFill>
+                            <a:schemeClr val="tx1"/>
+                          </a:solidFill>
+                        </a:rPr>
+                        <a:t>9</a:t>
+                      </a:r>
+                    </a:p>
+                  </a:txBody>
+                  <a:tcPr>
+                    <a:lnR w="12700" cap="flat" cmpd="sng" algn="ctr">
+                      <a:solidFill>
+                        <a:srgbClr val="FF0000"/>
+                      </a:solidFill>
+                      <a:prstDash val="solid"/>
+                      <a:round/>
+                      <a:headEnd type="none" w="med" len="med"/>
+                      <a:tailEnd type="none" w="med" len="med"/>
+                    </a:lnR>
+                    <a:lnT w="12700" cap="flat" cmpd="sng" algn="ctr">
+                      <a:solidFill>
+                        <a:srgbClr val="FF0000"/>
+                      </a:solidFill>
+                      <a:prstDash val="solid"/>
+                      <a:round/>
+                      <a:headEnd type="none" w="med" len="med"/>
+                      <a:tailEnd type="none" w="med" len="med"/>
+                    </a:lnT>
+                    <a:lnB w="12700" cap="flat" cmpd="sng" algn="ctr">
+                      <a:solidFill>
+                        <a:srgbClr val="FF0000"/>
+                      </a:solidFill>
+                      <a:prstDash val="solid"/>
+                      <a:round/>
+                      <a:headEnd type="none" w="med" len="med"/>
+                      <a:tailEnd type="none" w="med" len="med"/>
+                    </a:lnB>
+                    <a:solidFill>
+                      <a:schemeClr val="accent2">
+                        <a:lumMod val="40000"/>
+                        <a:lumOff val="60000"/>
+                      </a:schemeClr>
+                    </a:solidFill>
+                  </a:tcPr>
+                </a:tc>
+                <a:tc>
+                  <a:txBody>
+                    <a:bodyPr/>
+                    <a:lstStyle/>
+                    <a:p>
+                      <a:pPr algn="ctr"/>
+                      <a:r>
+                        <a:rPr lang="en-HK" dirty="0">
+                          <a:solidFill>
+                            <a:schemeClr val="tx1"/>
+                          </a:solidFill>
+                        </a:rPr>
+                        <a:t>10</a:t>
+                      </a:r>
+                    </a:p>
+                  </a:txBody>
+                  <a:tcPr>
+                    <a:lnL w="12700" cap="flat" cmpd="sng" algn="ctr">
+                      <a:solidFill>
+                        <a:srgbClr val="FF0000"/>
+                      </a:solidFill>
+                      <a:prstDash val="solid"/>
+                      <a:round/>
+                      <a:headEnd type="none" w="med" len="med"/>
+                      <a:tailEnd type="none" w="med" len="med"/>
+                    </a:lnL>
+                    <a:lnT w="12700" cap="flat" cmpd="sng" algn="ctr">
+                      <a:solidFill>
+                        <a:srgbClr val="FF0000"/>
+                      </a:solidFill>
+                      <a:prstDash val="solid"/>
+                      <a:round/>
+                      <a:headEnd type="none" w="med" len="med"/>
+                      <a:tailEnd type="none" w="med" len="med"/>
+                    </a:lnT>
+                    <a:lnB w="12700" cap="flat" cmpd="sng" algn="ctr">
+                      <a:solidFill>
+                        <a:srgbClr val="FF0000"/>
+                      </a:solidFill>
+                      <a:prstDash val="solid"/>
+                      <a:round/>
+                      <a:headEnd type="none" w="med" len="med"/>
+                      <a:tailEnd type="none" w="med" len="med"/>
+                    </a:lnB>
+                    <a:solidFill>
+                      <a:schemeClr val="accent2">
+                        <a:lumMod val="40000"/>
+                        <a:lumOff val="60000"/>
+                      </a:schemeClr>
+                    </a:solidFill>
+                  </a:tcPr>
+                </a:tc>
+                <a:tc>
+                  <a:txBody>
+                    <a:bodyPr/>
+                    <a:lstStyle/>
+                    <a:p>
+                      <a:pPr algn="ctr"/>
+                      <a:r>
+                        <a:rPr lang="en-HK" dirty="0">
+                          <a:solidFill>
+                            <a:schemeClr val="tx1"/>
+                          </a:solidFill>
+                        </a:rPr>
+                        <a:t>11</a:t>
+                      </a:r>
+                    </a:p>
+                  </a:txBody>
+                  <a:tcPr>
+                    <a:lnR w="12700" cap="flat" cmpd="sng" algn="ctr">
+                      <a:solidFill>
+                        <a:srgbClr val="FF0000"/>
+                      </a:solidFill>
+                      <a:prstDash val="solid"/>
+                      <a:round/>
+                      <a:headEnd type="none" w="med" len="med"/>
+                      <a:tailEnd type="none" w="med" len="med"/>
+                    </a:lnR>
+                    <a:lnT w="12700" cap="flat" cmpd="sng" algn="ctr">
+                      <a:solidFill>
+                        <a:srgbClr val="FF0000"/>
+                      </a:solidFill>
+                      <a:prstDash val="solid"/>
+                      <a:round/>
+                      <a:headEnd type="none" w="med" len="med"/>
+                      <a:tailEnd type="none" w="med" len="med"/>
+                    </a:lnT>
+                    <a:lnB w="12700" cap="flat" cmpd="sng" algn="ctr">
+                      <a:solidFill>
+                        <a:srgbClr val="FF0000"/>
+                      </a:solidFill>
+                      <a:prstDash val="solid"/>
+                      <a:round/>
+                      <a:headEnd type="none" w="med" len="med"/>
+                      <a:tailEnd type="none" w="med" len="med"/>
+                    </a:lnB>
+                    <a:solidFill>
+                      <a:schemeClr val="accent3"/>
+                    </a:solidFill>
+                  </a:tcPr>
+                </a:tc>
+                <a:extLst>
+                  <a:ext uri="{0D108BD9-81ED-4DB2-BD59-A6C34878D82A}">
+                    <a16:rowId xmlns:a16="http://schemas.microsoft.com/office/drawing/2014/main" val="2601047344"/>
+                  </a:ext>
+                </a:extLst>
+              </a:tr>
+            </a:tbl>
+          </a:graphicData>
+        </a:graphic>
+      </p:graphicFrame>
+      <p:cxnSp>
+        <p:nvCxnSpPr>
+          <p:cNvPr id="7" name="Straight Arrow Connector 6">
+            <a:extLst>
+              <a:ext uri="{FF2B5EF4-FFF2-40B4-BE49-F238E27FC236}">
+                <a16:creationId xmlns:a16="http://schemas.microsoft.com/office/drawing/2014/main" id="{09F963AD-EB44-C24B-E373-6295B079DF1D}"/>
+              </a:ext>
+            </a:extLst>
+          </p:cNvPr>
+          <p:cNvCxnSpPr/>
+          <p:nvPr/>
+        </p:nvCxnSpPr>
+        <p:spPr>
+          <a:xfrm>
+            <a:off x="5124091" y="844868"/>
+            <a:ext cx="971909" cy="0"/>
+          </a:xfrm>
+          <a:prstGeom prst="straightConnector1">
+            <a:avLst/>
+          </a:prstGeom>
+          <a:ln>
+            <a:tailEnd type="triangle"/>
+          </a:ln>
+        </p:spPr>
+        <p:style>
+          <a:lnRef idx="1">
+            <a:schemeClr val="accent1"/>
+          </a:lnRef>
+          <a:fillRef idx="0">
+            <a:schemeClr val="accent1"/>
+          </a:fillRef>
+          <a:effectRef idx="0">
+            <a:schemeClr val="accent1"/>
+          </a:effectRef>
+          <a:fontRef idx="minor">
+            <a:schemeClr val="tx1"/>
+          </a:fontRef>
+        </p:style>
+      </p:cxnSp>
+      <p:graphicFrame>
+        <p:nvGraphicFramePr>
+          <p:cNvPr id="9" name="Table 4">
+            <a:extLst>
+              <a:ext uri="{FF2B5EF4-FFF2-40B4-BE49-F238E27FC236}">
+                <a16:creationId xmlns:a16="http://schemas.microsoft.com/office/drawing/2014/main" id="{DF41D44F-E334-FDE7-F985-4F7DE99E2DF6}"/>
+              </a:ext>
+            </a:extLst>
+          </p:cNvPr>
+          <p:cNvGraphicFramePr>
+            <a:graphicFrameLocks noGrp="1"/>
+          </p:cNvGraphicFramePr>
+          <p:nvPr/>
+        </p:nvGraphicFramePr>
+        <p:xfrm>
+          <a:off x="677653" y="2464897"/>
+          <a:ext cx="4230780" cy="370840"/>
+        </p:xfrm>
+        <a:graphic>
+          <a:graphicData uri="http://schemas.openxmlformats.org/drawingml/2006/table">
+            <a:tbl>
+              <a:tblPr firstRow="1" bandRow="1">
+                <a:tableStyleId>{5C22544A-7EE6-4342-B048-85BDC9FD1C3A}</a:tableStyleId>
+              </a:tblPr>
+              <a:tblGrid>
+                <a:gridCol w="423078">
+                  <a:extLst>
+                    <a:ext uri="{9D8B030D-6E8A-4147-A177-3AD203B41FA5}">
+                      <a16:colId xmlns:a16="http://schemas.microsoft.com/office/drawing/2014/main" val="1958716807"/>
+                    </a:ext>
+                  </a:extLst>
+                </a:gridCol>
+                <a:gridCol w="423078">
+                  <a:extLst>
+                    <a:ext uri="{9D8B030D-6E8A-4147-A177-3AD203B41FA5}">
+                      <a16:colId xmlns:a16="http://schemas.microsoft.com/office/drawing/2014/main" val="2177103222"/>
+                    </a:ext>
+                  </a:extLst>
+                </a:gridCol>
+                <a:gridCol w="423078">
+                  <a:extLst>
+                    <a:ext uri="{9D8B030D-6E8A-4147-A177-3AD203B41FA5}">
+                      <a16:colId xmlns:a16="http://schemas.microsoft.com/office/drawing/2014/main" val="3409141404"/>
+                    </a:ext>
+                  </a:extLst>
+                </a:gridCol>
+                <a:gridCol w="423078">
+                  <a:extLst>
+                    <a:ext uri="{9D8B030D-6E8A-4147-A177-3AD203B41FA5}">
+                      <a16:colId xmlns:a16="http://schemas.microsoft.com/office/drawing/2014/main" val="217707470"/>
+                    </a:ext>
+                  </a:extLst>
+                </a:gridCol>
+                <a:gridCol w="423078">
+                  <a:extLst>
+                    <a:ext uri="{9D8B030D-6E8A-4147-A177-3AD203B41FA5}">
+                      <a16:colId xmlns:a16="http://schemas.microsoft.com/office/drawing/2014/main" val="770379941"/>
+                    </a:ext>
+                  </a:extLst>
+                </a:gridCol>
+                <a:gridCol w="423078">
+                  <a:extLst>
+                    <a:ext uri="{9D8B030D-6E8A-4147-A177-3AD203B41FA5}">
+                      <a16:colId xmlns:a16="http://schemas.microsoft.com/office/drawing/2014/main" val="4085467491"/>
+                    </a:ext>
+                  </a:extLst>
+                </a:gridCol>
+                <a:gridCol w="423078">
+                  <a:extLst>
+                    <a:ext uri="{9D8B030D-6E8A-4147-A177-3AD203B41FA5}">
+                      <a16:colId xmlns:a16="http://schemas.microsoft.com/office/drawing/2014/main" val="2183018877"/>
+                    </a:ext>
+                  </a:extLst>
+                </a:gridCol>
+                <a:gridCol w="423078">
+                  <a:extLst>
+                    <a:ext uri="{9D8B030D-6E8A-4147-A177-3AD203B41FA5}">
+                      <a16:colId xmlns:a16="http://schemas.microsoft.com/office/drawing/2014/main" val="3957069584"/>
+                    </a:ext>
+                  </a:extLst>
+                </a:gridCol>
+                <a:gridCol w="423078">
+                  <a:extLst>
+                    <a:ext uri="{9D8B030D-6E8A-4147-A177-3AD203B41FA5}">
+                      <a16:colId xmlns:a16="http://schemas.microsoft.com/office/drawing/2014/main" val="3244291510"/>
+                    </a:ext>
+                  </a:extLst>
+                </a:gridCol>
+                <a:gridCol w="423078">
+                  <a:extLst>
+                    <a:ext uri="{9D8B030D-6E8A-4147-A177-3AD203B41FA5}">
+                      <a16:colId xmlns:a16="http://schemas.microsoft.com/office/drawing/2014/main" val="3722398860"/>
+                    </a:ext>
+                  </a:extLst>
+                </a:gridCol>
+              </a:tblGrid>
+              <a:tr h="370840">
+                <a:tc>
+                  <a:txBody>
+                    <a:bodyPr/>
+                    <a:lstStyle/>
+                    <a:p>
+                      <a:endParaRPr lang="en-HK" dirty="0"/>
+                    </a:p>
+                  </a:txBody>
+                  <a:tcPr>
+                    <a:solidFill>
+                      <a:schemeClr val="accent2">
+                        <a:lumMod val="40000"/>
+                        <a:lumOff val="60000"/>
+                      </a:schemeClr>
+                    </a:solidFill>
+                  </a:tcPr>
+                </a:tc>
+                <a:tc>
+                  <a:txBody>
+                    <a:bodyPr/>
+                    <a:lstStyle/>
+                    <a:p>
+                      <a:endParaRPr lang="en-HK" dirty="0"/>
+                    </a:p>
+                  </a:txBody>
+                  <a:tcPr>
+                    <a:solidFill>
+                      <a:schemeClr val="accent2">
+                        <a:lumMod val="40000"/>
+                        <a:lumOff val="60000"/>
+                      </a:schemeClr>
+                    </a:solidFill>
+                  </a:tcPr>
+                </a:tc>
+                <a:tc>
+                  <a:txBody>
+                    <a:bodyPr/>
+                    <a:lstStyle/>
+                    <a:p>
+                      <a:endParaRPr lang="en-HK" dirty="0"/>
+                    </a:p>
+                  </a:txBody>
+                  <a:tcPr>
+                    <a:lnTlToBr w="12700" cap="flat" cmpd="sng" algn="ctr">
+                      <a:solidFill>
+                        <a:schemeClr val="tx1"/>
+                      </a:solidFill>
+                      <a:prstDash val="solid"/>
+                      <a:round/>
+                      <a:headEnd type="none" w="med" len="med"/>
+                      <a:tailEnd type="none" w="med" len="med"/>
+                    </a:lnTlToBr>
+                    <a:lnBlToTr w="12700" cap="flat" cmpd="sng" algn="ctr">
+                      <a:solidFill>
+                        <a:schemeClr val="tx1"/>
+                      </a:solidFill>
+                      <a:prstDash val="solid"/>
+                      <a:round/>
+                      <a:headEnd type="none" w="med" len="med"/>
+                      <a:tailEnd type="none" w="med" len="med"/>
+                    </a:lnBlToTr>
+                    <a:solidFill>
+                      <a:schemeClr val="accent1">
+                        <a:lumMod val="40000"/>
+                        <a:lumOff val="60000"/>
+                      </a:schemeClr>
+                    </a:solidFill>
+                  </a:tcPr>
+                </a:tc>
+                <a:tc>
+                  <a:txBody>
+                    <a:bodyPr/>
+                    <a:lstStyle/>
+                    <a:p>
+                      <a:endParaRPr lang="en-HK" dirty="0"/>
+                    </a:p>
+                  </a:txBody>
+                  <a:tcPr>
+                    <a:solidFill>
+                      <a:schemeClr val="accent2">
+                        <a:lumMod val="40000"/>
+                        <a:lumOff val="60000"/>
+                      </a:schemeClr>
+                    </a:solidFill>
+                  </a:tcPr>
+                </a:tc>
+                <a:tc>
+                  <a:txBody>
+                    <a:bodyPr/>
+                    <a:lstStyle/>
+                    <a:p>
+                      <a:endParaRPr lang="en-HK" dirty="0"/>
+                    </a:p>
+                  </a:txBody>
+                  <a:tcPr>
+                    <a:lnTlToBr w="12700" cap="flat" cmpd="sng" algn="ctr">
+                      <a:solidFill>
+                        <a:schemeClr val="tx1"/>
+                      </a:solidFill>
+                      <a:prstDash val="solid"/>
+                      <a:round/>
+                      <a:headEnd type="none" w="med" len="med"/>
+                      <a:tailEnd type="none" w="med" len="med"/>
+                    </a:lnTlToBr>
+                    <a:lnBlToTr w="12700" cap="flat" cmpd="sng" algn="ctr">
+                      <a:solidFill>
+                        <a:schemeClr val="tx1"/>
+                      </a:solidFill>
+                      <a:prstDash val="solid"/>
+                      <a:round/>
+                      <a:headEnd type="none" w="med" len="med"/>
+                      <a:tailEnd type="none" w="med" len="med"/>
+                    </a:lnBlToTr>
+                    <a:solidFill>
+                      <a:schemeClr val="accent1">
+                        <a:lumMod val="40000"/>
+                        <a:lumOff val="60000"/>
+                      </a:schemeClr>
+                    </a:solidFill>
+                  </a:tcPr>
+                </a:tc>
+                <a:tc>
+                  <a:txBody>
+                    <a:bodyPr/>
+                    <a:lstStyle/>
+                    <a:p>
+                      <a:endParaRPr lang="en-HK" dirty="0"/>
+                    </a:p>
+                  </a:txBody>
+                  <a:tcPr>
+                    <a:solidFill>
+                      <a:schemeClr val="accent2">
+                        <a:lumMod val="40000"/>
+                        <a:lumOff val="60000"/>
+                      </a:schemeClr>
+                    </a:solidFill>
+                  </a:tcPr>
+                </a:tc>
+                <a:tc>
+                  <a:txBody>
+                    <a:bodyPr/>
+                    <a:lstStyle/>
+                    <a:p>
+                      <a:endParaRPr lang="en-HK" dirty="0"/>
+                    </a:p>
+                  </a:txBody>
+                  <a:tcPr>
+                    <a:solidFill>
+                      <a:schemeClr val="accent2">
+                        <a:lumMod val="40000"/>
+                        <a:lumOff val="60000"/>
+                      </a:schemeClr>
+                    </a:solidFill>
+                  </a:tcPr>
+                </a:tc>
+                <a:tc>
+                  <a:txBody>
+                    <a:bodyPr/>
+                    <a:lstStyle/>
+                    <a:p>
+                      <a:endParaRPr lang="en-HK" dirty="0"/>
+                    </a:p>
+                  </a:txBody>
+                  <a:tcPr>
+                    <a:solidFill>
+                      <a:schemeClr val="accent2">
+                        <a:lumMod val="40000"/>
+                        <a:lumOff val="60000"/>
+                      </a:schemeClr>
+                    </a:solidFill>
+                  </a:tcPr>
+                </a:tc>
+                <a:tc>
+                  <a:txBody>
+                    <a:bodyPr/>
+                    <a:lstStyle/>
+                    <a:p>
+                      <a:endParaRPr lang="en-HK" dirty="0"/>
+                    </a:p>
+                  </a:txBody>
+                  <a:tcPr>
+                    <a:lnTlToBr w="12700" cap="flat" cmpd="sng" algn="ctr">
+                      <a:solidFill>
+                        <a:schemeClr val="tx1"/>
+                      </a:solidFill>
+                      <a:prstDash val="solid"/>
+                      <a:round/>
+                      <a:headEnd type="none" w="med" len="med"/>
+                      <a:tailEnd type="none" w="med" len="med"/>
+                    </a:lnTlToBr>
+                    <a:lnBlToTr w="12700" cap="flat" cmpd="sng" algn="ctr">
+                      <a:solidFill>
+                        <a:schemeClr val="tx1"/>
+                      </a:solidFill>
+                      <a:prstDash val="solid"/>
+                      <a:round/>
+                      <a:headEnd type="none" w="med" len="med"/>
+                      <a:tailEnd type="none" w="med" len="med"/>
+                    </a:lnBlToTr>
+                    <a:solidFill>
+                      <a:schemeClr val="accent1">
+                        <a:lumMod val="40000"/>
+                        <a:lumOff val="60000"/>
+                      </a:schemeClr>
+                    </a:solidFill>
+                  </a:tcPr>
+                </a:tc>
+                <a:tc>
+                  <a:txBody>
+                    <a:bodyPr/>
+                    <a:lstStyle/>
+                    <a:p>
+                      <a:endParaRPr lang="en-HK" dirty="0"/>
+                    </a:p>
+                  </a:txBody>
+                  <a:tcPr>
+                    <a:solidFill>
+                      <a:schemeClr val="accent2">
+                        <a:lumMod val="40000"/>
+                        <a:lumOff val="60000"/>
+                      </a:schemeClr>
+                    </a:solidFill>
+                  </a:tcPr>
+                </a:tc>
+                <a:extLst>
+                  <a:ext uri="{0D108BD9-81ED-4DB2-BD59-A6C34878D82A}">
+                    <a16:rowId xmlns:a16="http://schemas.microsoft.com/office/drawing/2014/main" val="2601047344"/>
+                  </a:ext>
+                </a:extLst>
+              </a:tr>
+            </a:tbl>
+          </a:graphicData>
+        </a:graphic>
+      </p:graphicFrame>
+      <p:graphicFrame>
+        <p:nvGraphicFramePr>
+          <p:cNvPr id="10" name="Table 4">
+            <a:extLst>
+              <a:ext uri="{FF2B5EF4-FFF2-40B4-BE49-F238E27FC236}">
+                <a16:creationId xmlns:a16="http://schemas.microsoft.com/office/drawing/2014/main" id="{6913DCE2-8D26-147F-B65A-42CD0497A807}"/>
+              </a:ext>
+            </a:extLst>
+          </p:cNvPr>
+          <p:cNvGraphicFramePr>
+            <a:graphicFrameLocks noGrp="1"/>
+          </p:cNvGraphicFramePr>
+          <p:nvPr/>
+        </p:nvGraphicFramePr>
+        <p:xfrm>
+          <a:off x="6609751" y="4644975"/>
+          <a:ext cx="4230780" cy="370840"/>
+        </p:xfrm>
+        <a:graphic>
+          <a:graphicData uri="http://schemas.openxmlformats.org/drawingml/2006/table">
+            <a:tbl>
+              <a:tblPr firstRow="1" bandRow="1">
+                <a:tableStyleId>{5C22544A-7EE6-4342-B048-85BDC9FD1C3A}</a:tableStyleId>
+              </a:tblPr>
+              <a:tblGrid>
+                <a:gridCol w="423078">
+                  <a:extLst>
+                    <a:ext uri="{9D8B030D-6E8A-4147-A177-3AD203B41FA5}">
+                      <a16:colId xmlns:a16="http://schemas.microsoft.com/office/drawing/2014/main" val="1958716807"/>
+                    </a:ext>
+                  </a:extLst>
+                </a:gridCol>
+                <a:gridCol w="423078">
+                  <a:extLst>
+                    <a:ext uri="{9D8B030D-6E8A-4147-A177-3AD203B41FA5}">
+                      <a16:colId xmlns:a16="http://schemas.microsoft.com/office/drawing/2014/main" val="2177103222"/>
+                    </a:ext>
+                  </a:extLst>
+                </a:gridCol>
+                <a:gridCol w="423078">
+                  <a:extLst>
+                    <a:ext uri="{9D8B030D-6E8A-4147-A177-3AD203B41FA5}">
+                      <a16:colId xmlns:a16="http://schemas.microsoft.com/office/drawing/2014/main" val="3409141404"/>
+                    </a:ext>
+                  </a:extLst>
+                </a:gridCol>
+                <a:gridCol w="423078">
+                  <a:extLst>
+                    <a:ext uri="{9D8B030D-6E8A-4147-A177-3AD203B41FA5}">
+                      <a16:colId xmlns:a16="http://schemas.microsoft.com/office/drawing/2014/main" val="217707470"/>
+                    </a:ext>
+                  </a:extLst>
+                </a:gridCol>
+                <a:gridCol w="423078">
+                  <a:extLst>
+                    <a:ext uri="{9D8B030D-6E8A-4147-A177-3AD203B41FA5}">
+                      <a16:colId xmlns:a16="http://schemas.microsoft.com/office/drawing/2014/main" val="770379941"/>
+                    </a:ext>
+                  </a:extLst>
+                </a:gridCol>
+                <a:gridCol w="423078">
+                  <a:extLst>
+                    <a:ext uri="{9D8B030D-6E8A-4147-A177-3AD203B41FA5}">
+                      <a16:colId xmlns:a16="http://schemas.microsoft.com/office/drawing/2014/main" val="4085467491"/>
+                    </a:ext>
+                  </a:extLst>
+                </a:gridCol>
+                <a:gridCol w="423078">
+                  <a:extLst>
+                    <a:ext uri="{9D8B030D-6E8A-4147-A177-3AD203B41FA5}">
+                      <a16:colId xmlns:a16="http://schemas.microsoft.com/office/drawing/2014/main" val="2183018877"/>
+                    </a:ext>
+                  </a:extLst>
+                </a:gridCol>
+                <a:gridCol w="423078">
+                  <a:extLst>
+                    <a:ext uri="{9D8B030D-6E8A-4147-A177-3AD203B41FA5}">
+                      <a16:colId xmlns:a16="http://schemas.microsoft.com/office/drawing/2014/main" val="3957069584"/>
+                    </a:ext>
+                  </a:extLst>
+                </a:gridCol>
+                <a:gridCol w="423078">
+                  <a:extLst>
+                    <a:ext uri="{9D8B030D-6E8A-4147-A177-3AD203B41FA5}">
+                      <a16:colId xmlns:a16="http://schemas.microsoft.com/office/drawing/2014/main" val="3244291510"/>
+                    </a:ext>
+                  </a:extLst>
+                </a:gridCol>
+                <a:gridCol w="423078">
+                  <a:extLst>
+                    <a:ext uri="{9D8B030D-6E8A-4147-A177-3AD203B41FA5}">
+                      <a16:colId xmlns:a16="http://schemas.microsoft.com/office/drawing/2014/main" val="3722398860"/>
+                    </a:ext>
+                  </a:extLst>
+                </a:gridCol>
+              </a:tblGrid>
+              <a:tr h="370840">
+                <a:tc>
+                  <a:txBody>
+                    <a:bodyPr/>
+                    <a:lstStyle/>
+                    <a:p>
+                      <a:endParaRPr lang="en-HK" dirty="0"/>
+                    </a:p>
+                  </a:txBody>
+                  <a:tcPr>
+                    <a:solidFill>
+                      <a:schemeClr val="accent2">
+                        <a:lumMod val="40000"/>
+                        <a:lumOff val="60000"/>
+                      </a:schemeClr>
+                    </a:solidFill>
+                  </a:tcPr>
+                </a:tc>
+                <a:tc>
+                  <a:txBody>
+                    <a:bodyPr/>
+                    <a:lstStyle/>
+                    <a:p>
+                      <a:endParaRPr lang="en-HK" dirty="0"/>
+                    </a:p>
+                  </a:txBody>
+                  <a:tcPr>
+                    <a:solidFill>
+                      <a:schemeClr val="accent2">
+                        <a:lumMod val="40000"/>
+                        <a:lumOff val="60000"/>
+                      </a:schemeClr>
+                    </a:solidFill>
+                  </a:tcPr>
+                </a:tc>
+                <a:tc>
+                  <a:txBody>
+                    <a:bodyPr/>
+                    <a:lstStyle/>
+                    <a:p>
+                      <a:endParaRPr lang="en-HK" dirty="0"/>
+                    </a:p>
+                  </a:txBody>
+                  <a:tcPr>
+                    <a:solidFill>
+                      <a:schemeClr val="accent2">
+                        <a:lumMod val="40000"/>
+                        <a:lumOff val="60000"/>
+                      </a:schemeClr>
+                    </a:solidFill>
+                  </a:tcPr>
+                </a:tc>
+                <a:tc>
+                  <a:txBody>
+                    <a:bodyPr/>
+                    <a:lstStyle/>
+                    <a:p>
+                      <a:endParaRPr lang="en-HK" dirty="0"/>
+                    </a:p>
+                  </a:txBody>
+                  <a:tcPr>
+                    <a:solidFill>
+                      <a:schemeClr val="accent2">
+                        <a:lumMod val="40000"/>
+                        <a:lumOff val="60000"/>
+                      </a:schemeClr>
+                    </a:solidFill>
+                  </a:tcPr>
+                </a:tc>
+                <a:tc>
+                  <a:txBody>
+                    <a:bodyPr/>
+                    <a:lstStyle/>
+                    <a:p>
+                      <a:endParaRPr lang="en-HK" dirty="0"/>
+                    </a:p>
+                  </a:txBody>
+                  <a:tcPr>
+                    <a:solidFill>
+                      <a:schemeClr val="accent2">
+                        <a:lumMod val="40000"/>
+                        <a:lumOff val="60000"/>
+                      </a:schemeClr>
+                    </a:solidFill>
+                  </a:tcPr>
+                </a:tc>
+                <a:tc>
+                  <a:txBody>
+                    <a:bodyPr/>
+                    <a:lstStyle/>
+                    <a:p>
+                      <a:endParaRPr lang="en-HK" dirty="0"/>
+                    </a:p>
+                  </a:txBody>
+                  <a:tcPr>
+                    <a:solidFill>
+                      <a:schemeClr val="accent2">
+                        <a:lumMod val="40000"/>
+                        <a:lumOff val="60000"/>
+                      </a:schemeClr>
+                    </a:solidFill>
+                  </a:tcPr>
+                </a:tc>
+                <a:tc>
+                  <a:txBody>
+                    <a:bodyPr/>
+                    <a:lstStyle/>
+                    <a:p>
+                      <a:endParaRPr lang="en-HK" dirty="0"/>
+                    </a:p>
+                  </a:txBody>
+                  <a:tcPr>
+                    <a:solidFill>
+                      <a:schemeClr val="accent2">
+                        <a:lumMod val="40000"/>
+                        <a:lumOff val="60000"/>
+                      </a:schemeClr>
+                    </a:solidFill>
+                  </a:tcPr>
+                </a:tc>
+                <a:tc>
+                  <a:txBody>
+                    <a:bodyPr/>
+                    <a:lstStyle/>
+                    <a:p>
+                      <a:endParaRPr lang="en-HK" dirty="0"/>
+                    </a:p>
+                  </a:txBody>
+                  <a:tcPr>
+                    <a:solidFill>
+                      <a:schemeClr val="accent2">
+                        <a:lumMod val="40000"/>
+                        <a:lumOff val="60000"/>
+                      </a:schemeClr>
+                    </a:solidFill>
+                  </a:tcPr>
+                </a:tc>
+                <a:tc>
+                  <a:txBody>
+                    <a:bodyPr/>
+                    <a:lstStyle/>
+                    <a:p>
+                      <a:endParaRPr lang="en-HK" dirty="0"/>
+                    </a:p>
+                  </a:txBody>
+                  <a:tcPr>
+                    <a:solidFill>
+                      <a:schemeClr val="accent2">
+                        <a:lumMod val="40000"/>
+                        <a:lumOff val="60000"/>
+                      </a:schemeClr>
+                    </a:solidFill>
+                  </a:tcPr>
+                </a:tc>
+                <a:tc>
+                  <a:txBody>
+                    <a:bodyPr/>
+                    <a:lstStyle/>
+                    <a:p>
+                      <a:endParaRPr lang="en-HK" dirty="0"/>
+                    </a:p>
+                  </a:txBody>
+                  <a:tcPr>
+                    <a:solidFill>
+                      <a:schemeClr val="accent2">
+                        <a:lumMod val="40000"/>
+                        <a:lumOff val="60000"/>
+                      </a:schemeClr>
+                    </a:solidFill>
+                  </a:tcPr>
+                </a:tc>
+                <a:extLst>
+                  <a:ext uri="{0D108BD9-81ED-4DB2-BD59-A6C34878D82A}">
+                    <a16:rowId xmlns:a16="http://schemas.microsoft.com/office/drawing/2014/main" val="2601047344"/>
+                  </a:ext>
+                </a:extLst>
+              </a:tr>
+            </a:tbl>
+          </a:graphicData>
+        </a:graphic>
+      </p:graphicFrame>
+      <p:graphicFrame>
+        <p:nvGraphicFramePr>
+          <p:cNvPr id="11" name="Table 4">
+            <a:extLst>
+              <a:ext uri="{FF2B5EF4-FFF2-40B4-BE49-F238E27FC236}">
+                <a16:creationId xmlns:a16="http://schemas.microsoft.com/office/drawing/2014/main" id="{0228550D-2E4F-14D2-A000-B8F5130FCEFA}"/>
+              </a:ext>
+            </a:extLst>
+          </p:cNvPr>
+          <p:cNvGraphicFramePr>
+            <a:graphicFrameLocks noGrp="1"/>
+          </p:cNvGraphicFramePr>
+          <p:nvPr/>
+        </p:nvGraphicFramePr>
+        <p:xfrm>
+          <a:off x="6609751" y="3707854"/>
+          <a:ext cx="846156" cy="370840"/>
+        </p:xfrm>
+        <a:graphic>
+          <a:graphicData uri="http://schemas.openxmlformats.org/drawingml/2006/table">
+            <a:tbl>
+              <a:tblPr firstRow="1" bandRow="1">
+                <a:tableStyleId>{5C22544A-7EE6-4342-B048-85BDC9FD1C3A}</a:tableStyleId>
+              </a:tblPr>
+              <a:tblGrid>
+                <a:gridCol w="423078">
+                  <a:extLst>
+                    <a:ext uri="{9D8B030D-6E8A-4147-A177-3AD203B41FA5}">
+                      <a16:colId xmlns:a16="http://schemas.microsoft.com/office/drawing/2014/main" val="1958716807"/>
+                    </a:ext>
+                  </a:extLst>
+                </a:gridCol>
+                <a:gridCol w="423078">
+                  <a:extLst>
+                    <a:ext uri="{9D8B030D-6E8A-4147-A177-3AD203B41FA5}">
+                      <a16:colId xmlns:a16="http://schemas.microsoft.com/office/drawing/2014/main" val="2177103222"/>
+                    </a:ext>
+                  </a:extLst>
+                </a:gridCol>
+              </a:tblGrid>
+              <a:tr h="370840">
+                <a:tc>
+                  <a:txBody>
+                    <a:bodyPr/>
+                    <a:lstStyle/>
+                    <a:p>
+                      <a:endParaRPr lang="en-HK" dirty="0"/>
+                    </a:p>
+                  </a:txBody>
+                  <a:tcPr>
+                    <a:solidFill>
+                      <a:schemeClr val="accent6">
+                        <a:lumMod val="60000"/>
+                        <a:lumOff val="40000"/>
+                      </a:schemeClr>
+                    </a:solidFill>
+                  </a:tcPr>
+                </a:tc>
+                <a:tc>
+                  <a:txBody>
+                    <a:bodyPr/>
+                    <a:lstStyle/>
+                    <a:p>
+                      <a:endParaRPr lang="en-HK" dirty="0"/>
+                    </a:p>
+                  </a:txBody>
+                  <a:tcPr>
+                    <a:solidFill>
+                      <a:schemeClr val="accent6">
+                        <a:lumMod val="60000"/>
+                        <a:lumOff val="40000"/>
+                      </a:schemeClr>
+                    </a:solidFill>
+                  </a:tcPr>
+                </a:tc>
+                <a:extLst>
+                  <a:ext uri="{0D108BD9-81ED-4DB2-BD59-A6C34878D82A}">
+                    <a16:rowId xmlns:a16="http://schemas.microsoft.com/office/drawing/2014/main" val="2601047344"/>
+                  </a:ext>
+                </a:extLst>
+              </a:tr>
+            </a:tbl>
+          </a:graphicData>
+        </a:graphic>
+      </p:graphicFrame>
+      <p:cxnSp>
+        <p:nvCxnSpPr>
+          <p:cNvPr id="13" name="Straight Arrow Connector 12">
+            <a:extLst>
+              <a:ext uri="{FF2B5EF4-FFF2-40B4-BE49-F238E27FC236}">
+                <a16:creationId xmlns:a16="http://schemas.microsoft.com/office/drawing/2014/main" id="{ED66A68B-9E4D-6CF7-84D9-EB9732A589DA}"/>
+              </a:ext>
+            </a:extLst>
+          </p:cNvPr>
+          <p:cNvCxnSpPr>
+            <a:cxnSpLocks/>
+          </p:cNvCxnSpPr>
+          <p:nvPr/>
+        </p:nvCxnSpPr>
+        <p:spPr>
+          <a:xfrm>
+            <a:off x="7032829" y="4160843"/>
+            <a:ext cx="0" cy="422694"/>
+          </a:xfrm>
+          <a:prstGeom prst="straightConnector1">
+            <a:avLst/>
+          </a:prstGeom>
+          <a:ln>
+            <a:tailEnd type="triangle"/>
+          </a:ln>
+        </p:spPr>
+        <p:style>
+          <a:lnRef idx="3">
+            <a:schemeClr val="dk1"/>
+          </a:lnRef>
+          <a:fillRef idx="0">
+            <a:schemeClr val="dk1"/>
+          </a:fillRef>
+          <a:effectRef idx="2">
+            <a:schemeClr val="dk1"/>
+          </a:effectRef>
+          <a:fontRef idx="minor">
+            <a:schemeClr val="tx1"/>
+          </a:fontRef>
+        </p:style>
+      </p:cxnSp>
+      <p:graphicFrame>
+        <p:nvGraphicFramePr>
+          <p:cNvPr id="14" name="Table 4">
+            <a:extLst>
+              <a:ext uri="{FF2B5EF4-FFF2-40B4-BE49-F238E27FC236}">
+                <a16:creationId xmlns:a16="http://schemas.microsoft.com/office/drawing/2014/main" id="{D4588EEB-6689-C1E8-59C0-95BCBF8952EC}"/>
+              </a:ext>
+            </a:extLst>
+          </p:cNvPr>
+          <p:cNvGraphicFramePr>
+            <a:graphicFrameLocks noGrp="1"/>
+          </p:cNvGraphicFramePr>
+          <p:nvPr/>
+        </p:nvGraphicFramePr>
+        <p:xfrm>
+          <a:off x="677651" y="5149970"/>
+          <a:ext cx="4567200" cy="370840"/>
+        </p:xfrm>
+        <a:graphic>
+          <a:graphicData uri="http://schemas.openxmlformats.org/drawingml/2006/table">
+            <a:tbl>
+              <a:tblPr firstRow="1" bandRow="1">
+                <a:tableStyleId>{5C22544A-7EE6-4342-B048-85BDC9FD1C3A}</a:tableStyleId>
+              </a:tblPr>
+              <a:tblGrid>
+                <a:gridCol w="415200">
+                  <a:extLst>
+                    <a:ext uri="{9D8B030D-6E8A-4147-A177-3AD203B41FA5}">
+                      <a16:colId xmlns:a16="http://schemas.microsoft.com/office/drawing/2014/main" val="1958716807"/>
+                    </a:ext>
+                  </a:extLst>
+                </a:gridCol>
+                <a:gridCol w="415200">
+                  <a:extLst>
+                    <a:ext uri="{9D8B030D-6E8A-4147-A177-3AD203B41FA5}">
+                      <a16:colId xmlns:a16="http://schemas.microsoft.com/office/drawing/2014/main" val="2177103222"/>
+                    </a:ext>
+                  </a:extLst>
+                </a:gridCol>
+                <a:gridCol w="415200">
+                  <a:extLst>
+                    <a:ext uri="{9D8B030D-6E8A-4147-A177-3AD203B41FA5}">
+                      <a16:colId xmlns:a16="http://schemas.microsoft.com/office/drawing/2014/main" val="3409141404"/>
+                    </a:ext>
+                  </a:extLst>
+                </a:gridCol>
+                <a:gridCol w="415200">
+                  <a:extLst>
+                    <a:ext uri="{9D8B030D-6E8A-4147-A177-3AD203B41FA5}">
+                      <a16:colId xmlns:a16="http://schemas.microsoft.com/office/drawing/2014/main" val="217707470"/>
+                    </a:ext>
+                  </a:extLst>
+                </a:gridCol>
+                <a:gridCol w="415200">
+                  <a:extLst>
+                    <a:ext uri="{9D8B030D-6E8A-4147-A177-3AD203B41FA5}">
+                      <a16:colId xmlns:a16="http://schemas.microsoft.com/office/drawing/2014/main" val="770379941"/>
+                    </a:ext>
+                  </a:extLst>
+                </a:gridCol>
+                <a:gridCol w="415200">
+                  <a:extLst>
+                    <a:ext uri="{9D8B030D-6E8A-4147-A177-3AD203B41FA5}">
+                      <a16:colId xmlns:a16="http://schemas.microsoft.com/office/drawing/2014/main" val="4085467491"/>
+                    </a:ext>
+                  </a:extLst>
+                </a:gridCol>
+                <a:gridCol w="415200">
+                  <a:extLst>
+                    <a:ext uri="{9D8B030D-6E8A-4147-A177-3AD203B41FA5}">
+                      <a16:colId xmlns:a16="http://schemas.microsoft.com/office/drawing/2014/main" val="2183018877"/>
+                    </a:ext>
+                  </a:extLst>
+                </a:gridCol>
+                <a:gridCol w="415200">
+                  <a:extLst>
+                    <a:ext uri="{9D8B030D-6E8A-4147-A177-3AD203B41FA5}">
+                      <a16:colId xmlns:a16="http://schemas.microsoft.com/office/drawing/2014/main" val="3957069584"/>
+                    </a:ext>
+                  </a:extLst>
+                </a:gridCol>
+                <a:gridCol w="415200">
+                  <a:extLst>
+                    <a:ext uri="{9D8B030D-6E8A-4147-A177-3AD203B41FA5}">
+                      <a16:colId xmlns:a16="http://schemas.microsoft.com/office/drawing/2014/main" val="3244291510"/>
+                    </a:ext>
+                  </a:extLst>
+                </a:gridCol>
+                <a:gridCol w="415200">
+                  <a:extLst>
+                    <a:ext uri="{9D8B030D-6E8A-4147-A177-3AD203B41FA5}">
+                      <a16:colId xmlns:a16="http://schemas.microsoft.com/office/drawing/2014/main" val="3722398860"/>
+                    </a:ext>
+                  </a:extLst>
+                </a:gridCol>
+                <a:gridCol w="415200">
+                  <a:extLst>
+                    <a:ext uri="{9D8B030D-6E8A-4147-A177-3AD203B41FA5}">
+                      <a16:colId xmlns:a16="http://schemas.microsoft.com/office/drawing/2014/main" val="894685214"/>
+                    </a:ext>
+                  </a:extLst>
+                </a:gridCol>
+              </a:tblGrid>
+              <a:tr h="370840">
+                <a:tc>
+                  <a:txBody>
+                    <a:bodyPr/>
+                    <a:lstStyle/>
+                    <a:p>
+                      <a:endParaRPr lang="en-HK" dirty="0"/>
+                    </a:p>
+                  </a:txBody>
+                  <a:tcPr>
+                    <a:solidFill>
+                      <a:schemeClr val="accent2">
+                        <a:lumMod val="40000"/>
+                        <a:lumOff val="60000"/>
+                      </a:schemeClr>
+                    </a:solidFill>
+                  </a:tcPr>
+                </a:tc>
+                <a:tc>
+                  <a:txBody>
+                    <a:bodyPr/>
+                    <a:lstStyle/>
+                    <a:p>
+                      <a:endParaRPr lang="en-HK" dirty="0"/>
+                    </a:p>
+                  </a:txBody>
+                  <a:tcPr>
+                    <a:solidFill>
+                      <a:schemeClr val="accent2">
+                        <a:lumMod val="40000"/>
+                        <a:lumOff val="60000"/>
+                      </a:schemeClr>
+                    </a:solidFill>
+                  </a:tcPr>
+                </a:tc>
+                <a:tc>
+                  <a:txBody>
+                    <a:bodyPr/>
+                    <a:lstStyle/>
+                    <a:p>
+                      <a:endParaRPr lang="en-HK" dirty="0"/>
+                    </a:p>
+                  </a:txBody>
+                  <a:tcPr>
+                    <a:solidFill>
+                      <a:schemeClr val="accent1">
+                        <a:lumMod val="40000"/>
+                        <a:lumOff val="60000"/>
+                      </a:schemeClr>
+                    </a:solidFill>
+                  </a:tcPr>
+                </a:tc>
+                <a:tc>
+                  <a:txBody>
+                    <a:bodyPr/>
+                    <a:lstStyle/>
+                    <a:p>
+                      <a:endParaRPr lang="en-HK" dirty="0"/>
+                    </a:p>
+                  </a:txBody>
+                  <a:tcPr>
+                    <a:solidFill>
+                      <a:schemeClr val="accent2">
+                        <a:lumMod val="40000"/>
+                        <a:lumOff val="60000"/>
+                      </a:schemeClr>
+                    </a:solidFill>
+                  </a:tcPr>
+                </a:tc>
+                <a:tc>
+                  <a:txBody>
+                    <a:bodyPr/>
+                    <a:lstStyle/>
+                    <a:p>
+                      <a:endParaRPr lang="en-HK" dirty="0"/>
+                    </a:p>
+                  </a:txBody>
+                  <a:tcPr>
+                    <a:solidFill>
+                      <a:schemeClr val="accent1">
+                        <a:lumMod val="40000"/>
+                        <a:lumOff val="60000"/>
+                      </a:schemeClr>
+                    </a:solidFill>
+                  </a:tcPr>
+                </a:tc>
+                <a:tc>
+                  <a:txBody>
+                    <a:bodyPr/>
+                    <a:lstStyle/>
+                    <a:p>
+                      <a:endParaRPr lang="en-HK" dirty="0"/>
+                    </a:p>
+                  </a:txBody>
+                  <a:tcPr>
+                    <a:solidFill>
+                      <a:schemeClr val="accent2">
+                        <a:lumMod val="40000"/>
+                        <a:lumOff val="60000"/>
+                      </a:schemeClr>
+                    </a:solidFill>
+                  </a:tcPr>
+                </a:tc>
+                <a:tc>
+                  <a:txBody>
+                    <a:bodyPr/>
+                    <a:lstStyle/>
+                    <a:p>
+                      <a:endParaRPr lang="en-HK" dirty="0"/>
+                    </a:p>
+                  </a:txBody>
+                  <a:tcPr>
+                    <a:solidFill>
+                      <a:schemeClr val="accent2">
+                        <a:lumMod val="40000"/>
+                        <a:lumOff val="60000"/>
+                      </a:schemeClr>
+                    </a:solidFill>
+                  </a:tcPr>
+                </a:tc>
+                <a:tc>
+                  <a:txBody>
+                    <a:bodyPr/>
+                    <a:lstStyle/>
+                    <a:p>
+                      <a:endParaRPr lang="en-HK" dirty="0"/>
+                    </a:p>
+                  </a:txBody>
+                  <a:tcPr>
+                    <a:solidFill>
+                      <a:schemeClr val="accent2">
+                        <a:lumMod val="40000"/>
+                        <a:lumOff val="60000"/>
+                      </a:schemeClr>
+                    </a:solidFill>
+                  </a:tcPr>
+                </a:tc>
+                <a:tc>
+                  <a:txBody>
+                    <a:bodyPr/>
+                    <a:lstStyle/>
+                    <a:p>
+                      <a:endParaRPr lang="en-HK" dirty="0"/>
+                    </a:p>
+                  </a:txBody>
+                  <a:tcPr>
+                    <a:solidFill>
+                      <a:schemeClr val="accent1">
+                        <a:lumMod val="40000"/>
+                        <a:lumOff val="60000"/>
+                      </a:schemeClr>
+                    </a:solidFill>
+                  </a:tcPr>
+                </a:tc>
+                <a:tc>
+                  <a:txBody>
+                    <a:bodyPr/>
+                    <a:lstStyle/>
+                    <a:p>
+                      <a:endParaRPr lang="en-HK" dirty="0"/>
+                    </a:p>
+                  </a:txBody>
+                  <a:tcPr>
+                    <a:solidFill>
+                      <a:schemeClr val="accent2">
+                        <a:lumMod val="40000"/>
+                        <a:lumOff val="60000"/>
+                      </a:schemeClr>
+                    </a:solidFill>
+                  </a:tcPr>
+                </a:tc>
+                <a:tc>
+                  <a:txBody>
+                    <a:bodyPr/>
+                    <a:lstStyle/>
+                    <a:p>
+                      <a:endParaRPr lang="en-HK" dirty="0"/>
+                    </a:p>
+                  </a:txBody>
+                  <a:tcPr>
+                    <a:solidFill>
+                      <a:schemeClr val="accent3">
+                        <a:lumMod val="60000"/>
+                        <a:lumOff val="40000"/>
+                      </a:schemeClr>
+                    </a:solidFill>
+                  </a:tcPr>
+                </a:tc>
+                <a:extLst>
+                  <a:ext uri="{0D108BD9-81ED-4DB2-BD59-A6C34878D82A}">
+                    <a16:rowId xmlns:a16="http://schemas.microsoft.com/office/drawing/2014/main" val="2601047344"/>
+                  </a:ext>
+                </a:extLst>
+              </a:tr>
+            </a:tbl>
+          </a:graphicData>
+        </a:graphic>
+      </p:graphicFrame>
+      <p:cxnSp>
+        <p:nvCxnSpPr>
+          <p:cNvPr id="15" name="Straight Arrow Connector 14">
+            <a:extLst>
+              <a:ext uri="{FF2B5EF4-FFF2-40B4-BE49-F238E27FC236}">
+                <a16:creationId xmlns:a16="http://schemas.microsoft.com/office/drawing/2014/main" id="{61558E12-4E83-EA9D-F9E8-507F250B36A1}"/>
+              </a:ext>
+            </a:extLst>
+          </p:cNvPr>
+          <p:cNvCxnSpPr>
+            <a:cxnSpLocks/>
+          </p:cNvCxnSpPr>
+          <p:nvPr/>
+        </p:nvCxnSpPr>
+        <p:spPr>
+          <a:xfrm>
+            <a:off x="8720350" y="5149970"/>
+            <a:ext cx="0" cy="376687"/>
+          </a:xfrm>
+          <a:prstGeom prst="straightConnector1">
+            <a:avLst/>
+          </a:prstGeom>
+          <a:ln>
+            <a:tailEnd type="triangle"/>
+          </a:ln>
+        </p:spPr>
+        <p:style>
+          <a:lnRef idx="3">
+            <a:schemeClr val="dk1"/>
+          </a:lnRef>
+          <a:fillRef idx="0">
+            <a:schemeClr val="dk1"/>
+          </a:fillRef>
+          <a:effectRef idx="2">
+            <a:schemeClr val="dk1"/>
+          </a:effectRef>
+          <a:fontRef idx="minor">
+            <a:schemeClr val="tx1"/>
+          </a:fontRef>
+        </p:style>
+      </p:cxnSp>
+      <p:graphicFrame>
+        <p:nvGraphicFramePr>
+          <p:cNvPr id="16" name="Table 4">
+            <a:extLst>
+              <a:ext uri="{FF2B5EF4-FFF2-40B4-BE49-F238E27FC236}">
+                <a16:creationId xmlns:a16="http://schemas.microsoft.com/office/drawing/2014/main" id="{0904DAD7-D973-ABB1-9CF9-0DF8690F3343}"/>
+              </a:ext>
+            </a:extLst>
+          </p:cNvPr>
+          <p:cNvGraphicFramePr>
+            <a:graphicFrameLocks noGrp="1"/>
+          </p:cNvGraphicFramePr>
+          <p:nvPr/>
+        </p:nvGraphicFramePr>
+        <p:xfrm>
+          <a:off x="6609751" y="5690956"/>
+          <a:ext cx="4230780" cy="370840"/>
+        </p:xfrm>
+        <a:graphic>
+          <a:graphicData uri="http://schemas.openxmlformats.org/drawingml/2006/table">
+            <a:tbl>
+              <a:tblPr firstRow="1" bandRow="1">
+                <a:tableStyleId>{5C22544A-7EE6-4342-B048-85BDC9FD1C3A}</a:tableStyleId>
+              </a:tblPr>
+              <a:tblGrid>
+                <a:gridCol w="423078">
+                  <a:extLst>
+                    <a:ext uri="{9D8B030D-6E8A-4147-A177-3AD203B41FA5}">
+                      <a16:colId xmlns:a16="http://schemas.microsoft.com/office/drawing/2014/main" val="1958716807"/>
+                    </a:ext>
+                  </a:extLst>
+                </a:gridCol>
+                <a:gridCol w="423078">
+                  <a:extLst>
+                    <a:ext uri="{9D8B030D-6E8A-4147-A177-3AD203B41FA5}">
+                      <a16:colId xmlns:a16="http://schemas.microsoft.com/office/drawing/2014/main" val="2177103222"/>
+                    </a:ext>
+                  </a:extLst>
+                </a:gridCol>
+                <a:gridCol w="423078">
+                  <a:extLst>
+                    <a:ext uri="{9D8B030D-6E8A-4147-A177-3AD203B41FA5}">
+                      <a16:colId xmlns:a16="http://schemas.microsoft.com/office/drawing/2014/main" val="3409141404"/>
+                    </a:ext>
+                  </a:extLst>
+                </a:gridCol>
+                <a:gridCol w="423078">
+                  <a:extLst>
+                    <a:ext uri="{9D8B030D-6E8A-4147-A177-3AD203B41FA5}">
+                      <a16:colId xmlns:a16="http://schemas.microsoft.com/office/drawing/2014/main" val="217707470"/>
+                    </a:ext>
+                  </a:extLst>
+                </a:gridCol>
+                <a:gridCol w="423078">
+                  <a:extLst>
+                    <a:ext uri="{9D8B030D-6E8A-4147-A177-3AD203B41FA5}">
+                      <a16:colId xmlns:a16="http://schemas.microsoft.com/office/drawing/2014/main" val="770379941"/>
+                    </a:ext>
+                  </a:extLst>
+                </a:gridCol>
+                <a:gridCol w="423078">
+                  <a:extLst>
+                    <a:ext uri="{9D8B030D-6E8A-4147-A177-3AD203B41FA5}">
+                      <a16:colId xmlns:a16="http://schemas.microsoft.com/office/drawing/2014/main" val="4085467491"/>
+                    </a:ext>
+                  </a:extLst>
+                </a:gridCol>
+                <a:gridCol w="423078">
+                  <a:extLst>
+                    <a:ext uri="{9D8B030D-6E8A-4147-A177-3AD203B41FA5}">
+                      <a16:colId xmlns:a16="http://schemas.microsoft.com/office/drawing/2014/main" val="2183018877"/>
+                    </a:ext>
+                  </a:extLst>
+                </a:gridCol>
+                <a:gridCol w="423078">
+                  <a:extLst>
+                    <a:ext uri="{9D8B030D-6E8A-4147-A177-3AD203B41FA5}">
+                      <a16:colId xmlns:a16="http://schemas.microsoft.com/office/drawing/2014/main" val="3957069584"/>
+                    </a:ext>
+                  </a:extLst>
+                </a:gridCol>
+                <a:gridCol w="423078">
+                  <a:extLst>
+                    <a:ext uri="{9D8B030D-6E8A-4147-A177-3AD203B41FA5}">
+                      <a16:colId xmlns:a16="http://schemas.microsoft.com/office/drawing/2014/main" val="3244291510"/>
+                    </a:ext>
+                  </a:extLst>
+                </a:gridCol>
+                <a:gridCol w="423078">
+                  <a:extLst>
+                    <a:ext uri="{9D8B030D-6E8A-4147-A177-3AD203B41FA5}">
+                      <a16:colId xmlns:a16="http://schemas.microsoft.com/office/drawing/2014/main" val="3722398860"/>
+                    </a:ext>
+                  </a:extLst>
+                </a:gridCol>
+              </a:tblGrid>
+              <a:tr h="370840">
+                <a:tc>
+                  <a:txBody>
+                    <a:bodyPr/>
+                    <a:lstStyle/>
+                    <a:p>
+                      <a:endParaRPr lang="en-HK" dirty="0"/>
+                    </a:p>
+                  </a:txBody>
+                  <a:tcPr>
+                    <a:lnTlToBr w="12700" cap="flat" cmpd="sng" algn="ctr">
+                      <a:solidFill>
+                        <a:schemeClr val="tx1"/>
+                      </a:solidFill>
+                      <a:prstDash val="solid"/>
+                      <a:round/>
+                      <a:headEnd type="none" w="med" len="med"/>
+                      <a:tailEnd type="none" w="med" len="med"/>
+                    </a:lnTlToBr>
+                    <a:lnBlToTr w="12700" cap="flat" cmpd="sng" algn="ctr">
+                      <a:solidFill>
+                        <a:schemeClr val="tx1"/>
+                      </a:solidFill>
+                      <a:prstDash val="solid"/>
+                      <a:round/>
+                      <a:headEnd type="none" w="med" len="med"/>
+                      <a:tailEnd type="none" w="med" len="med"/>
+                    </a:lnBlToTr>
+                    <a:solidFill>
+                      <a:schemeClr val="accent6">
+                        <a:lumMod val="60000"/>
+                        <a:lumOff val="40000"/>
+                      </a:schemeClr>
+                    </a:solidFill>
+                  </a:tcPr>
+                </a:tc>
+                <a:tc>
+                  <a:txBody>
+                    <a:bodyPr/>
+                    <a:lstStyle/>
+                    <a:p>
+                      <a:endParaRPr lang="en-HK" dirty="0"/>
+                    </a:p>
+                  </a:txBody>
+                  <a:tcPr>
+                    <a:lnTlToBr w="12700" cap="flat" cmpd="sng" algn="ctr">
+                      <a:solidFill>
+                        <a:schemeClr val="tx1"/>
+                      </a:solidFill>
+                      <a:prstDash val="solid"/>
+                      <a:round/>
+                      <a:headEnd type="none" w="med" len="med"/>
+                      <a:tailEnd type="none" w="med" len="med"/>
+                    </a:lnTlToBr>
+                    <a:lnBlToTr w="12700" cap="flat" cmpd="sng" algn="ctr">
+                      <a:solidFill>
+                        <a:schemeClr val="tx1"/>
+                      </a:solidFill>
+                      <a:prstDash val="solid"/>
+                      <a:round/>
+                      <a:headEnd type="none" w="med" len="med"/>
+                      <a:tailEnd type="none" w="med" len="med"/>
+                    </a:lnBlToTr>
+                    <a:solidFill>
+                      <a:schemeClr val="accent6">
+                        <a:lumMod val="60000"/>
+                        <a:lumOff val="40000"/>
+                      </a:schemeClr>
+                    </a:solidFill>
+                  </a:tcPr>
+                </a:tc>
+                <a:tc>
+                  <a:txBody>
+                    <a:bodyPr/>
+                    <a:lstStyle/>
+                    <a:p>
+                      <a:endParaRPr lang="en-HK" dirty="0"/>
+                    </a:p>
+                  </a:txBody>
+                  <a:tcPr>
+                    <a:lnTlToBr w="12700" cap="flat" cmpd="sng" algn="ctr">
+                      <a:solidFill>
+                        <a:schemeClr val="tx1"/>
+                      </a:solidFill>
+                      <a:prstDash val="solid"/>
+                      <a:round/>
+                      <a:headEnd type="none" w="med" len="med"/>
+                      <a:tailEnd type="none" w="med" len="med"/>
+                    </a:lnTlToBr>
+                    <a:lnBlToTr w="12700" cap="flat" cmpd="sng" algn="ctr">
+                      <a:solidFill>
+                        <a:schemeClr val="tx1"/>
+                      </a:solidFill>
+                      <a:prstDash val="solid"/>
+                      <a:round/>
+                      <a:headEnd type="none" w="med" len="med"/>
+                      <a:tailEnd type="none" w="med" len="med"/>
+                    </a:lnBlToTr>
+                    <a:solidFill>
+                      <a:schemeClr val="accent1">
+                        <a:lumMod val="40000"/>
+                        <a:lumOff val="60000"/>
+                      </a:schemeClr>
+                    </a:solidFill>
+                  </a:tcPr>
+                </a:tc>
+                <a:tc>
+                  <a:txBody>
+                    <a:bodyPr/>
+                    <a:lstStyle/>
+                    <a:p>
+                      <a:endParaRPr lang="en-HK" dirty="0"/>
+                    </a:p>
+                  </a:txBody>
+                  <a:tcPr>
+                    <a:solidFill>
+                      <a:schemeClr val="accent2">
+                        <a:lumMod val="40000"/>
+                        <a:lumOff val="60000"/>
+                      </a:schemeClr>
+                    </a:solidFill>
+                  </a:tcPr>
+                </a:tc>
+                <a:tc>
+                  <a:txBody>
+                    <a:bodyPr/>
+                    <a:lstStyle/>
+                    <a:p>
+                      <a:endParaRPr lang="en-HK" dirty="0"/>
+                    </a:p>
+                  </a:txBody>
+                  <a:tcPr>
+                    <a:solidFill>
+                      <a:schemeClr val="accent2">
+                        <a:lumMod val="40000"/>
+                        <a:lumOff val="60000"/>
+                      </a:schemeClr>
+                    </a:solidFill>
+                  </a:tcPr>
+                </a:tc>
+                <a:tc>
+                  <a:txBody>
+                    <a:bodyPr/>
+                    <a:lstStyle/>
+                    <a:p>
+                      <a:endParaRPr lang="en-HK" dirty="0"/>
+                    </a:p>
+                  </a:txBody>
+                  <a:tcPr>
+                    <a:solidFill>
+                      <a:schemeClr val="accent2">
+                        <a:lumMod val="40000"/>
+                        <a:lumOff val="60000"/>
+                      </a:schemeClr>
+                    </a:solidFill>
+                  </a:tcPr>
+                </a:tc>
+                <a:tc>
+                  <a:txBody>
+                    <a:bodyPr/>
+                    <a:lstStyle/>
+                    <a:p>
+                      <a:endParaRPr lang="en-HK" dirty="0"/>
+                    </a:p>
+                  </a:txBody>
+                  <a:tcPr>
+                    <a:solidFill>
+                      <a:schemeClr val="accent2">
+                        <a:lumMod val="40000"/>
+                        <a:lumOff val="60000"/>
+                      </a:schemeClr>
+                    </a:solidFill>
+                  </a:tcPr>
+                </a:tc>
+                <a:tc>
+                  <a:txBody>
+                    <a:bodyPr/>
+                    <a:lstStyle/>
+                    <a:p>
+                      <a:endParaRPr lang="en-HK" dirty="0"/>
+                    </a:p>
+                  </a:txBody>
+                  <a:tcPr>
+                    <a:solidFill>
+                      <a:schemeClr val="accent2">
+                        <a:lumMod val="40000"/>
+                        <a:lumOff val="60000"/>
+                      </a:schemeClr>
+                    </a:solidFill>
+                  </a:tcPr>
+                </a:tc>
+                <a:tc>
+                  <a:txBody>
+                    <a:bodyPr/>
+                    <a:lstStyle/>
+                    <a:p>
+                      <a:endParaRPr lang="en-HK" dirty="0"/>
+                    </a:p>
+                  </a:txBody>
+                  <a:tcPr>
+                    <a:solidFill>
+                      <a:schemeClr val="accent2">
+                        <a:lumMod val="40000"/>
+                        <a:lumOff val="60000"/>
+                      </a:schemeClr>
+                    </a:solidFill>
+                  </a:tcPr>
+                </a:tc>
+                <a:tc>
+                  <a:txBody>
+                    <a:bodyPr/>
+                    <a:lstStyle/>
+                    <a:p>
+                      <a:endParaRPr lang="en-HK" dirty="0"/>
+                    </a:p>
+                  </a:txBody>
+                  <a:tcPr>
+                    <a:solidFill>
+                      <a:schemeClr val="accent2">
+                        <a:lumMod val="40000"/>
+                        <a:lumOff val="60000"/>
+                      </a:schemeClr>
+                    </a:solidFill>
+                  </a:tcPr>
+                </a:tc>
+                <a:extLst>
+                  <a:ext uri="{0D108BD9-81ED-4DB2-BD59-A6C34878D82A}">
+                    <a16:rowId xmlns:a16="http://schemas.microsoft.com/office/drawing/2014/main" val="2601047344"/>
+                  </a:ext>
+                </a:extLst>
+              </a:tr>
+            </a:tbl>
+          </a:graphicData>
+        </a:graphic>
+      </p:graphicFrame>
+      <p:sp>
+        <p:nvSpPr>
+          <p:cNvPr id="17" name="TextBox 16">
+            <a:extLst>
+              <a:ext uri="{FF2B5EF4-FFF2-40B4-BE49-F238E27FC236}">
+                <a16:creationId xmlns:a16="http://schemas.microsoft.com/office/drawing/2014/main" id="{7FFED4E9-7134-62F7-577C-EE04C21ED462}"/>
+              </a:ext>
+            </a:extLst>
+          </p:cNvPr>
+          <p:cNvSpPr txBox="1"/>
+          <p:nvPr/>
+        </p:nvSpPr>
+        <p:spPr>
+          <a:xfrm>
+            <a:off x="1801521" y="3010619"/>
+            <a:ext cx="1983043" cy="369332"/>
+          </a:xfrm>
+          <a:prstGeom prst="rect">
+            <a:avLst/>
+          </a:prstGeom>
+          <a:noFill/>
+        </p:spPr>
+        <p:txBody>
+          <a:bodyPr wrap="none" rtlCol="0">
+            <a:spAutoFit/>
+          </a:bodyPr>
+          <a:lstStyle/>
+          <a:p>
+            <a:r>
+              <a:rPr lang="en-US" altLang="zh-CN" dirty="0"/>
+              <a:t>Fixed seat planning</a:t>
+            </a:r>
+            <a:endParaRPr lang="en-HK" dirty="0"/>
+          </a:p>
+        </p:txBody>
+      </p:sp>
+      <p:sp>
+        <p:nvSpPr>
+          <p:cNvPr id="18" name="TextBox 17">
+            <a:extLst>
+              <a:ext uri="{FF2B5EF4-FFF2-40B4-BE49-F238E27FC236}">
+                <a16:creationId xmlns:a16="http://schemas.microsoft.com/office/drawing/2014/main" id="{98D31FBC-1864-2B24-D111-652C20CA603F}"/>
+              </a:ext>
+            </a:extLst>
+          </p:cNvPr>
+          <p:cNvSpPr txBox="1"/>
+          <p:nvPr/>
+        </p:nvSpPr>
+        <p:spPr>
+          <a:xfrm>
+            <a:off x="1725283" y="4398871"/>
+            <a:ext cx="2206886" cy="369332"/>
+          </a:xfrm>
+          <a:prstGeom prst="rect">
+            <a:avLst/>
+          </a:prstGeom>
+          <a:noFill/>
+        </p:spPr>
+        <p:txBody>
+          <a:bodyPr wrap="none" rtlCol="0">
+            <a:spAutoFit/>
+          </a:bodyPr>
+          <a:lstStyle/>
+          <a:p>
+            <a:r>
+              <a:rPr lang="en-US" altLang="zh-CN" dirty="0"/>
+              <a:t>Flexible seat planning</a:t>
+            </a:r>
+            <a:endParaRPr lang="en-HK" dirty="0"/>
+          </a:p>
+        </p:txBody>
+      </p:sp>
+      <p:sp>
+        <p:nvSpPr>
+          <p:cNvPr id="12" name="Left Brace 11">
+            <a:extLst>
+              <a:ext uri="{FF2B5EF4-FFF2-40B4-BE49-F238E27FC236}">
+                <a16:creationId xmlns:a16="http://schemas.microsoft.com/office/drawing/2014/main" id="{9DE1626D-0F60-1A21-98E8-F549E28396E3}"/>
+              </a:ext>
+            </a:extLst>
+          </p:cNvPr>
+          <p:cNvSpPr/>
+          <p:nvPr/>
+        </p:nvSpPr>
+        <p:spPr>
+          <a:xfrm rot="16200000">
+            <a:off x="6931564" y="526278"/>
+            <a:ext cx="73325" cy="1263291"/>
+          </a:xfrm>
+          <a:prstGeom prst="leftBrace">
+            <a:avLst/>
+          </a:prstGeom>
+          <a:ln>
+            <a:solidFill>
+              <a:schemeClr val="bg2">
+                <a:lumMod val="25000"/>
+              </a:schemeClr>
+            </a:solidFill>
+          </a:ln>
+        </p:spPr>
+        <p:style>
+          <a:lnRef idx="1">
+            <a:schemeClr val="accent2"/>
+          </a:lnRef>
+          <a:fillRef idx="0">
+            <a:schemeClr val="accent2"/>
+          </a:fillRef>
+          <a:effectRef idx="0">
+            <a:schemeClr val="accent2"/>
+          </a:effectRef>
+          <a:fontRef idx="minor">
+            <a:schemeClr val="tx1"/>
+          </a:fontRef>
+        </p:style>
+        <p:txBody>
+          <a:bodyPr rtlCol="0" anchor="ctr"/>
+          <a:lstStyle/>
+          <a:p>
+            <a:pPr algn="ctr"/>
+            <a:endParaRPr lang="en-HK"/>
+          </a:p>
+        </p:txBody>
+      </p:sp>
+      <p:sp>
+        <p:nvSpPr>
+          <p:cNvPr id="19" name="TextBox 18">
+            <a:extLst>
+              <a:ext uri="{FF2B5EF4-FFF2-40B4-BE49-F238E27FC236}">
+                <a16:creationId xmlns:a16="http://schemas.microsoft.com/office/drawing/2014/main" id="{DD7A9D0F-0F34-5A3B-246C-613E68E4166D}"/>
+              </a:ext>
+            </a:extLst>
+          </p:cNvPr>
+          <p:cNvSpPr txBox="1"/>
+          <p:nvPr/>
+        </p:nvSpPr>
+        <p:spPr>
+          <a:xfrm>
+            <a:off x="6497039" y="1194586"/>
+            <a:ext cx="942374" cy="369332"/>
+          </a:xfrm>
+          <a:prstGeom prst="rect">
+            <a:avLst/>
+          </a:prstGeom>
+          <a:noFill/>
+        </p:spPr>
+        <p:txBody>
+          <a:bodyPr wrap="none" rtlCol="0">
+            <a:spAutoFit/>
+          </a:bodyPr>
+          <a:lstStyle/>
+          <a:p>
+            <a:r>
+              <a:rPr lang="en-US" altLang="zh-CN" dirty="0"/>
+              <a:t>Group 1</a:t>
+            </a:r>
+            <a:endParaRPr lang="en-HK" dirty="0"/>
+          </a:p>
+        </p:txBody>
+      </p:sp>
+      <p:sp>
+        <p:nvSpPr>
+          <p:cNvPr id="20" name="Left Brace 19">
+            <a:extLst>
+              <a:ext uri="{FF2B5EF4-FFF2-40B4-BE49-F238E27FC236}">
+                <a16:creationId xmlns:a16="http://schemas.microsoft.com/office/drawing/2014/main" id="{EF73190A-EC4C-479F-1659-B4EFBB82C391}"/>
+              </a:ext>
+            </a:extLst>
+          </p:cNvPr>
+          <p:cNvSpPr/>
+          <p:nvPr/>
+        </p:nvSpPr>
+        <p:spPr>
+          <a:xfrm rot="16200000">
+            <a:off x="7990416" y="747976"/>
+            <a:ext cx="73324" cy="819118"/>
+          </a:xfrm>
+          <a:prstGeom prst="leftBrace">
+            <a:avLst/>
+          </a:prstGeom>
+          <a:ln>
+            <a:solidFill>
+              <a:schemeClr val="bg2">
+                <a:lumMod val="25000"/>
+              </a:schemeClr>
+            </a:solidFill>
+          </a:ln>
+        </p:spPr>
+        <p:style>
+          <a:lnRef idx="1">
+            <a:schemeClr val="accent2"/>
+          </a:lnRef>
+          <a:fillRef idx="0">
+            <a:schemeClr val="accent2"/>
+          </a:fillRef>
+          <a:effectRef idx="0">
+            <a:schemeClr val="accent2"/>
+          </a:effectRef>
+          <a:fontRef idx="minor">
+            <a:schemeClr val="tx1"/>
+          </a:fontRef>
+        </p:style>
+        <p:txBody>
+          <a:bodyPr rtlCol="0" anchor="ctr"/>
+          <a:lstStyle/>
+          <a:p>
+            <a:pPr algn="ctr"/>
+            <a:endParaRPr lang="en-HK"/>
+          </a:p>
+        </p:txBody>
+      </p:sp>
+      <p:sp>
+        <p:nvSpPr>
+          <p:cNvPr id="21" name="TextBox 20">
+            <a:extLst>
+              <a:ext uri="{FF2B5EF4-FFF2-40B4-BE49-F238E27FC236}">
+                <a16:creationId xmlns:a16="http://schemas.microsoft.com/office/drawing/2014/main" id="{5EB3E76C-5080-EF2D-FCF3-A28E72F97B5F}"/>
+              </a:ext>
+            </a:extLst>
+          </p:cNvPr>
+          <p:cNvSpPr txBox="1"/>
+          <p:nvPr/>
+        </p:nvSpPr>
+        <p:spPr>
+          <a:xfrm>
+            <a:off x="7599871" y="1194197"/>
+            <a:ext cx="942374" cy="369332"/>
+          </a:xfrm>
+          <a:prstGeom prst="rect">
+            <a:avLst/>
+          </a:prstGeom>
+          <a:noFill/>
+        </p:spPr>
+        <p:txBody>
+          <a:bodyPr wrap="none" rtlCol="0">
+            <a:spAutoFit/>
+          </a:bodyPr>
+          <a:lstStyle/>
+          <a:p>
+            <a:r>
+              <a:rPr lang="en-US" altLang="zh-CN" dirty="0"/>
+              <a:t>Group 2</a:t>
+            </a:r>
+            <a:endParaRPr lang="en-HK" dirty="0"/>
+          </a:p>
+        </p:txBody>
+      </p:sp>
+      <p:sp>
+        <p:nvSpPr>
+          <p:cNvPr id="22" name="Left Brace 21">
+            <a:extLst>
+              <a:ext uri="{FF2B5EF4-FFF2-40B4-BE49-F238E27FC236}">
+                <a16:creationId xmlns:a16="http://schemas.microsoft.com/office/drawing/2014/main" id="{3A4135CE-F553-8DC3-6351-CA5822627C67}"/>
+              </a:ext>
+            </a:extLst>
+          </p:cNvPr>
+          <p:cNvSpPr/>
+          <p:nvPr/>
+        </p:nvSpPr>
+        <p:spPr>
+          <a:xfrm rot="16200000">
+            <a:off x="9282649" y="321828"/>
+            <a:ext cx="45719" cy="1661058"/>
+          </a:xfrm>
+          <a:prstGeom prst="leftBrace">
+            <a:avLst/>
+          </a:prstGeom>
+          <a:ln>
+            <a:solidFill>
+              <a:schemeClr val="bg2">
+                <a:lumMod val="25000"/>
+              </a:schemeClr>
+            </a:solidFill>
+          </a:ln>
+        </p:spPr>
+        <p:style>
+          <a:lnRef idx="1">
+            <a:schemeClr val="accent2"/>
+          </a:lnRef>
+          <a:fillRef idx="0">
+            <a:schemeClr val="accent2"/>
+          </a:fillRef>
+          <a:effectRef idx="0">
+            <a:schemeClr val="accent2"/>
+          </a:effectRef>
+          <a:fontRef idx="minor">
+            <a:schemeClr val="tx1"/>
+          </a:fontRef>
+        </p:style>
+        <p:txBody>
+          <a:bodyPr rtlCol="0" anchor="ctr"/>
+          <a:lstStyle/>
+          <a:p>
+            <a:pPr algn="ctr"/>
+            <a:endParaRPr lang="en-HK"/>
+          </a:p>
+        </p:txBody>
+      </p:sp>
+      <p:sp>
+        <p:nvSpPr>
+          <p:cNvPr id="23" name="TextBox 22">
+            <a:extLst>
+              <a:ext uri="{FF2B5EF4-FFF2-40B4-BE49-F238E27FC236}">
+                <a16:creationId xmlns:a16="http://schemas.microsoft.com/office/drawing/2014/main" id="{99F6E16B-40EE-F871-BEAE-B3318E11FD9F}"/>
+              </a:ext>
+            </a:extLst>
+          </p:cNvPr>
+          <p:cNvSpPr txBox="1"/>
+          <p:nvPr/>
+        </p:nvSpPr>
+        <p:spPr>
+          <a:xfrm>
+            <a:off x="8814837" y="1168183"/>
+            <a:ext cx="1239095" cy="369332"/>
+          </a:xfrm>
+          <a:prstGeom prst="rect">
+            <a:avLst/>
+          </a:prstGeom>
+          <a:noFill/>
+        </p:spPr>
+        <p:txBody>
+          <a:bodyPr wrap="square" rtlCol="0">
+            <a:spAutoFit/>
+          </a:bodyPr>
+          <a:lstStyle/>
+          <a:p>
+            <a:r>
+              <a:rPr lang="en-US" altLang="zh-CN" dirty="0"/>
+              <a:t>Group 3</a:t>
+            </a:r>
+            <a:endParaRPr lang="en-HK" dirty="0"/>
+          </a:p>
+        </p:txBody>
+      </p:sp>
+      <p:sp>
+        <p:nvSpPr>
+          <p:cNvPr id="24" name="Left Brace 23">
+            <a:extLst>
+              <a:ext uri="{FF2B5EF4-FFF2-40B4-BE49-F238E27FC236}">
+                <a16:creationId xmlns:a16="http://schemas.microsoft.com/office/drawing/2014/main" id="{BDB11B44-58E4-DACF-0665-32C656DB3D58}"/>
+              </a:ext>
+            </a:extLst>
+          </p:cNvPr>
+          <p:cNvSpPr/>
+          <p:nvPr/>
+        </p:nvSpPr>
+        <p:spPr>
+          <a:xfrm rot="16200000">
+            <a:off x="10555897" y="744526"/>
+            <a:ext cx="45720" cy="819117"/>
+          </a:xfrm>
+          <a:prstGeom prst="leftBrace">
+            <a:avLst/>
+          </a:prstGeom>
+          <a:ln>
+            <a:solidFill>
+              <a:schemeClr val="bg2">
+                <a:lumMod val="25000"/>
+              </a:schemeClr>
+            </a:solidFill>
+          </a:ln>
+        </p:spPr>
+        <p:style>
+          <a:lnRef idx="1">
+            <a:schemeClr val="accent2"/>
+          </a:lnRef>
+          <a:fillRef idx="0">
+            <a:schemeClr val="accent2"/>
+          </a:fillRef>
+          <a:effectRef idx="0">
+            <a:schemeClr val="accent2"/>
+          </a:effectRef>
+          <a:fontRef idx="minor">
+            <a:schemeClr val="tx1"/>
+          </a:fontRef>
+        </p:style>
+        <p:txBody>
+          <a:bodyPr rtlCol="0" anchor="ctr"/>
+          <a:lstStyle/>
+          <a:p>
+            <a:pPr algn="ctr"/>
+            <a:endParaRPr lang="en-HK"/>
+          </a:p>
+        </p:txBody>
+      </p:sp>
+      <p:sp>
+        <p:nvSpPr>
+          <p:cNvPr id="25" name="TextBox 24">
+            <a:extLst>
+              <a:ext uri="{FF2B5EF4-FFF2-40B4-BE49-F238E27FC236}">
+                <a16:creationId xmlns:a16="http://schemas.microsoft.com/office/drawing/2014/main" id="{44FF18AC-57E9-C38C-ACDF-5E9DD5348A10}"/>
+              </a:ext>
+            </a:extLst>
+          </p:cNvPr>
+          <p:cNvSpPr txBox="1"/>
+          <p:nvPr/>
+        </p:nvSpPr>
+        <p:spPr>
+          <a:xfrm>
+            <a:off x="10092274" y="1168183"/>
+            <a:ext cx="972966" cy="369332"/>
+          </a:xfrm>
+          <a:prstGeom prst="rect">
+            <a:avLst/>
+          </a:prstGeom>
+          <a:noFill/>
+        </p:spPr>
+        <p:txBody>
+          <a:bodyPr wrap="square" rtlCol="0">
+            <a:spAutoFit/>
+          </a:bodyPr>
+          <a:lstStyle/>
+          <a:p>
+            <a:r>
+              <a:rPr lang="en-US" altLang="zh-CN" dirty="0"/>
+              <a:t>Group 4</a:t>
+            </a:r>
+            <a:endParaRPr lang="en-HK" dirty="0"/>
+          </a:p>
+        </p:txBody>
+      </p:sp>
+    </p:spTree>
+    <p:extLst>
+      <p:ext uri="{BB962C8B-B14F-4D97-AF65-F5344CB8AC3E}">
+        <p14:creationId xmlns:p14="http://schemas.microsoft.com/office/powerpoint/2010/main" val="558083304"/>
+      </p:ext>
+    </p:extLst>
+  </p:cSld>
+  <p:clrMapOvr>
+    <a:masterClrMapping/>
+  </p:clrMapOvr>
+</p:sld>
+</file>
+
+<file path=ppt/slides/slide7.xml><?xml version="1.0" encoding="utf-8"?>
+<p:sld xmlns:a="http://schemas.openxmlformats.org/drawingml/2006/main" xmlns:r="http://schemas.openxmlformats.org/officeDocument/2006/relationships" xmlns:p="http://schemas.openxmlformats.org/presentationml/2006/main">
+  <p:cSld>
+    <p:spTree>
+      <p:nvGrpSpPr>
+        <p:cNvPr id="1" name=""/>
+        <p:cNvGrpSpPr/>
+        <p:nvPr/>
+      </p:nvGrpSpPr>
+      <p:grpSpPr>
+        <a:xfrm>
+          <a:off x="0" y="0"/>
+          <a:ext cx="0" cy="0"/>
+          <a:chOff x="0" y="0"/>
+          <a:chExt cx="0" cy="0"/>
+        </a:xfrm>
+      </p:grpSpPr>
+      <p:graphicFrame>
+        <p:nvGraphicFramePr>
           <p:cNvPr id="9" name="Table 4">
             <a:extLst>
               <a:ext uri="{FF2B5EF4-FFF2-40B4-BE49-F238E27FC236}">
@@ -10953,7 +15925,7 @@
 </p:sld>
 </file>
 
-<file path=ppt/slides/slide7.xml><?xml version="1.0" encoding="utf-8"?>
+<file path=ppt/slides/slide8.xml><?xml version="1.0" encoding="utf-8"?>
 <p:sld xmlns:a="http://schemas.openxmlformats.org/drawingml/2006/main" xmlns:r="http://schemas.openxmlformats.org/officeDocument/2006/relationships" xmlns:p="http://schemas.openxmlformats.org/presentationml/2006/main">
   <p:cSld>
     <p:spTree>
@@ -14182,7 +19154,7 @@
 </p:sld>
 </file>
 
-<file path=ppt/slides/slide8.xml><?xml version="1.0" encoding="utf-8"?>
+<file path=ppt/slides/slide9.xml><?xml version="1.0" encoding="utf-8"?>
 <p:sld xmlns:a="http://schemas.openxmlformats.org/drawingml/2006/main" xmlns:r="http://schemas.openxmlformats.org/officeDocument/2006/relationships" xmlns:p="http://schemas.openxmlformats.org/presentationml/2006/main">
   <p:cSld>
     <p:spTree>
@@ -17304,2056 +22276,6 @@
     <p:extLst>
       <p:ext uri="{BB962C8B-B14F-4D97-AF65-F5344CB8AC3E}">
         <p14:creationId xmlns:p14="http://schemas.microsoft.com/office/powerpoint/2010/main" val="2128322928"/>
-      </p:ext>
-    </p:extLst>
-  </p:cSld>
-  <p:clrMapOvr>
-    <a:masterClrMapping/>
-  </p:clrMapOvr>
-</p:sld>
-</file>
-
-<file path=ppt/slides/slide9.xml><?xml version="1.0" encoding="utf-8"?>
-<p:sld xmlns:a="http://schemas.openxmlformats.org/drawingml/2006/main" xmlns:r="http://schemas.openxmlformats.org/officeDocument/2006/relationships" xmlns:p="http://schemas.openxmlformats.org/presentationml/2006/main">
-  <p:cSld>
-    <p:spTree>
-      <p:nvGrpSpPr>
-        <p:cNvPr id="1" name=""/>
-        <p:cNvGrpSpPr/>
-        <p:nvPr/>
-      </p:nvGrpSpPr>
-      <p:grpSpPr>
-        <a:xfrm>
-          <a:off x="0" y="0"/>
-          <a:ext cx="0" cy="0"/>
-          <a:chOff x="0" y="0"/>
-          <a:chExt cx="0" cy="0"/>
-        </a:xfrm>
-      </p:grpSpPr>
-      <p:graphicFrame>
-        <p:nvGraphicFramePr>
-          <p:cNvPr id="12" name="Table 4">
-            <a:extLst>
-              <a:ext uri="{FF2B5EF4-FFF2-40B4-BE49-F238E27FC236}">
-                <a16:creationId xmlns:a16="http://schemas.microsoft.com/office/drawing/2014/main" id="{27F0C37B-C53F-2748-90C5-9F808CC65E50}"/>
-              </a:ext>
-            </a:extLst>
-          </p:cNvPr>
-          <p:cNvGraphicFramePr>
-            <a:graphicFrameLocks noGrp="1"/>
-          </p:cNvGraphicFramePr>
-          <p:nvPr>
-            <p:extLst>
-              <p:ext uri="{D42A27DB-BD31-4B8C-83A1-F6EECF244321}">
-                <p14:modId xmlns:p14="http://schemas.microsoft.com/office/powerpoint/2010/main" val="2665220629"/>
-              </p:ext>
-            </p:extLst>
-          </p:nvPr>
-        </p:nvGraphicFramePr>
-        <p:xfrm>
-          <a:off x="677651" y="4081259"/>
-          <a:ext cx="6723822" cy="370840"/>
-        </p:xfrm>
-        <a:graphic>
-          <a:graphicData uri="http://schemas.openxmlformats.org/drawingml/2006/table">
-            <a:tbl>
-              <a:tblPr firstRow="1" bandRow="1">
-                <a:tableStyleId>{5C22544A-7EE6-4342-B048-85BDC9FD1C3A}</a:tableStyleId>
-              </a:tblPr>
-              <a:tblGrid>
-                <a:gridCol w="320182">
-                  <a:extLst>
-                    <a:ext uri="{9D8B030D-6E8A-4147-A177-3AD203B41FA5}">
-                      <a16:colId xmlns:a16="http://schemas.microsoft.com/office/drawing/2014/main" val="1958716807"/>
-                    </a:ext>
-                  </a:extLst>
-                </a:gridCol>
-                <a:gridCol w="320182">
-                  <a:extLst>
-                    <a:ext uri="{9D8B030D-6E8A-4147-A177-3AD203B41FA5}">
-                      <a16:colId xmlns:a16="http://schemas.microsoft.com/office/drawing/2014/main" val="2177103222"/>
-                    </a:ext>
-                  </a:extLst>
-                </a:gridCol>
-                <a:gridCol w="320182">
-                  <a:extLst>
-                    <a:ext uri="{9D8B030D-6E8A-4147-A177-3AD203B41FA5}">
-                      <a16:colId xmlns:a16="http://schemas.microsoft.com/office/drawing/2014/main" val="191291771"/>
-                    </a:ext>
-                  </a:extLst>
-                </a:gridCol>
-                <a:gridCol w="320182">
-                  <a:extLst>
-                    <a:ext uri="{9D8B030D-6E8A-4147-A177-3AD203B41FA5}">
-                      <a16:colId xmlns:a16="http://schemas.microsoft.com/office/drawing/2014/main" val="3854136493"/>
-                    </a:ext>
-                  </a:extLst>
-                </a:gridCol>
-                <a:gridCol w="320182">
-                  <a:extLst>
-                    <a:ext uri="{9D8B030D-6E8A-4147-A177-3AD203B41FA5}">
-                      <a16:colId xmlns:a16="http://schemas.microsoft.com/office/drawing/2014/main" val="3409141404"/>
-                    </a:ext>
-                  </a:extLst>
-                </a:gridCol>
-                <a:gridCol w="320182">
-                  <a:extLst>
-                    <a:ext uri="{9D8B030D-6E8A-4147-A177-3AD203B41FA5}">
-                      <a16:colId xmlns:a16="http://schemas.microsoft.com/office/drawing/2014/main" val="217707470"/>
-                    </a:ext>
-                  </a:extLst>
-                </a:gridCol>
-                <a:gridCol w="320182">
-                  <a:extLst>
-                    <a:ext uri="{9D8B030D-6E8A-4147-A177-3AD203B41FA5}">
-                      <a16:colId xmlns:a16="http://schemas.microsoft.com/office/drawing/2014/main" val="2493533114"/>
-                    </a:ext>
-                  </a:extLst>
-                </a:gridCol>
-                <a:gridCol w="320182">
-                  <a:extLst>
-                    <a:ext uri="{9D8B030D-6E8A-4147-A177-3AD203B41FA5}">
-                      <a16:colId xmlns:a16="http://schemas.microsoft.com/office/drawing/2014/main" val="1642796582"/>
-                    </a:ext>
-                  </a:extLst>
-                </a:gridCol>
-                <a:gridCol w="320182">
-                  <a:extLst>
-                    <a:ext uri="{9D8B030D-6E8A-4147-A177-3AD203B41FA5}">
-                      <a16:colId xmlns:a16="http://schemas.microsoft.com/office/drawing/2014/main" val="967441402"/>
-                    </a:ext>
-                  </a:extLst>
-                </a:gridCol>
-                <a:gridCol w="320182">
-                  <a:extLst>
-                    <a:ext uri="{9D8B030D-6E8A-4147-A177-3AD203B41FA5}">
-                      <a16:colId xmlns:a16="http://schemas.microsoft.com/office/drawing/2014/main" val="770379941"/>
-                    </a:ext>
-                  </a:extLst>
-                </a:gridCol>
-                <a:gridCol w="320182">
-                  <a:extLst>
-                    <a:ext uri="{9D8B030D-6E8A-4147-A177-3AD203B41FA5}">
-                      <a16:colId xmlns:a16="http://schemas.microsoft.com/office/drawing/2014/main" val="4085467491"/>
-                    </a:ext>
-                  </a:extLst>
-                </a:gridCol>
-                <a:gridCol w="320182">
-                  <a:extLst>
-                    <a:ext uri="{9D8B030D-6E8A-4147-A177-3AD203B41FA5}">
-                      <a16:colId xmlns:a16="http://schemas.microsoft.com/office/drawing/2014/main" val="2183018877"/>
-                    </a:ext>
-                  </a:extLst>
-                </a:gridCol>
-                <a:gridCol w="320182">
-                  <a:extLst>
-                    <a:ext uri="{9D8B030D-6E8A-4147-A177-3AD203B41FA5}">
-                      <a16:colId xmlns:a16="http://schemas.microsoft.com/office/drawing/2014/main" val="3957069584"/>
-                    </a:ext>
-                  </a:extLst>
-                </a:gridCol>
-                <a:gridCol w="320182">
-                  <a:extLst>
-                    <a:ext uri="{9D8B030D-6E8A-4147-A177-3AD203B41FA5}">
-                      <a16:colId xmlns:a16="http://schemas.microsoft.com/office/drawing/2014/main" val="647280036"/>
-                    </a:ext>
-                  </a:extLst>
-                </a:gridCol>
-                <a:gridCol w="320182">
-                  <a:extLst>
-                    <a:ext uri="{9D8B030D-6E8A-4147-A177-3AD203B41FA5}">
-                      <a16:colId xmlns:a16="http://schemas.microsoft.com/office/drawing/2014/main" val="3244291510"/>
-                    </a:ext>
-                  </a:extLst>
-                </a:gridCol>
-                <a:gridCol w="320182">
-                  <a:extLst>
-                    <a:ext uri="{9D8B030D-6E8A-4147-A177-3AD203B41FA5}">
-                      <a16:colId xmlns:a16="http://schemas.microsoft.com/office/drawing/2014/main" val="3722398860"/>
-                    </a:ext>
-                  </a:extLst>
-                </a:gridCol>
-                <a:gridCol w="320182">
-                  <a:extLst>
-                    <a:ext uri="{9D8B030D-6E8A-4147-A177-3AD203B41FA5}">
-                      <a16:colId xmlns:a16="http://schemas.microsoft.com/office/drawing/2014/main" val="1908913428"/>
-                    </a:ext>
-                  </a:extLst>
-                </a:gridCol>
-                <a:gridCol w="320182">
-                  <a:extLst>
-                    <a:ext uri="{9D8B030D-6E8A-4147-A177-3AD203B41FA5}">
-                      <a16:colId xmlns:a16="http://schemas.microsoft.com/office/drawing/2014/main" val="3415233984"/>
-                    </a:ext>
-                  </a:extLst>
-                </a:gridCol>
-                <a:gridCol w="320182">
-                  <a:extLst>
-                    <a:ext uri="{9D8B030D-6E8A-4147-A177-3AD203B41FA5}">
-                      <a16:colId xmlns:a16="http://schemas.microsoft.com/office/drawing/2014/main" val="2902414225"/>
-                    </a:ext>
-                  </a:extLst>
-                </a:gridCol>
-                <a:gridCol w="320182">
-                  <a:extLst>
-                    <a:ext uri="{9D8B030D-6E8A-4147-A177-3AD203B41FA5}">
-                      <a16:colId xmlns:a16="http://schemas.microsoft.com/office/drawing/2014/main" val="1661741288"/>
-                    </a:ext>
-                  </a:extLst>
-                </a:gridCol>
-                <a:gridCol w="320182">
-                  <a:extLst>
-                    <a:ext uri="{9D8B030D-6E8A-4147-A177-3AD203B41FA5}">
-                      <a16:colId xmlns:a16="http://schemas.microsoft.com/office/drawing/2014/main" val="2175505222"/>
-                    </a:ext>
-                  </a:extLst>
-                </a:gridCol>
-              </a:tblGrid>
-              <a:tr h="370840">
-                <a:tc>
-                  <a:txBody>
-                    <a:bodyPr/>
-                    <a:lstStyle/>
-                    <a:p>
-                      <a:endParaRPr lang="en-HK" dirty="0"/>
-                    </a:p>
-                  </a:txBody>
-                  <a:tcPr>
-                    <a:lnL w="12700" cap="flat" cmpd="sng" algn="ctr">
-                      <a:solidFill>
-                        <a:srgbClr val="FF0000"/>
-                      </a:solidFill>
-                      <a:prstDash val="solid"/>
-                      <a:round/>
-                      <a:headEnd type="none" w="med" len="med"/>
-                      <a:tailEnd type="none" w="med" len="med"/>
-                    </a:lnL>
-                    <a:lnT w="12700" cap="flat" cmpd="sng" algn="ctr">
-                      <a:solidFill>
-                        <a:srgbClr val="FF0000"/>
-                      </a:solidFill>
-                      <a:prstDash val="solid"/>
-                      <a:round/>
-                      <a:headEnd type="none" w="med" len="med"/>
-                      <a:tailEnd type="none" w="med" len="med"/>
-                    </a:lnT>
-                    <a:lnB w="12700" cap="flat" cmpd="sng" algn="ctr">
-                      <a:solidFill>
-                        <a:srgbClr val="FF0000"/>
-                      </a:solidFill>
-                      <a:prstDash val="solid"/>
-                      <a:round/>
-                      <a:headEnd type="none" w="med" len="med"/>
-                      <a:tailEnd type="none" w="med" len="med"/>
-                    </a:lnB>
-                    <a:solidFill>
-                      <a:schemeClr val="accent2">
-                        <a:lumMod val="40000"/>
-                        <a:lumOff val="60000"/>
-                      </a:schemeClr>
-                    </a:solidFill>
-                  </a:tcPr>
-                </a:tc>
-                <a:tc>
-                  <a:txBody>
-                    <a:bodyPr/>
-                    <a:lstStyle/>
-                    <a:p>
-                      <a:endParaRPr lang="en-HK" dirty="0"/>
-                    </a:p>
-                  </a:txBody>
-                  <a:tcPr>
-                    <a:lnT w="12700" cap="flat" cmpd="sng" algn="ctr">
-                      <a:solidFill>
-                        <a:srgbClr val="FF0000"/>
-                      </a:solidFill>
-                      <a:prstDash val="solid"/>
-                      <a:round/>
-                      <a:headEnd type="none" w="med" len="med"/>
-                      <a:tailEnd type="none" w="med" len="med"/>
-                    </a:lnT>
-                    <a:lnB w="12700" cap="flat" cmpd="sng" algn="ctr">
-                      <a:solidFill>
-                        <a:srgbClr val="FF0000"/>
-                      </a:solidFill>
-                      <a:prstDash val="solid"/>
-                      <a:round/>
-                      <a:headEnd type="none" w="med" len="med"/>
-                      <a:tailEnd type="none" w="med" len="med"/>
-                    </a:lnB>
-                    <a:solidFill>
-                      <a:schemeClr val="accent2">
-                        <a:lumMod val="40000"/>
-                        <a:lumOff val="60000"/>
-                      </a:schemeClr>
-                    </a:solidFill>
-                  </a:tcPr>
-                </a:tc>
-                <a:tc>
-                  <a:txBody>
-                    <a:bodyPr/>
-                    <a:lstStyle/>
-                    <a:p>
-                      <a:endParaRPr lang="en-HK" dirty="0"/>
-                    </a:p>
-                  </a:txBody>
-                  <a:tcPr>
-                    <a:lnT w="12700" cap="flat" cmpd="sng" algn="ctr">
-                      <a:solidFill>
-                        <a:srgbClr val="FF0000"/>
-                      </a:solidFill>
-                      <a:prstDash val="solid"/>
-                      <a:round/>
-                      <a:headEnd type="none" w="med" len="med"/>
-                      <a:tailEnd type="none" w="med" len="med"/>
-                    </a:lnT>
-                    <a:lnB w="12700" cap="flat" cmpd="sng" algn="ctr">
-                      <a:solidFill>
-                        <a:srgbClr val="FF0000"/>
-                      </a:solidFill>
-                      <a:prstDash val="solid"/>
-                      <a:round/>
-                      <a:headEnd type="none" w="med" len="med"/>
-                      <a:tailEnd type="none" w="med" len="med"/>
-                    </a:lnB>
-                    <a:solidFill>
-                      <a:schemeClr val="accent2">
-                        <a:lumMod val="40000"/>
-                        <a:lumOff val="60000"/>
-                      </a:schemeClr>
-                    </a:solidFill>
-                  </a:tcPr>
-                </a:tc>
-                <a:tc>
-                  <a:txBody>
-                    <a:bodyPr/>
-                    <a:lstStyle/>
-                    <a:p>
-                      <a:endParaRPr lang="en-HK" dirty="0"/>
-                    </a:p>
-                  </a:txBody>
-                  <a:tcPr>
-                    <a:lnT w="12700" cap="flat" cmpd="sng" algn="ctr">
-                      <a:solidFill>
-                        <a:srgbClr val="FF0000"/>
-                      </a:solidFill>
-                      <a:prstDash val="solid"/>
-                      <a:round/>
-                      <a:headEnd type="none" w="med" len="med"/>
-                      <a:tailEnd type="none" w="med" len="med"/>
-                    </a:lnT>
-                    <a:lnB w="12700" cap="flat" cmpd="sng" algn="ctr">
-                      <a:solidFill>
-                        <a:srgbClr val="FF0000"/>
-                      </a:solidFill>
-                      <a:prstDash val="solid"/>
-                      <a:round/>
-                      <a:headEnd type="none" w="med" len="med"/>
-                      <a:tailEnd type="none" w="med" len="med"/>
-                    </a:lnB>
-                    <a:solidFill>
-                      <a:schemeClr val="accent2">
-                        <a:lumMod val="40000"/>
-                        <a:lumOff val="60000"/>
-                      </a:schemeClr>
-                    </a:solidFill>
-                  </a:tcPr>
-                </a:tc>
-                <a:tc>
-                  <a:txBody>
-                    <a:bodyPr/>
-                    <a:lstStyle/>
-                    <a:p>
-                      <a:endParaRPr lang="en-HK" dirty="0"/>
-                    </a:p>
-                  </a:txBody>
-                  <a:tcPr>
-                    <a:lnR w="12700" cap="flat" cmpd="sng" algn="ctr">
-                      <a:solidFill>
-                        <a:srgbClr val="FF0000"/>
-                      </a:solidFill>
-                      <a:prstDash val="solid"/>
-                      <a:round/>
-                      <a:headEnd type="none" w="med" len="med"/>
-                      <a:tailEnd type="none" w="med" len="med"/>
-                    </a:lnR>
-                    <a:lnT w="12700" cap="flat" cmpd="sng" algn="ctr">
-                      <a:solidFill>
-                        <a:srgbClr val="FF0000"/>
-                      </a:solidFill>
-                      <a:prstDash val="solid"/>
-                      <a:round/>
-                      <a:headEnd type="none" w="med" len="med"/>
-                      <a:tailEnd type="none" w="med" len="med"/>
-                    </a:lnT>
-                    <a:lnB w="12700" cap="flat" cmpd="sng" algn="ctr">
-                      <a:solidFill>
-                        <a:srgbClr val="FF0000"/>
-                      </a:solidFill>
-                      <a:prstDash val="solid"/>
-                      <a:round/>
-                      <a:headEnd type="none" w="med" len="med"/>
-                      <a:tailEnd type="none" w="med" len="med"/>
-                    </a:lnB>
-                    <a:solidFill>
-                      <a:schemeClr val="accent1">
-                        <a:lumMod val="40000"/>
-                        <a:lumOff val="60000"/>
-                      </a:schemeClr>
-                    </a:solidFill>
-                  </a:tcPr>
-                </a:tc>
-                <a:tc>
-                  <a:txBody>
-                    <a:bodyPr/>
-                    <a:lstStyle/>
-                    <a:p>
-                      <a:endParaRPr lang="en-HK" dirty="0"/>
-                    </a:p>
-                  </a:txBody>
-                  <a:tcPr>
-                    <a:lnL w="12700" cap="flat" cmpd="sng" algn="ctr">
-                      <a:solidFill>
-                        <a:srgbClr val="FF0000"/>
-                      </a:solidFill>
-                      <a:prstDash val="solid"/>
-                      <a:round/>
-                      <a:headEnd type="none" w="med" len="med"/>
-                      <a:tailEnd type="none" w="med" len="med"/>
-                    </a:lnL>
-                    <a:lnT w="12700" cap="flat" cmpd="sng" algn="ctr">
-                      <a:solidFill>
-                        <a:srgbClr val="FF0000"/>
-                      </a:solidFill>
-                      <a:prstDash val="solid"/>
-                      <a:round/>
-                      <a:headEnd type="none" w="med" len="med"/>
-                      <a:tailEnd type="none" w="med" len="med"/>
-                    </a:lnT>
-                    <a:lnB w="12700" cap="flat" cmpd="sng" algn="ctr">
-                      <a:solidFill>
-                        <a:srgbClr val="FF0000"/>
-                      </a:solidFill>
-                      <a:prstDash val="solid"/>
-                      <a:round/>
-                      <a:headEnd type="none" w="med" len="med"/>
-                      <a:tailEnd type="none" w="med" len="med"/>
-                    </a:lnB>
-                    <a:solidFill>
-                      <a:schemeClr val="accent2">
-                        <a:lumMod val="40000"/>
-                        <a:lumOff val="60000"/>
-                      </a:schemeClr>
-                    </a:solidFill>
-                  </a:tcPr>
-                </a:tc>
-                <a:tc>
-                  <a:txBody>
-                    <a:bodyPr/>
-                    <a:lstStyle/>
-                    <a:p>
-                      <a:endParaRPr lang="en-HK" dirty="0"/>
-                    </a:p>
-                  </a:txBody>
-                  <a:tcPr>
-                    <a:lnT w="12700" cap="flat" cmpd="sng" algn="ctr">
-                      <a:solidFill>
-                        <a:srgbClr val="FF0000"/>
-                      </a:solidFill>
-                      <a:prstDash val="solid"/>
-                      <a:round/>
-                      <a:headEnd type="none" w="med" len="med"/>
-                      <a:tailEnd type="none" w="med" len="med"/>
-                    </a:lnT>
-                    <a:lnB w="12700" cap="flat" cmpd="sng" algn="ctr">
-                      <a:solidFill>
-                        <a:srgbClr val="FF0000"/>
-                      </a:solidFill>
-                      <a:prstDash val="solid"/>
-                      <a:round/>
-                      <a:headEnd type="none" w="med" len="med"/>
-                      <a:tailEnd type="none" w="med" len="med"/>
-                    </a:lnB>
-                    <a:solidFill>
-                      <a:schemeClr val="accent2">
-                        <a:lumMod val="40000"/>
-                        <a:lumOff val="60000"/>
-                      </a:schemeClr>
-                    </a:solidFill>
-                  </a:tcPr>
-                </a:tc>
-                <a:tc>
-                  <a:txBody>
-                    <a:bodyPr/>
-                    <a:lstStyle/>
-                    <a:p>
-                      <a:endParaRPr lang="en-HK" dirty="0"/>
-                    </a:p>
-                  </a:txBody>
-                  <a:tcPr>
-                    <a:lnT w="12700" cap="flat" cmpd="sng" algn="ctr">
-                      <a:solidFill>
-                        <a:srgbClr val="FF0000"/>
-                      </a:solidFill>
-                      <a:prstDash val="solid"/>
-                      <a:round/>
-                      <a:headEnd type="none" w="med" len="med"/>
-                      <a:tailEnd type="none" w="med" len="med"/>
-                    </a:lnT>
-                    <a:lnB w="12700" cap="flat" cmpd="sng" algn="ctr">
-                      <a:solidFill>
-                        <a:srgbClr val="FF0000"/>
-                      </a:solidFill>
-                      <a:prstDash val="solid"/>
-                      <a:round/>
-                      <a:headEnd type="none" w="med" len="med"/>
-                      <a:tailEnd type="none" w="med" len="med"/>
-                    </a:lnB>
-                    <a:solidFill>
-                      <a:schemeClr val="accent2">
-                        <a:lumMod val="40000"/>
-                        <a:lumOff val="60000"/>
-                      </a:schemeClr>
-                    </a:solidFill>
-                  </a:tcPr>
-                </a:tc>
-                <a:tc>
-                  <a:txBody>
-                    <a:bodyPr/>
-                    <a:lstStyle/>
-                    <a:p>
-                      <a:endParaRPr lang="en-HK" dirty="0"/>
-                    </a:p>
-                  </a:txBody>
-                  <a:tcPr>
-                    <a:lnT w="12700" cap="flat" cmpd="sng" algn="ctr">
-                      <a:solidFill>
-                        <a:srgbClr val="FF0000"/>
-                      </a:solidFill>
-                      <a:prstDash val="solid"/>
-                      <a:round/>
-                      <a:headEnd type="none" w="med" len="med"/>
-                      <a:tailEnd type="none" w="med" len="med"/>
-                    </a:lnT>
-                    <a:lnB w="12700" cap="flat" cmpd="sng" algn="ctr">
-                      <a:solidFill>
-                        <a:srgbClr val="FF0000"/>
-                      </a:solidFill>
-                      <a:prstDash val="solid"/>
-                      <a:round/>
-                      <a:headEnd type="none" w="med" len="med"/>
-                      <a:tailEnd type="none" w="med" len="med"/>
-                    </a:lnB>
-                    <a:solidFill>
-                      <a:schemeClr val="accent2">
-                        <a:lumMod val="40000"/>
-                        <a:lumOff val="60000"/>
-                      </a:schemeClr>
-                    </a:solidFill>
-                  </a:tcPr>
-                </a:tc>
-                <a:tc>
-                  <a:txBody>
-                    <a:bodyPr/>
-                    <a:lstStyle/>
-                    <a:p>
-                      <a:endParaRPr lang="en-HK" dirty="0"/>
-                    </a:p>
-                  </a:txBody>
-                  <a:tcPr>
-                    <a:lnR w="12700" cap="flat" cmpd="sng" algn="ctr">
-                      <a:solidFill>
-                        <a:srgbClr val="FF0000"/>
-                      </a:solidFill>
-                      <a:prstDash val="solid"/>
-                      <a:round/>
-                      <a:headEnd type="none" w="med" len="med"/>
-                      <a:tailEnd type="none" w="med" len="med"/>
-                    </a:lnR>
-                    <a:lnT w="12700" cap="flat" cmpd="sng" algn="ctr">
-                      <a:solidFill>
-                        <a:srgbClr val="FF0000"/>
-                      </a:solidFill>
-                      <a:prstDash val="solid"/>
-                      <a:round/>
-                      <a:headEnd type="none" w="med" len="med"/>
-                      <a:tailEnd type="none" w="med" len="med"/>
-                    </a:lnT>
-                    <a:lnB w="12700" cap="flat" cmpd="sng" algn="ctr">
-                      <a:solidFill>
-                        <a:srgbClr val="FF0000"/>
-                      </a:solidFill>
-                      <a:prstDash val="solid"/>
-                      <a:round/>
-                      <a:headEnd type="none" w="med" len="med"/>
-                      <a:tailEnd type="none" w="med" len="med"/>
-                    </a:lnB>
-                    <a:solidFill>
-                      <a:schemeClr val="accent1">
-                        <a:lumMod val="40000"/>
-                        <a:lumOff val="60000"/>
-                      </a:schemeClr>
-                    </a:solidFill>
-                  </a:tcPr>
-                </a:tc>
-                <a:tc>
-                  <a:txBody>
-                    <a:bodyPr/>
-                    <a:lstStyle/>
-                    <a:p>
-                      <a:endParaRPr lang="en-HK" dirty="0"/>
-                    </a:p>
-                  </a:txBody>
-                  <a:tcPr>
-                    <a:lnL w="12700" cap="flat" cmpd="sng" algn="ctr">
-                      <a:solidFill>
-                        <a:srgbClr val="FF0000"/>
-                      </a:solidFill>
-                      <a:prstDash val="solid"/>
-                      <a:round/>
-                      <a:headEnd type="none" w="med" len="med"/>
-                      <a:tailEnd type="none" w="med" len="med"/>
-                    </a:lnL>
-                    <a:lnT w="12700" cap="flat" cmpd="sng" algn="ctr">
-                      <a:solidFill>
-                        <a:srgbClr val="FF0000"/>
-                      </a:solidFill>
-                      <a:prstDash val="solid"/>
-                      <a:round/>
-                      <a:headEnd type="none" w="med" len="med"/>
-                      <a:tailEnd type="none" w="med" len="med"/>
-                    </a:lnT>
-                    <a:lnB w="12700" cap="flat" cmpd="sng" algn="ctr">
-                      <a:solidFill>
-                        <a:srgbClr val="FF0000"/>
-                      </a:solidFill>
-                      <a:prstDash val="solid"/>
-                      <a:round/>
-                      <a:headEnd type="none" w="med" len="med"/>
-                      <a:tailEnd type="none" w="med" len="med"/>
-                    </a:lnB>
-                    <a:solidFill>
-                      <a:schemeClr val="accent2">
-                        <a:lumMod val="40000"/>
-                        <a:lumOff val="60000"/>
-                      </a:schemeClr>
-                    </a:solidFill>
-                  </a:tcPr>
-                </a:tc>
-                <a:tc>
-                  <a:txBody>
-                    <a:bodyPr/>
-                    <a:lstStyle/>
-                    <a:p>
-                      <a:endParaRPr lang="en-HK" dirty="0"/>
-                    </a:p>
-                  </a:txBody>
-                  <a:tcPr>
-                    <a:lnT w="12700" cap="flat" cmpd="sng" algn="ctr">
-                      <a:solidFill>
-                        <a:srgbClr val="FF0000"/>
-                      </a:solidFill>
-                      <a:prstDash val="solid"/>
-                      <a:round/>
-                      <a:headEnd type="none" w="med" len="med"/>
-                      <a:tailEnd type="none" w="med" len="med"/>
-                    </a:lnT>
-                    <a:lnB w="12700" cap="flat" cmpd="sng" algn="ctr">
-                      <a:solidFill>
-                        <a:srgbClr val="FF0000"/>
-                      </a:solidFill>
-                      <a:prstDash val="solid"/>
-                      <a:round/>
-                      <a:headEnd type="none" w="med" len="med"/>
-                      <a:tailEnd type="none" w="med" len="med"/>
-                    </a:lnB>
-                    <a:solidFill>
-                      <a:schemeClr val="accent2">
-                        <a:lumMod val="40000"/>
-                        <a:lumOff val="60000"/>
-                      </a:schemeClr>
-                    </a:solidFill>
-                  </a:tcPr>
-                </a:tc>
-                <a:tc>
-                  <a:txBody>
-                    <a:bodyPr/>
-                    <a:lstStyle/>
-                    <a:p>
-                      <a:endParaRPr lang="en-HK" dirty="0"/>
-                    </a:p>
-                  </a:txBody>
-                  <a:tcPr>
-                    <a:lnT w="12700" cap="flat" cmpd="sng" algn="ctr">
-                      <a:solidFill>
-                        <a:srgbClr val="FF0000"/>
-                      </a:solidFill>
-                      <a:prstDash val="solid"/>
-                      <a:round/>
-                      <a:headEnd type="none" w="med" len="med"/>
-                      <a:tailEnd type="none" w="med" len="med"/>
-                    </a:lnT>
-                    <a:lnB w="12700" cap="flat" cmpd="sng" algn="ctr">
-                      <a:solidFill>
-                        <a:srgbClr val="FF0000"/>
-                      </a:solidFill>
-                      <a:prstDash val="solid"/>
-                      <a:round/>
-                      <a:headEnd type="none" w="med" len="med"/>
-                      <a:tailEnd type="none" w="med" len="med"/>
-                    </a:lnB>
-                    <a:solidFill>
-                      <a:schemeClr val="accent2">
-                        <a:lumMod val="40000"/>
-                        <a:lumOff val="60000"/>
-                      </a:schemeClr>
-                    </a:solidFill>
-                  </a:tcPr>
-                </a:tc>
-                <a:tc>
-                  <a:txBody>
-                    <a:bodyPr/>
-                    <a:lstStyle/>
-                    <a:p>
-                      <a:endParaRPr lang="en-HK" dirty="0"/>
-                    </a:p>
-                  </a:txBody>
-                  <a:tcPr>
-                    <a:lnT w="12700" cap="flat" cmpd="sng" algn="ctr">
-                      <a:solidFill>
-                        <a:srgbClr val="FF0000"/>
-                      </a:solidFill>
-                      <a:prstDash val="solid"/>
-                      <a:round/>
-                      <a:headEnd type="none" w="med" len="med"/>
-                      <a:tailEnd type="none" w="med" len="med"/>
-                    </a:lnT>
-                    <a:lnB w="12700" cap="flat" cmpd="sng" algn="ctr">
-                      <a:solidFill>
-                        <a:srgbClr val="FF0000"/>
-                      </a:solidFill>
-                      <a:prstDash val="solid"/>
-                      <a:round/>
-                      <a:headEnd type="none" w="med" len="med"/>
-                      <a:tailEnd type="none" w="med" len="med"/>
-                    </a:lnB>
-                    <a:solidFill>
-                      <a:schemeClr val="accent2">
-                        <a:lumMod val="40000"/>
-                        <a:lumOff val="60000"/>
-                      </a:schemeClr>
-                    </a:solidFill>
-                  </a:tcPr>
-                </a:tc>
-                <a:tc>
-                  <a:txBody>
-                    <a:bodyPr/>
-                    <a:lstStyle/>
-                    <a:p>
-                      <a:endParaRPr lang="en-HK" dirty="0"/>
-                    </a:p>
-                  </a:txBody>
-                  <a:tcPr>
-                    <a:lnR w="12700" cap="flat" cmpd="sng" algn="ctr">
-                      <a:solidFill>
-                        <a:srgbClr val="FF0000"/>
-                      </a:solidFill>
-                      <a:prstDash val="solid"/>
-                      <a:round/>
-                      <a:headEnd type="none" w="med" len="med"/>
-                      <a:tailEnd type="none" w="med" len="med"/>
-                    </a:lnR>
-                    <a:lnT w="12700" cap="flat" cmpd="sng" algn="ctr">
-                      <a:solidFill>
-                        <a:srgbClr val="FF0000"/>
-                      </a:solidFill>
-                      <a:prstDash val="solid"/>
-                      <a:round/>
-                      <a:headEnd type="none" w="med" len="med"/>
-                      <a:tailEnd type="none" w="med" len="med"/>
-                    </a:lnT>
-                    <a:lnB w="12700" cap="flat" cmpd="sng" algn="ctr">
-                      <a:solidFill>
-                        <a:srgbClr val="FF0000"/>
-                      </a:solidFill>
-                      <a:prstDash val="solid"/>
-                      <a:round/>
-                      <a:headEnd type="none" w="med" len="med"/>
-                      <a:tailEnd type="none" w="med" len="med"/>
-                    </a:lnB>
-                    <a:solidFill>
-                      <a:schemeClr val="accent1">
-                        <a:lumMod val="40000"/>
-                        <a:lumOff val="60000"/>
-                      </a:schemeClr>
-                    </a:solidFill>
-                  </a:tcPr>
-                </a:tc>
-                <a:tc>
-                  <a:txBody>
-                    <a:bodyPr/>
-                    <a:lstStyle/>
-                    <a:p>
-                      <a:endParaRPr lang="en-HK" dirty="0"/>
-                    </a:p>
-                  </a:txBody>
-                  <a:tcPr>
-                    <a:lnL w="12700" cap="flat" cmpd="sng" algn="ctr">
-                      <a:solidFill>
-                        <a:srgbClr val="FF0000"/>
-                      </a:solidFill>
-                      <a:prstDash val="solid"/>
-                      <a:round/>
-                      <a:headEnd type="none" w="med" len="med"/>
-                      <a:tailEnd type="none" w="med" len="med"/>
-                    </a:lnL>
-                    <a:lnT w="12700" cap="flat" cmpd="sng" algn="ctr">
-                      <a:solidFill>
-                        <a:srgbClr val="FF0000"/>
-                      </a:solidFill>
-                      <a:prstDash val="solid"/>
-                      <a:round/>
-                      <a:headEnd type="none" w="med" len="med"/>
-                      <a:tailEnd type="none" w="med" len="med"/>
-                    </a:lnT>
-                    <a:lnB w="12700" cap="flat" cmpd="sng" algn="ctr">
-                      <a:solidFill>
-                        <a:srgbClr val="FF0000"/>
-                      </a:solidFill>
-                      <a:prstDash val="solid"/>
-                      <a:round/>
-                      <a:headEnd type="none" w="med" len="med"/>
-                      <a:tailEnd type="none" w="med" len="med"/>
-                    </a:lnB>
-                    <a:solidFill>
-                      <a:schemeClr val="accent2">
-                        <a:lumMod val="40000"/>
-                        <a:lumOff val="60000"/>
-                      </a:schemeClr>
-                    </a:solidFill>
-                  </a:tcPr>
-                </a:tc>
-                <a:tc>
-                  <a:txBody>
-                    <a:bodyPr/>
-                    <a:lstStyle/>
-                    <a:p>
-                      <a:endParaRPr lang="en-HK" dirty="0"/>
-                    </a:p>
-                  </a:txBody>
-                  <a:tcPr>
-                    <a:lnT w="12700" cap="flat" cmpd="sng" algn="ctr">
-                      <a:solidFill>
-                        <a:srgbClr val="FF0000"/>
-                      </a:solidFill>
-                      <a:prstDash val="solid"/>
-                      <a:round/>
-                      <a:headEnd type="none" w="med" len="med"/>
-                      <a:tailEnd type="none" w="med" len="med"/>
-                    </a:lnT>
-                    <a:lnB w="12700" cap="flat" cmpd="sng" algn="ctr">
-                      <a:solidFill>
-                        <a:srgbClr val="FF0000"/>
-                      </a:solidFill>
-                      <a:prstDash val="solid"/>
-                      <a:round/>
-                      <a:headEnd type="none" w="med" len="med"/>
-                      <a:tailEnd type="none" w="med" len="med"/>
-                    </a:lnB>
-                    <a:solidFill>
-                      <a:schemeClr val="accent2">
-                        <a:lumMod val="40000"/>
-                        <a:lumOff val="60000"/>
-                      </a:schemeClr>
-                    </a:solidFill>
-                  </a:tcPr>
-                </a:tc>
-                <a:tc>
-                  <a:txBody>
-                    <a:bodyPr/>
-                    <a:lstStyle/>
-                    <a:p>
-                      <a:endParaRPr lang="en-HK" dirty="0"/>
-                    </a:p>
-                  </a:txBody>
-                  <a:tcPr>
-                    <a:lnT w="12700" cap="flat" cmpd="sng" algn="ctr">
-                      <a:solidFill>
-                        <a:srgbClr val="FF0000"/>
-                      </a:solidFill>
-                      <a:prstDash val="solid"/>
-                      <a:round/>
-                      <a:headEnd type="none" w="med" len="med"/>
-                      <a:tailEnd type="none" w="med" len="med"/>
-                    </a:lnT>
-                    <a:lnB w="12700" cap="flat" cmpd="sng" algn="ctr">
-                      <a:solidFill>
-                        <a:srgbClr val="FF0000"/>
-                      </a:solidFill>
-                      <a:prstDash val="solid"/>
-                      <a:round/>
-                      <a:headEnd type="none" w="med" len="med"/>
-                      <a:tailEnd type="none" w="med" len="med"/>
-                    </a:lnB>
-                    <a:solidFill>
-                      <a:schemeClr val="accent2">
-                        <a:lumMod val="40000"/>
-                        <a:lumOff val="60000"/>
-                      </a:schemeClr>
-                    </a:solidFill>
-                  </a:tcPr>
-                </a:tc>
-                <a:tc>
-                  <a:txBody>
-                    <a:bodyPr/>
-                    <a:lstStyle/>
-                    <a:p>
-                      <a:endParaRPr lang="en-HK" dirty="0"/>
-                    </a:p>
-                  </a:txBody>
-                  <a:tcPr>
-                    <a:lnT w="12700" cap="flat" cmpd="sng" algn="ctr">
-                      <a:solidFill>
-                        <a:srgbClr val="FF0000"/>
-                      </a:solidFill>
-                      <a:prstDash val="solid"/>
-                      <a:round/>
-                      <a:headEnd type="none" w="med" len="med"/>
-                      <a:tailEnd type="none" w="med" len="med"/>
-                    </a:lnT>
-                    <a:lnB w="12700" cap="flat" cmpd="sng" algn="ctr">
-                      <a:solidFill>
-                        <a:srgbClr val="FF0000"/>
-                      </a:solidFill>
-                      <a:prstDash val="solid"/>
-                      <a:round/>
-                      <a:headEnd type="none" w="med" len="med"/>
-                      <a:tailEnd type="none" w="med" len="med"/>
-                    </a:lnB>
-                    <a:solidFill>
-                      <a:schemeClr val="accent2">
-                        <a:lumMod val="40000"/>
-                        <a:lumOff val="60000"/>
-                      </a:schemeClr>
-                    </a:solidFill>
-                  </a:tcPr>
-                </a:tc>
-                <a:tc>
-                  <a:txBody>
-                    <a:bodyPr/>
-                    <a:lstStyle/>
-                    <a:p>
-                      <a:endParaRPr lang="en-HK" dirty="0"/>
-                    </a:p>
-                  </a:txBody>
-                  <a:tcPr>
-                    <a:lnR w="12700" cap="flat" cmpd="sng" algn="ctr">
-                      <a:solidFill>
-                        <a:srgbClr val="FF0000"/>
-                      </a:solidFill>
-                      <a:prstDash val="solid"/>
-                      <a:round/>
-                      <a:headEnd type="none" w="med" len="med"/>
-                      <a:tailEnd type="none" w="med" len="med"/>
-                    </a:lnR>
-                    <a:lnT w="12700" cap="flat" cmpd="sng" algn="ctr">
-                      <a:solidFill>
-                        <a:srgbClr val="FF0000"/>
-                      </a:solidFill>
-                      <a:prstDash val="solid"/>
-                      <a:round/>
-                      <a:headEnd type="none" w="med" len="med"/>
-                      <a:tailEnd type="none" w="med" len="med"/>
-                    </a:lnT>
-                    <a:lnB w="12700" cap="flat" cmpd="sng" algn="ctr">
-                      <a:solidFill>
-                        <a:srgbClr val="FF0000"/>
-                      </a:solidFill>
-                      <a:prstDash val="solid"/>
-                      <a:round/>
-                      <a:headEnd type="none" w="med" len="med"/>
-                      <a:tailEnd type="none" w="med" len="med"/>
-                    </a:lnB>
-                    <a:solidFill>
-                      <a:schemeClr val="accent1">
-                        <a:lumMod val="40000"/>
-                        <a:lumOff val="60000"/>
-                      </a:schemeClr>
-                    </a:solidFill>
-                  </a:tcPr>
-                </a:tc>
-                <a:tc>
-                  <a:txBody>
-                    <a:bodyPr/>
-                    <a:lstStyle/>
-                    <a:p>
-                      <a:endParaRPr lang="en-HK" dirty="0"/>
-                    </a:p>
-                  </a:txBody>
-                  <a:tcPr>
-                    <a:lnL w="12700" cap="flat" cmpd="sng" algn="ctr">
-                      <a:solidFill>
-                        <a:srgbClr val="FF0000"/>
-                      </a:solidFill>
-                      <a:prstDash val="solid"/>
-                      <a:round/>
-                      <a:headEnd type="none" w="med" len="med"/>
-                      <a:tailEnd type="none" w="med" len="med"/>
-                    </a:lnL>
-                    <a:solidFill>
-                      <a:schemeClr val="bg2">
-                        <a:lumMod val="90000"/>
-                      </a:schemeClr>
-                    </a:solidFill>
-                  </a:tcPr>
-                </a:tc>
-                <a:extLst>
-                  <a:ext uri="{0D108BD9-81ED-4DB2-BD59-A6C34878D82A}">
-                    <a16:rowId xmlns:a16="http://schemas.microsoft.com/office/drawing/2014/main" val="2601047344"/>
-                  </a:ext>
-                </a:extLst>
-              </a:tr>
-            </a:tbl>
-          </a:graphicData>
-        </a:graphic>
-      </p:graphicFrame>
-      <p:graphicFrame>
-        <p:nvGraphicFramePr>
-          <p:cNvPr id="19" name="Table 4">
-            <a:extLst>
-              <a:ext uri="{FF2B5EF4-FFF2-40B4-BE49-F238E27FC236}">
-                <a16:creationId xmlns:a16="http://schemas.microsoft.com/office/drawing/2014/main" id="{CF3EBE47-1456-000E-5FDF-D317E2A579DE}"/>
-              </a:ext>
-            </a:extLst>
-          </p:cNvPr>
-          <p:cNvGraphicFramePr>
-            <a:graphicFrameLocks noGrp="1"/>
-          </p:cNvGraphicFramePr>
-          <p:nvPr>
-            <p:extLst>
-              <p:ext uri="{D42A27DB-BD31-4B8C-83A1-F6EECF244321}">
-                <p14:modId xmlns:p14="http://schemas.microsoft.com/office/powerpoint/2010/main" val="1461141786"/>
-              </p:ext>
-            </p:extLst>
-          </p:nvPr>
-        </p:nvGraphicFramePr>
-        <p:xfrm>
-          <a:off x="677650" y="4732528"/>
-          <a:ext cx="6723822" cy="370840"/>
-        </p:xfrm>
-        <a:graphic>
-          <a:graphicData uri="http://schemas.openxmlformats.org/drawingml/2006/table">
-            <a:tbl>
-              <a:tblPr firstRow="1" bandRow="1">
-                <a:tableStyleId>{5C22544A-7EE6-4342-B048-85BDC9FD1C3A}</a:tableStyleId>
-              </a:tblPr>
-              <a:tblGrid>
-                <a:gridCol w="320182">
-                  <a:extLst>
-                    <a:ext uri="{9D8B030D-6E8A-4147-A177-3AD203B41FA5}">
-                      <a16:colId xmlns:a16="http://schemas.microsoft.com/office/drawing/2014/main" val="1958716807"/>
-                    </a:ext>
-                  </a:extLst>
-                </a:gridCol>
-                <a:gridCol w="320182">
-                  <a:extLst>
-                    <a:ext uri="{9D8B030D-6E8A-4147-A177-3AD203B41FA5}">
-                      <a16:colId xmlns:a16="http://schemas.microsoft.com/office/drawing/2014/main" val="2177103222"/>
-                    </a:ext>
-                  </a:extLst>
-                </a:gridCol>
-                <a:gridCol w="320182">
-                  <a:extLst>
-                    <a:ext uri="{9D8B030D-6E8A-4147-A177-3AD203B41FA5}">
-                      <a16:colId xmlns:a16="http://schemas.microsoft.com/office/drawing/2014/main" val="191291771"/>
-                    </a:ext>
-                  </a:extLst>
-                </a:gridCol>
-                <a:gridCol w="320182">
-                  <a:extLst>
-                    <a:ext uri="{9D8B030D-6E8A-4147-A177-3AD203B41FA5}">
-                      <a16:colId xmlns:a16="http://schemas.microsoft.com/office/drawing/2014/main" val="3409141404"/>
-                    </a:ext>
-                  </a:extLst>
-                </a:gridCol>
-                <a:gridCol w="320182">
-                  <a:extLst>
-                    <a:ext uri="{9D8B030D-6E8A-4147-A177-3AD203B41FA5}">
-                      <a16:colId xmlns:a16="http://schemas.microsoft.com/office/drawing/2014/main" val="217707470"/>
-                    </a:ext>
-                  </a:extLst>
-                </a:gridCol>
-                <a:gridCol w="320182">
-                  <a:extLst>
-                    <a:ext uri="{9D8B030D-6E8A-4147-A177-3AD203B41FA5}">
-                      <a16:colId xmlns:a16="http://schemas.microsoft.com/office/drawing/2014/main" val="2493533114"/>
-                    </a:ext>
-                  </a:extLst>
-                </a:gridCol>
-                <a:gridCol w="320182">
-                  <a:extLst>
-                    <a:ext uri="{9D8B030D-6E8A-4147-A177-3AD203B41FA5}">
-                      <a16:colId xmlns:a16="http://schemas.microsoft.com/office/drawing/2014/main" val="1642796582"/>
-                    </a:ext>
-                  </a:extLst>
-                </a:gridCol>
-                <a:gridCol w="320182">
-                  <a:extLst>
-                    <a:ext uri="{9D8B030D-6E8A-4147-A177-3AD203B41FA5}">
-                      <a16:colId xmlns:a16="http://schemas.microsoft.com/office/drawing/2014/main" val="770379941"/>
-                    </a:ext>
-                  </a:extLst>
-                </a:gridCol>
-                <a:gridCol w="320182">
-                  <a:extLst>
-                    <a:ext uri="{9D8B030D-6E8A-4147-A177-3AD203B41FA5}">
-                      <a16:colId xmlns:a16="http://schemas.microsoft.com/office/drawing/2014/main" val="2183018877"/>
-                    </a:ext>
-                  </a:extLst>
-                </a:gridCol>
-                <a:gridCol w="320182">
-                  <a:extLst>
-                    <a:ext uri="{9D8B030D-6E8A-4147-A177-3AD203B41FA5}">
-                      <a16:colId xmlns:a16="http://schemas.microsoft.com/office/drawing/2014/main" val="3957069584"/>
-                    </a:ext>
-                  </a:extLst>
-                </a:gridCol>
-                <a:gridCol w="320182">
-                  <a:extLst>
-                    <a:ext uri="{9D8B030D-6E8A-4147-A177-3AD203B41FA5}">
-                      <a16:colId xmlns:a16="http://schemas.microsoft.com/office/drawing/2014/main" val="647280036"/>
-                    </a:ext>
-                  </a:extLst>
-                </a:gridCol>
-                <a:gridCol w="320182">
-                  <a:extLst>
-                    <a:ext uri="{9D8B030D-6E8A-4147-A177-3AD203B41FA5}">
-                      <a16:colId xmlns:a16="http://schemas.microsoft.com/office/drawing/2014/main" val="3244291510"/>
-                    </a:ext>
-                  </a:extLst>
-                </a:gridCol>
-                <a:gridCol w="320182">
-                  <a:extLst>
-                    <a:ext uri="{9D8B030D-6E8A-4147-A177-3AD203B41FA5}">
-                      <a16:colId xmlns:a16="http://schemas.microsoft.com/office/drawing/2014/main" val="3722398860"/>
-                    </a:ext>
-                  </a:extLst>
-                </a:gridCol>
-                <a:gridCol w="320182">
-                  <a:extLst>
-                    <a:ext uri="{9D8B030D-6E8A-4147-A177-3AD203B41FA5}">
-                      <a16:colId xmlns:a16="http://schemas.microsoft.com/office/drawing/2014/main" val="3415233984"/>
-                    </a:ext>
-                  </a:extLst>
-                </a:gridCol>
-                <a:gridCol w="320182">
-                  <a:extLst>
-                    <a:ext uri="{9D8B030D-6E8A-4147-A177-3AD203B41FA5}">
-                      <a16:colId xmlns:a16="http://schemas.microsoft.com/office/drawing/2014/main" val="2902414225"/>
-                    </a:ext>
-                  </a:extLst>
-                </a:gridCol>
-                <a:gridCol w="320182">
-                  <a:extLst>
-                    <a:ext uri="{9D8B030D-6E8A-4147-A177-3AD203B41FA5}">
-                      <a16:colId xmlns:a16="http://schemas.microsoft.com/office/drawing/2014/main" val="1661741288"/>
-                    </a:ext>
-                  </a:extLst>
-                </a:gridCol>
-                <a:gridCol w="320182">
-                  <a:extLst>
-                    <a:ext uri="{9D8B030D-6E8A-4147-A177-3AD203B41FA5}">
-                      <a16:colId xmlns:a16="http://schemas.microsoft.com/office/drawing/2014/main" val="3311475659"/>
-                    </a:ext>
-                  </a:extLst>
-                </a:gridCol>
-                <a:gridCol w="320182">
-                  <a:extLst>
-                    <a:ext uri="{9D8B030D-6E8A-4147-A177-3AD203B41FA5}">
-                      <a16:colId xmlns:a16="http://schemas.microsoft.com/office/drawing/2014/main" val="1290295606"/>
-                    </a:ext>
-                  </a:extLst>
-                </a:gridCol>
-                <a:gridCol w="320182">
-                  <a:extLst>
-                    <a:ext uri="{9D8B030D-6E8A-4147-A177-3AD203B41FA5}">
-                      <a16:colId xmlns:a16="http://schemas.microsoft.com/office/drawing/2014/main" val="1857034175"/>
-                    </a:ext>
-                  </a:extLst>
-                </a:gridCol>
-                <a:gridCol w="320182">
-                  <a:extLst>
-                    <a:ext uri="{9D8B030D-6E8A-4147-A177-3AD203B41FA5}">
-                      <a16:colId xmlns:a16="http://schemas.microsoft.com/office/drawing/2014/main" val="2683234811"/>
-                    </a:ext>
-                  </a:extLst>
-                </a:gridCol>
-                <a:gridCol w="320182">
-                  <a:extLst>
-                    <a:ext uri="{9D8B030D-6E8A-4147-A177-3AD203B41FA5}">
-                      <a16:colId xmlns:a16="http://schemas.microsoft.com/office/drawing/2014/main" val="2175505222"/>
-                    </a:ext>
-                  </a:extLst>
-                </a:gridCol>
-              </a:tblGrid>
-              <a:tr h="370840">
-                <a:tc>
-                  <a:txBody>
-                    <a:bodyPr/>
-                    <a:lstStyle/>
-                    <a:p>
-                      <a:endParaRPr lang="en-HK" dirty="0"/>
-                    </a:p>
-                  </a:txBody>
-                  <a:tcPr>
-                    <a:lnL w="12700" cap="flat" cmpd="sng" algn="ctr">
-                      <a:solidFill>
-                        <a:srgbClr val="FF0000"/>
-                      </a:solidFill>
-                      <a:prstDash val="solid"/>
-                      <a:round/>
-                      <a:headEnd type="none" w="med" len="med"/>
-                      <a:tailEnd type="none" w="med" len="med"/>
-                    </a:lnL>
-                    <a:lnT w="12700" cap="flat" cmpd="sng" algn="ctr">
-                      <a:solidFill>
-                        <a:srgbClr val="FF0000"/>
-                      </a:solidFill>
-                      <a:prstDash val="solid"/>
-                      <a:round/>
-                      <a:headEnd type="none" w="med" len="med"/>
-                      <a:tailEnd type="none" w="med" len="med"/>
-                    </a:lnT>
-                    <a:lnB w="12700" cap="flat" cmpd="sng" algn="ctr">
-                      <a:solidFill>
-                        <a:srgbClr val="FF0000"/>
-                      </a:solidFill>
-                      <a:prstDash val="solid"/>
-                      <a:round/>
-                      <a:headEnd type="none" w="med" len="med"/>
-                      <a:tailEnd type="none" w="med" len="med"/>
-                    </a:lnB>
-                    <a:solidFill>
-                      <a:schemeClr val="accent2">
-                        <a:lumMod val="40000"/>
-                        <a:lumOff val="60000"/>
-                      </a:schemeClr>
-                    </a:solidFill>
-                  </a:tcPr>
-                </a:tc>
-                <a:tc>
-                  <a:txBody>
-                    <a:bodyPr/>
-                    <a:lstStyle/>
-                    <a:p>
-                      <a:endParaRPr lang="en-HK" dirty="0"/>
-                    </a:p>
-                  </a:txBody>
-                  <a:tcPr>
-                    <a:lnT w="12700" cap="flat" cmpd="sng" algn="ctr">
-                      <a:solidFill>
-                        <a:srgbClr val="FF0000"/>
-                      </a:solidFill>
-                      <a:prstDash val="solid"/>
-                      <a:round/>
-                      <a:headEnd type="none" w="med" len="med"/>
-                      <a:tailEnd type="none" w="med" len="med"/>
-                    </a:lnT>
-                    <a:lnB w="12700" cap="flat" cmpd="sng" algn="ctr">
-                      <a:solidFill>
-                        <a:srgbClr val="FF0000"/>
-                      </a:solidFill>
-                      <a:prstDash val="solid"/>
-                      <a:round/>
-                      <a:headEnd type="none" w="med" len="med"/>
-                      <a:tailEnd type="none" w="med" len="med"/>
-                    </a:lnB>
-                    <a:solidFill>
-                      <a:schemeClr val="accent2">
-                        <a:lumMod val="40000"/>
-                        <a:lumOff val="60000"/>
-                      </a:schemeClr>
-                    </a:solidFill>
-                  </a:tcPr>
-                </a:tc>
-                <a:tc>
-                  <a:txBody>
-                    <a:bodyPr/>
-                    <a:lstStyle/>
-                    <a:p>
-                      <a:endParaRPr lang="en-HK" dirty="0"/>
-                    </a:p>
-                  </a:txBody>
-                  <a:tcPr>
-                    <a:lnT w="12700" cap="flat" cmpd="sng" algn="ctr">
-                      <a:solidFill>
-                        <a:srgbClr val="FF0000"/>
-                      </a:solidFill>
-                      <a:prstDash val="solid"/>
-                      <a:round/>
-                      <a:headEnd type="none" w="med" len="med"/>
-                      <a:tailEnd type="none" w="med" len="med"/>
-                    </a:lnT>
-                    <a:lnB w="12700" cap="flat" cmpd="sng" algn="ctr">
-                      <a:solidFill>
-                        <a:srgbClr val="FF0000"/>
-                      </a:solidFill>
-                      <a:prstDash val="solid"/>
-                      <a:round/>
-                      <a:headEnd type="none" w="med" len="med"/>
-                      <a:tailEnd type="none" w="med" len="med"/>
-                    </a:lnB>
-                    <a:solidFill>
-                      <a:schemeClr val="accent2">
-                        <a:lumMod val="40000"/>
-                        <a:lumOff val="60000"/>
-                      </a:schemeClr>
-                    </a:solidFill>
-                  </a:tcPr>
-                </a:tc>
-                <a:tc>
-                  <a:txBody>
-                    <a:bodyPr/>
-                    <a:lstStyle/>
-                    <a:p>
-                      <a:endParaRPr lang="en-HK" dirty="0"/>
-                    </a:p>
-                  </a:txBody>
-                  <a:tcPr>
-                    <a:lnR w="12700" cap="flat" cmpd="sng" algn="ctr">
-                      <a:solidFill>
-                        <a:srgbClr val="FF0000"/>
-                      </a:solidFill>
-                      <a:prstDash val="solid"/>
-                      <a:round/>
-                      <a:headEnd type="none" w="med" len="med"/>
-                      <a:tailEnd type="none" w="med" len="med"/>
-                    </a:lnR>
-                    <a:lnT w="12700" cap="flat" cmpd="sng" algn="ctr">
-                      <a:solidFill>
-                        <a:srgbClr val="FF0000"/>
-                      </a:solidFill>
-                      <a:prstDash val="solid"/>
-                      <a:round/>
-                      <a:headEnd type="none" w="med" len="med"/>
-                      <a:tailEnd type="none" w="med" len="med"/>
-                    </a:lnT>
-                    <a:lnB w="12700" cap="flat" cmpd="sng" algn="ctr">
-                      <a:solidFill>
-                        <a:srgbClr val="FF0000"/>
-                      </a:solidFill>
-                      <a:prstDash val="solid"/>
-                      <a:round/>
-                      <a:headEnd type="none" w="med" len="med"/>
-                      <a:tailEnd type="none" w="med" len="med"/>
-                    </a:lnB>
-                    <a:solidFill>
-                      <a:schemeClr val="accent1">
-                        <a:lumMod val="40000"/>
-                        <a:lumOff val="60000"/>
-                      </a:schemeClr>
-                    </a:solidFill>
-                  </a:tcPr>
-                </a:tc>
-                <a:tc>
-                  <a:txBody>
-                    <a:bodyPr/>
-                    <a:lstStyle/>
-                    <a:p>
-                      <a:endParaRPr lang="en-HK" dirty="0"/>
-                    </a:p>
-                  </a:txBody>
-                  <a:tcPr>
-                    <a:lnL w="12700" cap="flat" cmpd="sng" algn="ctr">
-                      <a:solidFill>
-                        <a:srgbClr val="FF0000"/>
-                      </a:solidFill>
-                      <a:prstDash val="solid"/>
-                      <a:round/>
-                      <a:headEnd type="none" w="med" len="med"/>
-                      <a:tailEnd type="none" w="med" len="med"/>
-                    </a:lnL>
-                    <a:lnT w="12700" cap="flat" cmpd="sng" algn="ctr">
-                      <a:solidFill>
-                        <a:srgbClr val="FF0000"/>
-                      </a:solidFill>
-                      <a:prstDash val="solid"/>
-                      <a:round/>
-                      <a:headEnd type="none" w="med" len="med"/>
-                      <a:tailEnd type="none" w="med" len="med"/>
-                    </a:lnT>
-                    <a:lnB w="12700" cap="flat" cmpd="sng" algn="ctr">
-                      <a:solidFill>
-                        <a:srgbClr val="FF0000"/>
-                      </a:solidFill>
-                      <a:prstDash val="solid"/>
-                      <a:round/>
-                      <a:headEnd type="none" w="med" len="med"/>
-                      <a:tailEnd type="none" w="med" len="med"/>
-                    </a:lnB>
-                    <a:solidFill>
-                      <a:schemeClr val="accent2">
-                        <a:lumMod val="40000"/>
-                        <a:lumOff val="60000"/>
-                      </a:schemeClr>
-                    </a:solidFill>
-                  </a:tcPr>
-                </a:tc>
-                <a:tc>
-                  <a:txBody>
-                    <a:bodyPr/>
-                    <a:lstStyle/>
-                    <a:p>
-                      <a:endParaRPr lang="en-HK" dirty="0"/>
-                    </a:p>
-                  </a:txBody>
-                  <a:tcPr>
-                    <a:lnT w="12700" cap="flat" cmpd="sng" algn="ctr">
-                      <a:solidFill>
-                        <a:srgbClr val="FF0000"/>
-                      </a:solidFill>
-                      <a:prstDash val="solid"/>
-                      <a:round/>
-                      <a:headEnd type="none" w="med" len="med"/>
-                      <a:tailEnd type="none" w="med" len="med"/>
-                    </a:lnT>
-                    <a:lnB w="12700" cap="flat" cmpd="sng" algn="ctr">
-                      <a:solidFill>
-                        <a:srgbClr val="FF0000"/>
-                      </a:solidFill>
-                      <a:prstDash val="solid"/>
-                      <a:round/>
-                      <a:headEnd type="none" w="med" len="med"/>
-                      <a:tailEnd type="none" w="med" len="med"/>
-                    </a:lnB>
-                    <a:solidFill>
-                      <a:schemeClr val="accent2">
-                        <a:lumMod val="40000"/>
-                        <a:lumOff val="60000"/>
-                      </a:schemeClr>
-                    </a:solidFill>
-                  </a:tcPr>
-                </a:tc>
-                <a:tc>
-                  <a:txBody>
-                    <a:bodyPr/>
-                    <a:lstStyle/>
-                    <a:p>
-                      <a:endParaRPr lang="en-HK" dirty="0"/>
-                    </a:p>
-                  </a:txBody>
-                  <a:tcPr>
-                    <a:lnT w="12700" cap="flat" cmpd="sng" algn="ctr">
-                      <a:solidFill>
-                        <a:srgbClr val="FF0000"/>
-                      </a:solidFill>
-                      <a:prstDash val="solid"/>
-                      <a:round/>
-                      <a:headEnd type="none" w="med" len="med"/>
-                      <a:tailEnd type="none" w="med" len="med"/>
-                    </a:lnT>
-                    <a:lnB w="12700" cap="flat" cmpd="sng" algn="ctr">
-                      <a:solidFill>
-                        <a:srgbClr val="FF0000"/>
-                      </a:solidFill>
-                      <a:prstDash val="solid"/>
-                      <a:round/>
-                      <a:headEnd type="none" w="med" len="med"/>
-                      <a:tailEnd type="none" w="med" len="med"/>
-                    </a:lnB>
-                    <a:solidFill>
-                      <a:schemeClr val="accent2">
-                        <a:lumMod val="40000"/>
-                        <a:lumOff val="60000"/>
-                      </a:schemeClr>
-                    </a:solidFill>
-                  </a:tcPr>
-                </a:tc>
-                <a:tc>
-                  <a:txBody>
-                    <a:bodyPr/>
-                    <a:lstStyle/>
-                    <a:p>
-                      <a:endParaRPr lang="en-HK" dirty="0"/>
-                    </a:p>
-                  </a:txBody>
-                  <a:tcPr>
-                    <a:lnR w="12700" cap="flat" cmpd="sng" algn="ctr">
-                      <a:solidFill>
-                        <a:srgbClr val="FF0000"/>
-                      </a:solidFill>
-                      <a:prstDash val="solid"/>
-                      <a:round/>
-                      <a:headEnd type="none" w="med" len="med"/>
-                      <a:tailEnd type="none" w="med" len="med"/>
-                    </a:lnR>
-                    <a:lnT w="12700" cap="flat" cmpd="sng" algn="ctr">
-                      <a:solidFill>
-                        <a:srgbClr val="FF0000"/>
-                      </a:solidFill>
-                      <a:prstDash val="solid"/>
-                      <a:round/>
-                      <a:headEnd type="none" w="med" len="med"/>
-                      <a:tailEnd type="none" w="med" len="med"/>
-                    </a:lnT>
-                    <a:lnB w="12700" cap="flat" cmpd="sng" algn="ctr">
-                      <a:solidFill>
-                        <a:srgbClr val="FF0000"/>
-                      </a:solidFill>
-                      <a:prstDash val="solid"/>
-                      <a:round/>
-                      <a:headEnd type="none" w="med" len="med"/>
-                      <a:tailEnd type="none" w="med" len="med"/>
-                    </a:lnB>
-                    <a:solidFill>
-                      <a:schemeClr val="accent1">
-                        <a:lumMod val="40000"/>
-                        <a:lumOff val="60000"/>
-                      </a:schemeClr>
-                    </a:solidFill>
-                  </a:tcPr>
-                </a:tc>
-                <a:tc>
-                  <a:txBody>
-                    <a:bodyPr/>
-                    <a:lstStyle/>
-                    <a:p>
-                      <a:endParaRPr lang="en-HK" dirty="0"/>
-                    </a:p>
-                  </a:txBody>
-                  <a:tcPr>
-                    <a:lnL w="12700" cap="flat" cmpd="sng" algn="ctr">
-                      <a:solidFill>
-                        <a:srgbClr val="FF0000"/>
-                      </a:solidFill>
-                      <a:prstDash val="solid"/>
-                      <a:round/>
-                      <a:headEnd type="none" w="med" len="med"/>
-                      <a:tailEnd type="none" w="med" len="med"/>
-                    </a:lnL>
-                    <a:lnT w="12700" cap="flat" cmpd="sng" algn="ctr">
-                      <a:solidFill>
-                        <a:srgbClr val="FF0000"/>
-                      </a:solidFill>
-                      <a:prstDash val="solid"/>
-                      <a:round/>
-                      <a:headEnd type="none" w="med" len="med"/>
-                      <a:tailEnd type="none" w="med" len="med"/>
-                    </a:lnT>
-                    <a:lnB w="12700" cap="flat" cmpd="sng" algn="ctr">
-                      <a:solidFill>
-                        <a:srgbClr val="FF0000"/>
-                      </a:solidFill>
-                      <a:prstDash val="solid"/>
-                      <a:round/>
-                      <a:headEnd type="none" w="med" len="med"/>
-                      <a:tailEnd type="none" w="med" len="med"/>
-                    </a:lnB>
-                    <a:solidFill>
-                      <a:schemeClr val="accent2">
-                        <a:lumMod val="40000"/>
-                        <a:lumOff val="60000"/>
-                      </a:schemeClr>
-                    </a:solidFill>
-                  </a:tcPr>
-                </a:tc>
-                <a:tc>
-                  <a:txBody>
-                    <a:bodyPr/>
-                    <a:lstStyle/>
-                    <a:p>
-                      <a:endParaRPr lang="en-HK" dirty="0"/>
-                    </a:p>
-                  </a:txBody>
-                  <a:tcPr>
-                    <a:lnT w="12700" cap="flat" cmpd="sng" algn="ctr">
-                      <a:solidFill>
-                        <a:srgbClr val="FF0000"/>
-                      </a:solidFill>
-                      <a:prstDash val="solid"/>
-                      <a:round/>
-                      <a:headEnd type="none" w="med" len="med"/>
-                      <a:tailEnd type="none" w="med" len="med"/>
-                    </a:lnT>
-                    <a:lnB w="12700" cap="flat" cmpd="sng" algn="ctr">
-                      <a:solidFill>
-                        <a:srgbClr val="FF0000"/>
-                      </a:solidFill>
-                      <a:prstDash val="solid"/>
-                      <a:round/>
-                      <a:headEnd type="none" w="med" len="med"/>
-                      <a:tailEnd type="none" w="med" len="med"/>
-                    </a:lnB>
-                    <a:solidFill>
-                      <a:schemeClr val="accent2">
-                        <a:lumMod val="40000"/>
-                        <a:lumOff val="60000"/>
-                      </a:schemeClr>
-                    </a:solidFill>
-                  </a:tcPr>
-                </a:tc>
-                <a:tc>
-                  <a:txBody>
-                    <a:bodyPr/>
-                    <a:lstStyle/>
-                    <a:p>
-                      <a:endParaRPr lang="en-HK" dirty="0"/>
-                    </a:p>
-                  </a:txBody>
-                  <a:tcPr>
-                    <a:lnT w="12700" cap="flat" cmpd="sng" algn="ctr">
-                      <a:solidFill>
-                        <a:srgbClr val="FF0000"/>
-                      </a:solidFill>
-                      <a:prstDash val="solid"/>
-                      <a:round/>
-                      <a:headEnd type="none" w="med" len="med"/>
-                      <a:tailEnd type="none" w="med" len="med"/>
-                    </a:lnT>
-                    <a:lnB w="12700" cap="flat" cmpd="sng" algn="ctr">
-                      <a:solidFill>
-                        <a:srgbClr val="FF0000"/>
-                      </a:solidFill>
-                      <a:prstDash val="solid"/>
-                      <a:round/>
-                      <a:headEnd type="none" w="med" len="med"/>
-                      <a:tailEnd type="none" w="med" len="med"/>
-                    </a:lnB>
-                    <a:solidFill>
-                      <a:schemeClr val="accent2">
-                        <a:lumMod val="40000"/>
-                        <a:lumOff val="60000"/>
-                      </a:schemeClr>
-                    </a:solidFill>
-                  </a:tcPr>
-                </a:tc>
-                <a:tc>
-                  <a:txBody>
-                    <a:bodyPr/>
-                    <a:lstStyle/>
-                    <a:p>
-                      <a:endParaRPr lang="en-HK" dirty="0"/>
-                    </a:p>
-                  </a:txBody>
-                  <a:tcPr>
-                    <a:lnR w="12700" cap="flat" cmpd="sng" algn="ctr">
-                      <a:solidFill>
-                        <a:srgbClr val="FF0000"/>
-                      </a:solidFill>
-                      <a:prstDash val="solid"/>
-                      <a:round/>
-                      <a:headEnd type="none" w="med" len="med"/>
-                      <a:tailEnd type="none" w="med" len="med"/>
-                    </a:lnR>
-                    <a:lnT w="12700" cap="flat" cmpd="sng" algn="ctr">
-                      <a:solidFill>
-                        <a:srgbClr val="FF0000"/>
-                      </a:solidFill>
-                      <a:prstDash val="solid"/>
-                      <a:round/>
-                      <a:headEnd type="none" w="med" len="med"/>
-                      <a:tailEnd type="none" w="med" len="med"/>
-                    </a:lnT>
-                    <a:lnB w="12700" cap="flat" cmpd="sng" algn="ctr">
-                      <a:solidFill>
-                        <a:srgbClr val="FF0000"/>
-                      </a:solidFill>
-                      <a:prstDash val="solid"/>
-                      <a:round/>
-                      <a:headEnd type="none" w="med" len="med"/>
-                      <a:tailEnd type="none" w="med" len="med"/>
-                    </a:lnB>
-                    <a:solidFill>
-                      <a:schemeClr val="accent1">
-                        <a:lumMod val="40000"/>
-                        <a:lumOff val="60000"/>
-                      </a:schemeClr>
-                    </a:solidFill>
-                  </a:tcPr>
-                </a:tc>
-                <a:tc>
-                  <a:txBody>
-                    <a:bodyPr/>
-                    <a:lstStyle/>
-                    <a:p>
-                      <a:endParaRPr lang="en-HK" dirty="0"/>
-                    </a:p>
-                  </a:txBody>
-                  <a:tcPr>
-                    <a:lnL w="12700" cap="flat" cmpd="sng" algn="ctr">
-                      <a:solidFill>
-                        <a:srgbClr val="FF0000"/>
-                      </a:solidFill>
-                      <a:prstDash val="solid"/>
-                      <a:round/>
-                      <a:headEnd type="none" w="med" len="med"/>
-                      <a:tailEnd type="none" w="med" len="med"/>
-                    </a:lnL>
-                    <a:lnT w="12700" cap="flat" cmpd="sng" algn="ctr">
-                      <a:solidFill>
-                        <a:srgbClr val="FF0000"/>
-                      </a:solidFill>
-                      <a:prstDash val="solid"/>
-                      <a:round/>
-                      <a:headEnd type="none" w="med" len="med"/>
-                      <a:tailEnd type="none" w="med" len="med"/>
-                    </a:lnT>
-                    <a:lnB w="12700" cap="flat" cmpd="sng" algn="ctr">
-                      <a:solidFill>
-                        <a:srgbClr val="FF0000"/>
-                      </a:solidFill>
-                      <a:prstDash val="solid"/>
-                      <a:round/>
-                      <a:headEnd type="none" w="med" len="med"/>
-                      <a:tailEnd type="none" w="med" len="med"/>
-                    </a:lnB>
-                    <a:solidFill>
-                      <a:schemeClr val="accent2">
-                        <a:lumMod val="40000"/>
-                        <a:lumOff val="60000"/>
-                      </a:schemeClr>
-                    </a:solidFill>
-                  </a:tcPr>
-                </a:tc>
-                <a:tc>
-                  <a:txBody>
-                    <a:bodyPr/>
-                    <a:lstStyle/>
-                    <a:p>
-                      <a:endParaRPr lang="en-HK" dirty="0"/>
-                    </a:p>
-                  </a:txBody>
-                  <a:tcPr>
-                    <a:lnT w="12700" cap="flat" cmpd="sng" algn="ctr">
-                      <a:solidFill>
-                        <a:srgbClr val="FF0000"/>
-                      </a:solidFill>
-                      <a:prstDash val="solid"/>
-                      <a:round/>
-                      <a:headEnd type="none" w="med" len="med"/>
-                      <a:tailEnd type="none" w="med" len="med"/>
-                    </a:lnT>
-                    <a:lnB w="12700" cap="flat" cmpd="sng" algn="ctr">
-                      <a:solidFill>
-                        <a:srgbClr val="FF0000"/>
-                      </a:solidFill>
-                      <a:prstDash val="solid"/>
-                      <a:round/>
-                      <a:headEnd type="none" w="med" len="med"/>
-                      <a:tailEnd type="none" w="med" len="med"/>
-                    </a:lnB>
-                    <a:solidFill>
-                      <a:schemeClr val="accent2">
-                        <a:lumMod val="40000"/>
-                        <a:lumOff val="60000"/>
-                      </a:schemeClr>
-                    </a:solidFill>
-                  </a:tcPr>
-                </a:tc>
-                <a:tc>
-                  <a:txBody>
-                    <a:bodyPr/>
-                    <a:lstStyle/>
-                    <a:p>
-                      <a:endParaRPr lang="en-HK" dirty="0"/>
-                    </a:p>
-                  </a:txBody>
-                  <a:tcPr>
-                    <a:lnT w="12700" cap="flat" cmpd="sng" algn="ctr">
-                      <a:solidFill>
-                        <a:srgbClr val="FF0000"/>
-                      </a:solidFill>
-                      <a:prstDash val="solid"/>
-                      <a:round/>
-                      <a:headEnd type="none" w="med" len="med"/>
-                      <a:tailEnd type="none" w="med" len="med"/>
-                    </a:lnT>
-                    <a:lnB w="12700" cap="flat" cmpd="sng" algn="ctr">
-                      <a:solidFill>
-                        <a:srgbClr val="FF0000"/>
-                      </a:solidFill>
-                      <a:prstDash val="solid"/>
-                      <a:round/>
-                      <a:headEnd type="none" w="med" len="med"/>
-                      <a:tailEnd type="none" w="med" len="med"/>
-                    </a:lnB>
-                    <a:solidFill>
-                      <a:schemeClr val="accent2">
-                        <a:lumMod val="40000"/>
-                        <a:lumOff val="60000"/>
-                      </a:schemeClr>
-                    </a:solidFill>
-                  </a:tcPr>
-                </a:tc>
-                <a:tc>
-                  <a:txBody>
-                    <a:bodyPr/>
-                    <a:lstStyle/>
-                    <a:p>
-                      <a:endParaRPr lang="en-HK" dirty="0"/>
-                    </a:p>
-                  </a:txBody>
-                  <a:tcPr>
-                    <a:lnR w="12700" cap="flat" cmpd="sng" algn="ctr">
-                      <a:solidFill>
-                        <a:srgbClr val="FF0000"/>
-                      </a:solidFill>
-                      <a:prstDash val="solid"/>
-                      <a:round/>
-                      <a:headEnd type="none" w="med" len="med"/>
-                      <a:tailEnd type="none" w="med" len="med"/>
-                    </a:lnR>
-                    <a:lnT w="12700" cap="flat" cmpd="sng" algn="ctr">
-                      <a:solidFill>
-                        <a:srgbClr val="FF0000"/>
-                      </a:solidFill>
-                      <a:prstDash val="solid"/>
-                      <a:round/>
-                      <a:headEnd type="none" w="med" len="med"/>
-                      <a:tailEnd type="none" w="med" len="med"/>
-                    </a:lnT>
-                    <a:lnB w="12700" cap="flat" cmpd="sng" algn="ctr">
-                      <a:solidFill>
-                        <a:srgbClr val="FF0000"/>
-                      </a:solidFill>
-                      <a:prstDash val="solid"/>
-                      <a:round/>
-                      <a:headEnd type="none" w="med" len="med"/>
-                      <a:tailEnd type="none" w="med" len="med"/>
-                    </a:lnB>
-                    <a:solidFill>
-                      <a:schemeClr val="accent1">
-                        <a:lumMod val="40000"/>
-                        <a:lumOff val="60000"/>
-                      </a:schemeClr>
-                    </a:solidFill>
-                  </a:tcPr>
-                </a:tc>
-                <a:tc>
-                  <a:txBody>
-                    <a:bodyPr/>
-                    <a:lstStyle/>
-                    <a:p>
-                      <a:endParaRPr lang="en-HK" dirty="0"/>
-                    </a:p>
-                  </a:txBody>
-                  <a:tcPr>
-                    <a:lnL w="12700" cap="flat" cmpd="sng" algn="ctr">
-                      <a:solidFill>
-                        <a:srgbClr val="FF0000"/>
-                      </a:solidFill>
-                      <a:prstDash val="solid"/>
-                      <a:round/>
-                      <a:headEnd type="none" w="med" len="med"/>
-                      <a:tailEnd type="none" w="med" len="med"/>
-                    </a:lnL>
-                    <a:lnT w="12700" cap="flat" cmpd="sng" algn="ctr">
-                      <a:solidFill>
-                        <a:srgbClr val="FF0000"/>
-                      </a:solidFill>
-                      <a:prstDash val="solid"/>
-                      <a:round/>
-                      <a:headEnd type="none" w="med" len="med"/>
-                      <a:tailEnd type="none" w="med" len="med"/>
-                    </a:lnT>
-                    <a:lnB w="12700" cap="flat" cmpd="sng" algn="ctr">
-                      <a:solidFill>
-                        <a:srgbClr val="FF0000"/>
-                      </a:solidFill>
-                      <a:prstDash val="solid"/>
-                      <a:round/>
-                      <a:headEnd type="none" w="med" len="med"/>
-                      <a:tailEnd type="none" w="med" len="med"/>
-                    </a:lnB>
-                    <a:solidFill>
-                      <a:schemeClr val="accent2">
-                        <a:lumMod val="40000"/>
-                        <a:lumOff val="60000"/>
-                      </a:schemeClr>
-                    </a:solidFill>
-                  </a:tcPr>
-                </a:tc>
-                <a:tc>
-                  <a:txBody>
-                    <a:bodyPr/>
-                    <a:lstStyle/>
-                    <a:p>
-                      <a:endParaRPr lang="en-HK" dirty="0"/>
-                    </a:p>
-                  </a:txBody>
-                  <a:tcPr>
-                    <a:lnT w="12700" cap="flat" cmpd="sng" algn="ctr">
-                      <a:solidFill>
-                        <a:srgbClr val="FF0000"/>
-                      </a:solidFill>
-                      <a:prstDash val="solid"/>
-                      <a:round/>
-                      <a:headEnd type="none" w="med" len="med"/>
-                      <a:tailEnd type="none" w="med" len="med"/>
-                    </a:lnT>
-                    <a:lnB w="12700" cap="flat" cmpd="sng" algn="ctr">
-                      <a:solidFill>
-                        <a:srgbClr val="FF0000"/>
-                      </a:solidFill>
-                      <a:prstDash val="solid"/>
-                      <a:round/>
-                      <a:headEnd type="none" w="med" len="med"/>
-                      <a:tailEnd type="none" w="med" len="med"/>
-                    </a:lnB>
-                    <a:solidFill>
-                      <a:schemeClr val="accent2">
-                        <a:lumMod val="40000"/>
-                        <a:lumOff val="60000"/>
-                      </a:schemeClr>
-                    </a:solidFill>
-                  </a:tcPr>
-                </a:tc>
-                <a:tc>
-                  <a:txBody>
-                    <a:bodyPr/>
-                    <a:lstStyle/>
-                    <a:p>
-                      <a:endParaRPr lang="en-HK" dirty="0"/>
-                    </a:p>
-                  </a:txBody>
-                  <a:tcPr>
-                    <a:lnR w="12700" cap="flat" cmpd="sng" algn="ctr">
-                      <a:solidFill>
-                        <a:srgbClr val="FF0000"/>
-                      </a:solidFill>
-                      <a:prstDash val="solid"/>
-                      <a:round/>
-                      <a:headEnd type="none" w="med" len="med"/>
-                      <a:tailEnd type="none" w="med" len="med"/>
-                    </a:lnR>
-                    <a:lnT w="12700" cap="flat" cmpd="sng" algn="ctr">
-                      <a:solidFill>
-                        <a:srgbClr val="FF0000"/>
-                      </a:solidFill>
-                      <a:prstDash val="solid"/>
-                      <a:round/>
-                      <a:headEnd type="none" w="med" len="med"/>
-                      <a:tailEnd type="none" w="med" len="med"/>
-                    </a:lnT>
-                    <a:lnB w="12700" cap="flat" cmpd="sng" algn="ctr">
-                      <a:solidFill>
-                        <a:srgbClr val="FF0000"/>
-                      </a:solidFill>
-                      <a:prstDash val="solid"/>
-                      <a:round/>
-                      <a:headEnd type="none" w="med" len="med"/>
-                      <a:tailEnd type="none" w="med" len="med"/>
-                    </a:lnB>
-                    <a:solidFill>
-                      <a:schemeClr val="accent1">
-                        <a:lumMod val="40000"/>
-                        <a:lumOff val="60000"/>
-                      </a:schemeClr>
-                    </a:solidFill>
-                  </a:tcPr>
-                </a:tc>
-                <a:tc>
-                  <a:txBody>
-                    <a:bodyPr/>
-                    <a:lstStyle/>
-                    <a:p>
-                      <a:endParaRPr lang="en-HK" dirty="0"/>
-                    </a:p>
-                  </a:txBody>
-                  <a:tcPr>
-                    <a:lnL w="12700" cap="flat" cmpd="sng" algn="ctr">
-                      <a:solidFill>
-                        <a:srgbClr val="FF0000"/>
-                      </a:solidFill>
-                      <a:prstDash val="solid"/>
-                      <a:round/>
-                      <a:headEnd type="none" w="med" len="med"/>
-                      <a:tailEnd type="none" w="med" len="med"/>
-                    </a:lnL>
-                    <a:lnT w="12700" cap="flat" cmpd="sng" algn="ctr">
-                      <a:solidFill>
-                        <a:srgbClr val="FF0000"/>
-                      </a:solidFill>
-                      <a:prstDash val="solid"/>
-                      <a:round/>
-                      <a:headEnd type="none" w="med" len="med"/>
-                      <a:tailEnd type="none" w="med" len="med"/>
-                    </a:lnT>
-                    <a:lnB w="12700" cap="flat" cmpd="sng" algn="ctr">
-                      <a:solidFill>
-                        <a:srgbClr val="FF0000"/>
-                      </a:solidFill>
-                      <a:prstDash val="solid"/>
-                      <a:round/>
-                      <a:headEnd type="none" w="med" len="med"/>
-                      <a:tailEnd type="none" w="med" len="med"/>
-                    </a:lnB>
-                    <a:solidFill>
-                      <a:schemeClr val="accent2">
-                        <a:lumMod val="40000"/>
-                        <a:lumOff val="60000"/>
-                      </a:schemeClr>
-                    </a:solidFill>
-                  </a:tcPr>
-                </a:tc>
-                <a:tc>
-                  <a:txBody>
-                    <a:bodyPr/>
-                    <a:lstStyle/>
-                    <a:p>
-                      <a:endParaRPr lang="en-HK" dirty="0"/>
-                    </a:p>
-                  </a:txBody>
-                  <a:tcPr>
-                    <a:lnR w="12700" cap="flat" cmpd="sng" algn="ctr">
-                      <a:solidFill>
-                        <a:srgbClr val="FF0000"/>
-                      </a:solidFill>
-                      <a:prstDash val="solid"/>
-                      <a:round/>
-                      <a:headEnd type="none" w="med" len="med"/>
-                      <a:tailEnd type="none" w="med" len="med"/>
-                    </a:lnR>
-                    <a:lnT w="12700" cap="flat" cmpd="sng" algn="ctr">
-                      <a:solidFill>
-                        <a:srgbClr val="FF0000"/>
-                      </a:solidFill>
-                      <a:prstDash val="solid"/>
-                      <a:round/>
-                      <a:headEnd type="none" w="med" len="med"/>
-                      <a:tailEnd type="none" w="med" len="med"/>
-                    </a:lnT>
-                    <a:lnB w="12700" cap="flat" cmpd="sng" algn="ctr">
-                      <a:solidFill>
-                        <a:srgbClr val="FF0000"/>
-                      </a:solidFill>
-                      <a:prstDash val="solid"/>
-                      <a:round/>
-                      <a:headEnd type="none" w="med" len="med"/>
-                      <a:tailEnd type="none" w="med" len="med"/>
-                    </a:lnB>
-                    <a:solidFill>
-                      <a:schemeClr val="accent1">
-                        <a:lumMod val="40000"/>
-                        <a:lumOff val="60000"/>
-                      </a:schemeClr>
-                    </a:solidFill>
-                  </a:tcPr>
-                </a:tc>
-                <a:extLst>
-                  <a:ext uri="{0D108BD9-81ED-4DB2-BD59-A6C34878D82A}">
-                    <a16:rowId xmlns:a16="http://schemas.microsoft.com/office/drawing/2014/main" val="2601047344"/>
-                  </a:ext>
-                </a:extLst>
-              </a:tr>
-            </a:tbl>
-          </a:graphicData>
-        </a:graphic>
-      </p:graphicFrame>
-    </p:spTree>
-    <p:extLst>
-      <p:ext uri="{BB962C8B-B14F-4D97-AF65-F5344CB8AC3E}">
-        <p14:creationId xmlns:p14="http://schemas.microsoft.com/office/powerpoint/2010/main" val="436674175"/>
       </p:ext>
     </p:extLst>
   </p:cSld>

--- a/Dissertation/Beamer/test.pptx
+++ b/Dissertation/Beamer/test.pptx
@@ -208,7 +208,7 @@
           <a:p>
             <a:fld id="{9E12240E-F1A6-4A91-967F-8E68706835E0}" type="datetimeFigureOut">
               <a:rPr lang="en-HK" smtClean="0"/>
-              <a:t>3/7/2024</a:t>
+              <a:t>8/7/2024</a:t>
             </a:fld>
             <a:endParaRPr lang="en-HK"/>
           </a:p>
@@ -712,7 +712,7 @@
           <a:p>
             <a:fld id="{A662AB9F-F8D6-4D84-8C93-94B520C5C2D5}" type="datetimeFigureOut">
               <a:rPr lang="en-HK" smtClean="0"/>
-              <a:t>3/7/2024</a:t>
+              <a:t>8/7/2024</a:t>
             </a:fld>
             <a:endParaRPr lang="en-HK"/>
           </a:p>
@@ -912,7 +912,7 @@
           <a:p>
             <a:fld id="{A662AB9F-F8D6-4D84-8C93-94B520C5C2D5}" type="datetimeFigureOut">
               <a:rPr lang="en-HK" smtClean="0"/>
-              <a:t>3/7/2024</a:t>
+              <a:t>8/7/2024</a:t>
             </a:fld>
             <a:endParaRPr lang="en-HK"/>
           </a:p>
@@ -1122,7 +1122,7 @@
           <a:p>
             <a:fld id="{A662AB9F-F8D6-4D84-8C93-94B520C5C2D5}" type="datetimeFigureOut">
               <a:rPr lang="en-HK" smtClean="0"/>
-              <a:t>3/7/2024</a:t>
+              <a:t>8/7/2024</a:t>
             </a:fld>
             <a:endParaRPr lang="en-HK"/>
           </a:p>
@@ -1322,7 +1322,7 @@
           <a:p>
             <a:fld id="{A662AB9F-F8D6-4D84-8C93-94B520C5C2D5}" type="datetimeFigureOut">
               <a:rPr lang="en-HK" smtClean="0"/>
-              <a:t>3/7/2024</a:t>
+              <a:t>8/7/2024</a:t>
             </a:fld>
             <a:endParaRPr lang="en-HK"/>
           </a:p>
@@ -1598,7 +1598,7 @@
           <a:p>
             <a:fld id="{A662AB9F-F8D6-4D84-8C93-94B520C5C2D5}" type="datetimeFigureOut">
               <a:rPr lang="en-HK" smtClean="0"/>
-              <a:t>3/7/2024</a:t>
+              <a:t>8/7/2024</a:t>
             </a:fld>
             <a:endParaRPr lang="en-HK"/>
           </a:p>
@@ -1866,7 +1866,7 @@
           <a:p>
             <a:fld id="{A662AB9F-F8D6-4D84-8C93-94B520C5C2D5}" type="datetimeFigureOut">
               <a:rPr lang="en-HK" smtClean="0"/>
-              <a:t>3/7/2024</a:t>
+              <a:t>8/7/2024</a:t>
             </a:fld>
             <a:endParaRPr lang="en-HK"/>
           </a:p>
@@ -2281,7 +2281,7 @@
           <a:p>
             <a:fld id="{A662AB9F-F8D6-4D84-8C93-94B520C5C2D5}" type="datetimeFigureOut">
               <a:rPr lang="en-HK" smtClean="0"/>
-              <a:t>3/7/2024</a:t>
+              <a:t>8/7/2024</a:t>
             </a:fld>
             <a:endParaRPr lang="en-HK"/>
           </a:p>
@@ -2423,7 +2423,7 @@
           <a:p>
             <a:fld id="{A662AB9F-F8D6-4D84-8C93-94B520C5C2D5}" type="datetimeFigureOut">
               <a:rPr lang="en-HK" smtClean="0"/>
-              <a:t>3/7/2024</a:t>
+              <a:t>8/7/2024</a:t>
             </a:fld>
             <a:endParaRPr lang="en-HK"/>
           </a:p>
@@ -2536,7 +2536,7 @@
           <a:p>
             <a:fld id="{A662AB9F-F8D6-4D84-8C93-94B520C5C2D5}" type="datetimeFigureOut">
               <a:rPr lang="en-HK" smtClean="0"/>
-              <a:t>3/7/2024</a:t>
+              <a:t>8/7/2024</a:t>
             </a:fld>
             <a:endParaRPr lang="en-HK"/>
           </a:p>
@@ -2849,7 +2849,7 @@
           <a:p>
             <a:fld id="{A662AB9F-F8D6-4D84-8C93-94B520C5C2D5}" type="datetimeFigureOut">
               <a:rPr lang="en-HK" smtClean="0"/>
-              <a:t>3/7/2024</a:t>
+              <a:t>8/7/2024</a:t>
             </a:fld>
             <a:endParaRPr lang="en-HK"/>
           </a:p>
@@ -3138,7 +3138,7 @@
           <a:p>
             <a:fld id="{A662AB9F-F8D6-4D84-8C93-94B520C5C2D5}" type="datetimeFigureOut">
               <a:rPr lang="en-HK" smtClean="0"/>
-              <a:t>3/7/2024</a:t>
+              <a:t>8/7/2024</a:t>
             </a:fld>
             <a:endParaRPr lang="en-HK"/>
           </a:p>
@@ -3381,7 +3381,7 @@
           <a:p>
             <a:fld id="{A662AB9F-F8D6-4D84-8C93-94B520C5C2D5}" type="datetimeFigureOut">
               <a:rPr lang="en-HK" smtClean="0"/>
-              <a:t>3/7/2024</a:t>
+              <a:t>8/7/2024</a:t>
             </a:fld>
             <a:endParaRPr lang="en-HK"/>
           </a:p>
@@ -5905,6 +5905,86 @@
           </a:graphicData>
         </a:graphic>
       </p:graphicFrame>
+      <p:sp>
+        <p:nvSpPr>
+          <p:cNvPr id="2" name="TextBox 1">
+            <a:extLst>
+              <a:ext uri="{FF2B5EF4-FFF2-40B4-BE49-F238E27FC236}">
+                <a16:creationId xmlns:a16="http://schemas.microsoft.com/office/drawing/2014/main" id="{D08B4537-69D3-BC45-72B8-3203E9B87855}"/>
+              </a:ext>
+            </a:extLst>
+          </p:cNvPr>
+          <p:cNvSpPr txBox="1"/>
+          <p:nvPr/>
+        </p:nvSpPr>
+        <p:spPr>
+          <a:xfrm>
+            <a:off x="258792" y="4082767"/>
+            <a:ext cx="385042" cy="369332"/>
+          </a:xfrm>
+          <a:prstGeom prst="rect">
+            <a:avLst/>
+          </a:prstGeom>
+          <a:noFill/>
+        </p:spPr>
+        <p:txBody>
+          <a:bodyPr wrap="none" rtlCol="0">
+            <a:spAutoFit/>
+          </a:bodyPr>
+          <a:lstStyle/>
+          <a:p>
+            <a:r>
+              <a:rPr lang="en-US" altLang="zh-CN" dirty="0"/>
+              <a:t>h</a:t>
+            </a:r>
+            <a:r>
+              <a:rPr lang="en-US" altLang="zh-CN" baseline="-25000" dirty="0"/>
+              <a:t>1</a:t>
+            </a:r>
+            <a:endParaRPr lang="en-HK" baseline="-25000" dirty="0"/>
+          </a:p>
+        </p:txBody>
+      </p:sp>
+      <p:sp>
+        <p:nvSpPr>
+          <p:cNvPr id="3" name="TextBox 2">
+            <a:extLst>
+              <a:ext uri="{FF2B5EF4-FFF2-40B4-BE49-F238E27FC236}">
+                <a16:creationId xmlns:a16="http://schemas.microsoft.com/office/drawing/2014/main" id="{E6996D06-6356-FDF7-CCC1-3274BC905632}"/>
+              </a:ext>
+            </a:extLst>
+          </p:cNvPr>
+          <p:cNvSpPr txBox="1"/>
+          <p:nvPr/>
+        </p:nvSpPr>
+        <p:spPr>
+          <a:xfrm>
+            <a:off x="258792" y="4733282"/>
+            <a:ext cx="385042" cy="369332"/>
+          </a:xfrm>
+          <a:prstGeom prst="rect">
+            <a:avLst/>
+          </a:prstGeom>
+          <a:noFill/>
+        </p:spPr>
+        <p:txBody>
+          <a:bodyPr wrap="none" rtlCol="0">
+            <a:spAutoFit/>
+          </a:bodyPr>
+          <a:lstStyle/>
+          <a:p>
+            <a:r>
+              <a:rPr lang="en-US" altLang="zh-CN" dirty="0"/>
+              <a:t>h</a:t>
+            </a:r>
+            <a:r>
+              <a:rPr lang="en-US" altLang="zh-CN" baseline="-25000" dirty="0"/>
+              <a:t>4</a:t>
+            </a:r>
+            <a:endParaRPr lang="en-HK" baseline="-25000" dirty="0"/>
+          </a:p>
+        </p:txBody>
+      </p:sp>
     </p:spTree>
     <p:extLst>
       <p:ext uri="{BB962C8B-B14F-4D97-AF65-F5344CB8AC3E}">
@@ -6899,17 +6979,21 @@
           <p:cNvPicPr>
             <a:picLocks noChangeAspect="1"/>
           </p:cNvPicPr>
-          <p:nvPr/>
+          <p:nvPr>
+            <p:custDataLst>
+              <p:tags r:id="rId1"/>
+            </p:custDataLst>
+          </p:nvPr>
         </p:nvPicPr>
         <p:blipFill>
-          <a:blip r:embed="rId4"/>
+          <a:blip r:embed="rId6"/>
           <a:stretch>
             <a:fillRect/>
           </a:stretch>
         </p:blipFill>
         <p:spPr>
           <a:xfrm>
-            <a:off x="361951" y="4495886"/>
+            <a:off x="938171" y="2753712"/>
             <a:ext cx="10302940" cy="1121001"/>
           </a:xfrm>
           <a:prstGeom prst="rect">
@@ -6933,8 +7017,8 @@
         </p:nvCxnSpPr>
         <p:spPr>
           <a:xfrm flipH="1" flipV="1">
-            <a:off x="7208538" y="4347780"/>
-            <a:ext cx="823558" cy="301858"/>
+            <a:off x="6495691" y="4743855"/>
+            <a:ext cx="1208601" cy="340267"/>
           </a:xfrm>
           <a:prstGeom prst="straightConnector1">
             <a:avLst/>
@@ -7183,12 +7267,12 @@
           </p:cNvPicPr>
           <p:nvPr>
             <p:custDataLst>
-              <p:tags r:id="rId1"/>
+              <p:tags r:id="rId2"/>
             </p:custDataLst>
           </p:nvPr>
         </p:nvPicPr>
         <p:blipFill>
-          <a:blip r:embed="rId5">
+          <a:blip r:embed="rId7">
             <a:extLst>
               <a:ext uri="{28A0092B-C50C-407E-A947-70E740481C1C}">
                 <a14:useLocalDpi xmlns:a14="http://schemas.microsoft.com/office/drawing/2010/main" val="0"/>
@@ -7201,7 +7285,7 @@
         </p:blipFill>
         <p:spPr>
           <a:xfrm>
-            <a:off x="7853231" y="3854270"/>
+            <a:off x="7361525" y="4141188"/>
             <a:ext cx="2117333" cy="602667"/>
           </a:xfrm>
           <a:prstGeom prst="rect">
@@ -7211,10 +7295,10 @@
       </p:pic>
       <p:pic>
         <p:nvPicPr>
-          <p:cNvPr id="38" name="Picture 37">
+          <p:cNvPr id="5" name="Picture 4">
             <a:extLst>
               <a:ext uri="{FF2B5EF4-FFF2-40B4-BE49-F238E27FC236}">
-                <a16:creationId xmlns:a16="http://schemas.microsoft.com/office/drawing/2014/main" id="{D03AC7CF-EA38-7C8D-6877-5796D39B5D34}"/>
+                <a16:creationId xmlns:a16="http://schemas.microsoft.com/office/drawing/2014/main" id="{89CACE00-C446-8CC5-E637-B397A6A7E92F}"/>
               </a:ext>
             </a:extLst>
           </p:cNvPr>
@@ -7223,12 +7307,12 @@
           </p:cNvPicPr>
           <p:nvPr>
             <p:custDataLst>
-              <p:tags r:id="rId2"/>
+              <p:tags r:id="rId3"/>
             </p:custDataLst>
           </p:nvPr>
         </p:nvPicPr>
         <p:blipFill>
-          <a:blip r:embed="rId6">
+          <a:blip r:embed="rId8">
             <a:extLst>
               <a:ext uri="{28A0092B-C50C-407E-A947-70E740481C1C}">
                 <a14:useLocalDpi xmlns:a14="http://schemas.microsoft.com/office/drawing/2010/main" val="0"/>
@@ -7241,8 +7325,8 @@
         </p:blipFill>
         <p:spPr>
           <a:xfrm>
-            <a:off x="4373276" y="3866553"/>
-            <a:ext cx="2788267" cy="629333"/>
+            <a:off x="3437728" y="4142270"/>
+            <a:ext cx="2833067" cy="629333"/>
           </a:xfrm>
           <a:prstGeom prst="rect">
             <a:avLst/>
@@ -7313,6 +7397,46 @@
           </a:p>
         </p:txBody>
       </p:sp>
+      <p:pic>
+        <p:nvPicPr>
+          <p:cNvPr id="7" name="Picture 6">
+            <a:extLst>
+              <a:ext uri="{FF2B5EF4-FFF2-40B4-BE49-F238E27FC236}">
+                <a16:creationId xmlns:a16="http://schemas.microsoft.com/office/drawing/2014/main" id="{FEC1030F-B692-4E58-5462-4230909C4C3B}"/>
+              </a:ext>
+            </a:extLst>
+          </p:cNvPr>
+          <p:cNvPicPr>
+            <a:picLocks noChangeAspect="1"/>
+          </p:cNvPicPr>
+          <p:nvPr>
+            <p:custDataLst>
+              <p:tags r:id="rId4"/>
+            </p:custDataLst>
+          </p:nvPr>
+        </p:nvPicPr>
+        <p:blipFill>
+          <a:blip r:embed="rId9">
+            <a:extLst>
+              <a:ext uri="{28A0092B-C50C-407E-A947-70E740481C1C}">
+                <a14:useLocalDpi xmlns:a14="http://schemas.microsoft.com/office/drawing/2010/main" val="0"/>
+              </a:ext>
+            </a:extLst>
+          </a:blip>
+          <a:stretch>
+            <a:fillRect/>
+          </a:stretch>
+        </p:blipFill>
+        <p:spPr>
+          <a:xfrm>
+            <a:off x="2306456" y="5111870"/>
+            <a:ext cx="7279238" cy="740572"/>
+          </a:xfrm>
+          <a:prstGeom prst="rect">
+            <a:avLst/>
+          </a:prstGeom>
+        </p:spPr>
+      </p:pic>
     </p:spTree>
     <p:extLst>
       <p:ext uri="{BB962C8B-B14F-4D97-AF65-F5344CB8AC3E}">
@@ -22287,6 +22411,12 @@
 
 <file path=ppt/tags/tag1.xml><?xml version="1.0" encoding="utf-8"?>
 <p:tagLst xmlns:a="http://schemas.openxmlformats.org/drawingml/2006/main" xmlns:r="http://schemas.openxmlformats.org/officeDocument/2006/relationships" xmlns:p="http://schemas.openxmlformats.org/presentationml/2006/main">
+  <p:tag name="ISLATEXITDISPLAY" val="False"/>
+</p:tagLst>
+</file>
+
+<file path=ppt/tags/tag2.xml><?xml version="1.0" encoding="utf-8"?>
+<p:tagLst xmlns:a="http://schemas.openxmlformats.org/drawingml/2006/main" xmlns:r="http://schemas.openxmlformats.org/officeDocument/2006/relationships" xmlns:p="http://schemas.openxmlformats.org/presentationml/2006/main">
   <p:tag name="OUTPUTDPI" val="1200"/>
   <p:tag name="ORIGINALHEIGHT" val="423.697"/>
   <p:tag name="ORIGINALWIDTH" val="1488.564"/>
@@ -22305,16 +22435,36 @@
 </p:tagLst>
 </file>
 
-<file path=ppt/tags/tag2.xml><?xml version="1.0" encoding="utf-8"?>
+<file path=ppt/tags/tag3.xml><?xml version="1.0" encoding="utf-8"?>
 <p:tagLst xmlns:a="http://schemas.openxmlformats.org/drawingml/2006/main" xmlns:r="http://schemas.openxmlformats.org/officeDocument/2006/relationships" xmlns:p="http://schemas.openxmlformats.org/presentationml/2006/main">
   <p:tag name="OUTPUTDPI" val="1200"/>
   <p:tag name="ORIGINALHEIGHT" val="442.4447"/>
-  <p:tag name="ORIGINALWIDTH" val="1960.255"/>
+  <p:tag name="ORIGINALWIDTH" val="1991.751"/>
   <p:tag name="OUTPUTTYPE" val="PNG"/>
   <p:tag name="IGUANATEXVERSION" val="161"/>
-  <p:tag name="LATEXADDIN" val="\documentclass{article}&#10;\usepackage{amsmath}&#10;\usepackage{color}&#10;\pagestyle{empty}&#10;\begin{document}&#10;&#10;\noindent&#10;{\color{red} $P(D_{i}^{T-t} \geq x_i)$} is the probability \\&#10;that the demand of group type $i$ \\&#10;in $(T-t)$ periods is no less than $x_i$. &#10;\end{document}"/>
+  <p:tag name="LATEXADDIN" val="\documentclass{article}&#10;\usepackage{amsmath}&#10;\usepackage{color}&#10;\pagestyle{empty}&#10;\begin{document}&#10;&#10;\noindent&#10;{\color{red} $P(D_{i}^{T-t} \geq X_i)$} is the probability \\&#10;that the demand of group type $i$ \\&#10;in $(T-t)$ periods is no less than $X_i$. &#10;\end{document}"/>
   <p:tag name="IGUANATEXSIZE" val="14"/>
-  <p:tag name="IGUANATEXCURSOR" val="177"/>
+  <p:tag name="IGUANATEXCURSOR" val="144"/>
+  <p:tag name="TRANSPARENCY" val="True"/>
+  <p:tag name="LATEXENGINEID" val="0"/>
+  <p:tag name="TEMPFOLDER" val="c:\temp\"/>
+  <p:tag name="LATEXFORMHEIGHT" val="320"/>
+  <p:tag name="LATEXFORMWIDTH" val="385"/>
+  <p:tag name="LATEXFORMWRAP" val="True"/>
+  <p:tag name="BITMAPVECTOR" val="0"/>
+</p:tagLst>
+</file>
+
+<file path=ppt/tags/tag4.xml><?xml version="1.0" encoding="utf-8"?>
+<p:tagLst xmlns:a="http://schemas.openxmlformats.org/drawingml/2006/main" xmlns:r="http://schemas.openxmlformats.org/officeDocument/2006/relationships" xmlns:p="http://schemas.openxmlformats.org/presentationml/2006/main">
+  <p:tag name="OUTPUTDPI" val="1200"/>
+  <p:tag name="ORIGINALHEIGHT" val="364.4544"/>
+  <p:tag name="ORIGINALWIDTH" val="3582.302"/>
+  <p:tag name="OUTPUTTYPE" val="PNG"/>
+  <p:tag name="IGUANATEXVERSION" val="161"/>
+  <p:tag name="LATEXADDIN" val="\documentclass{article}&#10;\usepackage{amsmath}&#10;\pagestyle{empty}&#10;\begin{document}&#10;&#10;$$&#10;d^{t}(i,\hat{i}) =&#10;    \underbrace{i + (\hat{i}-i-\delta)P(D_{\hat{i}-i-\delta}^{T-t} \geq X_{\hat{i}-i-\delta}+1)}_{\text{acceptance}} - \underbrace{\hat{i} P(D_{\hat{i}}^{T-t} \geq X_{\hat{i}})}_{\text{rejection}}&#10;$$&#10;&#10;&#10;\end{document}"/>
+  <p:tag name="IGUANATEXSIZE" val="20"/>
+  <p:tag name="IGUANATEXCURSOR" val="280"/>
   <p:tag name="TRANSPARENCY" val="True"/>
   <p:tag name="LATEXENGINEID" val="0"/>
   <p:tag name="TEMPFOLDER" val="c:\temp\"/>

--- a/Dissertation/Beamer/test.pptx
+++ b/Dissertation/Beamer/test.pptx
@@ -5,7 +5,7 @@
     <p:sldMasterId id="2147483648" r:id="rId1"/>
   </p:sldMasterIdLst>
   <p:notesMasterIdLst>
-    <p:notesMasterId r:id="rId14"/>
+    <p:notesMasterId r:id="rId15"/>
   </p:notesMasterIdLst>
   <p:sldIdLst>
     <p:sldId id="256" r:id="rId2"/>
@@ -14,12 +14,13 @@
     <p:sldId id="259" r:id="rId5"/>
     <p:sldId id="260" r:id="rId6"/>
     <p:sldId id="267" r:id="rId7"/>
-    <p:sldId id="264" r:id="rId8"/>
-    <p:sldId id="265" r:id="rId9"/>
-    <p:sldId id="266" r:id="rId10"/>
-    <p:sldId id="262" r:id="rId11"/>
-    <p:sldId id="261" r:id="rId12"/>
-    <p:sldId id="263" r:id="rId13"/>
+    <p:sldId id="268" r:id="rId8"/>
+    <p:sldId id="264" r:id="rId9"/>
+    <p:sldId id="265" r:id="rId10"/>
+    <p:sldId id="266" r:id="rId11"/>
+    <p:sldId id="262" r:id="rId12"/>
+    <p:sldId id="261" r:id="rId13"/>
+    <p:sldId id="263" r:id="rId14"/>
   </p:sldIdLst>
   <p:sldSz cx="12192000" cy="6858000"/>
   <p:notesSz cx="6858000" cy="9144000"/>
@@ -208,7 +209,7 @@
           <a:p>
             <a:fld id="{9E12240E-F1A6-4A91-967F-8E68706835E0}" type="datetimeFigureOut">
               <a:rPr lang="en-HK" smtClean="0"/>
-              <a:t>8/7/2024</a:t>
+              <a:t>12/7/2024</a:t>
             </a:fld>
             <a:endParaRPr lang="en-HK"/>
           </a:p>
@@ -712,7 +713,7 @@
           <a:p>
             <a:fld id="{A662AB9F-F8D6-4D84-8C93-94B520C5C2D5}" type="datetimeFigureOut">
               <a:rPr lang="en-HK" smtClean="0"/>
-              <a:t>8/7/2024</a:t>
+              <a:t>12/7/2024</a:t>
             </a:fld>
             <a:endParaRPr lang="en-HK"/>
           </a:p>
@@ -912,7 +913,7 @@
           <a:p>
             <a:fld id="{A662AB9F-F8D6-4D84-8C93-94B520C5C2D5}" type="datetimeFigureOut">
               <a:rPr lang="en-HK" smtClean="0"/>
-              <a:t>8/7/2024</a:t>
+              <a:t>12/7/2024</a:t>
             </a:fld>
             <a:endParaRPr lang="en-HK"/>
           </a:p>
@@ -1122,7 +1123,7 @@
           <a:p>
             <a:fld id="{A662AB9F-F8D6-4D84-8C93-94B520C5C2D5}" type="datetimeFigureOut">
               <a:rPr lang="en-HK" smtClean="0"/>
-              <a:t>8/7/2024</a:t>
+              <a:t>12/7/2024</a:t>
             </a:fld>
             <a:endParaRPr lang="en-HK"/>
           </a:p>
@@ -1322,7 +1323,7 @@
           <a:p>
             <a:fld id="{A662AB9F-F8D6-4D84-8C93-94B520C5C2D5}" type="datetimeFigureOut">
               <a:rPr lang="en-HK" smtClean="0"/>
-              <a:t>8/7/2024</a:t>
+              <a:t>12/7/2024</a:t>
             </a:fld>
             <a:endParaRPr lang="en-HK"/>
           </a:p>
@@ -1598,7 +1599,7 @@
           <a:p>
             <a:fld id="{A662AB9F-F8D6-4D84-8C93-94B520C5C2D5}" type="datetimeFigureOut">
               <a:rPr lang="en-HK" smtClean="0"/>
-              <a:t>8/7/2024</a:t>
+              <a:t>12/7/2024</a:t>
             </a:fld>
             <a:endParaRPr lang="en-HK"/>
           </a:p>
@@ -1866,7 +1867,7 @@
           <a:p>
             <a:fld id="{A662AB9F-F8D6-4D84-8C93-94B520C5C2D5}" type="datetimeFigureOut">
               <a:rPr lang="en-HK" smtClean="0"/>
-              <a:t>8/7/2024</a:t>
+              <a:t>12/7/2024</a:t>
             </a:fld>
             <a:endParaRPr lang="en-HK"/>
           </a:p>
@@ -2281,7 +2282,7 @@
           <a:p>
             <a:fld id="{A662AB9F-F8D6-4D84-8C93-94B520C5C2D5}" type="datetimeFigureOut">
               <a:rPr lang="en-HK" smtClean="0"/>
-              <a:t>8/7/2024</a:t>
+              <a:t>12/7/2024</a:t>
             </a:fld>
             <a:endParaRPr lang="en-HK"/>
           </a:p>
@@ -2423,7 +2424,7 @@
           <a:p>
             <a:fld id="{A662AB9F-F8D6-4D84-8C93-94B520C5C2D5}" type="datetimeFigureOut">
               <a:rPr lang="en-HK" smtClean="0"/>
-              <a:t>8/7/2024</a:t>
+              <a:t>12/7/2024</a:t>
             </a:fld>
             <a:endParaRPr lang="en-HK"/>
           </a:p>
@@ -2536,7 +2537,7 @@
           <a:p>
             <a:fld id="{A662AB9F-F8D6-4D84-8C93-94B520C5C2D5}" type="datetimeFigureOut">
               <a:rPr lang="en-HK" smtClean="0"/>
-              <a:t>8/7/2024</a:t>
+              <a:t>12/7/2024</a:t>
             </a:fld>
             <a:endParaRPr lang="en-HK"/>
           </a:p>
@@ -2849,7 +2850,7 @@
           <a:p>
             <a:fld id="{A662AB9F-F8D6-4D84-8C93-94B520C5C2D5}" type="datetimeFigureOut">
               <a:rPr lang="en-HK" smtClean="0"/>
-              <a:t>8/7/2024</a:t>
+              <a:t>12/7/2024</a:t>
             </a:fld>
             <a:endParaRPr lang="en-HK"/>
           </a:p>
@@ -3138,7 +3139,7 @@
           <a:p>
             <a:fld id="{A662AB9F-F8D6-4D84-8C93-94B520C5C2D5}" type="datetimeFigureOut">
               <a:rPr lang="en-HK" smtClean="0"/>
-              <a:t>8/7/2024</a:t>
+              <a:t>12/7/2024</a:t>
             </a:fld>
             <a:endParaRPr lang="en-HK"/>
           </a:p>
@@ -3381,7 +3382,7 @@
           <a:p>
             <a:fld id="{A662AB9F-F8D6-4D84-8C93-94B520C5C2D5}" type="datetimeFigureOut">
               <a:rPr lang="en-HK" smtClean="0"/>
-              <a:t>8/7/2024</a:t>
+              <a:t>12/7/2024</a:t>
             </a:fld>
             <a:endParaRPr lang="en-HK"/>
           </a:p>
@@ -3887,6 +3888,3137 @@
       </p:grpSpPr>
       <p:graphicFrame>
         <p:nvGraphicFramePr>
+          <p:cNvPr id="9" name="Table 4">
+            <a:extLst>
+              <a:ext uri="{FF2B5EF4-FFF2-40B4-BE49-F238E27FC236}">
+                <a16:creationId xmlns:a16="http://schemas.microsoft.com/office/drawing/2014/main" id="{DF41D44F-E334-FDE7-F985-4F7DE99E2DF6}"/>
+              </a:ext>
+            </a:extLst>
+          </p:cNvPr>
+          <p:cNvGraphicFramePr>
+            <a:graphicFrameLocks noGrp="1"/>
+          </p:cNvGraphicFramePr>
+          <p:nvPr/>
+        </p:nvGraphicFramePr>
+        <p:xfrm>
+          <a:off x="1229741" y="687859"/>
+          <a:ext cx="4230780" cy="370840"/>
+        </p:xfrm>
+        <a:graphic>
+          <a:graphicData uri="http://schemas.openxmlformats.org/drawingml/2006/table">
+            <a:tbl>
+              <a:tblPr firstRow="1" bandRow="1">
+                <a:tableStyleId>{5C22544A-7EE6-4342-B048-85BDC9FD1C3A}</a:tableStyleId>
+              </a:tblPr>
+              <a:tblGrid>
+                <a:gridCol w="423078">
+                  <a:extLst>
+                    <a:ext uri="{9D8B030D-6E8A-4147-A177-3AD203B41FA5}">
+                      <a16:colId xmlns:a16="http://schemas.microsoft.com/office/drawing/2014/main" val="1958716807"/>
+                    </a:ext>
+                  </a:extLst>
+                </a:gridCol>
+                <a:gridCol w="423078">
+                  <a:extLst>
+                    <a:ext uri="{9D8B030D-6E8A-4147-A177-3AD203B41FA5}">
+                      <a16:colId xmlns:a16="http://schemas.microsoft.com/office/drawing/2014/main" val="2177103222"/>
+                    </a:ext>
+                  </a:extLst>
+                </a:gridCol>
+                <a:gridCol w="423078">
+                  <a:extLst>
+                    <a:ext uri="{9D8B030D-6E8A-4147-A177-3AD203B41FA5}">
+                      <a16:colId xmlns:a16="http://schemas.microsoft.com/office/drawing/2014/main" val="3409141404"/>
+                    </a:ext>
+                  </a:extLst>
+                </a:gridCol>
+                <a:gridCol w="423078">
+                  <a:extLst>
+                    <a:ext uri="{9D8B030D-6E8A-4147-A177-3AD203B41FA5}">
+                      <a16:colId xmlns:a16="http://schemas.microsoft.com/office/drawing/2014/main" val="217707470"/>
+                    </a:ext>
+                  </a:extLst>
+                </a:gridCol>
+                <a:gridCol w="423078">
+                  <a:extLst>
+                    <a:ext uri="{9D8B030D-6E8A-4147-A177-3AD203B41FA5}">
+                      <a16:colId xmlns:a16="http://schemas.microsoft.com/office/drawing/2014/main" val="770379941"/>
+                    </a:ext>
+                  </a:extLst>
+                </a:gridCol>
+                <a:gridCol w="423078">
+                  <a:extLst>
+                    <a:ext uri="{9D8B030D-6E8A-4147-A177-3AD203B41FA5}">
+                      <a16:colId xmlns:a16="http://schemas.microsoft.com/office/drawing/2014/main" val="4085467491"/>
+                    </a:ext>
+                  </a:extLst>
+                </a:gridCol>
+                <a:gridCol w="423078">
+                  <a:extLst>
+                    <a:ext uri="{9D8B030D-6E8A-4147-A177-3AD203B41FA5}">
+                      <a16:colId xmlns:a16="http://schemas.microsoft.com/office/drawing/2014/main" val="2183018877"/>
+                    </a:ext>
+                  </a:extLst>
+                </a:gridCol>
+                <a:gridCol w="423078">
+                  <a:extLst>
+                    <a:ext uri="{9D8B030D-6E8A-4147-A177-3AD203B41FA5}">
+                      <a16:colId xmlns:a16="http://schemas.microsoft.com/office/drawing/2014/main" val="3957069584"/>
+                    </a:ext>
+                  </a:extLst>
+                </a:gridCol>
+                <a:gridCol w="423078">
+                  <a:extLst>
+                    <a:ext uri="{9D8B030D-6E8A-4147-A177-3AD203B41FA5}">
+                      <a16:colId xmlns:a16="http://schemas.microsoft.com/office/drawing/2014/main" val="3244291510"/>
+                    </a:ext>
+                  </a:extLst>
+                </a:gridCol>
+                <a:gridCol w="423078">
+                  <a:extLst>
+                    <a:ext uri="{9D8B030D-6E8A-4147-A177-3AD203B41FA5}">
+                      <a16:colId xmlns:a16="http://schemas.microsoft.com/office/drawing/2014/main" val="3722398860"/>
+                    </a:ext>
+                  </a:extLst>
+                </a:gridCol>
+              </a:tblGrid>
+              <a:tr h="370840">
+                <a:tc>
+                  <a:txBody>
+                    <a:bodyPr/>
+                    <a:lstStyle/>
+                    <a:p>
+                      <a:endParaRPr lang="en-HK" dirty="0"/>
+                    </a:p>
+                  </a:txBody>
+                  <a:tcPr>
+                    <a:solidFill>
+                      <a:schemeClr val="accent2">
+                        <a:lumMod val="40000"/>
+                        <a:lumOff val="60000"/>
+                      </a:schemeClr>
+                    </a:solidFill>
+                  </a:tcPr>
+                </a:tc>
+                <a:tc>
+                  <a:txBody>
+                    <a:bodyPr/>
+                    <a:lstStyle/>
+                    <a:p>
+                      <a:endParaRPr lang="en-HK" dirty="0"/>
+                    </a:p>
+                  </a:txBody>
+                  <a:tcPr>
+                    <a:solidFill>
+                      <a:schemeClr val="accent2">
+                        <a:lumMod val="40000"/>
+                        <a:lumOff val="60000"/>
+                      </a:schemeClr>
+                    </a:solidFill>
+                  </a:tcPr>
+                </a:tc>
+                <a:tc>
+                  <a:txBody>
+                    <a:bodyPr/>
+                    <a:lstStyle/>
+                    <a:p>
+                      <a:endParaRPr lang="en-HK" dirty="0"/>
+                    </a:p>
+                  </a:txBody>
+                  <a:tcPr>
+                    <a:lnTlToBr w="12700" cap="flat" cmpd="sng" algn="ctr">
+                      <a:solidFill>
+                        <a:schemeClr val="tx1"/>
+                      </a:solidFill>
+                      <a:prstDash val="solid"/>
+                      <a:round/>
+                      <a:headEnd type="none" w="med" len="med"/>
+                      <a:tailEnd type="none" w="med" len="med"/>
+                    </a:lnTlToBr>
+                    <a:lnBlToTr w="12700" cap="flat" cmpd="sng" algn="ctr">
+                      <a:solidFill>
+                        <a:schemeClr val="tx1"/>
+                      </a:solidFill>
+                      <a:prstDash val="solid"/>
+                      <a:round/>
+                      <a:headEnd type="none" w="med" len="med"/>
+                      <a:tailEnd type="none" w="med" len="med"/>
+                    </a:lnBlToTr>
+                    <a:solidFill>
+                      <a:schemeClr val="accent1">
+                        <a:lumMod val="40000"/>
+                        <a:lumOff val="60000"/>
+                      </a:schemeClr>
+                    </a:solidFill>
+                  </a:tcPr>
+                </a:tc>
+                <a:tc>
+                  <a:txBody>
+                    <a:bodyPr/>
+                    <a:lstStyle/>
+                    <a:p>
+                      <a:endParaRPr lang="en-HK" dirty="0"/>
+                    </a:p>
+                  </a:txBody>
+                  <a:tcPr>
+                    <a:solidFill>
+                      <a:schemeClr val="accent2">
+                        <a:lumMod val="40000"/>
+                        <a:lumOff val="60000"/>
+                      </a:schemeClr>
+                    </a:solidFill>
+                  </a:tcPr>
+                </a:tc>
+                <a:tc>
+                  <a:txBody>
+                    <a:bodyPr/>
+                    <a:lstStyle/>
+                    <a:p>
+                      <a:endParaRPr lang="en-HK" dirty="0"/>
+                    </a:p>
+                  </a:txBody>
+                  <a:tcPr>
+                    <a:lnTlToBr w="12700" cap="flat" cmpd="sng" algn="ctr">
+                      <a:solidFill>
+                        <a:schemeClr val="tx1"/>
+                      </a:solidFill>
+                      <a:prstDash val="solid"/>
+                      <a:round/>
+                      <a:headEnd type="none" w="med" len="med"/>
+                      <a:tailEnd type="none" w="med" len="med"/>
+                    </a:lnTlToBr>
+                    <a:lnBlToTr w="12700" cap="flat" cmpd="sng" algn="ctr">
+                      <a:solidFill>
+                        <a:schemeClr val="tx1"/>
+                      </a:solidFill>
+                      <a:prstDash val="solid"/>
+                      <a:round/>
+                      <a:headEnd type="none" w="med" len="med"/>
+                      <a:tailEnd type="none" w="med" len="med"/>
+                    </a:lnBlToTr>
+                    <a:solidFill>
+                      <a:schemeClr val="accent1">
+                        <a:lumMod val="40000"/>
+                        <a:lumOff val="60000"/>
+                      </a:schemeClr>
+                    </a:solidFill>
+                  </a:tcPr>
+                </a:tc>
+                <a:tc>
+                  <a:txBody>
+                    <a:bodyPr/>
+                    <a:lstStyle/>
+                    <a:p>
+                      <a:endParaRPr lang="en-HK" dirty="0"/>
+                    </a:p>
+                  </a:txBody>
+                  <a:tcPr>
+                    <a:solidFill>
+                      <a:schemeClr val="accent2">
+                        <a:lumMod val="40000"/>
+                        <a:lumOff val="60000"/>
+                      </a:schemeClr>
+                    </a:solidFill>
+                  </a:tcPr>
+                </a:tc>
+                <a:tc>
+                  <a:txBody>
+                    <a:bodyPr/>
+                    <a:lstStyle/>
+                    <a:p>
+                      <a:endParaRPr lang="en-HK" dirty="0"/>
+                    </a:p>
+                  </a:txBody>
+                  <a:tcPr>
+                    <a:solidFill>
+                      <a:schemeClr val="accent2">
+                        <a:lumMod val="40000"/>
+                        <a:lumOff val="60000"/>
+                      </a:schemeClr>
+                    </a:solidFill>
+                  </a:tcPr>
+                </a:tc>
+                <a:tc>
+                  <a:txBody>
+                    <a:bodyPr/>
+                    <a:lstStyle/>
+                    <a:p>
+                      <a:endParaRPr lang="en-HK" dirty="0"/>
+                    </a:p>
+                  </a:txBody>
+                  <a:tcPr>
+                    <a:solidFill>
+                      <a:schemeClr val="accent2">
+                        <a:lumMod val="40000"/>
+                        <a:lumOff val="60000"/>
+                      </a:schemeClr>
+                    </a:solidFill>
+                  </a:tcPr>
+                </a:tc>
+                <a:tc>
+                  <a:txBody>
+                    <a:bodyPr/>
+                    <a:lstStyle/>
+                    <a:p>
+                      <a:endParaRPr lang="en-HK" dirty="0"/>
+                    </a:p>
+                  </a:txBody>
+                  <a:tcPr>
+                    <a:lnTlToBr w="12700" cap="flat" cmpd="sng" algn="ctr">
+                      <a:solidFill>
+                        <a:schemeClr val="tx1"/>
+                      </a:solidFill>
+                      <a:prstDash val="solid"/>
+                      <a:round/>
+                      <a:headEnd type="none" w="med" len="med"/>
+                      <a:tailEnd type="none" w="med" len="med"/>
+                    </a:lnTlToBr>
+                    <a:lnBlToTr w="12700" cap="flat" cmpd="sng" algn="ctr">
+                      <a:solidFill>
+                        <a:schemeClr val="tx1"/>
+                      </a:solidFill>
+                      <a:prstDash val="solid"/>
+                      <a:round/>
+                      <a:headEnd type="none" w="med" len="med"/>
+                      <a:tailEnd type="none" w="med" len="med"/>
+                    </a:lnBlToTr>
+                    <a:solidFill>
+                      <a:schemeClr val="accent1">
+                        <a:lumMod val="40000"/>
+                        <a:lumOff val="60000"/>
+                      </a:schemeClr>
+                    </a:solidFill>
+                  </a:tcPr>
+                </a:tc>
+                <a:tc>
+                  <a:txBody>
+                    <a:bodyPr/>
+                    <a:lstStyle/>
+                    <a:p>
+                      <a:endParaRPr lang="en-HK" dirty="0"/>
+                    </a:p>
+                  </a:txBody>
+                  <a:tcPr>
+                    <a:solidFill>
+                      <a:schemeClr val="accent2">
+                        <a:lumMod val="40000"/>
+                        <a:lumOff val="60000"/>
+                      </a:schemeClr>
+                    </a:solidFill>
+                  </a:tcPr>
+                </a:tc>
+                <a:extLst>
+                  <a:ext uri="{0D108BD9-81ED-4DB2-BD59-A6C34878D82A}">
+                    <a16:rowId xmlns:a16="http://schemas.microsoft.com/office/drawing/2014/main" val="2601047344"/>
+                  </a:ext>
+                </a:extLst>
+              </a:tr>
+            </a:tbl>
+          </a:graphicData>
+        </a:graphic>
+      </p:graphicFrame>
+      <p:graphicFrame>
+        <p:nvGraphicFramePr>
+          <p:cNvPr id="11" name="Table 4">
+            <a:extLst>
+              <a:ext uri="{FF2B5EF4-FFF2-40B4-BE49-F238E27FC236}">
+                <a16:creationId xmlns:a16="http://schemas.microsoft.com/office/drawing/2014/main" id="{0228550D-2E4F-14D2-A000-B8F5130FCEFA}"/>
+              </a:ext>
+            </a:extLst>
+          </p:cNvPr>
+          <p:cNvGraphicFramePr>
+            <a:graphicFrameLocks noGrp="1"/>
+          </p:cNvGraphicFramePr>
+          <p:nvPr/>
+        </p:nvGraphicFramePr>
+        <p:xfrm>
+          <a:off x="6609751" y="3058160"/>
+          <a:ext cx="846156" cy="370840"/>
+        </p:xfrm>
+        <a:graphic>
+          <a:graphicData uri="http://schemas.openxmlformats.org/drawingml/2006/table">
+            <a:tbl>
+              <a:tblPr firstRow="1" bandRow="1">
+                <a:tableStyleId>{5C22544A-7EE6-4342-B048-85BDC9FD1C3A}</a:tableStyleId>
+              </a:tblPr>
+              <a:tblGrid>
+                <a:gridCol w="423078">
+                  <a:extLst>
+                    <a:ext uri="{9D8B030D-6E8A-4147-A177-3AD203B41FA5}">
+                      <a16:colId xmlns:a16="http://schemas.microsoft.com/office/drawing/2014/main" val="1958716807"/>
+                    </a:ext>
+                  </a:extLst>
+                </a:gridCol>
+                <a:gridCol w="423078">
+                  <a:extLst>
+                    <a:ext uri="{9D8B030D-6E8A-4147-A177-3AD203B41FA5}">
+                      <a16:colId xmlns:a16="http://schemas.microsoft.com/office/drawing/2014/main" val="2177103222"/>
+                    </a:ext>
+                  </a:extLst>
+                </a:gridCol>
+              </a:tblGrid>
+              <a:tr h="370840">
+                <a:tc>
+                  <a:txBody>
+                    <a:bodyPr/>
+                    <a:lstStyle/>
+                    <a:p>
+                      <a:endParaRPr lang="en-HK" dirty="0"/>
+                    </a:p>
+                  </a:txBody>
+                  <a:tcPr>
+                    <a:solidFill>
+                      <a:schemeClr val="accent6">
+                        <a:lumMod val="60000"/>
+                        <a:lumOff val="40000"/>
+                      </a:schemeClr>
+                    </a:solidFill>
+                  </a:tcPr>
+                </a:tc>
+                <a:tc>
+                  <a:txBody>
+                    <a:bodyPr/>
+                    <a:lstStyle/>
+                    <a:p>
+                      <a:endParaRPr lang="en-HK" dirty="0"/>
+                    </a:p>
+                  </a:txBody>
+                  <a:tcPr>
+                    <a:solidFill>
+                      <a:schemeClr val="accent6">
+                        <a:lumMod val="60000"/>
+                        <a:lumOff val="40000"/>
+                      </a:schemeClr>
+                    </a:solidFill>
+                  </a:tcPr>
+                </a:tc>
+                <a:extLst>
+                  <a:ext uri="{0D108BD9-81ED-4DB2-BD59-A6C34878D82A}">
+                    <a16:rowId xmlns:a16="http://schemas.microsoft.com/office/drawing/2014/main" val="2601047344"/>
+                  </a:ext>
+                </a:extLst>
+              </a:tr>
+            </a:tbl>
+          </a:graphicData>
+        </a:graphic>
+      </p:graphicFrame>
+      <p:cxnSp>
+        <p:nvCxnSpPr>
+          <p:cNvPr id="13" name="Straight Arrow Connector 12">
+            <a:extLst>
+              <a:ext uri="{FF2B5EF4-FFF2-40B4-BE49-F238E27FC236}">
+                <a16:creationId xmlns:a16="http://schemas.microsoft.com/office/drawing/2014/main" id="{ED66A68B-9E4D-6CF7-84D9-EB9732A589DA}"/>
+              </a:ext>
+            </a:extLst>
+          </p:cNvPr>
+          <p:cNvCxnSpPr>
+            <a:cxnSpLocks/>
+          </p:cNvCxnSpPr>
+          <p:nvPr/>
+        </p:nvCxnSpPr>
+        <p:spPr>
+          <a:xfrm>
+            <a:off x="7017877" y="3531115"/>
+            <a:ext cx="0" cy="422694"/>
+          </a:xfrm>
+          <a:prstGeom prst="straightConnector1">
+            <a:avLst/>
+          </a:prstGeom>
+          <a:ln>
+            <a:tailEnd type="triangle"/>
+          </a:ln>
+        </p:spPr>
+        <p:style>
+          <a:lnRef idx="3">
+            <a:schemeClr val="dk1"/>
+          </a:lnRef>
+          <a:fillRef idx="0">
+            <a:schemeClr val="dk1"/>
+          </a:fillRef>
+          <a:effectRef idx="2">
+            <a:schemeClr val="dk1"/>
+          </a:effectRef>
+          <a:fontRef idx="minor">
+            <a:schemeClr val="tx1"/>
+          </a:fontRef>
+        </p:style>
+      </p:cxnSp>
+      <p:graphicFrame>
+        <p:nvGraphicFramePr>
+          <p:cNvPr id="14" name="Table 4">
+            <a:extLst>
+              <a:ext uri="{FF2B5EF4-FFF2-40B4-BE49-F238E27FC236}">
+                <a16:creationId xmlns:a16="http://schemas.microsoft.com/office/drawing/2014/main" id="{D4588EEB-6689-C1E8-59C0-95BCBF8952EC}"/>
+              </a:ext>
+            </a:extLst>
+          </p:cNvPr>
+          <p:cNvGraphicFramePr>
+            <a:graphicFrameLocks noGrp="1"/>
+          </p:cNvGraphicFramePr>
+          <p:nvPr/>
+        </p:nvGraphicFramePr>
+        <p:xfrm>
+          <a:off x="6609751" y="3977758"/>
+          <a:ext cx="4230780" cy="370840"/>
+        </p:xfrm>
+        <a:graphic>
+          <a:graphicData uri="http://schemas.openxmlformats.org/drawingml/2006/table">
+            <a:tbl>
+              <a:tblPr firstRow="1" bandRow="1">
+                <a:tableStyleId>{5C22544A-7EE6-4342-B048-85BDC9FD1C3A}</a:tableStyleId>
+              </a:tblPr>
+              <a:tblGrid>
+                <a:gridCol w="423078">
+                  <a:extLst>
+                    <a:ext uri="{9D8B030D-6E8A-4147-A177-3AD203B41FA5}">
+                      <a16:colId xmlns:a16="http://schemas.microsoft.com/office/drawing/2014/main" val="1958716807"/>
+                    </a:ext>
+                  </a:extLst>
+                </a:gridCol>
+                <a:gridCol w="423078">
+                  <a:extLst>
+                    <a:ext uri="{9D8B030D-6E8A-4147-A177-3AD203B41FA5}">
+                      <a16:colId xmlns:a16="http://schemas.microsoft.com/office/drawing/2014/main" val="2177103222"/>
+                    </a:ext>
+                  </a:extLst>
+                </a:gridCol>
+                <a:gridCol w="423078">
+                  <a:extLst>
+                    <a:ext uri="{9D8B030D-6E8A-4147-A177-3AD203B41FA5}">
+                      <a16:colId xmlns:a16="http://schemas.microsoft.com/office/drawing/2014/main" val="3409141404"/>
+                    </a:ext>
+                  </a:extLst>
+                </a:gridCol>
+                <a:gridCol w="423078">
+                  <a:extLst>
+                    <a:ext uri="{9D8B030D-6E8A-4147-A177-3AD203B41FA5}">
+                      <a16:colId xmlns:a16="http://schemas.microsoft.com/office/drawing/2014/main" val="217707470"/>
+                    </a:ext>
+                  </a:extLst>
+                </a:gridCol>
+                <a:gridCol w="423078">
+                  <a:extLst>
+                    <a:ext uri="{9D8B030D-6E8A-4147-A177-3AD203B41FA5}">
+                      <a16:colId xmlns:a16="http://schemas.microsoft.com/office/drawing/2014/main" val="770379941"/>
+                    </a:ext>
+                  </a:extLst>
+                </a:gridCol>
+                <a:gridCol w="423078">
+                  <a:extLst>
+                    <a:ext uri="{9D8B030D-6E8A-4147-A177-3AD203B41FA5}">
+                      <a16:colId xmlns:a16="http://schemas.microsoft.com/office/drawing/2014/main" val="4085467491"/>
+                    </a:ext>
+                  </a:extLst>
+                </a:gridCol>
+                <a:gridCol w="423078">
+                  <a:extLst>
+                    <a:ext uri="{9D8B030D-6E8A-4147-A177-3AD203B41FA5}">
+                      <a16:colId xmlns:a16="http://schemas.microsoft.com/office/drawing/2014/main" val="2183018877"/>
+                    </a:ext>
+                  </a:extLst>
+                </a:gridCol>
+                <a:gridCol w="423078">
+                  <a:extLst>
+                    <a:ext uri="{9D8B030D-6E8A-4147-A177-3AD203B41FA5}">
+                      <a16:colId xmlns:a16="http://schemas.microsoft.com/office/drawing/2014/main" val="3957069584"/>
+                    </a:ext>
+                  </a:extLst>
+                </a:gridCol>
+                <a:gridCol w="423078">
+                  <a:extLst>
+                    <a:ext uri="{9D8B030D-6E8A-4147-A177-3AD203B41FA5}">
+                      <a16:colId xmlns:a16="http://schemas.microsoft.com/office/drawing/2014/main" val="3244291510"/>
+                    </a:ext>
+                  </a:extLst>
+                </a:gridCol>
+                <a:gridCol w="423078">
+                  <a:extLst>
+                    <a:ext uri="{9D8B030D-6E8A-4147-A177-3AD203B41FA5}">
+                      <a16:colId xmlns:a16="http://schemas.microsoft.com/office/drawing/2014/main" val="3722398860"/>
+                    </a:ext>
+                  </a:extLst>
+                </a:gridCol>
+              </a:tblGrid>
+              <a:tr h="370840">
+                <a:tc>
+                  <a:txBody>
+                    <a:bodyPr/>
+                    <a:lstStyle/>
+                    <a:p>
+                      <a:endParaRPr lang="en-HK" dirty="0"/>
+                    </a:p>
+                  </a:txBody>
+                  <a:tcPr>
+                    <a:solidFill>
+                      <a:schemeClr val="accent2">
+                        <a:lumMod val="40000"/>
+                        <a:lumOff val="60000"/>
+                      </a:schemeClr>
+                    </a:solidFill>
+                  </a:tcPr>
+                </a:tc>
+                <a:tc>
+                  <a:txBody>
+                    <a:bodyPr/>
+                    <a:lstStyle/>
+                    <a:p>
+                      <a:endParaRPr lang="en-HK" dirty="0"/>
+                    </a:p>
+                  </a:txBody>
+                  <a:tcPr>
+                    <a:solidFill>
+                      <a:schemeClr val="accent2">
+                        <a:lumMod val="40000"/>
+                        <a:lumOff val="60000"/>
+                      </a:schemeClr>
+                    </a:solidFill>
+                  </a:tcPr>
+                </a:tc>
+                <a:tc>
+                  <a:txBody>
+                    <a:bodyPr/>
+                    <a:lstStyle/>
+                    <a:p>
+                      <a:endParaRPr lang="en-HK" dirty="0"/>
+                    </a:p>
+                  </a:txBody>
+                  <a:tcPr>
+                    <a:solidFill>
+                      <a:schemeClr val="accent1">
+                        <a:lumMod val="40000"/>
+                        <a:lumOff val="60000"/>
+                      </a:schemeClr>
+                    </a:solidFill>
+                  </a:tcPr>
+                </a:tc>
+                <a:tc>
+                  <a:txBody>
+                    <a:bodyPr/>
+                    <a:lstStyle/>
+                    <a:p>
+                      <a:endParaRPr lang="en-HK" dirty="0"/>
+                    </a:p>
+                  </a:txBody>
+                  <a:tcPr>
+                    <a:solidFill>
+                      <a:schemeClr val="accent2">
+                        <a:lumMod val="40000"/>
+                        <a:lumOff val="60000"/>
+                      </a:schemeClr>
+                    </a:solidFill>
+                  </a:tcPr>
+                </a:tc>
+                <a:tc>
+                  <a:txBody>
+                    <a:bodyPr/>
+                    <a:lstStyle/>
+                    <a:p>
+                      <a:endParaRPr lang="en-HK" dirty="0"/>
+                    </a:p>
+                  </a:txBody>
+                  <a:tcPr>
+                    <a:solidFill>
+                      <a:schemeClr val="accent1">
+                        <a:lumMod val="40000"/>
+                        <a:lumOff val="60000"/>
+                      </a:schemeClr>
+                    </a:solidFill>
+                  </a:tcPr>
+                </a:tc>
+                <a:tc>
+                  <a:txBody>
+                    <a:bodyPr/>
+                    <a:lstStyle/>
+                    <a:p>
+                      <a:endParaRPr lang="en-HK" dirty="0"/>
+                    </a:p>
+                  </a:txBody>
+                  <a:tcPr>
+                    <a:solidFill>
+                      <a:schemeClr val="accent2">
+                        <a:lumMod val="40000"/>
+                        <a:lumOff val="60000"/>
+                      </a:schemeClr>
+                    </a:solidFill>
+                  </a:tcPr>
+                </a:tc>
+                <a:tc>
+                  <a:txBody>
+                    <a:bodyPr/>
+                    <a:lstStyle/>
+                    <a:p>
+                      <a:endParaRPr lang="en-HK" dirty="0"/>
+                    </a:p>
+                  </a:txBody>
+                  <a:tcPr>
+                    <a:solidFill>
+                      <a:schemeClr val="accent2">
+                        <a:lumMod val="40000"/>
+                        <a:lumOff val="60000"/>
+                      </a:schemeClr>
+                    </a:solidFill>
+                  </a:tcPr>
+                </a:tc>
+                <a:tc>
+                  <a:txBody>
+                    <a:bodyPr/>
+                    <a:lstStyle/>
+                    <a:p>
+                      <a:endParaRPr lang="en-HK" dirty="0"/>
+                    </a:p>
+                  </a:txBody>
+                  <a:tcPr>
+                    <a:solidFill>
+                      <a:schemeClr val="accent2">
+                        <a:lumMod val="40000"/>
+                        <a:lumOff val="60000"/>
+                      </a:schemeClr>
+                    </a:solidFill>
+                  </a:tcPr>
+                </a:tc>
+                <a:tc>
+                  <a:txBody>
+                    <a:bodyPr/>
+                    <a:lstStyle/>
+                    <a:p>
+                      <a:endParaRPr lang="en-HK" dirty="0"/>
+                    </a:p>
+                  </a:txBody>
+                  <a:tcPr>
+                    <a:solidFill>
+                      <a:schemeClr val="accent1">
+                        <a:lumMod val="40000"/>
+                        <a:lumOff val="60000"/>
+                      </a:schemeClr>
+                    </a:solidFill>
+                  </a:tcPr>
+                </a:tc>
+                <a:tc>
+                  <a:txBody>
+                    <a:bodyPr/>
+                    <a:lstStyle/>
+                    <a:p>
+                      <a:endParaRPr lang="en-HK" dirty="0"/>
+                    </a:p>
+                  </a:txBody>
+                  <a:tcPr>
+                    <a:solidFill>
+                      <a:schemeClr val="accent2">
+                        <a:lumMod val="40000"/>
+                        <a:lumOff val="60000"/>
+                      </a:schemeClr>
+                    </a:solidFill>
+                  </a:tcPr>
+                </a:tc>
+                <a:extLst>
+                  <a:ext uri="{0D108BD9-81ED-4DB2-BD59-A6C34878D82A}">
+                    <a16:rowId xmlns:a16="http://schemas.microsoft.com/office/drawing/2014/main" val="2601047344"/>
+                  </a:ext>
+                </a:extLst>
+              </a:tr>
+            </a:tbl>
+          </a:graphicData>
+        </a:graphic>
+      </p:graphicFrame>
+      <p:cxnSp>
+        <p:nvCxnSpPr>
+          <p:cNvPr id="15" name="Straight Arrow Connector 14">
+            <a:extLst>
+              <a:ext uri="{FF2B5EF4-FFF2-40B4-BE49-F238E27FC236}">
+                <a16:creationId xmlns:a16="http://schemas.microsoft.com/office/drawing/2014/main" id="{61558E12-4E83-EA9D-F9E8-507F250B36A1}"/>
+              </a:ext>
+            </a:extLst>
+          </p:cNvPr>
+          <p:cNvCxnSpPr>
+            <a:cxnSpLocks/>
+          </p:cNvCxnSpPr>
+          <p:nvPr/>
+        </p:nvCxnSpPr>
+        <p:spPr>
+          <a:xfrm>
+            <a:off x="8728021" y="5033470"/>
+            <a:ext cx="0" cy="376687"/>
+          </a:xfrm>
+          <a:prstGeom prst="straightConnector1">
+            <a:avLst/>
+          </a:prstGeom>
+          <a:ln>
+            <a:tailEnd type="triangle"/>
+          </a:ln>
+        </p:spPr>
+        <p:style>
+          <a:lnRef idx="3">
+            <a:schemeClr val="dk1"/>
+          </a:lnRef>
+          <a:fillRef idx="0">
+            <a:schemeClr val="dk1"/>
+          </a:fillRef>
+          <a:effectRef idx="2">
+            <a:schemeClr val="dk1"/>
+          </a:effectRef>
+          <a:fontRef idx="minor">
+            <a:schemeClr val="tx1"/>
+          </a:fontRef>
+        </p:style>
+      </p:cxnSp>
+      <p:graphicFrame>
+        <p:nvGraphicFramePr>
+          <p:cNvPr id="16" name="Table 4">
+            <a:extLst>
+              <a:ext uri="{FF2B5EF4-FFF2-40B4-BE49-F238E27FC236}">
+                <a16:creationId xmlns:a16="http://schemas.microsoft.com/office/drawing/2014/main" id="{0904DAD7-D973-ABB1-9CF9-0DF8690F3343}"/>
+              </a:ext>
+            </a:extLst>
+          </p:cNvPr>
+          <p:cNvGraphicFramePr>
+            <a:graphicFrameLocks noGrp="1"/>
+          </p:cNvGraphicFramePr>
+          <p:nvPr/>
+        </p:nvGraphicFramePr>
+        <p:xfrm>
+          <a:off x="6612631" y="5511828"/>
+          <a:ext cx="4230780" cy="370840"/>
+        </p:xfrm>
+        <a:graphic>
+          <a:graphicData uri="http://schemas.openxmlformats.org/drawingml/2006/table">
+            <a:tbl>
+              <a:tblPr firstRow="1" bandRow="1">
+                <a:tableStyleId>{5C22544A-7EE6-4342-B048-85BDC9FD1C3A}</a:tableStyleId>
+              </a:tblPr>
+              <a:tblGrid>
+                <a:gridCol w="423078">
+                  <a:extLst>
+                    <a:ext uri="{9D8B030D-6E8A-4147-A177-3AD203B41FA5}">
+                      <a16:colId xmlns:a16="http://schemas.microsoft.com/office/drawing/2014/main" val="1958716807"/>
+                    </a:ext>
+                  </a:extLst>
+                </a:gridCol>
+                <a:gridCol w="423078">
+                  <a:extLst>
+                    <a:ext uri="{9D8B030D-6E8A-4147-A177-3AD203B41FA5}">
+                      <a16:colId xmlns:a16="http://schemas.microsoft.com/office/drawing/2014/main" val="2177103222"/>
+                    </a:ext>
+                  </a:extLst>
+                </a:gridCol>
+                <a:gridCol w="423078">
+                  <a:extLst>
+                    <a:ext uri="{9D8B030D-6E8A-4147-A177-3AD203B41FA5}">
+                      <a16:colId xmlns:a16="http://schemas.microsoft.com/office/drawing/2014/main" val="3409141404"/>
+                    </a:ext>
+                  </a:extLst>
+                </a:gridCol>
+                <a:gridCol w="423078">
+                  <a:extLst>
+                    <a:ext uri="{9D8B030D-6E8A-4147-A177-3AD203B41FA5}">
+                      <a16:colId xmlns:a16="http://schemas.microsoft.com/office/drawing/2014/main" val="217707470"/>
+                    </a:ext>
+                  </a:extLst>
+                </a:gridCol>
+                <a:gridCol w="423078">
+                  <a:extLst>
+                    <a:ext uri="{9D8B030D-6E8A-4147-A177-3AD203B41FA5}">
+                      <a16:colId xmlns:a16="http://schemas.microsoft.com/office/drawing/2014/main" val="770379941"/>
+                    </a:ext>
+                  </a:extLst>
+                </a:gridCol>
+                <a:gridCol w="423078">
+                  <a:extLst>
+                    <a:ext uri="{9D8B030D-6E8A-4147-A177-3AD203B41FA5}">
+                      <a16:colId xmlns:a16="http://schemas.microsoft.com/office/drawing/2014/main" val="4085467491"/>
+                    </a:ext>
+                  </a:extLst>
+                </a:gridCol>
+                <a:gridCol w="423078">
+                  <a:extLst>
+                    <a:ext uri="{9D8B030D-6E8A-4147-A177-3AD203B41FA5}">
+                      <a16:colId xmlns:a16="http://schemas.microsoft.com/office/drawing/2014/main" val="2183018877"/>
+                    </a:ext>
+                  </a:extLst>
+                </a:gridCol>
+                <a:gridCol w="423078">
+                  <a:extLst>
+                    <a:ext uri="{9D8B030D-6E8A-4147-A177-3AD203B41FA5}">
+                      <a16:colId xmlns:a16="http://schemas.microsoft.com/office/drawing/2014/main" val="3957069584"/>
+                    </a:ext>
+                  </a:extLst>
+                </a:gridCol>
+                <a:gridCol w="423078">
+                  <a:extLst>
+                    <a:ext uri="{9D8B030D-6E8A-4147-A177-3AD203B41FA5}">
+                      <a16:colId xmlns:a16="http://schemas.microsoft.com/office/drawing/2014/main" val="3244291510"/>
+                    </a:ext>
+                  </a:extLst>
+                </a:gridCol>
+                <a:gridCol w="423078">
+                  <a:extLst>
+                    <a:ext uri="{9D8B030D-6E8A-4147-A177-3AD203B41FA5}">
+                      <a16:colId xmlns:a16="http://schemas.microsoft.com/office/drawing/2014/main" val="3722398860"/>
+                    </a:ext>
+                  </a:extLst>
+                </a:gridCol>
+              </a:tblGrid>
+              <a:tr h="370840">
+                <a:tc>
+                  <a:txBody>
+                    <a:bodyPr/>
+                    <a:lstStyle/>
+                    <a:p>
+                      <a:endParaRPr lang="en-HK" dirty="0"/>
+                    </a:p>
+                  </a:txBody>
+                  <a:tcPr>
+                    <a:lnTlToBr w="12700" cap="flat" cmpd="sng" algn="ctr">
+                      <a:solidFill>
+                        <a:schemeClr val="tx1"/>
+                      </a:solidFill>
+                      <a:prstDash val="solid"/>
+                      <a:round/>
+                      <a:headEnd type="none" w="med" len="med"/>
+                      <a:tailEnd type="none" w="med" len="med"/>
+                    </a:lnTlToBr>
+                    <a:lnBlToTr w="12700" cap="flat" cmpd="sng" algn="ctr">
+                      <a:solidFill>
+                        <a:schemeClr val="tx1"/>
+                      </a:solidFill>
+                      <a:prstDash val="solid"/>
+                      <a:round/>
+                      <a:headEnd type="none" w="med" len="med"/>
+                      <a:tailEnd type="none" w="med" len="med"/>
+                    </a:lnBlToTr>
+                    <a:solidFill>
+                      <a:schemeClr val="accent6">
+                        <a:lumMod val="60000"/>
+                        <a:lumOff val="40000"/>
+                      </a:schemeClr>
+                    </a:solidFill>
+                  </a:tcPr>
+                </a:tc>
+                <a:tc>
+                  <a:txBody>
+                    <a:bodyPr/>
+                    <a:lstStyle/>
+                    <a:p>
+                      <a:endParaRPr lang="en-HK" dirty="0"/>
+                    </a:p>
+                  </a:txBody>
+                  <a:tcPr>
+                    <a:lnTlToBr w="12700" cap="flat" cmpd="sng" algn="ctr">
+                      <a:solidFill>
+                        <a:schemeClr val="tx1"/>
+                      </a:solidFill>
+                      <a:prstDash val="solid"/>
+                      <a:round/>
+                      <a:headEnd type="none" w="med" len="med"/>
+                      <a:tailEnd type="none" w="med" len="med"/>
+                    </a:lnTlToBr>
+                    <a:lnBlToTr w="12700" cap="flat" cmpd="sng" algn="ctr">
+                      <a:solidFill>
+                        <a:schemeClr val="tx1"/>
+                      </a:solidFill>
+                      <a:prstDash val="solid"/>
+                      <a:round/>
+                      <a:headEnd type="none" w="med" len="med"/>
+                      <a:tailEnd type="none" w="med" len="med"/>
+                    </a:lnBlToTr>
+                    <a:solidFill>
+                      <a:schemeClr val="accent6">
+                        <a:lumMod val="60000"/>
+                        <a:lumOff val="40000"/>
+                      </a:schemeClr>
+                    </a:solidFill>
+                  </a:tcPr>
+                </a:tc>
+                <a:tc>
+                  <a:txBody>
+                    <a:bodyPr/>
+                    <a:lstStyle/>
+                    <a:p>
+                      <a:endParaRPr lang="en-HK" dirty="0"/>
+                    </a:p>
+                  </a:txBody>
+                  <a:tcPr>
+                    <a:lnTlToBr w="12700" cap="flat" cmpd="sng" algn="ctr">
+                      <a:solidFill>
+                        <a:schemeClr val="tx1"/>
+                      </a:solidFill>
+                      <a:prstDash val="solid"/>
+                      <a:round/>
+                      <a:headEnd type="none" w="med" len="med"/>
+                      <a:tailEnd type="none" w="med" len="med"/>
+                    </a:lnTlToBr>
+                    <a:lnBlToTr w="12700" cap="flat" cmpd="sng" algn="ctr">
+                      <a:solidFill>
+                        <a:schemeClr val="tx1"/>
+                      </a:solidFill>
+                      <a:prstDash val="solid"/>
+                      <a:round/>
+                      <a:headEnd type="none" w="med" len="med"/>
+                      <a:tailEnd type="none" w="med" len="med"/>
+                    </a:lnBlToTr>
+                    <a:solidFill>
+                      <a:schemeClr val="accent1">
+                        <a:lumMod val="40000"/>
+                        <a:lumOff val="60000"/>
+                      </a:schemeClr>
+                    </a:solidFill>
+                  </a:tcPr>
+                </a:tc>
+                <a:tc>
+                  <a:txBody>
+                    <a:bodyPr/>
+                    <a:lstStyle/>
+                    <a:p>
+                      <a:endParaRPr lang="en-HK" dirty="0"/>
+                    </a:p>
+                  </a:txBody>
+                  <a:tcPr>
+                    <a:solidFill>
+                      <a:schemeClr val="accent2">
+                        <a:lumMod val="40000"/>
+                        <a:lumOff val="60000"/>
+                      </a:schemeClr>
+                    </a:solidFill>
+                  </a:tcPr>
+                </a:tc>
+                <a:tc>
+                  <a:txBody>
+                    <a:bodyPr/>
+                    <a:lstStyle/>
+                    <a:p>
+                      <a:endParaRPr lang="en-HK" dirty="0"/>
+                    </a:p>
+                  </a:txBody>
+                  <a:tcPr>
+                    <a:solidFill>
+                      <a:schemeClr val="accent1">
+                        <a:lumMod val="40000"/>
+                        <a:lumOff val="60000"/>
+                      </a:schemeClr>
+                    </a:solidFill>
+                  </a:tcPr>
+                </a:tc>
+                <a:tc>
+                  <a:txBody>
+                    <a:bodyPr/>
+                    <a:lstStyle/>
+                    <a:p>
+                      <a:endParaRPr lang="en-HK" dirty="0"/>
+                    </a:p>
+                  </a:txBody>
+                  <a:tcPr>
+                    <a:solidFill>
+                      <a:schemeClr val="accent2">
+                        <a:lumMod val="40000"/>
+                        <a:lumOff val="60000"/>
+                      </a:schemeClr>
+                    </a:solidFill>
+                  </a:tcPr>
+                </a:tc>
+                <a:tc>
+                  <a:txBody>
+                    <a:bodyPr/>
+                    <a:lstStyle/>
+                    <a:p>
+                      <a:endParaRPr lang="en-HK" dirty="0"/>
+                    </a:p>
+                  </a:txBody>
+                  <a:tcPr>
+                    <a:solidFill>
+                      <a:schemeClr val="accent2">
+                        <a:lumMod val="40000"/>
+                        <a:lumOff val="60000"/>
+                      </a:schemeClr>
+                    </a:solidFill>
+                  </a:tcPr>
+                </a:tc>
+                <a:tc>
+                  <a:txBody>
+                    <a:bodyPr/>
+                    <a:lstStyle/>
+                    <a:p>
+                      <a:endParaRPr lang="en-HK" dirty="0"/>
+                    </a:p>
+                  </a:txBody>
+                  <a:tcPr>
+                    <a:solidFill>
+                      <a:schemeClr val="accent2">
+                        <a:lumMod val="40000"/>
+                        <a:lumOff val="60000"/>
+                      </a:schemeClr>
+                    </a:solidFill>
+                  </a:tcPr>
+                </a:tc>
+                <a:tc>
+                  <a:txBody>
+                    <a:bodyPr/>
+                    <a:lstStyle/>
+                    <a:p>
+                      <a:endParaRPr lang="en-HK" dirty="0"/>
+                    </a:p>
+                  </a:txBody>
+                  <a:tcPr>
+                    <a:solidFill>
+                      <a:schemeClr val="accent1">
+                        <a:lumMod val="40000"/>
+                        <a:lumOff val="60000"/>
+                      </a:schemeClr>
+                    </a:solidFill>
+                  </a:tcPr>
+                </a:tc>
+                <a:tc>
+                  <a:txBody>
+                    <a:bodyPr/>
+                    <a:lstStyle/>
+                    <a:p>
+                      <a:endParaRPr lang="en-HK" dirty="0"/>
+                    </a:p>
+                  </a:txBody>
+                  <a:tcPr>
+                    <a:solidFill>
+                      <a:schemeClr val="accent2">
+                        <a:lumMod val="40000"/>
+                        <a:lumOff val="60000"/>
+                      </a:schemeClr>
+                    </a:solidFill>
+                  </a:tcPr>
+                </a:tc>
+                <a:extLst>
+                  <a:ext uri="{0D108BD9-81ED-4DB2-BD59-A6C34878D82A}">
+                    <a16:rowId xmlns:a16="http://schemas.microsoft.com/office/drawing/2014/main" val="2601047344"/>
+                  </a:ext>
+                </a:extLst>
+              </a:tr>
+            </a:tbl>
+          </a:graphicData>
+        </a:graphic>
+      </p:graphicFrame>
+      <p:sp>
+        <p:nvSpPr>
+          <p:cNvPr id="17" name="TextBox 16">
+            <a:extLst>
+              <a:ext uri="{FF2B5EF4-FFF2-40B4-BE49-F238E27FC236}">
+                <a16:creationId xmlns:a16="http://schemas.microsoft.com/office/drawing/2014/main" id="{7FFED4E9-7134-62F7-577C-EE04C21ED462}"/>
+              </a:ext>
+            </a:extLst>
+          </p:cNvPr>
+          <p:cNvSpPr txBox="1"/>
+          <p:nvPr/>
+        </p:nvSpPr>
+        <p:spPr>
+          <a:xfrm>
+            <a:off x="2353609" y="1233581"/>
+            <a:ext cx="1983043" cy="369332"/>
+          </a:xfrm>
+          <a:prstGeom prst="rect">
+            <a:avLst/>
+          </a:prstGeom>
+          <a:noFill/>
+        </p:spPr>
+        <p:txBody>
+          <a:bodyPr wrap="none" rtlCol="0">
+            <a:spAutoFit/>
+          </a:bodyPr>
+          <a:lstStyle/>
+          <a:p>
+            <a:r>
+              <a:rPr lang="en-US" altLang="zh-CN" dirty="0"/>
+              <a:t>Fixed seat planning</a:t>
+            </a:r>
+            <a:endParaRPr lang="en-HK" dirty="0"/>
+          </a:p>
+        </p:txBody>
+      </p:sp>
+      <p:sp>
+        <p:nvSpPr>
+          <p:cNvPr id="18" name="TextBox 17">
+            <a:extLst>
+              <a:ext uri="{FF2B5EF4-FFF2-40B4-BE49-F238E27FC236}">
+                <a16:creationId xmlns:a16="http://schemas.microsoft.com/office/drawing/2014/main" id="{98D31FBC-1864-2B24-D111-652C20CA603F}"/>
+              </a:ext>
+            </a:extLst>
+          </p:cNvPr>
+          <p:cNvSpPr txBox="1"/>
+          <p:nvPr/>
+        </p:nvSpPr>
+        <p:spPr>
+          <a:xfrm>
+            <a:off x="7628749" y="874033"/>
+            <a:ext cx="2844368" cy="369332"/>
+          </a:xfrm>
+          <a:prstGeom prst="rect">
+            <a:avLst/>
+          </a:prstGeom>
+          <a:noFill/>
+        </p:spPr>
+        <p:txBody>
+          <a:bodyPr wrap="none" rtlCol="0">
+            <a:spAutoFit/>
+          </a:bodyPr>
+          <a:lstStyle/>
+          <a:p>
+            <a:r>
+              <a:rPr lang="en-US" altLang="zh-CN" dirty="0"/>
+              <a:t>Seat planning with two rows</a:t>
+            </a:r>
+            <a:endParaRPr lang="en-HK" dirty="0"/>
+          </a:p>
+        </p:txBody>
+      </p:sp>
+      <p:graphicFrame>
+        <p:nvGraphicFramePr>
+          <p:cNvPr id="12" name="Table 4">
+            <a:extLst>
+              <a:ext uri="{FF2B5EF4-FFF2-40B4-BE49-F238E27FC236}">
+                <a16:creationId xmlns:a16="http://schemas.microsoft.com/office/drawing/2014/main" id="{A327658F-C2B0-EA0C-271F-C0B2E098AD57}"/>
+              </a:ext>
+            </a:extLst>
+          </p:cNvPr>
+          <p:cNvGraphicFramePr>
+            <a:graphicFrameLocks noGrp="1"/>
+          </p:cNvGraphicFramePr>
+          <p:nvPr/>
+        </p:nvGraphicFramePr>
+        <p:xfrm>
+          <a:off x="6609751" y="4544945"/>
+          <a:ext cx="4230780" cy="370840"/>
+        </p:xfrm>
+        <a:graphic>
+          <a:graphicData uri="http://schemas.openxmlformats.org/drawingml/2006/table">
+            <a:tbl>
+              <a:tblPr firstRow="1" bandRow="1">
+                <a:tableStyleId>{5C22544A-7EE6-4342-B048-85BDC9FD1C3A}</a:tableStyleId>
+              </a:tblPr>
+              <a:tblGrid>
+                <a:gridCol w="423078">
+                  <a:extLst>
+                    <a:ext uri="{9D8B030D-6E8A-4147-A177-3AD203B41FA5}">
+                      <a16:colId xmlns:a16="http://schemas.microsoft.com/office/drawing/2014/main" val="1958716807"/>
+                    </a:ext>
+                  </a:extLst>
+                </a:gridCol>
+                <a:gridCol w="423078">
+                  <a:extLst>
+                    <a:ext uri="{9D8B030D-6E8A-4147-A177-3AD203B41FA5}">
+                      <a16:colId xmlns:a16="http://schemas.microsoft.com/office/drawing/2014/main" val="2177103222"/>
+                    </a:ext>
+                  </a:extLst>
+                </a:gridCol>
+                <a:gridCol w="423078">
+                  <a:extLst>
+                    <a:ext uri="{9D8B030D-6E8A-4147-A177-3AD203B41FA5}">
+                      <a16:colId xmlns:a16="http://schemas.microsoft.com/office/drawing/2014/main" val="3409141404"/>
+                    </a:ext>
+                  </a:extLst>
+                </a:gridCol>
+                <a:gridCol w="423078">
+                  <a:extLst>
+                    <a:ext uri="{9D8B030D-6E8A-4147-A177-3AD203B41FA5}">
+                      <a16:colId xmlns:a16="http://schemas.microsoft.com/office/drawing/2014/main" val="217707470"/>
+                    </a:ext>
+                  </a:extLst>
+                </a:gridCol>
+                <a:gridCol w="423078">
+                  <a:extLst>
+                    <a:ext uri="{9D8B030D-6E8A-4147-A177-3AD203B41FA5}">
+                      <a16:colId xmlns:a16="http://schemas.microsoft.com/office/drawing/2014/main" val="770379941"/>
+                    </a:ext>
+                  </a:extLst>
+                </a:gridCol>
+                <a:gridCol w="423078">
+                  <a:extLst>
+                    <a:ext uri="{9D8B030D-6E8A-4147-A177-3AD203B41FA5}">
+                      <a16:colId xmlns:a16="http://schemas.microsoft.com/office/drawing/2014/main" val="4085467491"/>
+                    </a:ext>
+                  </a:extLst>
+                </a:gridCol>
+                <a:gridCol w="423078">
+                  <a:extLst>
+                    <a:ext uri="{9D8B030D-6E8A-4147-A177-3AD203B41FA5}">
+                      <a16:colId xmlns:a16="http://schemas.microsoft.com/office/drawing/2014/main" val="2183018877"/>
+                    </a:ext>
+                  </a:extLst>
+                </a:gridCol>
+                <a:gridCol w="423078">
+                  <a:extLst>
+                    <a:ext uri="{9D8B030D-6E8A-4147-A177-3AD203B41FA5}">
+                      <a16:colId xmlns:a16="http://schemas.microsoft.com/office/drawing/2014/main" val="3957069584"/>
+                    </a:ext>
+                  </a:extLst>
+                </a:gridCol>
+                <a:gridCol w="423078">
+                  <a:extLst>
+                    <a:ext uri="{9D8B030D-6E8A-4147-A177-3AD203B41FA5}">
+                      <a16:colId xmlns:a16="http://schemas.microsoft.com/office/drawing/2014/main" val="3244291510"/>
+                    </a:ext>
+                  </a:extLst>
+                </a:gridCol>
+                <a:gridCol w="423078">
+                  <a:extLst>
+                    <a:ext uri="{9D8B030D-6E8A-4147-A177-3AD203B41FA5}">
+                      <a16:colId xmlns:a16="http://schemas.microsoft.com/office/drawing/2014/main" val="3722398860"/>
+                    </a:ext>
+                  </a:extLst>
+                </a:gridCol>
+              </a:tblGrid>
+              <a:tr h="370840">
+                <a:tc>
+                  <a:txBody>
+                    <a:bodyPr/>
+                    <a:lstStyle/>
+                    <a:p>
+                      <a:endParaRPr lang="en-HK" dirty="0"/>
+                    </a:p>
+                  </a:txBody>
+                  <a:tcPr>
+                    <a:solidFill>
+                      <a:schemeClr val="accent2">
+                        <a:lumMod val="40000"/>
+                        <a:lumOff val="60000"/>
+                      </a:schemeClr>
+                    </a:solidFill>
+                  </a:tcPr>
+                </a:tc>
+                <a:tc>
+                  <a:txBody>
+                    <a:bodyPr/>
+                    <a:lstStyle/>
+                    <a:p>
+                      <a:endParaRPr lang="en-HK" dirty="0"/>
+                    </a:p>
+                  </a:txBody>
+                  <a:tcPr>
+                    <a:solidFill>
+                      <a:schemeClr val="accent1">
+                        <a:lumMod val="40000"/>
+                        <a:lumOff val="60000"/>
+                      </a:schemeClr>
+                    </a:solidFill>
+                  </a:tcPr>
+                </a:tc>
+                <a:tc>
+                  <a:txBody>
+                    <a:bodyPr/>
+                    <a:lstStyle/>
+                    <a:p>
+                      <a:endParaRPr lang="en-HK" dirty="0"/>
+                    </a:p>
+                  </a:txBody>
+                  <a:tcPr>
+                    <a:solidFill>
+                      <a:schemeClr val="accent2">
+                        <a:lumMod val="40000"/>
+                        <a:lumOff val="60000"/>
+                      </a:schemeClr>
+                    </a:solidFill>
+                  </a:tcPr>
+                </a:tc>
+                <a:tc>
+                  <a:txBody>
+                    <a:bodyPr/>
+                    <a:lstStyle/>
+                    <a:p>
+                      <a:endParaRPr lang="en-HK" dirty="0"/>
+                    </a:p>
+                  </a:txBody>
+                  <a:tcPr>
+                    <a:solidFill>
+                      <a:schemeClr val="accent2">
+                        <a:lumMod val="40000"/>
+                        <a:lumOff val="60000"/>
+                      </a:schemeClr>
+                    </a:solidFill>
+                  </a:tcPr>
+                </a:tc>
+                <a:tc>
+                  <a:txBody>
+                    <a:bodyPr/>
+                    <a:lstStyle/>
+                    <a:p>
+                      <a:endParaRPr lang="en-HK" dirty="0"/>
+                    </a:p>
+                  </a:txBody>
+                  <a:tcPr>
+                    <a:solidFill>
+                      <a:schemeClr val="accent1">
+                        <a:lumMod val="40000"/>
+                        <a:lumOff val="60000"/>
+                      </a:schemeClr>
+                    </a:solidFill>
+                  </a:tcPr>
+                </a:tc>
+                <a:tc>
+                  <a:txBody>
+                    <a:bodyPr/>
+                    <a:lstStyle/>
+                    <a:p>
+                      <a:endParaRPr lang="en-HK" dirty="0"/>
+                    </a:p>
+                  </a:txBody>
+                  <a:tcPr>
+                    <a:solidFill>
+                      <a:schemeClr val="accent2">
+                        <a:lumMod val="40000"/>
+                        <a:lumOff val="60000"/>
+                      </a:schemeClr>
+                    </a:solidFill>
+                  </a:tcPr>
+                </a:tc>
+                <a:tc>
+                  <a:txBody>
+                    <a:bodyPr/>
+                    <a:lstStyle/>
+                    <a:p>
+                      <a:endParaRPr lang="en-HK" dirty="0"/>
+                    </a:p>
+                  </a:txBody>
+                  <a:tcPr>
+                    <a:solidFill>
+                      <a:schemeClr val="accent1">
+                        <a:lumMod val="40000"/>
+                        <a:lumOff val="60000"/>
+                      </a:schemeClr>
+                    </a:solidFill>
+                  </a:tcPr>
+                </a:tc>
+                <a:tc>
+                  <a:txBody>
+                    <a:bodyPr/>
+                    <a:lstStyle/>
+                    <a:p>
+                      <a:endParaRPr lang="en-HK" dirty="0"/>
+                    </a:p>
+                  </a:txBody>
+                  <a:tcPr>
+                    <a:solidFill>
+                      <a:schemeClr val="accent2">
+                        <a:lumMod val="40000"/>
+                        <a:lumOff val="60000"/>
+                      </a:schemeClr>
+                    </a:solidFill>
+                  </a:tcPr>
+                </a:tc>
+                <a:tc>
+                  <a:txBody>
+                    <a:bodyPr/>
+                    <a:lstStyle/>
+                    <a:p>
+                      <a:endParaRPr lang="en-HK" dirty="0"/>
+                    </a:p>
+                  </a:txBody>
+                  <a:tcPr>
+                    <a:solidFill>
+                      <a:schemeClr val="accent2">
+                        <a:lumMod val="40000"/>
+                        <a:lumOff val="60000"/>
+                      </a:schemeClr>
+                    </a:solidFill>
+                  </a:tcPr>
+                </a:tc>
+                <a:tc>
+                  <a:txBody>
+                    <a:bodyPr/>
+                    <a:lstStyle/>
+                    <a:p>
+                      <a:endParaRPr lang="en-HK" dirty="0"/>
+                    </a:p>
+                  </a:txBody>
+                  <a:tcPr>
+                    <a:solidFill>
+                      <a:schemeClr val="accent1">
+                        <a:lumMod val="40000"/>
+                        <a:lumOff val="60000"/>
+                      </a:schemeClr>
+                    </a:solidFill>
+                  </a:tcPr>
+                </a:tc>
+                <a:extLst>
+                  <a:ext uri="{0D108BD9-81ED-4DB2-BD59-A6C34878D82A}">
+                    <a16:rowId xmlns:a16="http://schemas.microsoft.com/office/drawing/2014/main" val="2601047344"/>
+                  </a:ext>
+                </a:extLst>
+              </a:tr>
+            </a:tbl>
+          </a:graphicData>
+        </a:graphic>
+      </p:graphicFrame>
+      <p:graphicFrame>
+        <p:nvGraphicFramePr>
+          <p:cNvPr id="21" name="Table 4">
+            <a:extLst>
+              <a:ext uri="{FF2B5EF4-FFF2-40B4-BE49-F238E27FC236}">
+                <a16:creationId xmlns:a16="http://schemas.microsoft.com/office/drawing/2014/main" id="{A02CF28C-E80C-3E40-B2AE-9BB4B94F7970}"/>
+              </a:ext>
+            </a:extLst>
+          </p:cNvPr>
+          <p:cNvGraphicFramePr>
+            <a:graphicFrameLocks noGrp="1"/>
+          </p:cNvGraphicFramePr>
+          <p:nvPr/>
+        </p:nvGraphicFramePr>
+        <p:xfrm>
+          <a:off x="6612631" y="6092037"/>
+          <a:ext cx="4230780" cy="370840"/>
+        </p:xfrm>
+        <a:graphic>
+          <a:graphicData uri="http://schemas.openxmlformats.org/drawingml/2006/table">
+            <a:tbl>
+              <a:tblPr firstRow="1" bandRow="1">
+                <a:tableStyleId>{5C22544A-7EE6-4342-B048-85BDC9FD1C3A}</a:tableStyleId>
+              </a:tblPr>
+              <a:tblGrid>
+                <a:gridCol w="423078">
+                  <a:extLst>
+                    <a:ext uri="{9D8B030D-6E8A-4147-A177-3AD203B41FA5}">
+                      <a16:colId xmlns:a16="http://schemas.microsoft.com/office/drawing/2014/main" val="1958716807"/>
+                    </a:ext>
+                  </a:extLst>
+                </a:gridCol>
+                <a:gridCol w="423078">
+                  <a:extLst>
+                    <a:ext uri="{9D8B030D-6E8A-4147-A177-3AD203B41FA5}">
+                      <a16:colId xmlns:a16="http://schemas.microsoft.com/office/drawing/2014/main" val="2177103222"/>
+                    </a:ext>
+                  </a:extLst>
+                </a:gridCol>
+                <a:gridCol w="423078">
+                  <a:extLst>
+                    <a:ext uri="{9D8B030D-6E8A-4147-A177-3AD203B41FA5}">
+                      <a16:colId xmlns:a16="http://schemas.microsoft.com/office/drawing/2014/main" val="3409141404"/>
+                    </a:ext>
+                  </a:extLst>
+                </a:gridCol>
+                <a:gridCol w="423078">
+                  <a:extLst>
+                    <a:ext uri="{9D8B030D-6E8A-4147-A177-3AD203B41FA5}">
+                      <a16:colId xmlns:a16="http://schemas.microsoft.com/office/drawing/2014/main" val="217707470"/>
+                    </a:ext>
+                  </a:extLst>
+                </a:gridCol>
+                <a:gridCol w="423078">
+                  <a:extLst>
+                    <a:ext uri="{9D8B030D-6E8A-4147-A177-3AD203B41FA5}">
+                      <a16:colId xmlns:a16="http://schemas.microsoft.com/office/drawing/2014/main" val="770379941"/>
+                    </a:ext>
+                  </a:extLst>
+                </a:gridCol>
+                <a:gridCol w="423078">
+                  <a:extLst>
+                    <a:ext uri="{9D8B030D-6E8A-4147-A177-3AD203B41FA5}">
+                      <a16:colId xmlns:a16="http://schemas.microsoft.com/office/drawing/2014/main" val="4085467491"/>
+                    </a:ext>
+                  </a:extLst>
+                </a:gridCol>
+                <a:gridCol w="423078">
+                  <a:extLst>
+                    <a:ext uri="{9D8B030D-6E8A-4147-A177-3AD203B41FA5}">
+                      <a16:colId xmlns:a16="http://schemas.microsoft.com/office/drawing/2014/main" val="2183018877"/>
+                    </a:ext>
+                  </a:extLst>
+                </a:gridCol>
+                <a:gridCol w="423078">
+                  <a:extLst>
+                    <a:ext uri="{9D8B030D-6E8A-4147-A177-3AD203B41FA5}">
+                      <a16:colId xmlns:a16="http://schemas.microsoft.com/office/drawing/2014/main" val="3957069584"/>
+                    </a:ext>
+                  </a:extLst>
+                </a:gridCol>
+                <a:gridCol w="423078">
+                  <a:extLst>
+                    <a:ext uri="{9D8B030D-6E8A-4147-A177-3AD203B41FA5}">
+                      <a16:colId xmlns:a16="http://schemas.microsoft.com/office/drawing/2014/main" val="3244291510"/>
+                    </a:ext>
+                  </a:extLst>
+                </a:gridCol>
+                <a:gridCol w="423078">
+                  <a:extLst>
+                    <a:ext uri="{9D8B030D-6E8A-4147-A177-3AD203B41FA5}">
+                      <a16:colId xmlns:a16="http://schemas.microsoft.com/office/drawing/2014/main" val="3722398860"/>
+                    </a:ext>
+                  </a:extLst>
+                </a:gridCol>
+              </a:tblGrid>
+              <a:tr h="370840">
+                <a:tc>
+                  <a:txBody>
+                    <a:bodyPr/>
+                    <a:lstStyle/>
+                    <a:p>
+                      <a:endParaRPr lang="en-HK" dirty="0"/>
+                    </a:p>
+                  </a:txBody>
+                  <a:tcPr>
+                    <a:solidFill>
+                      <a:schemeClr val="accent2">
+                        <a:lumMod val="40000"/>
+                        <a:lumOff val="60000"/>
+                      </a:schemeClr>
+                    </a:solidFill>
+                  </a:tcPr>
+                </a:tc>
+                <a:tc>
+                  <a:txBody>
+                    <a:bodyPr/>
+                    <a:lstStyle/>
+                    <a:p>
+                      <a:endParaRPr lang="en-HK" dirty="0"/>
+                    </a:p>
+                  </a:txBody>
+                  <a:tcPr>
+                    <a:solidFill>
+                      <a:schemeClr val="accent1">
+                        <a:lumMod val="40000"/>
+                        <a:lumOff val="60000"/>
+                      </a:schemeClr>
+                    </a:solidFill>
+                  </a:tcPr>
+                </a:tc>
+                <a:tc>
+                  <a:txBody>
+                    <a:bodyPr/>
+                    <a:lstStyle/>
+                    <a:p>
+                      <a:endParaRPr lang="en-HK" dirty="0"/>
+                    </a:p>
+                  </a:txBody>
+                  <a:tcPr>
+                    <a:solidFill>
+                      <a:schemeClr val="accent2">
+                        <a:lumMod val="40000"/>
+                        <a:lumOff val="60000"/>
+                      </a:schemeClr>
+                    </a:solidFill>
+                  </a:tcPr>
+                </a:tc>
+                <a:tc>
+                  <a:txBody>
+                    <a:bodyPr/>
+                    <a:lstStyle/>
+                    <a:p>
+                      <a:endParaRPr lang="en-HK" dirty="0"/>
+                    </a:p>
+                  </a:txBody>
+                  <a:tcPr>
+                    <a:solidFill>
+                      <a:schemeClr val="accent2">
+                        <a:lumMod val="40000"/>
+                        <a:lumOff val="60000"/>
+                      </a:schemeClr>
+                    </a:solidFill>
+                  </a:tcPr>
+                </a:tc>
+                <a:tc>
+                  <a:txBody>
+                    <a:bodyPr/>
+                    <a:lstStyle/>
+                    <a:p>
+                      <a:endParaRPr lang="en-HK" dirty="0"/>
+                    </a:p>
+                  </a:txBody>
+                  <a:tcPr>
+                    <a:solidFill>
+                      <a:schemeClr val="accent1">
+                        <a:lumMod val="40000"/>
+                        <a:lumOff val="60000"/>
+                      </a:schemeClr>
+                    </a:solidFill>
+                  </a:tcPr>
+                </a:tc>
+                <a:tc>
+                  <a:txBody>
+                    <a:bodyPr/>
+                    <a:lstStyle/>
+                    <a:p>
+                      <a:endParaRPr lang="en-HK" dirty="0"/>
+                    </a:p>
+                  </a:txBody>
+                  <a:tcPr>
+                    <a:solidFill>
+                      <a:schemeClr val="accent2">
+                        <a:lumMod val="40000"/>
+                        <a:lumOff val="60000"/>
+                      </a:schemeClr>
+                    </a:solidFill>
+                  </a:tcPr>
+                </a:tc>
+                <a:tc>
+                  <a:txBody>
+                    <a:bodyPr/>
+                    <a:lstStyle/>
+                    <a:p>
+                      <a:endParaRPr lang="en-HK" dirty="0"/>
+                    </a:p>
+                  </a:txBody>
+                  <a:tcPr>
+                    <a:solidFill>
+                      <a:schemeClr val="accent1">
+                        <a:lumMod val="40000"/>
+                        <a:lumOff val="60000"/>
+                      </a:schemeClr>
+                    </a:solidFill>
+                  </a:tcPr>
+                </a:tc>
+                <a:tc>
+                  <a:txBody>
+                    <a:bodyPr/>
+                    <a:lstStyle/>
+                    <a:p>
+                      <a:endParaRPr lang="en-HK" dirty="0"/>
+                    </a:p>
+                  </a:txBody>
+                  <a:tcPr>
+                    <a:solidFill>
+                      <a:schemeClr val="accent2">
+                        <a:lumMod val="40000"/>
+                        <a:lumOff val="60000"/>
+                      </a:schemeClr>
+                    </a:solidFill>
+                  </a:tcPr>
+                </a:tc>
+                <a:tc>
+                  <a:txBody>
+                    <a:bodyPr/>
+                    <a:lstStyle/>
+                    <a:p>
+                      <a:endParaRPr lang="en-HK" dirty="0"/>
+                    </a:p>
+                  </a:txBody>
+                  <a:tcPr>
+                    <a:solidFill>
+                      <a:schemeClr val="accent2">
+                        <a:lumMod val="40000"/>
+                        <a:lumOff val="60000"/>
+                      </a:schemeClr>
+                    </a:solidFill>
+                  </a:tcPr>
+                </a:tc>
+                <a:tc>
+                  <a:txBody>
+                    <a:bodyPr/>
+                    <a:lstStyle/>
+                    <a:p>
+                      <a:endParaRPr lang="en-HK" dirty="0"/>
+                    </a:p>
+                  </a:txBody>
+                  <a:tcPr>
+                    <a:solidFill>
+                      <a:schemeClr val="accent1">
+                        <a:lumMod val="40000"/>
+                        <a:lumOff val="60000"/>
+                      </a:schemeClr>
+                    </a:solidFill>
+                  </a:tcPr>
+                </a:tc>
+                <a:extLst>
+                  <a:ext uri="{0D108BD9-81ED-4DB2-BD59-A6C34878D82A}">
+                    <a16:rowId xmlns:a16="http://schemas.microsoft.com/office/drawing/2014/main" val="2601047344"/>
+                  </a:ext>
+                </a:extLst>
+              </a:tr>
+            </a:tbl>
+          </a:graphicData>
+        </a:graphic>
+      </p:graphicFrame>
+      <p:graphicFrame>
+        <p:nvGraphicFramePr>
+          <p:cNvPr id="2" name="Table 4">
+            <a:extLst>
+              <a:ext uri="{FF2B5EF4-FFF2-40B4-BE49-F238E27FC236}">
+                <a16:creationId xmlns:a16="http://schemas.microsoft.com/office/drawing/2014/main" id="{75B15822-184D-3930-3348-AA7B77364B43}"/>
+              </a:ext>
+            </a:extLst>
+          </p:cNvPr>
+          <p:cNvGraphicFramePr>
+            <a:graphicFrameLocks noGrp="1"/>
+          </p:cNvGraphicFramePr>
+          <p:nvPr>
+            <p:extLst>
+              <p:ext uri="{D42A27DB-BD31-4B8C-83A1-F6EECF244321}">
+                <p14:modId xmlns:p14="http://schemas.microsoft.com/office/powerpoint/2010/main" val="697622936"/>
+              </p:ext>
+            </p:extLst>
+          </p:nvPr>
+        </p:nvGraphicFramePr>
+        <p:xfrm>
+          <a:off x="1345709" y="3055818"/>
+          <a:ext cx="845394" cy="370840"/>
+        </p:xfrm>
+        <a:graphic>
+          <a:graphicData uri="http://schemas.openxmlformats.org/drawingml/2006/table">
+            <a:tbl>
+              <a:tblPr firstRow="1" bandRow="1">
+                <a:tableStyleId>{5C22544A-7EE6-4342-B048-85BDC9FD1C3A}</a:tableStyleId>
+              </a:tblPr>
+              <a:tblGrid>
+                <a:gridCol w="422697">
+                  <a:extLst>
+                    <a:ext uri="{9D8B030D-6E8A-4147-A177-3AD203B41FA5}">
+                      <a16:colId xmlns:a16="http://schemas.microsoft.com/office/drawing/2014/main" val="1958716807"/>
+                    </a:ext>
+                  </a:extLst>
+                </a:gridCol>
+                <a:gridCol w="422697">
+                  <a:extLst>
+                    <a:ext uri="{9D8B030D-6E8A-4147-A177-3AD203B41FA5}">
+                      <a16:colId xmlns:a16="http://schemas.microsoft.com/office/drawing/2014/main" val="2177103222"/>
+                    </a:ext>
+                  </a:extLst>
+                </a:gridCol>
+              </a:tblGrid>
+              <a:tr h="370840">
+                <a:tc>
+                  <a:txBody>
+                    <a:bodyPr/>
+                    <a:lstStyle/>
+                    <a:p>
+                      <a:endParaRPr lang="en-HK" dirty="0"/>
+                    </a:p>
+                  </a:txBody>
+                  <a:tcPr>
+                    <a:solidFill>
+                      <a:schemeClr val="accent6">
+                        <a:lumMod val="60000"/>
+                        <a:lumOff val="40000"/>
+                      </a:schemeClr>
+                    </a:solidFill>
+                  </a:tcPr>
+                </a:tc>
+                <a:tc>
+                  <a:txBody>
+                    <a:bodyPr/>
+                    <a:lstStyle/>
+                    <a:p>
+                      <a:endParaRPr lang="en-HK" dirty="0"/>
+                    </a:p>
+                  </a:txBody>
+                  <a:tcPr>
+                    <a:solidFill>
+                      <a:schemeClr val="accent6">
+                        <a:lumMod val="60000"/>
+                        <a:lumOff val="40000"/>
+                      </a:schemeClr>
+                    </a:solidFill>
+                  </a:tcPr>
+                </a:tc>
+                <a:extLst>
+                  <a:ext uri="{0D108BD9-81ED-4DB2-BD59-A6C34878D82A}">
+                    <a16:rowId xmlns:a16="http://schemas.microsoft.com/office/drawing/2014/main" val="2601047344"/>
+                  </a:ext>
+                </a:extLst>
+              </a:tr>
+            </a:tbl>
+          </a:graphicData>
+        </a:graphic>
+      </p:graphicFrame>
+      <p:cxnSp>
+        <p:nvCxnSpPr>
+          <p:cNvPr id="3" name="Straight Arrow Connector 2">
+            <a:extLst>
+              <a:ext uri="{FF2B5EF4-FFF2-40B4-BE49-F238E27FC236}">
+                <a16:creationId xmlns:a16="http://schemas.microsoft.com/office/drawing/2014/main" id="{F83FBB7B-33C6-D927-1A2A-93469BA30E48}"/>
+              </a:ext>
+            </a:extLst>
+          </p:cNvPr>
+          <p:cNvCxnSpPr>
+            <a:cxnSpLocks/>
+          </p:cNvCxnSpPr>
+          <p:nvPr/>
+        </p:nvCxnSpPr>
+        <p:spPr>
+          <a:xfrm>
+            <a:off x="1753836" y="3528773"/>
+            <a:ext cx="0" cy="422694"/>
+          </a:xfrm>
+          <a:prstGeom prst="straightConnector1">
+            <a:avLst/>
+          </a:prstGeom>
+          <a:ln>
+            <a:tailEnd type="triangle"/>
+          </a:ln>
+        </p:spPr>
+        <p:style>
+          <a:lnRef idx="3">
+            <a:schemeClr val="dk1"/>
+          </a:lnRef>
+          <a:fillRef idx="0">
+            <a:schemeClr val="dk1"/>
+          </a:fillRef>
+          <a:effectRef idx="2">
+            <a:schemeClr val="dk1"/>
+          </a:effectRef>
+          <a:fontRef idx="minor">
+            <a:schemeClr val="tx1"/>
+          </a:fontRef>
+        </p:style>
+      </p:cxnSp>
+      <p:graphicFrame>
+        <p:nvGraphicFramePr>
+          <p:cNvPr id="4" name="Table 4">
+            <a:extLst>
+              <a:ext uri="{FF2B5EF4-FFF2-40B4-BE49-F238E27FC236}">
+                <a16:creationId xmlns:a16="http://schemas.microsoft.com/office/drawing/2014/main" id="{D9512FBD-D4D1-1424-1850-9BAFDE125830}"/>
+              </a:ext>
+            </a:extLst>
+          </p:cNvPr>
+          <p:cNvGraphicFramePr>
+            <a:graphicFrameLocks noGrp="1"/>
+          </p:cNvGraphicFramePr>
+          <p:nvPr/>
+        </p:nvGraphicFramePr>
+        <p:xfrm>
+          <a:off x="1345710" y="3975416"/>
+          <a:ext cx="4230780" cy="370840"/>
+        </p:xfrm>
+        <a:graphic>
+          <a:graphicData uri="http://schemas.openxmlformats.org/drawingml/2006/table">
+            <a:tbl>
+              <a:tblPr firstRow="1" bandRow="1">
+                <a:tableStyleId>{5C22544A-7EE6-4342-B048-85BDC9FD1C3A}</a:tableStyleId>
+              </a:tblPr>
+              <a:tblGrid>
+                <a:gridCol w="423078">
+                  <a:extLst>
+                    <a:ext uri="{9D8B030D-6E8A-4147-A177-3AD203B41FA5}">
+                      <a16:colId xmlns:a16="http://schemas.microsoft.com/office/drawing/2014/main" val="1958716807"/>
+                    </a:ext>
+                  </a:extLst>
+                </a:gridCol>
+                <a:gridCol w="423078">
+                  <a:extLst>
+                    <a:ext uri="{9D8B030D-6E8A-4147-A177-3AD203B41FA5}">
+                      <a16:colId xmlns:a16="http://schemas.microsoft.com/office/drawing/2014/main" val="2177103222"/>
+                    </a:ext>
+                  </a:extLst>
+                </a:gridCol>
+                <a:gridCol w="423078">
+                  <a:extLst>
+                    <a:ext uri="{9D8B030D-6E8A-4147-A177-3AD203B41FA5}">
+                      <a16:colId xmlns:a16="http://schemas.microsoft.com/office/drawing/2014/main" val="3409141404"/>
+                    </a:ext>
+                  </a:extLst>
+                </a:gridCol>
+                <a:gridCol w="423078">
+                  <a:extLst>
+                    <a:ext uri="{9D8B030D-6E8A-4147-A177-3AD203B41FA5}">
+                      <a16:colId xmlns:a16="http://schemas.microsoft.com/office/drawing/2014/main" val="217707470"/>
+                    </a:ext>
+                  </a:extLst>
+                </a:gridCol>
+                <a:gridCol w="423078">
+                  <a:extLst>
+                    <a:ext uri="{9D8B030D-6E8A-4147-A177-3AD203B41FA5}">
+                      <a16:colId xmlns:a16="http://schemas.microsoft.com/office/drawing/2014/main" val="770379941"/>
+                    </a:ext>
+                  </a:extLst>
+                </a:gridCol>
+                <a:gridCol w="423078">
+                  <a:extLst>
+                    <a:ext uri="{9D8B030D-6E8A-4147-A177-3AD203B41FA5}">
+                      <a16:colId xmlns:a16="http://schemas.microsoft.com/office/drawing/2014/main" val="4085467491"/>
+                    </a:ext>
+                  </a:extLst>
+                </a:gridCol>
+                <a:gridCol w="423078">
+                  <a:extLst>
+                    <a:ext uri="{9D8B030D-6E8A-4147-A177-3AD203B41FA5}">
+                      <a16:colId xmlns:a16="http://schemas.microsoft.com/office/drawing/2014/main" val="2183018877"/>
+                    </a:ext>
+                  </a:extLst>
+                </a:gridCol>
+                <a:gridCol w="423078">
+                  <a:extLst>
+                    <a:ext uri="{9D8B030D-6E8A-4147-A177-3AD203B41FA5}">
+                      <a16:colId xmlns:a16="http://schemas.microsoft.com/office/drawing/2014/main" val="3957069584"/>
+                    </a:ext>
+                  </a:extLst>
+                </a:gridCol>
+                <a:gridCol w="423078">
+                  <a:extLst>
+                    <a:ext uri="{9D8B030D-6E8A-4147-A177-3AD203B41FA5}">
+                      <a16:colId xmlns:a16="http://schemas.microsoft.com/office/drawing/2014/main" val="3244291510"/>
+                    </a:ext>
+                  </a:extLst>
+                </a:gridCol>
+                <a:gridCol w="423078">
+                  <a:extLst>
+                    <a:ext uri="{9D8B030D-6E8A-4147-A177-3AD203B41FA5}">
+                      <a16:colId xmlns:a16="http://schemas.microsoft.com/office/drawing/2014/main" val="3722398860"/>
+                    </a:ext>
+                  </a:extLst>
+                </a:gridCol>
+              </a:tblGrid>
+              <a:tr h="370840">
+                <a:tc>
+                  <a:txBody>
+                    <a:bodyPr/>
+                    <a:lstStyle/>
+                    <a:p>
+                      <a:endParaRPr lang="en-HK" dirty="0"/>
+                    </a:p>
+                  </a:txBody>
+                  <a:tcPr>
+                    <a:solidFill>
+                      <a:schemeClr val="accent2">
+                        <a:lumMod val="40000"/>
+                        <a:lumOff val="60000"/>
+                      </a:schemeClr>
+                    </a:solidFill>
+                  </a:tcPr>
+                </a:tc>
+                <a:tc>
+                  <a:txBody>
+                    <a:bodyPr/>
+                    <a:lstStyle/>
+                    <a:p>
+                      <a:endParaRPr lang="en-HK" dirty="0"/>
+                    </a:p>
+                  </a:txBody>
+                  <a:tcPr>
+                    <a:solidFill>
+                      <a:schemeClr val="accent2">
+                        <a:lumMod val="40000"/>
+                        <a:lumOff val="60000"/>
+                      </a:schemeClr>
+                    </a:solidFill>
+                  </a:tcPr>
+                </a:tc>
+                <a:tc>
+                  <a:txBody>
+                    <a:bodyPr/>
+                    <a:lstStyle/>
+                    <a:p>
+                      <a:endParaRPr lang="en-HK" dirty="0"/>
+                    </a:p>
+                  </a:txBody>
+                  <a:tcPr>
+                    <a:solidFill>
+                      <a:schemeClr val="accent1">
+                        <a:lumMod val="40000"/>
+                        <a:lumOff val="60000"/>
+                      </a:schemeClr>
+                    </a:solidFill>
+                  </a:tcPr>
+                </a:tc>
+                <a:tc>
+                  <a:txBody>
+                    <a:bodyPr/>
+                    <a:lstStyle/>
+                    <a:p>
+                      <a:endParaRPr lang="en-HK" dirty="0"/>
+                    </a:p>
+                  </a:txBody>
+                  <a:tcPr>
+                    <a:solidFill>
+                      <a:schemeClr val="accent2">
+                        <a:lumMod val="40000"/>
+                        <a:lumOff val="60000"/>
+                      </a:schemeClr>
+                    </a:solidFill>
+                  </a:tcPr>
+                </a:tc>
+                <a:tc>
+                  <a:txBody>
+                    <a:bodyPr/>
+                    <a:lstStyle/>
+                    <a:p>
+                      <a:endParaRPr lang="en-HK" dirty="0"/>
+                    </a:p>
+                  </a:txBody>
+                  <a:tcPr>
+                    <a:solidFill>
+                      <a:schemeClr val="accent1">
+                        <a:lumMod val="40000"/>
+                        <a:lumOff val="60000"/>
+                      </a:schemeClr>
+                    </a:solidFill>
+                  </a:tcPr>
+                </a:tc>
+                <a:tc>
+                  <a:txBody>
+                    <a:bodyPr/>
+                    <a:lstStyle/>
+                    <a:p>
+                      <a:endParaRPr lang="en-HK" dirty="0"/>
+                    </a:p>
+                  </a:txBody>
+                  <a:tcPr>
+                    <a:solidFill>
+                      <a:schemeClr val="accent2">
+                        <a:lumMod val="40000"/>
+                        <a:lumOff val="60000"/>
+                      </a:schemeClr>
+                    </a:solidFill>
+                  </a:tcPr>
+                </a:tc>
+                <a:tc>
+                  <a:txBody>
+                    <a:bodyPr/>
+                    <a:lstStyle/>
+                    <a:p>
+                      <a:endParaRPr lang="en-HK" dirty="0"/>
+                    </a:p>
+                  </a:txBody>
+                  <a:tcPr>
+                    <a:solidFill>
+                      <a:schemeClr val="accent2">
+                        <a:lumMod val="40000"/>
+                        <a:lumOff val="60000"/>
+                      </a:schemeClr>
+                    </a:solidFill>
+                  </a:tcPr>
+                </a:tc>
+                <a:tc>
+                  <a:txBody>
+                    <a:bodyPr/>
+                    <a:lstStyle/>
+                    <a:p>
+                      <a:endParaRPr lang="en-HK" dirty="0"/>
+                    </a:p>
+                  </a:txBody>
+                  <a:tcPr>
+                    <a:solidFill>
+                      <a:schemeClr val="accent2">
+                        <a:lumMod val="40000"/>
+                        <a:lumOff val="60000"/>
+                      </a:schemeClr>
+                    </a:solidFill>
+                  </a:tcPr>
+                </a:tc>
+                <a:tc>
+                  <a:txBody>
+                    <a:bodyPr/>
+                    <a:lstStyle/>
+                    <a:p>
+                      <a:endParaRPr lang="en-HK" dirty="0"/>
+                    </a:p>
+                  </a:txBody>
+                  <a:tcPr>
+                    <a:solidFill>
+                      <a:schemeClr val="accent1">
+                        <a:lumMod val="40000"/>
+                        <a:lumOff val="60000"/>
+                      </a:schemeClr>
+                    </a:solidFill>
+                  </a:tcPr>
+                </a:tc>
+                <a:tc>
+                  <a:txBody>
+                    <a:bodyPr/>
+                    <a:lstStyle/>
+                    <a:p>
+                      <a:endParaRPr lang="en-HK" dirty="0"/>
+                    </a:p>
+                  </a:txBody>
+                  <a:tcPr>
+                    <a:solidFill>
+                      <a:schemeClr val="accent2">
+                        <a:lumMod val="40000"/>
+                        <a:lumOff val="60000"/>
+                      </a:schemeClr>
+                    </a:solidFill>
+                  </a:tcPr>
+                </a:tc>
+                <a:extLst>
+                  <a:ext uri="{0D108BD9-81ED-4DB2-BD59-A6C34878D82A}">
+                    <a16:rowId xmlns:a16="http://schemas.microsoft.com/office/drawing/2014/main" val="2601047344"/>
+                  </a:ext>
+                </a:extLst>
+              </a:tr>
+            </a:tbl>
+          </a:graphicData>
+        </a:graphic>
+      </p:graphicFrame>
+      <p:cxnSp>
+        <p:nvCxnSpPr>
+          <p:cNvPr id="5" name="Straight Arrow Connector 4">
+            <a:extLst>
+              <a:ext uri="{FF2B5EF4-FFF2-40B4-BE49-F238E27FC236}">
+                <a16:creationId xmlns:a16="http://schemas.microsoft.com/office/drawing/2014/main" id="{B5D897CA-7FC2-53A4-781F-2AC9E79612BD}"/>
+              </a:ext>
+            </a:extLst>
+          </p:cNvPr>
+          <p:cNvCxnSpPr>
+            <a:cxnSpLocks/>
+          </p:cNvCxnSpPr>
+          <p:nvPr/>
+        </p:nvCxnSpPr>
+        <p:spPr>
+          <a:xfrm>
+            <a:off x="3463980" y="5031128"/>
+            <a:ext cx="0" cy="376687"/>
+          </a:xfrm>
+          <a:prstGeom prst="straightConnector1">
+            <a:avLst/>
+          </a:prstGeom>
+          <a:ln>
+            <a:tailEnd type="triangle"/>
+          </a:ln>
+        </p:spPr>
+        <p:style>
+          <a:lnRef idx="3">
+            <a:schemeClr val="dk1"/>
+          </a:lnRef>
+          <a:fillRef idx="0">
+            <a:schemeClr val="dk1"/>
+          </a:fillRef>
+          <a:effectRef idx="2">
+            <a:schemeClr val="dk1"/>
+          </a:effectRef>
+          <a:fontRef idx="minor">
+            <a:schemeClr val="tx1"/>
+          </a:fontRef>
+        </p:style>
+      </p:cxnSp>
+      <p:graphicFrame>
+        <p:nvGraphicFramePr>
+          <p:cNvPr id="7" name="Table 4">
+            <a:extLst>
+              <a:ext uri="{FF2B5EF4-FFF2-40B4-BE49-F238E27FC236}">
+                <a16:creationId xmlns:a16="http://schemas.microsoft.com/office/drawing/2014/main" id="{6D099DA6-2763-A262-FB15-FA9357FEAC39}"/>
+              </a:ext>
+            </a:extLst>
+          </p:cNvPr>
+          <p:cNvGraphicFramePr>
+            <a:graphicFrameLocks noGrp="1"/>
+          </p:cNvGraphicFramePr>
+          <p:nvPr/>
+        </p:nvGraphicFramePr>
+        <p:xfrm>
+          <a:off x="1345710" y="4542603"/>
+          <a:ext cx="4230780" cy="370840"/>
+        </p:xfrm>
+        <a:graphic>
+          <a:graphicData uri="http://schemas.openxmlformats.org/drawingml/2006/table">
+            <a:tbl>
+              <a:tblPr firstRow="1" bandRow="1">
+                <a:tableStyleId>{5C22544A-7EE6-4342-B048-85BDC9FD1C3A}</a:tableStyleId>
+              </a:tblPr>
+              <a:tblGrid>
+                <a:gridCol w="423078">
+                  <a:extLst>
+                    <a:ext uri="{9D8B030D-6E8A-4147-A177-3AD203B41FA5}">
+                      <a16:colId xmlns:a16="http://schemas.microsoft.com/office/drawing/2014/main" val="1958716807"/>
+                    </a:ext>
+                  </a:extLst>
+                </a:gridCol>
+                <a:gridCol w="423078">
+                  <a:extLst>
+                    <a:ext uri="{9D8B030D-6E8A-4147-A177-3AD203B41FA5}">
+                      <a16:colId xmlns:a16="http://schemas.microsoft.com/office/drawing/2014/main" val="2177103222"/>
+                    </a:ext>
+                  </a:extLst>
+                </a:gridCol>
+                <a:gridCol w="423078">
+                  <a:extLst>
+                    <a:ext uri="{9D8B030D-6E8A-4147-A177-3AD203B41FA5}">
+                      <a16:colId xmlns:a16="http://schemas.microsoft.com/office/drawing/2014/main" val="3409141404"/>
+                    </a:ext>
+                  </a:extLst>
+                </a:gridCol>
+                <a:gridCol w="423078">
+                  <a:extLst>
+                    <a:ext uri="{9D8B030D-6E8A-4147-A177-3AD203B41FA5}">
+                      <a16:colId xmlns:a16="http://schemas.microsoft.com/office/drawing/2014/main" val="217707470"/>
+                    </a:ext>
+                  </a:extLst>
+                </a:gridCol>
+                <a:gridCol w="423078">
+                  <a:extLst>
+                    <a:ext uri="{9D8B030D-6E8A-4147-A177-3AD203B41FA5}">
+                      <a16:colId xmlns:a16="http://schemas.microsoft.com/office/drawing/2014/main" val="770379941"/>
+                    </a:ext>
+                  </a:extLst>
+                </a:gridCol>
+                <a:gridCol w="423078">
+                  <a:extLst>
+                    <a:ext uri="{9D8B030D-6E8A-4147-A177-3AD203B41FA5}">
+                      <a16:colId xmlns:a16="http://schemas.microsoft.com/office/drawing/2014/main" val="4085467491"/>
+                    </a:ext>
+                  </a:extLst>
+                </a:gridCol>
+                <a:gridCol w="423078">
+                  <a:extLst>
+                    <a:ext uri="{9D8B030D-6E8A-4147-A177-3AD203B41FA5}">
+                      <a16:colId xmlns:a16="http://schemas.microsoft.com/office/drawing/2014/main" val="2183018877"/>
+                    </a:ext>
+                  </a:extLst>
+                </a:gridCol>
+                <a:gridCol w="423078">
+                  <a:extLst>
+                    <a:ext uri="{9D8B030D-6E8A-4147-A177-3AD203B41FA5}">
+                      <a16:colId xmlns:a16="http://schemas.microsoft.com/office/drawing/2014/main" val="3957069584"/>
+                    </a:ext>
+                  </a:extLst>
+                </a:gridCol>
+                <a:gridCol w="423078">
+                  <a:extLst>
+                    <a:ext uri="{9D8B030D-6E8A-4147-A177-3AD203B41FA5}">
+                      <a16:colId xmlns:a16="http://schemas.microsoft.com/office/drawing/2014/main" val="3244291510"/>
+                    </a:ext>
+                  </a:extLst>
+                </a:gridCol>
+                <a:gridCol w="423078">
+                  <a:extLst>
+                    <a:ext uri="{9D8B030D-6E8A-4147-A177-3AD203B41FA5}">
+                      <a16:colId xmlns:a16="http://schemas.microsoft.com/office/drawing/2014/main" val="3722398860"/>
+                    </a:ext>
+                  </a:extLst>
+                </a:gridCol>
+              </a:tblGrid>
+              <a:tr h="370840">
+                <a:tc>
+                  <a:txBody>
+                    <a:bodyPr/>
+                    <a:lstStyle/>
+                    <a:p>
+                      <a:endParaRPr lang="en-HK" dirty="0"/>
+                    </a:p>
+                  </a:txBody>
+                  <a:tcPr>
+                    <a:solidFill>
+                      <a:schemeClr val="accent2">
+                        <a:lumMod val="40000"/>
+                        <a:lumOff val="60000"/>
+                      </a:schemeClr>
+                    </a:solidFill>
+                  </a:tcPr>
+                </a:tc>
+                <a:tc>
+                  <a:txBody>
+                    <a:bodyPr/>
+                    <a:lstStyle/>
+                    <a:p>
+                      <a:endParaRPr lang="en-HK" dirty="0"/>
+                    </a:p>
+                  </a:txBody>
+                  <a:tcPr>
+                    <a:solidFill>
+                      <a:schemeClr val="accent1">
+                        <a:lumMod val="40000"/>
+                        <a:lumOff val="60000"/>
+                      </a:schemeClr>
+                    </a:solidFill>
+                  </a:tcPr>
+                </a:tc>
+                <a:tc>
+                  <a:txBody>
+                    <a:bodyPr/>
+                    <a:lstStyle/>
+                    <a:p>
+                      <a:endParaRPr lang="en-HK" dirty="0"/>
+                    </a:p>
+                  </a:txBody>
+                  <a:tcPr>
+                    <a:solidFill>
+                      <a:schemeClr val="accent2">
+                        <a:lumMod val="40000"/>
+                        <a:lumOff val="60000"/>
+                      </a:schemeClr>
+                    </a:solidFill>
+                  </a:tcPr>
+                </a:tc>
+                <a:tc>
+                  <a:txBody>
+                    <a:bodyPr/>
+                    <a:lstStyle/>
+                    <a:p>
+                      <a:endParaRPr lang="en-HK" dirty="0"/>
+                    </a:p>
+                  </a:txBody>
+                  <a:tcPr>
+                    <a:solidFill>
+                      <a:schemeClr val="accent2">
+                        <a:lumMod val="40000"/>
+                        <a:lumOff val="60000"/>
+                      </a:schemeClr>
+                    </a:solidFill>
+                  </a:tcPr>
+                </a:tc>
+                <a:tc>
+                  <a:txBody>
+                    <a:bodyPr/>
+                    <a:lstStyle/>
+                    <a:p>
+                      <a:endParaRPr lang="en-HK" dirty="0"/>
+                    </a:p>
+                  </a:txBody>
+                  <a:tcPr>
+                    <a:solidFill>
+                      <a:schemeClr val="accent1">
+                        <a:lumMod val="40000"/>
+                        <a:lumOff val="60000"/>
+                      </a:schemeClr>
+                    </a:solidFill>
+                  </a:tcPr>
+                </a:tc>
+                <a:tc>
+                  <a:txBody>
+                    <a:bodyPr/>
+                    <a:lstStyle/>
+                    <a:p>
+                      <a:endParaRPr lang="en-HK" dirty="0"/>
+                    </a:p>
+                  </a:txBody>
+                  <a:tcPr>
+                    <a:solidFill>
+                      <a:schemeClr val="accent2">
+                        <a:lumMod val="40000"/>
+                        <a:lumOff val="60000"/>
+                      </a:schemeClr>
+                    </a:solidFill>
+                  </a:tcPr>
+                </a:tc>
+                <a:tc>
+                  <a:txBody>
+                    <a:bodyPr/>
+                    <a:lstStyle/>
+                    <a:p>
+                      <a:endParaRPr lang="en-HK" dirty="0"/>
+                    </a:p>
+                  </a:txBody>
+                  <a:tcPr>
+                    <a:solidFill>
+                      <a:schemeClr val="accent1">
+                        <a:lumMod val="40000"/>
+                        <a:lumOff val="60000"/>
+                      </a:schemeClr>
+                    </a:solidFill>
+                  </a:tcPr>
+                </a:tc>
+                <a:tc>
+                  <a:txBody>
+                    <a:bodyPr/>
+                    <a:lstStyle/>
+                    <a:p>
+                      <a:endParaRPr lang="en-HK" dirty="0"/>
+                    </a:p>
+                  </a:txBody>
+                  <a:tcPr>
+                    <a:solidFill>
+                      <a:schemeClr val="accent2">
+                        <a:lumMod val="40000"/>
+                        <a:lumOff val="60000"/>
+                      </a:schemeClr>
+                    </a:solidFill>
+                  </a:tcPr>
+                </a:tc>
+                <a:tc>
+                  <a:txBody>
+                    <a:bodyPr/>
+                    <a:lstStyle/>
+                    <a:p>
+                      <a:endParaRPr lang="en-HK" dirty="0"/>
+                    </a:p>
+                  </a:txBody>
+                  <a:tcPr>
+                    <a:solidFill>
+                      <a:schemeClr val="accent2">
+                        <a:lumMod val="40000"/>
+                        <a:lumOff val="60000"/>
+                      </a:schemeClr>
+                    </a:solidFill>
+                  </a:tcPr>
+                </a:tc>
+                <a:tc>
+                  <a:txBody>
+                    <a:bodyPr/>
+                    <a:lstStyle/>
+                    <a:p>
+                      <a:endParaRPr lang="en-HK" dirty="0"/>
+                    </a:p>
+                  </a:txBody>
+                  <a:tcPr>
+                    <a:solidFill>
+                      <a:schemeClr val="accent1">
+                        <a:lumMod val="40000"/>
+                        <a:lumOff val="60000"/>
+                      </a:schemeClr>
+                    </a:solidFill>
+                  </a:tcPr>
+                </a:tc>
+                <a:extLst>
+                  <a:ext uri="{0D108BD9-81ED-4DB2-BD59-A6C34878D82A}">
+                    <a16:rowId xmlns:a16="http://schemas.microsoft.com/office/drawing/2014/main" val="2601047344"/>
+                  </a:ext>
+                </a:extLst>
+              </a:tr>
+            </a:tbl>
+          </a:graphicData>
+        </a:graphic>
+      </p:graphicFrame>
+      <p:graphicFrame>
+        <p:nvGraphicFramePr>
+          <p:cNvPr id="8" name="Table 4">
+            <a:extLst>
+              <a:ext uri="{FF2B5EF4-FFF2-40B4-BE49-F238E27FC236}">
+                <a16:creationId xmlns:a16="http://schemas.microsoft.com/office/drawing/2014/main" id="{008A6BCC-D47F-067A-4369-8F7E52E980AC}"/>
+              </a:ext>
+            </a:extLst>
+          </p:cNvPr>
+          <p:cNvGraphicFramePr>
+            <a:graphicFrameLocks noGrp="1"/>
+          </p:cNvGraphicFramePr>
+          <p:nvPr>
+            <p:extLst>
+              <p:ext uri="{D42A27DB-BD31-4B8C-83A1-F6EECF244321}">
+                <p14:modId xmlns:p14="http://schemas.microsoft.com/office/powerpoint/2010/main" val="1329677082"/>
+              </p:ext>
+            </p:extLst>
+          </p:nvPr>
+        </p:nvGraphicFramePr>
+        <p:xfrm>
+          <a:off x="1348590" y="6089695"/>
+          <a:ext cx="4230780" cy="370840"/>
+        </p:xfrm>
+        <a:graphic>
+          <a:graphicData uri="http://schemas.openxmlformats.org/drawingml/2006/table">
+            <a:tbl>
+              <a:tblPr firstRow="1" bandRow="1">
+                <a:tableStyleId>{5C22544A-7EE6-4342-B048-85BDC9FD1C3A}</a:tableStyleId>
+              </a:tblPr>
+              <a:tblGrid>
+                <a:gridCol w="423078">
+                  <a:extLst>
+                    <a:ext uri="{9D8B030D-6E8A-4147-A177-3AD203B41FA5}">
+                      <a16:colId xmlns:a16="http://schemas.microsoft.com/office/drawing/2014/main" val="1958716807"/>
+                    </a:ext>
+                  </a:extLst>
+                </a:gridCol>
+                <a:gridCol w="423078">
+                  <a:extLst>
+                    <a:ext uri="{9D8B030D-6E8A-4147-A177-3AD203B41FA5}">
+                      <a16:colId xmlns:a16="http://schemas.microsoft.com/office/drawing/2014/main" val="2177103222"/>
+                    </a:ext>
+                  </a:extLst>
+                </a:gridCol>
+                <a:gridCol w="423078">
+                  <a:extLst>
+                    <a:ext uri="{9D8B030D-6E8A-4147-A177-3AD203B41FA5}">
+                      <a16:colId xmlns:a16="http://schemas.microsoft.com/office/drawing/2014/main" val="3409141404"/>
+                    </a:ext>
+                  </a:extLst>
+                </a:gridCol>
+                <a:gridCol w="423078">
+                  <a:extLst>
+                    <a:ext uri="{9D8B030D-6E8A-4147-A177-3AD203B41FA5}">
+                      <a16:colId xmlns:a16="http://schemas.microsoft.com/office/drawing/2014/main" val="217707470"/>
+                    </a:ext>
+                  </a:extLst>
+                </a:gridCol>
+                <a:gridCol w="423078">
+                  <a:extLst>
+                    <a:ext uri="{9D8B030D-6E8A-4147-A177-3AD203B41FA5}">
+                      <a16:colId xmlns:a16="http://schemas.microsoft.com/office/drawing/2014/main" val="770379941"/>
+                    </a:ext>
+                  </a:extLst>
+                </a:gridCol>
+                <a:gridCol w="423078">
+                  <a:extLst>
+                    <a:ext uri="{9D8B030D-6E8A-4147-A177-3AD203B41FA5}">
+                      <a16:colId xmlns:a16="http://schemas.microsoft.com/office/drawing/2014/main" val="4085467491"/>
+                    </a:ext>
+                  </a:extLst>
+                </a:gridCol>
+                <a:gridCol w="423078">
+                  <a:extLst>
+                    <a:ext uri="{9D8B030D-6E8A-4147-A177-3AD203B41FA5}">
+                      <a16:colId xmlns:a16="http://schemas.microsoft.com/office/drawing/2014/main" val="2183018877"/>
+                    </a:ext>
+                  </a:extLst>
+                </a:gridCol>
+                <a:gridCol w="423078">
+                  <a:extLst>
+                    <a:ext uri="{9D8B030D-6E8A-4147-A177-3AD203B41FA5}">
+                      <a16:colId xmlns:a16="http://schemas.microsoft.com/office/drawing/2014/main" val="3957069584"/>
+                    </a:ext>
+                  </a:extLst>
+                </a:gridCol>
+                <a:gridCol w="423078">
+                  <a:extLst>
+                    <a:ext uri="{9D8B030D-6E8A-4147-A177-3AD203B41FA5}">
+                      <a16:colId xmlns:a16="http://schemas.microsoft.com/office/drawing/2014/main" val="3244291510"/>
+                    </a:ext>
+                  </a:extLst>
+                </a:gridCol>
+                <a:gridCol w="423078">
+                  <a:extLst>
+                    <a:ext uri="{9D8B030D-6E8A-4147-A177-3AD203B41FA5}">
+                      <a16:colId xmlns:a16="http://schemas.microsoft.com/office/drawing/2014/main" val="3722398860"/>
+                    </a:ext>
+                  </a:extLst>
+                </a:gridCol>
+              </a:tblGrid>
+              <a:tr h="370840">
+                <a:tc>
+                  <a:txBody>
+                    <a:bodyPr/>
+                    <a:lstStyle/>
+                    <a:p>
+                      <a:endParaRPr lang="en-HK" dirty="0"/>
+                    </a:p>
+                  </a:txBody>
+                  <a:tcPr>
+                    <a:lnTlToBr w="12700" cap="flat" cmpd="sng" algn="ctr">
+                      <a:solidFill>
+                        <a:schemeClr val="tx1"/>
+                      </a:solidFill>
+                      <a:prstDash val="solid"/>
+                      <a:round/>
+                      <a:headEnd type="none" w="med" len="med"/>
+                      <a:tailEnd type="none" w="med" len="med"/>
+                    </a:lnTlToBr>
+                    <a:lnBlToTr w="12700" cap="flat" cmpd="sng" algn="ctr">
+                      <a:solidFill>
+                        <a:schemeClr val="tx1"/>
+                      </a:solidFill>
+                      <a:prstDash val="solid"/>
+                      <a:round/>
+                      <a:headEnd type="none" w="med" len="med"/>
+                      <a:tailEnd type="none" w="med" len="med"/>
+                    </a:lnBlToTr>
+                    <a:solidFill>
+                      <a:schemeClr val="accent6">
+                        <a:lumMod val="60000"/>
+                        <a:lumOff val="40000"/>
+                      </a:schemeClr>
+                    </a:solidFill>
+                  </a:tcPr>
+                </a:tc>
+                <a:tc>
+                  <a:txBody>
+                    <a:bodyPr/>
+                    <a:lstStyle/>
+                    <a:p>
+                      <a:endParaRPr lang="en-HK" dirty="0"/>
+                    </a:p>
+                  </a:txBody>
+                  <a:tcPr>
+                    <a:lnTlToBr w="12700" cap="flat" cmpd="sng" algn="ctr">
+                      <a:solidFill>
+                        <a:schemeClr val="tx1"/>
+                      </a:solidFill>
+                      <a:prstDash val="solid"/>
+                      <a:round/>
+                      <a:headEnd type="none" w="med" len="med"/>
+                      <a:tailEnd type="none" w="med" len="med"/>
+                    </a:lnTlToBr>
+                    <a:lnBlToTr w="12700" cap="flat" cmpd="sng" algn="ctr">
+                      <a:solidFill>
+                        <a:schemeClr val="tx1"/>
+                      </a:solidFill>
+                      <a:prstDash val="solid"/>
+                      <a:round/>
+                      <a:headEnd type="none" w="med" len="med"/>
+                      <a:tailEnd type="none" w="med" len="med"/>
+                    </a:lnBlToTr>
+                    <a:solidFill>
+                      <a:schemeClr val="accent6">
+                        <a:lumMod val="60000"/>
+                        <a:lumOff val="40000"/>
+                      </a:schemeClr>
+                    </a:solidFill>
+                  </a:tcPr>
+                </a:tc>
+                <a:tc>
+                  <a:txBody>
+                    <a:bodyPr/>
+                    <a:lstStyle/>
+                    <a:p>
+                      <a:endParaRPr lang="en-HK" dirty="0"/>
+                    </a:p>
+                  </a:txBody>
+                  <a:tcPr>
+                    <a:lnTlToBr w="12700" cap="flat" cmpd="sng" algn="ctr">
+                      <a:solidFill>
+                        <a:schemeClr val="tx1"/>
+                      </a:solidFill>
+                      <a:prstDash val="solid"/>
+                      <a:round/>
+                      <a:headEnd type="none" w="med" len="med"/>
+                      <a:tailEnd type="none" w="med" len="med"/>
+                    </a:lnTlToBr>
+                    <a:lnBlToTr w="12700" cap="flat" cmpd="sng" algn="ctr">
+                      <a:solidFill>
+                        <a:schemeClr val="tx1"/>
+                      </a:solidFill>
+                      <a:prstDash val="solid"/>
+                      <a:round/>
+                      <a:headEnd type="none" w="med" len="med"/>
+                      <a:tailEnd type="none" w="med" len="med"/>
+                    </a:lnBlToTr>
+                    <a:solidFill>
+                      <a:schemeClr val="accent1">
+                        <a:lumMod val="40000"/>
+                        <a:lumOff val="60000"/>
+                      </a:schemeClr>
+                    </a:solidFill>
+                  </a:tcPr>
+                </a:tc>
+                <a:tc>
+                  <a:txBody>
+                    <a:bodyPr/>
+                    <a:lstStyle/>
+                    <a:p>
+                      <a:endParaRPr lang="en-HK" dirty="0"/>
+                    </a:p>
+                  </a:txBody>
+                  <a:tcPr>
+                    <a:lnTlToBr w="12700" cap="flat" cmpd="sng" algn="ctr">
+                      <a:noFill/>
+                      <a:prstDash val="solid"/>
+                      <a:round/>
+                      <a:headEnd type="none" w="med" len="med"/>
+                      <a:tailEnd type="none" w="med" len="med"/>
+                    </a:lnTlToBr>
+                    <a:lnBlToTr w="12700" cap="flat" cmpd="sng" algn="ctr">
+                      <a:noFill/>
+                      <a:prstDash val="solid"/>
+                      <a:round/>
+                      <a:headEnd type="none" w="med" len="med"/>
+                      <a:tailEnd type="none" w="med" len="med"/>
+                    </a:lnBlToTr>
+                    <a:solidFill>
+                      <a:schemeClr val="accent2">
+                        <a:lumMod val="40000"/>
+                        <a:lumOff val="60000"/>
+                      </a:schemeClr>
+                    </a:solidFill>
+                  </a:tcPr>
+                </a:tc>
+                <a:tc>
+                  <a:txBody>
+                    <a:bodyPr/>
+                    <a:lstStyle/>
+                    <a:p>
+                      <a:endParaRPr lang="en-HK" dirty="0"/>
+                    </a:p>
+                  </a:txBody>
+                  <a:tcPr>
+                    <a:lnTlToBr w="12700" cap="flat" cmpd="sng" algn="ctr">
+                      <a:noFill/>
+                      <a:prstDash val="solid"/>
+                      <a:round/>
+                      <a:headEnd type="none" w="med" len="med"/>
+                      <a:tailEnd type="none" w="med" len="med"/>
+                    </a:lnTlToBr>
+                    <a:lnBlToTr w="12700" cap="flat" cmpd="sng" algn="ctr">
+                      <a:noFill/>
+                      <a:prstDash val="solid"/>
+                      <a:round/>
+                      <a:headEnd type="none" w="med" len="med"/>
+                      <a:tailEnd type="none" w="med" len="med"/>
+                    </a:lnBlToTr>
+                    <a:solidFill>
+                      <a:schemeClr val="accent1">
+                        <a:lumMod val="40000"/>
+                        <a:lumOff val="60000"/>
+                      </a:schemeClr>
+                    </a:solidFill>
+                  </a:tcPr>
+                </a:tc>
+                <a:tc>
+                  <a:txBody>
+                    <a:bodyPr/>
+                    <a:lstStyle/>
+                    <a:p>
+                      <a:endParaRPr lang="en-HK" dirty="0"/>
+                    </a:p>
+                  </a:txBody>
+                  <a:tcPr>
+                    <a:solidFill>
+                      <a:schemeClr val="accent2">
+                        <a:lumMod val="40000"/>
+                        <a:lumOff val="60000"/>
+                      </a:schemeClr>
+                    </a:solidFill>
+                  </a:tcPr>
+                </a:tc>
+                <a:tc>
+                  <a:txBody>
+                    <a:bodyPr/>
+                    <a:lstStyle/>
+                    <a:p>
+                      <a:endParaRPr lang="en-HK" dirty="0"/>
+                    </a:p>
+                  </a:txBody>
+                  <a:tcPr>
+                    <a:solidFill>
+                      <a:schemeClr val="accent1">
+                        <a:lumMod val="40000"/>
+                        <a:lumOff val="60000"/>
+                      </a:schemeClr>
+                    </a:solidFill>
+                  </a:tcPr>
+                </a:tc>
+                <a:tc>
+                  <a:txBody>
+                    <a:bodyPr/>
+                    <a:lstStyle/>
+                    <a:p>
+                      <a:endParaRPr lang="en-HK" dirty="0"/>
+                    </a:p>
+                  </a:txBody>
+                  <a:tcPr>
+                    <a:solidFill>
+                      <a:schemeClr val="accent2">
+                        <a:lumMod val="40000"/>
+                        <a:lumOff val="60000"/>
+                      </a:schemeClr>
+                    </a:solidFill>
+                  </a:tcPr>
+                </a:tc>
+                <a:tc>
+                  <a:txBody>
+                    <a:bodyPr/>
+                    <a:lstStyle/>
+                    <a:p>
+                      <a:endParaRPr lang="en-HK" dirty="0"/>
+                    </a:p>
+                  </a:txBody>
+                  <a:tcPr>
+                    <a:solidFill>
+                      <a:schemeClr val="accent2">
+                        <a:lumMod val="40000"/>
+                        <a:lumOff val="60000"/>
+                      </a:schemeClr>
+                    </a:solidFill>
+                  </a:tcPr>
+                </a:tc>
+                <a:tc>
+                  <a:txBody>
+                    <a:bodyPr/>
+                    <a:lstStyle/>
+                    <a:p>
+                      <a:endParaRPr lang="en-HK" dirty="0"/>
+                    </a:p>
+                  </a:txBody>
+                  <a:tcPr>
+                    <a:solidFill>
+                      <a:schemeClr val="accent1">
+                        <a:lumMod val="40000"/>
+                        <a:lumOff val="60000"/>
+                      </a:schemeClr>
+                    </a:solidFill>
+                  </a:tcPr>
+                </a:tc>
+                <a:extLst>
+                  <a:ext uri="{0D108BD9-81ED-4DB2-BD59-A6C34878D82A}">
+                    <a16:rowId xmlns:a16="http://schemas.microsoft.com/office/drawing/2014/main" val="2601047344"/>
+                  </a:ext>
+                </a:extLst>
+              </a:tr>
+            </a:tbl>
+          </a:graphicData>
+        </a:graphic>
+      </p:graphicFrame>
+      <p:graphicFrame>
+        <p:nvGraphicFramePr>
+          <p:cNvPr id="20" name="Table 4">
+            <a:extLst>
+              <a:ext uri="{FF2B5EF4-FFF2-40B4-BE49-F238E27FC236}">
+                <a16:creationId xmlns:a16="http://schemas.microsoft.com/office/drawing/2014/main" id="{E07E5706-102C-7D06-3B11-889B5C48356C}"/>
+              </a:ext>
+            </a:extLst>
+          </p:cNvPr>
+          <p:cNvGraphicFramePr>
+            <a:graphicFrameLocks noGrp="1"/>
+          </p:cNvGraphicFramePr>
+          <p:nvPr/>
+        </p:nvGraphicFramePr>
+        <p:xfrm>
+          <a:off x="1345709" y="5518271"/>
+          <a:ext cx="4230780" cy="370840"/>
+        </p:xfrm>
+        <a:graphic>
+          <a:graphicData uri="http://schemas.openxmlformats.org/drawingml/2006/table">
+            <a:tbl>
+              <a:tblPr firstRow="1" bandRow="1">
+                <a:tableStyleId>{5C22544A-7EE6-4342-B048-85BDC9FD1C3A}</a:tableStyleId>
+              </a:tblPr>
+              <a:tblGrid>
+                <a:gridCol w="423078">
+                  <a:extLst>
+                    <a:ext uri="{9D8B030D-6E8A-4147-A177-3AD203B41FA5}">
+                      <a16:colId xmlns:a16="http://schemas.microsoft.com/office/drawing/2014/main" val="1958716807"/>
+                    </a:ext>
+                  </a:extLst>
+                </a:gridCol>
+                <a:gridCol w="423078">
+                  <a:extLst>
+                    <a:ext uri="{9D8B030D-6E8A-4147-A177-3AD203B41FA5}">
+                      <a16:colId xmlns:a16="http://schemas.microsoft.com/office/drawing/2014/main" val="2177103222"/>
+                    </a:ext>
+                  </a:extLst>
+                </a:gridCol>
+                <a:gridCol w="423078">
+                  <a:extLst>
+                    <a:ext uri="{9D8B030D-6E8A-4147-A177-3AD203B41FA5}">
+                      <a16:colId xmlns:a16="http://schemas.microsoft.com/office/drawing/2014/main" val="3409141404"/>
+                    </a:ext>
+                  </a:extLst>
+                </a:gridCol>
+                <a:gridCol w="423078">
+                  <a:extLst>
+                    <a:ext uri="{9D8B030D-6E8A-4147-A177-3AD203B41FA5}">
+                      <a16:colId xmlns:a16="http://schemas.microsoft.com/office/drawing/2014/main" val="217707470"/>
+                    </a:ext>
+                  </a:extLst>
+                </a:gridCol>
+                <a:gridCol w="423078">
+                  <a:extLst>
+                    <a:ext uri="{9D8B030D-6E8A-4147-A177-3AD203B41FA5}">
+                      <a16:colId xmlns:a16="http://schemas.microsoft.com/office/drawing/2014/main" val="770379941"/>
+                    </a:ext>
+                  </a:extLst>
+                </a:gridCol>
+                <a:gridCol w="423078">
+                  <a:extLst>
+                    <a:ext uri="{9D8B030D-6E8A-4147-A177-3AD203B41FA5}">
+                      <a16:colId xmlns:a16="http://schemas.microsoft.com/office/drawing/2014/main" val="4085467491"/>
+                    </a:ext>
+                  </a:extLst>
+                </a:gridCol>
+                <a:gridCol w="423078">
+                  <a:extLst>
+                    <a:ext uri="{9D8B030D-6E8A-4147-A177-3AD203B41FA5}">
+                      <a16:colId xmlns:a16="http://schemas.microsoft.com/office/drawing/2014/main" val="2183018877"/>
+                    </a:ext>
+                  </a:extLst>
+                </a:gridCol>
+                <a:gridCol w="423078">
+                  <a:extLst>
+                    <a:ext uri="{9D8B030D-6E8A-4147-A177-3AD203B41FA5}">
+                      <a16:colId xmlns:a16="http://schemas.microsoft.com/office/drawing/2014/main" val="3957069584"/>
+                    </a:ext>
+                  </a:extLst>
+                </a:gridCol>
+                <a:gridCol w="423078">
+                  <a:extLst>
+                    <a:ext uri="{9D8B030D-6E8A-4147-A177-3AD203B41FA5}">
+                      <a16:colId xmlns:a16="http://schemas.microsoft.com/office/drawing/2014/main" val="3244291510"/>
+                    </a:ext>
+                  </a:extLst>
+                </a:gridCol>
+                <a:gridCol w="423078">
+                  <a:extLst>
+                    <a:ext uri="{9D8B030D-6E8A-4147-A177-3AD203B41FA5}">
+                      <a16:colId xmlns:a16="http://schemas.microsoft.com/office/drawing/2014/main" val="3722398860"/>
+                    </a:ext>
+                  </a:extLst>
+                </a:gridCol>
+              </a:tblGrid>
+              <a:tr h="370840">
+                <a:tc>
+                  <a:txBody>
+                    <a:bodyPr/>
+                    <a:lstStyle/>
+                    <a:p>
+                      <a:endParaRPr lang="en-HK" dirty="0"/>
+                    </a:p>
+                  </a:txBody>
+                  <a:tcPr>
+                    <a:solidFill>
+                      <a:schemeClr val="accent2">
+                        <a:lumMod val="40000"/>
+                        <a:lumOff val="60000"/>
+                      </a:schemeClr>
+                    </a:solidFill>
+                  </a:tcPr>
+                </a:tc>
+                <a:tc>
+                  <a:txBody>
+                    <a:bodyPr/>
+                    <a:lstStyle/>
+                    <a:p>
+                      <a:endParaRPr lang="en-HK" dirty="0"/>
+                    </a:p>
+                  </a:txBody>
+                  <a:tcPr>
+                    <a:solidFill>
+                      <a:schemeClr val="accent2">
+                        <a:lumMod val="40000"/>
+                        <a:lumOff val="60000"/>
+                      </a:schemeClr>
+                    </a:solidFill>
+                  </a:tcPr>
+                </a:tc>
+                <a:tc>
+                  <a:txBody>
+                    <a:bodyPr/>
+                    <a:lstStyle/>
+                    <a:p>
+                      <a:endParaRPr lang="en-HK" dirty="0"/>
+                    </a:p>
+                  </a:txBody>
+                  <a:tcPr>
+                    <a:solidFill>
+                      <a:schemeClr val="accent1">
+                        <a:lumMod val="40000"/>
+                        <a:lumOff val="60000"/>
+                      </a:schemeClr>
+                    </a:solidFill>
+                  </a:tcPr>
+                </a:tc>
+                <a:tc>
+                  <a:txBody>
+                    <a:bodyPr/>
+                    <a:lstStyle/>
+                    <a:p>
+                      <a:endParaRPr lang="en-HK" dirty="0"/>
+                    </a:p>
+                  </a:txBody>
+                  <a:tcPr>
+                    <a:solidFill>
+                      <a:schemeClr val="accent2">
+                        <a:lumMod val="40000"/>
+                        <a:lumOff val="60000"/>
+                      </a:schemeClr>
+                    </a:solidFill>
+                  </a:tcPr>
+                </a:tc>
+                <a:tc>
+                  <a:txBody>
+                    <a:bodyPr/>
+                    <a:lstStyle/>
+                    <a:p>
+                      <a:endParaRPr lang="en-HK" dirty="0"/>
+                    </a:p>
+                  </a:txBody>
+                  <a:tcPr>
+                    <a:solidFill>
+                      <a:schemeClr val="accent1">
+                        <a:lumMod val="40000"/>
+                        <a:lumOff val="60000"/>
+                      </a:schemeClr>
+                    </a:solidFill>
+                  </a:tcPr>
+                </a:tc>
+                <a:tc>
+                  <a:txBody>
+                    <a:bodyPr/>
+                    <a:lstStyle/>
+                    <a:p>
+                      <a:endParaRPr lang="en-HK" dirty="0"/>
+                    </a:p>
+                  </a:txBody>
+                  <a:tcPr>
+                    <a:solidFill>
+                      <a:schemeClr val="accent2">
+                        <a:lumMod val="40000"/>
+                        <a:lumOff val="60000"/>
+                      </a:schemeClr>
+                    </a:solidFill>
+                  </a:tcPr>
+                </a:tc>
+                <a:tc>
+                  <a:txBody>
+                    <a:bodyPr/>
+                    <a:lstStyle/>
+                    <a:p>
+                      <a:endParaRPr lang="en-HK" dirty="0"/>
+                    </a:p>
+                  </a:txBody>
+                  <a:tcPr>
+                    <a:solidFill>
+                      <a:schemeClr val="accent2">
+                        <a:lumMod val="40000"/>
+                        <a:lumOff val="60000"/>
+                      </a:schemeClr>
+                    </a:solidFill>
+                  </a:tcPr>
+                </a:tc>
+                <a:tc>
+                  <a:txBody>
+                    <a:bodyPr/>
+                    <a:lstStyle/>
+                    <a:p>
+                      <a:endParaRPr lang="en-HK" dirty="0"/>
+                    </a:p>
+                  </a:txBody>
+                  <a:tcPr>
+                    <a:solidFill>
+                      <a:schemeClr val="accent2">
+                        <a:lumMod val="40000"/>
+                        <a:lumOff val="60000"/>
+                      </a:schemeClr>
+                    </a:solidFill>
+                  </a:tcPr>
+                </a:tc>
+                <a:tc>
+                  <a:txBody>
+                    <a:bodyPr/>
+                    <a:lstStyle/>
+                    <a:p>
+                      <a:endParaRPr lang="en-HK" dirty="0"/>
+                    </a:p>
+                  </a:txBody>
+                  <a:tcPr>
+                    <a:solidFill>
+                      <a:schemeClr val="accent1">
+                        <a:lumMod val="40000"/>
+                        <a:lumOff val="60000"/>
+                      </a:schemeClr>
+                    </a:solidFill>
+                  </a:tcPr>
+                </a:tc>
+                <a:tc>
+                  <a:txBody>
+                    <a:bodyPr/>
+                    <a:lstStyle/>
+                    <a:p>
+                      <a:endParaRPr lang="en-HK" dirty="0"/>
+                    </a:p>
+                  </a:txBody>
+                  <a:tcPr>
+                    <a:solidFill>
+                      <a:schemeClr val="accent2">
+                        <a:lumMod val="40000"/>
+                        <a:lumOff val="60000"/>
+                      </a:schemeClr>
+                    </a:solidFill>
+                  </a:tcPr>
+                </a:tc>
+                <a:extLst>
+                  <a:ext uri="{0D108BD9-81ED-4DB2-BD59-A6C34878D82A}">
+                    <a16:rowId xmlns:a16="http://schemas.microsoft.com/office/drawing/2014/main" val="2601047344"/>
+                  </a:ext>
+                </a:extLst>
+              </a:tr>
+            </a:tbl>
+          </a:graphicData>
+        </a:graphic>
+      </p:graphicFrame>
+    </p:spTree>
+    <p:extLst>
+      <p:ext uri="{BB962C8B-B14F-4D97-AF65-F5344CB8AC3E}">
+        <p14:creationId xmlns:p14="http://schemas.microsoft.com/office/powerpoint/2010/main" val="2128322928"/>
+      </p:ext>
+    </p:extLst>
+  </p:cSld>
+  <p:clrMapOvr>
+    <a:masterClrMapping/>
+  </p:clrMapOvr>
+</p:sld>
+</file>
+
+<file path=ppt/slides/slide11.xml><?xml version="1.0" encoding="utf-8"?>
+<p:sld xmlns:a="http://schemas.openxmlformats.org/drawingml/2006/main" xmlns:r="http://schemas.openxmlformats.org/officeDocument/2006/relationships" xmlns:p="http://schemas.openxmlformats.org/presentationml/2006/main">
+  <p:cSld>
+    <p:spTree>
+      <p:nvGrpSpPr>
+        <p:cNvPr id="1" name=""/>
+        <p:cNvGrpSpPr/>
+        <p:nvPr/>
+      </p:nvGrpSpPr>
+      <p:grpSpPr>
+        <a:xfrm>
+          <a:off x="0" y="0"/>
+          <a:ext cx="0" cy="0"/>
+          <a:chOff x="0" y="0"/>
+          <a:chExt cx="0" cy="0"/>
+        </a:xfrm>
+      </p:grpSpPr>
+      <p:graphicFrame>
+        <p:nvGraphicFramePr>
           <p:cNvPr id="12" name="Table 4">
             <a:extLst>
               <a:ext uri="{FF2B5EF4-FFF2-40B4-BE49-F238E27FC236}">
@@ -3900,13 +7032,13 @@
           <p:nvPr>
             <p:extLst>
               <p:ext uri="{D42A27DB-BD31-4B8C-83A1-F6EECF244321}">
-                <p14:modId xmlns:p14="http://schemas.microsoft.com/office/powerpoint/2010/main" val="2665220629"/>
+                <p14:modId xmlns:p14="http://schemas.microsoft.com/office/powerpoint/2010/main" val="2409147652"/>
               </p:ext>
             </p:extLst>
           </p:nvPr>
         </p:nvGraphicFramePr>
         <p:xfrm>
-          <a:off x="677651" y="4081259"/>
+          <a:off x="1307372" y="4081259"/>
           <a:ext cx="6723822" cy="370840"/>
         </p:xfrm>
         <a:graphic>
@@ -4887,13 +8019,13 @@
           <p:nvPr>
             <p:extLst>
               <p:ext uri="{D42A27DB-BD31-4B8C-83A1-F6EECF244321}">
-                <p14:modId xmlns:p14="http://schemas.microsoft.com/office/powerpoint/2010/main" val="1461141786"/>
+                <p14:modId xmlns:p14="http://schemas.microsoft.com/office/powerpoint/2010/main" val="1505476342"/>
               </p:ext>
             </p:extLst>
           </p:nvPr>
         </p:nvGraphicFramePr>
         <p:xfrm>
-          <a:off x="677650" y="4732528"/>
+          <a:off x="1307371" y="4732528"/>
           <a:ext cx="6723822" cy="370840"/>
         </p:xfrm>
         <a:graphic>
@@ -5919,8 +9051,8 @@
         </p:nvSpPr>
         <p:spPr>
           <a:xfrm>
-            <a:off x="258792" y="4082767"/>
-            <a:ext cx="385042" cy="369332"/>
+            <a:off x="370933" y="4082767"/>
+            <a:ext cx="856709" cy="369332"/>
           </a:xfrm>
           <a:prstGeom prst="rect">
             <a:avLst/>
@@ -5935,11 +9067,7 @@
           <a:p>
             <a:r>
               <a:rPr lang="en-US" altLang="zh-CN" dirty="0"/>
-              <a:t>h</a:t>
-            </a:r>
-            <a:r>
-              <a:rPr lang="en-US" altLang="zh-CN" baseline="-25000" dirty="0"/>
-              <a:t>1</a:t>
+              <a:t>Largest</a:t>
             </a:r>
             <a:endParaRPr lang="en-HK" baseline="-25000" dirty="0"/>
           </a:p>
@@ -5959,8 +9087,8 @@
         </p:nvSpPr>
         <p:spPr>
           <a:xfrm>
-            <a:off x="258792" y="4733282"/>
-            <a:ext cx="385042" cy="369332"/>
+            <a:off x="540241" y="4732528"/>
+            <a:ext cx="518091" cy="369332"/>
           </a:xfrm>
           <a:prstGeom prst="rect">
             <a:avLst/>
@@ -5975,11 +9103,7 @@
           <a:p>
             <a:r>
               <a:rPr lang="en-US" altLang="zh-CN" dirty="0"/>
-              <a:t>h</a:t>
-            </a:r>
-            <a:r>
-              <a:rPr lang="en-US" altLang="zh-CN" baseline="-25000" dirty="0"/>
-              <a:t>4</a:t>
+              <a:t>Full</a:t>
             </a:r>
             <a:endParaRPr lang="en-HK" baseline="-25000" dirty="0"/>
           </a:p>
@@ -5998,7 +9122,7 @@
 </p:sld>
 </file>
 
-<file path=ppt/slides/slide11.xml><?xml version="1.0" encoding="utf-8"?>
+<file path=ppt/slides/slide12.xml><?xml version="1.0" encoding="utf-8"?>
 <p:sld xmlns:a="http://schemas.openxmlformats.org/drawingml/2006/main" xmlns:r="http://schemas.openxmlformats.org/officeDocument/2006/relationships" xmlns:p="http://schemas.openxmlformats.org/presentationml/2006/main">
   <p:cSld>
     <p:spTree>
@@ -6950,7 +10074,7 @@
 </p:sld>
 </file>
 
-<file path=ppt/slides/slide12.xml><?xml version="1.0" encoding="utf-8"?>
+<file path=ppt/slides/slide13.xml><?xml version="1.0" encoding="utf-8"?>
 <p:sld xmlns:a="http://schemas.openxmlformats.org/drawingml/2006/main" xmlns:r="http://schemas.openxmlformats.org/officeDocument/2006/relationships" xmlns:p="http://schemas.openxmlformats.org/presentationml/2006/main">
   <p:cSld>
     <p:spTree>
@@ -13704,6 +16828,1453 @@
       </p:grpSpPr>
       <p:graphicFrame>
         <p:nvGraphicFramePr>
+          <p:cNvPr id="4" name="Table 4">
+            <a:extLst>
+              <a:ext uri="{FF2B5EF4-FFF2-40B4-BE49-F238E27FC236}">
+                <a16:creationId xmlns:a16="http://schemas.microsoft.com/office/drawing/2014/main" id="{007631A5-5B7F-0A8F-E80D-96BA09779B51}"/>
+              </a:ext>
+            </a:extLst>
+          </p:cNvPr>
+          <p:cNvGraphicFramePr>
+            <a:graphicFrameLocks noGrp="1"/>
+          </p:cNvGraphicFramePr>
+          <p:nvPr>
+            <p:extLst>
+              <p:ext uri="{D42A27DB-BD31-4B8C-83A1-F6EECF244321}">
+                <p14:modId xmlns:p14="http://schemas.microsoft.com/office/powerpoint/2010/main" val="813749260"/>
+              </p:ext>
+            </p:extLst>
+          </p:nvPr>
+        </p:nvGraphicFramePr>
+        <p:xfrm>
+          <a:off x="677653" y="581814"/>
+          <a:ext cx="4230780" cy="370840"/>
+        </p:xfrm>
+        <a:graphic>
+          <a:graphicData uri="http://schemas.openxmlformats.org/drawingml/2006/table">
+            <a:tbl>
+              <a:tblPr firstRow="1" bandRow="1">
+                <a:tableStyleId>{5C22544A-7EE6-4342-B048-85BDC9FD1C3A}</a:tableStyleId>
+              </a:tblPr>
+              <a:tblGrid>
+                <a:gridCol w="423078">
+                  <a:extLst>
+                    <a:ext uri="{9D8B030D-6E8A-4147-A177-3AD203B41FA5}">
+                      <a16:colId xmlns:a16="http://schemas.microsoft.com/office/drawing/2014/main" val="1958716807"/>
+                    </a:ext>
+                  </a:extLst>
+                </a:gridCol>
+                <a:gridCol w="423078">
+                  <a:extLst>
+                    <a:ext uri="{9D8B030D-6E8A-4147-A177-3AD203B41FA5}">
+                      <a16:colId xmlns:a16="http://schemas.microsoft.com/office/drawing/2014/main" val="2177103222"/>
+                    </a:ext>
+                  </a:extLst>
+                </a:gridCol>
+                <a:gridCol w="423078">
+                  <a:extLst>
+                    <a:ext uri="{9D8B030D-6E8A-4147-A177-3AD203B41FA5}">
+                      <a16:colId xmlns:a16="http://schemas.microsoft.com/office/drawing/2014/main" val="3409141404"/>
+                    </a:ext>
+                  </a:extLst>
+                </a:gridCol>
+                <a:gridCol w="423078">
+                  <a:extLst>
+                    <a:ext uri="{9D8B030D-6E8A-4147-A177-3AD203B41FA5}">
+                      <a16:colId xmlns:a16="http://schemas.microsoft.com/office/drawing/2014/main" val="217707470"/>
+                    </a:ext>
+                  </a:extLst>
+                </a:gridCol>
+                <a:gridCol w="423078">
+                  <a:extLst>
+                    <a:ext uri="{9D8B030D-6E8A-4147-A177-3AD203B41FA5}">
+                      <a16:colId xmlns:a16="http://schemas.microsoft.com/office/drawing/2014/main" val="770379941"/>
+                    </a:ext>
+                  </a:extLst>
+                </a:gridCol>
+                <a:gridCol w="423078">
+                  <a:extLst>
+                    <a:ext uri="{9D8B030D-6E8A-4147-A177-3AD203B41FA5}">
+                      <a16:colId xmlns:a16="http://schemas.microsoft.com/office/drawing/2014/main" val="4085467491"/>
+                    </a:ext>
+                  </a:extLst>
+                </a:gridCol>
+                <a:gridCol w="423078">
+                  <a:extLst>
+                    <a:ext uri="{9D8B030D-6E8A-4147-A177-3AD203B41FA5}">
+                      <a16:colId xmlns:a16="http://schemas.microsoft.com/office/drawing/2014/main" val="2183018877"/>
+                    </a:ext>
+                  </a:extLst>
+                </a:gridCol>
+                <a:gridCol w="423078">
+                  <a:extLst>
+                    <a:ext uri="{9D8B030D-6E8A-4147-A177-3AD203B41FA5}">
+                      <a16:colId xmlns:a16="http://schemas.microsoft.com/office/drawing/2014/main" val="3957069584"/>
+                    </a:ext>
+                  </a:extLst>
+                </a:gridCol>
+                <a:gridCol w="423078">
+                  <a:extLst>
+                    <a:ext uri="{9D8B030D-6E8A-4147-A177-3AD203B41FA5}">
+                      <a16:colId xmlns:a16="http://schemas.microsoft.com/office/drawing/2014/main" val="3244291510"/>
+                    </a:ext>
+                  </a:extLst>
+                </a:gridCol>
+                <a:gridCol w="423078">
+                  <a:extLst>
+                    <a:ext uri="{9D8B030D-6E8A-4147-A177-3AD203B41FA5}">
+                      <a16:colId xmlns:a16="http://schemas.microsoft.com/office/drawing/2014/main" val="3722398860"/>
+                    </a:ext>
+                  </a:extLst>
+                </a:gridCol>
+              </a:tblGrid>
+              <a:tr h="370840">
+                <a:tc>
+                  <a:txBody>
+                    <a:bodyPr/>
+                    <a:lstStyle/>
+                    <a:p>
+                      <a:pPr algn="ctr"/>
+                      <a:r>
+                        <a:rPr lang="en-HK" dirty="0">
+                          <a:solidFill>
+                            <a:schemeClr val="tx1"/>
+                          </a:solidFill>
+                        </a:rPr>
+                        <a:t>1</a:t>
+                      </a:r>
+                    </a:p>
+                  </a:txBody>
+                  <a:tcPr>
+                    <a:solidFill>
+                      <a:schemeClr val="accent2">
+                        <a:lumMod val="40000"/>
+                        <a:lumOff val="60000"/>
+                      </a:schemeClr>
+                    </a:solidFill>
+                  </a:tcPr>
+                </a:tc>
+                <a:tc>
+                  <a:txBody>
+                    <a:bodyPr/>
+                    <a:lstStyle/>
+                    <a:p>
+                      <a:pPr algn="ctr"/>
+                      <a:r>
+                        <a:rPr lang="en-HK" dirty="0">
+                          <a:solidFill>
+                            <a:schemeClr val="tx1"/>
+                          </a:solidFill>
+                        </a:rPr>
+                        <a:t>2</a:t>
+                      </a:r>
+                    </a:p>
+                  </a:txBody>
+                  <a:tcPr>
+                    <a:solidFill>
+                      <a:schemeClr val="accent2">
+                        <a:lumMod val="40000"/>
+                        <a:lumOff val="60000"/>
+                      </a:schemeClr>
+                    </a:solidFill>
+                  </a:tcPr>
+                </a:tc>
+                <a:tc>
+                  <a:txBody>
+                    <a:bodyPr/>
+                    <a:lstStyle/>
+                    <a:p>
+                      <a:pPr algn="ctr"/>
+                      <a:r>
+                        <a:rPr lang="en-HK" dirty="0">
+                          <a:solidFill>
+                            <a:schemeClr val="tx1"/>
+                          </a:solidFill>
+                        </a:rPr>
+                        <a:t>3</a:t>
+                      </a:r>
+                    </a:p>
+                  </a:txBody>
+                  <a:tcPr>
+                    <a:solidFill>
+                      <a:schemeClr val="accent1">
+                        <a:lumMod val="40000"/>
+                        <a:lumOff val="60000"/>
+                      </a:schemeClr>
+                    </a:solidFill>
+                  </a:tcPr>
+                </a:tc>
+                <a:tc>
+                  <a:txBody>
+                    <a:bodyPr/>
+                    <a:lstStyle/>
+                    <a:p>
+                      <a:pPr algn="ctr"/>
+                      <a:r>
+                        <a:rPr lang="en-HK" dirty="0">
+                          <a:solidFill>
+                            <a:schemeClr val="tx1"/>
+                          </a:solidFill>
+                        </a:rPr>
+                        <a:t>4</a:t>
+                      </a:r>
+                    </a:p>
+                  </a:txBody>
+                  <a:tcPr>
+                    <a:solidFill>
+                      <a:schemeClr val="accent2">
+                        <a:lumMod val="40000"/>
+                        <a:lumOff val="60000"/>
+                      </a:schemeClr>
+                    </a:solidFill>
+                  </a:tcPr>
+                </a:tc>
+                <a:tc>
+                  <a:txBody>
+                    <a:bodyPr/>
+                    <a:lstStyle/>
+                    <a:p>
+                      <a:pPr algn="ctr"/>
+                      <a:r>
+                        <a:rPr lang="en-HK" dirty="0">
+                          <a:solidFill>
+                            <a:schemeClr val="tx1"/>
+                          </a:solidFill>
+                        </a:rPr>
+                        <a:t>5</a:t>
+                      </a:r>
+                    </a:p>
+                  </a:txBody>
+                  <a:tcPr>
+                    <a:solidFill>
+                      <a:schemeClr val="accent1">
+                        <a:lumMod val="40000"/>
+                        <a:lumOff val="60000"/>
+                      </a:schemeClr>
+                    </a:solidFill>
+                  </a:tcPr>
+                </a:tc>
+                <a:tc>
+                  <a:txBody>
+                    <a:bodyPr/>
+                    <a:lstStyle/>
+                    <a:p>
+                      <a:pPr algn="ctr"/>
+                      <a:r>
+                        <a:rPr lang="en-HK" dirty="0">
+                          <a:solidFill>
+                            <a:schemeClr val="tx1"/>
+                          </a:solidFill>
+                        </a:rPr>
+                        <a:t>6</a:t>
+                      </a:r>
+                    </a:p>
+                  </a:txBody>
+                  <a:tcPr>
+                    <a:solidFill>
+                      <a:schemeClr val="accent2">
+                        <a:lumMod val="40000"/>
+                        <a:lumOff val="60000"/>
+                      </a:schemeClr>
+                    </a:solidFill>
+                  </a:tcPr>
+                </a:tc>
+                <a:tc>
+                  <a:txBody>
+                    <a:bodyPr/>
+                    <a:lstStyle/>
+                    <a:p>
+                      <a:pPr algn="ctr"/>
+                      <a:r>
+                        <a:rPr lang="en-HK" dirty="0">
+                          <a:solidFill>
+                            <a:schemeClr val="tx1"/>
+                          </a:solidFill>
+                        </a:rPr>
+                        <a:t>7</a:t>
+                      </a:r>
+                    </a:p>
+                  </a:txBody>
+                  <a:tcPr>
+                    <a:solidFill>
+                      <a:schemeClr val="accent2">
+                        <a:lumMod val="40000"/>
+                        <a:lumOff val="60000"/>
+                      </a:schemeClr>
+                    </a:solidFill>
+                  </a:tcPr>
+                </a:tc>
+                <a:tc>
+                  <a:txBody>
+                    <a:bodyPr/>
+                    <a:lstStyle/>
+                    <a:p>
+                      <a:pPr algn="ctr"/>
+                      <a:r>
+                        <a:rPr lang="en-HK" dirty="0">
+                          <a:solidFill>
+                            <a:schemeClr val="tx1"/>
+                          </a:solidFill>
+                        </a:rPr>
+                        <a:t>8</a:t>
+                      </a:r>
+                    </a:p>
+                  </a:txBody>
+                  <a:tcPr>
+                    <a:solidFill>
+                      <a:schemeClr val="accent2">
+                        <a:lumMod val="40000"/>
+                        <a:lumOff val="60000"/>
+                      </a:schemeClr>
+                    </a:solidFill>
+                  </a:tcPr>
+                </a:tc>
+                <a:tc>
+                  <a:txBody>
+                    <a:bodyPr/>
+                    <a:lstStyle/>
+                    <a:p>
+                      <a:pPr algn="ctr"/>
+                      <a:r>
+                        <a:rPr lang="en-HK" dirty="0">
+                          <a:solidFill>
+                            <a:schemeClr val="tx1"/>
+                          </a:solidFill>
+                        </a:rPr>
+                        <a:t>9</a:t>
+                      </a:r>
+                    </a:p>
+                  </a:txBody>
+                  <a:tcPr>
+                    <a:solidFill>
+                      <a:schemeClr val="accent1">
+                        <a:lumMod val="40000"/>
+                        <a:lumOff val="60000"/>
+                      </a:schemeClr>
+                    </a:solidFill>
+                  </a:tcPr>
+                </a:tc>
+                <a:tc>
+                  <a:txBody>
+                    <a:bodyPr/>
+                    <a:lstStyle/>
+                    <a:p>
+                      <a:pPr algn="ctr"/>
+                      <a:r>
+                        <a:rPr lang="en-HK" dirty="0">
+                          <a:solidFill>
+                            <a:schemeClr val="tx1"/>
+                          </a:solidFill>
+                        </a:rPr>
+                        <a:t>10</a:t>
+                      </a:r>
+                    </a:p>
+                  </a:txBody>
+                  <a:tcPr>
+                    <a:solidFill>
+                      <a:schemeClr val="accent2">
+                        <a:lumMod val="40000"/>
+                        <a:lumOff val="60000"/>
+                      </a:schemeClr>
+                    </a:solidFill>
+                  </a:tcPr>
+                </a:tc>
+                <a:extLst>
+                  <a:ext uri="{0D108BD9-81ED-4DB2-BD59-A6C34878D82A}">
+                    <a16:rowId xmlns:a16="http://schemas.microsoft.com/office/drawing/2014/main" val="2601047344"/>
+                  </a:ext>
+                </a:extLst>
+              </a:tr>
+            </a:tbl>
+          </a:graphicData>
+        </a:graphic>
+      </p:graphicFrame>
+      <p:graphicFrame>
+        <p:nvGraphicFramePr>
+          <p:cNvPr id="5" name="Table 4">
+            <a:extLst>
+              <a:ext uri="{FF2B5EF4-FFF2-40B4-BE49-F238E27FC236}">
+                <a16:creationId xmlns:a16="http://schemas.microsoft.com/office/drawing/2014/main" id="{FAE220C8-F22C-3F85-4AA0-A86CEABEB530}"/>
+              </a:ext>
+            </a:extLst>
+          </p:cNvPr>
+          <p:cNvGraphicFramePr>
+            <a:graphicFrameLocks noGrp="1"/>
+          </p:cNvGraphicFramePr>
+          <p:nvPr>
+            <p:extLst>
+              <p:ext uri="{D42A27DB-BD31-4B8C-83A1-F6EECF244321}">
+                <p14:modId xmlns:p14="http://schemas.microsoft.com/office/powerpoint/2010/main" val="1446565822"/>
+              </p:ext>
+            </p:extLst>
+          </p:nvPr>
+        </p:nvGraphicFramePr>
+        <p:xfrm>
+          <a:off x="677666" y="1401318"/>
+          <a:ext cx="4653473" cy="370840"/>
+        </p:xfrm>
+        <a:graphic>
+          <a:graphicData uri="http://schemas.openxmlformats.org/drawingml/2006/table">
+            <a:tbl>
+              <a:tblPr firstRow="1" bandRow="1">
+                <a:tableStyleId>{5C22544A-7EE6-4342-B048-85BDC9FD1C3A}</a:tableStyleId>
+              </a:tblPr>
+              <a:tblGrid>
+                <a:gridCol w="423043">
+                  <a:extLst>
+                    <a:ext uri="{9D8B030D-6E8A-4147-A177-3AD203B41FA5}">
+                      <a16:colId xmlns:a16="http://schemas.microsoft.com/office/drawing/2014/main" val="1958716807"/>
+                    </a:ext>
+                  </a:extLst>
+                </a:gridCol>
+                <a:gridCol w="423043">
+                  <a:extLst>
+                    <a:ext uri="{9D8B030D-6E8A-4147-A177-3AD203B41FA5}">
+                      <a16:colId xmlns:a16="http://schemas.microsoft.com/office/drawing/2014/main" val="2177103222"/>
+                    </a:ext>
+                  </a:extLst>
+                </a:gridCol>
+                <a:gridCol w="423043">
+                  <a:extLst>
+                    <a:ext uri="{9D8B030D-6E8A-4147-A177-3AD203B41FA5}">
+                      <a16:colId xmlns:a16="http://schemas.microsoft.com/office/drawing/2014/main" val="3409141404"/>
+                    </a:ext>
+                  </a:extLst>
+                </a:gridCol>
+                <a:gridCol w="423043">
+                  <a:extLst>
+                    <a:ext uri="{9D8B030D-6E8A-4147-A177-3AD203B41FA5}">
+                      <a16:colId xmlns:a16="http://schemas.microsoft.com/office/drawing/2014/main" val="217707470"/>
+                    </a:ext>
+                  </a:extLst>
+                </a:gridCol>
+                <a:gridCol w="423043">
+                  <a:extLst>
+                    <a:ext uri="{9D8B030D-6E8A-4147-A177-3AD203B41FA5}">
+                      <a16:colId xmlns:a16="http://schemas.microsoft.com/office/drawing/2014/main" val="770379941"/>
+                    </a:ext>
+                  </a:extLst>
+                </a:gridCol>
+                <a:gridCol w="423043">
+                  <a:extLst>
+                    <a:ext uri="{9D8B030D-6E8A-4147-A177-3AD203B41FA5}">
+                      <a16:colId xmlns:a16="http://schemas.microsoft.com/office/drawing/2014/main" val="4085467491"/>
+                    </a:ext>
+                  </a:extLst>
+                </a:gridCol>
+                <a:gridCol w="423043">
+                  <a:extLst>
+                    <a:ext uri="{9D8B030D-6E8A-4147-A177-3AD203B41FA5}">
+                      <a16:colId xmlns:a16="http://schemas.microsoft.com/office/drawing/2014/main" val="2183018877"/>
+                    </a:ext>
+                  </a:extLst>
+                </a:gridCol>
+                <a:gridCol w="423043">
+                  <a:extLst>
+                    <a:ext uri="{9D8B030D-6E8A-4147-A177-3AD203B41FA5}">
+                      <a16:colId xmlns:a16="http://schemas.microsoft.com/office/drawing/2014/main" val="3957069584"/>
+                    </a:ext>
+                  </a:extLst>
+                </a:gridCol>
+                <a:gridCol w="423043">
+                  <a:extLst>
+                    <a:ext uri="{9D8B030D-6E8A-4147-A177-3AD203B41FA5}">
+                      <a16:colId xmlns:a16="http://schemas.microsoft.com/office/drawing/2014/main" val="3244291510"/>
+                    </a:ext>
+                  </a:extLst>
+                </a:gridCol>
+                <a:gridCol w="423043">
+                  <a:extLst>
+                    <a:ext uri="{9D8B030D-6E8A-4147-A177-3AD203B41FA5}">
+                      <a16:colId xmlns:a16="http://schemas.microsoft.com/office/drawing/2014/main" val="3722398860"/>
+                    </a:ext>
+                  </a:extLst>
+                </a:gridCol>
+                <a:gridCol w="423043">
+                  <a:extLst>
+                    <a:ext uri="{9D8B030D-6E8A-4147-A177-3AD203B41FA5}">
+                      <a16:colId xmlns:a16="http://schemas.microsoft.com/office/drawing/2014/main" val="3031954405"/>
+                    </a:ext>
+                  </a:extLst>
+                </a:gridCol>
+              </a:tblGrid>
+              <a:tr h="370840">
+                <a:tc>
+                  <a:txBody>
+                    <a:bodyPr/>
+                    <a:lstStyle/>
+                    <a:p>
+                      <a:pPr algn="ctr"/>
+                      <a:r>
+                        <a:rPr lang="en-HK" dirty="0">
+                          <a:solidFill>
+                            <a:schemeClr val="tx1"/>
+                          </a:solidFill>
+                        </a:rPr>
+                        <a:t>1</a:t>
+                      </a:r>
+                    </a:p>
+                  </a:txBody>
+                  <a:tcPr>
+                    <a:lnL w="12700" cap="flat" cmpd="sng" algn="ctr">
+                      <a:solidFill>
+                        <a:srgbClr val="FF0000"/>
+                      </a:solidFill>
+                      <a:prstDash val="solid"/>
+                      <a:round/>
+                      <a:headEnd type="none" w="med" len="med"/>
+                      <a:tailEnd type="none" w="med" len="med"/>
+                    </a:lnL>
+                    <a:lnT w="12700" cap="flat" cmpd="sng" algn="ctr">
+                      <a:solidFill>
+                        <a:srgbClr val="FF0000"/>
+                      </a:solidFill>
+                      <a:prstDash val="solid"/>
+                      <a:round/>
+                      <a:headEnd type="none" w="med" len="med"/>
+                      <a:tailEnd type="none" w="med" len="med"/>
+                    </a:lnT>
+                    <a:lnB w="12700" cap="flat" cmpd="sng" algn="ctr">
+                      <a:solidFill>
+                        <a:srgbClr val="FF0000"/>
+                      </a:solidFill>
+                      <a:prstDash val="solid"/>
+                      <a:round/>
+                      <a:headEnd type="none" w="med" len="med"/>
+                      <a:tailEnd type="none" w="med" len="med"/>
+                    </a:lnB>
+                    <a:solidFill>
+                      <a:schemeClr val="accent2">
+                        <a:lumMod val="40000"/>
+                        <a:lumOff val="60000"/>
+                      </a:schemeClr>
+                    </a:solidFill>
+                  </a:tcPr>
+                </a:tc>
+                <a:tc>
+                  <a:txBody>
+                    <a:bodyPr/>
+                    <a:lstStyle/>
+                    <a:p>
+                      <a:pPr algn="ctr"/>
+                      <a:r>
+                        <a:rPr lang="en-HK" dirty="0">
+                          <a:solidFill>
+                            <a:schemeClr val="tx1"/>
+                          </a:solidFill>
+                        </a:rPr>
+                        <a:t>2</a:t>
+                      </a:r>
+                    </a:p>
+                  </a:txBody>
+                  <a:tcPr>
+                    <a:lnT w="12700" cap="flat" cmpd="sng" algn="ctr">
+                      <a:solidFill>
+                        <a:srgbClr val="FF0000"/>
+                      </a:solidFill>
+                      <a:prstDash val="solid"/>
+                      <a:round/>
+                      <a:headEnd type="none" w="med" len="med"/>
+                      <a:tailEnd type="none" w="med" len="med"/>
+                    </a:lnT>
+                    <a:lnB w="12700" cap="flat" cmpd="sng" algn="ctr">
+                      <a:solidFill>
+                        <a:srgbClr val="FF0000"/>
+                      </a:solidFill>
+                      <a:prstDash val="solid"/>
+                      <a:round/>
+                      <a:headEnd type="none" w="med" len="med"/>
+                      <a:tailEnd type="none" w="med" len="med"/>
+                    </a:lnB>
+                    <a:solidFill>
+                      <a:schemeClr val="accent2">
+                        <a:lumMod val="40000"/>
+                        <a:lumOff val="60000"/>
+                      </a:schemeClr>
+                    </a:solidFill>
+                  </a:tcPr>
+                </a:tc>
+                <a:tc>
+                  <a:txBody>
+                    <a:bodyPr/>
+                    <a:lstStyle/>
+                    <a:p>
+                      <a:pPr algn="ctr"/>
+                      <a:r>
+                        <a:rPr lang="en-HK" dirty="0">
+                          <a:solidFill>
+                            <a:schemeClr val="tx1"/>
+                          </a:solidFill>
+                        </a:rPr>
+                        <a:t>3</a:t>
+                      </a:r>
+                    </a:p>
+                  </a:txBody>
+                  <a:tcPr>
+                    <a:lnR w="12700" cap="flat" cmpd="sng" algn="ctr">
+                      <a:solidFill>
+                        <a:srgbClr val="FF0000"/>
+                      </a:solidFill>
+                      <a:prstDash val="solid"/>
+                      <a:round/>
+                      <a:headEnd type="none" w="med" len="med"/>
+                      <a:tailEnd type="none" w="med" len="med"/>
+                    </a:lnR>
+                    <a:lnT w="12700" cap="flat" cmpd="sng" algn="ctr">
+                      <a:solidFill>
+                        <a:srgbClr val="FF0000"/>
+                      </a:solidFill>
+                      <a:prstDash val="solid"/>
+                      <a:round/>
+                      <a:headEnd type="none" w="med" len="med"/>
+                      <a:tailEnd type="none" w="med" len="med"/>
+                    </a:lnT>
+                    <a:lnB w="12700" cap="flat" cmpd="sng" algn="ctr">
+                      <a:solidFill>
+                        <a:srgbClr val="FF0000"/>
+                      </a:solidFill>
+                      <a:prstDash val="solid"/>
+                      <a:round/>
+                      <a:headEnd type="none" w="med" len="med"/>
+                      <a:tailEnd type="none" w="med" len="med"/>
+                    </a:lnB>
+                    <a:solidFill>
+                      <a:schemeClr val="accent2">
+                        <a:lumMod val="40000"/>
+                        <a:lumOff val="60000"/>
+                      </a:schemeClr>
+                    </a:solidFill>
+                  </a:tcPr>
+                </a:tc>
+                <a:tc>
+                  <a:txBody>
+                    <a:bodyPr/>
+                    <a:lstStyle/>
+                    <a:p>
+                      <a:pPr algn="ctr"/>
+                      <a:r>
+                        <a:rPr lang="en-HK" dirty="0">
+                          <a:solidFill>
+                            <a:schemeClr val="tx1"/>
+                          </a:solidFill>
+                        </a:rPr>
+                        <a:t>4</a:t>
+                      </a:r>
+                    </a:p>
+                  </a:txBody>
+                  <a:tcPr>
+                    <a:lnL w="12700" cap="flat" cmpd="sng" algn="ctr">
+                      <a:solidFill>
+                        <a:srgbClr val="FF0000"/>
+                      </a:solidFill>
+                      <a:prstDash val="solid"/>
+                      <a:round/>
+                      <a:headEnd type="none" w="med" len="med"/>
+                      <a:tailEnd type="none" w="med" len="med"/>
+                    </a:lnL>
+                    <a:lnT w="12700" cap="flat" cmpd="sng" algn="ctr">
+                      <a:solidFill>
+                        <a:srgbClr val="FF0000"/>
+                      </a:solidFill>
+                      <a:prstDash val="solid"/>
+                      <a:round/>
+                      <a:headEnd type="none" w="med" len="med"/>
+                      <a:tailEnd type="none" w="med" len="med"/>
+                    </a:lnT>
+                    <a:lnB w="12700" cap="flat" cmpd="sng" algn="ctr">
+                      <a:solidFill>
+                        <a:srgbClr val="FF0000"/>
+                      </a:solidFill>
+                      <a:prstDash val="solid"/>
+                      <a:round/>
+                      <a:headEnd type="none" w="med" len="med"/>
+                      <a:tailEnd type="none" w="med" len="med"/>
+                    </a:lnB>
+                    <a:solidFill>
+                      <a:schemeClr val="accent2">
+                        <a:lumMod val="40000"/>
+                        <a:lumOff val="60000"/>
+                      </a:schemeClr>
+                    </a:solidFill>
+                  </a:tcPr>
+                </a:tc>
+                <a:tc>
+                  <a:txBody>
+                    <a:bodyPr/>
+                    <a:lstStyle/>
+                    <a:p>
+                      <a:pPr algn="ctr"/>
+                      <a:r>
+                        <a:rPr lang="en-HK" dirty="0">
+                          <a:solidFill>
+                            <a:schemeClr val="tx1"/>
+                          </a:solidFill>
+                        </a:rPr>
+                        <a:t>5</a:t>
+                      </a:r>
+                    </a:p>
+                  </a:txBody>
+                  <a:tcPr>
+                    <a:lnR w="12700" cap="flat" cmpd="sng" algn="ctr">
+                      <a:solidFill>
+                        <a:srgbClr val="FF0000"/>
+                      </a:solidFill>
+                      <a:prstDash val="solid"/>
+                      <a:round/>
+                      <a:headEnd type="none" w="med" len="med"/>
+                      <a:tailEnd type="none" w="med" len="med"/>
+                    </a:lnR>
+                    <a:lnT w="12700" cap="flat" cmpd="sng" algn="ctr">
+                      <a:solidFill>
+                        <a:srgbClr val="FF0000"/>
+                      </a:solidFill>
+                      <a:prstDash val="solid"/>
+                      <a:round/>
+                      <a:headEnd type="none" w="med" len="med"/>
+                      <a:tailEnd type="none" w="med" len="med"/>
+                    </a:lnT>
+                    <a:lnB w="12700" cap="flat" cmpd="sng" algn="ctr">
+                      <a:solidFill>
+                        <a:srgbClr val="FF0000"/>
+                      </a:solidFill>
+                      <a:prstDash val="solid"/>
+                      <a:round/>
+                      <a:headEnd type="none" w="med" len="med"/>
+                      <a:tailEnd type="none" w="med" len="med"/>
+                    </a:lnB>
+                    <a:solidFill>
+                      <a:schemeClr val="accent2">
+                        <a:lumMod val="40000"/>
+                        <a:lumOff val="60000"/>
+                      </a:schemeClr>
+                    </a:solidFill>
+                  </a:tcPr>
+                </a:tc>
+                <a:tc>
+                  <a:txBody>
+                    <a:bodyPr/>
+                    <a:lstStyle/>
+                    <a:p>
+                      <a:pPr algn="ctr"/>
+                      <a:r>
+                        <a:rPr lang="en-HK" dirty="0">
+                          <a:solidFill>
+                            <a:schemeClr val="tx1"/>
+                          </a:solidFill>
+                        </a:rPr>
+                        <a:t>6</a:t>
+                      </a:r>
+                    </a:p>
+                  </a:txBody>
+                  <a:tcPr>
+                    <a:lnL w="12700" cap="flat" cmpd="sng" algn="ctr">
+                      <a:solidFill>
+                        <a:srgbClr val="FF0000"/>
+                      </a:solidFill>
+                      <a:prstDash val="solid"/>
+                      <a:round/>
+                      <a:headEnd type="none" w="med" len="med"/>
+                      <a:tailEnd type="none" w="med" len="med"/>
+                    </a:lnL>
+                    <a:lnT w="12700" cap="flat" cmpd="sng" algn="ctr">
+                      <a:solidFill>
+                        <a:srgbClr val="FF0000"/>
+                      </a:solidFill>
+                      <a:prstDash val="solid"/>
+                      <a:round/>
+                      <a:headEnd type="none" w="med" len="med"/>
+                      <a:tailEnd type="none" w="med" len="med"/>
+                    </a:lnT>
+                    <a:lnB w="12700" cap="flat" cmpd="sng" algn="ctr">
+                      <a:solidFill>
+                        <a:srgbClr val="FF0000"/>
+                      </a:solidFill>
+                      <a:prstDash val="solid"/>
+                      <a:round/>
+                      <a:headEnd type="none" w="med" len="med"/>
+                      <a:tailEnd type="none" w="med" len="med"/>
+                    </a:lnB>
+                    <a:solidFill>
+                      <a:schemeClr val="accent2">
+                        <a:lumMod val="40000"/>
+                        <a:lumOff val="60000"/>
+                      </a:schemeClr>
+                    </a:solidFill>
+                  </a:tcPr>
+                </a:tc>
+                <a:tc>
+                  <a:txBody>
+                    <a:bodyPr/>
+                    <a:lstStyle/>
+                    <a:p>
+                      <a:pPr algn="ctr"/>
+                      <a:r>
+                        <a:rPr lang="en-HK" dirty="0">
+                          <a:solidFill>
+                            <a:schemeClr val="tx1"/>
+                          </a:solidFill>
+                        </a:rPr>
+                        <a:t>7</a:t>
+                      </a:r>
+                    </a:p>
+                  </a:txBody>
+                  <a:tcPr>
+                    <a:lnT w="12700" cap="flat" cmpd="sng" algn="ctr">
+                      <a:solidFill>
+                        <a:srgbClr val="FF0000"/>
+                      </a:solidFill>
+                      <a:prstDash val="solid"/>
+                      <a:round/>
+                      <a:headEnd type="none" w="med" len="med"/>
+                      <a:tailEnd type="none" w="med" len="med"/>
+                    </a:lnT>
+                    <a:lnB w="12700" cap="flat" cmpd="sng" algn="ctr">
+                      <a:solidFill>
+                        <a:srgbClr val="FF0000"/>
+                      </a:solidFill>
+                      <a:prstDash val="solid"/>
+                      <a:round/>
+                      <a:headEnd type="none" w="med" len="med"/>
+                      <a:tailEnd type="none" w="med" len="med"/>
+                    </a:lnB>
+                    <a:solidFill>
+                      <a:schemeClr val="accent2">
+                        <a:lumMod val="40000"/>
+                        <a:lumOff val="60000"/>
+                      </a:schemeClr>
+                    </a:solidFill>
+                  </a:tcPr>
+                </a:tc>
+                <a:tc>
+                  <a:txBody>
+                    <a:bodyPr/>
+                    <a:lstStyle/>
+                    <a:p>
+                      <a:pPr algn="ctr"/>
+                      <a:r>
+                        <a:rPr lang="en-HK" dirty="0">
+                          <a:solidFill>
+                            <a:schemeClr val="tx1"/>
+                          </a:solidFill>
+                        </a:rPr>
+                        <a:t>8</a:t>
+                      </a:r>
+                    </a:p>
+                  </a:txBody>
+                  <a:tcPr>
+                    <a:lnT w="12700" cap="flat" cmpd="sng" algn="ctr">
+                      <a:solidFill>
+                        <a:srgbClr val="FF0000"/>
+                      </a:solidFill>
+                      <a:prstDash val="solid"/>
+                      <a:round/>
+                      <a:headEnd type="none" w="med" len="med"/>
+                      <a:tailEnd type="none" w="med" len="med"/>
+                    </a:lnT>
+                    <a:lnB w="12700" cap="flat" cmpd="sng" algn="ctr">
+                      <a:solidFill>
+                        <a:srgbClr val="FF0000"/>
+                      </a:solidFill>
+                      <a:prstDash val="solid"/>
+                      <a:round/>
+                      <a:headEnd type="none" w="med" len="med"/>
+                      <a:tailEnd type="none" w="med" len="med"/>
+                    </a:lnB>
+                    <a:solidFill>
+                      <a:schemeClr val="accent2">
+                        <a:lumMod val="40000"/>
+                        <a:lumOff val="60000"/>
+                      </a:schemeClr>
+                    </a:solidFill>
+                  </a:tcPr>
+                </a:tc>
+                <a:tc>
+                  <a:txBody>
+                    <a:bodyPr/>
+                    <a:lstStyle/>
+                    <a:p>
+                      <a:pPr algn="ctr"/>
+                      <a:r>
+                        <a:rPr lang="en-HK" dirty="0">
+                          <a:solidFill>
+                            <a:schemeClr val="tx1"/>
+                          </a:solidFill>
+                        </a:rPr>
+                        <a:t>9</a:t>
+                      </a:r>
+                    </a:p>
+                  </a:txBody>
+                  <a:tcPr>
+                    <a:lnR w="12700" cap="flat" cmpd="sng" algn="ctr">
+                      <a:solidFill>
+                        <a:srgbClr val="FF0000"/>
+                      </a:solidFill>
+                      <a:prstDash val="solid"/>
+                      <a:round/>
+                      <a:headEnd type="none" w="med" len="med"/>
+                      <a:tailEnd type="none" w="med" len="med"/>
+                    </a:lnR>
+                    <a:lnT w="12700" cap="flat" cmpd="sng" algn="ctr">
+                      <a:solidFill>
+                        <a:srgbClr val="FF0000"/>
+                      </a:solidFill>
+                      <a:prstDash val="solid"/>
+                      <a:round/>
+                      <a:headEnd type="none" w="med" len="med"/>
+                      <a:tailEnd type="none" w="med" len="med"/>
+                    </a:lnT>
+                    <a:lnB w="12700" cap="flat" cmpd="sng" algn="ctr">
+                      <a:solidFill>
+                        <a:srgbClr val="FF0000"/>
+                      </a:solidFill>
+                      <a:prstDash val="solid"/>
+                      <a:round/>
+                      <a:headEnd type="none" w="med" len="med"/>
+                      <a:tailEnd type="none" w="med" len="med"/>
+                    </a:lnB>
+                    <a:solidFill>
+                      <a:schemeClr val="accent2">
+                        <a:lumMod val="40000"/>
+                        <a:lumOff val="60000"/>
+                      </a:schemeClr>
+                    </a:solidFill>
+                  </a:tcPr>
+                </a:tc>
+                <a:tc>
+                  <a:txBody>
+                    <a:bodyPr/>
+                    <a:lstStyle/>
+                    <a:p>
+                      <a:pPr algn="ctr"/>
+                      <a:r>
+                        <a:rPr lang="en-HK" dirty="0">
+                          <a:solidFill>
+                            <a:schemeClr val="tx1"/>
+                          </a:solidFill>
+                        </a:rPr>
+                        <a:t>10</a:t>
+                      </a:r>
+                    </a:p>
+                  </a:txBody>
+                  <a:tcPr>
+                    <a:lnL w="12700" cap="flat" cmpd="sng" algn="ctr">
+                      <a:solidFill>
+                        <a:srgbClr val="FF0000"/>
+                      </a:solidFill>
+                      <a:prstDash val="solid"/>
+                      <a:round/>
+                      <a:headEnd type="none" w="med" len="med"/>
+                      <a:tailEnd type="none" w="med" len="med"/>
+                    </a:lnL>
+                    <a:lnT w="12700" cap="flat" cmpd="sng" algn="ctr">
+                      <a:solidFill>
+                        <a:srgbClr val="FF0000"/>
+                      </a:solidFill>
+                      <a:prstDash val="solid"/>
+                      <a:round/>
+                      <a:headEnd type="none" w="med" len="med"/>
+                      <a:tailEnd type="none" w="med" len="med"/>
+                    </a:lnT>
+                    <a:lnB w="12700" cap="flat" cmpd="sng" algn="ctr">
+                      <a:solidFill>
+                        <a:srgbClr val="FF0000"/>
+                      </a:solidFill>
+                      <a:prstDash val="solid"/>
+                      <a:round/>
+                      <a:headEnd type="none" w="med" len="med"/>
+                      <a:tailEnd type="none" w="med" len="med"/>
+                    </a:lnB>
+                    <a:solidFill>
+                      <a:schemeClr val="accent2">
+                        <a:lumMod val="40000"/>
+                        <a:lumOff val="60000"/>
+                      </a:schemeClr>
+                    </a:solidFill>
+                  </a:tcPr>
+                </a:tc>
+                <a:tc>
+                  <a:txBody>
+                    <a:bodyPr/>
+                    <a:lstStyle/>
+                    <a:p>
+                      <a:pPr algn="ctr"/>
+                      <a:r>
+                        <a:rPr lang="en-HK" dirty="0">
+                          <a:solidFill>
+                            <a:schemeClr val="tx1"/>
+                          </a:solidFill>
+                        </a:rPr>
+                        <a:t>11</a:t>
+                      </a:r>
+                    </a:p>
+                  </a:txBody>
+                  <a:tcPr>
+                    <a:lnR w="12700" cap="flat" cmpd="sng" algn="ctr">
+                      <a:solidFill>
+                        <a:srgbClr val="FF0000"/>
+                      </a:solidFill>
+                      <a:prstDash val="solid"/>
+                      <a:round/>
+                      <a:headEnd type="none" w="med" len="med"/>
+                      <a:tailEnd type="none" w="med" len="med"/>
+                    </a:lnR>
+                    <a:lnT w="12700" cap="flat" cmpd="sng" algn="ctr">
+                      <a:solidFill>
+                        <a:srgbClr val="FF0000"/>
+                      </a:solidFill>
+                      <a:prstDash val="solid"/>
+                      <a:round/>
+                      <a:headEnd type="none" w="med" len="med"/>
+                      <a:tailEnd type="none" w="med" len="med"/>
+                    </a:lnT>
+                    <a:lnB w="12700" cap="flat" cmpd="sng" algn="ctr">
+                      <a:solidFill>
+                        <a:srgbClr val="FF0000"/>
+                      </a:solidFill>
+                      <a:prstDash val="solid"/>
+                      <a:round/>
+                      <a:headEnd type="none" w="med" len="med"/>
+                      <a:tailEnd type="none" w="med" len="med"/>
+                    </a:lnB>
+                    <a:solidFill>
+                      <a:schemeClr val="accent3"/>
+                    </a:solidFill>
+                  </a:tcPr>
+                </a:tc>
+                <a:extLst>
+                  <a:ext uri="{0D108BD9-81ED-4DB2-BD59-A6C34878D82A}">
+                    <a16:rowId xmlns:a16="http://schemas.microsoft.com/office/drawing/2014/main" val="2601047344"/>
+                  </a:ext>
+                </a:extLst>
+              </a:tr>
+            </a:tbl>
+          </a:graphicData>
+        </a:graphic>
+      </p:graphicFrame>
+      <p:cxnSp>
+        <p:nvCxnSpPr>
+          <p:cNvPr id="7" name="Straight Arrow Connector 6">
+            <a:extLst>
+              <a:ext uri="{FF2B5EF4-FFF2-40B4-BE49-F238E27FC236}">
+                <a16:creationId xmlns:a16="http://schemas.microsoft.com/office/drawing/2014/main" id="{09F963AD-EB44-C24B-E373-6295B079DF1D}"/>
+              </a:ext>
+            </a:extLst>
+          </p:cNvPr>
+          <p:cNvCxnSpPr>
+            <a:cxnSpLocks/>
+          </p:cNvCxnSpPr>
+          <p:nvPr/>
+        </p:nvCxnSpPr>
+        <p:spPr>
+          <a:xfrm>
+            <a:off x="2777722" y="987158"/>
+            <a:ext cx="0" cy="349329"/>
+          </a:xfrm>
+          <a:prstGeom prst="straightConnector1">
+            <a:avLst/>
+          </a:prstGeom>
+          <a:ln>
+            <a:solidFill>
+              <a:schemeClr val="tx1"/>
+            </a:solidFill>
+            <a:tailEnd type="triangle"/>
+          </a:ln>
+        </p:spPr>
+        <p:style>
+          <a:lnRef idx="1">
+            <a:schemeClr val="accent1"/>
+          </a:lnRef>
+          <a:fillRef idx="0">
+            <a:schemeClr val="accent1"/>
+          </a:fillRef>
+          <a:effectRef idx="0">
+            <a:schemeClr val="accent1"/>
+          </a:effectRef>
+          <a:fontRef idx="minor">
+            <a:schemeClr val="tx1"/>
+          </a:fontRef>
+        </p:style>
+      </p:cxnSp>
+      <p:sp>
+        <p:nvSpPr>
+          <p:cNvPr id="12" name="Left Brace 11">
+            <a:extLst>
+              <a:ext uri="{FF2B5EF4-FFF2-40B4-BE49-F238E27FC236}">
+                <a16:creationId xmlns:a16="http://schemas.microsoft.com/office/drawing/2014/main" id="{9DE1626D-0F60-1A21-98E8-F549E28396E3}"/>
+              </a:ext>
+            </a:extLst>
+          </p:cNvPr>
+          <p:cNvSpPr/>
+          <p:nvPr/>
+        </p:nvSpPr>
+        <p:spPr>
+          <a:xfrm rot="16200000">
+            <a:off x="1272649" y="1268148"/>
+            <a:ext cx="73325" cy="1263291"/>
+          </a:xfrm>
+          <a:prstGeom prst="leftBrace">
+            <a:avLst/>
+          </a:prstGeom>
+          <a:ln>
+            <a:solidFill>
+              <a:schemeClr val="bg2">
+                <a:lumMod val="25000"/>
+              </a:schemeClr>
+            </a:solidFill>
+          </a:ln>
+        </p:spPr>
+        <p:style>
+          <a:lnRef idx="1">
+            <a:schemeClr val="accent2"/>
+          </a:lnRef>
+          <a:fillRef idx="0">
+            <a:schemeClr val="accent2"/>
+          </a:fillRef>
+          <a:effectRef idx="0">
+            <a:schemeClr val="accent2"/>
+          </a:effectRef>
+          <a:fontRef idx="minor">
+            <a:schemeClr val="tx1"/>
+          </a:fontRef>
+        </p:style>
+        <p:txBody>
+          <a:bodyPr rtlCol="0" anchor="ctr"/>
+          <a:lstStyle/>
+          <a:p>
+            <a:pPr algn="ctr"/>
+            <a:endParaRPr lang="en-HK"/>
+          </a:p>
+        </p:txBody>
+      </p:sp>
+      <p:sp>
+        <p:nvSpPr>
+          <p:cNvPr id="19" name="TextBox 18">
+            <a:extLst>
+              <a:ext uri="{FF2B5EF4-FFF2-40B4-BE49-F238E27FC236}">
+                <a16:creationId xmlns:a16="http://schemas.microsoft.com/office/drawing/2014/main" id="{DD7A9D0F-0F34-5A3B-246C-613E68E4166D}"/>
+              </a:ext>
+            </a:extLst>
+          </p:cNvPr>
+          <p:cNvSpPr txBox="1"/>
+          <p:nvPr/>
+        </p:nvSpPr>
+        <p:spPr>
+          <a:xfrm>
+            <a:off x="838124" y="1936456"/>
+            <a:ext cx="942374" cy="369332"/>
+          </a:xfrm>
+          <a:prstGeom prst="rect">
+            <a:avLst/>
+          </a:prstGeom>
+          <a:noFill/>
+        </p:spPr>
+        <p:txBody>
+          <a:bodyPr wrap="none" rtlCol="0">
+            <a:spAutoFit/>
+          </a:bodyPr>
+          <a:lstStyle/>
+          <a:p>
+            <a:r>
+              <a:rPr lang="en-US" altLang="zh-CN" dirty="0"/>
+              <a:t>Group 1</a:t>
+            </a:r>
+            <a:endParaRPr lang="en-HK" dirty="0"/>
+          </a:p>
+        </p:txBody>
+      </p:sp>
+      <p:sp>
+        <p:nvSpPr>
+          <p:cNvPr id="20" name="Left Brace 19">
+            <a:extLst>
+              <a:ext uri="{FF2B5EF4-FFF2-40B4-BE49-F238E27FC236}">
+                <a16:creationId xmlns:a16="http://schemas.microsoft.com/office/drawing/2014/main" id="{EF73190A-EC4C-479F-1659-B4EFBB82C391}"/>
+              </a:ext>
+            </a:extLst>
+          </p:cNvPr>
+          <p:cNvSpPr/>
+          <p:nvPr/>
+        </p:nvSpPr>
+        <p:spPr>
+          <a:xfrm rot="16200000">
+            <a:off x="2331501" y="1489846"/>
+            <a:ext cx="73324" cy="819118"/>
+          </a:xfrm>
+          <a:prstGeom prst="leftBrace">
+            <a:avLst/>
+          </a:prstGeom>
+          <a:ln>
+            <a:solidFill>
+              <a:schemeClr val="bg2">
+                <a:lumMod val="25000"/>
+              </a:schemeClr>
+            </a:solidFill>
+          </a:ln>
+        </p:spPr>
+        <p:style>
+          <a:lnRef idx="1">
+            <a:schemeClr val="accent2"/>
+          </a:lnRef>
+          <a:fillRef idx="0">
+            <a:schemeClr val="accent2"/>
+          </a:fillRef>
+          <a:effectRef idx="0">
+            <a:schemeClr val="accent2"/>
+          </a:effectRef>
+          <a:fontRef idx="minor">
+            <a:schemeClr val="tx1"/>
+          </a:fontRef>
+        </p:style>
+        <p:txBody>
+          <a:bodyPr rtlCol="0" anchor="ctr"/>
+          <a:lstStyle/>
+          <a:p>
+            <a:pPr algn="ctr"/>
+            <a:endParaRPr lang="en-HK"/>
+          </a:p>
+        </p:txBody>
+      </p:sp>
+      <p:sp>
+        <p:nvSpPr>
+          <p:cNvPr id="21" name="TextBox 20">
+            <a:extLst>
+              <a:ext uri="{FF2B5EF4-FFF2-40B4-BE49-F238E27FC236}">
+                <a16:creationId xmlns:a16="http://schemas.microsoft.com/office/drawing/2014/main" id="{5EB3E76C-5080-EF2D-FCF3-A28E72F97B5F}"/>
+              </a:ext>
+            </a:extLst>
+          </p:cNvPr>
+          <p:cNvSpPr txBox="1"/>
+          <p:nvPr/>
+        </p:nvSpPr>
+        <p:spPr>
+          <a:xfrm>
+            <a:off x="1940956" y="1936067"/>
+            <a:ext cx="942374" cy="369332"/>
+          </a:xfrm>
+          <a:prstGeom prst="rect">
+            <a:avLst/>
+          </a:prstGeom>
+          <a:noFill/>
+        </p:spPr>
+        <p:txBody>
+          <a:bodyPr wrap="none" rtlCol="0">
+            <a:spAutoFit/>
+          </a:bodyPr>
+          <a:lstStyle/>
+          <a:p>
+            <a:r>
+              <a:rPr lang="en-US" altLang="zh-CN" dirty="0"/>
+              <a:t>Group 2</a:t>
+            </a:r>
+            <a:endParaRPr lang="en-HK" dirty="0"/>
+          </a:p>
+        </p:txBody>
+      </p:sp>
+      <p:sp>
+        <p:nvSpPr>
+          <p:cNvPr id="22" name="Left Brace 21">
+            <a:extLst>
+              <a:ext uri="{FF2B5EF4-FFF2-40B4-BE49-F238E27FC236}">
+                <a16:creationId xmlns:a16="http://schemas.microsoft.com/office/drawing/2014/main" id="{3A4135CE-F553-8DC3-6351-CA5822627C67}"/>
+              </a:ext>
+            </a:extLst>
+          </p:cNvPr>
+          <p:cNvSpPr/>
+          <p:nvPr/>
+        </p:nvSpPr>
+        <p:spPr>
+          <a:xfrm rot="16200000">
+            <a:off x="3623734" y="1063698"/>
+            <a:ext cx="45719" cy="1661058"/>
+          </a:xfrm>
+          <a:prstGeom prst="leftBrace">
+            <a:avLst/>
+          </a:prstGeom>
+          <a:ln>
+            <a:solidFill>
+              <a:schemeClr val="bg2">
+                <a:lumMod val="25000"/>
+              </a:schemeClr>
+            </a:solidFill>
+          </a:ln>
+        </p:spPr>
+        <p:style>
+          <a:lnRef idx="1">
+            <a:schemeClr val="accent2"/>
+          </a:lnRef>
+          <a:fillRef idx="0">
+            <a:schemeClr val="accent2"/>
+          </a:fillRef>
+          <a:effectRef idx="0">
+            <a:schemeClr val="accent2"/>
+          </a:effectRef>
+          <a:fontRef idx="minor">
+            <a:schemeClr val="tx1"/>
+          </a:fontRef>
+        </p:style>
+        <p:txBody>
+          <a:bodyPr rtlCol="0" anchor="ctr"/>
+          <a:lstStyle/>
+          <a:p>
+            <a:pPr algn="ctr"/>
+            <a:endParaRPr lang="en-HK"/>
+          </a:p>
+        </p:txBody>
+      </p:sp>
+      <p:sp>
+        <p:nvSpPr>
+          <p:cNvPr id="23" name="TextBox 22">
+            <a:extLst>
+              <a:ext uri="{FF2B5EF4-FFF2-40B4-BE49-F238E27FC236}">
+                <a16:creationId xmlns:a16="http://schemas.microsoft.com/office/drawing/2014/main" id="{99F6E16B-40EE-F871-BEAE-B3318E11FD9F}"/>
+              </a:ext>
+            </a:extLst>
+          </p:cNvPr>
+          <p:cNvSpPr txBox="1"/>
+          <p:nvPr/>
+        </p:nvSpPr>
+        <p:spPr>
+          <a:xfrm>
+            <a:off x="3155922" y="1910053"/>
+            <a:ext cx="1239095" cy="369332"/>
+          </a:xfrm>
+          <a:prstGeom prst="rect">
+            <a:avLst/>
+          </a:prstGeom>
+          <a:noFill/>
+        </p:spPr>
+        <p:txBody>
+          <a:bodyPr wrap="square" rtlCol="0">
+            <a:spAutoFit/>
+          </a:bodyPr>
+          <a:lstStyle/>
+          <a:p>
+            <a:r>
+              <a:rPr lang="en-US" altLang="zh-CN" dirty="0"/>
+              <a:t>Group 3</a:t>
+            </a:r>
+            <a:endParaRPr lang="en-HK" dirty="0"/>
+          </a:p>
+        </p:txBody>
+      </p:sp>
+      <p:sp>
+        <p:nvSpPr>
+          <p:cNvPr id="24" name="Left Brace 23">
+            <a:extLst>
+              <a:ext uri="{FF2B5EF4-FFF2-40B4-BE49-F238E27FC236}">
+                <a16:creationId xmlns:a16="http://schemas.microsoft.com/office/drawing/2014/main" id="{BDB11B44-58E4-DACF-0665-32C656DB3D58}"/>
+              </a:ext>
+            </a:extLst>
+          </p:cNvPr>
+          <p:cNvSpPr/>
+          <p:nvPr/>
+        </p:nvSpPr>
+        <p:spPr>
+          <a:xfrm rot="16200000">
+            <a:off x="4896982" y="1486396"/>
+            <a:ext cx="45720" cy="819117"/>
+          </a:xfrm>
+          <a:prstGeom prst="leftBrace">
+            <a:avLst/>
+          </a:prstGeom>
+          <a:ln>
+            <a:solidFill>
+              <a:schemeClr val="bg2">
+                <a:lumMod val="25000"/>
+              </a:schemeClr>
+            </a:solidFill>
+          </a:ln>
+        </p:spPr>
+        <p:style>
+          <a:lnRef idx="1">
+            <a:schemeClr val="accent2"/>
+          </a:lnRef>
+          <a:fillRef idx="0">
+            <a:schemeClr val="accent2"/>
+          </a:fillRef>
+          <a:effectRef idx="0">
+            <a:schemeClr val="accent2"/>
+          </a:effectRef>
+          <a:fontRef idx="minor">
+            <a:schemeClr val="tx1"/>
+          </a:fontRef>
+        </p:style>
+        <p:txBody>
+          <a:bodyPr rtlCol="0" anchor="ctr"/>
+          <a:lstStyle/>
+          <a:p>
+            <a:pPr algn="ctr"/>
+            <a:endParaRPr lang="en-HK"/>
+          </a:p>
+        </p:txBody>
+      </p:sp>
+      <p:sp>
+        <p:nvSpPr>
+          <p:cNvPr id="25" name="TextBox 24">
+            <a:extLst>
+              <a:ext uri="{FF2B5EF4-FFF2-40B4-BE49-F238E27FC236}">
+                <a16:creationId xmlns:a16="http://schemas.microsoft.com/office/drawing/2014/main" id="{44FF18AC-57E9-C38C-ACDF-5E9DD5348A10}"/>
+              </a:ext>
+            </a:extLst>
+          </p:cNvPr>
+          <p:cNvSpPr txBox="1"/>
+          <p:nvPr/>
+        </p:nvSpPr>
+        <p:spPr>
+          <a:xfrm>
+            <a:off x="4433359" y="1910053"/>
+            <a:ext cx="972966" cy="369332"/>
+          </a:xfrm>
+          <a:prstGeom prst="rect">
+            <a:avLst/>
+          </a:prstGeom>
+          <a:noFill/>
+        </p:spPr>
+        <p:txBody>
+          <a:bodyPr wrap="square" rtlCol="0">
+            <a:spAutoFit/>
+          </a:bodyPr>
+          <a:lstStyle/>
+          <a:p>
+            <a:r>
+              <a:rPr lang="en-US" altLang="zh-CN" dirty="0"/>
+              <a:t>Group 4</a:t>
+            </a:r>
+            <a:endParaRPr lang="en-HK" dirty="0"/>
+          </a:p>
+        </p:txBody>
+      </p:sp>
+    </p:spTree>
+    <p:extLst>
+      <p:ext uri="{BB962C8B-B14F-4D97-AF65-F5344CB8AC3E}">
+        <p14:creationId xmlns:p14="http://schemas.microsoft.com/office/powerpoint/2010/main" val="136008218"/>
+      </p:ext>
+    </p:extLst>
+  </p:cSld>
+  <p:clrMapOvr>
+    <a:masterClrMapping/>
+  </p:clrMapOvr>
+</p:sld>
+</file>
+
+<file path=ppt/slides/slide8.xml><?xml version="1.0" encoding="utf-8"?>
+<p:sld xmlns:a="http://schemas.openxmlformats.org/drawingml/2006/main" xmlns:r="http://schemas.openxmlformats.org/officeDocument/2006/relationships" xmlns:p="http://schemas.openxmlformats.org/presentationml/2006/main">
+  <p:cSld>
+    <p:spTree>
+      <p:nvGrpSpPr>
+        <p:cNvPr id="1" name=""/>
+        <p:cNvGrpSpPr/>
+        <p:nvPr/>
+      </p:nvGrpSpPr>
+      <p:grpSpPr>
+        <a:xfrm>
+          <a:off x="0" y="0"/>
+          <a:ext cx="0" cy="0"/>
+          <a:chOff x="0" y="0"/>
+          <a:chExt cx="0" cy="0"/>
+        </a:xfrm>
+      </p:grpSpPr>
+      <p:graphicFrame>
+        <p:nvGraphicFramePr>
           <p:cNvPr id="9" name="Table 4">
             <a:extLst>
               <a:ext uri="{FF2B5EF4-FFF2-40B4-BE49-F238E27FC236}">
@@ -16049,7 +20620,7 @@
 </p:sld>
 </file>
 
-<file path=ppt/slides/slide8.xml><?xml version="1.0" encoding="utf-8"?>
+<file path=ppt/slides/slide9.xml><?xml version="1.0" encoding="utf-8"?>
 <p:sld xmlns:a="http://schemas.openxmlformats.org/drawingml/2006/main" xmlns:r="http://schemas.openxmlformats.org/officeDocument/2006/relationships" xmlns:p="http://schemas.openxmlformats.org/presentationml/2006/main">
   <p:cSld>
     <p:spTree>
@@ -19269,3137 +23840,6 @@
     <p:extLst>
       <p:ext uri="{BB962C8B-B14F-4D97-AF65-F5344CB8AC3E}">
         <p14:creationId xmlns:p14="http://schemas.microsoft.com/office/powerpoint/2010/main" val="3560864830"/>
-      </p:ext>
-    </p:extLst>
-  </p:cSld>
-  <p:clrMapOvr>
-    <a:masterClrMapping/>
-  </p:clrMapOvr>
-</p:sld>
-</file>
-
-<file path=ppt/slides/slide9.xml><?xml version="1.0" encoding="utf-8"?>
-<p:sld xmlns:a="http://schemas.openxmlformats.org/drawingml/2006/main" xmlns:r="http://schemas.openxmlformats.org/officeDocument/2006/relationships" xmlns:p="http://schemas.openxmlformats.org/presentationml/2006/main">
-  <p:cSld>
-    <p:spTree>
-      <p:nvGrpSpPr>
-        <p:cNvPr id="1" name=""/>
-        <p:cNvGrpSpPr/>
-        <p:nvPr/>
-      </p:nvGrpSpPr>
-      <p:grpSpPr>
-        <a:xfrm>
-          <a:off x="0" y="0"/>
-          <a:ext cx="0" cy="0"/>
-          <a:chOff x="0" y="0"/>
-          <a:chExt cx="0" cy="0"/>
-        </a:xfrm>
-      </p:grpSpPr>
-      <p:graphicFrame>
-        <p:nvGraphicFramePr>
-          <p:cNvPr id="9" name="Table 4">
-            <a:extLst>
-              <a:ext uri="{FF2B5EF4-FFF2-40B4-BE49-F238E27FC236}">
-                <a16:creationId xmlns:a16="http://schemas.microsoft.com/office/drawing/2014/main" id="{DF41D44F-E334-FDE7-F985-4F7DE99E2DF6}"/>
-              </a:ext>
-            </a:extLst>
-          </p:cNvPr>
-          <p:cNvGraphicFramePr>
-            <a:graphicFrameLocks noGrp="1"/>
-          </p:cNvGraphicFramePr>
-          <p:nvPr/>
-        </p:nvGraphicFramePr>
-        <p:xfrm>
-          <a:off x="1229741" y="687859"/>
-          <a:ext cx="4230780" cy="370840"/>
-        </p:xfrm>
-        <a:graphic>
-          <a:graphicData uri="http://schemas.openxmlformats.org/drawingml/2006/table">
-            <a:tbl>
-              <a:tblPr firstRow="1" bandRow="1">
-                <a:tableStyleId>{5C22544A-7EE6-4342-B048-85BDC9FD1C3A}</a:tableStyleId>
-              </a:tblPr>
-              <a:tblGrid>
-                <a:gridCol w="423078">
-                  <a:extLst>
-                    <a:ext uri="{9D8B030D-6E8A-4147-A177-3AD203B41FA5}">
-                      <a16:colId xmlns:a16="http://schemas.microsoft.com/office/drawing/2014/main" val="1958716807"/>
-                    </a:ext>
-                  </a:extLst>
-                </a:gridCol>
-                <a:gridCol w="423078">
-                  <a:extLst>
-                    <a:ext uri="{9D8B030D-6E8A-4147-A177-3AD203B41FA5}">
-                      <a16:colId xmlns:a16="http://schemas.microsoft.com/office/drawing/2014/main" val="2177103222"/>
-                    </a:ext>
-                  </a:extLst>
-                </a:gridCol>
-                <a:gridCol w="423078">
-                  <a:extLst>
-                    <a:ext uri="{9D8B030D-6E8A-4147-A177-3AD203B41FA5}">
-                      <a16:colId xmlns:a16="http://schemas.microsoft.com/office/drawing/2014/main" val="3409141404"/>
-                    </a:ext>
-                  </a:extLst>
-                </a:gridCol>
-                <a:gridCol w="423078">
-                  <a:extLst>
-                    <a:ext uri="{9D8B030D-6E8A-4147-A177-3AD203B41FA5}">
-                      <a16:colId xmlns:a16="http://schemas.microsoft.com/office/drawing/2014/main" val="217707470"/>
-                    </a:ext>
-                  </a:extLst>
-                </a:gridCol>
-                <a:gridCol w="423078">
-                  <a:extLst>
-                    <a:ext uri="{9D8B030D-6E8A-4147-A177-3AD203B41FA5}">
-                      <a16:colId xmlns:a16="http://schemas.microsoft.com/office/drawing/2014/main" val="770379941"/>
-                    </a:ext>
-                  </a:extLst>
-                </a:gridCol>
-                <a:gridCol w="423078">
-                  <a:extLst>
-                    <a:ext uri="{9D8B030D-6E8A-4147-A177-3AD203B41FA5}">
-                      <a16:colId xmlns:a16="http://schemas.microsoft.com/office/drawing/2014/main" val="4085467491"/>
-                    </a:ext>
-                  </a:extLst>
-                </a:gridCol>
-                <a:gridCol w="423078">
-                  <a:extLst>
-                    <a:ext uri="{9D8B030D-6E8A-4147-A177-3AD203B41FA5}">
-                      <a16:colId xmlns:a16="http://schemas.microsoft.com/office/drawing/2014/main" val="2183018877"/>
-                    </a:ext>
-                  </a:extLst>
-                </a:gridCol>
-                <a:gridCol w="423078">
-                  <a:extLst>
-                    <a:ext uri="{9D8B030D-6E8A-4147-A177-3AD203B41FA5}">
-                      <a16:colId xmlns:a16="http://schemas.microsoft.com/office/drawing/2014/main" val="3957069584"/>
-                    </a:ext>
-                  </a:extLst>
-                </a:gridCol>
-                <a:gridCol w="423078">
-                  <a:extLst>
-                    <a:ext uri="{9D8B030D-6E8A-4147-A177-3AD203B41FA5}">
-                      <a16:colId xmlns:a16="http://schemas.microsoft.com/office/drawing/2014/main" val="3244291510"/>
-                    </a:ext>
-                  </a:extLst>
-                </a:gridCol>
-                <a:gridCol w="423078">
-                  <a:extLst>
-                    <a:ext uri="{9D8B030D-6E8A-4147-A177-3AD203B41FA5}">
-                      <a16:colId xmlns:a16="http://schemas.microsoft.com/office/drawing/2014/main" val="3722398860"/>
-                    </a:ext>
-                  </a:extLst>
-                </a:gridCol>
-              </a:tblGrid>
-              <a:tr h="370840">
-                <a:tc>
-                  <a:txBody>
-                    <a:bodyPr/>
-                    <a:lstStyle/>
-                    <a:p>
-                      <a:endParaRPr lang="en-HK" dirty="0"/>
-                    </a:p>
-                  </a:txBody>
-                  <a:tcPr>
-                    <a:solidFill>
-                      <a:schemeClr val="accent2">
-                        <a:lumMod val="40000"/>
-                        <a:lumOff val="60000"/>
-                      </a:schemeClr>
-                    </a:solidFill>
-                  </a:tcPr>
-                </a:tc>
-                <a:tc>
-                  <a:txBody>
-                    <a:bodyPr/>
-                    <a:lstStyle/>
-                    <a:p>
-                      <a:endParaRPr lang="en-HK" dirty="0"/>
-                    </a:p>
-                  </a:txBody>
-                  <a:tcPr>
-                    <a:solidFill>
-                      <a:schemeClr val="accent2">
-                        <a:lumMod val="40000"/>
-                        <a:lumOff val="60000"/>
-                      </a:schemeClr>
-                    </a:solidFill>
-                  </a:tcPr>
-                </a:tc>
-                <a:tc>
-                  <a:txBody>
-                    <a:bodyPr/>
-                    <a:lstStyle/>
-                    <a:p>
-                      <a:endParaRPr lang="en-HK" dirty="0"/>
-                    </a:p>
-                  </a:txBody>
-                  <a:tcPr>
-                    <a:lnTlToBr w="12700" cap="flat" cmpd="sng" algn="ctr">
-                      <a:solidFill>
-                        <a:schemeClr val="tx1"/>
-                      </a:solidFill>
-                      <a:prstDash val="solid"/>
-                      <a:round/>
-                      <a:headEnd type="none" w="med" len="med"/>
-                      <a:tailEnd type="none" w="med" len="med"/>
-                    </a:lnTlToBr>
-                    <a:lnBlToTr w="12700" cap="flat" cmpd="sng" algn="ctr">
-                      <a:solidFill>
-                        <a:schemeClr val="tx1"/>
-                      </a:solidFill>
-                      <a:prstDash val="solid"/>
-                      <a:round/>
-                      <a:headEnd type="none" w="med" len="med"/>
-                      <a:tailEnd type="none" w="med" len="med"/>
-                    </a:lnBlToTr>
-                    <a:solidFill>
-                      <a:schemeClr val="accent1">
-                        <a:lumMod val="40000"/>
-                        <a:lumOff val="60000"/>
-                      </a:schemeClr>
-                    </a:solidFill>
-                  </a:tcPr>
-                </a:tc>
-                <a:tc>
-                  <a:txBody>
-                    <a:bodyPr/>
-                    <a:lstStyle/>
-                    <a:p>
-                      <a:endParaRPr lang="en-HK" dirty="0"/>
-                    </a:p>
-                  </a:txBody>
-                  <a:tcPr>
-                    <a:solidFill>
-                      <a:schemeClr val="accent2">
-                        <a:lumMod val="40000"/>
-                        <a:lumOff val="60000"/>
-                      </a:schemeClr>
-                    </a:solidFill>
-                  </a:tcPr>
-                </a:tc>
-                <a:tc>
-                  <a:txBody>
-                    <a:bodyPr/>
-                    <a:lstStyle/>
-                    <a:p>
-                      <a:endParaRPr lang="en-HK" dirty="0"/>
-                    </a:p>
-                  </a:txBody>
-                  <a:tcPr>
-                    <a:lnTlToBr w="12700" cap="flat" cmpd="sng" algn="ctr">
-                      <a:solidFill>
-                        <a:schemeClr val="tx1"/>
-                      </a:solidFill>
-                      <a:prstDash val="solid"/>
-                      <a:round/>
-                      <a:headEnd type="none" w="med" len="med"/>
-                      <a:tailEnd type="none" w="med" len="med"/>
-                    </a:lnTlToBr>
-                    <a:lnBlToTr w="12700" cap="flat" cmpd="sng" algn="ctr">
-                      <a:solidFill>
-                        <a:schemeClr val="tx1"/>
-                      </a:solidFill>
-                      <a:prstDash val="solid"/>
-                      <a:round/>
-                      <a:headEnd type="none" w="med" len="med"/>
-                      <a:tailEnd type="none" w="med" len="med"/>
-                    </a:lnBlToTr>
-                    <a:solidFill>
-                      <a:schemeClr val="accent1">
-                        <a:lumMod val="40000"/>
-                        <a:lumOff val="60000"/>
-                      </a:schemeClr>
-                    </a:solidFill>
-                  </a:tcPr>
-                </a:tc>
-                <a:tc>
-                  <a:txBody>
-                    <a:bodyPr/>
-                    <a:lstStyle/>
-                    <a:p>
-                      <a:endParaRPr lang="en-HK" dirty="0"/>
-                    </a:p>
-                  </a:txBody>
-                  <a:tcPr>
-                    <a:solidFill>
-                      <a:schemeClr val="accent2">
-                        <a:lumMod val="40000"/>
-                        <a:lumOff val="60000"/>
-                      </a:schemeClr>
-                    </a:solidFill>
-                  </a:tcPr>
-                </a:tc>
-                <a:tc>
-                  <a:txBody>
-                    <a:bodyPr/>
-                    <a:lstStyle/>
-                    <a:p>
-                      <a:endParaRPr lang="en-HK" dirty="0"/>
-                    </a:p>
-                  </a:txBody>
-                  <a:tcPr>
-                    <a:solidFill>
-                      <a:schemeClr val="accent2">
-                        <a:lumMod val="40000"/>
-                        <a:lumOff val="60000"/>
-                      </a:schemeClr>
-                    </a:solidFill>
-                  </a:tcPr>
-                </a:tc>
-                <a:tc>
-                  <a:txBody>
-                    <a:bodyPr/>
-                    <a:lstStyle/>
-                    <a:p>
-                      <a:endParaRPr lang="en-HK" dirty="0"/>
-                    </a:p>
-                  </a:txBody>
-                  <a:tcPr>
-                    <a:solidFill>
-                      <a:schemeClr val="accent2">
-                        <a:lumMod val="40000"/>
-                        <a:lumOff val="60000"/>
-                      </a:schemeClr>
-                    </a:solidFill>
-                  </a:tcPr>
-                </a:tc>
-                <a:tc>
-                  <a:txBody>
-                    <a:bodyPr/>
-                    <a:lstStyle/>
-                    <a:p>
-                      <a:endParaRPr lang="en-HK" dirty="0"/>
-                    </a:p>
-                  </a:txBody>
-                  <a:tcPr>
-                    <a:lnTlToBr w="12700" cap="flat" cmpd="sng" algn="ctr">
-                      <a:solidFill>
-                        <a:schemeClr val="tx1"/>
-                      </a:solidFill>
-                      <a:prstDash val="solid"/>
-                      <a:round/>
-                      <a:headEnd type="none" w="med" len="med"/>
-                      <a:tailEnd type="none" w="med" len="med"/>
-                    </a:lnTlToBr>
-                    <a:lnBlToTr w="12700" cap="flat" cmpd="sng" algn="ctr">
-                      <a:solidFill>
-                        <a:schemeClr val="tx1"/>
-                      </a:solidFill>
-                      <a:prstDash val="solid"/>
-                      <a:round/>
-                      <a:headEnd type="none" w="med" len="med"/>
-                      <a:tailEnd type="none" w="med" len="med"/>
-                    </a:lnBlToTr>
-                    <a:solidFill>
-                      <a:schemeClr val="accent1">
-                        <a:lumMod val="40000"/>
-                        <a:lumOff val="60000"/>
-                      </a:schemeClr>
-                    </a:solidFill>
-                  </a:tcPr>
-                </a:tc>
-                <a:tc>
-                  <a:txBody>
-                    <a:bodyPr/>
-                    <a:lstStyle/>
-                    <a:p>
-                      <a:endParaRPr lang="en-HK" dirty="0"/>
-                    </a:p>
-                  </a:txBody>
-                  <a:tcPr>
-                    <a:solidFill>
-                      <a:schemeClr val="accent2">
-                        <a:lumMod val="40000"/>
-                        <a:lumOff val="60000"/>
-                      </a:schemeClr>
-                    </a:solidFill>
-                  </a:tcPr>
-                </a:tc>
-                <a:extLst>
-                  <a:ext uri="{0D108BD9-81ED-4DB2-BD59-A6C34878D82A}">
-                    <a16:rowId xmlns:a16="http://schemas.microsoft.com/office/drawing/2014/main" val="2601047344"/>
-                  </a:ext>
-                </a:extLst>
-              </a:tr>
-            </a:tbl>
-          </a:graphicData>
-        </a:graphic>
-      </p:graphicFrame>
-      <p:graphicFrame>
-        <p:nvGraphicFramePr>
-          <p:cNvPr id="11" name="Table 4">
-            <a:extLst>
-              <a:ext uri="{FF2B5EF4-FFF2-40B4-BE49-F238E27FC236}">
-                <a16:creationId xmlns:a16="http://schemas.microsoft.com/office/drawing/2014/main" id="{0228550D-2E4F-14D2-A000-B8F5130FCEFA}"/>
-              </a:ext>
-            </a:extLst>
-          </p:cNvPr>
-          <p:cNvGraphicFramePr>
-            <a:graphicFrameLocks noGrp="1"/>
-          </p:cNvGraphicFramePr>
-          <p:nvPr/>
-        </p:nvGraphicFramePr>
-        <p:xfrm>
-          <a:off x="6609751" y="3058160"/>
-          <a:ext cx="846156" cy="370840"/>
-        </p:xfrm>
-        <a:graphic>
-          <a:graphicData uri="http://schemas.openxmlformats.org/drawingml/2006/table">
-            <a:tbl>
-              <a:tblPr firstRow="1" bandRow="1">
-                <a:tableStyleId>{5C22544A-7EE6-4342-B048-85BDC9FD1C3A}</a:tableStyleId>
-              </a:tblPr>
-              <a:tblGrid>
-                <a:gridCol w="423078">
-                  <a:extLst>
-                    <a:ext uri="{9D8B030D-6E8A-4147-A177-3AD203B41FA5}">
-                      <a16:colId xmlns:a16="http://schemas.microsoft.com/office/drawing/2014/main" val="1958716807"/>
-                    </a:ext>
-                  </a:extLst>
-                </a:gridCol>
-                <a:gridCol w="423078">
-                  <a:extLst>
-                    <a:ext uri="{9D8B030D-6E8A-4147-A177-3AD203B41FA5}">
-                      <a16:colId xmlns:a16="http://schemas.microsoft.com/office/drawing/2014/main" val="2177103222"/>
-                    </a:ext>
-                  </a:extLst>
-                </a:gridCol>
-              </a:tblGrid>
-              <a:tr h="370840">
-                <a:tc>
-                  <a:txBody>
-                    <a:bodyPr/>
-                    <a:lstStyle/>
-                    <a:p>
-                      <a:endParaRPr lang="en-HK" dirty="0"/>
-                    </a:p>
-                  </a:txBody>
-                  <a:tcPr>
-                    <a:solidFill>
-                      <a:schemeClr val="accent6">
-                        <a:lumMod val="60000"/>
-                        <a:lumOff val="40000"/>
-                      </a:schemeClr>
-                    </a:solidFill>
-                  </a:tcPr>
-                </a:tc>
-                <a:tc>
-                  <a:txBody>
-                    <a:bodyPr/>
-                    <a:lstStyle/>
-                    <a:p>
-                      <a:endParaRPr lang="en-HK" dirty="0"/>
-                    </a:p>
-                  </a:txBody>
-                  <a:tcPr>
-                    <a:solidFill>
-                      <a:schemeClr val="accent6">
-                        <a:lumMod val="60000"/>
-                        <a:lumOff val="40000"/>
-                      </a:schemeClr>
-                    </a:solidFill>
-                  </a:tcPr>
-                </a:tc>
-                <a:extLst>
-                  <a:ext uri="{0D108BD9-81ED-4DB2-BD59-A6C34878D82A}">
-                    <a16:rowId xmlns:a16="http://schemas.microsoft.com/office/drawing/2014/main" val="2601047344"/>
-                  </a:ext>
-                </a:extLst>
-              </a:tr>
-            </a:tbl>
-          </a:graphicData>
-        </a:graphic>
-      </p:graphicFrame>
-      <p:cxnSp>
-        <p:nvCxnSpPr>
-          <p:cNvPr id="13" name="Straight Arrow Connector 12">
-            <a:extLst>
-              <a:ext uri="{FF2B5EF4-FFF2-40B4-BE49-F238E27FC236}">
-                <a16:creationId xmlns:a16="http://schemas.microsoft.com/office/drawing/2014/main" id="{ED66A68B-9E4D-6CF7-84D9-EB9732A589DA}"/>
-              </a:ext>
-            </a:extLst>
-          </p:cNvPr>
-          <p:cNvCxnSpPr>
-            <a:cxnSpLocks/>
-          </p:cNvCxnSpPr>
-          <p:nvPr/>
-        </p:nvCxnSpPr>
-        <p:spPr>
-          <a:xfrm>
-            <a:off x="7017877" y="3531115"/>
-            <a:ext cx="0" cy="422694"/>
-          </a:xfrm>
-          <a:prstGeom prst="straightConnector1">
-            <a:avLst/>
-          </a:prstGeom>
-          <a:ln>
-            <a:tailEnd type="triangle"/>
-          </a:ln>
-        </p:spPr>
-        <p:style>
-          <a:lnRef idx="3">
-            <a:schemeClr val="dk1"/>
-          </a:lnRef>
-          <a:fillRef idx="0">
-            <a:schemeClr val="dk1"/>
-          </a:fillRef>
-          <a:effectRef idx="2">
-            <a:schemeClr val="dk1"/>
-          </a:effectRef>
-          <a:fontRef idx="minor">
-            <a:schemeClr val="tx1"/>
-          </a:fontRef>
-        </p:style>
-      </p:cxnSp>
-      <p:graphicFrame>
-        <p:nvGraphicFramePr>
-          <p:cNvPr id="14" name="Table 4">
-            <a:extLst>
-              <a:ext uri="{FF2B5EF4-FFF2-40B4-BE49-F238E27FC236}">
-                <a16:creationId xmlns:a16="http://schemas.microsoft.com/office/drawing/2014/main" id="{D4588EEB-6689-C1E8-59C0-95BCBF8952EC}"/>
-              </a:ext>
-            </a:extLst>
-          </p:cNvPr>
-          <p:cNvGraphicFramePr>
-            <a:graphicFrameLocks noGrp="1"/>
-          </p:cNvGraphicFramePr>
-          <p:nvPr/>
-        </p:nvGraphicFramePr>
-        <p:xfrm>
-          <a:off x="6609751" y="3977758"/>
-          <a:ext cx="4230780" cy="370840"/>
-        </p:xfrm>
-        <a:graphic>
-          <a:graphicData uri="http://schemas.openxmlformats.org/drawingml/2006/table">
-            <a:tbl>
-              <a:tblPr firstRow="1" bandRow="1">
-                <a:tableStyleId>{5C22544A-7EE6-4342-B048-85BDC9FD1C3A}</a:tableStyleId>
-              </a:tblPr>
-              <a:tblGrid>
-                <a:gridCol w="423078">
-                  <a:extLst>
-                    <a:ext uri="{9D8B030D-6E8A-4147-A177-3AD203B41FA5}">
-                      <a16:colId xmlns:a16="http://schemas.microsoft.com/office/drawing/2014/main" val="1958716807"/>
-                    </a:ext>
-                  </a:extLst>
-                </a:gridCol>
-                <a:gridCol w="423078">
-                  <a:extLst>
-                    <a:ext uri="{9D8B030D-6E8A-4147-A177-3AD203B41FA5}">
-                      <a16:colId xmlns:a16="http://schemas.microsoft.com/office/drawing/2014/main" val="2177103222"/>
-                    </a:ext>
-                  </a:extLst>
-                </a:gridCol>
-                <a:gridCol w="423078">
-                  <a:extLst>
-                    <a:ext uri="{9D8B030D-6E8A-4147-A177-3AD203B41FA5}">
-                      <a16:colId xmlns:a16="http://schemas.microsoft.com/office/drawing/2014/main" val="3409141404"/>
-                    </a:ext>
-                  </a:extLst>
-                </a:gridCol>
-                <a:gridCol w="423078">
-                  <a:extLst>
-                    <a:ext uri="{9D8B030D-6E8A-4147-A177-3AD203B41FA5}">
-                      <a16:colId xmlns:a16="http://schemas.microsoft.com/office/drawing/2014/main" val="217707470"/>
-                    </a:ext>
-                  </a:extLst>
-                </a:gridCol>
-                <a:gridCol w="423078">
-                  <a:extLst>
-                    <a:ext uri="{9D8B030D-6E8A-4147-A177-3AD203B41FA5}">
-                      <a16:colId xmlns:a16="http://schemas.microsoft.com/office/drawing/2014/main" val="770379941"/>
-                    </a:ext>
-                  </a:extLst>
-                </a:gridCol>
-                <a:gridCol w="423078">
-                  <a:extLst>
-                    <a:ext uri="{9D8B030D-6E8A-4147-A177-3AD203B41FA5}">
-                      <a16:colId xmlns:a16="http://schemas.microsoft.com/office/drawing/2014/main" val="4085467491"/>
-                    </a:ext>
-                  </a:extLst>
-                </a:gridCol>
-                <a:gridCol w="423078">
-                  <a:extLst>
-                    <a:ext uri="{9D8B030D-6E8A-4147-A177-3AD203B41FA5}">
-                      <a16:colId xmlns:a16="http://schemas.microsoft.com/office/drawing/2014/main" val="2183018877"/>
-                    </a:ext>
-                  </a:extLst>
-                </a:gridCol>
-                <a:gridCol w="423078">
-                  <a:extLst>
-                    <a:ext uri="{9D8B030D-6E8A-4147-A177-3AD203B41FA5}">
-                      <a16:colId xmlns:a16="http://schemas.microsoft.com/office/drawing/2014/main" val="3957069584"/>
-                    </a:ext>
-                  </a:extLst>
-                </a:gridCol>
-                <a:gridCol w="423078">
-                  <a:extLst>
-                    <a:ext uri="{9D8B030D-6E8A-4147-A177-3AD203B41FA5}">
-                      <a16:colId xmlns:a16="http://schemas.microsoft.com/office/drawing/2014/main" val="3244291510"/>
-                    </a:ext>
-                  </a:extLst>
-                </a:gridCol>
-                <a:gridCol w="423078">
-                  <a:extLst>
-                    <a:ext uri="{9D8B030D-6E8A-4147-A177-3AD203B41FA5}">
-                      <a16:colId xmlns:a16="http://schemas.microsoft.com/office/drawing/2014/main" val="3722398860"/>
-                    </a:ext>
-                  </a:extLst>
-                </a:gridCol>
-              </a:tblGrid>
-              <a:tr h="370840">
-                <a:tc>
-                  <a:txBody>
-                    <a:bodyPr/>
-                    <a:lstStyle/>
-                    <a:p>
-                      <a:endParaRPr lang="en-HK" dirty="0"/>
-                    </a:p>
-                  </a:txBody>
-                  <a:tcPr>
-                    <a:solidFill>
-                      <a:schemeClr val="accent2">
-                        <a:lumMod val="40000"/>
-                        <a:lumOff val="60000"/>
-                      </a:schemeClr>
-                    </a:solidFill>
-                  </a:tcPr>
-                </a:tc>
-                <a:tc>
-                  <a:txBody>
-                    <a:bodyPr/>
-                    <a:lstStyle/>
-                    <a:p>
-                      <a:endParaRPr lang="en-HK" dirty="0"/>
-                    </a:p>
-                  </a:txBody>
-                  <a:tcPr>
-                    <a:solidFill>
-                      <a:schemeClr val="accent2">
-                        <a:lumMod val="40000"/>
-                        <a:lumOff val="60000"/>
-                      </a:schemeClr>
-                    </a:solidFill>
-                  </a:tcPr>
-                </a:tc>
-                <a:tc>
-                  <a:txBody>
-                    <a:bodyPr/>
-                    <a:lstStyle/>
-                    <a:p>
-                      <a:endParaRPr lang="en-HK" dirty="0"/>
-                    </a:p>
-                  </a:txBody>
-                  <a:tcPr>
-                    <a:solidFill>
-                      <a:schemeClr val="accent1">
-                        <a:lumMod val="40000"/>
-                        <a:lumOff val="60000"/>
-                      </a:schemeClr>
-                    </a:solidFill>
-                  </a:tcPr>
-                </a:tc>
-                <a:tc>
-                  <a:txBody>
-                    <a:bodyPr/>
-                    <a:lstStyle/>
-                    <a:p>
-                      <a:endParaRPr lang="en-HK" dirty="0"/>
-                    </a:p>
-                  </a:txBody>
-                  <a:tcPr>
-                    <a:solidFill>
-                      <a:schemeClr val="accent2">
-                        <a:lumMod val="40000"/>
-                        <a:lumOff val="60000"/>
-                      </a:schemeClr>
-                    </a:solidFill>
-                  </a:tcPr>
-                </a:tc>
-                <a:tc>
-                  <a:txBody>
-                    <a:bodyPr/>
-                    <a:lstStyle/>
-                    <a:p>
-                      <a:endParaRPr lang="en-HK" dirty="0"/>
-                    </a:p>
-                  </a:txBody>
-                  <a:tcPr>
-                    <a:solidFill>
-                      <a:schemeClr val="accent1">
-                        <a:lumMod val="40000"/>
-                        <a:lumOff val="60000"/>
-                      </a:schemeClr>
-                    </a:solidFill>
-                  </a:tcPr>
-                </a:tc>
-                <a:tc>
-                  <a:txBody>
-                    <a:bodyPr/>
-                    <a:lstStyle/>
-                    <a:p>
-                      <a:endParaRPr lang="en-HK" dirty="0"/>
-                    </a:p>
-                  </a:txBody>
-                  <a:tcPr>
-                    <a:solidFill>
-                      <a:schemeClr val="accent2">
-                        <a:lumMod val="40000"/>
-                        <a:lumOff val="60000"/>
-                      </a:schemeClr>
-                    </a:solidFill>
-                  </a:tcPr>
-                </a:tc>
-                <a:tc>
-                  <a:txBody>
-                    <a:bodyPr/>
-                    <a:lstStyle/>
-                    <a:p>
-                      <a:endParaRPr lang="en-HK" dirty="0"/>
-                    </a:p>
-                  </a:txBody>
-                  <a:tcPr>
-                    <a:solidFill>
-                      <a:schemeClr val="accent2">
-                        <a:lumMod val="40000"/>
-                        <a:lumOff val="60000"/>
-                      </a:schemeClr>
-                    </a:solidFill>
-                  </a:tcPr>
-                </a:tc>
-                <a:tc>
-                  <a:txBody>
-                    <a:bodyPr/>
-                    <a:lstStyle/>
-                    <a:p>
-                      <a:endParaRPr lang="en-HK" dirty="0"/>
-                    </a:p>
-                  </a:txBody>
-                  <a:tcPr>
-                    <a:solidFill>
-                      <a:schemeClr val="accent2">
-                        <a:lumMod val="40000"/>
-                        <a:lumOff val="60000"/>
-                      </a:schemeClr>
-                    </a:solidFill>
-                  </a:tcPr>
-                </a:tc>
-                <a:tc>
-                  <a:txBody>
-                    <a:bodyPr/>
-                    <a:lstStyle/>
-                    <a:p>
-                      <a:endParaRPr lang="en-HK" dirty="0"/>
-                    </a:p>
-                  </a:txBody>
-                  <a:tcPr>
-                    <a:solidFill>
-                      <a:schemeClr val="accent1">
-                        <a:lumMod val="40000"/>
-                        <a:lumOff val="60000"/>
-                      </a:schemeClr>
-                    </a:solidFill>
-                  </a:tcPr>
-                </a:tc>
-                <a:tc>
-                  <a:txBody>
-                    <a:bodyPr/>
-                    <a:lstStyle/>
-                    <a:p>
-                      <a:endParaRPr lang="en-HK" dirty="0"/>
-                    </a:p>
-                  </a:txBody>
-                  <a:tcPr>
-                    <a:solidFill>
-                      <a:schemeClr val="accent2">
-                        <a:lumMod val="40000"/>
-                        <a:lumOff val="60000"/>
-                      </a:schemeClr>
-                    </a:solidFill>
-                  </a:tcPr>
-                </a:tc>
-                <a:extLst>
-                  <a:ext uri="{0D108BD9-81ED-4DB2-BD59-A6C34878D82A}">
-                    <a16:rowId xmlns:a16="http://schemas.microsoft.com/office/drawing/2014/main" val="2601047344"/>
-                  </a:ext>
-                </a:extLst>
-              </a:tr>
-            </a:tbl>
-          </a:graphicData>
-        </a:graphic>
-      </p:graphicFrame>
-      <p:cxnSp>
-        <p:nvCxnSpPr>
-          <p:cNvPr id="15" name="Straight Arrow Connector 14">
-            <a:extLst>
-              <a:ext uri="{FF2B5EF4-FFF2-40B4-BE49-F238E27FC236}">
-                <a16:creationId xmlns:a16="http://schemas.microsoft.com/office/drawing/2014/main" id="{61558E12-4E83-EA9D-F9E8-507F250B36A1}"/>
-              </a:ext>
-            </a:extLst>
-          </p:cNvPr>
-          <p:cNvCxnSpPr>
-            <a:cxnSpLocks/>
-          </p:cNvCxnSpPr>
-          <p:nvPr/>
-        </p:nvCxnSpPr>
-        <p:spPr>
-          <a:xfrm>
-            <a:off x="8728021" y="5033470"/>
-            <a:ext cx="0" cy="376687"/>
-          </a:xfrm>
-          <a:prstGeom prst="straightConnector1">
-            <a:avLst/>
-          </a:prstGeom>
-          <a:ln>
-            <a:tailEnd type="triangle"/>
-          </a:ln>
-        </p:spPr>
-        <p:style>
-          <a:lnRef idx="3">
-            <a:schemeClr val="dk1"/>
-          </a:lnRef>
-          <a:fillRef idx="0">
-            <a:schemeClr val="dk1"/>
-          </a:fillRef>
-          <a:effectRef idx="2">
-            <a:schemeClr val="dk1"/>
-          </a:effectRef>
-          <a:fontRef idx="minor">
-            <a:schemeClr val="tx1"/>
-          </a:fontRef>
-        </p:style>
-      </p:cxnSp>
-      <p:graphicFrame>
-        <p:nvGraphicFramePr>
-          <p:cNvPr id="16" name="Table 4">
-            <a:extLst>
-              <a:ext uri="{FF2B5EF4-FFF2-40B4-BE49-F238E27FC236}">
-                <a16:creationId xmlns:a16="http://schemas.microsoft.com/office/drawing/2014/main" id="{0904DAD7-D973-ABB1-9CF9-0DF8690F3343}"/>
-              </a:ext>
-            </a:extLst>
-          </p:cNvPr>
-          <p:cNvGraphicFramePr>
-            <a:graphicFrameLocks noGrp="1"/>
-          </p:cNvGraphicFramePr>
-          <p:nvPr/>
-        </p:nvGraphicFramePr>
-        <p:xfrm>
-          <a:off x="6612631" y="5511828"/>
-          <a:ext cx="4230780" cy="370840"/>
-        </p:xfrm>
-        <a:graphic>
-          <a:graphicData uri="http://schemas.openxmlformats.org/drawingml/2006/table">
-            <a:tbl>
-              <a:tblPr firstRow="1" bandRow="1">
-                <a:tableStyleId>{5C22544A-7EE6-4342-B048-85BDC9FD1C3A}</a:tableStyleId>
-              </a:tblPr>
-              <a:tblGrid>
-                <a:gridCol w="423078">
-                  <a:extLst>
-                    <a:ext uri="{9D8B030D-6E8A-4147-A177-3AD203B41FA5}">
-                      <a16:colId xmlns:a16="http://schemas.microsoft.com/office/drawing/2014/main" val="1958716807"/>
-                    </a:ext>
-                  </a:extLst>
-                </a:gridCol>
-                <a:gridCol w="423078">
-                  <a:extLst>
-                    <a:ext uri="{9D8B030D-6E8A-4147-A177-3AD203B41FA5}">
-                      <a16:colId xmlns:a16="http://schemas.microsoft.com/office/drawing/2014/main" val="2177103222"/>
-                    </a:ext>
-                  </a:extLst>
-                </a:gridCol>
-                <a:gridCol w="423078">
-                  <a:extLst>
-                    <a:ext uri="{9D8B030D-6E8A-4147-A177-3AD203B41FA5}">
-                      <a16:colId xmlns:a16="http://schemas.microsoft.com/office/drawing/2014/main" val="3409141404"/>
-                    </a:ext>
-                  </a:extLst>
-                </a:gridCol>
-                <a:gridCol w="423078">
-                  <a:extLst>
-                    <a:ext uri="{9D8B030D-6E8A-4147-A177-3AD203B41FA5}">
-                      <a16:colId xmlns:a16="http://schemas.microsoft.com/office/drawing/2014/main" val="217707470"/>
-                    </a:ext>
-                  </a:extLst>
-                </a:gridCol>
-                <a:gridCol w="423078">
-                  <a:extLst>
-                    <a:ext uri="{9D8B030D-6E8A-4147-A177-3AD203B41FA5}">
-                      <a16:colId xmlns:a16="http://schemas.microsoft.com/office/drawing/2014/main" val="770379941"/>
-                    </a:ext>
-                  </a:extLst>
-                </a:gridCol>
-                <a:gridCol w="423078">
-                  <a:extLst>
-                    <a:ext uri="{9D8B030D-6E8A-4147-A177-3AD203B41FA5}">
-                      <a16:colId xmlns:a16="http://schemas.microsoft.com/office/drawing/2014/main" val="4085467491"/>
-                    </a:ext>
-                  </a:extLst>
-                </a:gridCol>
-                <a:gridCol w="423078">
-                  <a:extLst>
-                    <a:ext uri="{9D8B030D-6E8A-4147-A177-3AD203B41FA5}">
-                      <a16:colId xmlns:a16="http://schemas.microsoft.com/office/drawing/2014/main" val="2183018877"/>
-                    </a:ext>
-                  </a:extLst>
-                </a:gridCol>
-                <a:gridCol w="423078">
-                  <a:extLst>
-                    <a:ext uri="{9D8B030D-6E8A-4147-A177-3AD203B41FA5}">
-                      <a16:colId xmlns:a16="http://schemas.microsoft.com/office/drawing/2014/main" val="3957069584"/>
-                    </a:ext>
-                  </a:extLst>
-                </a:gridCol>
-                <a:gridCol w="423078">
-                  <a:extLst>
-                    <a:ext uri="{9D8B030D-6E8A-4147-A177-3AD203B41FA5}">
-                      <a16:colId xmlns:a16="http://schemas.microsoft.com/office/drawing/2014/main" val="3244291510"/>
-                    </a:ext>
-                  </a:extLst>
-                </a:gridCol>
-                <a:gridCol w="423078">
-                  <a:extLst>
-                    <a:ext uri="{9D8B030D-6E8A-4147-A177-3AD203B41FA5}">
-                      <a16:colId xmlns:a16="http://schemas.microsoft.com/office/drawing/2014/main" val="3722398860"/>
-                    </a:ext>
-                  </a:extLst>
-                </a:gridCol>
-              </a:tblGrid>
-              <a:tr h="370840">
-                <a:tc>
-                  <a:txBody>
-                    <a:bodyPr/>
-                    <a:lstStyle/>
-                    <a:p>
-                      <a:endParaRPr lang="en-HK" dirty="0"/>
-                    </a:p>
-                  </a:txBody>
-                  <a:tcPr>
-                    <a:lnTlToBr w="12700" cap="flat" cmpd="sng" algn="ctr">
-                      <a:solidFill>
-                        <a:schemeClr val="tx1"/>
-                      </a:solidFill>
-                      <a:prstDash val="solid"/>
-                      <a:round/>
-                      <a:headEnd type="none" w="med" len="med"/>
-                      <a:tailEnd type="none" w="med" len="med"/>
-                    </a:lnTlToBr>
-                    <a:lnBlToTr w="12700" cap="flat" cmpd="sng" algn="ctr">
-                      <a:solidFill>
-                        <a:schemeClr val="tx1"/>
-                      </a:solidFill>
-                      <a:prstDash val="solid"/>
-                      <a:round/>
-                      <a:headEnd type="none" w="med" len="med"/>
-                      <a:tailEnd type="none" w="med" len="med"/>
-                    </a:lnBlToTr>
-                    <a:solidFill>
-                      <a:schemeClr val="accent6">
-                        <a:lumMod val="60000"/>
-                        <a:lumOff val="40000"/>
-                      </a:schemeClr>
-                    </a:solidFill>
-                  </a:tcPr>
-                </a:tc>
-                <a:tc>
-                  <a:txBody>
-                    <a:bodyPr/>
-                    <a:lstStyle/>
-                    <a:p>
-                      <a:endParaRPr lang="en-HK" dirty="0"/>
-                    </a:p>
-                  </a:txBody>
-                  <a:tcPr>
-                    <a:lnTlToBr w="12700" cap="flat" cmpd="sng" algn="ctr">
-                      <a:solidFill>
-                        <a:schemeClr val="tx1"/>
-                      </a:solidFill>
-                      <a:prstDash val="solid"/>
-                      <a:round/>
-                      <a:headEnd type="none" w="med" len="med"/>
-                      <a:tailEnd type="none" w="med" len="med"/>
-                    </a:lnTlToBr>
-                    <a:lnBlToTr w="12700" cap="flat" cmpd="sng" algn="ctr">
-                      <a:solidFill>
-                        <a:schemeClr val="tx1"/>
-                      </a:solidFill>
-                      <a:prstDash val="solid"/>
-                      <a:round/>
-                      <a:headEnd type="none" w="med" len="med"/>
-                      <a:tailEnd type="none" w="med" len="med"/>
-                    </a:lnBlToTr>
-                    <a:solidFill>
-                      <a:schemeClr val="accent6">
-                        <a:lumMod val="60000"/>
-                        <a:lumOff val="40000"/>
-                      </a:schemeClr>
-                    </a:solidFill>
-                  </a:tcPr>
-                </a:tc>
-                <a:tc>
-                  <a:txBody>
-                    <a:bodyPr/>
-                    <a:lstStyle/>
-                    <a:p>
-                      <a:endParaRPr lang="en-HK" dirty="0"/>
-                    </a:p>
-                  </a:txBody>
-                  <a:tcPr>
-                    <a:lnTlToBr w="12700" cap="flat" cmpd="sng" algn="ctr">
-                      <a:solidFill>
-                        <a:schemeClr val="tx1"/>
-                      </a:solidFill>
-                      <a:prstDash val="solid"/>
-                      <a:round/>
-                      <a:headEnd type="none" w="med" len="med"/>
-                      <a:tailEnd type="none" w="med" len="med"/>
-                    </a:lnTlToBr>
-                    <a:lnBlToTr w="12700" cap="flat" cmpd="sng" algn="ctr">
-                      <a:solidFill>
-                        <a:schemeClr val="tx1"/>
-                      </a:solidFill>
-                      <a:prstDash val="solid"/>
-                      <a:round/>
-                      <a:headEnd type="none" w="med" len="med"/>
-                      <a:tailEnd type="none" w="med" len="med"/>
-                    </a:lnBlToTr>
-                    <a:solidFill>
-                      <a:schemeClr val="accent1">
-                        <a:lumMod val="40000"/>
-                        <a:lumOff val="60000"/>
-                      </a:schemeClr>
-                    </a:solidFill>
-                  </a:tcPr>
-                </a:tc>
-                <a:tc>
-                  <a:txBody>
-                    <a:bodyPr/>
-                    <a:lstStyle/>
-                    <a:p>
-                      <a:endParaRPr lang="en-HK" dirty="0"/>
-                    </a:p>
-                  </a:txBody>
-                  <a:tcPr>
-                    <a:solidFill>
-                      <a:schemeClr val="accent2">
-                        <a:lumMod val="40000"/>
-                        <a:lumOff val="60000"/>
-                      </a:schemeClr>
-                    </a:solidFill>
-                  </a:tcPr>
-                </a:tc>
-                <a:tc>
-                  <a:txBody>
-                    <a:bodyPr/>
-                    <a:lstStyle/>
-                    <a:p>
-                      <a:endParaRPr lang="en-HK" dirty="0"/>
-                    </a:p>
-                  </a:txBody>
-                  <a:tcPr>
-                    <a:solidFill>
-                      <a:schemeClr val="accent1">
-                        <a:lumMod val="40000"/>
-                        <a:lumOff val="60000"/>
-                      </a:schemeClr>
-                    </a:solidFill>
-                  </a:tcPr>
-                </a:tc>
-                <a:tc>
-                  <a:txBody>
-                    <a:bodyPr/>
-                    <a:lstStyle/>
-                    <a:p>
-                      <a:endParaRPr lang="en-HK" dirty="0"/>
-                    </a:p>
-                  </a:txBody>
-                  <a:tcPr>
-                    <a:solidFill>
-                      <a:schemeClr val="accent2">
-                        <a:lumMod val="40000"/>
-                        <a:lumOff val="60000"/>
-                      </a:schemeClr>
-                    </a:solidFill>
-                  </a:tcPr>
-                </a:tc>
-                <a:tc>
-                  <a:txBody>
-                    <a:bodyPr/>
-                    <a:lstStyle/>
-                    <a:p>
-                      <a:endParaRPr lang="en-HK" dirty="0"/>
-                    </a:p>
-                  </a:txBody>
-                  <a:tcPr>
-                    <a:solidFill>
-                      <a:schemeClr val="accent2">
-                        <a:lumMod val="40000"/>
-                        <a:lumOff val="60000"/>
-                      </a:schemeClr>
-                    </a:solidFill>
-                  </a:tcPr>
-                </a:tc>
-                <a:tc>
-                  <a:txBody>
-                    <a:bodyPr/>
-                    <a:lstStyle/>
-                    <a:p>
-                      <a:endParaRPr lang="en-HK" dirty="0"/>
-                    </a:p>
-                  </a:txBody>
-                  <a:tcPr>
-                    <a:solidFill>
-                      <a:schemeClr val="accent2">
-                        <a:lumMod val="40000"/>
-                        <a:lumOff val="60000"/>
-                      </a:schemeClr>
-                    </a:solidFill>
-                  </a:tcPr>
-                </a:tc>
-                <a:tc>
-                  <a:txBody>
-                    <a:bodyPr/>
-                    <a:lstStyle/>
-                    <a:p>
-                      <a:endParaRPr lang="en-HK" dirty="0"/>
-                    </a:p>
-                  </a:txBody>
-                  <a:tcPr>
-                    <a:solidFill>
-                      <a:schemeClr val="accent1">
-                        <a:lumMod val="40000"/>
-                        <a:lumOff val="60000"/>
-                      </a:schemeClr>
-                    </a:solidFill>
-                  </a:tcPr>
-                </a:tc>
-                <a:tc>
-                  <a:txBody>
-                    <a:bodyPr/>
-                    <a:lstStyle/>
-                    <a:p>
-                      <a:endParaRPr lang="en-HK" dirty="0"/>
-                    </a:p>
-                  </a:txBody>
-                  <a:tcPr>
-                    <a:solidFill>
-                      <a:schemeClr val="accent2">
-                        <a:lumMod val="40000"/>
-                        <a:lumOff val="60000"/>
-                      </a:schemeClr>
-                    </a:solidFill>
-                  </a:tcPr>
-                </a:tc>
-                <a:extLst>
-                  <a:ext uri="{0D108BD9-81ED-4DB2-BD59-A6C34878D82A}">
-                    <a16:rowId xmlns:a16="http://schemas.microsoft.com/office/drawing/2014/main" val="2601047344"/>
-                  </a:ext>
-                </a:extLst>
-              </a:tr>
-            </a:tbl>
-          </a:graphicData>
-        </a:graphic>
-      </p:graphicFrame>
-      <p:sp>
-        <p:nvSpPr>
-          <p:cNvPr id="17" name="TextBox 16">
-            <a:extLst>
-              <a:ext uri="{FF2B5EF4-FFF2-40B4-BE49-F238E27FC236}">
-                <a16:creationId xmlns:a16="http://schemas.microsoft.com/office/drawing/2014/main" id="{7FFED4E9-7134-62F7-577C-EE04C21ED462}"/>
-              </a:ext>
-            </a:extLst>
-          </p:cNvPr>
-          <p:cNvSpPr txBox="1"/>
-          <p:nvPr/>
-        </p:nvSpPr>
-        <p:spPr>
-          <a:xfrm>
-            <a:off x="2353609" y="1233581"/>
-            <a:ext cx="1983043" cy="369332"/>
-          </a:xfrm>
-          <a:prstGeom prst="rect">
-            <a:avLst/>
-          </a:prstGeom>
-          <a:noFill/>
-        </p:spPr>
-        <p:txBody>
-          <a:bodyPr wrap="none" rtlCol="0">
-            <a:spAutoFit/>
-          </a:bodyPr>
-          <a:lstStyle/>
-          <a:p>
-            <a:r>
-              <a:rPr lang="en-US" altLang="zh-CN" dirty="0"/>
-              <a:t>Fixed seat planning</a:t>
-            </a:r>
-            <a:endParaRPr lang="en-HK" dirty="0"/>
-          </a:p>
-        </p:txBody>
-      </p:sp>
-      <p:sp>
-        <p:nvSpPr>
-          <p:cNvPr id="18" name="TextBox 17">
-            <a:extLst>
-              <a:ext uri="{FF2B5EF4-FFF2-40B4-BE49-F238E27FC236}">
-                <a16:creationId xmlns:a16="http://schemas.microsoft.com/office/drawing/2014/main" id="{98D31FBC-1864-2B24-D111-652C20CA603F}"/>
-              </a:ext>
-            </a:extLst>
-          </p:cNvPr>
-          <p:cNvSpPr txBox="1"/>
-          <p:nvPr/>
-        </p:nvSpPr>
-        <p:spPr>
-          <a:xfrm>
-            <a:off x="7628749" y="874033"/>
-            <a:ext cx="2844368" cy="369332"/>
-          </a:xfrm>
-          <a:prstGeom prst="rect">
-            <a:avLst/>
-          </a:prstGeom>
-          <a:noFill/>
-        </p:spPr>
-        <p:txBody>
-          <a:bodyPr wrap="none" rtlCol="0">
-            <a:spAutoFit/>
-          </a:bodyPr>
-          <a:lstStyle/>
-          <a:p>
-            <a:r>
-              <a:rPr lang="en-US" altLang="zh-CN" dirty="0"/>
-              <a:t>Seat planning with two rows</a:t>
-            </a:r>
-            <a:endParaRPr lang="en-HK" dirty="0"/>
-          </a:p>
-        </p:txBody>
-      </p:sp>
-      <p:graphicFrame>
-        <p:nvGraphicFramePr>
-          <p:cNvPr id="12" name="Table 4">
-            <a:extLst>
-              <a:ext uri="{FF2B5EF4-FFF2-40B4-BE49-F238E27FC236}">
-                <a16:creationId xmlns:a16="http://schemas.microsoft.com/office/drawing/2014/main" id="{A327658F-C2B0-EA0C-271F-C0B2E098AD57}"/>
-              </a:ext>
-            </a:extLst>
-          </p:cNvPr>
-          <p:cNvGraphicFramePr>
-            <a:graphicFrameLocks noGrp="1"/>
-          </p:cNvGraphicFramePr>
-          <p:nvPr/>
-        </p:nvGraphicFramePr>
-        <p:xfrm>
-          <a:off x="6609751" y="4544945"/>
-          <a:ext cx="4230780" cy="370840"/>
-        </p:xfrm>
-        <a:graphic>
-          <a:graphicData uri="http://schemas.openxmlformats.org/drawingml/2006/table">
-            <a:tbl>
-              <a:tblPr firstRow="1" bandRow="1">
-                <a:tableStyleId>{5C22544A-7EE6-4342-B048-85BDC9FD1C3A}</a:tableStyleId>
-              </a:tblPr>
-              <a:tblGrid>
-                <a:gridCol w="423078">
-                  <a:extLst>
-                    <a:ext uri="{9D8B030D-6E8A-4147-A177-3AD203B41FA5}">
-                      <a16:colId xmlns:a16="http://schemas.microsoft.com/office/drawing/2014/main" val="1958716807"/>
-                    </a:ext>
-                  </a:extLst>
-                </a:gridCol>
-                <a:gridCol w="423078">
-                  <a:extLst>
-                    <a:ext uri="{9D8B030D-6E8A-4147-A177-3AD203B41FA5}">
-                      <a16:colId xmlns:a16="http://schemas.microsoft.com/office/drawing/2014/main" val="2177103222"/>
-                    </a:ext>
-                  </a:extLst>
-                </a:gridCol>
-                <a:gridCol w="423078">
-                  <a:extLst>
-                    <a:ext uri="{9D8B030D-6E8A-4147-A177-3AD203B41FA5}">
-                      <a16:colId xmlns:a16="http://schemas.microsoft.com/office/drawing/2014/main" val="3409141404"/>
-                    </a:ext>
-                  </a:extLst>
-                </a:gridCol>
-                <a:gridCol w="423078">
-                  <a:extLst>
-                    <a:ext uri="{9D8B030D-6E8A-4147-A177-3AD203B41FA5}">
-                      <a16:colId xmlns:a16="http://schemas.microsoft.com/office/drawing/2014/main" val="217707470"/>
-                    </a:ext>
-                  </a:extLst>
-                </a:gridCol>
-                <a:gridCol w="423078">
-                  <a:extLst>
-                    <a:ext uri="{9D8B030D-6E8A-4147-A177-3AD203B41FA5}">
-                      <a16:colId xmlns:a16="http://schemas.microsoft.com/office/drawing/2014/main" val="770379941"/>
-                    </a:ext>
-                  </a:extLst>
-                </a:gridCol>
-                <a:gridCol w="423078">
-                  <a:extLst>
-                    <a:ext uri="{9D8B030D-6E8A-4147-A177-3AD203B41FA5}">
-                      <a16:colId xmlns:a16="http://schemas.microsoft.com/office/drawing/2014/main" val="4085467491"/>
-                    </a:ext>
-                  </a:extLst>
-                </a:gridCol>
-                <a:gridCol w="423078">
-                  <a:extLst>
-                    <a:ext uri="{9D8B030D-6E8A-4147-A177-3AD203B41FA5}">
-                      <a16:colId xmlns:a16="http://schemas.microsoft.com/office/drawing/2014/main" val="2183018877"/>
-                    </a:ext>
-                  </a:extLst>
-                </a:gridCol>
-                <a:gridCol w="423078">
-                  <a:extLst>
-                    <a:ext uri="{9D8B030D-6E8A-4147-A177-3AD203B41FA5}">
-                      <a16:colId xmlns:a16="http://schemas.microsoft.com/office/drawing/2014/main" val="3957069584"/>
-                    </a:ext>
-                  </a:extLst>
-                </a:gridCol>
-                <a:gridCol w="423078">
-                  <a:extLst>
-                    <a:ext uri="{9D8B030D-6E8A-4147-A177-3AD203B41FA5}">
-                      <a16:colId xmlns:a16="http://schemas.microsoft.com/office/drawing/2014/main" val="3244291510"/>
-                    </a:ext>
-                  </a:extLst>
-                </a:gridCol>
-                <a:gridCol w="423078">
-                  <a:extLst>
-                    <a:ext uri="{9D8B030D-6E8A-4147-A177-3AD203B41FA5}">
-                      <a16:colId xmlns:a16="http://schemas.microsoft.com/office/drawing/2014/main" val="3722398860"/>
-                    </a:ext>
-                  </a:extLst>
-                </a:gridCol>
-              </a:tblGrid>
-              <a:tr h="370840">
-                <a:tc>
-                  <a:txBody>
-                    <a:bodyPr/>
-                    <a:lstStyle/>
-                    <a:p>
-                      <a:endParaRPr lang="en-HK" dirty="0"/>
-                    </a:p>
-                  </a:txBody>
-                  <a:tcPr>
-                    <a:solidFill>
-                      <a:schemeClr val="accent2">
-                        <a:lumMod val="40000"/>
-                        <a:lumOff val="60000"/>
-                      </a:schemeClr>
-                    </a:solidFill>
-                  </a:tcPr>
-                </a:tc>
-                <a:tc>
-                  <a:txBody>
-                    <a:bodyPr/>
-                    <a:lstStyle/>
-                    <a:p>
-                      <a:endParaRPr lang="en-HK" dirty="0"/>
-                    </a:p>
-                  </a:txBody>
-                  <a:tcPr>
-                    <a:solidFill>
-                      <a:schemeClr val="accent1">
-                        <a:lumMod val="40000"/>
-                        <a:lumOff val="60000"/>
-                      </a:schemeClr>
-                    </a:solidFill>
-                  </a:tcPr>
-                </a:tc>
-                <a:tc>
-                  <a:txBody>
-                    <a:bodyPr/>
-                    <a:lstStyle/>
-                    <a:p>
-                      <a:endParaRPr lang="en-HK" dirty="0"/>
-                    </a:p>
-                  </a:txBody>
-                  <a:tcPr>
-                    <a:solidFill>
-                      <a:schemeClr val="accent2">
-                        <a:lumMod val="40000"/>
-                        <a:lumOff val="60000"/>
-                      </a:schemeClr>
-                    </a:solidFill>
-                  </a:tcPr>
-                </a:tc>
-                <a:tc>
-                  <a:txBody>
-                    <a:bodyPr/>
-                    <a:lstStyle/>
-                    <a:p>
-                      <a:endParaRPr lang="en-HK" dirty="0"/>
-                    </a:p>
-                  </a:txBody>
-                  <a:tcPr>
-                    <a:solidFill>
-                      <a:schemeClr val="accent2">
-                        <a:lumMod val="40000"/>
-                        <a:lumOff val="60000"/>
-                      </a:schemeClr>
-                    </a:solidFill>
-                  </a:tcPr>
-                </a:tc>
-                <a:tc>
-                  <a:txBody>
-                    <a:bodyPr/>
-                    <a:lstStyle/>
-                    <a:p>
-                      <a:endParaRPr lang="en-HK" dirty="0"/>
-                    </a:p>
-                  </a:txBody>
-                  <a:tcPr>
-                    <a:solidFill>
-                      <a:schemeClr val="accent1">
-                        <a:lumMod val="40000"/>
-                        <a:lumOff val="60000"/>
-                      </a:schemeClr>
-                    </a:solidFill>
-                  </a:tcPr>
-                </a:tc>
-                <a:tc>
-                  <a:txBody>
-                    <a:bodyPr/>
-                    <a:lstStyle/>
-                    <a:p>
-                      <a:endParaRPr lang="en-HK" dirty="0"/>
-                    </a:p>
-                  </a:txBody>
-                  <a:tcPr>
-                    <a:solidFill>
-                      <a:schemeClr val="accent2">
-                        <a:lumMod val="40000"/>
-                        <a:lumOff val="60000"/>
-                      </a:schemeClr>
-                    </a:solidFill>
-                  </a:tcPr>
-                </a:tc>
-                <a:tc>
-                  <a:txBody>
-                    <a:bodyPr/>
-                    <a:lstStyle/>
-                    <a:p>
-                      <a:endParaRPr lang="en-HK" dirty="0"/>
-                    </a:p>
-                  </a:txBody>
-                  <a:tcPr>
-                    <a:solidFill>
-                      <a:schemeClr val="accent1">
-                        <a:lumMod val="40000"/>
-                        <a:lumOff val="60000"/>
-                      </a:schemeClr>
-                    </a:solidFill>
-                  </a:tcPr>
-                </a:tc>
-                <a:tc>
-                  <a:txBody>
-                    <a:bodyPr/>
-                    <a:lstStyle/>
-                    <a:p>
-                      <a:endParaRPr lang="en-HK" dirty="0"/>
-                    </a:p>
-                  </a:txBody>
-                  <a:tcPr>
-                    <a:solidFill>
-                      <a:schemeClr val="accent2">
-                        <a:lumMod val="40000"/>
-                        <a:lumOff val="60000"/>
-                      </a:schemeClr>
-                    </a:solidFill>
-                  </a:tcPr>
-                </a:tc>
-                <a:tc>
-                  <a:txBody>
-                    <a:bodyPr/>
-                    <a:lstStyle/>
-                    <a:p>
-                      <a:endParaRPr lang="en-HK" dirty="0"/>
-                    </a:p>
-                  </a:txBody>
-                  <a:tcPr>
-                    <a:solidFill>
-                      <a:schemeClr val="accent2">
-                        <a:lumMod val="40000"/>
-                        <a:lumOff val="60000"/>
-                      </a:schemeClr>
-                    </a:solidFill>
-                  </a:tcPr>
-                </a:tc>
-                <a:tc>
-                  <a:txBody>
-                    <a:bodyPr/>
-                    <a:lstStyle/>
-                    <a:p>
-                      <a:endParaRPr lang="en-HK" dirty="0"/>
-                    </a:p>
-                  </a:txBody>
-                  <a:tcPr>
-                    <a:solidFill>
-                      <a:schemeClr val="accent1">
-                        <a:lumMod val="40000"/>
-                        <a:lumOff val="60000"/>
-                      </a:schemeClr>
-                    </a:solidFill>
-                  </a:tcPr>
-                </a:tc>
-                <a:extLst>
-                  <a:ext uri="{0D108BD9-81ED-4DB2-BD59-A6C34878D82A}">
-                    <a16:rowId xmlns:a16="http://schemas.microsoft.com/office/drawing/2014/main" val="2601047344"/>
-                  </a:ext>
-                </a:extLst>
-              </a:tr>
-            </a:tbl>
-          </a:graphicData>
-        </a:graphic>
-      </p:graphicFrame>
-      <p:graphicFrame>
-        <p:nvGraphicFramePr>
-          <p:cNvPr id="21" name="Table 4">
-            <a:extLst>
-              <a:ext uri="{FF2B5EF4-FFF2-40B4-BE49-F238E27FC236}">
-                <a16:creationId xmlns:a16="http://schemas.microsoft.com/office/drawing/2014/main" id="{A02CF28C-E80C-3E40-B2AE-9BB4B94F7970}"/>
-              </a:ext>
-            </a:extLst>
-          </p:cNvPr>
-          <p:cNvGraphicFramePr>
-            <a:graphicFrameLocks noGrp="1"/>
-          </p:cNvGraphicFramePr>
-          <p:nvPr/>
-        </p:nvGraphicFramePr>
-        <p:xfrm>
-          <a:off x="6612631" y="6092037"/>
-          <a:ext cx="4230780" cy="370840"/>
-        </p:xfrm>
-        <a:graphic>
-          <a:graphicData uri="http://schemas.openxmlformats.org/drawingml/2006/table">
-            <a:tbl>
-              <a:tblPr firstRow="1" bandRow="1">
-                <a:tableStyleId>{5C22544A-7EE6-4342-B048-85BDC9FD1C3A}</a:tableStyleId>
-              </a:tblPr>
-              <a:tblGrid>
-                <a:gridCol w="423078">
-                  <a:extLst>
-                    <a:ext uri="{9D8B030D-6E8A-4147-A177-3AD203B41FA5}">
-                      <a16:colId xmlns:a16="http://schemas.microsoft.com/office/drawing/2014/main" val="1958716807"/>
-                    </a:ext>
-                  </a:extLst>
-                </a:gridCol>
-                <a:gridCol w="423078">
-                  <a:extLst>
-                    <a:ext uri="{9D8B030D-6E8A-4147-A177-3AD203B41FA5}">
-                      <a16:colId xmlns:a16="http://schemas.microsoft.com/office/drawing/2014/main" val="2177103222"/>
-                    </a:ext>
-                  </a:extLst>
-                </a:gridCol>
-                <a:gridCol w="423078">
-                  <a:extLst>
-                    <a:ext uri="{9D8B030D-6E8A-4147-A177-3AD203B41FA5}">
-                      <a16:colId xmlns:a16="http://schemas.microsoft.com/office/drawing/2014/main" val="3409141404"/>
-                    </a:ext>
-                  </a:extLst>
-                </a:gridCol>
-                <a:gridCol w="423078">
-                  <a:extLst>
-                    <a:ext uri="{9D8B030D-6E8A-4147-A177-3AD203B41FA5}">
-                      <a16:colId xmlns:a16="http://schemas.microsoft.com/office/drawing/2014/main" val="217707470"/>
-                    </a:ext>
-                  </a:extLst>
-                </a:gridCol>
-                <a:gridCol w="423078">
-                  <a:extLst>
-                    <a:ext uri="{9D8B030D-6E8A-4147-A177-3AD203B41FA5}">
-                      <a16:colId xmlns:a16="http://schemas.microsoft.com/office/drawing/2014/main" val="770379941"/>
-                    </a:ext>
-                  </a:extLst>
-                </a:gridCol>
-                <a:gridCol w="423078">
-                  <a:extLst>
-                    <a:ext uri="{9D8B030D-6E8A-4147-A177-3AD203B41FA5}">
-                      <a16:colId xmlns:a16="http://schemas.microsoft.com/office/drawing/2014/main" val="4085467491"/>
-                    </a:ext>
-                  </a:extLst>
-                </a:gridCol>
-                <a:gridCol w="423078">
-                  <a:extLst>
-                    <a:ext uri="{9D8B030D-6E8A-4147-A177-3AD203B41FA5}">
-                      <a16:colId xmlns:a16="http://schemas.microsoft.com/office/drawing/2014/main" val="2183018877"/>
-                    </a:ext>
-                  </a:extLst>
-                </a:gridCol>
-                <a:gridCol w="423078">
-                  <a:extLst>
-                    <a:ext uri="{9D8B030D-6E8A-4147-A177-3AD203B41FA5}">
-                      <a16:colId xmlns:a16="http://schemas.microsoft.com/office/drawing/2014/main" val="3957069584"/>
-                    </a:ext>
-                  </a:extLst>
-                </a:gridCol>
-                <a:gridCol w="423078">
-                  <a:extLst>
-                    <a:ext uri="{9D8B030D-6E8A-4147-A177-3AD203B41FA5}">
-                      <a16:colId xmlns:a16="http://schemas.microsoft.com/office/drawing/2014/main" val="3244291510"/>
-                    </a:ext>
-                  </a:extLst>
-                </a:gridCol>
-                <a:gridCol w="423078">
-                  <a:extLst>
-                    <a:ext uri="{9D8B030D-6E8A-4147-A177-3AD203B41FA5}">
-                      <a16:colId xmlns:a16="http://schemas.microsoft.com/office/drawing/2014/main" val="3722398860"/>
-                    </a:ext>
-                  </a:extLst>
-                </a:gridCol>
-              </a:tblGrid>
-              <a:tr h="370840">
-                <a:tc>
-                  <a:txBody>
-                    <a:bodyPr/>
-                    <a:lstStyle/>
-                    <a:p>
-                      <a:endParaRPr lang="en-HK" dirty="0"/>
-                    </a:p>
-                  </a:txBody>
-                  <a:tcPr>
-                    <a:solidFill>
-                      <a:schemeClr val="accent2">
-                        <a:lumMod val="40000"/>
-                        <a:lumOff val="60000"/>
-                      </a:schemeClr>
-                    </a:solidFill>
-                  </a:tcPr>
-                </a:tc>
-                <a:tc>
-                  <a:txBody>
-                    <a:bodyPr/>
-                    <a:lstStyle/>
-                    <a:p>
-                      <a:endParaRPr lang="en-HK" dirty="0"/>
-                    </a:p>
-                  </a:txBody>
-                  <a:tcPr>
-                    <a:solidFill>
-                      <a:schemeClr val="accent1">
-                        <a:lumMod val="40000"/>
-                        <a:lumOff val="60000"/>
-                      </a:schemeClr>
-                    </a:solidFill>
-                  </a:tcPr>
-                </a:tc>
-                <a:tc>
-                  <a:txBody>
-                    <a:bodyPr/>
-                    <a:lstStyle/>
-                    <a:p>
-                      <a:endParaRPr lang="en-HK" dirty="0"/>
-                    </a:p>
-                  </a:txBody>
-                  <a:tcPr>
-                    <a:solidFill>
-                      <a:schemeClr val="accent2">
-                        <a:lumMod val="40000"/>
-                        <a:lumOff val="60000"/>
-                      </a:schemeClr>
-                    </a:solidFill>
-                  </a:tcPr>
-                </a:tc>
-                <a:tc>
-                  <a:txBody>
-                    <a:bodyPr/>
-                    <a:lstStyle/>
-                    <a:p>
-                      <a:endParaRPr lang="en-HK" dirty="0"/>
-                    </a:p>
-                  </a:txBody>
-                  <a:tcPr>
-                    <a:solidFill>
-                      <a:schemeClr val="accent2">
-                        <a:lumMod val="40000"/>
-                        <a:lumOff val="60000"/>
-                      </a:schemeClr>
-                    </a:solidFill>
-                  </a:tcPr>
-                </a:tc>
-                <a:tc>
-                  <a:txBody>
-                    <a:bodyPr/>
-                    <a:lstStyle/>
-                    <a:p>
-                      <a:endParaRPr lang="en-HK" dirty="0"/>
-                    </a:p>
-                  </a:txBody>
-                  <a:tcPr>
-                    <a:solidFill>
-                      <a:schemeClr val="accent1">
-                        <a:lumMod val="40000"/>
-                        <a:lumOff val="60000"/>
-                      </a:schemeClr>
-                    </a:solidFill>
-                  </a:tcPr>
-                </a:tc>
-                <a:tc>
-                  <a:txBody>
-                    <a:bodyPr/>
-                    <a:lstStyle/>
-                    <a:p>
-                      <a:endParaRPr lang="en-HK" dirty="0"/>
-                    </a:p>
-                  </a:txBody>
-                  <a:tcPr>
-                    <a:solidFill>
-                      <a:schemeClr val="accent2">
-                        <a:lumMod val="40000"/>
-                        <a:lumOff val="60000"/>
-                      </a:schemeClr>
-                    </a:solidFill>
-                  </a:tcPr>
-                </a:tc>
-                <a:tc>
-                  <a:txBody>
-                    <a:bodyPr/>
-                    <a:lstStyle/>
-                    <a:p>
-                      <a:endParaRPr lang="en-HK" dirty="0"/>
-                    </a:p>
-                  </a:txBody>
-                  <a:tcPr>
-                    <a:solidFill>
-                      <a:schemeClr val="accent1">
-                        <a:lumMod val="40000"/>
-                        <a:lumOff val="60000"/>
-                      </a:schemeClr>
-                    </a:solidFill>
-                  </a:tcPr>
-                </a:tc>
-                <a:tc>
-                  <a:txBody>
-                    <a:bodyPr/>
-                    <a:lstStyle/>
-                    <a:p>
-                      <a:endParaRPr lang="en-HK" dirty="0"/>
-                    </a:p>
-                  </a:txBody>
-                  <a:tcPr>
-                    <a:solidFill>
-                      <a:schemeClr val="accent2">
-                        <a:lumMod val="40000"/>
-                        <a:lumOff val="60000"/>
-                      </a:schemeClr>
-                    </a:solidFill>
-                  </a:tcPr>
-                </a:tc>
-                <a:tc>
-                  <a:txBody>
-                    <a:bodyPr/>
-                    <a:lstStyle/>
-                    <a:p>
-                      <a:endParaRPr lang="en-HK" dirty="0"/>
-                    </a:p>
-                  </a:txBody>
-                  <a:tcPr>
-                    <a:solidFill>
-                      <a:schemeClr val="accent2">
-                        <a:lumMod val="40000"/>
-                        <a:lumOff val="60000"/>
-                      </a:schemeClr>
-                    </a:solidFill>
-                  </a:tcPr>
-                </a:tc>
-                <a:tc>
-                  <a:txBody>
-                    <a:bodyPr/>
-                    <a:lstStyle/>
-                    <a:p>
-                      <a:endParaRPr lang="en-HK" dirty="0"/>
-                    </a:p>
-                  </a:txBody>
-                  <a:tcPr>
-                    <a:solidFill>
-                      <a:schemeClr val="accent1">
-                        <a:lumMod val="40000"/>
-                        <a:lumOff val="60000"/>
-                      </a:schemeClr>
-                    </a:solidFill>
-                  </a:tcPr>
-                </a:tc>
-                <a:extLst>
-                  <a:ext uri="{0D108BD9-81ED-4DB2-BD59-A6C34878D82A}">
-                    <a16:rowId xmlns:a16="http://schemas.microsoft.com/office/drawing/2014/main" val="2601047344"/>
-                  </a:ext>
-                </a:extLst>
-              </a:tr>
-            </a:tbl>
-          </a:graphicData>
-        </a:graphic>
-      </p:graphicFrame>
-      <p:graphicFrame>
-        <p:nvGraphicFramePr>
-          <p:cNvPr id="2" name="Table 4">
-            <a:extLst>
-              <a:ext uri="{FF2B5EF4-FFF2-40B4-BE49-F238E27FC236}">
-                <a16:creationId xmlns:a16="http://schemas.microsoft.com/office/drawing/2014/main" id="{75B15822-184D-3930-3348-AA7B77364B43}"/>
-              </a:ext>
-            </a:extLst>
-          </p:cNvPr>
-          <p:cNvGraphicFramePr>
-            <a:graphicFrameLocks noGrp="1"/>
-          </p:cNvGraphicFramePr>
-          <p:nvPr>
-            <p:extLst>
-              <p:ext uri="{D42A27DB-BD31-4B8C-83A1-F6EECF244321}">
-                <p14:modId xmlns:p14="http://schemas.microsoft.com/office/powerpoint/2010/main" val="697622936"/>
-              </p:ext>
-            </p:extLst>
-          </p:nvPr>
-        </p:nvGraphicFramePr>
-        <p:xfrm>
-          <a:off x="1345709" y="3055818"/>
-          <a:ext cx="845394" cy="370840"/>
-        </p:xfrm>
-        <a:graphic>
-          <a:graphicData uri="http://schemas.openxmlformats.org/drawingml/2006/table">
-            <a:tbl>
-              <a:tblPr firstRow="1" bandRow="1">
-                <a:tableStyleId>{5C22544A-7EE6-4342-B048-85BDC9FD1C3A}</a:tableStyleId>
-              </a:tblPr>
-              <a:tblGrid>
-                <a:gridCol w="422697">
-                  <a:extLst>
-                    <a:ext uri="{9D8B030D-6E8A-4147-A177-3AD203B41FA5}">
-                      <a16:colId xmlns:a16="http://schemas.microsoft.com/office/drawing/2014/main" val="1958716807"/>
-                    </a:ext>
-                  </a:extLst>
-                </a:gridCol>
-                <a:gridCol w="422697">
-                  <a:extLst>
-                    <a:ext uri="{9D8B030D-6E8A-4147-A177-3AD203B41FA5}">
-                      <a16:colId xmlns:a16="http://schemas.microsoft.com/office/drawing/2014/main" val="2177103222"/>
-                    </a:ext>
-                  </a:extLst>
-                </a:gridCol>
-              </a:tblGrid>
-              <a:tr h="370840">
-                <a:tc>
-                  <a:txBody>
-                    <a:bodyPr/>
-                    <a:lstStyle/>
-                    <a:p>
-                      <a:endParaRPr lang="en-HK" dirty="0"/>
-                    </a:p>
-                  </a:txBody>
-                  <a:tcPr>
-                    <a:solidFill>
-                      <a:schemeClr val="accent6">
-                        <a:lumMod val="60000"/>
-                        <a:lumOff val="40000"/>
-                      </a:schemeClr>
-                    </a:solidFill>
-                  </a:tcPr>
-                </a:tc>
-                <a:tc>
-                  <a:txBody>
-                    <a:bodyPr/>
-                    <a:lstStyle/>
-                    <a:p>
-                      <a:endParaRPr lang="en-HK" dirty="0"/>
-                    </a:p>
-                  </a:txBody>
-                  <a:tcPr>
-                    <a:solidFill>
-                      <a:schemeClr val="accent6">
-                        <a:lumMod val="60000"/>
-                        <a:lumOff val="40000"/>
-                      </a:schemeClr>
-                    </a:solidFill>
-                  </a:tcPr>
-                </a:tc>
-                <a:extLst>
-                  <a:ext uri="{0D108BD9-81ED-4DB2-BD59-A6C34878D82A}">
-                    <a16:rowId xmlns:a16="http://schemas.microsoft.com/office/drawing/2014/main" val="2601047344"/>
-                  </a:ext>
-                </a:extLst>
-              </a:tr>
-            </a:tbl>
-          </a:graphicData>
-        </a:graphic>
-      </p:graphicFrame>
-      <p:cxnSp>
-        <p:nvCxnSpPr>
-          <p:cNvPr id="3" name="Straight Arrow Connector 2">
-            <a:extLst>
-              <a:ext uri="{FF2B5EF4-FFF2-40B4-BE49-F238E27FC236}">
-                <a16:creationId xmlns:a16="http://schemas.microsoft.com/office/drawing/2014/main" id="{F83FBB7B-33C6-D927-1A2A-93469BA30E48}"/>
-              </a:ext>
-            </a:extLst>
-          </p:cNvPr>
-          <p:cNvCxnSpPr>
-            <a:cxnSpLocks/>
-          </p:cNvCxnSpPr>
-          <p:nvPr/>
-        </p:nvCxnSpPr>
-        <p:spPr>
-          <a:xfrm>
-            <a:off x="1753836" y="3528773"/>
-            <a:ext cx="0" cy="422694"/>
-          </a:xfrm>
-          <a:prstGeom prst="straightConnector1">
-            <a:avLst/>
-          </a:prstGeom>
-          <a:ln>
-            <a:tailEnd type="triangle"/>
-          </a:ln>
-        </p:spPr>
-        <p:style>
-          <a:lnRef idx="3">
-            <a:schemeClr val="dk1"/>
-          </a:lnRef>
-          <a:fillRef idx="0">
-            <a:schemeClr val="dk1"/>
-          </a:fillRef>
-          <a:effectRef idx="2">
-            <a:schemeClr val="dk1"/>
-          </a:effectRef>
-          <a:fontRef idx="minor">
-            <a:schemeClr val="tx1"/>
-          </a:fontRef>
-        </p:style>
-      </p:cxnSp>
-      <p:graphicFrame>
-        <p:nvGraphicFramePr>
-          <p:cNvPr id="4" name="Table 4">
-            <a:extLst>
-              <a:ext uri="{FF2B5EF4-FFF2-40B4-BE49-F238E27FC236}">
-                <a16:creationId xmlns:a16="http://schemas.microsoft.com/office/drawing/2014/main" id="{D9512FBD-D4D1-1424-1850-9BAFDE125830}"/>
-              </a:ext>
-            </a:extLst>
-          </p:cNvPr>
-          <p:cNvGraphicFramePr>
-            <a:graphicFrameLocks noGrp="1"/>
-          </p:cNvGraphicFramePr>
-          <p:nvPr/>
-        </p:nvGraphicFramePr>
-        <p:xfrm>
-          <a:off x="1345710" y="3975416"/>
-          <a:ext cx="4230780" cy="370840"/>
-        </p:xfrm>
-        <a:graphic>
-          <a:graphicData uri="http://schemas.openxmlformats.org/drawingml/2006/table">
-            <a:tbl>
-              <a:tblPr firstRow="1" bandRow="1">
-                <a:tableStyleId>{5C22544A-7EE6-4342-B048-85BDC9FD1C3A}</a:tableStyleId>
-              </a:tblPr>
-              <a:tblGrid>
-                <a:gridCol w="423078">
-                  <a:extLst>
-                    <a:ext uri="{9D8B030D-6E8A-4147-A177-3AD203B41FA5}">
-                      <a16:colId xmlns:a16="http://schemas.microsoft.com/office/drawing/2014/main" val="1958716807"/>
-                    </a:ext>
-                  </a:extLst>
-                </a:gridCol>
-                <a:gridCol w="423078">
-                  <a:extLst>
-                    <a:ext uri="{9D8B030D-6E8A-4147-A177-3AD203B41FA5}">
-                      <a16:colId xmlns:a16="http://schemas.microsoft.com/office/drawing/2014/main" val="2177103222"/>
-                    </a:ext>
-                  </a:extLst>
-                </a:gridCol>
-                <a:gridCol w="423078">
-                  <a:extLst>
-                    <a:ext uri="{9D8B030D-6E8A-4147-A177-3AD203B41FA5}">
-                      <a16:colId xmlns:a16="http://schemas.microsoft.com/office/drawing/2014/main" val="3409141404"/>
-                    </a:ext>
-                  </a:extLst>
-                </a:gridCol>
-                <a:gridCol w="423078">
-                  <a:extLst>
-                    <a:ext uri="{9D8B030D-6E8A-4147-A177-3AD203B41FA5}">
-                      <a16:colId xmlns:a16="http://schemas.microsoft.com/office/drawing/2014/main" val="217707470"/>
-                    </a:ext>
-                  </a:extLst>
-                </a:gridCol>
-                <a:gridCol w="423078">
-                  <a:extLst>
-                    <a:ext uri="{9D8B030D-6E8A-4147-A177-3AD203B41FA5}">
-                      <a16:colId xmlns:a16="http://schemas.microsoft.com/office/drawing/2014/main" val="770379941"/>
-                    </a:ext>
-                  </a:extLst>
-                </a:gridCol>
-                <a:gridCol w="423078">
-                  <a:extLst>
-                    <a:ext uri="{9D8B030D-6E8A-4147-A177-3AD203B41FA5}">
-                      <a16:colId xmlns:a16="http://schemas.microsoft.com/office/drawing/2014/main" val="4085467491"/>
-                    </a:ext>
-                  </a:extLst>
-                </a:gridCol>
-                <a:gridCol w="423078">
-                  <a:extLst>
-                    <a:ext uri="{9D8B030D-6E8A-4147-A177-3AD203B41FA5}">
-                      <a16:colId xmlns:a16="http://schemas.microsoft.com/office/drawing/2014/main" val="2183018877"/>
-                    </a:ext>
-                  </a:extLst>
-                </a:gridCol>
-                <a:gridCol w="423078">
-                  <a:extLst>
-                    <a:ext uri="{9D8B030D-6E8A-4147-A177-3AD203B41FA5}">
-                      <a16:colId xmlns:a16="http://schemas.microsoft.com/office/drawing/2014/main" val="3957069584"/>
-                    </a:ext>
-                  </a:extLst>
-                </a:gridCol>
-                <a:gridCol w="423078">
-                  <a:extLst>
-                    <a:ext uri="{9D8B030D-6E8A-4147-A177-3AD203B41FA5}">
-                      <a16:colId xmlns:a16="http://schemas.microsoft.com/office/drawing/2014/main" val="3244291510"/>
-                    </a:ext>
-                  </a:extLst>
-                </a:gridCol>
-                <a:gridCol w="423078">
-                  <a:extLst>
-                    <a:ext uri="{9D8B030D-6E8A-4147-A177-3AD203B41FA5}">
-                      <a16:colId xmlns:a16="http://schemas.microsoft.com/office/drawing/2014/main" val="3722398860"/>
-                    </a:ext>
-                  </a:extLst>
-                </a:gridCol>
-              </a:tblGrid>
-              <a:tr h="370840">
-                <a:tc>
-                  <a:txBody>
-                    <a:bodyPr/>
-                    <a:lstStyle/>
-                    <a:p>
-                      <a:endParaRPr lang="en-HK" dirty="0"/>
-                    </a:p>
-                  </a:txBody>
-                  <a:tcPr>
-                    <a:solidFill>
-                      <a:schemeClr val="accent2">
-                        <a:lumMod val="40000"/>
-                        <a:lumOff val="60000"/>
-                      </a:schemeClr>
-                    </a:solidFill>
-                  </a:tcPr>
-                </a:tc>
-                <a:tc>
-                  <a:txBody>
-                    <a:bodyPr/>
-                    <a:lstStyle/>
-                    <a:p>
-                      <a:endParaRPr lang="en-HK" dirty="0"/>
-                    </a:p>
-                  </a:txBody>
-                  <a:tcPr>
-                    <a:solidFill>
-                      <a:schemeClr val="accent2">
-                        <a:lumMod val="40000"/>
-                        <a:lumOff val="60000"/>
-                      </a:schemeClr>
-                    </a:solidFill>
-                  </a:tcPr>
-                </a:tc>
-                <a:tc>
-                  <a:txBody>
-                    <a:bodyPr/>
-                    <a:lstStyle/>
-                    <a:p>
-                      <a:endParaRPr lang="en-HK" dirty="0"/>
-                    </a:p>
-                  </a:txBody>
-                  <a:tcPr>
-                    <a:solidFill>
-                      <a:schemeClr val="accent1">
-                        <a:lumMod val="40000"/>
-                        <a:lumOff val="60000"/>
-                      </a:schemeClr>
-                    </a:solidFill>
-                  </a:tcPr>
-                </a:tc>
-                <a:tc>
-                  <a:txBody>
-                    <a:bodyPr/>
-                    <a:lstStyle/>
-                    <a:p>
-                      <a:endParaRPr lang="en-HK" dirty="0"/>
-                    </a:p>
-                  </a:txBody>
-                  <a:tcPr>
-                    <a:solidFill>
-                      <a:schemeClr val="accent2">
-                        <a:lumMod val="40000"/>
-                        <a:lumOff val="60000"/>
-                      </a:schemeClr>
-                    </a:solidFill>
-                  </a:tcPr>
-                </a:tc>
-                <a:tc>
-                  <a:txBody>
-                    <a:bodyPr/>
-                    <a:lstStyle/>
-                    <a:p>
-                      <a:endParaRPr lang="en-HK" dirty="0"/>
-                    </a:p>
-                  </a:txBody>
-                  <a:tcPr>
-                    <a:solidFill>
-                      <a:schemeClr val="accent1">
-                        <a:lumMod val="40000"/>
-                        <a:lumOff val="60000"/>
-                      </a:schemeClr>
-                    </a:solidFill>
-                  </a:tcPr>
-                </a:tc>
-                <a:tc>
-                  <a:txBody>
-                    <a:bodyPr/>
-                    <a:lstStyle/>
-                    <a:p>
-                      <a:endParaRPr lang="en-HK" dirty="0"/>
-                    </a:p>
-                  </a:txBody>
-                  <a:tcPr>
-                    <a:solidFill>
-                      <a:schemeClr val="accent2">
-                        <a:lumMod val="40000"/>
-                        <a:lumOff val="60000"/>
-                      </a:schemeClr>
-                    </a:solidFill>
-                  </a:tcPr>
-                </a:tc>
-                <a:tc>
-                  <a:txBody>
-                    <a:bodyPr/>
-                    <a:lstStyle/>
-                    <a:p>
-                      <a:endParaRPr lang="en-HK" dirty="0"/>
-                    </a:p>
-                  </a:txBody>
-                  <a:tcPr>
-                    <a:solidFill>
-                      <a:schemeClr val="accent2">
-                        <a:lumMod val="40000"/>
-                        <a:lumOff val="60000"/>
-                      </a:schemeClr>
-                    </a:solidFill>
-                  </a:tcPr>
-                </a:tc>
-                <a:tc>
-                  <a:txBody>
-                    <a:bodyPr/>
-                    <a:lstStyle/>
-                    <a:p>
-                      <a:endParaRPr lang="en-HK" dirty="0"/>
-                    </a:p>
-                  </a:txBody>
-                  <a:tcPr>
-                    <a:solidFill>
-                      <a:schemeClr val="accent2">
-                        <a:lumMod val="40000"/>
-                        <a:lumOff val="60000"/>
-                      </a:schemeClr>
-                    </a:solidFill>
-                  </a:tcPr>
-                </a:tc>
-                <a:tc>
-                  <a:txBody>
-                    <a:bodyPr/>
-                    <a:lstStyle/>
-                    <a:p>
-                      <a:endParaRPr lang="en-HK" dirty="0"/>
-                    </a:p>
-                  </a:txBody>
-                  <a:tcPr>
-                    <a:solidFill>
-                      <a:schemeClr val="accent1">
-                        <a:lumMod val="40000"/>
-                        <a:lumOff val="60000"/>
-                      </a:schemeClr>
-                    </a:solidFill>
-                  </a:tcPr>
-                </a:tc>
-                <a:tc>
-                  <a:txBody>
-                    <a:bodyPr/>
-                    <a:lstStyle/>
-                    <a:p>
-                      <a:endParaRPr lang="en-HK" dirty="0"/>
-                    </a:p>
-                  </a:txBody>
-                  <a:tcPr>
-                    <a:solidFill>
-                      <a:schemeClr val="accent2">
-                        <a:lumMod val="40000"/>
-                        <a:lumOff val="60000"/>
-                      </a:schemeClr>
-                    </a:solidFill>
-                  </a:tcPr>
-                </a:tc>
-                <a:extLst>
-                  <a:ext uri="{0D108BD9-81ED-4DB2-BD59-A6C34878D82A}">
-                    <a16:rowId xmlns:a16="http://schemas.microsoft.com/office/drawing/2014/main" val="2601047344"/>
-                  </a:ext>
-                </a:extLst>
-              </a:tr>
-            </a:tbl>
-          </a:graphicData>
-        </a:graphic>
-      </p:graphicFrame>
-      <p:cxnSp>
-        <p:nvCxnSpPr>
-          <p:cNvPr id="5" name="Straight Arrow Connector 4">
-            <a:extLst>
-              <a:ext uri="{FF2B5EF4-FFF2-40B4-BE49-F238E27FC236}">
-                <a16:creationId xmlns:a16="http://schemas.microsoft.com/office/drawing/2014/main" id="{B5D897CA-7FC2-53A4-781F-2AC9E79612BD}"/>
-              </a:ext>
-            </a:extLst>
-          </p:cNvPr>
-          <p:cNvCxnSpPr>
-            <a:cxnSpLocks/>
-          </p:cNvCxnSpPr>
-          <p:nvPr/>
-        </p:nvCxnSpPr>
-        <p:spPr>
-          <a:xfrm>
-            <a:off x="3463980" y="5031128"/>
-            <a:ext cx="0" cy="376687"/>
-          </a:xfrm>
-          <a:prstGeom prst="straightConnector1">
-            <a:avLst/>
-          </a:prstGeom>
-          <a:ln>
-            <a:tailEnd type="triangle"/>
-          </a:ln>
-        </p:spPr>
-        <p:style>
-          <a:lnRef idx="3">
-            <a:schemeClr val="dk1"/>
-          </a:lnRef>
-          <a:fillRef idx="0">
-            <a:schemeClr val="dk1"/>
-          </a:fillRef>
-          <a:effectRef idx="2">
-            <a:schemeClr val="dk1"/>
-          </a:effectRef>
-          <a:fontRef idx="minor">
-            <a:schemeClr val="tx1"/>
-          </a:fontRef>
-        </p:style>
-      </p:cxnSp>
-      <p:graphicFrame>
-        <p:nvGraphicFramePr>
-          <p:cNvPr id="7" name="Table 4">
-            <a:extLst>
-              <a:ext uri="{FF2B5EF4-FFF2-40B4-BE49-F238E27FC236}">
-                <a16:creationId xmlns:a16="http://schemas.microsoft.com/office/drawing/2014/main" id="{6D099DA6-2763-A262-FB15-FA9357FEAC39}"/>
-              </a:ext>
-            </a:extLst>
-          </p:cNvPr>
-          <p:cNvGraphicFramePr>
-            <a:graphicFrameLocks noGrp="1"/>
-          </p:cNvGraphicFramePr>
-          <p:nvPr/>
-        </p:nvGraphicFramePr>
-        <p:xfrm>
-          <a:off x="1345710" y="4542603"/>
-          <a:ext cx="4230780" cy="370840"/>
-        </p:xfrm>
-        <a:graphic>
-          <a:graphicData uri="http://schemas.openxmlformats.org/drawingml/2006/table">
-            <a:tbl>
-              <a:tblPr firstRow="1" bandRow="1">
-                <a:tableStyleId>{5C22544A-7EE6-4342-B048-85BDC9FD1C3A}</a:tableStyleId>
-              </a:tblPr>
-              <a:tblGrid>
-                <a:gridCol w="423078">
-                  <a:extLst>
-                    <a:ext uri="{9D8B030D-6E8A-4147-A177-3AD203B41FA5}">
-                      <a16:colId xmlns:a16="http://schemas.microsoft.com/office/drawing/2014/main" val="1958716807"/>
-                    </a:ext>
-                  </a:extLst>
-                </a:gridCol>
-                <a:gridCol w="423078">
-                  <a:extLst>
-                    <a:ext uri="{9D8B030D-6E8A-4147-A177-3AD203B41FA5}">
-                      <a16:colId xmlns:a16="http://schemas.microsoft.com/office/drawing/2014/main" val="2177103222"/>
-                    </a:ext>
-                  </a:extLst>
-                </a:gridCol>
-                <a:gridCol w="423078">
-                  <a:extLst>
-                    <a:ext uri="{9D8B030D-6E8A-4147-A177-3AD203B41FA5}">
-                      <a16:colId xmlns:a16="http://schemas.microsoft.com/office/drawing/2014/main" val="3409141404"/>
-                    </a:ext>
-                  </a:extLst>
-                </a:gridCol>
-                <a:gridCol w="423078">
-                  <a:extLst>
-                    <a:ext uri="{9D8B030D-6E8A-4147-A177-3AD203B41FA5}">
-                      <a16:colId xmlns:a16="http://schemas.microsoft.com/office/drawing/2014/main" val="217707470"/>
-                    </a:ext>
-                  </a:extLst>
-                </a:gridCol>
-                <a:gridCol w="423078">
-                  <a:extLst>
-                    <a:ext uri="{9D8B030D-6E8A-4147-A177-3AD203B41FA5}">
-                      <a16:colId xmlns:a16="http://schemas.microsoft.com/office/drawing/2014/main" val="770379941"/>
-                    </a:ext>
-                  </a:extLst>
-                </a:gridCol>
-                <a:gridCol w="423078">
-                  <a:extLst>
-                    <a:ext uri="{9D8B030D-6E8A-4147-A177-3AD203B41FA5}">
-                      <a16:colId xmlns:a16="http://schemas.microsoft.com/office/drawing/2014/main" val="4085467491"/>
-                    </a:ext>
-                  </a:extLst>
-                </a:gridCol>
-                <a:gridCol w="423078">
-                  <a:extLst>
-                    <a:ext uri="{9D8B030D-6E8A-4147-A177-3AD203B41FA5}">
-                      <a16:colId xmlns:a16="http://schemas.microsoft.com/office/drawing/2014/main" val="2183018877"/>
-                    </a:ext>
-                  </a:extLst>
-                </a:gridCol>
-                <a:gridCol w="423078">
-                  <a:extLst>
-                    <a:ext uri="{9D8B030D-6E8A-4147-A177-3AD203B41FA5}">
-                      <a16:colId xmlns:a16="http://schemas.microsoft.com/office/drawing/2014/main" val="3957069584"/>
-                    </a:ext>
-                  </a:extLst>
-                </a:gridCol>
-                <a:gridCol w="423078">
-                  <a:extLst>
-                    <a:ext uri="{9D8B030D-6E8A-4147-A177-3AD203B41FA5}">
-                      <a16:colId xmlns:a16="http://schemas.microsoft.com/office/drawing/2014/main" val="3244291510"/>
-                    </a:ext>
-                  </a:extLst>
-                </a:gridCol>
-                <a:gridCol w="423078">
-                  <a:extLst>
-                    <a:ext uri="{9D8B030D-6E8A-4147-A177-3AD203B41FA5}">
-                      <a16:colId xmlns:a16="http://schemas.microsoft.com/office/drawing/2014/main" val="3722398860"/>
-                    </a:ext>
-                  </a:extLst>
-                </a:gridCol>
-              </a:tblGrid>
-              <a:tr h="370840">
-                <a:tc>
-                  <a:txBody>
-                    <a:bodyPr/>
-                    <a:lstStyle/>
-                    <a:p>
-                      <a:endParaRPr lang="en-HK" dirty="0"/>
-                    </a:p>
-                  </a:txBody>
-                  <a:tcPr>
-                    <a:solidFill>
-                      <a:schemeClr val="accent2">
-                        <a:lumMod val="40000"/>
-                        <a:lumOff val="60000"/>
-                      </a:schemeClr>
-                    </a:solidFill>
-                  </a:tcPr>
-                </a:tc>
-                <a:tc>
-                  <a:txBody>
-                    <a:bodyPr/>
-                    <a:lstStyle/>
-                    <a:p>
-                      <a:endParaRPr lang="en-HK" dirty="0"/>
-                    </a:p>
-                  </a:txBody>
-                  <a:tcPr>
-                    <a:solidFill>
-                      <a:schemeClr val="accent1">
-                        <a:lumMod val="40000"/>
-                        <a:lumOff val="60000"/>
-                      </a:schemeClr>
-                    </a:solidFill>
-                  </a:tcPr>
-                </a:tc>
-                <a:tc>
-                  <a:txBody>
-                    <a:bodyPr/>
-                    <a:lstStyle/>
-                    <a:p>
-                      <a:endParaRPr lang="en-HK" dirty="0"/>
-                    </a:p>
-                  </a:txBody>
-                  <a:tcPr>
-                    <a:solidFill>
-                      <a:schemeClr val="accent2">
-                        <a:lumMod val="40000"/>
-                        <a:lumOff val="60000"/>
-                      </a:schemeClr>
-                    </a:solidFill>
-                  </a:tcPr>
-                </a:tc>
-                <a:tc>
-                  <a:txBody>
-                    <a:bodyPr/>
-                    <a:lstStyle/>
-                    <a:p>
-                      <a:endParaRPr lang="en-HK" dirty="0"/>
-                    </a:p>
-                  </a:txBody>
-                  <a:tcPr>
-                    <a:solidFill>
-                      <a:schemeClr val="accent2">
-                        <a:lumMod val="40000"/>
-                        <a:lumOff val="60000"/>
-                      </a:schemeClr>
-                    </a:solidFill>
-                  </a:tcPr>
-                </a:tc>
-                <a:tc>
-                  <a:txBody>
-                    <a:bodyPr/>
-                    <a:lstStyle/>
-                    <a:p>
-                      <a:endParaRPr lang="en-HK" dirty="0"/>
-                    </a:p>
-                  </a:txBody>
-                  <a:tcPr>
-                    <a:solidFill>
-                      <a:schemeClr val="accent1">
-                        <a:lumMod val="40000"/>
-                        <a:lumOff val="60000"/>
-                      </a:schemeClr>
-                    </a:solidFill>
-                  </a:tcPr>
-                </a:tc>
-                <a:tc>
-                  <a:txBody>
-                    <a:bodyPr/>
-                    <a:lstStyle/>
-                    <a:p>
-                      <a:endParaRPr lang="en-HK" dirty="0"/>
-                    </a:p>
-                  </a:txBody>
-                  <a:tcPr>
-                    <a:solidFill>
-                      <a:schemeClr val="accent2">
-                        <a:lumMod val="40000"/>
-                        <a:lumOff val="60000"/>
-                      </a:schemeClr>
-                    </a:solidFill>
-                  </a:tcPr>
-                </a:tc>
-                <a:tc>
-                  <a:txBody>
-                    <a:bodyPr/>
-                    <a:lstStyle/>
-                    <a:p>
-                      <a:endParaRPr lang="en-HK" dirty="0"/>
-                    </a:p>
-                  </a:txBody>
-                  <a:tcPr>
-                    <a:solidFill>
-                      <a:schemeClr val="accent1">
-                        <a:lumMod val="40000"/>
-                        <a:lumOff val="60000"/>
-                      </a:schemeClr>
-                    </a:solidFill>
-                  </a:tcPr>
-                </a:tc>
-                <a:tc>
-                  <a:txBody>
-                    <a:bodyPr/>
-                    <a:lstStyle/>
-                    <a:p>
-                      <a:endParaRPr lang="en-HK" dirty="0"/>
-                    </a:p>
-                  </a:txBody>
-                  <a:tcPr>
-                    <a:solidFill>
-                      <a:schemeClr val="accent2">
-                        <a:lumMod val="40000"/>
-                        <a:lumOff val="60000"/>
-                      </a:schemeClr>
-                    </a:solidFill>
-                  </a:tcPr>
-                </a:tc>
-                <a:tc>
-                  <a:txBody>
-                    <a:bodyPr/>
-                    <a:lstStyle/>
-                    <a:p>
-                      <a:endParaRPr lang="en-HK" dirty="0"/>
-                    </a:p>
-                  </a:txBody>
-                  <a:tcPr>
-                    <a:solidFill>
-                      <a:schemeClr val="accent2">
-                        <a:lumMod val="40000"/>
-                        <a:lumOff val="60000"/>
-                      </a:schemeClr>
-                    </a:solidFill>
-                  </a:tcPr>
-                </a:tc>
-                <a:tc>
-                  <a:txBody>
-                    <a:bodyPr/>
-                    <a:lstStyle/>
-                    <a:p>
-                      <a:endParaRPr lang="en-HK" dirty="0"/>
-                    </a:p>
-                  </a:txBody>
-                  <a:tcPr>
-                    <a:solidFill>
-                      <a:schemeClr val="accent1">
-                        <a:lumMod val="40000"/>
-                        <a:lumOff val="60000"/>
-                      </a:schemeClr>
-                    </a:solidFill>
-                  </a:tcPr>
-                </a:tc>
-                <a:extLst>
-                  <a:ext uri="{0D108BD9-81ED-4DB2-BD59-A6C34878D82A}">
-                    <a16:rowId xmlns:a16="http://schemas.microsoft.com/office/drawing/2014/main" val="2601047344"/>
-                  </a:ext>
-                </a:extLst>
-              </a:tr>
-            </a:tbl>
-          </a:graphicData>
-        </a:graphic>
-      </p:graphicFrame>
-      <p:graphicFrame>
-        <p:nvGraphicFramePr>
-          <p:cNvPr id="8" name="Table 4">
-            <a:extLst>
-              <a:ext uri="{FF2B5EF4-FFF2-40B4-BE49-F238E27FC236}">
-                <a16:creationId xmlns:a16="http://schemas.microsoft.com/office/drawing/2014/main" id="{008A6BCC-D47F-067A-4369-8F7E52E980AC}"/>
-              </a:ext>
-            </a:extLst>
-          </p:cNvPr>
-          <p:cNvGraphicFramePr>
-            <a:graphicFrameLocks noGrp="1"/>
-          </p:cNvGraphicFramePr>
-          <p:nvPr>
-            <p:extLst>
-              <p:ext uri="{D42A27DB-BD31-4B8C-83A1-F6EECF244321}">
-                <p14:modId xmlns:p14="http://schemas.microsoft.com/office/powerpoint/2010/main" val="1329677082"/>
-              </p:ext>
-            </p:extLst>
-          </p:nvPr>
-        </p:nvGraphicFramePr>
-        <p:xfrm>
-          <a:off x="1348590" y="6089695"/>
-          <a:ext cx="4230780" cy="370840"/>
-        </p:xfrm>
-        <a:graphic>
-          <a:graphicData uri="http://schemas.openxmlformats.org/drawingml/2006/table">
-            <a:tbl>
-              <a:tblPr firstRow="1" bandRow="1">
-                <a:tableStyleId>{5C22544A-7EE6-4342-B048-85BDC9FD1C3A}</a:tableStyleId>
-              </a:tblPr>
-              <a:tblGrid>
-                <a:gridCol w="423078">
-                  <a:extLst>
-                    <a:ext uri="{9D8B030D-6E8A-4147-A177-3AD203B41FA5}">
-                      <a16:colId xmlns:a16="http://schemas.microsoft.com/office/drawing/2014/main" val="1958716807"/>
-                    </a:ext>
-                  </a:extLst>
-                </a:gridCol>
-                <a:gridCol w="423078">
-                  <a:extLst>
-                    <a:ext uri="{9D8B030D-6E8A-4147-A177-3AD203B41FA5}">
-                      <a16:colId xmlns:a16="http://schemas.microsoft.com/office/drawing/2014/main" val="2177103222"/>
-                    </a:ext>
-                  </a:extLst>
-                </a:gridCol>
-                <a:gridCol w="423078">
-                  <a:extLst>
-                    <a:ext uri="{9D8B030D-6E8A-4147-A177-3AD203B41FA5}">
-                      <a16:colId xmlns:a16="http://schemas.microsoft.com/office/drawing/2014/main" val="3409141404"/>
-                    </a:ext>
-                  </a:extLst>
-                </a:gridCol>
-                <a:gridCol w="423078">
-                  <a:extLst>
-                    <a:ext uri="{9D8B030D-6E8A-4147-A177-3AD203B41FA5}">
-                      <a16:colId xmlns:a16="http://schemas.microsoft.com/office/drawing/2014/main" val="217707470"/>
-                    </a:ext>
-                  </a:extLst>
-                </a:gridCol>
-                <a:gridCol w="423078">
-                  <a:extLst>
-                    <a:ext uri="{9D8B030D-6E8A-4147-A177-3AD203B41FA5}">
-                      <a16:colId xmlns:a16="http://schemas.microsoft.com/office/drawing/2014/main" val="770379941"/>
-                    </a:ext>
-                  </a:extLst>
-                </a:gridCol>
-                <a:gridCol w="423078">
-                  <a:extLst>
-                    <a:ext uri="{9D8B030D-6E8A-4147-A177-3AD203B41FA5}">
-                      <a16:colId xmlns:a16="http://schemas.microsoft.com/office/drawing/2014/main" val="4085467491"/>
-                    </a:ext>
-                  </a:extLst>
-                </a:gridCol>
-                <a:gridCol w="423078">
-                  <a:extLst>
-                    <a:ext uri="{9D8B030D-6E8A-4147-A177-3AD203B41FA5}">
-                      <a16:colId xmlns:a16="http://schemas.microsoft.com/office/drawing/2014/main" val="2183018877"/>
-                    </a:ext>
-                  </a:extLst>
-                </a:gridCol>
-                <a:gridCol w="423078">
-                  <a:extLst>
-                    <a:ext uri="{9D8B030D-6E8A-4147-A177-3AD203B41FA5}">
-                      <a16:colId xmlns:a16="http://schemas.microsoft.com/office/drawing/2014/main" val="3957069584"/>
-                    </a:ext>
-                  </a:extLst>
-                </a:gridCol>
-                <a:gridCol w="423078">
-                  <a:extLst>
-                    <a:ext uri="{9D8B030D-6E8A-4147-A177-3AD203B41FA5}">
-                      <a16:colId xmlns:a16="http://schemas.microsoft.com/office/drawing/2014/main" val="3244291510"/>
-                    </a:ext>
-                  </a:extLst>
-                </a:gridCol>
-                <a:gridCol w="423078">
-                  <a:extLst>
-                    <a:ext uri="{9D8B030D-6E8A-4147-A177-3AD203B41FA5}">
-                      <a16:colId xmlns:a16="http://schemas.microsoft.com/office/drawing/2014/main" val="3722398860"/>
-                    </a:ext>
-                  </a:extLst>
-                </a:gridCol>
-              </a:tblGrid>
-              <a:tr h="370840">
-                <a:tc>
-                  <a:txBody>
-                    <a:bodyPr/>
-                    <a:lstStyle/>
-                    <a:p>
-                      <a:endParaRPr lang="en-HK" dirty="0"/>
-                    </a:p>
-                  </a:txBody>
-                  <a:tcPr>
-                    <a:lnTlToBr w="12700" cap="flat" cmpd="sng" algn="ctr">
-                      <a:solidFill>
-                        <a:schemeClr val="tx1"/>
-                      </a:solidFill>
-                      <a:prstDash val="solid"/>
-                      <a:round/>
-                      <a:headEnd type="none" w="med" len="med"/>
-                      <a:tailEnd type="none" w="med" len="med"/>
-                    </a:lnTlToBr>
-                    <a:lnBlToTr w="12700" cap="flat" cmpd="sng" algn="ctr">
-                      <a:solidFill>
-                        <a:schemeClr val="tx1"/>
-                      </a:solidFill>
-                      <a:prstDash val="solid"/>
-                      <a:round/>
-                      <a:headEnd type="none" w="med" len="med"/>
-                      <a:tailEnd type="none" w="med" len="med"/>
-                    </a:lnBlToTr>
-                    <a:solidFill>
-                      <a:schemeClr val="accent6">
-                        <a:lumMod val="60000"/>
-                        <a:lumOff val="40000"/>
-                      </a:schemeClr>
-                    </a:solidFill>
-                  </a:tcPr>
-                </a:tc>
-                <a:tc>
-                  <a:txBody>
-                    <a:bodyPr/>
-                    <a:lstStyle/>
-                    <a:p>
-                      <a:endParaRPr lang="en-HK" dirty="0"/>
-                    </a:p>
-                  </a:txBody>
-                  <a:tcPr>
-                    <a:lnTlToBr w="12700" cap="flat" cmpd="sng" algn="ctr">
-                      <a:solidFill>
-                        <a:schemeClr val="tx1"/>
-                      </a:solidFill>
-                      <a:prstDash val="solid"/>
-                      <a:round/>
-                      <a:headEnd type="none" w="med" len="med"/>
-                      <a:tailEnd type="none" w="med" len="med"/>
-                    </a:lnTlToBr>
-                    <a:lnBlToTr w="12700" cap="flat" cmpd="sng" algn="ctr">
-                      <a:solidFill>
-                        <a:schemeClr val="tx1"/>
-                      </a:solidFill>
-                      <a:prstDash val="solid"/>
-                      <a:round/>
-                      <a:headEnd type="none" w="med" len="med"/>
-                      <a:tailEnd type="none" w="med" len="med"/>
-                    </a:lnBlToTr>
-                    <a:solidFill>
-                      <a:schemeClr val="accent6">
-                        <a:lumMod val="60000"/>
-                        <a:lumOff val="40000"/>
-                      </a:schemeClr>
-                    </a:solidFill>
-                  </a:tcPr>
-                </a:tc>
-                <a:tc>
-                  <a:txBody>
-                    <a:bodyPr/>
-                    <a:lstStyle/>
-                    <a:p>
-                      <a:endParaRPr lang="en-HK" dirty="0"/>
-                    </a:p>
-                  </a:txBody>
-                  <a:tcPr>
-                    <a:lnTlToBr w="12700" cap="flat" cmpd="sng" algn="ctr">
-                      <a:solidFill>
-                        <a:schemeClr val="tx1"/>
-                      </a:solidFill>
-                      <a:prstDash val="solid"/>
-                      <a:round/>
-                      <a:headEnd type="none" w="med" len="med"/>
-                      <a:tailEnd type="none" w="med" len="med"/>
-                    </a:lnTlToBr>
-                    <a:lnBlToTr w="12700" cap="flat" cmpd="sng" algn="ctr">
-                      <a:solidFill>
-                        <a:schemeClr val="tx1"/>
-                      </a:solidFill>
-                      <a:prstDash val="solid"/>
-                      <a:round/>
-                      <a:headEnd type="none" w="med" len="med"/>
-                      <a:tailEnd type="none" w="med" len="med"/>
-                    </a:lnBlToTr>
-                    <a:solidFill>
-                      <a:schemeClr val="accent1">
-                        <a:lumMod val="40000"/>
-                        <a:lumOff val="60000"/>
-                      </a:schemeClr>
-                    </a:solidFill>
-                  </a:tcPr>
-                </a:tc>
-                <a:tc>
-                  <a:txBody>
-                    <a:bodyPr/>
-                    <a:lstStyle/>
-                    <a:p>
-                      <a:endParaRPr lang="en-HK" dirty="0"/>
-                    </a:p>
-                  </a:txBody>
-                  <a:tcPr>
-                    <a:lnTlToBr w="12700" cap="flat" cmpd="sng" algn="ctr">
-                      <a:noFill/>
-                      <a:prstDash val="solid"/>
-                      <a:round/>
-                      <a:headEnd type="none" w="med" len="med"/>
-                      <a:tailEnd type="none" w="med" len="med"/>
-                    </a:lnTlToBr>
-                    <a:lnBlToTr w="12700" cap="flat" cmpd="sng" algn="ctr">
-                      <a:noFill/>
-                      <a:prstDash val="solid"/>
-                      <a:round/>
-                      <a:headEnd type="none" w="med" len="med"/>
-                      <a:tailEnd type="none" w="med" len="med"/>
-                    </a:lnBlToTr>
-                    <a:solidFill>
-                      <a:schemeClr val="accent2">
-                        <a:lumMod val="40000"/>
-                        <a:lumOff val="60000"/>
-                      </a:schemeClr>
-                    </a:solidFill>
-                  </a:tcPr>
-                </a:tc>
-                <a:tc>
-                  <a:txBody>
-                    <a:bodyPr/>
-                    <a:lstStyle/>
-                    <a:p>
-                      <a:endParaRPr lang="en-HK" dirty="0"/>
-                    </a:p>
-                  </a:txBody>
-                  <a:tcPr>
-                    <a:lnTlToBr w="12700" cap="flat" cmpd="sng" algn="ctr">
-                      <a:noFill/>
-                      <a:prstDash val="solid"/>
-                      <a:round/>
-                      <a:headEnd type="none" w="med" len="med"/>
-                      <a:tailEnd type="none" w="med" len="med"/>
-                    </a:lnTlToBr>
-                    <a:lnBlToTr w="12700" cap="flat" cmpd="sng" algn="ctr">
-                      <a:noFill/>
-                      <a:prstDash val="solid"/>
-                      <a:round/>
-                      <a:headEnd type="none" w="med" len="med"/>
-                      <a:tailEnd type="none" w="med" len="med"/>
-                    </a:lnBlToTr>
-                    <a:solidFill>
-                      <a:schemeClr val="accent1">
-                        <a:lumMod val="40000"/>
-                        <a:lumOff val="60000"/>
-                      </a:schemeClr>
-                    </a:solidFill>
-                  </a:tcPr>
-                </a:tc>
-                <a:tc>
-                  <a:txBody>
-                    <a:bodyPr/>
-                    <a:lstStyle/>
-                    <a:p>
-                      <a:endParaRPr lang="en-HK" dirty="0"/>
-                    </a:p>
-                  </a:txBody>
-                  <a:tcPr>
-                    <a:solidFill>
-                      <a:schemeClr val="accent2">
-                        <a:lumMod val="40000"/>
-                        <a:lumOff val="60000"/>
-                      </a:schemeClr>
-                    </a:solidFill>
-                  </a:tcPr>
-                </a:tc>
-                <a:tc>
-                  <a:txBody>
-                    <a:bodyPr/>
-                    <a:lstStyle/>
-                    <a:p>
-                      <a:endParaRPr lang="en-HK" dirty="0"/>
-                    </a:p>
-                  </a:txBody>
-                  <a:tcPr>
-                    <a:solidFill>
-                      <a:schemeClr val="accent1">
-                        <a:lumMod val="40000"/>
-                        <a:lumOff val="60000"/>
-                      </a:schemeClr>
-                    </a:solidFill>
-                  </a:tcPr>
-                </a:tc>
-                <a:tc>
-                  <a:txBody>
-                    <a:bodyPr/>
-                    <a:lstStyle/>
-                    <a:p>
-                      <a:endParaRPr lang="en-HK" dirty="0"/>
-                    </a:p>
-                  </a:txBody>
-                  <a:tcPr>
-                    <a:solidFill>
-                      <a:schemeClr val="accent2">
-                        <a:lumMod val="40000"/>
-                        <a:lumOff val="60000"/>
-                      </a:schemeClr>
-                    </a:solidFill>
-                  </a:tcPr>
-                </a:tc>
-                <a:tc>
-                  <a:txBody>
-                    <a:bodyPr/>
-                    <a:lstStyle/>
-                    <a:p>
-                      <a:endParaRPr lang="en-HK" dirty="0"/>
-                    </a:p>
-                  </a:txBody>
-                  <a:tcPr>
-                    <a:solidFill>
-                      <a:schemeClr val="accent2">
-                        <a:lumMod val="40000"/>
-                        <a:lumOff val="60000"/>
-                      </a:schemeClr>
-                    </a:solidFill>
-                  </a:tcPr>
-                </a:tc>
-                <a:tc>
-                  <a:txBody>
-                    <a:bodyPr/>
-                    <a:lstStyle/>
-                    <a:p>
-                      <a:endParaRPr lang="en-HK" dirty="0"/>
-                    </a:p>
-                  </a:txBody>
-                  <a:tcPr>
-                    <a:solidFill>
-                      <a:schemeClr val="accent1">
-                        <a:lumMod val="40000"/>
-                        <a:lumOff val="60000"/>
-                      </a:schemeClr>
-                    </a:solidFill>
-                  </a:tcPr>
-                </a:tc>
-                <a:extLst>
-                  <a:ext uri="{0D108BD9-81ED-4DB2-BD59-A6C34878D82A}">
-                    <a16:rowId xmlns:a16="http://schemas.microsoft.com/office/drawing/2014/main" val="2601047344"/>
-                  </a:ext>
-                </a:extLst>
-              </a:tr>
-            </a:tbl>
-          </a:graphicData>
-        </a:graphic>
-      </p:graphicFrame>
-      <p:graphicFrame>
-        <p:nvGraphicFramePr>
-          <p:cNvPr id="20" name="Table 4">
-            <a:extLst>
-              <a:ext uri="{FF2B5EF4-FFF2-40B4-BE49-F238E27FC236}">
-                <a16:creationId xmlns:a16="http://schemas.microsoft.com/office/drawing/2014/main" id="{E07E5706-102C-7D06-3B11-889B5C48356C}"/>
-              </a:ext>
-            </a:extLst>
-          </p:cNvPr>
-          <p:cNvGraphicFramePr>
-            <a:graphicFrameLocks noGrp="1"/>
-          </p:cNvGraphicFramePr>
-          <p:nvPr/>
-        </p:nvGraphicFramePr>
-        <p:xfrm>
-          <a:off x="1345709" y="5518271"/>
-          <a:ext cx="4230780" cy="370840"/>
-        </p:xfrm>
-        <a:graphic>
-          <a:graphicData uri="http://schemas.openxmlformats.org/drawingml/2006/table">
-            <a:tbl>
-              <a:tblPr firstRow="1" bandRow="1">
-                <a:tableStyleId>{5C22544A-7EE6-4342-B048-85BDC9FD1C3A}</a:tableStyleId>
-              </a:tblPr>
-              <a:tblGrid>
-                <a:gridCol w="423078">
-                  <a:extLst>
-                    <a:ext uri="{9D8B030D-6E8A-4147-A177-3AD203B41FA5}">
-                      <a16:colId xmlns:a16="http://schemas.microsoft.com/office/drawing/2014/main" val="1958716807"/>
-                    </a:ext>
-                  </a:extLst>
-                </a:gridCol>
-                <a:gridCol w="423078">
-                  <a:extLst>
-                    <a:ext uri="{9D8B030D-6E8A-4147-A177-3AD203B41FA5}">
-                      <a16:colId xmlns:a16="http://schemas.microsoft.com/office/drawing/2014/main" val="2177103222"/>
-                    </a:ext>
-                  </a:extLst>
-                </a:gridCol>
-                <a:gridCol w="423078">
-                  <a:extLst>
-                    <a:ext uri="{9D8B030D-6E8A-4147-A177-3AD203B41FA5}">
-                      <a16:colId xmlns:a16="http://schemas.microsoft.com/office/drawing/2014/main" val="3409141404"/>
-                    </a:ext>
-                  </a:extLst>
-                </a:gridCol>
-                <a:gridCol w="423078">
-                  <a:extLst>
-                    <a:ext uri="{9D8B030D-6E8A-4147-A177-3AD203B41FA5}">
-                      <a16:colId xmlns:a16="http://schemas.microsoft.com/office/drawing/2014/main" val="217707470"/>
-                    </a:ext>
-                  </a:extLst>
-                </a:gridCol>
-                <a:gridCol w="423078">
-                  <a:extLst>
-                    <a:ext uri="{9D8B030D-6E8A-4147-A177-3AD203B41FA5}">
-                      <a16:colId xmlns:a16="http://schemas.microsoft.com/office/drawing/2014/main" val="770379941"/>
-                    </a:ext>
-                  </a:extLst>
-                </a:gridCol>
-                <a:gridCol w="423078">
-                  <a:extLst>
-                    <a:ext uri="{9D8B030D-6E8A-4147-A177-3AD203B41FA5}">
-                      <a16:colId xmlns:a16="http://schemas.microsoft.com/office/drawing/2014/main" val="4085467491"/>
-                    </a:ext>
-                  </a:extLst>
-                </a:gridCol>
-                <a:gridCol w="423078">
-                  <a:extLst>
-                    <a:ext uri="{9D8B030D-6E8A-4147-A177-3AD203B41FA5}">
-                      <a16:colId xmlns:a16="http://schemas.microsoft.com/office/drawing/2014/main" val="2183018877"/>
-                    </a:ext>
-                  </a:extLst>
-                </a:gridCol>
-                <a:gridCol w="423078">
-                  <a:extLst>
-                    <a:ext uri="{9D8B030D-6E8A-4147-A177-3AD203B41FA5}">
-                      <a16:colId xmlns:a16="http://schemas.microsoft.com/office/drawing/2014/main" val="3957069584"/>
-                    </a:ext>
-                  </a:extLst>
-                </a:gridCol>
-                <a:gridCol w="423078">
-                  <a:extLst>
-                    <a:ext uri="{9D8B030D-6E8A-4147-A177-3AD203B41FA5}">
-                      <a16:colId xmlns:a16="http://schemas.microsoft.com/office/drawing/2014/main" val="3244291510"/>
-                    </a:ext>
-                  </a:extLst>
-                </a:gridCol>
-                <a:gridCol w="423078">
-                  <a:extLst>
-                    <a:ext uri="{9D8B030D-6E8A-4147-A177-3AD203B41FA5}">
-                      <a16:colId xmlns:a16="http://schemas.microsoft.com/office/drawing/2014/main" val="3722398860"/>
-                    </a:ext>
-                  </a:extLst>
-                </a:gridCol>
-              </a:tblGrid>
-              <a:tr h="370840">
-                <a:tc>
-                  <a:txBody>
-                    <a:bodyPr/>
-                    <a:lstStyle/>
-                    <a:p>
-                      <a:endParaRPr lang="en-HK" dirty="0"/>
-                    </a:p>
-                  </a:txBody>
-                  <a:tcPr>
-                    <a:solidFill>
-                      <a:schemeClr val="accent2">
-                        <a:lumMod val="40000"/>
-                        <a:lumOff val="60000"/>
-                      </a:schemeClr>
-                    </a:solidFill>
-                  </a:tcPr>
-                </a:tc>
-                <a:tc>
-                  <a:txBody>
-                    <a:bodyPr/>
-                    <a:lstStyle/>
-                    <a:p>
-                      <a:endParaRPr lang="en-HK" dirty="0"/>
-                    </a:p>
-                  </a:txBody>
-                  <a:tcPr>
-                    <a:solidFill>
-                      <a:schemeClr val="accent2">
-                        <a:lumMod val="40000"/>
-                        <a:lumOff val="60000"/>
-                      </a:schemeClr>
-                    </a:solidFill>
-                  </a:tcPr>
-                </a:tc>
-                <a:tc>
-                  <a:txBody>
-                    <a:bodyPr/>
-                    <a:lstStyle/>
-                    <a:p>
-                      <a:endParaRPr lang="en-HK" dirty="0"/>
-                    </a:p>
-                  </a:txBody>
-                  <a:tcPr>
-                    <a:solidFill>
-                      <a:schemeClr val="accent1">
-                        <a:lumMod val="40000"/>
-                        <a:lumOff val="60000"/>
-                      </a:schemeClr>
-                    </a:solidFill>
-                  </a:tcPr>
-                </a:tc>
-                <a:tc>
-                  <a:txBody>
-                    <a:bodyPr/>
-                    <a:lstStyle/>
-                    <a:p>
-                      <a:endParaRPr lang="en-HK" dirty="0"/>
-                    </a:p>
-                  </a:txBody>
-                  <a:tcPr>
-                    <a:solidFill>
-                      <a:schemeClr val="accent2">
-                        <a:lumMod val="40000"/>
-                        <a:lumOff val="60000"/>
-                      </a:schemeClr>
-                    </a:solidFill>
-                  </a:tcPr>
-                </a:tc>
-                <a:tc>
-                  <a:txBody>
-                    <a:bodyPr/>
-                    <a:lstStyle/>
-                    <a:p>
-                      <a:endParaRPr lang="en-HK" dirty="0"/>
-                    </a:p>
-                  </a:txBody>
-                  <a:tcPr>
-                    <a:solidFill>
-                      <a:schemeClr val="accent1">
-                        <a:lumMod val="40000"/>
-                        <a:lumOff val="60000"/>
-                      </a:schemeClr>
-                    </a:solidFill>
-                  </a:tcPr>
-                </a:tc>
-                <a:tc>
-                  <a:txBody>
-                    <a:bodyPr/>
-                    <a:lstStyle/>
-                    <a:p>
-                      <a:endParaRPr lang="en-HK" dirty="0"/>
-                    </a:p>
-                  </a:txBody>
-                  <a:tcPr>
-                    <a:solidFill>
-                      <a:schemeClr val="accent2">
-                        <a:lumMod val="40000"/>
-                        <a:lumOff val="60000"/>
-                      </a:schemeClr>
-                    </a:solidFill>
-                  </a:tcPr>
-                </a:tc>
-                <a:tc>
-                  <a:txBody>
-                    <a:bodyPr/>
-                    <a:lstStyle/>
-                    <a:p>
-                      <a:endParaRPr lang="en-HK" dirty="0"/>
-                    </a:p>
-                  </a:txBody>
-                  <a:tcPr>
-                    <a:solidFill>
-                      <a:schemeClr val="accent2">
-                        <a:lumMod val="40000"/>
-                        <a:lumOff val="60000"/>
-                      </a:schemeClr>
-                    </a:solidFill>
-                  </a:tcPr>
-                </a:tc>
-                <a:tc>
-                  <a:txBody>
-                    <a:bodyPr/>
-                    <a:lstStyle/>
-                    <a:p>
-                      <a:endParaRPr lang="en-HK" dirty="0"/>
-                    </a:p>
-                  </a:txBody>
-                  <a:tcPr>
-                    <a:solidFill>
-                      <a:schemeClr val="accent2">
-                        <a:lumMod val="40000"/>
-                        <a:lumOff val="60000"/>
-                      </a:schemeClr>
-                    </a:solidFill>
-                  </a:tcPr>
-                </a:tc>
-                <a:tc>
-                  <a:txBody>
-                    <a:bodyPr/>
-                    <a:lstStyle/>
-                    <a:p>
-                      <a:endParaRPr lang="en-HK" dirty="0"/>
-                    </a:p>
-                  </a:txBody>
-                  <a:tcPr>
-                    <a:solidFill>
-                      <a:schemeClr val="accent1">
-                        <a:lumMod val="40000"/>
-                        <a:lumOff val="60000"/>
-                      </a:schemeClr>
-                    </a:solidFill>
-                  </a:tcPr>
-                </a:tc>
-                <a:tc>
-                  <a:txBody>
-                    <a:bodyPr/>
-                    <a:lstStyle/>
-                    <a:p>
-                      <a:endParaRPr lang="en-HK" dirty="0"/>
-                    </a:p>
-                  </a:txBody>
-                  <a:tcPr>
-                    <a:solidFill>
-                      <a:schemeClr val="accent2">
-                        <a:lumMod val="40000"/>
-                        <a:lumOff val="60000"/>
-                      </a:schemeClr>
-                    </a:solidFill>
-                  </a:tcPr>
-                </a:tc>
-                <a:extLst>
-                  <a:ext uri="{0D108BD9-81ED-4DB2-BD59-A6C34878D82A}">
-                    <a16:rowId xmlns:a16="http://schemas.microsoft.com/office/drawing/2014/main" val="2601047344"/>
-                  </a:ext>
-                </a:extLst>
-              </a:tr>
-            </a:tbl>
-          </a:graphicData>
-        </a:graphic>
-      </p:graphicFrame>
-    </p:spTree>
-    <p:extLst>
-      <p:ext uri="{BB962C8B-B14F-4D97-AF65-F5344CB8AC3E}">
-        <p14:creationId xmlns:p14="http://schemas.microsoft.com/office/powerpoint/2010/main" val="2128322928"/>
       </p:ext>
     </p:extLst>
   </p:cSld>

--- a/Dissertation/Beamer/test.pptx
+++ b/Dissertation/Beamer/test.pptx
@@ -209,7 +209,7 @@
           <a:p>
             <a:fld id="{9E12240E-F1A6-4A91-967F-8E68706835E0}" type="datetimeFigureOut">
               <a:rPr lang="en-HK" smtClean="0"/>
-              <a:t>12/7/2024</a:t>
+              <a:t>14/7/2024</a:t>
             </a:fld>
             <a:endParaRPr lang="en-HK"/>
           </a:p>
@@ -713,7 +713,7 @@
           <a:p>
             <a:fld id="{A662AB9F-F8D6-4D84-8C93-94B520C5C2D5}" type="datetimeFigureOut">
               <a:rPr lang="en-HK" smtClean="0"/>
-              <a:t>12/7/2024</a:t>
+              <a:t>14/7/2024</a:t>
             </a:fld>
             <a:endParaRPr lang="en-HK"/>
           </a:p>
@@ -913,7 +913,7 @@
           <a:p>
             <a:fld id="{A662AB9F-F8D6-4D84-8C93-94B520C5C2D5}" type="datetimeFigureOut">
               <a:rPr lang="en-HK" smtClean="0"/>
-              <a:t>12/7/2024</a:t>
+              <a:t>14/7/2024</a:t>
             </a:fld>
             <a:endParaRPr lang="en-HK"/>
           </a:p>
@@ -1123,7 +1123,7 @@
           <a:p>
             <a:fld id="{A662AB9F-F8D6-4D84-8C93-94B520C5C2D5}" type="datetimeFigureOut">
               <a:rPr lang="en-HK" smtClean="0"/>
-              <a:t>12/7/2024</a:t>
+              <a:t>14/7/2024</a:t>
             </a:fld>
             <a:endParaRPr lang="en-HK"/>
           </a:p>
@@ -1323,7 +1323,7 @@
           <a:p>
             <a:fld id="{A662AB9F-F8D6-4D84-8C93-94B520C5C2D5}" type="datetimeFigureOut">
               <a:rPr lang="en-HK" smtClean="0"/>
-              <a:t>12/7/2024</a:t>
+              <a:t>14/7/2024</a:t>
             </a:fld>
             <a:endParaRPr lang="en-HK"/>
           </a:p>
@@ -1599,7 +1599,7 @@
           <a:p>
             <a:fld id="{A662AB9F-F8D6-4D84-8C93-94B520C5C2D5}" type="datetimeFigureOut">
               <a:rPr lang="en-HK" smtClean="0"/>
-              <a:t>12/7/2024</a:t>
+              <a:t>14/7/2024</a:t>
             </a:fld>
             <a:endParaRPr lang="en-HK"/>
           </a:p>
@@ -1867,7 +1867,7 @@
           <a:p>
             <a:fld id="{A662AB9F-F8D6-4D84-8C93-94B520C5C2D5}" type="datetimeFigureOut">
               <a:rPr lang="en-HK" smtClean="0"/>
-              <a:t>12/7/2024</a:t>
+              <a:t>14/7/2024</a:t>
             </a:fld>
             <a:endParaRPr lang="en-HK"/>
           </a:p>
@@ -2282,7 +2282,7 @@
           <a:p>
             <a:fld id="{A662AB9F-F8D6-4D84-8C93-94B520C5C2D5}" type="datetimeFigureOut">
               <a:rPr lang="en-HK" smtClean="0"/>
-              <a:t>12/7/2024</a:t>
+              <a:t>14/7/2024</a:t>
             </a:fld>
             <a:endParaRPr lang="en-HK"/>
           </a:p>
@@ -2424,7 +2424,7 @@
           <a:p>
             <a:fld id="{A662AB9F-F8D6-4D84-8C93-94B520C5C2D5}" type="datetimeFigureOut">
               <a:rPr lang="en-HK" smtClean="0"/>
-              <a:t>12/7/2024</a:t>
+              <a:t>14/7/2024</a:t>
             </a:fld>
             <a:endParaRPr lang="en-HK"/>
           </a:p>
@@ -2537,7 +2537,7 @@
           <a:p>
             <a:fld id="{A662AB9F-F8D6-4D84-8C93-94B520C5C2D5}" type="datetimeFigureOut">
               <a:rPr lang="en-HK" smtClean="0"/>
-              <a:t>12/7/2024</a:t>
+              <a:t>14/7/2024</a:t>
             </a:fld>
             <a:endParaRPr lang="en-HK"/>
           </a:p>
@@ -2850,7 +2850,7 @@
           <a:p>
             <a:fld id="{A662AB9F-F8D6-4D84-8C93-94B520C5C2D5}" type="datetimeFigureOut">
               <a:rPr lang="en-HK" smtClean="0"/>
-              <a:t>12/7/2024</a:t>
+              <a:t>14/7/2024</a:t>
             </a:fld>
             <a:endParaRPr lang="en-HK"/>
           </a:p>
@@ -3139,7 +3139,7 @@
           <a:p>
             <a:fld id="{A662AB9F-F8D6-4D84-8C93-94B520C5C2D5}" type="datetimeFigureOut">
               <a:rPr lang="en-HK" smtClean="0"/>
-              <a:t>12/7/2024</a:t>
+              <a:t>14/7/2024</a:t>
             </a:fld>
             <a:endParaRPr lang="en-HK"/>
           </a:p>
@@ -3382,7 +3382,7 @@
           <a:p>
             <a:fld id="{A662AB9F-F8D6-4D84-8C93-94B520C5C2D5}" type="datetimeFigureOut">
               <a:rPr lang="en-HK" smtClean="0"/>
-              <a:t>12/7/2024</a:t>
+              <a:t>14/7/2024</a:t>
             </a:fld>
             <a:endParaRPr lang="en-HK"/>
           </a:p>
@@ -9104,6 +9104,2098 @@
             <a:r>
               <a:rPr lang="en-US" altLang="zh-CN" dirty="0"/>
               <a:t>Full</a:t>
+            </a:r>
+            <a:endParaRPr lang="en-HK" baseline="-25000" dirty="0"/>
+          </a:p>
+        </p:txBody>
+      </p:sp>
+      <p:graphicFrame>
+        <p:nvGraphicFramePr>
+          <p:cNvPr id="4" name="Table 4">
+            <a:extLst>
+              <a:ext uri="{FF2B5EF4-FFF2-40B4-BE49-F238E27FC236}">
+                <a16:creationId xmlns:a16="http://schemas.microsoft.com/office/drawing/2014/main" id="{CC7EC14B-9EBB-DAFB-5531-7AAD9D1D65BD}"/>
+              </a:ext>
+            </a:extLst>
+          </p:cNvPr>
+          <p:cNvGraphicFramePr>
+            <a:graphicFrameLocks noGrp="1"/>
+          </p:cNvGraphicFramePr>
+          <p:nvPr>
+            <p:extLst>
+              <p:ext uri="{D42A27DB-BD31-4B8C-83A1-F6EECF244321}">
+                <p14:modId xmlns:p14="http://schemas.microsoft.com/office/powerpoint/2010/main" val="2614978906"/>
+              </p:ext>
+            </p:extLst>
+          </p:nvPr>
+        </p:nvGraphicFramePr>
+        <p:xfrm>
+          <a:off x="2106749" y="1852773"/>
+          <a:ext cx="6723822" cy="370840"/>
+        </p:xfrm>
+        <a:graphic>
+          <a:graphicData uri="http://schemas.openxmlformats.org/drawingml/2006/table">
+            <a:tbl>
+              <a:tblPr firstRow="1" bandRow="1">
+                <a:tableStyleId>{5C22544A-7EE6-4342-B048-85BDC9FD1C3A}</a:tableStyleId>
+              </a:tblPr>
+              <a:tblGrid>
+                <a:gridCol w="320182">
+                  <a:extLst>
+                    <a:ext uri="{9D8B030D-6E8A-4147-A177-3AD203B41FA5}">
+                      <a16:colId xmlns:a16="http://schemas.microsoft.com/office/drawing/2014/main" val="1958716807"/>
+                    </a:ext>
+                  </a:extLst>
+                </a:gridCol>
+                <a:gridCol w="320182">
+                  <a:extLst>
+                    <a:ext uri="{9D8B030D-6E8A-4147-A177-3AD203B41FA5}">
+                      <a16:colId xmlns:a16="http://schemas.microsoft.com/office/drawing/2014/main" val="2177103222"/>
+                    </a:ext>
+                  </a:extLst>
+                </a:gridCol>
+                <a:gridCol w="320182">
+                  <a:extLst>
+                    <a:ext uri="{9D8B030D-6E8A-4147-A177-3AD203B41FA5}">
+                      <a16:colId xmlns:a16="http://schemas.microsoft.com/office/drawing/2014/main" val="191291771"/>
+                    </a:ext>
+                  </a:extLst>
+                </a:gridCol>
+                <a:gridCol w="320182">
+                  <a:extLst>
+                    <a:ext uri="{9D8B030D-6E8A-4147-A177-3AD203B41FA5}">
+                      <a16:colId xmlns:a16="http://schemas.microsoft.com/office/drawing/2014/main" val="3854136493"/>
+                    </a:ext>
+                  </a:extLst>
+                </a:gridCol>
+                <a:gridCol w="320182">
+                  <a:extLst>
+                    <a:ext uri="{9D8B030D-6E8A-4147-A177-3AD203B41FA5}">
+                      <a16:colId xmlns:a16="http://schemas.microsoft.com/office/drawing/2014/main" val="3409141404"/>
+                    </a:ext>
+                  </a:extLst>
+                </a:gridCol>
+                <a:gridCol w="320182">
+                  <a:extLst>
+                    <a:ext uri="{9D8B030D-6E8A-4147-A177-3AD203B41FA5}">
+                      <a16:colId xmlns:a16="http://schemas.microsoft.com/office/drawing/2014/main" val="217707470"/>
+                    </a:ext>
+                  </a:extLst>
+                </a:gridCol>
+                <a:gridCol w="320182">
+                  <a:extLst>
+                    <a:ext uri="{9D8B030D-6E8A-4147-A177-3AD203B41FA5}">
+                      <a16:colId xmlns:a16="http://schemas.microsoft.com/office/drawing/2014/main" val="2493533114"/>
+                    </a:ext>
+                  </a:extLst>
+                </a:gridCol>
+                <a:gridCol w="320182">
+                  <a:extLst>
+                    <a:ext uri="{9D8B030D-6E8A-4147-A177-3AD203B41FA5}">
+                      <a16:colId xmlns:a16="http://schemas.microsoft.com/office/drawing/2014/main" val="1642796582"/>
+                    </a:ext>
+                  </a:extLst>
+                </a:gridCol>
+                <a:gridCol w="320182">
+                  <a:extLst>
+                    <a:ext uri="{9D8B030D-6E8A-4147-A177-3AD203B41FA5}">
+                      <a16:colId xmlns:a16="http://schemas.microsoft.com/office/drawing/2014/main" val="967441402"/>
+                    </a:ext>
+                  </a:extLst>
+                </a:gridCol>
+                <a:gridCol w="320182">
+                  <a:extLst>
+                    <a:ext uri="{9D8B030D-6E8A-4147-A177-3AD203B41FA5}">
+                      <a16:colId xmlns:a16="http://schemas.microsoft.com/office/drawing/2014/main" val="770379941"/>
+                    </a:ext>
+                  </a:extLst>
+                </a:gridCol>
+                <a:gridCol w="320182">
+                  <a:extLst>
+                    <a:ext uri="{9D8B030D-6E8A-4147-A177-3AD203B41FA5}">
+                      <a16:colId xmlns:a16="http://schemas.microsoft.com/office/drawing/2014/main" val="4085467491"/>
+                    </a:ext>
+                  </a:extLst>
+                </a:gridCol>
+                <a:gridCol w="320182">
+                  <a:extLst>
+                    <a:ext uri="{9D8B030D-6E8A-4147-A177-3AD203B41FA5}">
+                      <a16:colId xmlns:a16="http://schemas.microsoft.com/office/drawing/2014/main" val="2183018877"/>
+                    </a:ext>
+                  </a:extLst>
+                </a:gridCol>
+                <a:gridCol w="320182">
+                  <a:extLst>
+                    <a:ext uri="{9D8B030D-6E8A-4147-A177-3AD203B41FA5}">
+                      <a16:colId xmlns:a16="http://schemas.microsoft.com/office/drawing/2014/main" val="3957069584"/>
+                    </a:ext>
+                  </a:extLst>
+                </a:gridCol>
+                <a:gridCol w="320182">
+                  <a:extLst>
+                    <a:ext uri="{9D8B030D-6E8A-4147-A177-3AD203B41FA5}">
+                      <a16:colId xmlns:a16="http://schemas.microsoft.com/office/drawing/2014/main" val="647280036"/>
+                    </a:ext>
+                  </a:extLst>
+                </a:gridCol>
+                <a:gridCol w="320182">
+                  <a:extLst>
+                    <a:ext uri="{9D8B030D-6E8A-4147-A177-3AD203B41FA5}">
+                      <a16:colId xmlns:a16="http://schemas.microsoft.com/office/drawing/2014/main" val="3244291510"/>
+                    </a:ext>
+                  </a:extLst>
+                </a:gridCol>
+                <a:gridCol w="320182">
+                  <a:extLst>
+                    <a:ext uri="{9D8B030D-6E8A-4147-A177-3AD203B41FA5}">
+                      <a16:colId xmlns:a16="http://schemas.microsoft.com/office/drawing/2014/main" val="3722398860"/>
+                    </a:ext>
+                  </a:extLst>
+                </a:gridCol>
+                <a:gridCol w="320182">
+                  <a:extLst>
+                    <a:ext uri="{9D8B030D-6E8A-4147-A177-3AD203B41FA5}">
+                      <a16:colId xmlns:a16="http://schemas.microsoft.com/office/drawing/2014/main" val="1908913428"/>
+                    </a:ext>
+                  </a:extLst>
+                </a:gridCol>
+                <a:gridCol w="320182">
+                  <a:extLst>
+                    <a:ext uri="{9D8B030D-6E8A-4147-A177-3AD203B41FA5}">
+                      <a16:colId xmlns:a16="http://schemas.microsoft.com/office/drawing/2014/main" val="3415233984"/>
+                    </a:ext>
+                  </a:extLst>
+                </a:gridCol>
+                <a:gridCol w="320182">
+                  <a:extLst>
+                    <a:ext uri="{9D8B030D-6E8A-4147-A177-3AD203B41FA5}">
+                      <a16:colId xmlns:a16="http://schemas.microsoft.com/office/drawing/2014/main" val="2902414225"/>
+                    </a:ext>
+                  </a:extLst>
+                </a:gridCol>
+                <a:gridCol w="320182">
+                  <a:extLst>
+                    <a:ext uri="{9D8B030D-6E8A-4147-A177-3AD203B41FA5}">
+                      <a16:colId xmlns:a16="http://schemas.microsoft.com/office/drawing/2014/main" val="1661741288"/>
+                    </a:ext>
+                  </a:extLst>
+                </a:gridCol>
+                <a:gridCol w="320182">
+                  <a:extLst>
+                    <a:ext uri="{9D8B030D-6E8A-4147-A177-3AD203B41FA5}">
+                      <a16:colId xmlns:a16="http://schemas.microsoft.com/office/drawing/2014/main" val="2175505222"/>
+                    </a:ext>
+                  </a:extLst>
+                </a:gridCol>
+              </a:tblGrid>
+              <a:tr h="370840">
+                <a:tc>
+                  <a:txBody>
+                    <a:bodyPr/>
+                    <a:lstStyle/>
+                    <a:p>
+                      <a:endParaRPr lang="en-HK" dirty="0"/>
+                    </a:p>
+                  </a:txBody>
+                  <a:tcPr>
+                    <a:lnL w="12700" cap="flat" cmpd="sng" algn="ctr">
+                      <a:solidFill>
+                        <a:srgbClr val="FF0000"/>
+                      </a:solidFill>
+                      <a:prstDash val="solid"/>
+                      <a:round/>
+                      <a:headEnd type="none" w="med" len="med"/>
+                      <a:tailEnd type="none" w="med" len="med"/>
+                    </a:lnL>
+                    <a:lnT w="12700" cap="flat" cmpd="sng" algn="ctr">
+                      <a:solidFill>
+                        <a:srgbClr val="FF0000"/>
+                      </a:solidFill>
+                      <a:prstDash val="solid"/>
+                      <a:round/>
+                      <a:headEnd type="none" w="med" len="med"/>
+                      <a:tailEnd type="none" w="med" len="med"/>
+                    </a:lnT>
+                    <a:lnB w="12700" cap="flat" cmpd="sng" algn="ctr">
+                      <a:solidFill>
+                        <a:srgbClr val="FF0000"/>
+                      </a:solidFill>
+                      <a:prstDash val="solid"/>
+                      <a:round/>
+                      <a:headEnd type="none" w="med" len="med"/>
+                      <a:tailEnd type="none" w="med" len="med"/>
+                    </a:lnB>
+                    <a:solidFill>
+                      <a:schemeClr val="accent2">
+                        <a:lumMod val="40000"/>
+                        <a:lumOff val="60000"/>
+                      </a:schemeClr>
+                    </a:solidFill>
+                  </a:tcPr>
+                </a:tc>
+                <a:tc>
+                  <a:txBody>
+                    <a:bodyPr/>
+                    <a:lstStyle/>
+                    <a:p>
+                      <a:endParaRPr lang="en-HK" dirty="0"/>
+                    </a:p>
+                  </a:txBody>
+                  <a:tcPr>
+                    <a:lnT w="12700" cap="flat" cmpd="sng" algn="ctr">
+                      <a:solidFill>
+                        <a:srgbClr val="FF0000"/>
+                      </a:solidFill>
+                      <a:prstDash val="solid"/>
+                      <a:round/>
+                      <a:headEnd type="none" w="med" len="med"/>
+                      <a:tailEnd type="none" w="med" len="med"/>
+                    </a:lnT>
+                    <a:lnB w="12700" cap="flat" cmpd="sng" algn="ctr">
+                      <a:solidFill>
+                        <a:srgbClr val="FF0000"/>
+                      </a:solidFill>
+                      <a:prstDash val="solid"/>
+                      <a:round/>
+                      <a:headEnd type="none" w="med" len="med"/>
+                      <a:tailEnd type="none" w="med" len="med"/>
+                    </a:lnB>
+                    <a:solidFill>
+                      <a:schemeClr val="accent2">
+                        <a:lumMod val="40000"/>
+                        <a:lumOff val="60000"/>
+                      </a:schemeClr>
+                    </a:solidFill>
+                  </a:tcPr>
+                </a:tc>
+                <a:tc>
+                  <a:txBody>
+                    <a:bodyPr/>
+                    <a:lstStyle/>
+                    <a:p>
+                      <a:endParaRPr lang="en-HK" dirty="0"/>
+                    </a:p>
+                  </a:txBody>
+                  <a:tcPr>
+                    <a:lnT w="12700" cap="flat" cmpd="sng" algn="ctr">
+                      <a:solidFill>
+                        <a:srgbClr val="FF0000"/>
+                      </a:solidFill>
+                      <a:prstDash val="solid"/>
+                      <a:round/>
+                      <a:headEnd type="none" w="med" len="med"/>
+                      <a:tailEnd type="none" w="med" len="med"/>
+                    </a:lnT>
+                    <a:lnB w="12700" cap="flat" cmpd="sng" algn="ctr">
+                      <a:solidFill>
+                        <a:srgbClr val="FF0000"/>
+                      </a:solidFill>
+                      <a:prstDash val="solid"/>
+                      <a:round/>
+                      <a:headEnd type="none" w="med" len="med"/>
+                      <a:tailEnd type="none" w="med" len="med"/>
+                    </a:lnB>
+                    <a:solidFill>
+                      <a:schemeClr val="accent2">
+                        <a:lumMod val="40000"/>
+                        <a:lumOff val="60000"/>
+                      </a:schemeClr>
+                    </a:solidFill>
+                  </a:tcPr>
+                </a:tc>
+                <a:tc>
+                  <a:txBody>
+                    <a:bodyPr/>
+                    <a:lstStyle/>
+                    <a:p>
+                      <a:endParaRPr lang="en-HK" dirty="0"/>
+                    </a:p>
+                  </a:txBody>
+                  <a:tcPr>
+                    <a:lnT w="12700" cap="flat" cmpd="sng" algn="ctr">
+                      <a:solidFill>
+                        <a:srgbClr val="FF0000"/>
+                      </a:solidFill>
+                      <a:prstDash val="solid"/>
+                      <a:round/>
+                      <a:headEnd type="none" w="med" len="med"/>
+                      <a:tailEnd type="none" w="med" len="med"/>
+                    </a:lnT>
+                    <a:lnB w="12700" cap="flat" cmpd="sng" algn="ctr">
+                      <a:solidFill>
+                        <a:srgbClr val="FF0000"/>
+                      </a:solidFill>
+                      <a:prstDash val="solid"/>
+                      <a:round/>
+                      <a:headEnd type="none" w="med" len="med"/>
+                      <a:tailEnd type="none" w="med" len="med"/>
+                    </a:lnB>
+                    <a:solidFill>
+                      <a:schemeClr val="accent2">
+                        <a:lumMod val="40000"/>
+                        <a:lumOff val="60000"/>
+                      </a:schemeClr>
+                    </a:solidFill>
+                  </a:tcPr>
+                </a:tc>
+                <a:tc>
+                  <a:txBody>
+                    <a:bodyPr/>
+                    <a:lstStyle/>
+                    <a:p>
+                      <a:endParaRPr lang="en-HK" dirty="0"/>
+                    </a:p>
+                  </a:txBody>
+                  <a:tcPr>
+                    <a:lnR w="12700" cap="flat" cmpd="sng" algn="ctr">
+                      <a:solidFill>
+                        <a:srgbClr val="FF0000"/>
+                      </a:solidFill>
+                      <a:prstDash val="solid"/>
+                      <a:round/>
+                      <a:headEnd type="none" w="med" len="med"/>
+                      <a:tailEnd type="none" w="med" len="med"/>
+                    </a:lnR>
+                    <a:lnT w="12700" cap="flat" cmpd="sng" algn="ctr">
+                      <a:solidFill>
+                        <a:srgbClr val="FF0000"/>
+                      </a:solidFill>
+                      <a:prstDash val="solid"/>
+                      <a:round/>
+                      <a:headEnd type="none" w="med" len="med"/>
+                      <a:tailEnd type="none" w="med" len="med"/>
+                    </a:lnT>
+                    <a:lnB w="12700" cap="flat" cmpd="sng" algn="ctr">
+                      <a:solidFill>
+                        <a:srgbClr val="FF0000"/>
+                      </a:solidFill>
+                      <a:prstDash val="solid"/>
+                      <a:round/>
+                      <a:headEnd type="none" w="med" len="med"/>
+                      <a:tailEnd type="none" w="med" len="med"/>
+                    </a:lnB>
+                    <a:solidFill>
+                      <a:schemeClr val="accent1">
+                        <a:lumMod val="40000"/>
+                        <a:lumOff val="60000"/>
+                      </a:schemeClr>
+                    </a:solidFill>
+                  </a:tcPr>
+                </a:tc>
+                <a:tc>
+                  <a:txBody>
+                    <a:bodyPr/>
+                    <a:lstStyle/>
+                    <a:p>
+                      <a:endParaRPr lang="en-HK" dirty="0"/>
+                    </a:p>
+                  </a:txBody>
+                  <a:tcPr>
+                    <a:lnL w="12700" cap="flat" cmpd="sng" algn="ctr">
+                      <a:solidFill>
+                        <a:srgbClr val="FF0000"/>
+                      </a:solidFill>
+                      <a:prstDash val="solid"/>
+                      <a:round/>
+                      <a:headEnd type="none" w="med" len="med"/>
+                      <a:tailEnd type="none" w="med" len="med"/>
+                    </a:lnL>
+                    <a:lnT w="12700" cap="flat" cmpd="sng" algn="ctr">
+                      <a:solidFill>
+                        <a:srgbClr val="FF0000"/>
+                      </a:solidFill>
+                      <a:prstDash val="solid"/>
+                      <a:round/>
+                      <a:headEnd type="none" w="med" len="med"/>
+                      <a:tailEnd type="none" w="med" len="med"/>
+                    </a:lnT>
+                    <a:lnB w="12700" cap="flat" cmpd="sng" algn="ctr">
+                      <a:solidFill>
+                        <a:srgbClr val="FF0000"/>
+                      </a:solidFill>
+                      <a:prstDash val="solid"/>
+                      <a:round/>
+                      <a:headEnd type="none" w="med" len="med"/>
+                      <a:tailEnd type="none" w="med" len="med"/>
+                    </a:lnB>
+                    <a:solidFill>
+                      <a:schemeClr val="accent2">
+                        <a:lumMod val="40000"/>
+                        <a:lumOff val="60000"/>
+                      </a:schemeClr>
+                    </a:solidFill>
+                  </a:tcPr>
+                </a:tc>
+                <a:tc>
+                  <a:txBody>
+                    <a:bodyPr/>
+                    <a:lstStyle/>
+                    <a:p>
+                      <a:endParaRPr lang="en-HK" dirty="0"/>
+                    </a:p>
+                  </a:txBody>
+                  <a:tcPr>
+                    <a:lnT w="12700" cap="flat" cmpd="sng" algn="ctr">
+                      <a:solidFill>
+                        <a:srgbClr val="FF0000"/>
+                      </a:solidFill>
+                      <a:prstDash val="solid"/>
+                      <a:round/>
+                      <a:headEnd type="none" w="med" len="med"/>
+                      <a:tailEnd type="none" w="med" len="med"/>
+                    </a:lnT>
+                    <a:lnB w="12700" cap="flat" cmpd="sng" algn="ctr">
+                      <a:solidFill>
+                        <a:srgbClr val="FF0000"/>
+                      </a:solidFill>
+                      <a:prstDash val="solid"/>
+                      <a:round/>
+                      <a:headEnd type="none" w="med" len="med"/>
+                      <a:tailEnd type="none" w="med" len="med"/>
+                    </a:lnB>
+                    <a:solidFill>
+                      <a:schemeClr val="accent2">
+                        <a:lumMod val="40000"/>
+                        <a:lumOff val="60000"/>
+                      </a:schemeClr>
+                    </a:solidFill>
+                  </a:tcPr>
+                </a:tc>
+                <a:tc>
+                  <a:txBody>
+                    <a:bodyPr/>
+                    <a:lstStyle/>
+                    <a:p>
+                      <a:endParaRPr lang="en-HK" dirty="0"/>
+                    </a:p>
+                  </a:txBody>
+                  <a:tcPr>
+                    <a:lnT w="12700" cap="flat" cmpd="sng" algn="ctr">
+                      <a:solidFill>
+                        <a:srgbClr val="FF0000"/>
+                      </a:solidFill>
+                      <a:prstDash val="solid"/>
+                      <a:round/>
+                      <a:headEnd type="none" w="med" len="med"/>
+                      <a:tailEnd type="none" w="med" len="med"/>
+                    </a:lnT>
+                    <a:lnB w="12700" cap="flat" cmpd="sng" algn="ctr">
+                      <a:solidFill>
+                        <a:srgbClr val="FF0000"/>
+                      </a:solidFill>
+                      <a:prstDash val="solid"/>
+                      <a:round/>
+                      <a:headEnd type="none" w="med" len="med"/>
+                      <a:tailEnd type="none" w="med" len="med"/>
+                    </a:lnB>
+                    <a:solidFill>
+                      <a:schemeClr val="accent2">
+                        <a:lumMod val="40000"/>
+                        <a:lumOff val="60000"/>
+                      </a:schemeClr>
+                    </a:solidFill>
+                  </a:tcPr>
+                </a:tc>
+                <a:tc>
+                  <a:txBody>
+                    <a:bodyPr/>
+                    <a:lstStyle/>
+                    <a:p>
+                      <a:endParaRPr lang="en-HK" dirty="0"/>
+                    </a:p>
+                  </a:txBody>
+                  <a:tcPr>
+                    <a:lnT w="12700" cap="flat" cmpd="sng" algn="ctr">
+                      <a:solidFill>
+                        <a:srgbClr val="FF0000"/>
+                      </a:solidFill>
+                      <a:prstDash val="solid"/>
+                      <a:round/>
+                      <a:headEnd type="none" w="med" len="med"/>
+                      <a:tailEnd type="none" w="med" len="med"/>
+                    </a:lnT>
+                    <a:lnB w="12700" cap="flat" cmpd="sng" algn="ctr">
+                      <a:solidFill>
+                        <a:srgbClr val="FF0000"/>
+                      </a:solidFill>
+                      <a:prstDash val="solid"/>
+                      <a:round/>
+                      <a:headEnd type="none" w="med" len="med"/>
+                      <a:tailEnd type="none" w="med" len="med"/>
+                    </a:lnB>
+                    <a:solidFill>
+                      <a:schemeClr val="accent2">
+                        <a:lumMod val="40000"/>
+                        <a:lumOff val="60000"/>
+                      </a:schemeClr>
+                    </a:solidFill>
+                  </a:tcPr>
+                </a:tc>
+                <a:tc>
+                  <a:txBody>
+                    <a:bodyPr/>
+                    <a:lstStyle/>
+                    <a:p>
+                      <a:endParaRPr lang="en-HK" dirty="0"/>
+                    </a:p>
+                  </a:txBody>
+                  <a:tcPr>
+                    <a:lnR w="12700" cap="flat" cmpd="sng" algn="ctr">
+                      <a:solidFill>
+                        <a:srgbClr val="FF0000"/>
+                      </a:solidFill>
+                      <a:prstDash val="solid"/>
+                      <a:round/>
+                      <a:headEnd type="none" w="med" len="med"/>
+                      <a:tailEnd type="none" w="med" len="med"/>
+                    </a:lnR>
+                    <a:lnT w="12700" cap="flat" cmpd="sng" algn="ctr">
+                      <a:solidFill>
+                        <a:srgbClr val="FF0000"/>
+                      </a:solidFill>
+                      <a:prstDash val="solid"/>
+                      <a:round/>
+                      <a:headEnd type="none" w="med" len="med"/>
+                      <a:tailEnd type="none" w="med" len="med"/>
+                    </a:lnT>
+                    <a:lnB w="12700" cap="flat" cmpd="sng" algn="ctr">
+                      <a:solidFill>
+                        <a:srgbClr val="FF0000"/>
+                      </a:solidFill>
+                      <a:prstDash val="solid"/>
+                      <a:round/>
+                      <a:headEnd type="none" w="med" len="med"/>
+                      <a:tailEnd type="none" w="med" len="med"/>
+                    </a:lnB>
+                    <a:solidFill>
+                      <a:schemeClr val="accent1">
+                        <a:lumMod val="40000"/>
+                        <a:lumOff val="60000"/>
+                      </a:schemeClr>
+                    </a:solidFill>
+                  </a:tcPr>
+                </a:tc>
+                <a:tc>
+                  <a:txBody>
+                    <a:bodyPr/>
+                    <a:lstStyle/>
+                    <a:p>
+                      <a:endParaRPr lang="en-HK" dirty="0"/>
+                    </a:p>
+                  </a:txBody>
+                  <a:tcPr>
+                    <a:lnL w="12700" cap="flat" cmpd="sng" algn="ctr">
+                      <a:solidFill>
+                        <a:srgbClr val="FF0000"/>
+                      </a:solidFill>
+                      <a:prstDash val="solid"/>
+                      <a:round/>
+                      <a:headEnd type="none" w="med" len="med"/>
+                      <a:tailEnd type="none" w="med" len="med"/>
+                    </a:lnL>
+                    <a:lnT w="12700" cap="flat" cmpd="sng" algn="ctr">
+                      <a:solidFill>
+                        <a:srgbClr val="FF0000"/>
+                      </a:solidFill>
+                      <a:prstDash val="solid"/>
+                      <a:round/>
+                      <a:headEnd type="none" w="med" len="med"/>
+                      <a:tailEnd type="none" w="med" len="med"/>
+                    </a:lnT>
+                    <a:lnB w="12700" cap="flat" cmpd="sng" algn="ctr">
+                      <a:solidFill>
+                        <a:srgbClr val="FF0000"/>
+                      </a:solidFill>
+                      <a:prstDash val="solid"/>
+                      <a:round/>
+                      <a:headEnd type="none" w="med" len="med"/>
+                      <a:tailEnd type="none" w="med" len="med"/>
+                    </a:lnB>
+                    <a:solidFill>
+                      <a:schemeClr val="accent2">
+                        <a:lumMod val="40000"/>
+                        <a:lumOff val="60000"/>
+                      </a:schemeClr>
+                    </a:solidFill>
+                  </a:tcPr>
+                </a:tc>
+                <a:tc>
+                  <a:txBody>
+                    <a:bodyPr/>
+                    <a:lstStyle/>
+                    <a:p>
+                      <a:endParaRPr lang="en-HK" dirty="0"/>
+                    </a:p>
+                  </a:txBody>
+                  <a:tcPr>
+                    <a:lnT w="12700" cap="flat" cmpd="sng" algn="ctr">
+                      <a:solidFill>
+                        <a:srgbClr val="FF0000"/>
+                      </a:solidFill>
+                      <a:prstDash val="solid"/>
+                      <a:round/>
+                      <a:headEnd type="none" w="med" len="med"/>
+                      <a:tailEnd type="none" w="med" len="med"/>
+                    </a:lnT>
+                    <a:lnB w="12700" cap="flat" cmpd="sng" algn="ctr">
+                      <a:solidFill>
+                        <a:srgbClr val="FF0000"/>
+                      </a:solidFill>
+                      <a:prstDash val="solid"/>
+                      <a:round/>
+                      <a:headEnd type="none" w="med" len="med"/>
+                      <a:tailEnd type="none" w="med" len="med"/>
+                    </a:lnB>
+                    <a:solidFill>
+                      <a:schemeClr val="accent2">
+                        <a:lumMod val="40000"/>
+                        <a:lumOff val="60000"/>
+                      </a:schemeClr>
+                    </a:solidFill>
+                  </a:tcPr>
+                </a:tc>
+                <a:tc>
+                  <a:txBody>
+                    <a:bodyPr/>
+                    <a:lstStyle/>
+                    <a:p>
+                      <a:endParaRPr lang="en-HK" dirty="0"/>
+                    </a:p>
+                  </a:txBody>
+                  <a:tcPr>
+                    <a:lnT w="12700" cap="flat" cmpd="sng" algn="ctr">
+                      <a:solidFill>
+                        <a:srgbClr val="FF0000"/>
+                      </a:solidFill>
+                      <a:prstDash val="solid"/>
+                      <a:round/>
+                      <a:headEnd type="none" w="med" len="med"/>
+                      <a:tailEnd type="none" w="med" len="med"/>
+                    </a:lnT>
+                    <a:lnB w="12700" cap="flat" cmpd="sng" algn="ctr">
+                      <a:solidFill>
+                        <a:srgbClr val="FF0000"/>
+                      </a:solidFill>
+                      <a:prstDash val="solid"/>
+                      <a:round/>
+                      <a:headEnd type="none" w="med" len="med"/>
+                      <a:tailEnd type="none" w="med" len="med"/>
+                    </a:lnB>
+                    <a:solidFill>
+                      <a:schemeClr val="accent2">
+                        <a:lumMod val="40000"/>
+                        <a:lumOff val="60000"/>
+                      </a:schemeClr>
+                    </a:solidFill>
+                  </a:tcPr>
+                </a:tc>
+                <a:tc>
+                  <a:txBody>
+                    <a:bodyPr/>
+                    <a:lstStyle/>
+                    <a:p>
+                      <a:endParaRPr lang="en-HK" dirty="0"/>
+                    </a:p>
+                  </a:txBody>
+                  <a:tcPr>
+                    <a:lnT w="12700" cap="flat" cmpd="sng" algn="ctr">
+                      <a:solidFill>
+                        <a:srgbClr val="FF0000"/>
+                      </a:solidFill>
+                      <a:prstDash val="solid"/>
+                      <a:round/>
+                      <a:headEnd type="none" w="med" len="med"/>
+                      <a:tailEnd type="none" w="med" len="med"/>
+                    </a:lnT>
+                    <a:lnB w="12700" cap="flat" cmpd="sng" algn="ctr">
+                      <a:solidFill>
+                        <a:srgbClr val="FF0000"/>
+                      </a:solidFill>
+                      <a:prstDash val="solid"/>
+                      <a:round/>
+                      <a:headEnd type="none" w="med" len="med"/>
+                      <a:tailEnd type="none" w="med" len="med"/>
+                    </a:lnB>
+                    <a:solidFill>
+                      <a:schemeClr val="accent2">
+                        <a:lumMod val="40000"/>
+                        <a:lumOff val="60000"/>
+                      </a:schemeClr>
+                    </a:solidFill>
+                  </a:tcPr>
+                </a:tc>
+                <a:tc>
+                  <a:txBody>
+                    <a:bodyPr/>
+                    <a:lstStyle/>
+                    <a:p>
+                      <a:endParaRPr lang="en-HK" dirty="0"/>
+                    </a:p>
+                  </a:txBody>
+                  <a:tcPr>
+                    <a:lnR w="12700" cap="flat" cmpd="sng" algn="ctr">
+                      <a:solidFill>
+                        <a:srgbClr val="FF0000"/>
+                      </a:solidFill>
+                      <a:prstDash val="solid"/>
+                      <a:round/>
+                      <a:headEnd type="none" w="med" len="med"/>
+                      <a:tailEnd type="none" w="med" len="med"/>
+                    </a:lnR>
+                    <a:lnT w="12700" cap="flat" cmpd="sng" algn="ctr">
+                      <a:solidFill>
+                        <a:srgbClr val="FF0000"/>
+                      </a:solidFill>
+                      <a:prstDash val="solid"/>
+                      <a:round/>
+                      <a:headEnd type="none" w="med" len="med"/>
+                      <a:tailEnd type="none" w="med" len="med"/>
+                    </a:lnT>
+                    <a:lnB w="12700" cap="flat" cmpd="sng" algn="ctr">
+                      <a:solidFill>
+                        <a:srgbClr val="FF0000"/>
+                      </a:solidFill>
+                      <a:prstDash val="solid"/>
+                      <a:round/>
+                      <a:headEnd type="none" w="med" len="med"/>
+                      <a:tailEnd type="none" w="med" len="med"/>
+                    </a:lnB>
+                    <a:solidFill>
+                      <a:schemeClr val="accent1">
+                        <a:lumMod val="40000"/>
+                        <a:lumOff val="60000"/>
+                      </a:schemeClr>
+                    </a:solidFill>
+                  </a:tcPr>
+                </a:tc>
+                <a:tc>
+                  <a:txBody>
+                    <a:bodyPr/>
+                    <a:lstStyle/>
+                    <a:p>
+                      <a:endParaRPr lang="en-HK" dirty="0"/>
+                    </a:p>
+                  </a:txBody>
+                  <a:tcPr>
+                    <a:lnL w="12700" cap="flat" cmpd="sng" algn="ctr">
+                      <a:solidFill>
+                        <a:srgbClr val="FF0000"/>
+                      </a:solidFill>
+                      <a:prstDash val="solid"/>
+                      <a:round/>
+                      <a:headEnd type="none" w="med" len="med"/>
+                      <a:tailEnd type="none" w="med" len="med"/>
+                    </a:lnL>
+                    <a:lnT w="12700" cap="flat" cmpd="sng" algn="ctr">
+                      <a:solidFill>
+                        <a:srgbClr val="FF0000"/>
+                      </a:solidFill>
+                      <a:prstDash val="solid"/>
+                      <a:round/>
+                      <a:headEnd type="none" w="med" len="med"/>
+                      <a:tailEnd type="none" w="med" len="med"/>
+                    </a:lnT>
+                    <a:lnB w="12700" cap="flat" cmpd="sng" algn="ctr">
+                      <a:solidFill>
+                        <a:srgbClr val="FF0000"/>
+                      </a:solidFill>
+                      <a:prstDash val="solid"/>
+                      <a:round/>
+                      <a:headEnd type="none" w="med" len="med"/>
+                      <a:tailEnd type="none" w="med" len="med"/>
+                    </a:lnB>
+                    <a:solidFill>
+                      <a:schemeClr val="accent2">
+                        <a:lumMod val="40000"/>
+                        <a:lumOff val="60000"/>
+                      </a:schemeClr>
+                    </a:solidFill>
+                  </a:tcPr>
+                </a:tc>
+                <a:tc>
+                  <a:txBody>
+                    <a:bodyPr/>
+                    <a:lstStyle/>
+                    <a:p>
+                      <a:endParaRPr lang="en-HK" dirty="0"/>
+                    </a:p>
+                  </a:txBody>
+                  <a:tcPr>
+                    <a:lnT w="12700" cap="flat" cmpd="sng" algn="ctr">
+                      <a:solidFill>
+                        <a:srgbClr val="FF0000"/>
+                      </a:solidFill>
+                      <a:prstDash val="solid"/>
+                      <a:round/>
+                      <a:headEnd type="none" w="med" len="med"/>
+                      <a:tailEnd type="none" w="med" len="med"/>
+                    </a:lnT>
+                    <a:lnB w="12700" cap="flat" cmpd="sng" algn="ctr">
+                      <a:solidFill>
+                        <a:srgbClr val="FF0000"/>
+                      </a:solidFill>
+                      <a:prstDash val="solid"/>
+                      <a:round/>
+                      <a:headEnd type="none" w="med" len="med"/>
+                      <a:tailEnd type="none" w="med" len="med"/>
+                    </a:lnB>
+                    <a:solidFill>
+                      <a:schemeClr val="accent2">
+                        <a:lumMod val="40000"/>
+                        <a:lumOff val="60000"/>
+                      </a:schemeClr>
+                    </a:solidFill>
+                  </a:tcPr>
+                </a:tc>
+                <a:tc>
+                  <a:txBody>
+                    <a:bodyPr/>
+                    <a:lstStyle/>
+                    <a:p>
+                      <a:endParaRPr lang="en-HK" dirty="0"/>
+                    </a:p>
+                  </a:txBody>
+                  <a:tcPr>
+                    <a:lnT w="12700" cap="flat" cmpd="sng" algn="ctr">
+                      <a:solidFill>
+                        <a:srgbClr val="FF0000"/>
+                      </a:solidFill>
+                      <a:prstDash val="solid"/>
+                      <a:round/>
+                      <a:headEnd type="none" w="med" len="med"/>
+                      <a:tailEnd type="none" w="med" len="med"/>
+                    </a:lnT>
+                    <a:lnB w="12700" cap="flat" cmpd="sng" algn="ctr">
+                      <a:solidFill>
+                        <a:srgbClr val="FF0000"/>
+                      </a:solidFill>
+                      <a:prstDash val="solid"/>
+                      <a:round/>
+                      <a:headEnd type="none" w="med" len="med"/>
+                      <a:tailEnd type="none" w="med" len="med"/>
+                    </a:lnB>
+                    <a:solidFill>
+                      <a:schemeClr val="accent2">
+                        <a:lumMod val="40000"/>
+                        <a:lumOff val="60000"/>
+                      </a:schemeClr>
+                    </a:solidFill>
+                  </a:tcPr>
+                </a:tc>
+                <a:tc>
+                  <a:txBody>
+                    <a:bodyPr/>
+                    <a:lstStyle/>
+                    <a:p>
+                      <a:endParaRPr lang="en-HK" dirty="0"/>
+                    </a:p>
+                  </a:txBody>
+                  <a:tcPr>
+                    <a:lnT w="12700" cap="flat" cmpd="sng" algn="ctr">
+                      <a:solidFill>
+                        <a:srgbClr val="FF0000"/>
+                      </a:solidFill>
+                      <a:prstDash val="solid"/>
+                      <a:round/>
+                      <a:headEnd type="none" w="med" len="med"/>
+                      <a:tailEnd type="none" w="med" len="med"/>
+                    </a:lnT>
+                    <a:lnB w="12700" cap="flat" cmpd="sng" algn="ctr">
+                      <a:solidFill>
+                        <a:srgbClr val="FF0000"/>
+                      </a:solidFill>
+                      <a:prstDash val="solid"/>
+                      <a:round/>
+                      <a:headEnd type="none" w="med" len="med"/>
+                      <a:tailEnd type="none" w="med" len="med"/>
+                    </a:lnB>
+                    <a:solidFill>
+                      <a:schemeClr val="accent2">
+                        <a:lumMod val="40000"/>
+                        <a:lumOff val="60000"/>
+                      </a:schemeClr>
+                    </a:solidFill>
+                  </a:tcPr>
+                </a:tc>
+                <a:tc>
+                  <a:txBody>
+                    <a:bodyPr/>
+                    <a:lstStyle/>
+                    <a:p>
+                      <a:endParaRPr lang="en-HK" dirty="0"/>
+                    </a:p>
+                  </a:txBody>
+                  <a:tcPr>
+                    <a:lnR w="12700" cap="flat" cmpd="sng" algn="ctr">
+                      <a:solidFill>
+                        <a:srgbClr val="FF0000"/>
+                      </a:solidFill>
+                      <a:prstDash val="solid"/>
+                      <a:round/>
+                      <a:headEnd type="none" w="med" len="med"/>
+                      <a:tailEnd type="none" w="med" len="med"/>
+                    </a:lnR>
+                    <a:lnT w="12700" cap="flat" cmpd="sng" algn="ctr">
+                      <a:solidFill>
+                        <a:srgbClr val="FF0000"/>
+                      </a:solidFill>
+                      <a:prstDash val="solid"/>
+                      <a:round/>
+                      <a:headEnd type="none" w="med" len="med"/>
+                      <a:tailEnd type="none" w="med" len="med"/>
+                    </a:lnT>
+                    <a:lnB w="12700" cap="flat" cmpd="sng" algn="ctr">
+                      <a:solidFill>
+                        <a:srgbClr val="FF0000"/>
+                      </a:solidFill>
+                      <a:prstDash val="solid"/>
+                      <a:round/>
+                      <a:headEnd type="none" w="med" len="med"/>
+                      <a:tailEnd type="none" w="med" len="med"/>
+                    </a:lnB>
+                    <a:solidFill>
+                      <a:schemeClr val="accent1">
+                        <a:lumMod val="40000"/>
+                        <a:lumOff val="60000"/>
+                      </a:schemeClr>
+                    </a:solidFill>
+                  </a:tcPr>
+                </a:tc>
+                <a:tc>
+                  <a:txBody>
+                    <a:bodyPr/>
+                    <a:lstStyle/>
+                    <a:p>
+                      <a:endParaRPr lang="en-HK" dirty="0"/>
+                    </a:p>
+                  </a:txBody>
+                  <a:tcPr>
+                    <a:lnL w="12700" cap="flat" cmpd="sng" algn="ctr">
+                      <a:solidFill>
+                        <a:srgbClr val="FF0000"/>
+                      </a:solidFill>
+                      <a:prstDash val="solid"/>
+                      <a:round/>
+                      <a:headEnd type="none" w="med" len="med"/>
+                      <a:tailEnd type="none" w="med" len="med"/>
+                    </a:lnL>
+                    <a:solidFill>
+                      <a:schemeClr val="bg2">
+                        <a:lumMod val="90000"/>
+                      </a:schemeClr>
+                    </a:solidFill>
+                  </a:tcPr>
+                </a:tc>
+                <a:extLst>
+                  <a:ext uri="{0D108BD9-81ED-4DB2-BD59-A6C34878D82A}">
+                    <a16:rowId xmlns:a16="http://schemas.microsoft.com/office/drawing/2014/main" val="2601047344"/>
+                  </a:ext>
+                </a:extLst>
+              </a:tr>
+            </a:tbl>
+          </a:graphicData>
+        </a:graphic>
+      </p:graphicFrame>
+      <p:graphicFrame>
+        <p:nvGraphicFramePr>
+          <p:cNvPr id="5" name="Table 4">
+            <a:extLst>
+              <a:ext uri="{FF2B5EF4-FFF2-40B4-BE49-F238E27FC236}">
+                <a16:creationId xmlns:a16="http://schemas.microsoft.com/office/drawing/2014/main" id="{19DD21D9-000A-2DDC-E926-A3405C49043B}"/>
+              </a:ext>
+            </a:extLst>
+          </p:cNvPr>
+          <p:cNvGraphicFramePr>
+            <a:graphicFrameLocks noGrp="1"/>
+          </p:cNvGraphicFramePr>
+          <p:nvPr>
+            <p:extLst>
+              <p:ext uri="{D42A27DB-BD31-4B8C-83A1-F6EECF244321}">
+                <p14:modId xmlns:p14="http://schemas.microsoft.com/office/powerpoint/2010/main" val="1495715592"/>
+              </p:ext>
+            </p:extLst>
+          </p:nvPr>
+        </p:nvGraphicFramePr>
+        <p:xfrm>
+          <a:off x="2106748" y="2504042"/>
+          <a:ext cx="6723822" cy="370840"/>
+        </p:xfrm>
+        <a:graphic>
+          <a:graphicData uri="http://schemas.openxmlformats.org/drawingml/2006/table">
+            <a:tbl>
+              <a:tblPr firstRow="1" bandRow="1">
+                <a:tableStyleId>{5C22544A-7EE6-4342-B048-85BDC9FD1C3A}</a:tableStyleId>
+              </a:tblPr>
+              <a:tblGrid>
+                <a:gridCol w="320182">
+                  <a:extLst>
+                    <a:ext uri="{9D8B030D-6E8A-4147-A177-3AD203B41FA5}">
+                      <a16:colId xmlns:a16="http://schemas.microsoft.com/office/drawing/2014/main" val="1958716807"/>
+                    </a:ext>
+                  </a:extLst>
+                </a:gridCol>
+                <a:gridCol w="320182">
+                  <a:extLst>
+                    <a:ext uri="{9D8B030D-6E8A-4147-A177-3AD203B41FA5}">
+                      <a16:colId xmlns:a16="http://schemas.microsoft.com/office/drawing/2014/main" val="2177103222"/>
+                    </a:ext>
+                  </a:extLst>
+                </a:gridCol>
+                <a:gridCol w="320182">
+                  <a:extLst>
+                    <a:ext uri="{9D8B030D-6E8A-4147-A177-3AD203B41FA5}">
+                      <a16:colId xmlns:a16="http://schemas.microsoft.com/office/drawing/2014/main" val="191291771"/>
+                    </a:ext>
+                  </a:extLst>
+                </a:gridCol>
+                <a:gridCol w="320182">
+                  <a:extLst>
+                    <a:ext uri="{9D8B030D-6E8A-4147-A177-3AD203B41FA5}">
+                      <a16:colId xmlns:a16="http://schemas.microsoft.com/office/drawing/2014/main" val="3409141404"/>
+                    </a:ext>
+                  </a:extLst>
+                </a:gridCol>
+                <a:gridCol w="320182">
+                  <a:extLst>
+                    <a:ext uri="{9D8B030D-6E8A-4147-A177-3AD203B41FA5}">
+                      <a16:colId xmlns:a16="http://schemas.microsoft.com/office/drawing/2014/main" val="217707470"/>
+                    </a:ext>
+                  </a:extLst>
+                </a:gridCol>
+                <a:gridCol w="320182">
+                  <a:extLst>
+                    <a:ext uri="{9D8B030D-6E8A-4147-A177-3AD203B41FA5}">
+                      <a16:colId xmlns:a16="http://schemas.microsoft.com/office/drawing/2014/main" val="2493533114"/>
+                    </a:ext>
+                  </a:extLst>
+                </a:gridCol>
+                <a:gridCol w="320182">
+                  <a:extLst>
+                    <a:ext uri="{9D8B030D-6E8A-4147-A177-3AD203B41FA5}">
+                      <a16:colId xmlns:a16="http://schemas.microsoft.com/office/drawing/2014/main" val="1642796582"/>
+                    </a:ext>
+                  </a:extLst>
+                </a:gridCol>
+                <a:gridCol w="320182">
+                  <a:extLst>
+                    <a:ext uri="{9D8B030D-6E8A-4147-A177-3AD203B41FA5}">
+                      <a16:colId xmlns:a16="http://schemas.microsoft.com/office/drawing/2014/main" val="770379941"/>
+                    </a:ext>
+                  </a:extLst>
+                </a:gridCol>
+                <a:gridCol w="320182">
+                  <a:extLst>
+                    <a:ext uri="{9D8B030D-6E8A-4147-A177-3AD203B41FA5}">
+                      <a16:colId xmlns:a16="http://schemas.microsoft.com/office/drawing/2014/main" val="2183018877"/>
+                    </a:ext>
+                  </a:extLst>
+                </a:gridCol>
+                <a:gridCol w="320182">
+                  <a:extLst>
+                    <a:ext uri="{9D8B030D-6E8A-4147-A177-3AD203B41FA5}">
+                      <a16:colId xmlns:a16="http://schemas.microsoft.com/office/drawing/2014/main" val="3957069584"/>
+                    </a:ext>
+                  </a:extLst>
+                </a:gridCol>
+                <a:gridCol w="320182">
+                  <a:extLst>
+                    <a:ext uri="{9D8B030D-6E8A-4147-A177-3AD203B41FA5}">
+                      <a16:colId xmlns:a16="http://schemas.microsoft.com/office/drawing/2014/main" val="647280036"/>
+                    </a:ext>
+                  </a:extLst>
+                </a:gridCol>
+                <a:gridCol w="320182">
+                  <a:extLst>
+                    <a:ext uri="{9D8B030D-6E8A-4147-A177-3AD203B41FA5}">
+                      <a16:colId xmlns:a16="http://schemas.microsoft.com/office/drawing/2014/main" val="3244291510"/>
+                    </a:ext>
+                  </a:extLst>
+                </a:gridCol>
+                <a:gridCol w="320182">
+                  <a:extLst>
+                    <a:ext uri="{9D8B030D-6E8A-4147-A177-3AD203B41FA5}">
+                      <a16:colId xmlns:a16="http://schemas.microsoft.com/office/drawing/2014/main" val="3722398860"/>
+                    </a:ext>
+                  </a:extLst>
+                </a:gridCol>
+                <a:gridCol w="320182">
+                  <a:extLst>
+                    <a:ext uri="{9D8B030D-6E8A-4147-A177-3AD203B41FA5}">
+                      <a16:colId xmlns:a16="http://schemas.microsoft.com/office/drawing/2014/main" val="3415233984"/>
+                    </a:ext>
+                  </a:extLst>
+                </a:gridCol>
+                <a:gridCol w="320182">
+                  <a:extLst>
+                    <a:ext uri="{9D8B030D-6E8A-4147-A177-3AD203B41FA5}">
+                      <a16:colId xmlns:a16="http://schemas.microsoft.com/office/drawing/2014/main" val="2902414225"/>
+                    </a:ext>
+                  </a:extLst>
+                </a:gridCol>
+                <a:gridCol w="320182">
+                  <a:extLst>
+                    <a:ext uri="{9D8B030D-6E8A-4147-A177-3AD203B41FA5}">
+                      <a16:colId xmlns:a16="http://schemas.microsoft.com/office/drawing/2014/main" val="1661741288"/>
+                    </a:ext>
+                  </a:extLst>
+                </a:gridCol>
+                <a:gridCol w="320182">
+                  <a:extLst>
+                    <a:ext uri="{9D8B030D-6E8A-4147-A177-3AD203B41FA5}">
+                      <a16:colId xmlns:a16="http://schemas.microsoft.com/office/drawing/2014/main" val="3311475659"/>
+                    </a:ext>
+                  </a:extLst>
+                </a:gridCol>
+                <a:gridCol w="320182">
+                  <a:extLst>
+                    <a:ext uri="{9D8B030D-6E8A-4147-A177-3AD203B41FA5}">
+                      <a16:colId xmlns:a16="http://schemas.microsoft.com/office/drawing/2014/main" val="1290295606"/>
+                    </a:ext>
+                  </a:extLst>
+                </a:gridCol>
+                <a:gridCol w="320182">
+                  <a:extLst>
+                    <a:ext uri="{9D8B030D-6E8A-4147-A177-3AD203B41FA5}">
+                      <a16:colId xmlns:a16="http://schemas.microsoft.com/office/drawing/2014/main" val="1857034175"/>
+                    </a:ext>
+                  </a:extLst>
+                </a:gridCol>
+                <a:gridCol w="320182">
+                  <a:extLst>
+                    <a:ext uri="{9D8B030D-6E8A-4147-A177-3AD203B41FA5}">
+                      <a16:colId xmlns:a16="http://schemas.microsoft.com/office/drawing/2014/main" val="2683234811"/>
+                    </a:ext>
+                  </a:extLst>
+                </a:gridCol>
+                <a:gridCol w="320182">
+                  <a:extLst>
+                    <a:ext uri="{9D8B030D-6E8A-4147-A177-3AD203B41FA5}">
+                      <a16:colId xmlns:a16="http://schemas.microsoft.com/office/drawing/2014/main" val="2175505222"/>
+                    </a:ext>
+                  </a:extLst>
+                </a:gridCol>
+              </a:tblGrid>
+              <a:tr h="370840">
+                <a:tc>
+                  <a:txBody>
+                    <a:bodyPr/>
+                    <a:lstStyle/>
+                    <a:p>
+                      <a:endParaRPr lang="en-HK" dirty="0"/>
+                    </a:p>
+                  </a:txBody>
+                  <a:tcPr>
+                    <a:lnL w="12700" cap="flat" cmpd="sng" algn="ctr">
+                      <a:solidFill>
+                        <a:srgbClr val="FF0000"/>
+                      </a:solidFill>
+                      <a:prstDash val="solid"/>
+                      <a:round/>
+                      <a:headEnd type="none" w="med" len="med"/>
+                      <a:tailEnd type="none" w="med" len="med"/>
+                    </a:lnL>
+                    <a:lnT w="12700" cap="flat" cmpd="sng" algn="ctr">
+                      <a:solidFill>
+                        <a:srgbClr val="FF0000"/>
+                      </a:solidFill>
+                      <a:prstDash val="solid"/>
+                      <a:round/>
+                      <a:headEnd type="none" w="med" len="med"/>
+                      <a:tailEnd type="none" w="med" len="med"/>
+                    </a:lnT>
+                    <a:lnB w="12700" cap="flat" cmpd="sng" algn="ctr">
+                      <a:solidFill>
+                        <a:srgbClr val="FF0000"/>
+                      </a:solidFill>
+                      <a:prstDash val="solid"/>
+                      <a:round/>
+                      <a:headEnd type="none" w="med" len="med"/>
+                      <a:tailEnd type="none" w="med" len="med"/>
+                    </a:lnB>
+                    <a:solidFill>
+                      <a:schemeClr val="accent2">
+                        <a:lumMod val="40000"/>
+                        <a:lumOff val="60000"/>
+                      </a:schemeClr>
+                    </a:solidFill>
+                  </a:tcPr>
+                </a:tc>
+                <a:tc>
+                  <a:txBody>
+                    <a:bodyPr/>
+                    <a:lstStyle/>
+                    <a:p>
+                      <a:endParaRPr lang="en-HK" dirty="0"/>
+                    </a:p>
+                  </a:txBody>
+                  <a:tcPr>
+                    <a:lnT w="12700" cap="flat" cmpd="sng" algn="ctr">
+                      <a:solidFill>
+                        <a:srgbClr val="FF0000"/>
+                      </a:solidFill>
+                      <a:prstDash val="solid"/>
+                      <a:round/>
+                      <a:headEnd type="none" w="med" len="med"/>
+                      <a:tailEnd type="none" w="med" len="med"/>
+                    </a:lnT>
+                    <a:lnB w="12700" cap="flat" cmpd="sng" algn="ctr">
+                      <a:solidFill>
+                        <a:srgbClr val="FF0000"/>
+                      </a:solidFill>
+                      <a:prstDash val="solid"/>
+                      <a:round/>
+                      <a:headEnd type="none" w="med" len="med"/>
+                      <a:tailEnd type="none" w="med" len="med"/>
+                    </a:lnB>
+                    <a:solidFill>
+                      <a:schemeClr val="accent2">
+                        <a:lumMod val="40000"/>
+                        <a:lumOff val="60000"/>
+                      </a:schemeClr>
+                    </a:solidFill>
+                  </a:tcPr>
+                </a:tc>
+                <a:tc>
+                  <a:txBody>
+                    <a:bodyPr/>
+                    <a:lstStyle/>
+                    <a:p>
+                      <a:endParaRPr lang="en-HK" dirty="0"/>
+                    </a:p>
+                  </a:txBody>
+                  <a:tcPr>
+                    <a:lnT w="12700" cap="flat" cmpd="sng" algn="ctr">
+                      <a:solidFill>
+                        <a:srgbClr val="FF0000"/>
+                      </a:solidFill>
+                      <a:prstDash val="solid"/>
+                      <a:round/>
+                      <a:headEnd type="none" w="med" len="med"/>
+                      <a:tailEnd type="none" w="med" len="med"/>
+                    </a:lnT>
+                    <a:lnB w="12700" cap="flat" cmpd="sng" algn="ctr">
+                      <a:solidFill>
+                        <a:srgbClr val="FF0000"/>
+                      </a:solidFill>
+                      <a:prstDash val="solid"/>
+                      <a:round/>
+                      <a:headEnd type="none" w="med" len="med"/>
+                      <a:tailEnd type="none" w="med" len="med"/>
+                    </a:lnB>
+                    <a:solidFill>
+                      <a:schemeClr val="accent2">
+                        <a:lumMod val="40000"/>
+                        <a:lumOff val="60000"/>
+                      </a:schemeClr>
+                    </a:solidFill>
+                  </a:tcPr>
+                </a:tc>
+                <a:tc>
+                  <a:txBody>
+                    <a:bodyPr/>
+                    <a:lstStyle/>
+                    <a:p>
+                      <a:endParaRPr lang="en-HK" dirty="0"/>
+                    </a:p>
+                  </a:txBody>
+                  <a:tcPr>
+                    <a:lnR w="12700" cap="flat" cmpd="sng" algn="ctr">
+                      <a:solidFill>
+                        <a:srgbClr val="FF0000"/>
+                      </a:solidFill>
+                      <a:prstDash val="solid"/>
+                      <a:round/>
+                      <a:headEnd type="none" w="med" len="med"/>
+                      <a:tailEnd type="none" w="med" len="med"/>
+                    </a:lnR>
+                    <a:lnT w="12700" cap="flat" cmpd="sng" algn="ctr">
+                      <a:solidFill>
+                        <a:srgbClr val="FF0000"/>
+                      </a:solidFill>
+                      <a:prstDash val="solid"/>
+                      <a:round/>
+                      <a:headEnd type="none" w="med" len="med"/>
+                      <a:tailEnd type="none" w="med" len="med"/>
+                    </a:lnT>
+                    <a:lnB w="12700" cap="flat" cmpd="sng" algn="ctr">
+                      <a:solidFill>
+                        <a:srgbClr val="FF0000"/>
+                      </a:solidFill>
+                      <a:prstDash val="solid"/>
+                      <a:round/>
+                      <a:headEnd type="none" w="med" len="med"/>
+                      <a:tailEnd type="none" w="med" len="med"/>
+                    </a:lnB>
+                    <a:solidFill>
+                      <a:schemeClr val="accent1">
+                        <a:lumMod val="40000"/>
+                        <a:lumOff val="60000"/>
+                      </a:schemeClr>
+                    </a:solidFill>
+                  </a:tcPr>
+                </a:tc>
+                <a:tc>
+                  <a:txBody>
+                    <a:bodyPr/>
+                    <a:lstStyle/>
+                    <a:p>
+                      <a:endParaRPr lang="en-HK" dirty="0"/>
+                    </a:p>
+                  </a:txBody>
+                  <a:tcPr>
+                    <a:lnL w="12700" cap="flat" cmpd="sng" algn="ctr">
+                      <a:solidFill>
+                        <a:srgbClr val="FF0000"/>
+                      </a:solidFill>
+                      <a:prstDash val="solid"/>
+                      <a:round/>
+                      <a:headEnd type="none" w="med" len="med"/>
+                      <a:tailEnd type="none" w="med" len="med"/>
+                    </a:lnL>
+                    <a:lnT w="12700" cap="flat" cmpd="sng" algn="ctr">
+                      <a:solidFill>
+                        <a:srgbClr val="FF0000"/>
+                      </a:solidFill>
+                      <a:prstDash val="solid"/>
+                      <a:round/>
+                      <a:headEnd type="none" w="med" len="med"/>
+                      <a:tailEnd type="none" w="med" len="med"/>
+                    </a:lnT>
+                    <a:lnB w="12700" cap="flat" cmpd="sng" algn="ctr">
+                      <a:solidFill>
+                        <a:srgbClr val="FF0000"/>
+                      </a:solidFill>
+                      <a:prstDash val="solid"/>
+                      <a:round/>
+                      <a:headEnd type="none" w="med" len="med"/>
+                      <a:tailEnd type="none" w="med" len="med"/>
+                    </a:lnB>
+                    <a:solidFill>
+                      <a:schemeClr val="accent2">
+                        <a:lumMod val="40000"/>
+                        <a:lumOff val="60000"/>
+                      </a:schemeClr>
+                    </a:solidFill>
+                  </a:tcPr>
+                </a:tc>
+                <a:tc>
+                  <a:txBody>
+                    <a:bodyPr/>
+                    <a:lstStyle/>
+                    <a:p>
+                      <a:endParaRPr lang="en-HK" dirty="0"/>
+                    </a:p>
+                  </a:txBody>
+                  <a:tcPr>
+                    <a:lnT w="12700" cap="flat" cmpd="sng" algn="ctr">
+                      <a:solidFill>
+                        <a:srgbClr val="FF0000"/>
+                      </a:solidFill>
+                      <a:prstDash val="solid"/>
+                      <a:round/>
+                      <a:headEnd type="none" w="med" len="med"/>
+                      <a:tailEnd type="none" w="med" len="med"/>
+                    </a:lnT>
+                    <a:lnB w="12700" cap="flat" cmpd="sng" algn="ctr">
+                      <a:solidFill>
+                        <a:srgbClr val="FF0000"/>
+                      </a:solidFill>
+                      <a:prstDash val="solid"/>
+                      <a:round/>
+                      <a:headEnd type="none" w="med" len="med"/>
+                      <a:tailEnd type="none" w="med" len="med"/>
+                    </a:lnB>
+                    <a:solidFill>
+                      <a:schemeClr val="accent2">
+                        <a:lumMod val="40000"/>
+                        <a:lumOff val="60000"/>
+                      </a:schemeClr>
+                    </a:solidFill>
+                  </a:tcPr>
+                </a:tc>
+                <a:tc>
+                  <a:txBody>
+                    <a:bodyPr/>
+                    <a:lstStyle/>
+                    <a:p>
+                      <a:endParaRPr lang="en-HK" dirty="0"/>
+                    </a:p>
+                  </a:txBody>
+                  <a:tcPr>
+                    <a:lnT w="12700" cap="flat" cmpd="sng" algn="ctr">
+                      <a:solidFill>
+                        <a:srgbClr val="FF0000"/>
+                      </a:solidFill>
+                      <a:prstDash val="solid"/>
+                      <a:round/>
+                      <a:headEnd type="none" w="med" len="med"/>
+                      <a:tailEnd type="none" w="med" len="med"/>
+                    </a:lnT>
+                    <a:lnB w="12700" cap="flat" cmpd="sng" algn="ctr">
+                      <a:solidFill>
+                        <a:srgbClr val="FF0000"/>
+                      </a:solidFill>
+                      <a:prstDash val="solid"/>
+                      <a:round/>
+                      <a:headEnd type="none" w="med" len="med"/>
+                      <a:tailEnd type="none" w="med" len="med"/>
+                    </a:lnB>
+                    <a:solidFill>
+                      <a:schemeClr val="accent2">
+                        <a:lumMod val="40000"/>
+                        <a:lumOff val="60000"/>
+                      </a:schemeClr>
+                    </a:solidFill>
+                  </a:tcPr>
+                </a:tc>
+                <a:tc>
+                  <a:txBody>
+                    <a:bodyPr/>
+                    <a:lstStyle/>
+                    <a:p>
+                      <a:endParaRPr lang="en-HK" dirty="0"/>
+                    </a:p>
+                  </a:txBody>
+                  <a:tcPr>
+                    <a:lnR w="12700" cap="flat" cmpd="sng" algn="ctr">
+                      <a:solidFill>
+                        <a:srgbClr val="FF0000"/>
+                      </a:solidFill>
+                      <a:prstDash val="solid"/>
+                      <a:round/>
+                      <a:headEnd type="none" w="med" len="med"/>
+                      <a:tailEnd type="none" w="med" len="med"/>
+                    </a:lnR>
+                    <a:lnT w="12700" cap="flat" cmpd="sng" algn="ctr">
+                      <a:solidFill>
+                        <a:srgbClr val="FF0000"/>
+                      </a:solidFill>
+                      <a:prstDash val="solid"/>
+                      <a:round/>
+                      <a:headEnd type="none" w="med" len="med"/>
+                      <a:tailEnd type="none" w="med" len="med"/>
+                    </a:lnT>
+                    <a:lnB w="12700" cap="flat" cmpd="sng" algn="ctr">
+                      <a:solidFill>
+                        <a:srgbClr val="FF0000"/>
+                      </a:solidFill>
+                      <a:prstDash val="solid"/>
+                      <a:round/>
+                      <a:headEnd type="none" w="med" len="med"/>
+                      <a:tailEnd type="none" w="med" len="med"/>
+                    </a:lnB>
+                    <a:solidFill>
+                      <a:schemeClr val="accent1">
+                        <a:lumMod val="40000"/>
+                        <a:lumOff val="60000"/>
+                      </a:schemeClr>
+                    </a:solidFill>
+                  </a:tcPr>
+                </a:tc>
+                <a:tc>
+                  <a:txBody>
+                    <a:bodyPr/>
+                    <a:lstStyle/>
+                    <a:p>
+                      <a:endParaRPr lang="en-HK" dirty="0"/>
+                    </a:p>
+                  </a:txBody>
+                  <a:tcPr>
+                    <a:lnL w="12700" cap="flat" cmpd="sng" algn="ctr">
+                      <a:solidFill>
+                        <a:srgbClr val="FF0000"/>
+                      </a:solidFill>
+                      <a:prstDash val="solid"/>
+                      <a:round/>
+                      <a:headEnd type="none" w="med" len="med"/>
+                      <a:tailEnd type="none" w="med" len="med"/>
+                    </a:lnL>
+                    <a:lnT w="12700" cap="flat" cmpd="sng" algn="ctr">
+                      <a:solidFill>
+                        <a:srgbClr val="FF0000"/>
+                      </a:solidFill>
+                      <a:prstDash val="solid"/>
+                      <a:round/>
+                      <a:headEnd type="none" w="med" len="med"/>
+                      <a:tailEnd type="none" w="med" len="med"/>
+                    </a:lnT>
+                    <a:lnB w="12700" cap="flat" cmpd="sng" algn="ctr">
+                      <a:solidFill>
+                        <a:srgbClr val="FF0000"/>
+                      </a:solidFill>
+                      <a:prstDash val="solid"/>
+                      <a:round/>
+                      <a:headEnd type="none" w="med" len="med"/>
+                      <a:tailEnd type="none" w="med" len="med"/>
+                    </a:lnB>
+                    <a:solidFill>
+                      <a:schemeClr val="accent2">
+                        <a:lumMod val="40000"/>
+                        <a:lumOff val="60000"/>
+                      </a:schemeClr>
+                    </a:solidFill>
+                  </a:tcPr>
+                </a:tc>
+                <a:tc>
+                  <a:txBody>
+                    <a:bodyPr/>
+                    <a:lstStyle/>
+                    <a:p>
+                      <a:endParaRPr lang="en-HK" dirty="0"/>
+                    </a:p>
+                  </a:txBody>
+                  <a:tcPr>
+                    <a:lnT w="12700" cap="flat" cmpd="sng" algn="ctr">
+                      <a:solidFill>
+                        <a:srgbClr val="FF0000"/>
+                      </a:solidFill>
+                      <a:prstDash val="solid"/>
+                      <a:round/>
+                      <a:headEnd type="none" w="med" len="med"/>
+                      <a:tailEnd type="none" w="med" len="med"/>
+                    </a:lnT>
+                    <a:lnB w="12700" cap="flat" cmpd="sng" algn="ctr">
+                      <a:solidFill>
+                        <a:srgbClr val="FF0000"/>
+                      </a:solidFill>
+                      <a:prstDash val="solid"/>
+                      <a:round/>
+                      <a:headEnd type="none" w="med" len="med"/>
+                      <a:tailEnd type="none" w="med" len="med"/>
+                    </a:lnB>
+                    <a:solidFill>
+                      <a:schemeClr val="accent2">
+                        <a:lumMod val="40000"/>
+                        <a:lumOff val="60000"/>
+                      </a:schemeClr>
+                    </a:solidFill>
+                  </a:tcPr>
+                </a:tc>
+                <a:tc>
+                  <a:txBody>
+                    <a:bodyPr/>
+                    <a:lstStyle/>
+                    <a:p>
+                      <a:endParaRPr lang="en-HK" dirty="0"/>
+                    </a:p>
+                  </a:txBody>
+                  <a:tcPr>
+                    <a:lnT w="12700" cap="flat" cmpd="sng" algn="ctr">
+                      <a:solidFill>
+                        <a:srgbClr val="FF0000"/>
+                      </a:solidFill>
+                      <a:prstDash val="solid"/>
+                      <a:round/>
+                      <a:headEnd type="none" w="med" len="med"/>
+                      <a:tailEnd type="none" w="med" len="med"/>
+                    </a:lnT>
+                    <a:lnB w="12700" cap="flat" cmpd="sng" algn="ctr">
+                      <a:solidFill>
+                        <a:srgbClr val="FF0000"/>
+                      </a:solidFill>
+                      <a:prstDash val="solid"/>
+                      <a:round/>
+                      <a:headEnd type="none" w="med" len="med"/>
+                      <a:tailEnd type="none" w="med" len="med"/>
+                    </a:lnB>
+                    <a:solidFill>
+                      <a:schemeClr val="accent2">
+                        <a:lumMod val="40000"/>
+                        <a:lumOff val="60000"/>
+                      </a:schemeClr>
+                    </a:solidFill>
+                  </a:tcPr>
+                </a:tc>
+                <a:tc>
+                  <a:txBody>
+                    <a:bodyPr/>
+                    <a:lstStyle/>
+                    <a:p>
+                      <a:endParaRPr lang="en-HK" dirty="0"/>
+                    </a:p>
+                  </a:txBody>
+                  <a:tcPr>
+                    <a:lnR w="12700" cap="flat" cmpd="sng" algn="ctr">
+                      <a:solidFill>
+                        <a:srgbClr val="FF0000"/>
+                      </a:solidFill>
+                      <a:prstDash val="solid"/>
+                      <a:round/>
+                      <a:headEnd type="none" w="med" len="med"/>
+                      <a:tailEnd type="none" w="med" len="med"/>
+                    </a:lnR>
+                    <a:lnT w="12700" cap="flat" cmpd="sng" algn="ctr">
+                      <a:solidFill>
+                        <a:srgbClr val="FF0000"/>
+                      </a:solidFill>
+                      <a:prstDash val="solid"/>
+                      <a:round/>
+                      <a:headEnd type="none" w="med" len="med"/>
+                      <a:tailEnd type="none" w="med" len="med"/>
+                    </a:lnT>
+                    <a:lnB w="12700" cap="flat" cmpd="sng" algn="ctr">
+                      <a:solidFill>
+                        <a:srgbClr val="FF0000"/>
+                      </a:solidFill>
+                      <a:prstDash val="solid"/>
+                      <a:round/>
+                      <a:headEnd type="none" w="med" len="med"/>
+                      <a:tailEnd type="none" w="med" len="med"/>
+                    </a:lnB>
+                    <a:solidFill>
+                      <a:schemeClr val="accent1">
+                        <a:lumMod val="40000"/>
+                        <a:lumOff val="60000"/>
+                      </a:schemeClr>
+                    </a:solidFill>
+                  </a:tcPr>
+                </a:tc>
+                <a:tc>
+                  <a:txBody>
+                    <a:bodyPr/>
+                    <a:lstStyle/>
+                    <a:p>
+                      <a:endParaRPr lang="en-HK" dirty="0"/>
+                    </a:p>
+                  </a:txBody>
+                  <a:tcPr>
+                    <a:lnL w="12700" cap="flat" cmpd="sng" algn="ctr">
+                      <a:solidFill>
+                        <a:srgbClr val="FF0000"/>
+                      </a:solidFill>
+                      <a:prstDash val="solid"/>
+                      <a:round/>
+                      <a:headEnd type="none" w="med" len="med"/>
+                      <a:tailEnd type="none" w="med" len="med"/>
+                    </a:lnL>
+                    <a:lnT w="12700" cap="flat" cmpd="sng" algn="ctr">
+                      <a:solidFill>
+                        <a:srgbClr val="FF0000"/>
+                      </a:solidFill>
+                      <a:prstDash val="solid"/>
+                      <a:round/>
+                      <a:headEnd type="none" w="med" len="med"/>
+                      <a:tailEnd type="none" w="med" len="med"/>
+                    </a:lnT>
+                    <a:lnB w="12700" cap="flat" cmpd="sng" algn="ctr">
+                      <a:solidFill>
+                        <a:srgbClr val="FF0000"/>
+                      </a:solidFill>
+                      <a:prstDash val="solid"/>
+                      <a:round/>
+                      <a:headEnd type="none" w="med" len="med"/>
+                      <a:tailEnd type="none" w="med" len="med"/>
+                    </a:lnB>
+                    <a:solidFill>
+                      <a:schemeClr val="accent2">
+                        <a:lumMod val="40000"/>
+                        <a:lumOff val="60000"/>
+                      </a:schemeClr>
+                    </a:solidFill>
+                  </a:tcPr>
+                </a:tc>
+                <a:tc>
+                  <a:txBody>
+                    <a:bodyPr/>
+                    <a:lstStyle/>
+                    <a:p>
+                      <a:endParaRPr lang="en-HK" dirty="0"/>
+                    </a:p>
+                  </a:txBody>
+                  <a:tcPr>
+                    <a:lnT w="12700" cap="flat" cmpd="sng" algn="ctr">
+                      <a:solidFill>
+                        <a:srgbClr val="FF0000"/>
+                      </a:solidFill>
+                      <a:prstDash val="solid"/>
+                      <a:round/>
+                      <a:headEnd type="none" w="med" len="med"/>
+                      <a:tailEnd type="none" w="med" len="med"/>
+                    </a:lnT>
+                    <a:lnB w="12700" cap="flat" cmpd="sng" algn="ctr">
+                      <a:solidFill>
+                        <a:srgbClr val="FF0000"/>
+                      </a:solidFill>
+                      <a:prstDash val="solid"/>
+                      <a:round/>
+                      <a:headEnd type="none" w="med" len="med"/>
+                      <a:tailEnd type="none" w="med" len="med"/>
+                    </a:lnB>
+                    <a:solidFill>
+                      <a:schemeClr val="accent2">
+                        <a:lumMod val="40000"/>
+                        <a:lumOff val="60000"/>
+                      </a:schemeClr>
+                    </a:solidFill>
+                  </a:tcPr>
+                </a:tc>
+                <a:tc>
+                  <a:txBody>
+                    <a:bodyPr/>
+                    <a:lstStyle/>
+                    <a:p>
+                      <a:endParaRPr lang="en-HK" dirty="0"/>
+                    </a:p>
+                  </a:txBody>
+                  <a:tcPr>
+                    <a:lnT w="12700" cap="flat" cmpd="sng" algn="ctr">
+                      <a:solidFill>
+                        <a:srgbClr val="FF0000"/>
+                      </a:solidFill>
+                      <a:prstDash val="solid"/>
+                      <a:round/>
+                      <a:headEnd type="none" w="med" len="med"/>
+                      <a:tailEnd type="none" w="med" len="med"/>
+                    </a:lnT>
+                    <a:lnB w="12700" cap="flat" cmpd="sng" algn="ctr">
+                      <a:solidFill>
+                        <a:srgbClr val="FF0000"/>
+                      </a:solidFill>
+                      <a:prstDash val="solid"/>
+                      <a:round/>
+                      <a:headEnd type="none" w="med" len="med"/>
+                      <a:tailEnd type="none" w="med" len="med"/>
+                    </a:lnB>
+                    <a:solidFill>
+                      <a:schemeClr val="accent2">
+                        <a:lumMod val="40000"/>
+                        <a:lumOff val="60000"/>
+                      </a:schemeClr>
+                    </a:solidFill>
+                  </a:tcPr>
+                </a:tc>
+                <a:tc>
+                  <a:txBody>
+                    <a:bodyPr/>
+                    <a:lstStyle/>
+                    <a:p>
+                      <a:endParaRPr lang="en-HK" dirty="0"/>
+                    </a:p>
+                  </a:txBody>
+                  <a:tcPr>
+                    <a:lnR w="12700" cap="flat" cmpd="sng" algn="ctr">
+                      <a:solidFill>
+                        <a:srgbClr val="FF0000"/>
+                      </a:solidFill>
+                      <a:prstDash val="solid"/>
+                      <a:round/>
+                      <a:headEnd type="none" w="med" len="med"/>
+                      <a:tailEnd type="none" w="med" len="med"/>
+                    </a:lnR>
+                    <a:lnT w="12700" cap="flat" cmpd="sng" algn="ctr">
+                      <a:solidFill>
+                        <a:srgbClr val="FF0000"/>
+                      </a:solidFill>
+                      <a:prstDash val="solid"/>
+                      <a:round/>
+                      <a:headEnd type="none" w="med" len="med"/>
+                      <a:tailEnd type="none" w="med" len="med"/>
+                    </a:lnT>
+                    <a:lnB w="12700" cap="flat" cmpd="sng" algn="ctr">
+                      <a:solidFill>
+                        <a:srgbClr val="FF0000"/>
+                      </a:solidFill>
+                      <a:prstDash val="solid"/>
+                      <a:round/>
+                      <a:headEnd type="none" w="med" len="med"/>
+                      <a:tailEnd type="none" w="med" len="med"/>
+                    </a:lnB>
+                    <a:solidFill>
+                      <a:schemeClr val="accent1">
+                        <a:lumMod val="40000"/>
+                        <a:lumOff val="60000"/>
+                      </a:schemeClr>
+                    </a:solidFill>
+                  </a:tcPr>
+                </a:tc>
+                <a:tc>
+                  <a:txBody>
+                    <a:bodyPr/>
+                    <a:lstStyle/>
+                    <a:p>
+                      <a:endParaRPr lang="en-HK" dirty="0"/>
+                    </a:p>
+                  </a:txBody>
+                  <a:tcPr>
+                    <a:lnL w="12700" cap="flat" cmpd="sng" algn="ctr">
+                      <a:solidFill>
+                        <a:srgbClr val="FF0000"/>
+                      </a:solidFill>
+                      <a:prstDash val="solid"/>
+                      <a:round/>
+                      <a:headEnd type="none" w="med" len="med"/>
+                      <a:tailEnd type="none" w="med" len="med"/>
+                    </a:lnL>
+                    <a:lnT w="12700" cap="flat" cmpd="sng" algn="ctr">
+                      <a:solidFill>
+                        <a:srgbClr val="FF0000"/>
+                      </a:solidFill>
+                      <a:prstDash val="solid"/>
+                      <a:round/>
+                      <a:headEnd type="none" w="med" len="med"/>
+                      <a:tailEnd type="none" w="med" len="med"/>
+                    </a:lnT>
+                    <a:lnB w="12700" cap="flat" cmpd="sng" algn="ctr">
+                      <a:solidFill>
+                        <a:srgbClr val="FF0000"/>
+                      </a:solidFill>
+                      <a:prstDash val="solid"/>
+                      <a:round/>
+                      <a:headEnd type="none" w="med" len="med"/>
+                      <a:tailEnd type="none" w="med" len="med"/>
+                    </a:lnB>
+                    <a:solidFill>
+                      <a:schemeClr val="accent2">
+                        <a:lumMod val="40000"/>
+                        <a:lumOff val="60000"/>
+                      </a:schemeClr>
+                    </a:solidFill>
+                  </a:tcPr>
+                </a:tc>
+                <a:tc>
+                  <a:txBody>
+                    <a:bodyPr/>
+                    <a:lstStyle/>
+                    <a:p>
+                      <a:endParaRPr lang="en-HK" dirty="0"/>
+                    </a:p>
+                  </a:txBody>
+                  <a:tcPr>
+                    <a:lnT w="12700" cap="flat" cmpd="sng" algn="ctr">
+                      <a:solidFill>
+                        <a:srgbClr val="FF0000"/>
+                      </a:solidFill>
+                      <a:prstDash val="solid"/>
+                      <a:round/>
+                      <a:headEnd type="none" w="med" len="med"/>
+                      <a:tailEnd type="none" w="med" len="med"/>
+                    </a:lnT>
+                    <a:lnB w="12700" cap="flat" cmpd="sng" algn="ctr">
+                      <a:solidFill>
+                        <a:srgbClr val="FF0000"/>
+                      </a:solidFill>
+                      <a:prstDash val="solid"/>
+                      <a:round/>
+                      <a:headEnd type="none" w="med" len="med"/>
+                      <a:tailEnd type="none" w="med" len="med"/>
+                    </a:lnB>
+                    <a:solidFill>
+                      <a:schemeClr val="accent2">
+                        <a:lumMod val="40000"/>
+                        <a:lumOff val="60000"/>
+                      </a:schemeClr>
+                    </a:solidFill>
+                  </a:tcPr>
+                </a:tc>
+                <a:tc>
+                  <a:txBody>
+                    <a:bodyPr/>
+                    <a:lstStyle/>
+                    <a:p>
+                      <a:endParaRPr lang="en-HK" dirty="0"/>
+                    </a:p>
+                  </a:txBody>
+                  <a:tcPr>
+                    <a:lnR w="12700" cap="flat" cmpd="sng" algn="ctr">
+                      <a:solidFill>
+                        <a:srgbClr val="FF0000"/>
+                      </a:solidFill>
+                      <a:prstDash val="solid"/>
+                      <a:round/>
+                      <a:headEnd type="none" w="med" len="med"/>
+                      <a:tailEnd type="none" w="med" len="med"/>
+                    </a:lnR>
+                    <a:lnT w="12700" cap="flat" cmpd="sng" algn="ctr">
+                      <a:solidFill>
+                        <a:srgbClr val="FF0000"/>
+                      </a:solidFill>
+                      <a:prstDash val="solid"/>
+                      <a:round/>
+                      <a:headEnd type="none" w="med" len="med"/>
+                      <a:tailEnd type="none" w="med" len="med"/>
+                    </a:lnT>
+                    <a:lnB w="12700" cap="flat" cmpd="sng" algn="ctr">
+                      <a:solidFill>
+                        <a:srgbClr val="FF0000"/>
+                      </a:solidFill>
+                      <a:prstDash val="solid"/>
+                      <a:round/>
+                      <a:headEnd type="none" w="med" len="med"/>
+                      <a:tailEnd type="none" w="med" len="med"/>
+                    </a:lnB>
+                    <a:solidFill>
+                      <a:schemeClr val="accent1">
+                        <a:lumMod val="40000"/>
+                        <a:lumOff val="60000"/>
+                      </a:schemeClr>
+                    </a:solidFill>
+                  </a:tcPr>
+                </a:tc>
+                <a:tc>
+                  <a:txBody>
+                    <a:bodyPr/>
+                    <a:lstStyle/>
+                    <a:p>
+                      <a:endParaRPr lang="en-HK" dirty="0"/>
+                    </a:p>
+                  </a:txBody>
+                  <a:tcPr>
+                    <a:lnL w="12700" cap="flat" cmpd="sng" algn="ctr">
+                      <a:solidFill>
+                        <a:srgbClr val="FF0000"/>
+                      </a:solidFill>
+                      <a:prstDash val="solid"/>
+                      <a:round/>
+                      <a:headEnd type="none" w="med" len="med"/>
+                      <a:tailEnd type="none" w="med" len="med"/>
+                    </a:lnL>
+                    <a:lnT w="12700" cap="flat" cmpd="sng" algn="ctr">
+                      <a:solidFill>
+                        <a:srgbClr val="FF0000"/>
+                      </a:solidFill>
+                      <a:prstDash val="solid"/>
+                      <a:round/>
+                      <a:headEnd type="none" w="med" len="med"/>
+                      <a:tailEnd type="none" w="med" len="med"/>
+                    </a:lnT>
+                    <a:lnB w="12700" cap="flat" cmpd="sng" algn="ctr">
+                      <a:solidFill>
+                        <a:srgbClr val="FF0000"/>
+                      </a:solidFill>
+                      <a:prstDash val="solid"/>
+                      <a:round/>
+                      <a:headEnd type="none" w="med" len="med"/>
+                      <a:tailEnd type="none" w="med" len="med"/>
+                    </a:lnB>
+                    <a:solidFill>
+                      <a:schemeClr val="accent2">
+                        <a:lumMod val="40000"/>
+                        <a:lumOff val="60000"/>
+                      </a:schemeClr>
+                    </a:solidFill>
+                  </a:tcPr>
+                </a:tc>
+                <a:tc>
+                  <a:txBody>
+                    <a:bodyPr/>
+                    <a:lstStyle/>
+                    <a:p>
+                      <a:endParaRPr lang="en-HK" dirty="0"/>
+                    </a:p>
+                  </a:txBody>
+                  <a:tcPr>
+                    <a:lnR w="12700" cap="flat" cmpd="sng" algn="ctr">
+                      <a:solidFill>
+                        <a:srgbClr val="FF0000"/>
+                      </a:solidFill>
+                      <a:prstDash val="solid"/>
+                      <a:round/>
+                      <a:headEnd type="none" w="med" len="med"/>
+                      <a:tailEnd type="none" w="med" len="med"/>
+                    </a:lnR>
+                    <a:lnT w="12700" cap="flat" cmpd="sng" algn="ctr">
+                      <a:solidFill>
+                        <a:srgbClr val="FF0000"/>
+                      </a:solidFill>
+                      <a:prstDash val="solid"/>
+                      <a:round/>
+                      <a:headEnd type="none" w="med" len="med"/>
+                      <a:tailEnd type="none" w="med" len="med"/>
+                    </a:lnT>
+                    <a:lnB w="12700" cap="flat" cmpd="sng" algn="ctr">
+                      <a:solidFill>
+                        <a:srgbClr val="FF0000"/>
+                      </a:solidFill>
+                      <a:prstDash val="solid"/>
+                      <a:round/>
+                      <a:headEnd type="none" w="med" len="med"/>
+                      <a:tailEnd type="none" w="med" len="med"/>
+                    </a:lnB>
+                    <a:solidFill>
+                      <a:schemeClr val="accent1">
+                        <a:lumMod val="40000"/>
+                        <a:lumOff val="60000"/>
+                      </a:schemeClr>
+                    </a:solidFill>
+                  </a:tcPr>
+                </a:tc>
+                <a:extLst>
+                  <a:ext uri="{0D108BD9-81ED-4DB2-BD59-A6C34878D82A}">
+                    <a16:rowId xmlns:a16="http://schemas.microsoft.com/office/drawing/2014/main" val="2601047344"/>
+                  </a:ext>
+                </a:extLst>
+              </a:tr>
+            </a:tbl>
+          </a:graphicData>
+        </a:graphic>
+      </p:graphicFrame>
+      <p:sp>
+        <p:nvSpPr>
+          <p:cNvPr id="6" name="TextBox 5">
+            <a:extLst>
+              <a:ext uri="{FF2B5EF4-FFF2-40B4-BE49-F238E27FC236}">
+                <a16:creationId xmlns:a16="http://schemas.microsoft.com/office/drawing/2014/main" id="{C0D2B8AC-FC5C-4FB6-5CCF-02EDE35C1A91}"/>
+              </a:ext>
+            </a:extLst>
+          </p:cNvPr>
+          <p:cNvSpPr txBox="1"/>
+          <p:nvPr/>
+        </p:nvSpPr>
+        <p:spPr>
+          <a:xfrm>
+            <a:off x="523333" y="1854281"/>
+            <a:ext cx="1605439" cy="369332"/>
+          </a:xfrm>
+          <a:prstGeom prst="rect">
+            <a:avLst/>
+          </a:prstGeom>
+          <a:noFill/>
+        </p:spPr>
+        <p:txBody>
+          <a:bodyPr wrap="none" rtlCol="0">
+            <a:spAutoFit/>
+          </a:bodyPr>
+          <a:lstStyle/>
+          <a:p>
+            <a:r>
+              <a:rPr lang="en-US" altLang="zh-CN" dirty="0"/>
+              <a:t>Largest pattern</a:t>
+            </a:r>
+            <a:endParaRPr lang="en-HK" baseline="-25000" dirty="0"/>
+          </a:p>
+        </p:txBody>
+      </p:sp>
+      <p:sp>
+        <p:nvSpPr>
+          <p:cNvPr id="7" name="TextBox 6">
+            <a:extLst>
+              <a:ext uri="{FF2B5EF4-FFF2-40B4-BE49-F238E27FC236}">
+                <a16:creationId xmlns:a16="http://schemas.microsoft.com/office/drawing/2014/main" id="{5C392607-B060-B3C6-6DF1-A98E47FD098A}"/>
+              </a:ext>
+            </a:extLst>
+          </p:cNvPr>
+          <p:cNvSpPr txBox="1"/>
+          <p:nvPr/>
+        </p:nvSpPr>
+        <p:spPr>
+          <a:xfrm>
+            <a:off x="692641" y="2504042"/>
+            <a:ext cx="1266822" cy="369332"/>
+          </a:xfrm>
+          <a:prstGeom prst="rect">
+            <a:avLst/>
+          </a:prstGeom>
+          <a:noFill/>
+        </p:spPr>
+        <p:txBody>
+          <a:bodyPr wrap="none" rtlCol="0">
+            <a:spAutoFit/>
+          </a:bodyPr>
+          <a:lstStyle/>
+          <a:p>
+            <a:r>
+              <a:rPr lang="en-US" altLang="zh-CN" dirty="0"/>
+              <a:t>Full pattern</a:t>
             </a:r>
             <a:endParaRPr lang="en-HK" baseline="-25000" dirty="0"/>
           </a:p>
@@ -18243,6 +20335,1520 @@
           </a:p>
         </p:txBody>
       </p:sp>
+      <p:graphicFrame>
+        <p:nvGraphicFramePr>
+          <p:cNvPr id="2" name="Table 4">
+            <a:extLst>
+              <a:ext uri="{FF2B5EF4-FFF2-40B4-BE49-F238E27FC236}">
+                <a16:creationId xmlns:a16="http://schemas.microsoft.com/office/drawing/2014/main" id="{B159EB9F-29A1-6707-3BFE-43C3281C3238}"/>
+              </a:ext>
+            </a:extLst>
+          </p:cNvPr>
+          <p:cNvGraphicFramePr>
+            <a:graphicFrameLocks noGrp="1"/>
+          </p:cNvGraphicFramePr>
+          <p:nvPr>
+            <p:extLst>
+              <p:ext uri="{D42A27DB-BD31-4B8C-83A1-F6EECF244321}">
+                <p14:modId xmlns:p14="http://schemas.microsoft.com/office/powerpoint/2010/main" val="1339057286"/>
+              </p:ext>
+            </p:extLst>
+          </p:nvPr>
+        </p:nvGraphicFramePr>
+        <p:xfrm>
+          <a:off x="830053" y="3158230"/>
+          <a:ext cx="4230780" cy="370840"/>
+        </p:xfrm>
+        <a:graphic>
+          <a:graphicData uri="http://schemas.openxmlformats.org/drawingml/2006/table">
+            <a:tbl>
+              <a:tblPr firstRow="1" bandRow="1">
+                <a:tableStyleId>{5C22544A-7EE6-4342-B048-85BDC9FD1C3A}</a:tableStyleId>
+              </a:tblPr>
+              <a:tblGrid>
+                <a:gridCol w="423078">
+                  <a:extLst>
+                    <a:ext uri="{9D8B030D-6E8A-4147-A177-3AD203B41FA5}">
+                      <a16:colId xmlns:a16="http://schemas.microsoft.com/office/drawing/2014/main" val="1958716807"/>
+                    </a:ext>
+                  </a:extLst>
+                </a:gridCol>
+                <a:gridCol w="423078">
+                  <a:extLst>
+                    <a:ext uri="{9D8B030D-6E8A-4147-A177-3AD203B41FA5}">
+                      <a16:colId xmlns:a16="http://schemas.microsoft.com/office/drawing/2014/main" val="2177103222"/>
+                    </a:ext>
+                  </a:extLst>
+                </a:gridCol>
+                <a:gridCol w="423078">
+                  <a:extLst>
+                    <a:ext uri="{9D8B030D-6E8A-4147-A177-3AD203B41FA5}">
+                      <a16:colId xmlns:a16="http://schemas.microsoft.com/office/drawing/2014/main" val="3409141404"/>
+                    </a:ext>
+                  </a:extLst>
+                </a:gridCol>
+                <a:gridCol w="423078">
+                  <a:extLst>
+                    <a:ext uri="{9D8B030D-6E8A-4147-A177-3AD203B41FA5}">
+                      <a16:colId xmlns:a16="http://schemas.microsoft.com/office/drawing/2014/main" val="217707470"/>
+                    </a:ext>
+                  </a:extLst>
+                </a:gridCol>
+                <a:gridCol w="423078">
+                  <a:extLst>
+                    <a:ext uri="{9D8B030D-6E8A-4147-A177-3AD203B41FA5}">
+                      <a16:colId xmlns:a16="http://schemas.microsoft.com/office/drawing/2014/main" val="770379941"/>
+                    </a:ext>
+                  </a:extLst>
+                </a:gridCol>
+                <a:gridCol w="423078">
+                  <a:extLst>
+                    <a:ext uri="{9D8B030D-6E8A-4147-A177-3AD203B41FA5}">
+                      <a16:colId xmlns:a16="http://schemas.microsoft.com/office/drawing/2014/main" val="4085467491"/>
+                    </a:ext>
+                  </a:extLst>
+                </a:gridCol>
+                <a:gridCol w="423078">
+                  <a:extLst>
+                    <a:ext uri="{9D8B030D-6E8A-4147-A177-3AD203B41FA5}">
+                      <a16:colId xmlns:a16="http://schemas.microsoft.com/office/drawing/2014/main" val="2183018877"/>
+                    </a:ext>
+                  </a:extLst>
+                </a:gridCol>
+                <a:gridCol w="423078">
+                  <a:extLst>
+                    <a:ext uri="{9D8B030D-6E8A-4147-A177-3AD203B41FA5}">
+                      <a16:colId xmlns:a16="http://schemas.microsoft.com/office/drawing/2014/main" val="3957069584"/>
+                    </a:ext>
+                  </a:extLst>
+                </a:gridCol>
+                <a:gridCol w="423078">
+                  <a:extLst>
+                    <a:ext uri="{9D8B030D-6E8A-4147-A177-3AD203B41FA5}">
+                      <a16:colId xmlns:a16="http://schemas.microsoft.com/office/drawing/2014/main" val="3244291510"/>
+                    </a:ext>
+                  </a:extLst>
+                </a:gridCol>
+                <a:gridCol w="423078">
+                  <a:extLst>
+                    <a:ext uri="{9D8B030D-6E8A-4147-A177-3AD203B41FA5}">
+                      <a16:colId xmlns:a16="http://schemas.microsoft.com/office/drawing/2014/main" val="3722398860"/>
+                    </a:ext>
+                  </a:extLst>
+                </a:gridCol>
+              </a:tblGrid>
+              <a:tr h="370840">
+                <a:tc>
+                  <a:txBody>
+                    <a:bodyPr/>
+                    <a:lstStyle/>
+                    <a:p>
+                      <a:pPr algn="ctr"/>
+                      <a:r>
+                        <a:rPr lang="en-HK" dirty="0">
+                          <a:solidFill>
+                            <a:schemeClr val="tx1"/>
+                          </a:solidFill>
+                        </a:rPr>
+                        <a:t>1</a:t>
+                      </a:r>
+                    </a:p>
+                  </a:txBody>
+                  <a:tcPr>
+                    <a:solidFill>
+                      <a:schemeClr val="accent2">
+                        <a:lumMod val="40000"/>
+                        <a:lumOff val="60000"/>
+                      </a:schemeClr>
+                    </a:solidFill>
+                  </a:tcPr>
+                </a:tc>
+                <a:tc>
+                  <a:txBody>
+                    <a:bodyPr/>
+                    <a:lstStyle/>
+                    <a:p>
+                      <a:pPr algn="ctr"/>
+                      <a:r>
+                        <a:rPr lang="en-HK" dirty="0">
+                          <a:solidFill>
+                            <a:schemeClr val="tx1"/>
+                          </a:solidFill>
+                        </a:rPr>
+                        <a:t>2</a:t>
+                      </a:r>
+                    </a:p>
+                  </a:txBody>
+                  <a:tcPr>
+                    <a:solidFill>
+                      <a:schemeClr val="accent2">
+                        <a:lumMod val="40000"/>
+                        <a:lumOff val="60000"/>
+                      </a:schemeClr>
+                    </a:solidFill>
+                  </a:tcPr>
+                </a:tc>
+                <a:tc>
+                  <a:txBody>
+                    <a:bodyPr/>
+                    <a:lstStyle/>
+                    <a:p>
+                      <a:pPr algn="ctr"/>
+                      <a:r>
+                        <a:rPr lang="en-HK" dirty="0">
+                          <a:solidFill>
+                            <a:schemeClr val="tx1"/>
+                          </a:solidFill>
+                        </a:rPr>
+                        <a:t>3</a:t>
+                      </a:r>
+                    </a:p>
+                  </a:txBody>
+                  <a:tcPr>
+                    <a:solidFill>
+                      <a:schemeClr val="accent1">
+                        <a:lumMod val="40000"/>
+                        <a:lumOff val="60000"/>
+                      </a:schemeClr>
+                    </a:solidFill>
+                  </a:tcPr>
+                </a:tc>
+                <a:tc>
+                  <a:txBody>
+                    <a:bodyPr/>
+                    <a:lstStyle/>
+                    <a:p>
+                      <a:pPr algn="ctr"/>
+                      <a:r>
+                        <a:rPr lang="en-HK" dirty="0">
+                          <a:solidFill>
+                            <a:schemeClr val="tx1"/>
+                          </a:solidFill>
+                        </a:rPr>
+                        <a:t>4</a:t>
+                      </a:r>
+                    </a:p>
+                  </a:txBody>
+                  <a:tcPr>
+                    <a:solidFill>
+                      <a:schemeClr val="accent2">
+                        <a:lumMod val="40000"/>
+                        <a:lumOff val="60000"/>
+                      </a:schemeClr>
+                    </a:solidFill>
+                  </a:tcPr>
+                </a:tc>
+                <a:tc>
+                  <a:txBody>
+                    <a:bodyPr/>
+                    <a:lstStyle/>
+                    <a:p>
+                      <a:pPr algn="ctr"/>
+                      <a:r>
+                        <a:rPr lang="en-HK" dirty="0">
+                          <a:solidFill>
+                            <a:schemeClr val="tx1"/>
+                          </a:solidFill>
+                        </a:rPr>
+                        <a:t>5</a:t>
+                      </a:r>
+                    </a:p>
+                  </a:txBody>
+                  <a:tcPr>
+                    <a:solidFill>
+                      <a:schemeClr val="accent1">
+                        <a:lumMod val="40000"/>
+                        <a:lumOff val="60000"/>
+                      </a:schemeClr>
+                    </a:solidFill>
+                  </a:tcPr>
+                </a:tc>
+                <a:tc>
+                  <a:txBody>
+                    <a:bodyPr/>
+                    <a:lstStyle/>
+                    <a:p>
+                      <a:pPr algn="ctr"/>
+                      <a:r>
+                        <a:rPr lang="en-HK" dirty="0">
+                          <a:solidFill>
+                            <a:schemeClr val="tx1"/>
+                          </a:solidFill>
+                        </a:rPr>
+                        <a:t>6</a:t>
+                      </a:r>
+                    </a:p>
+                  </a:txBody>
+                  <a:tcPr>
+                    <a:solidFill>
+                      <a:schemeClr val="accent2">
+                        <a:lumMod val="40000"/>
+                        <a:lumOff val="60000"/>
+                      </a:schemeClr>
+                    </a:solidFill>
+                  </a:tcPr>
+                </a:tc>
+                <a:tc>
+                  <a:txBody>
+                    <a:bodyPr/>
+                    <a:lstStyle/>
+                    <a:p>
+                      <a:pPr algn="ctr"/>
+                      <a:r>
+                        <a:rPr lang="en-HK" dirty="0">
+                          <a:solidFill>
+                            <a:schemeClr val="tx1"/>
+                          </a:solidFill>
+                        </a:rPr>
+                        <a:t>7</a:t>
+                      </a:r>
+                    </a:p>
+                  </a:txBody>
+                  <a:tcPr>
+                    <a:solidFill>
+                      <a:schemeClr val="accent2">
+                        <a:lumMod val="40000"/>
+                        <a:lumOff val="60000"/>
+                      </a:schemeClr>
+                    </a:solidFill>
+                  </a:tcPr>
+                </a:tc>
+                <a:tc>
+                  <a:txBody>
+                    <a:bodyPr/>
+                    <a:lstStyle/>
+                    <a:p>
+                      <a:pPr algn="ctr"/>
+                      <a:r>
+                        <a:rPr lang="en-HK" dirty="0">
+                          <a:solidFill>
+                            <a:schemeClr val="tx1"/>
+                          </a:solidFill>
+                        </a:rPr>
+                        <a:t>8</a:t>
+                      </a:r>
+                    </a:p>
+                  </a:txBody>
+                  <a:tcPr>
+                    <a:solidFill>
+                      <a:schemeClr val="accent2">
+                        <a:lumMod val="40000"/>
+                        <a:lumOff val="60000"/>
+                      </a:schemeClr>
+                    </a:solidFill>
+                  </a:tcPr>
+                </a:tc>
+                <a:tc>
+                  <a:txBody>
+                    <a:bodyPr/>
+                    <a:lstStyle/>
+                    <a:p>
+                      <a:pPr algn="ctr"/>
+                      <a:r>
+                        <a:rPr lang="en-HK" dirty="0">
+                          <a:solidFill>
+                            <a:schemeClr val="tx1"/>
+                          </a:solidFill>
+                        </a:rPr>
+                        <a:t>9</a:t>
+                      </a:r>
+                    </a:p>
+                  </a:txBody>
+                  <a:tcPr>
+                    <a:solidFill>
+                      <a:schemeClr val="accent1">
+                        <a:lumMod val="40000"/>
+                        <a:lumOff val="60000"/>
+                      </a:schemeClr>
+                    </a:solidFill>
+                  </a:tcPr>
+                </a:tc>
+                <a:tc>
+                  <a:txBody>
+                    <a:bodyPr/>
+                    <a:lstStyle/>
+                    <a:p>
+                      <a:pPr algn="ctr"/>
+                      <a:r>
+                        <a:rPr lang="en-HK" dirty="0">
+                          <a:solidFill>
+                            <a:schemeClr val="tx1"/>
+                          </a:solidFill>
+                        </a:rPr>
+                        <a:t>10</a:t>
+                      </a:r>
+                    </a:p>
+                  </a:txBody>
+                  <a:tcPr>
+                    <a:solidFill>
+                      <a:schemeClr val="accent2">
+                        <a:lumMod val="40000"/>
+                        <a:lumOff val="60000"/>
+                      </a:schemeClr>
+                    </a:solidFill>
+                  </a:tcPr>
+                </a:tc>
+                <a:extLst>
+                  <a:ext uri="{0D108BD9-81ED-4DB2-BD59-A6C34878D82A}">
+                    <a16:rowId xmlns:a16="http://schemas.microsoft.com/office/drawing/2014/main" val="2601047344"/>
+                  </a:ext>
+                </a:extLst>
+              </a:tr>
+            </a:tbl>
+          </a:graphicData>
+        </a:graphic>
+      </p:graphicFrame>
+      <p:graphicFrame>
+        <p:nvGraphicFramePr>
+          <p:cNvPr id="3" name="Table 2">
+            <a:extLst>
+              <a:ext uri="{FF2B5EF4-FFF2-40B4-BE49-F238E27FC236}">
+                <a16:creationId xmlns:a16="http://schemas.microsoft.com/office/drawing/2014/main" id="{FEA96EE9-0774-BBD1-D047-1504E9D234F4}"/>
+              </a:ext>
+            </a:extLst>
+          </p:cNvPr>
+          <p:cNvGraphicFramePr>
+            <a:graphicFrameLocks noGrp="1"/>
+          </p:cNvGraphicFramePr>
+          <p:nvPr>
+            <p:extLst>
+              <p:ext uri="{D42A27DB-BD31-4B8C-83A1-F6EECF244321}">
+                <p14:modId xmlns:p14="http://schemas.microsoft.com/office/powerpoint/2010/main" val="2695027736"/>
+              </p:ext>
+            </p:extLst>
+          </p:nvPr>
+        </p:nvGraphicFramePr>
+        <p:xfrm>
+          <a:off x="830066" y="3977734"/>
+          <a:ext cx="4653473" cy="370840"/>
+        </p:xfrm>
+        <a:graphic>
+          <a:graphicData uri="http://schemas.openxmlformats.org/drawingml/2006/table">
+            <a:tbl>
+              <a:tblPr firstRow="1" bandRow="1">
+                <a:tableStyleId>{5C22544A-7EE6-4342-B048-85BDC9FD1C3A}</a:tableStyleId>
+              </a:tblPr>
+              <a:tblGrid>
+                <a:gridCol w="423043">
+                  <a:extLst>
+                    <a:ext uri="{9D8B030D-6E8A-4147-A177-3AD203B41FA5}">
+                      <a16:colId xmlns:a16="http://schemas.microsoft.com/office/drawing/2014/main" val="1958716807"/>
+                    </a:ext>
+                  </a:extLst>
+                </a:gridCol>
+                <a:gridCol w="423043">
+                  <a:extLst>
+                    <a:ext uri="{9D8B030D-6E8A-4147-A177-3AD203B41FA5}">
+                      <a16:colId xmlns:a16="http://schemas.microsoft.com/office/drawing/2014/main" val="2177103222"/>
+                    </a:ext>
+                  </a:extLst>
+                </a:gridCol>
+                <a:gridCol w="423043">
+                  <a:extLst>
+                    <a:ext uri="{9D8B030D-6E8A-4147-A177-3AD203B41FA5}">
+                      <a16:colId xmlns:a16="http://schemas.microsoft.com/office/drawing/2014/main" val="3409141404"/>
+                    </a:ext>
+                  </a:extLst>
+                </a:gridCol>
+                <a:gridCol w="423043">
+                  <a:extLst>
+                    <a:ext uri="{9D8B030D-6E8A-4147-A177-3AD203B41FA5}">
+                      <a16:colId xmlns:a16="http://schemas.microsoft.com/office/drawing/2014/main" val="217707470"/>
+                    </a:ext>
+                  </a:extLst>
+                </a:gridCol>
+                <a:gridCol w="423043">
+                  <a:extLst>
+                    <a:ext uri="{9D8B030D-6E8A-4147-A177-3AD203B41FA5}">
+                      <a16:colId xmlns:a16="http://schemas.microsoft.com/office/drawing/2014/main" val="770379941"/>
+                    </a:ext>
+                  </a:extLst>
+                </a:gridCol>
+                <a:gridCol w="423043">
+                  <a:extLst>
+                    <a:ext uri="{9D8B030D-6E8A-4147-A177-3AD203B41FA5}">
+                      <a16:colId xmlns:a16="http://schemas.microsoft.com/office/drawing/2014/main" val="4085467491"/>
+                    </a:ext>
+                  </a:extLst>
+                </a:gridCol>
+                <a:gridCol w="423043">
+                  <a:extLst>
+                    <a:ext uri="{9D8B030D-6E8A-4147-A177-3AD203B41FA5}">
+                      <a16:colId xmlns:a16="http://schemas.microsoft.com/office/drawing/2014/main" val="2183018877"/>
+                    </a:ext>
+                  </a:extLst>
+                </a:gridCol>
+                <a:gridCol w="423043">
+                  <a:extLst>
+                    <a:ext uri="{9D8B030D-6E8A-4147-A177-3AD203B41FA5}">
+                      <a16:colId xmlns:a16="http://schemas.microsoft.com/office/drawing/2014/main" val="3957069584"/>
+                    </a:ext>
+                  </a:extLst>
+                </a:gridCol>
+                <a:gridCol w="423043">
+                  <a:extLst>
+                    <a:ext uri="{9D8B030D-6E8A-4147-A177-3AD203B41FA5}">
+                      <a16:colId xmlns:a16="http://schemas.microsoft.com/office/drawing/2014/main" val="3244291510"/>
+                    </a:ext>
+                  </a:extLst>
+                </a:gridCol>
+                <a:gridCol w="423043">
+                  <a:extLst>
+                    <a:ext uri="{9D8B030D-6E8A-4147-A177-3AD203B41FA5}">
+                      <a16:colId xmlns:a16="http://schemas.microsoft.com/office/drawing/2014/main" val="3722398860"/>
+                    </a:ext>
+                  </a:extLst>
+                </a:gridCol>
+                <a:gridCol w="423043">
+                  <a:extLst>
+                    <a:ext uri="{9D8B030D-6E8A-4147-A177-3AD203B41FA5}">
+                      <a16:colId xmlns:a16="http://schemas.microsoft.com/office/drawing/2014/main" val="3031954405"/>
+                    </a:ext>
+                  </a:extLst>
+                </a:gridCol>
+              </a:tblGrid>
+              <a:tr h="370840">
+                <a:tc>
+                  <a:txBody>
+                    <a:bodyPr/>
+                    <a:lstStyle/>
+                    <a:p>
+                      <a:pPr algn="ctr"/>
+                      <a:r>
+                        <a:rPr lang="en-HK" dirty="0">
+                          <a:solidFill>
+                            <a:schemeClr val="tx1"/>
+                          </a:solidFill>
+                        </a:rPr>
+                        <a:t>1</a:t>
+                      </a:r>
+                    </a:p>
+                  </a:txBody>
+                  <a:tcPr>
+                    <a:lnL w="12700" cap="flat" cmpd="sng" algn="ctr">
+                      <a:solidFill>
+                        <a:srgbClr val="FF0000"/>
+                      </a:solidFill>
+                      <a:prstDash val="solid"/>
+                      <a:round/>
+                      <a:headEnd type="none" w="med" len="med"/>
+                      <a:tailEnd type="none" w="med" len="med"/>
+                    </a:lnL>
+                    <a:lnT w="12700" cap="flat" cmpd="sng" algn="ctr">
+                      <a:solidFill>
+                        <a:srgbClr val="FF0000"/>
+                      </a:solidFill>
+                      <a:prstDash val="solid"/>
+                      <a:round/>
+                      <a:headEnd type="none" w="med" len="med"/>
+                      <a:tailEnd type="none" w="med" len="med"/>
+                    </a:lnT>
+                    <a:lnB w="12700" cap="flat" cmpd="sng" algn="ctr">
+                      <a:solidFill>
+                        <a:srgbClr val="FF0000"/>
+                      </a:solidFill>
+                      <a:prstDash val="solid"/>
+                      <a:round/>
+                      <a:headEnd type="none" w="med" len="med"/>
+                      <a:tailEnd type="none" w="med" len="med"/>
+                    </a:lnB>
+                    <a:solidFill>
+                      <a:schemeClr val="accent2">
+                        <a:lumMod val="40000"/>
+                        <a:lumOff val="60000"/>
+                      </a:schemeClr>
+                    </a:solidFill>
+                  </a:tcPr>
+                </a:tc>
+                <a:tc>
+                  <a:txBody>
+                    <a:bodyPr/>
+                    <a:lstStyle/>
+                    <a:p>
+                      <a:pPr algn="ctr"/>
+                      <a:r>
+                        <a:rPr lang="en-HK" dirty="0">
+                          <a:solidFill>
+                            <a:schemeClr val="tx1"/>
+                          </a:solidFill>
+                        </a:rPr>
+                        <a:t>2</a:t>
+                      </a:r>
+                    </a:p>
+                  </a:txBody>
+                  <a:tcPr>
+                    <a:lnT w="12700" cap="flat" cmpd="sng" algn="ctr">
+                      <a:solidFill>
+                        <a:srgbClr val="FF0000"/>
+                      </a:solidFill>
+                      <a:prstDash val="solid"/>
+                      <a:round/>
+                      <a:headEnd type="none" w="med" len="med"/>
+                      <a:tailEnd type="none" w="med" len="med"/>
+                    </a:lnT>
+                    <a:lnB w="12700" cap="flat" cmpd="sng" algn="ctr">
+                      <a:solidFill>
+                        <a:srgbClr val="FF0000"/>
+                      </a:solidFill>
+                      <a:prstDash val="solid"/>
+                      <a:round/>
+                      <a:headEnd type="none" w="med" len="med"/>
+                      <a:tailEnd type="none" w="med" len="med"/>
+                    </a:lnB>
+                    <a:solidFill>
+                      <a:schemeClr val="accent2">
+                        <a:lumMod val="40000"/>
+                        <a:lumOff val="60000"/>
+                      </a:schemeClr>
+                    </a:solidFill>
+                  </a:tcPr>
+                </a:tc>
+                <a:tc>
+                  <a:txBody>
+                    <a:bodyPr/>
+                    <a:lstStyle/>
+                    <a:p>
+                      <a:pPr algn="ctr"/>
+                      <a:r>
+                        <a:rPr lang="en-HK" dirty="0">
+                          <a:solidFill>
+                            <a:schemeClr val="tx1"/>
+                          </a:solidFill>
+                        </a:rPr>
+                        <a:t>3</a:t>
+                      </a:r>
+                    </a:p>
+                  </a:txBody>
+                  <a:tcPr>
+                    <a:lnR w="12700" cap="flat" cmpd="sng" algn="ctr">
+                      <a:solidFill>
+                        <a:srgbClr val="FF0000"/>
+                      </a:solidFill>
+                      <a:prstDash val="solid"/>
+                      <a:round/>
+                      <a:headEnd type="none" w="med" len="med"/>
+                      <a:tailEnd type="none" w="med" len="med"/>
+                    </a:lnR>
+                    <a:lnT w="12700" cap="flat" cmpd="sng" algn="ctr">
+                      <a:solidFill>
+                        <a:srgbClr val="FF0000"/>
+                      </a:solidFill>
+                      <a:prstDash val="solid"/>
+                      <a:round/>
+                      <a:headEnd type="none" w="med" len="med"/>
+                      <a:tailEnd type="none" w="med" len="med"/>
+                    </a:lnT>
+                    <a:lnB w="12700" cap="flat" cmpd="sng" algn="ctr">
+                      <a:solidFill>
+                        <a:srgbClr val="FF0000"/>
+                      </a:solidFill>
+                      <a:prstDash val="solid"/>
+                      <a:round/>
+                      <a:headEnd type="none" w="med" len="med"/>
+                      <a:tailEnd type="none" w="med" len="med"/>
+                    </a:lnB>
+                    <a:solidFill>
+                      <a:schemeClr val="accent2">
+                        <a:lumMod val="40000"/>
+                        <a:lumOff val="60000"/>
+                      </a:schemeClr>
+                    </a:solidFill>
+                  </a:tcPr>
+                </a:tc>
+                <a:tc>
+                  <a:txBody>
+                    <a:bodyPr/>
+                    <a:lstStyle/>
+                    <a:p>
+                      <a:pPr algn="ctr"/>
+                      <a:r>
+                        <a:rPr lang="en-HK" dirty="0">
+                          <a:solidFill>
+                            <a:schemeClr val="tx1"/>
+                          </a:solidFill>
+                        </a:rPr>
+                        <a:t>4</a:t>
+                      </a:r>
+                    </a:p>
+                  </a:txBody>
+                  <a:tcPr>
+                    <a:lnL w="12700" cap="flat" cmpd="sng" algn="ctr">
+                      <a:solidFill>
+                        <a:srgbClr val="FF0000"/>
+                      </a:solidFill>
+                      <a:prstDash val="solid"/>
+                      <a:round/>
+                      <a:headEnd type="none" w="med" len="med"/>
+                      <a:tailEnd type="none" w="med" len="med"/>
+                    </a:lnL>
+                    <a:lnT w="12700" cap="flat" cmpd="sng" algn="ctr">
+                      <a:solidFill>
+                        <a:srgbClr val="FF0000"/>
+                      </a:solidFill>
+                      <a:prstDash val="solid"/>
+                      <a:round/>
+                      <a:headEnd type="none" w="med" len="med"/>
+                      <a:tailEnd type="none" w="med" len="med"/>
+                    </a:lnT>
+                    <a:lnB w="12700" cap="flat" cmpd="sng" algn="ctr">
+                      <a:solidFill>
+                        <a:srgbClr val="FF0000"/>
+                      </a:solidFill>
+                      <a:prstDash val="solid"/>
+                      <a:round/>
+                      <a:headEnd type="none" w="med" len="med"/>
+                      <a:tailEnd type="none" w="med" len="med"/>
+                    </a:lnB>
+                    <a:solidFill>
+                      <a:schemeClr val="accent2">
+                        <a:lumMod val="40000"/>
+                        <a:lumOff val="60000"/>
+                      </a:schemeClr>
+                    </a:solidFill>
+                  </a:tcPr>
+                </a:tc>
+                <a:tc>
+                  <a:txBody>
+                    <a:bodyPr/>
+                    <a:lstStyle/>
+                    <a:p>
+                      <a:pPr algn="ctr"/>
+                      <a:r>
+                        <a:rPr lang="en-HK" dirty="0">
+                          <a:solidFill>
+                            <a:schemeClr val="tx1"/>
+                          </a:solidFill>
+                        </a:rPr>
+                        <a:t>5</a:t>
+                      </a:r>
+                    </a:p>
+                  </a:txBody>
+                  <a:tcPr>
+                    <a:lnR w="12700" cap="flat" cmpd="sng" algn="ctr">
+                      <a:solidFill>
+                        <a:srgbClr val="FF0000"/>
+                      </a:solidFill>
+                      <a:prstDash val="solid"/>
+                      <a:round/>
+                      <a:headEnd type="none" w="med" len="med"/>
+                      <a:tailEnd type="none" w="med" len="med"/>
+                    </a:lnR>
+                    <a:lnT w="12700" cap="flat" cmpd="sng" algn="ctr">
+                      <a:solidFill>
+                        <a:srgbClr val="FF0000"/>
+                      </a:solidFill>
+                      <a:prstDash val="solid"/>
+                      <a:round/>
+                      <a:headEnd type="none" w="med" len="med"/>
+                      <a:tailEnd type="none" w="med" len="med"/>
+                    </a:lnT>
+                    <a:lnB w="12700" cap="flat" cmpd="sng" algn="ctr">
+                      <a:solidFill>
+                        <a:srgbClr val="FF0000"/>
+                      </a:solidFill>
+                      <a:prstDash val="solid"/>
+                      <a:round/>
+                      <a:headEnd type="none" w="med" len="med"/>
+                      <a:tailEnd type="none" w="med" len="med"/>
+                    </a:lnB>
+                    <a:solidFill>
+                      <a:schemeClr val="accent2">
+                        <a:lumMod val="40000"/>
+                        <a:lumOff val="60000"/>
+                      </a:schemeClr>
+                    </a:solidFill>
+                  </a:tcPr>
+                </a:tc>
+                <a:tc>
+                  <a:txBody>
+                    <a:bodyPr/>
+                    <a:lstStyle/>
+                    <a:p>
+                      <a:pPr algn="ctr"/>
+                      <a:r>
+                        <a:rPr lang="en-HK" dirty="0">
+                          <a:solidFill>
+                            <a:schemeClr val="tx1"/>
+                          </a:solidFill>
+                        </a:rPr>
+                        <a:t>6</a:t>
+                      </a:r>
+                    </a:p>
+                  </a:txBody>
+                  <a:tcPr>
+                    <a:lnL w="12700" cap="flat" cmpd="sng" algn="ctr">
+                      <a:solidFill>
+                        <a:srgbClr val="FF0000"/>
+                      </a:solidFill>
+                      <a:prstDash val="solid"/>
+                      <a:round/>
+                      <a:headEnd type="none" w="med" len="med"/>
+                      <a:tailEnd type="none" w="med" len="med"/>
+                    </a:lnL>
+                    <a:lnT w="12700" cap="flat" cmpd="sng" algn="ctr">
+                      <a:solidFill>
+                        <a:srgbClr val="FF0000"/>
+                      </a:solidFill>
+                      <a:prstDash val="solid"/>
+                      <a:round/>
+                      <a:headEnd type="none" w="med" len="med"/>
+                      <a:tailEnd type="none" w="med" len="med"/>
+                    </a:lnT>
+                    <a:lnB w="12700" cap="flat" cmpd="sng" algn="ctr">
+                      <a:solidFill>
+                        <a:srgbClr val="FF0000"/>
+                      </a:solidFill>
+                      <a:prstDash val="solid"/>
+                      <a:round/>
+                      <a:headEnd type="none" w="med" len="med"/>
+                      <a:tailEnd type="none" w="med" len="med"/>
+                    </a:lnB>
+                    <a:solidFill>
+                      <a:schemeClr val="accent2">
+                        <a:lumMod val="40000"/>
+                        <a:lumOff val="60000"/>
+                      </a:schemeClr>
+                    </a:solidFill>
+                  </a:tcPr>
+                </a:tc>
+                <a:tc>
+                  <a:txBody>
+                    <a:bodyPr/>
+                    <a:lstStyle/>
+                    <a:p>
+                      <a:pPr algn="ctr"/>
+                      <a:r>
+                        <a:rPr lang="en-HK" dirty="0">
+                          <a:solidFill>
+                            <a:schemeClr val="tx1"/>
+                          </a:solidFill>
+                        </a:rPr>
+                        <a:t>7</a:t>
+                      </a:r>
+                    </a:p>
+                  </a:txBody>
+                  <a:tcPr>
+                    <a:lnT w="12700" cap="flat" cmpd="sng" algn="ctr">
+                      <a:solidFill>
+                        <a:srgbClr val="FF0000"/>
+                      </a:solidFill>
+                      <a:prstDash val="solid"/>
+                      <a:round/>
+                      <a:headEnd type="none" w="med" len="med"/>
+                      <a:tailEnd type="none" w="med" len="med"/>
+                    </a:lnT>
+                    <a:lnB w="12700" cap="flat" cmpd="sng" algn="ctr">
+                      <a:solidFill>
+                        <a:srgbClr val="FF0000"/>
+                      </a:solidFill>
+                      <a:prstDash val="solid"/>
+                      <a:round/>
+                      <a:headEnd type="none" w="med" len="med"/>
+                      <a:tailEnd type="none" w="med" len="med"/>
+                    </a:lnB>
+                    <a:solidFill>
+                      <a:schemeClr val="accent2">
+                        <a:lumMod val="40000"/>
+                        <a:lumOff val="60000"/>
+                      </a:schemeClr>
+                    </a:solidFill>
+                  </a:tcPr>
+                </a:tc>
+                <a:tc>
+                  <a:txBody>
+                    <a:bodyPr/>
+                    <a:lstStyle/>
+                    <a:p>
+                      <a:pPr algn="ctr"/>
+                      <a:r>
+                        <a:rPr lang="en-HK" dirty="0">
+                          <a:solidFill>
+                            <a:schemeClr val="tx1"/>
+                          </a:solidFill>
+                        </a:rPr>
+                        <a:t>8</a:t>
+                      </a:r>
+                    </a:p>
+                  </a:txBody>
+                  <a:tcPr>
+                    <a:lnT w="12700" cap="flat" cmpd="sng" algn="ctr">
+                      <a:solidFill>
+                        <a:srgbClr val="FF0000"/>
+                      </a:solidFill>
+                      <a:prstDash val="solid"/>
+                      <a:round/>
+                      <a:headEnd type="none" w="med" len="med"/>
+                      <a:tailEnd type="none" w="med" len="med"/>
+                    </a:lnT>
+                    <a:lnB w="12700" cap="flat" cmpd="sng" algn="ctr">
+                      <a:solidFill>
+                        <a:srgbClr val="FF0000"/>
+                      </a:solidFill>
+                      <a:prstDash val="solid"/>
+                      <a:round/>
+                      <a:headEnd type="none" w="med" len="med"/>
+                      <a:tailEnd type="none" w="med" len="med"/>
+                    </a:lnB>
+                    <a:solidFill>
+                      <a:schemeClr val="accent2">
+                        <a:lumMod val="40000"/>
+                        <a:lumOff val="60000"/>
+                      </a:schemeClr>
+                    </a:solidFill>
+                  </a:tcPr>
+                </a:tc>
+                <a:tc>
+                  <a:txBody>
+                    <a:bodyPr/>
+                    <a:lstStyle/>
+                    <a:p>
+                      <a:pPr algn="ctr"/>
+                      <a:r>
+                        <a:rPr lang="en-HK" dirty="0">
+                          <a:solidFill>
+                            <a:schemeClr val="tx1"/>
+                          </a:solidFill>
+                        </a:rPr>
+                        <a:t>9</a:t>
+                      </a:r>
+                    </a:p>
+                  </a:txBody>
+                  <a:tcPr>
+                    <a:lnR w="12700" cap="flat" cmpd="sng" algn="ctr">
+                      <a:solidFill>
+                        <a:srgbClr val="FF0000"/>
+                      </a:solidFill>
+                      <a:prstDash val="solid"/>
+                      <a:round/>
+                      <a:headEnd type="none" w="med" len="med"/>
+                      <a:tailEnd type="none" w="med" len="med"/>
+                    </a:lnR>
+                    <a:lnT w="12700" cap="flat" cmpd="sng" algn="ctr">
+                      <a:solidFill>
+                        <a:srgbClr val="FF0000"/>
+                      </a:solidFill>
+                      <a:prstDash val="solid"/>
+                      <a:round/>
+                      <a:headEnd type="none" w="med" len="med"/>
+                      <a:tailEnd type="none" w="med" len="med"/>
+                    </a:lnT>
+                    <a:lnB w="12700" cap="flat" cmpd="sng" algn="ctr">
+                      <a:solidFill>
+                        <a:srgbClr val="FF0000"/>
+                      </a:solidFill>
+                      <a:prstDash val="solid"/>
+                      <a:round/>
+                      <a:headEnd type="none" w="med" len="med"/>
+                      <a:tailEnd type="none" w="med" len="med"/>
+                    </a:lnB>
+                    <a:solidFill>
+                      <a:schemeClr val="accent2">
+                        <a:lumMod val="40000"/>
+                        <a:lumOff val="60000"/>
+                      </a:schemeClr>
+                    </a:solidFill>
+                  </a:tcPr>
+                </a:tc>
+                <a:tc>
+                  <a:txBody>
+                    <a:bodyPr/>
+                    <a:lstStyle/>
+                    <a:p>
+                      <a:pPr algn="ctr"/>
+                      <a:r>
+                        <a:rPr lang="en-HK" dirty="0">
+                          <a:solidFill>
+                            <a:schemeClr val="tx1"/>
+                          </a:solidFill>
+                        </a:rPr>
+                        <a:t>10</a:t>
+                      </a:r>
+                    </a:p>
+                  </a:txBody>
+                  <a:tcPr>
+                    <a:lnL w="12700" cap="flat" cmpd="sng" algn="ctr">
+                      <a:solidFill>
+                        <a:srgbClr val="FF0000"/>
+                      </a:solidFill>
+                      <a:prstDash val="solid"/>
+                      <a:round/>
+                      <a:headEnd type="none" w="med" len="med"/>
+                      <a:tailEnd type="none" w="med" len="med"/>
+                    </a:lnL>
+                    <a:lnT w="12700" cap="flat" cmpd="sng" algn="ctr">
+                      <a:solidFill>
+                        <a:srgbClr val="FF0000"/>
+                      </a:solidFill>
+                      <a:prstDash val="solid"/>
+                      <a:round/>
+                      <a:headEnd type="none" w="med" len="med"/>
+                      <a:tailEnd type="none" w="med" len="med"/>
+                    </a:lnT>
+                    <a:lnB w="12700" cap="flat" cmpd="sng" algn="ctr">
+                      <a:solidFill>
+                        <a:srgbClr val="FF0000"/>
+                      </a:solidFill>
+                      <a:prstDash val="solid"/>
+                      <a:round/>
+                      <a:headEnd type="none" w="med" len="med"/>
+                      <a:tailEnd type="none" w="med" len="med"/>
+                    </a:lnB>
+                    <a:solidFill>
+                      <a:schemeClr val="accent2">
+                        <a:lumMod val="40000"/>
+                        <a:lumOff val="60000"/>
+                      </a:schemeClr>
+                    </a:solidFill>
+                  </a:tcPr>
+                </a:tc>
+                <a:tc>
+                  <a:txBody>
+                    <a:bodyPr/>
+                    <a:lstStyle/>
+                    <a:p>
+                      <a:pPr algn="ctr"/>
+                      <a:r>
+                        <a:rPr lang="en-HK" dirty="0">
+                          <a:solidFill>
+                            <a:schemeClr val="tx1"/>
+                          </a:solidFill>
+                        </a:rPr>
+                        <a:t>11</a:t>
+                      </a:r>
+                    </a:p>
+                  </a:txBody>
+                  <a:tcPr>
+                    <a:lnR w="12700" cap="flat" cmpd="sng" algn="ctr">
+                      <a:solidFill>
+                        <a:srgbClr val="FF0000"/>
+                      </a:solidFill>
+                      <a:prstDash val="solid"/>
+                      <a:round/>
+                      <a:headEnd type="none" w="med" len="med"/>
+                      <a:tailEnd type="none" w="med" len="med"/>
+                    </a:lnR>
+                    <a:lnT w="12700" cap="flat" cmpd="sng" algn="ctr">
+                      <a:solidFill>
+                        <a:srgbClr val="FF0000"/>
+                      </a:solidFill>
+                      <a:prstDash val="solid"/>
+                      <a:round/>
+                      <a:headEnd type="none" w="med" len="med"/>
+                      <a:tailEnd type="none" w="med" len="med"/>
+                    </a:lnT>
+                    <a:lnB w="12700" cap="flat" cmpd="sng" algn="ctr">
+                      <a:solidFill>
+                        <a:srgbClr val="FF0000"/>
+                      </a:solidFill>
+                      <a:prstDash val="solid"/>
+                      <a:round/>
+                      <a:headEnd type="none" w="med" len="med"/>
+                      <a:tailEnd type="none" w="med" len="med"/>
+                    </a:lnB>
+                    <a:solidFill>
+                      <a:schemeClr val="accent3"/>
+                    </a:solidFill>
+                  </a:tcPr>
+                </a:tc>
+                <a:extLst>
+                  <a:ext uri="{0D108BD9-81ED-4DB2-BD59-A6C34878D82A}">
+                    <a16:rowId xmlns:a16="http://schemas.microsoft.com/office/drawing/2014/main" val="2601047344"/>
+                  </a:ext>
+                </a:extLst>
+              </a:tr>
+            </a:tbl>
+          </a:graphicData>
+        </a:graphic>
+      </p:graphicFrame>
+      <p:cxnSp>
+        <p:nvCxnSpPr>
+          <p:cNvPr id="6" name="Straight Arrow Connector 5">
+            <a:extLst>
+              <a:ext uri="{FF2B5EF4-FFF2-40B4-BE49-F238E27FC236}">
+                <a16:creationId xmlns:a16="http://schemas.microsoft.com/office/drawing/2014/main" id="{BE13F816-06A5-0B18-FBF4-16AE13875135}"/>
+              </a:ext>
+            </a:extLst>
+          </p:cNvPr>
+          <p:cNvCxnSpPr>
+            <a:cxnSpLocks/>
+          </p:cNvCxnSpPr>
+          <p:nvPr/>
+        </p:nvCxnSpPr>
+        <p:spPr>
+          <a:xfrm>
+            <a:off x="1877699" y="3546322"/>
+            <a:ext cx="0" cy="349329"/>
+          </a:xfrm>
+          <a:prstGeom prst="straightConnector1">
+            <a:avLst/>
+          </a:prstGeom>
+          <a:ln w="19050" cap="flat" cmpd="sng" algn="ctr">
+            <a:solidFill>
+              <a:schemeClr val="dk1"/>
+            </a:solidFill>
+            <a:prstDash val="dash"/>
+            <a:round/>
+            <a:headEnd type="none" w="med" len="med"/>
+            <a:tailEnd type="triangle" w="med" len="med"/>
+          </a:ln>
+        </p:spPr>
+        <p:style>
+          <a:lnRef idx="0">
+            <a:scrgbClr r="0" g="0" b="0"/>
+          </a:lnRef>
+          <a:fillRef idx="0">
+            <a:scrgbClr r="0" g="0" b="0"/>
+          </a:fillRef>
+          <a:effectRef idx="0">
+            <a:scrgbClr r="0" g="0" b="0"/>
+          </a:effectRef>
+          <a:fontRef idx="minor">
+            <a:schemeClr val="tx1"/>
+          </a:fontRef>
+        </p:style>
+      </p:cxnSp>
+      <p:sp>
+        <p:nvSpPr>
+          <p:cNvPr id="8" name="Left Brace 7">
+            <a:extLst>
+              <a:ext uri="{FF2B5EF4-FFF2-40B4-BE49-F238E27FC236}">
+                <a16:creationId xmlns:a16="http://schemas.microsoft.com/office/drawing/2014/main" id="{CE068FB2-9D3A-BA5E-956F-FB6C2A8EF310}"/>
+              </a:ext>
+            </a:extLst>
+          </p:cNvPr>
+          <p:cNvSpPr/>
+          <p:nvPr/>
+        </p:nvSpPr>
+        <p:spPr>
+          <a:xfrm rot="16200000">
+            <a:off x="1425049" y="3844564"/>
+            <a:ext cx="73325" cy="1263291"/>
+          </a:xfrm>
+          <a:prstGeom prst="leftBrace">
+            <a:avLst/>
+          </a:prstGeom>
+          <a:ln>
+            <a:solidFill>
+              <a:schemeClr val="bg2">
+                <a:lumMod val="25000"/>
+              </a:schemeClr>
+            </a:solidFill>
+          </a:ln>
+        </p:spPr>
+        <p:style>
+          <a:lnRef idx="1">
+            <a:schemeClr val="accent2"/>
+          </a:lnRef>
+          <a:fillRef idx="0">
+            <a:schemeClr val="accent2"/>
+          </a:fillRef>
+          <a:effectRef idx="0">
+            <a:schemeClr val="accent2"/>
+          </a:effectRef>
+          <a:fontRef idx="minor">
+            <a:schemeClr val="tx1"/>
+          </a:fontRef>
+        </p:style>
+        <p:txBody>
+          <a:bodyPr rtlCol="0" anchor="ctr"/>
+          <a:lstStyle/>
+          <a:p>
+            <a:pPr algn="ctr"/>
+            <a:endParaRPr lang="en-HK"/>
+          </a:p>
+        </p:txBody>
+      </p:sp>
+      <p:sp>
+        <p:nvSpPr>
+          <p:cNvPr id="9" name="TextBox 8">
+            <a:extLst>
+              <a:ext uri="{FF2B5EF4-FFF2-40B4-BE49-F238E27FC236}">
+                <a16:creationId xmlns:a16="http://schemas.microsoft.com/office/drawing/2014/main" id="{F179B766-C065-4B13-BACD-6A7EB70B0D7B}"/>
+              </a:ext>
+            </a:extLst>
+          </p:cNvPr>
+          <p:cNvSpPr txBox="1"/>
+          <p:nvPr/>
+        </p:nvSpPr>
+        <p:spPr>
+          <a:xfrm>
+            <a:off x="990524" y="4512872"/>
+            <a:ext cx="942374" cy="369332"/>
+          </a:xfrm>
+          <a:prstGeom prst="rect">
+            <a:avLst/>
+          </a:prstGeom>
+          <a:noFill/>
+        </p:spPr>
+        <p:txBody>
+          <a:bodyPr wrap="none" rtlCol="0">
+            <a:spAutoFit/>
+          </a:bodyPr>
+          <a:lstStyle/>
+          <a:p>
+            <a:r>
+              <a:rPr lang="en-US" altLang="zh-CN" dirty="0"/>
+              <a:t>Group 1</a:t>
+            </a:r>
+            <a:endParaRPr lang="en-HK" dirty="0"/>
+          </a:p>
+        </p:txBody>
+      </p:sp>
+      <p:sp>
+        <p:nvSpPr>
+          <p:cNvPr id="10" name="Left Brace 9">
+            <a:extLst>
+              <a:ext uri="{FF2B5EF4-FFF2-40B4-BE49-F238E27FC236}">
+                <a16:creationId xmlns:a16="http://schemas.microsoft.com/office/drawing/2014/main" id="{1C170E58-25C9-8724-AA4A-CA57CA6885C1}"/>
+              </a:ext>
+            </a:extLst>
+          </p:cNvPr>
+          <p:cNvSpPr/>
+          <p:nvPr/>
+        </p:nvSpPr>
+        <p:spPr>
+          <a:xfrm rot="16200000">
+            <a:off x="2483901" y="4066262"/>
+            <a:ext cx="73324" cy="819118"/>
+          </a:xfrm>
+          <a:prstGeom prst="leftBrace">
+            <a:avLst/>
+          </a:prstGeom>
+          <a:ln>
+            <a:solidFill>
+              <a:schemeClr val="bg2">
+                <a:lumMod val="25000"/>
+              </a:schemeClr>
+            </a:solidFill>
+          </a:ln>
+        </p:spPr>
+        <p:style>
+          <a:lnRef idx="1">
+            <a:schemeClr val="accent2"/>
+          </a:lnRef>
+          <a:fillRef idx="0">
+            <a:schemeClr val="accent2"/>
+          </a:fillRef>
+          <a:effectRef idx="0">
+            <a:schemeClr val="accent2"/>
+          </a:effectRef>
+          <a:fontRef idx="minor">
+            <a:schemeClr val="tx1"/>
+          </a:fontRef>
+        </p:style>
+        <p:txBody>
+          <a:bodyPr rtlCol="0" anchor="ctr"/>
+          <a:lstStyle/>
+          <a:p>
+            <a:pPr algn="ctr"/>
+            <a:endParaRPr lang="en-HK"/>
+          </a:p>
+        </p:txBody>
+      </p:sp>
+      <p:sp>
+        <p:nvSpPr>
+          <p:cNvPr id="11" name="TextBox 10">
+            <a:extLst>
+              <a:ext uri="{FF2B5EF4-FFF2-40B4-BE49-F238E27FC236}">
+                <a16:creationId xmlns:a16="http://schemas.microsoft.com/office/drawing/2014/main" id="{34174484-799F-D59A-0452-D4BB36DD45EC}"/>
+              </a:ext>
+            </a:extLst>
+          </p:cNvPr>
+          <p:cNvSpPr txBox="1"/>
+          <p:nvPr/>
+        </p:nvSpPr>
+        <p:spPr>
+          <a:xfrm>
+            <a:off x="2093356" y="4512483"/>
+            <a:ext cx="942374" cy="369332"/>
+          </a:xfrm>
+          <a:prstGeom prst="rect">
+            <a:avLst/>
+          </a:prstGeom>
+          <a:noFill/>
+        </p:spPr>
+        <p:txBody>
+          <a:bodyPr wrap="none" rtlCol="0">
+            <a:spAutoFit/>
+          </a:bodyPr>
+          <a:lstStyle/>
+          <a:p>
+            <a:r>
+              <a:rPr lang="en-US" altLang="zh-CN" dirty="0"/>
+              <a:t>Group 2</a:t>
+            </a:r>
+            <a:endParaRPr lang="en-HK" dirty="0"/>
+          </a:p>
+        </p:txBody>
+      </p:sp>
+      <p:sp>
+        <p:nvSpPr>
+          <p:cNvPr id="13" name="Left Brace 12">
+            <a:extLst>
+              <a:ext uri="{FF2B5EF4-FFF2-40B4-BE49-F238E27FC236}">
+                <a16:creationId xmlns:a16="http://schemas.microsoft.com/office/drawing/2014/main" id="{D2444B63-E885-F8C8-68C4-4F6EA5015051}"/>
+              </a:ext>
+            </a:extLst>
+          </p:cNvPr>
+          <p:cNvSpPr/>
+          <p:nvPr/>
+        </p:nvSpPr>
+        <p:spPr>
+          <a:xfrm rot="16200000">
+            <a:off x="3776134" y="3640114"/>
+            <a:ext cx="45719" cy="1661058"/>
+          </a:xfrm>
+          <a:prstGeom prst="leftBrace">
+            <a:avLst/>
+          </a:prstGeom>
+          <a:ln>
+            <a:solidFill>
+              <a:schemeClr val="bg2">
+                <a:lumMod val="25000"/>
+              </a:schemeClr>
+            </a:solidFill>
+          </a:ln>
+        </p:spPr>
+        <p:style>
+          <a:lnRef idx="1">
+            <a:schemeClr val="accent2"/>
+          </a:lnRef>
+          <a:fillRef idx="0">
+            <a:schemeClr val="accent2"/>
+          </a:fillRef>
+          <a:effectRef idx="0">
+            <a:schemeClr val="accent2"/>
+          </a:effectRef>
+          <a:fontRef idx="minor">
+            <a:schemeClr val="tx1"/>
+          </a:fontRef>
+        </p:style>
+        <p:txBody>
+          <a:bodyPr rtlCol="0" anchor="ctr"/>
+          <a:lstStyle/>
+          <a:p>
+            <a:pPr algn="ctr"/>
+            <a:endParaRPr lang="en-HK"/>
+          </a:p>
+        </p:txBody>
+      </p:sp>
+      <p:sp>
+        <p:nvSpPr>
+          <p:cNvPr id="14" name="TextBox 13">
+            <a:extLst>
+              <a:ext uri="{FF2B5EF4-FFF2-40B4-BE49-F238E27FC236}">
+                <a16:creationId xmlns:a16="http://schemas.microsoft.com/office/drawing/2014/main" id="{1DF2B25F-FF4F-7AD0-EC3E-528A8EC172C1}"/>
+              </a:ext>
+            </a:extLst>
+          </p:cNvPr>
+          <p:cNvSpPr txBox="1"/>
+          <p:nvPr/>
+        </p:nvSpPr>
+        <p:spPr>
+          <a:xfrm>
+            <a:off x="3308322" y="4486469"/>
+            <a:ext cx="1239095" cy="369332"/>
+          </a:xfrm>
+          <a:prstGeom prst="rect">
+            <a:avLst/>
+          </a:prstGeom>
+          <a:noFill/>
+        </p:spPr>
+        <p:txBody>
+          <a:bodyPr wrap="square" rtlCol="0">
+            <a:spAutoFit/>
+          </a:bodyPr>
+          <a:lstStyle/>
+          <a:p>
+            <a:r>
+              <a:rPr lang="en-US" altLang="zh-CN" dirty="0"/>
+              <a:t>Group 3</a:t>
+            </a:r>
+            <a:endParaRPr lang="en-HK" dirty="0"/>
+          </a:p>
+        </p:txBody>
+      </p:sp>
+      <p:sp>
+        <p:nvSpPr>
+          <p:cNvPr id="15" name="Left Brace 14">
+            <a:extLst>
+              <a:ext uri="{FF2B5EF4-FFF2-40B4-BE49-F238E27FC236}">
+                <a16:creationId xmlns:a16="http://schemas.microsoft.com/office/drawing/2014/main" id="{74F30F28-CD68-39F0-E231-B13613A1F91F}"/>
+              </a:ext>
+            </a:extLst>
+          </p:cNvPr>
+          <p:cNvSpPr/>
+          <p:nvPr/>
+        </p:nvSpPr>
+        <p:spPr>
+          <a:xfrm rot="16200000">
+            <a:off x="5049382" y="4062812"/>
+            <a:ext cx="45720" cy="819117"/>
+          </a:xfrm>
+          <a:prstGeom prst="leftBrace">
+            <a:avLst/>
+          </a:prstGeom>
+          <a:ln>
+            <a:solidFill>
+              <a:schemeClr val="bg2">
+                <a:lumMod val="25000"/>
+              </a:schemeClr>
+            </a:solidFill>
+          </a:ln>
+        </p:spPr>
+        <p:style>
+          <a:lnRef idx="1">
+            <a:schemeClr val="accent2"/>
+          </a:lnRef>
+          <a:fillRef idx="0">
+            <a:schemeClr val="accent2"/>
+          </a:fillRef>
+          <a:effectRef idx="0">
+            <a:schemeClr val="accent2"/>
+          </a:effectRef>
+          <a:fontRef idx="minor">
+            <a:schemeClr val="tx1"/>
+          </a:fontRef>
+        </p:style>
+        <p:txBody>
+          <a:bodyPr rtlCol="0" anchor="ctr"/>
+          <a:lstStyle/>
+          <a:p>
+            <a:pPr algn="ctr"/>
+            <a:endParaRPr lang="en-HK"/>
+          </a:p>
+        </p:txBody>
+      </p:sp>
+      <p:sp>
+        <p:nvSpPr>
+          <p:cNvPr id="16" name="TextBox 15">
+            <a:extLst>
+              <a:ext uri="{FF2B5EF4-FFF2-40B4-BE49-F238E27FC236}">
+                <a16:creationId xmlns:a16="http://schemas.microsoft.com/office/drawing/2014/main" id="{253FC6E8-E803-92CF-2DDE-082DD3E61B84}"/>
+              </a:ext>
+            </a:extLst>
+          </p:cNvPr>
+          <p:cNvSpPr txBox="1"/>
+          <p:nvPr/>
+        </p:nvSpPr>
+        <p:spPr>
+          <a:xfrm>
+            <a:off x="4585759" y="4486469"/>
+            <a:ext cx="972966" cy="369332"/>
+          </a:xfrm>
+          <a:prstGeom prst="rect">
+            <a:avLst/>
+          </a:prstGeom>
+          <a:noFill/>
+        </p:spPr>
+        <p:txBody>
+          <a:bodyPr wrap="square" rtlCol="0">
+            <a:spAutoFit/>
+          </a:bodyPr>
+          <a:lstStyle/>
+          <a:p>
+            <a:r>
+              <a:rPr lang="en-US" altLang="zh-CN" dirty="0"/>
+              <a:t>Group 4</a:t>
+            </a:r>
+            <a:endParaRPr lang="en-HK" dirty="0"/>
+          </a:p>
+        </p:txBody>
+      </p:sp>
+      <p:cxnSp>
+        <p:nvCxnSpPr>
+          <p:cNvPr id="18" name="Straight Arrow Connector 17">
+            <a:extLst>
+              <a:ext uri="{FF2B5EF4-FFF2-40B4-BE49-F238E27FC236}">
+                <a16:creationId xmlns:a16="http://schemas.microsoft.com/office/drawing/2014/main" id="{9EB25C7E-9771-0228-FEDF-24C07C9DD4A2}"/>
+              </a:ext>
+            </a:extLst>
+          </p:cNvPr>
+          <p:cNvCxnSpPr>
+            <a:cxnSpLocks/>
+          </p:cNvCxnSpPr>
+          <p:nvPr/>
+        </p:nvCxnSpPr>
+        <p:spPr>
+          <a:xfrm>
+            <a:off x="2737464" y="3529070"/>
+            <a:ext cx="0" cy="349329"/>
+          </a:xfrm>
+          <a:prstGeom prst="straightConnector1">
+            <a:avLst/>
+          </a:prstGeom>
+          <a:ln w="19050" cap="flat" cmpd="sng" algn="ctr">
+            <a:solidFill>
+              <a:schemeClr val="dk1"/>
+            </a:solidFill>
+            <a:prstDash val="dash"/>
+            <a:round/>
+            <a:headEnd type="none" w="med" len="med"/>
+            <a:tailEnd type="triangle" w="med" len="med"/>
+          </a:ln>
+        </p:spPr>
+        <p:style>
+          <a:lnRef idx="0">
+            <a:scrgbClr r="0" g="0" b="0"/>
+          </a:lnRef>
+          <a:fillRef idx="0">
+            <a:scrgbClr r="0" g="0" b="0"/>
+          </a:fillRef>
+          <a:effectRef idx="0">
+            <a:scrgbClr r="0" g="0" b="0"/>
+          </a:effectRef>
+          <a:fontRef idx="minor">
+            <a:schemeClr val="tx1"/>
+          </a:fontRef>
+        </p:style>
+      </p:cxnSp>
+      <p:cxnSp>
+        <p:nvCxnSpPr>
+          <p:cNvPr id="26" name="Straight Arrow Connector 25">
+            <a:extLst>
+              <a:ext uri="{FF2B5EF4-FFF2-40B4-BE49-F238E27FC236}">
+                <a16:creationId xmlns:a16="http://schemas.microsoft.com/office/drawing/2014/main" id="{4E1DBD0D-3AF3-71A4-79A3-1B2DABF3DD15}"/>
+              </a:ext>
+            </a:extLst>
+          </p:cNvPr>
+          <p:cNvCxnSpPr>
+            <a:cxnSpLocks/>
+          </p:cNvCxnSpPr>
+          <p:nvPr/>
+        </p:nvCxnSpPr>
+        <p:spPr>
+          <a:xfrm>
+            <a:off x="4420895" y="3529070"/>
+            <a:ext cx="0" cy="349329"/>
+          </a:xfrm>
+          <a:prstGeom prst="straightConnector1">
+            <a:avLst/>
+          </a:prstGeom>
+          <a:ln w="19050" cap="flat" cmpd="sng" algn="ctr">
+            <a:solidFill>
+              <a:schemeClr val="dk1"/>
+            </a:solidFill>
+            <a:prstDash val="dash"/>
+            <a:round/>
+            <a:headEnd type="none" w="med" len="med"/>
+            <a:tailEnd type="triangle" w="med" len="med"/>
+          </a:ln>
+        </p:spPr>
+        <p:style>
+          <a:lnRef idx="0">
+            <a:scrgbClr r="0" g="0" b="0"/>
+          </a:lnRef>
+          <a:fillRef idx="0">
+            <a:scrgbClr r="0" g="0" b="0"/>
+          </a:fillRef>
+          <a:effectRef idx="0">
+            <a:scrgbClr r="0" g="0" b="0"/>
+          </a:effectRef>
+          <a:fontRef idx="minor">
+            <a:schemeClr val="tx1"/>
+          </a:fontRef>
+        </p:style>
+      </p:cxnSp>
     </p:spTree>
     <p:extLst>
       <p:ext uri="{BB962C8B-B14F-4D97-AF65-F5344CB8AC3E}">

--- a/Dissertation/Beamer/test.pptx
+++ b/Dissertation/Beamer/test.pptx
@@ -209,7 +209,7 @@
           <a:p>
             <a:fld id="{9E12240E-F1A6-4A91-967F-8E68706835E0}" type="datetimeFigureOut">
               <a:rPr lang="en-HK" smtClean="0"/>
-              <a:t>14/7/2024</a:t>
+              <a:t>21/7/2024</a:t>
             </a:fld>
             <a:endParaRPr lang="en-HK"/>
           </a:p>
@@ -713,7 +713,7 @@
           <a:p>
             <a:fld id="{A662AB9F-F8D6-4D84-8C93-94B520C5C2D5}" type="datetimeFigureOut">
               <a:rPr lang="en-HK" smtClean="0"/>
-              <a:t>14/7/2024</a:t>
+              <a:t>21/7/2024</a:t>
             </a:fld>
             <a:endParaRPr lang="en-HK"/>
           </a:p>
@@ -913,7 +913,7 @@
           <a:p>
             <a:fld id="{A662AB9F-F8D6-4D84-8C93-94B520C5C2D5}" type="datetimeFigureOut">
               <a:rPr lang="en-HK" smtClean="0"/>
-              <a:t>14/7/2024</a:t>
+              <a:t>21/7/2024</a:t>
             </a:fld>
             <a:endParaRPr lang="en-HK"/>
           </a:p>
@@ -1123,7 +1123,7 @@
           <a:p>
             <a:fld id="{A662AB9F-F8D6-4D84-8C93-94B520C5C2D5}" type="datetimeFigureOut">
               <a:rPr lang="en-HK" smtClean="0"/>
-              <a:t>14/7/2024</a:t>
+              <a:t>21/7/2024</a:t>
             </a:fld>
             <a:endParaRPr lang="en-HK"/>
           </a:p>
@@ -1323,7 +1323,7 @@
           <a:p>
             <a:fld id="{A662AB9F-F8D6-4D84-8C93-94B520C5C2D5}" type="datetimeFigureOut">
               <a:rPr lang="en-HK" smtClean="0"/>
-              <a:t>14/7/2024</a:t>
+              <a:t>21/7/2024</a:t>
             </a:fld>
             <a:endParaRPr lang="en-HK"/>
           </a:p>
@@ -1599,7 +1599,7 @@
           <a:p>
             <a:fld id="{A662AB9F-F8D6-4D84-8C93-94B520C5C2D5}" type="datetimeFigureOut">
               <a:rPr lang="en-HK" smtClean="0"/>
-              <a:t>14/7/2024</a:t>
+              <a:t>21/7/2024</a:t>
             </a:fld>
             <a:endParaRPr lang="en-HK"/>
           </a:p>
@@ -1867,7 +1867,7 @@
           <a:p>
             <a:fld id="{A662AB9F-F8D6-4D84-8C93-94B520C5C2D5}" type="datetimeFigureOut">
               <a:rPr lang="en-HK" smtClean="0"/>
-              <a:t>14/7/2024</a:t>
+              <a:t>21/7/2024</a:t>
             </a:fld>
             <a:endParaRPr lang="en-HK"/>
           </a:p>
@@ -2282,7 +2282,7 @@
           <a:p>
             <a:fld id="{A662AB9F-F8D6-4D84-8C93-94B520C5C2D5}" type="datetimeFigureOut">
               <a:rPr lang="en-HK" smtClean="0"/>
-              <a:t>14/7/2024</a:t>
+              <a:t>21/7/2024</a:t>
             </a:fld>
             <a:endParaRPr lang="en-HK"/>
           </a:p>
@@ -2424,7 +2424,7 @@
           <a:p>
             <a:fld id="{A662AB9F-F8D6-4D84-8C93-94B520C5C2D5}" type="datetimeFigureOut">
               <a:rPr lang="en-HK" smtClean="0"/>
-              <a:t>14/7/2024</a:t>
+              <a:t>21/7/2024</a:t>
             </a:fld>
             <a:endParaRPr lang="en-HK"/>
           </a:p>
@@ -2537,7 +2537,7 @@
           <a:p>
             <a:fld id="{A662AB9F-F8D6-4D84-8C93-94B520C5C2D5}" type="datetimeFigureOut">
               <a:rPr lang="en-HK" smtClean="0"/>
-              <a:t>14/7/2024</a:t>
+              <a:t>21/7/2024</a:t>
             </a:fld>
             <a:endParaRPr lang="en-HK"/>
           </a:p>
@@ -2850,7 +2850,7 @@
           <a:p>
             <a:fld id="{A662AB9F-F8D6-4D84-8C93-94B520C5C2D5}" type="datetimeFigureOut">
               <a:rPr lang="en-HK" smtClean="0"/>
-              <a:t>14/7/2024</a:t>
+              <a:t>21/7/2024</a:t>
             </a:fld>
             <a:endParaRPr lang="en-HK"/>
           </a:p>
@@ -3139,7 +3139,7 @@
           <a:p>
             <a:fld id="{A662AB9F-F8D6-4D84-8C93-94B520C5C2D5}" type="datetimeFigureOut">
               <a:rPr lang="en-HK" smtClean="0"/>
-              <a:t>14/7/2024</a:t>
+              <a:t>21/7/2024</a:t>
             </a:fld>
             <a:endParaRPr lang="en-HK"/>
           </a:p>
@@ -3382,7 +3382,7 @@
           <a:p>
             <a:fld id="{A662AB9F-F8D6-4D84-8C93-94B520C5C2D5}" type="datetimeFigureOut">
               <a:rPr lang="en-HK" smtClean="0"/>
-              <a:t>14/7/2024</a:t>
+              <a:t>21/7/2024</a:t>
             </a:fld>
             <a:endParaRPr lang="en-HK"/>
           </a:p>
@@ -21849,6 +21849,1376 @@
           </a:fontRef>
         </p:style>
       </p:cxnSp>
+      <p:graphicFrame>
+        <p:nvGraphicFramePr>
+          <p:cNvPr id="17" name="Table 4">
+            <a:extLst>
+              <a:ext uri="{FF2B5EF4-FFF2-40B4-BE49-F238E27FC236}">
+                <a16:creationId xmlns:a16="http://schemas.microsoft.com/office/drawing/2014/main" id="{A69432CC-4AD3-80EC-4D3A-9B77F825AEC1}"/>
+              </a:ext>
+            </a:extLst>
+          </p:cNvPr>
+          <p:cNvGraphicFramePr>
+            <a:graphicFrameLocks noGrp="1"/>
+          </p:cNvGraphicFramePr>
+          <p:nvPr>
+            <p:extLst>
+              <p:ext uri="{D42A27DB-BD31-4B8C-83A1-F6EECF244321}">
+                <p14:modId xmlns:p14="http://schemas.microsoft.com/office/powerpoint/2010/main" val="1445725562"/>
+              </p:ext>
+            </p:extLst>
+          </p:nvPr>
+        </p:nvGraphicFramePr>
+        <p:xfrm>
+          <a:off x="6580985" y="3310630"/>
+          <a:ext cx="4230780" cy="370840"/>
+        </p:xfrm>
+        <a:graphic>
+          <a:graphicData uri="http://schemas.openxmlformats.org/drawingml/2006/table">
+            <a:tbl>
+              <a:tblPr firstRow="1" bandRow="1">
+                <a:tableStyleId>{5C22544A-7EE6-4342-B048-85BDC9FD1C3A}</a:tableStyleId>
+              </a:tblPr>
+              <a:tblGrid>
+                <a:gridCol w="423078">
+                  <a:extLst>
+                    <a:ext uri="{9D8B030D-6E8A-4147-A177-3AD203B41FA5}">
+                      <a16:colId xmlns:a16="http://schemas.microsoft.com/office/drawing/2014/main" val="1958716807"/>
+                    </a:ext>
+                  </a:extLst>
+                </a:gridCol>
+                <a:gridCol w="423078">
+                  <a:extLst>
+                    <a:ext uri="{9D8B030D-6E8A-4147-A177-3AD203B41FA5}">
+                      <a16:colId xmlns:a16="http://schemas.microsoft.com/office/drawing/2014/main" val="2177103222"/>
+                    </a:ext>
+                  </a:extLst>
+                </a:gridCol>
+                <a:gridCol w="423078">
+                  <a:extLst>
+                    <a:ext uri="{9D8B030D-6E8A-4147-A177-3AD203B41FA5}">
+                      <a16:colId xmlns:a16="http://schemas.microsoft.com/office/drawing/2014/main" val="3409141404"/>
+                    </a:ext>
+                  </a:extLst>
+                </a:gridCol>
+                <a:gridCol w="423078">
+                  <a:extLst>
+                    <a:ext uri="{9D8B030D-6E8A-4147-A177-3AD203B41FA5}">
+                      <a16:colId xmlns:a16="http://schemas.microsoft.com/office/drawing/2014/main" val="217707470"/>
+                    </a:ext>
+                  </a:extLst>
+                </a:gridCol>
+                <a:gridCol w="423078">
+                  <a:extLst>
+                    <a:ext uri="{9D8B030D-6E8A-4147-A177-3AD203B41FA5}">
+                      <a16:colId xmlns:a16="http://schemas.microsoft.com/office/drawing/2014/main" val="770379941"/>
+                    </a:ext>
+                  </a:extLst>
+                </a:gridCol>
+                <a:gridCol w="423078">
+                  <a:extLst>
+                    <a:ext uri="{9D8B030D-6E8A-4147-A177-3AD203B41FA5}">
+                      <a16:colId xmlns:a16="http://schemas.microsoft.com/office/drawing/2014/main" val="4085467491"/>
+                    </a:ext>
+                  </a:extLst>
+                </a:gridCol>
+                <a:gridCol w="423078">
+                  <a:extLst>
+                    <a:ext uri="{9D8B030D-6E8A-4147-A177-3AD203B41FA5}">
+                      <a16:colId xmlns:a16="http://schemas.microsoft.com/office/drawing/2014/main" val="2183018877"/>
+                    </a:ext>
+                  </a:extLst>
+                </a:gridCol>
+                <a:gridCol w="423078">
+                  <a:extLst>
+                    <a:ext uri="{9D8B030D-6E8A-4147-A177-3AD203B41FA5}">
+                      <a16:colId xmlns:a16="http://schemas.microsoft.com/office/drawing/2014/main" val="3957069584"/>
+                    </a:ext>
+                  </a:extLst>
+                </a:gridCol>
+                <a:gridCol w="423078">
+                  <a:extLst>
+                    <a:ext uri="{9D8B030D-6E8A-4147-A177-3AD203B41FA5}">
+                      <a16:colId xmlns:a16="http://schemas.microsoft.com/office/drawing/2014/main" val="3244291510"/>
+                    </a:ext>
+                  </a:extLst>
+                </a:gridCol>
+                <a:gridCol w="423078">
+                  <a:extLst>
+                    <a:ext uri="{9D8B030D-6E8A-4147-A177-3AD203B41FA5}">
+                      <a16:colId xmlns:a16="http://schemas.microsoft.com/office/drawing/2014/main" val="3722398860"/>
+                    </a:ext>
+                  </a:extLst>
+                </a:gridCol>
+              </a:tblGrid>
+              <a:tr h="370840">
+                <a:tc>
+                  <a:txBody>
+                    <a:bodyPr/>
+                    <a:lstStyle/>
+                    <a:p>
+                      <a:pPr algn="ctr"/>
+                      <a:r>
+                        <a:rPr lang="en-HK" dirty="0">
+                          <a:solidFill>
+                            <a:schemeClr val="tx1"/>
+                          </a:solidFill>
+                        </a:rPr>
+                        <a:t>1</a:t>
+                      </a:r>
+                    </a:p>
+                  </a:txBody>
+                  <a:tcPr>
+                    <a:solidFill>
+                      <a:schemeClr val="accent2">
+                        <a:lumMod val="40000"/>
+                        <a:lumOff val="60000"/>
+                      </a:schemeClr>
+                    </a:solidFill>
+                  </a:tcPr>
+                </a:tc>
+                <a:tc>
+                  <a:txBody>
+                    <a:bodyPr/>
+                    <a:lstStyle/>
+                    <a:p>
+                      <a:pPr algn="ctr"/>
+                      <a:r>
+                        <a:rPr lang="en-HK" dirty="0">
+                          <a:solidFill>
+                            <a:schemeClr val="tx1"/>
+                          </a:solidFill>
+                        </a:rPr>
+                        <a:t>2</a:t>
+                      </a:r>
+                    </a:p>
+                  </a:txBody>
+                  <a:tcPr>
+                    <a:solidFill>
+                      <a:schemeClr val="accent2">
+                        <a:lumMod val="40000"/>
+                        <a:lumOff val="60000"/>
+                      </a:schemeClr>
+                    </a:solidFill>
+                  </a:tcPr>
+                </a:tc>
+                <a:tc>
+                  <a:txBody>
+                    <a:bodyPr/>
+                    <a:lstStyle/>
+                    <a:p>
+                      <a:pPr algn="ctr"/>
+                      <a:r>
+                        <a:rPr lang="en-HK" dirty="0">
+                          <a:solidFill>
+                            <a:schemeClr val="tx1"/>
+                          </a:solidFill>
+                        </a:rPr>
+                        <a:t>3</a:t>
+                      </a:r>
+                    </a:p>
+                  </a:txBody>
+                  <a:tcPr>
+                    <a:solidFill>
+                      <a:schemeClr val="accent1">
+                        <a:lumMod val="40000"/>
+                        <a:lumOff val="60000"/>
+                      </a:schemeClr>
+                    </a:solidFill>
+                  </a:tcPr>
+                </a:tc>
+                <a:tc>
+                  <a:txBody>
+                    <a:bodyPr/>
+                    <a:lstStyle/>
+                    <a:p>
+                      <a:pPr algn="ctr"/>
+                      <a:r>
+                        <a:rPr lang="en-HK" dirty="0">
+                          <a:solidFill>
+                            <a:schemeClr val="tx1"/>
+                          </a:solidFill>
+                        </a:rPr>
+                        <a:t>4</a:t>
+                      </a:r>
+                    </a:p>
+                  </a:txBody>
+                  <a:tcPr>
+                    <a:solidFill>
+                      <a:schemeClr val="accent2">
+                        <a:lumMod val="40000"/>
+                        <a:lumOff val="60000"/>
+                      </a:schemeClr>
+                    </a:solidFill>
+                  </a:tcPr>
+                </a:tc>
+                <a:tc>
+                  <a:txBody>
+                    <a:bodyPr/>
+                    <a:lstStyle/>
+                    <a:p>
+                      <a:pPr algn="ctr"/>
+                      <a:r>
+                        <a:rPr lang="en-HK" dirty="0">
+                          <a:solidFill>
+                            <a:schemeClr val="tx1"/>
+                          </a:solidFill>
+                        </a:rPr>
+                        <a:t>5</a:t>
+                      </a:r>
+                    </a:p>
+                  </a:txBody>
+                  <a:tcPr>
+                    <a:solidFill>
+                      <a:schemeClr val="accent1">
+                        <a:lumMod val="40000"/>
+                        <a:lumOff val="60000"/>
+                      </a:schemeClr>
+                    </a:solidFill>
+                  </a:tcPr>
+                </a:tc>
+                <a:tc>
+                  <a:txBody>
+                    <a:bodyPr/>
+                    <a:lstStyle/>
+                    <a:p>
+                      <a:pPr algn="ctr"/>
+                      <a:r>
+                        <a:rPr lang="en-HK" dirty="0">
+                          <a:solidFill>
+                            <a:schemeClr val="tx1"/>
+                          </a:solidFill>
+                        </a:rPr>
+                        <a:t>6</a:t>
+                      </a:r>
+                    </a:p>
+                  </a:txBody>
+                  <a:tcPr>
+                    <a:solidFill>
+                      <a:schemeClr val="accent2">
+                        <a:lumMod val="40000"/>
+                        <a:lumOff val="60000"/>
+                      </a:schemeClr>
+                    </a:solidFill>
+                  </a:tcPr>
+                </a:tc>
+                <a:tc>
+                  <a:txBody>
+                    <a:bodyPr/>
+                    <a:lstStyle/>
+                    <a:p>
+                      <a:pPr algn="ctr"/>
+                      <a:r>
+                        <a:rPr lang="en-HK" dirty="0">
+                          <a:solidFill>
+                            <a:schemeClr val="tx1"/>
+                          </a:solidFill>
+                        </a:rPr>
+                        <a:t>7</a:t>
+                      </a:r>
+                    </a:p>
+                  </a:txBody>
+                  <a:tcPr>
+                    <a:solidFill>
+                      <a:schemeClr val="accent2">
+                        <a:lumMod val="40000"/>
+                        <a:lumOff val="60000"/>
+                      </a:schemeClr>
+                    </a:solidFill>
+                  </a:tcPr>
+                </a:tc>
+                <a:tc>
+                  <a:txBody>
+                    <a:bodyPr/>
+                    <a:lstStyle/>
+                    <a:p>
+                      <a:pPr algn="ctr"/>
+                      <a:r>
+                        <a:rPr lang="en-HK" dirty="0">
+                          <a:solidFill>
+                            <a:schemeClr val="tx1"/>
+                          </a:solidFill>
+                        </a:rPr>
+                        <a:t>8</a:t>
+                      </a:r>
+                    </a:p>
+                  </a:txBody>
+                  <a:tcPr>
+                    <a:solidFill>
+                      <a:schemeClr val="accent2">
+                        <a:lumMod val="40000"/>
+                        <a:lumOff val="60000"/>
+                      </a:schemeClr>
+                    </a:solidFill>
+                  </a:tcPr>
+                </a:tc>
+                <a:tc>
+                  <a:txBody>
+                    <a:bodyPr/>
+                    <a:lstStyle/>
+                    <a:p>
+                      <a:pPr algn="ctr"/>
+                      <a:r>
+                        <a:rPr lang="en-HK" dirty="0">
+                          <a:solidFill>
+                            <a:schemeClr val="tx1"/>
+                          </a:solidFill>
+                        </a:rPr>
+                        <a:t>9</a:t>
+                      </a:r>
+                    </a:p>
+                  </a:txBody>
+                  <a:tcPr>
+                    <a:solidFill>
+                      <a:schemeClr val="accent1">
+                        <a:lumMod val="40000"/>
+                        <a:lumOff val="60000"/>
+                      </a:schemeClr>
+                    </a:solidFill>
+                  </a:tcPr>
+                </a:tc>
+                <a:tc>
+                  <a:txBody>
+                    <a:bodyPr/>
+                    <a:lstStyle/>
+                    <a:p>
+                      <a:pPr algn="ctr"/>
+                      <a:r>
+                        <a:rPr lang="en-HK" dirty="0">
+                          <a:solidFill>
+                            <a:schemeClr val="tx1"/>
+                          </a:solidFill>
+                        </a:rPr>
+                        <a:t>10</a:t>
+                      </a:r>
+                    </a:p>
+                  </a:txBody>
+                  <a:tcPr>
+                    <a:solidFill>
+                      <a:schemeClr val="accent2">
+                        <a:lumMod val="40000"/>
+                        <a:lumOff val="60000"/>
+                      </a:schemeClr>
+                    </a:solidFill>
+                  </a:tcPr>
+                </a:tc>
+                <a:extLst>
+                  <a:ext uri="{0D108BD9-81ED-4DB2-BD59-A6C34878D82A}">
+                    <a16:rowId xmlns:a16="http://schemas.microsoft.com/office/drawing/2014/main" val="2601047344"/>
+                  </a:ext>
+                </a:extLst>
+              </a:tr>
+            </a:tbl>
+          </a:graphicData>
+        </a:graphic>
+      </p:graphicFrame>
+      <p:graphicFrame>
+        <p:nvGraphicFramePr>
+          <p:cNvPr id="27" name="Table 26">
+            <a:extLst>
+              <a:ext uri="{FF2B5EF4-FFF2-40B4-BE49-F238E27FC236}">
+                <a16:creationId xmlns:a16="http://schemas.microsoft.com/office/drawing/2014/main" id="{18BB7353-00FD-FD69-FCE1-9D8A85295C58}"/>
+              </a:ext>
+            </a:extLst>
+          </p:cNvPr>
+          <p:cNvGraphicFramePr>
+            <a:graphicFrameLocks noGrp="1"/>
+          </p:cNvGraphicFramePr>
+          <p:nvPr>
+            <p:extLst>
+              <p:ext uri="{D42A27DB-BD31-4B8C-83A1-F6EECF244321}">
+                <p14:modId xmlns:p14="http://schemas.microsoft.com/office/powerpoint/2010/main" val="1805249405"/>
+              </p:ext>
+            </p:extLst>
+          </p:nvPr>
+        </p:nvGraphicFramePr>
+        <p:xfrm>
+          <a:off x="6580998" y="4130134"/>
+          <a:ext cx="4653473" cy="370840"/>
+        </p:xfrm>
+        <a:graphic>
+          <a:graphicData uri="http://schemas.openxmlformats.org/drawingml/2006/table">
+            <a:tbl>
+              <a:tblPr firstRow="1" bandRow="1">
+                <a:tableStyleId>{5C22544A-7EE6-4342-B048-85BDC9FD1C3A}</a:tableStyleId>
+              </a:tblPr>
+              <a:tblGrid>
+                <a:gridCol w="423043">
+                  <a:extLst>
+                    <a:ext uri="{9D8B030D-6E8A-4147-A177-3AD203B41FA5}">
+                      <a16:colId xmlns:a16="http://schemas.microsoft.com/office/drawing/2014/main" val="1958716807"/>
+                    </a:ext>
+                  </a:extLst>
+                </a:gridCol>
+                <a:gridCol w="423043">
+                  <a:extLst>
+                    <a:ext uri="{9D8B030D-6E8A-4147-A177-3AD203B41FA5}">
+                      <a16:colId xmlns:a16="http://schemas.microsoft.com/office/drawing/2014/main" val="2177103222"/>
+                    </a:ext>
+                  </a:extLst>
+                </a:gridCol>
+                <a:gridCol w="423043">
+                  <a:extLst>
+                    <a:ext uri="{9D8B030D-6E8A-4147-A177-3AD203B41FA5}">
+                      <a16:colId xmlns:a16="http://schemas.microsoft.com/office/drawing/2014/main" val="3409141404"/>
+                    </a:ext>
+                  </a:extLst>
+                </a:gridCol>
+                <a:gridCol w="423043">
+                  <a:extLst>
+                    <a:ext uri="{9D8B030D-6E8A-4147-A177-3AD203B41FA5}">
+                      <a16:colId xmlns:a16="http://schemas.microsoft.com/office/drawing/2014/main" val="217707470"/>
+                    </a:ext>
+                  </a:extLst>
+                </a:gridCol>
+                <a:gridCol w="396377">
+                  <a:extLst>
+                    <a:ext uri="{9D8B030D-6E8A-4147-A177-3AD203B41FA5}">
+                      <a16:colId xmlns:a16="http://schemas.microsoft.com/office/drawing/2014/main" val="770379941"/>
+                    </a:ext>
+                  </a:extLst>
+                </a:gridCol>
+                <a:gridCol w="449709">
+                  <a:extLst>
+                    <a:ext uri="{9D8B030D-6E8A-4147-A177-3AD203B41FA5}">
+                      <a16:colId xmlns:a16="http://schemas.microsoft.com/office/drawing/2014/main" val="4085467491"/>
+                    </a:ext>
+                  </a:extLst>
+                </a:gridCol>
+                <a:gridCol w="423043">
+                  <a:extLst>
+                    <a:ext uri="{9D8B030D-6E8A-4147-A177-3AD203B41FA5}">
+                      <a16:colId xmlns:a16="http://schemas.microsoft.com/office/drawing/2014/main" val="2183018877"/>
+                    </a:ext>
+                  </a:extLst>
+                </a:gridCol>
+                <a:gridCol w="423043">
+                  <a:extLst>
+                    <a:ext uri="{9D8B030D-6E8A-4147-A177-3AD203B41FA5}">
+                      <a16:colId xmlns:a16="http://schemas.microsoft.com/office/drawing/2014/main" val="3957069584"/>
+                    </a:ext>
+                  </a:extLst>
+                </a:gridCol>
+                <a:gridCol w="423043">
+                  <a:extLst>
+                    <a:ext uri="{9D8B030D-6E8A-4147-A177-3AD203B41FA5}">
+                      <a16:colId xmlns:a16="http://schemas.microsoft.com/office/drawing/2014/main" val="3244291510"/>
+                    </a:ext>
+                  </a:extLst>
+                </a:gridCol>
+                <a:gridCol w="423043">
+                  <a:extLst>
+                    <a:ext uri="{9D8B030D-6E8A-4147-A177-3AD203B41FA5}">
+                      <a16:colId xmlns:a16="http://schemas.microsoft.com/office/drawing/2014/main" val="3722398860"/>
+                    </a:ext>
+                  </a:extLst>
+                </a:gridCol>
+                <a:gridCol w="423043">
+                  <a:extLst>
+                    <a:ext uri="{9D8B030D-6E8A-4147-A177-3AD203B41FA5}">
+                      <a16:colId xmlns:a16="http://schemas.microsoft.com/office/drawing/2014/main" val="3031954405"/>
+                    </a:ext>
+                  </a:extLst>
+                </a:gridCol>
+              </a:tblGrid>
+              <a:tr h="370840">
+                <a:tc>
+                  <a:txBody>
+                    <a:bodyPr/>
+                    <a:lstStyle/>
+                    <a:p>
+                      <a:pPr algn="ctr"/>
+                      <a:r>
+                        <a:rPr lang="en-HK" dirty="0">
+                          <a:solidFill>
+                            <a:schemeClr val="tx1"/>
+                          </a:solidFill>
+                        </a:rPr>
+                        <a:t>1</a:t>
+                      </a:r>
+                    </a:p>
+                  </a:txBody>
+                  <a:tcPr>
+                    <a:lnL w="12700" cap="flat" cmpd="sng" algn="ctr">
+                      <a:solidFill>
+                        <a:srgbClr val="FF0000"/>
+                      </a:solidFill>
+                      <a:prstDash val="solid"/>
+                      <a:round/>
+                      <a:headEnd type="none" w="med" len="med"/>
+                      <a:tailEnd type="none" w="med" len="med"/>
+                    </a:lnL>
+                    <a:lnT w="12700" cap="flat" cmpd="sng" algn="ctr">
+                      <a:solidFill>
+                        <a:srgbClr val="FF0000"/>
+                      </a:solidFill>
+                      <a:prstDash val="solid"/>
+                      <a:round/>
+                      <a:headEnd type="none" w="med" len="med"/>
+                      <a:tailEnd type="none" w="med" len="med"/>
+                    </a:lnT>
+                    <a:lnB w="12700" cap="flat" cmpd="sng" algn="ctr">
+                      <a:solidFill>
+                        <a:srgbClr val="FF0000"/>
+                      </a:solidFill>
+                      <a:prstDash val="solid"/>
+                      <a:round/>
+                      <a:headEnd type="none" w="med" len="med"/>
+                      <a:tailEnd type="none" w="med" len="med"/>
+                    </a:lnB>
+                    <a:solidFill>
+                      <a:schemeClr val="accent2">
+                        <a:lumMod val="40000"/>
+                        <a:lumOff val="60000"/>
+                      </a:schemeClr>
+                    </a:solidFill>
+                  </a:tcPr>
+                </a:tc>
+                <a:tc>
+                  <a:txBody>
+                    <a:bodyPr/>
+                    <a:lstStyle/>
+                    <a:p>
+                      <a:pPr algn="ctr"/>
+                      <a:r>
+                        <a:rPr lang="en-HK" dirty="0">
+                          <a:solidFill>
+                            <a:schemeClr val="tx1"/>
+                          </a:solidFill>
+                        </a:rPr>
+                        <a:t>2</a:t>
+                      </a:r>
+                    </a:p>
+                  </a:txBody>
+                  <a:tcPr>
+                    <a:lnT w="12700" cap="flat" cmpd="sng" algn="ctr">
+                      <a:solidFill>
+                        <a:srgbClr val="FF0000"/>
+                      </a:solidFill>
+                      <a:prstDash val="solid"/>
+                      <a:round/>
+                      <a:headEnd type="none" w="med" len="med"/>
+                      <a:tailEnd type="none" w="med" len="med"/>
+                    </a:lnT>
+                    <a:lnB w="12700" cap="flat" cmpd="sng" algn="ctr">
+                      <a:solidFill>
+                        <a:srgbClr val="FF0000"/>
+                      </a:solidFill>
+                      <a:prstDash val="solid"/>
+                      <a:round/>
+                      <a:headEnd type="none" w="med" len="med"/>
+                      <a:tailEnd type="none" w="med" len="med"/>
+                    </a:lnB>
+                    <a:solidFill>
+                      <a:schemeClr val="accent2">
+                        <a:lumMod val="40000"/>
+                        <a:lumOff val="60000"/>
+                      </a:schemeClr>
+                    </a:solidFill>
+                  </a:tcPr>
+                </a:tc>
+                <a:tc>
+                  <a:txBody>
+                    <a:bodyPr/>
+                    <a:lstStyle/>
+                    <a:p>
+                      <a:pPr algn="ctr"/>
+                      <a:r>
+                        <a:rPr lang="en-HK" dirty="0">
+                          <a:solidFill>
+                            <a:schemeClr val="tx1"/>
+                          </a:solidFill>
+                        </a:rPr>
+                        <a:t>3</a:t>
+                      </a:r>
+                    </a:p>
+                  </a:txBody>
+                  <a:tcPr>
+                    <a:lnR w="12700" cap="flat" cmpd="sng" algn="ctr">
+                      <a:solidFill>
+                        <a:srgbClr val="FF0000"/>
+                      </a:solidFill>
+                      <a:prstDash val="solid"/>
+                      <a:round/>
+                      <a:headEnd type="none" w="med" len="med"/>
+                      <a:tailEnd type="none" w="med" len="med"/>
+                    </a:lnR>
+                    <a:lnT w="12700" cap="flat" cmpd="sng" algn="ctr">
+                      <a:solidFill>
+                        <a:srgbClr val="FF0000"/>
+                      </a:solidFill>
+                      <a:prstDash val="solid"/>
+                      <a:round/>
+                      <a:headEnd type="none" w="med" len="med"/>
+                      <a:tailEnd type="none" w="med" len="med"/>
+                    </a:lnT>
+                    <a:lnB w="12700" cap="flat" cmpd="sng" algn="ctr">
+                      <a:solidFill>
+                        <a:srgbClr val="FF0000"/>
+                      </a:solidFill>
+                      <a:prstDash val="solid"/>
+                      <a:round/>
+                      <a:headEnd type="none" w="med" len="med"/>
+                      <a:tailEnd type="none" w="med" len="med"/>
+                    </a:lnB>
+                    <a:solidFill>
+                      <a:schemeClr val="accent2">
+                        <a:lumMod val="40000"/>
+                        <a:lumOff val="60000"/>
+                      </a:schemeClr>
+                    </a:solidFill>
+                  </a:tcPr>
+                </a:tc>
+                <a:tc>
+                  <a:txBody>
+                    <a:bodyPr/>
+                    <a:lstStyle/>
+                    <a:p>
+                      <a:pPr algn="ctr"/>
+                      <a:r>
+                        <a:rPr lang="en-HK" dirty="0">
+                          <a:solidFill>
+                            <a:schemeClr val="tx1"/>
+                          </a:solidFill>
+                        </a:rPr>
+                        <a:t>4</a:t>
+                      </a:r>
+                    </a:p>
+                  </a:txBody>
+                  <a:tcPr>
+                    <a:lnL w="12700" cap="flat" cmpd="sng" algn="ctr">
+                      <a:solidFill>
+                        <a:srgbClr val="FF0000"/>
+                      </a:solidFill>
+                      <a:prstDash val="solid"/>
+                      <a:round/>
+                      <a:headEnd type="none" w="med" len="med"/>
+                      <a:tailEnd type="none" w="med" len="med"/>
+                    </a:lnL>
+                    <a:lnT w="12700" cap="flat" cmpd="sng" algn="ctr">
+                      <a:solidFill>
+                        <a:srgbClr val="FF0000"/>
+                      </a:solidFill>
+                      <a:prstDash val="solid"/>
+                      <a:round/>
+                      <a:headEnd type="none" w="med" len="med"/>
+                      <a:tailEnd type="none" w="med" len="med"/>
+                    </a:lnT>
+                    <a:lnB w="12700" cap="flat" cmpd="sng" algn="ctr">
+                      <a:solidFill>
+                        <a:srgbClr val="FF0000"/>
+                      </a:solidFill>
+                      <a:prstDash val="solid"/>
+                      <a:round/>
+                      <a:headEnd type="none" w="med" len="med"/>
+                      <a:tailEnd type="none" w="med" len="med"/>
+                    </a:lnB>
+                    <a:solidFill>
+                      <a:schemeClr val="accent2">
+                        <a:lumMod val="40000"/>
+                        <a:lumOff val="60000"/>
+                      </a:schemeClr>
+                    </a:solidFill>
+                  </a:tcPr>
+                </a:tc>
+                <a:tc>
+                  <a:txBody>
+                    <a:bodyPr/>
+                    <a:lstStyle/>
+                    <a:p>
+                      <a:pPr algn="ctr"/>
+                      <a:r>
+                        <a:rPr lang="en-HK" dirty="0">
+                          <a:solidFill>
+                            <a:schemeClr val="tx1"/>
+                          </a:solidFill>
+                        </a:rPr>
+                        <a:t>5</a:t>
+                      </a:r>
+                    </a:p>
+                  </a:txBody>
+                  <a:tcPr>
+                    <a:lnR w="12700" cap="flat" cmpd="sng" algn="ctr">
+                      <a:solidFill>
+                        <a:srgbClr val="FF0000"/>
+                      </a:solidFill>
+                      <a:prstDash val="solid"/>
+                      <a:round/>
+                      <a:headEnd type="none" w="med" len="med"/>
+                      <a:tailEnd type="none" w="med" len="med"/>
+                    </a:lnR>
+                    <a:lnT w="12700" cap="flat" cmpd="sng" algn="ctr">
+                      <a:solidFill>
+                        <a:srgbClr val="FF0000"/>
+                      </a:solidFill>
+                      <a:prstDash val="solid"/>
+                      <a:round/>
+                      <a:headEnd type="none" w="med" len="med"/>
+                      <a:tailEnd type="none" w="med" len="med"/>
+                    </a:lnT>
+                    <a:lnB w="12700" cap="flat" cmpd="sng" algn="ctr">
+                      <a:solidFill>
+                        <a:srgbClr val="FF0000"/>
+                      </a:solidFill>
+                      <a:prstDash val="solid"/>
+                      <a:round/>
+                      <a:headEnd type="none" w="med" len="med"/>
+                      <a:tailEnd type="none" w="med" len="med"/>
+                    </a:lnB>
+                    <a:solidFill>
+                      <a:schemeClr val="accent2">
+                        <a:lumMod val="40000"/>
+                        <a:lumOff val="60000"/>
+                      </a:schemeClr>
+                    </a:solidFill>
+                  </a:tcPr>
+                </a:tc>
+                <a:tc>
+                  <a:txBody>
+                    <a:bodyPr/>
+                    <a:lstStyle/>
+                    <a:p>
+                      <a:pPr algn="ctr"/>
+                      <a:r>
+                        <a:rPr lang="en-HK" dirty="0">
+                          <a:solidFill>
+                            <a:schemeClr val="tx1"/>
+                          </a:solidFill>
+                        </a:rPr>
+                        <a:t>6</a:t>
+                      </a:r>
+                    </a:p>
+                  </a:txBody>
+                  <a:tcPr>
+                    <a:lnL w="12700" cap="flat" cmpd="sng" algn="ctr">
+                      <a:solidFill>
+                        <a:srgbClr val="FF0000"/>
+                      </a:solidFill>
+                      <a:prstDash val="solid"/>
+                      <a:round/>
+                      <a:headEnd type="none" w="med" len="med"/>
+                      <a:tailEnd type="none" w="med" len="med"/>
+                    </a:lnL>
+                    <a:lnT w="12700" cap="flat" cmpd="sng" algn="ctr">
+                      <a:solidFill>
+                        <a:srgbClr val="FF0000"/>
+                      </a:solidFill>
+                      <a:prstDash val="solid"/>
+                      <a:round/>
+                      <a:headEnd type="none" w="med" len="med"/>
+                      <a:tailEnd type="none" w="med" len="med"/>
+                    </a:lnT>
+                    <a:lnB w="12700" cap="flat" cmpd="sng" algn="ctr">
+                      <a:solidFill>
+                        <a:srgbClr val="FF0000"/>
+                      </a:solidFill>
+                      <a:prstDash val="solid"/>
+                      <a:round/>
+                      <a:headEnd type="none" w="med" len="med"/>
+                      <a:tailEnd type="none" w="med" len="med"/>
+                    </a:lnB>
+                    <a:solidFill>
+                      <a:schemeClr val="accent2">
+                        <a:lumMod val="40000"/>
+                        <a:lumOff val="60000"/>
+                      </a:schemeClr>
+                    </a:solidFill>
+                  </a:tcPr>
+                </a:tc>
+                <a:tc>
+                  <a:txBody>
+                    <a:bodyPr/>
+                    <a:lstStyle/>
+                    <a:p>
+                      <a:pPr algn="ctr"/>
+                      <a:r>
+                        <a:rPr lang="en-HK" dirty="0">
+                          <a:solidFill>
+                            <a:schemeClr val="tx1"/>
+                          </a:solidFill>
+                        </a:rPr>
+                        <a:t>7</a:t>
+                      </a:r>
+                    </a:p>
+                  </a:txBody>
+                  <a:tcPr>
+                    <a:lnT w="12700" cap="flat" cmpd="sng" algn="ctr">
+                      <a:solidFill>
+                        <a:srgbClr val="FF0000"/>
+                      </a:solidFill>
+                      <a:prstDash val="solid"/>
+                      <a:round/>
+                      <a:headEnd type="none" w="med" len="med"/>
+                      <a:tailEnd type="none" w="med" len="med"/>
+                    </a:lnT>
+                    <a:lnB w="12700" cap="flat" cmpd="sng" algn="ctr">
+                      <a:solidFill>
+                        <a:srgbClr val="FF0000"/>
+                      </a:solidFill>
+                      <a:prstDash val="solid"/>
+                      <a:round/>
+                      <a:headEnd type="none" w="med" len="med"/>
+                      <a:tailEnd type="none" w="med" len="med"/>
+                    </a:lnB>
+                    <a:solidFill>
+                      <a:schemeClr val="accent2">
+                        <a:lumMod val="40000"/>
+                        <a:lumOff val="60000"/>
+                      </a:schemeClr>
+                    </a:solidFill>
+                  </a:tcPr>
+                </a:tc>
+                <a:tc>
+                  <a:txBody>
+                    <a:bodyPr/>
+                    <a:lstStyle/>
+                    <a:p>
+                      <a:pPr algn="ctr"/>
+                      <a:r>
+                        <a:rPr lang="en-HK" dirty="0">
+                          <a:solidFill>
+                            <a:schemeClr val="tx1"/>
+                          </a:solidFill>
+                        </a:rPr>
+                        <a:t>8</a:t>
+                      </a:r>
+                    </a:p>
+                  </a:txBody>
+                  <a:tcPr>
+                    <a:lnT w="12700" cap="flat" cmpd="sng" algn="ctr">
+                      <a:solidFill>
+                        <a:srgbClr val="FF0000"/>
+                      </a:solidFill>
+                      <a:prstDash val="solid"/>
+                      <a:round/>
+                      <a:headEnd type="none" w="med" len="med"/>
+                      <a:tailEnd type="none" w="med" len="med"/>
+                    </a:lnT>
+                    <a:lnB w="12700" cap="flat" cmpd="sng" algn="ctr">
+                      <a:solidFill>
+                        <a:srgbClr val="FF0000"/>
+                      </a:solidFill>
+                      <a:prstDash val="solid"/>
+                      <a:round/>
+                      <a:headEnd type="none" w="med" len="med"/>
+                      <a:tailEnd type="none" w="med" len="med"/>
+                    </a:lnB>
+                    <a:solidFill>
+                      <a:schemeClr val="accent2">
+                        <a:lumMod val="40000"/>
+                        <a:lumOff val="60000"/>
+                      </a:schemeClr>
+                    </a:solidFill>
+                  </a:tcPr>
+                </a:tc>
+                <a:tc>
+                  <a:txBody>
+                    <a:bodyPr/>
+                    <a:lstStyle/>
+                    <a:p>
+                      <a:pPr algn="ctr"/>
+                      <a:r>
+                        <a:rPr lang="en-HK" dirty="0">
+                          <a:solidFill>
+                            <a:schemeClr val="tx1"/>
+                          </a:solidFill>
+                        </a:rPr>
+                        <a:t>9</a:t>
+                      </a:r>
+                    </a:p>
+                  </a:txBody>
+                  <a:tcPr>
+                    <a:lnR w="12700" cap="flat" cmpd="sng" algn="ctr">
+                      <a:solidFill>
+                        <a:srgbClr val="FF0000"/>
+                      </a:solidFill>
+                      <a:prstDash val="solid"/>
+                      <a:round/>
+                      <a:headEnd type="none" w="med" len="med"/>
+                      <a:tailEnd type="none" w="med" len="med"/>
+                    </a:lnR>
+                    <a:lnT w="12700" cap="flat" cmpd="sng" algn="ctr">
+                      <a:solidFill>
+                        <a:srgbClr val="FF0000"/>
+                      </a:solidFill>
+                      <a:prstDash val="solid"/>
+                      <a:round/>
+                      <a:headEnd type="none" w="med" len="med"/>
+                      <a:tailEnd type="none" w="med" len="med"/>
+                    </a:lnT>
+                    <a:lnB w="12700" cap="flat" cmpd="sng" algn="ctr">
+                      <a:solidFill>
+                        <a:srgbClr val="FF0000"/>
+                      </a:solidFill>
+                      <a:prstDash val="solid"/>
+                      <a:round/>
+                      <a:headEnd type="none" w="med" len="med"/>
+                      <a:tailEnd type="none" w="med" len="med"/>
+                    </a:lnB>
+                    <a:solidFill>
+                      <a:schemeClr val="accent2">
+                        <a:lumMod val="40000"/>
+                        <a:lumOff val="60000"/>
+                      </a:schemeClr>
+                    </a:solidFill>
+                  </a:tcPr>
+                </a:tc>
+                <a:tc>
+                  <a:txBody>
+                    <a:bodyPr/>
+                    <a:lstStyle/>
+                    <a:p>
+                      <a:pPr algn="ctr"/>
+                      <a:r>
+                        <a:rPr lang="en-HK" dirty="0">
+                          <a:solidFill>
+                            <a:schemeClr val="tx1"/>
+                          </a:solidFill>
+                        </a:rPr>
+                        <a:t>10</a:t>
+                      </a:r>
+                    </a:p>
+                  </a:txBody>
+                  <a:tcPr>
+                    <a:lnL w="12700" cap="flat" cmpd="sng" algn="ctr">
+                      <a:solidFill>
+                        <a:srgbClr val="FF0000"/>
+                      </a:solidFill>
+                      <a:prstDash val="solid"/>
+                      <a:round/>
+                      <a:headEnd type="none" w="med" len="med"/>
+                      <a:tailEnd type="none" w="med" len="med"/>
+                    </a:lnL>
+                    <a:lnT w="12700" cap="flat" cmpd="sng" algn="ctr">
+                      <a:solidFill>
+                        <a:srgbClr val="FF0000"/>
+                      </a:solidFill>
+                      <a:prstDash val="solid"/>
+                      <a:round/>
+                      <a:headEnd type="none" w="med" len="med"/>
+                      <a:tailEnd type="none" w="med" len="med"/>
+                    </a:lnT>
+                    <a:lnB w="12700" cap="flat" cmpd="sng" algn="ctr">
+                      <a:solidFill>
+                        <a:srgbClr val="FF0000"/>
+                      </a:solidFill>
+                      <a:prstDash val="solid"/>
+                      <a:round/>
+                      <a:headEnd type="none" w="med" len="med"/>
+                      <a:tailEnd type="none" w="med" len="med"/>
+                    </a:lnB>
+                    <a:solidFill>
+                      <a:schemeClr val="accent2">
+                        <a:lumMod val="40000"/>
+                        <a:lumOff val="60000"/>
+                      </a:schemeClr>
+                    </a:solidFill>
+                  </a:tcPr>
+                </a:tc>
+                <a:tc>
+                  <a:txBody>
+                    <a:bodyPr/>
+                    <a:lstStyle/>
+                    <a:p>
+                      <a:pPr algn="ctr"/>
+                      <a:r>
+                        <a:rPr lang="en-HK" dirty="0">
+                          <a:solidFill>
+                            <a:schemeClr val="tx1"/>
+                          </a:solidFill>
+                        </a:rPr>
+                        <a:t>11</a:t>
+                      </a:r>
+                    </a:p>
+                  </a:txBody>
+                  <a:tcPr>
+                    <a:lnR w="12700" cap="flat" cmpd="sng" algn="ctr">
+                      <a:solidFill>
+                        <a:srgbClr val="FF0000"/>
+                      </a:solidFill>
+                      <a:prstDash val="solid"/>
+                      <a:round/>
+                      <a:headEnd type="none" w="med" len="med"/>
+                      <a:tailEnd type="none" w="med" len="med"/>
+                    </a:lnR>
+                    <a:lnT w="12700" cap="flat" cmpd="sng" algn="ctr">
+                      <a:solidFill>
+                        <a:srgbClr val="FF0000"/>
+                      </a:solidFill>
+                      <a:prstDash val="solid"/>
+                      <a:round/>
+                      <a:headEnd type="none" w="med" len="med"/>
+                      <a:tailEnd type="none" w="med" len="med"/>
+                    </a:lnT>
+                    <a:lnB w="12700" cap="flat" cmpd="sng" algn="ctr">
+                      <a:solidFill>
+                        <a:srgbClr val="FF0000"/>
+                      </a:solidFill>
+                      <a:prstDash val="solid"/>
+                      <a:round/>
+                      <a:headEnd type="none" w="med" len="med"/>
+                      <a:tailEnd type="none" w="med" len="med"/>
+                    </a:lnB>
+                    <a:solidFill>
+                      <a:schemeClr val="accent3"/>
+                    </a:solidFill>
+                  </a:tcPr>
+                </a:tc>
+                <a:extLst>
+                  <a:ext uri="{0D108BD9-81ED-4DB2-BD59-A6C34878D82A}">
+                    <a16:rowId xmlns:a16="http://schemas.microsoft.com/office/drawing/2014/main" val="2601047344"/>
+                  </a:ext>
+                </a:extLst>
+              </a:tr>
+            </a:tbl>
+          </a:graphicData>
+        </a:graphic>
+      </p:graphicFrame>
+      <p:sp>
+        <p:nvSpPr>
+          <p:cNvPr id="29" name="Left Brace 28">
+            <a:extLst>
+              <a:ext uri="{FF2B5EF4-FFF2-40B4-BE49-F238E27FC236}">
+                <a16:creationId xmlns:a16="http://schemas.microsoft.com/office/drawing/2014/main" id="{031550A6-2649-9519-2537-C0502436BCD7}"/>
+              </a:ext>
+            </a:extLst>
+          </p:cNvPr>
+          <p:cNvSpPr/>
+          <p:nvPr/>
+        </p:nvSpPr>
+        <p:spPr>
+          <a:xfrm rot="16200000">
+            <a:off x="7175981" y="3996964"/>
+            <a:ext cx="73325" cy="1263291"/>
+          </a:xfrm>
+          <a:prstGeom prst="leftBrace">
+            <a:avLst/>
+          </a:prstGeom>
+          <a:ln>
+            <a:solidFill>
+              <a:schemeClr val="bg2">
+                <a:lumMod val="25000"/>
+              </a:schemeClr>
+            </a:solidFill>
+          </a:ln>
+        </p:spPr>
+        <p:style>
+          <a:lnRef idx="1">
+            <a:schemeClr val="accent2"/>
+          </a:lnRef>
+          <a:fillRef idx="0">
+            <a:schemeClr val="accent2"/>
+          </a:fillRef>
+          <a:effectRef idx="0">
+            <a:schemeClr val="accent2"/>
+          </a:effectRef>
+          <a:fontRef idx="minor">
+            <a:schemeClr val="tx1"/>
+          </a:fontRef>
+        </p:style>
+        <p:txBody>
+          <a:bodyPr rtlCol="0" anchor="ctr"/>
+          <a:lstStyle/>
+          <a:p>
+            <a:pPr algn="ctr"/>
+            <a:endParaRPr lang="en-HK"/>
+          </a:p>
+        </p:txBody>
+      </p:sp>
+      <p:sp>
+        <p:nvSpPr>
+          <p:cNvPr id="31" name="Left Brace 30">
+            <a:extLst>
+              <a:ext uri="{FF2B5EF4-FFF2-40B4-BE49-F238E27FC236}">
+                <a16:creationId xmlns:a16="http://schemas.microsoft.com/office/drawing/2014/main" id="{9233EDD0-240F-10B7-5151-4E38FFFC3A26}"/>
+              </a:ext>
+            </a:extLst>
+          </p:cNvPr>
+          <p:cNvSpPr/>
+          <p:nvPr/>
+        </p:nvSpPr>
+        <p:spPr>
+          <a:xfrm rot="16200000">
+            <a:off x="8234833" y="4218662"/>
+            <a:ext cx="73324" cy="819118"/>
+          </a:xfrm>
+          <a:prstGeom prst="leftBrace">
+            <a:avLst/>
+          </a:prstGeom>
+          <a:ln>
+            <a:solidFill>
+              <a:schemeClr val="bg2">
+                <a:lumMod val="25000"/>
+              </a:schemeClr>
+            </a:solidFill>
+          </a:ln>
+        </p:spPr>
+        <p:style>
+          <a:lnRef idx="1">
+            <a:schemeClr val="accent2"/>
+          </a:lnRef>
+          <a:fillRef idx="0">
+            <a:schemeClr val="accent2"/>
+          </a:fillRef>
+          <a:effectRef idx="0">
+            <a:schemeClr val="accent2"/>
+          </a:effectRef>
+          <a:fontRef idx="minor">
+            <a:schemeClr val="tx1"/>
+          </a:fontRef>
+        </p:style>
+        <p:txBody>
+          <a:bodyPr rtlCol="0" anchor="ctr"/>
+          <a:lstStyle/>
+          <a:p>
+            <a:pPr algn="ctr"/>
+            <a:endParaRPr lang="en-HK"/>
+          </a:p>
+        </p:txBody>
+      </p:sp>
+      <p:sp>
+        <p:nvSpPr>
+          <p:cNvPr id="33" name="Left Brace 32">
+            <a:extLst>
+              <a:ext uri="{FF2B5EF4-FFF2-40B4-BE49-F238E27FC236}">
+                <a16:creationId xmlns:a16="http://schemas.microsoft.com/office/drawing/2014/main" id="{26ED5395-59F2-5A0A-8F1A-F62BE8EBD472}"/>
+              </a:ext>
+            </a:extLst>
+          </p:cNvPr>
+          <p:cNvSpPr/>
+          <p:nvPr/>
+        </p:nvSpPr>
+        <p:spPr>
+          <a:xfrm rot="16200000">
+            <a:off x="9527066" y="3792514"/>
+            <a:ext cx="45719" cy="1661058"/>
+          </a:xfrm>
+          <a:prstGeom prst="leftBrace">
+            <a:avLst/>
+          </a:prstGeom>
+          <a:ln>
+            <a:solidFill>
+              <a:schemeClr val="bg2">
+                <a:lumMod val="25000"/>
+              </a:schemeClr>
+            </a:solidFill>
+          </a:ln>
+        </p:spPr>
+        <p:style>
+          <a:lnRef idx="1">
+            <a:schemeClr val="accent2"/>
+          </a:lnRef>
+          <a:fillRef idx="0">
+            <a:schemeClr val="accent2"/>
+          </a:fillRef>
+          <a:effectRef idx="0">
+            <a:schemeClr val="accent2"/>
+          </a:effectRef>
+          <a:fontRef idx="minor">
+            <a:schemeClr val="tx1"/>
+          </a:fontRef>
+        </p:style>
+        <p:txBody>
+          <a:bodyPr rtlCol="0" anchor="ctr"/>
+          <a:lstStyle/>
+          <a:p>
+            <a:pPr algn="ctr"/>
+            <a:endParaRPr lang="en-HK"/>
+          </a:p>
+        </p:txBody>
+      </p:sp>
+      <p:sp>
+        <p:nvSpPr>
+          <p:cNvPr id="35" name="Left Brace 34">
+            <a:extLst>
+              <a:ext uri="{FF2B5EF4-FFF2-40B4-BE49-F238E27FC236}">
+                <a16:creationId xmlns:a16="http://schemas.microsoft.com/office/drawing/2014/main" id="{464B5294-0E14-651B-32D8-C59F249EA86A}"/>
+              </a:ext>
+            </a:extLst>
+          </p:cNvPr>
+          <p:cNvSpPr/>
+          <p:nvPr/>
+        </p:nvSpPr>
+        <p:spPr>
+          <a:xfrm rot="16200000">
+            <a:off x="10800314" y="4215212"/>
+            <a:ext cx="45720" cy="819117"/>
+          </a:xfrm>
+          <a:prstGeom prst="leftBrace">
+            <a:avLst/>
+          </a:prstGeom>
+          <a:ln>
+            <a:solidFill>
+              <a:schemeClr val="bg2">
+                <a:lumMod val="25000"/>
+              </a:schemeClr>
+            </a:solidFill>
+          </a:ln>
+        </p:spPr>
+        <p:style>
+          <a:lnRef idx="1">
+            <a:schemeClr val="accent2"/>
+          </a:lnRef>
+          <a:fillRef idx="0">
+            <a:schemeClr val="accent2"/>
+          </a:fillRef>
+          <a:effectRef idx="0">
+            <a:schemeClr val="accent2"/>
+          </a:effectRef>
+          <a:fontRef idx="minor">
+            <a:schemeClr val="tx1"/>
+          </a:fontRef>
+        </p:style>
+        <p:txBody>
+          <a:bodyPr rtlCol="0" anchor="ctr"/>
+          <a:lstStyle/>
+          <a:p>
+            <a:pPr algn="ctr"/>
+            <a:endParaRPr lang="en-HK"/>
+          </a:p>
+        </p:txBody>
+      </p:sp>
+      <p:cxnSp>
+        <p:nvCxnSpPr>
+          <p:cNvPr id="44" name="Straight Arrow Connector 43">
+            <a:extLst>
+              <a:ext uri="{FF2B5EF4-FFF2-40B4-BE49-F238E27FC236}">
+                <a16:creationId xmlns:a16="http://schemas.microsoft.com/office/drawing/2014/main" id="{D6AAD7E0-4557-E5EC-14CD-7489F5A3DCC6}"/>
+              </a:ext>
+            </a:extLst>
+          </p:cNvPr>
+          <p:cNvCxnSpPr>
+            <a:cxnSpLocks/>
+          </p:cNvCxnSpPr>
+          <p:nvPr/>
+        </p:nvCxnSpPr>
+        <p:spPr>
+          <a:xfrm>
+            <a:off x="8681054" y="3158230"/>
+            <a:ext cx="15321" cy="1697571"/>
+          </a:xfrm>
+          <a:prstGeom prst="straightConnector1">
+            <a:avLst/>
+          </a:prstGeom>
+          <a:ln w="19050" cap="flat" cmpd="sng" algn="ctr">
+            <a:solidFill>
+              <a:schemeClr val="dk1"/>
+            </a:solidFill>
+            <a:prstDash val="dash"/>
+            <a:round/>
+            <a:headEnd type="none" w="med" len="med"/>
+            <a:tailEnd type="none" w="med" len="med"/>
+          </a:ln>
+        </p:spPr>
+        <p:style>
+          <a:lnRef idx="0">
+            <a:scrgbClr r="0" g="0" b="0"/>
+          </a:lnRef>
+          <a:fillRef idx="0">
+            <a:scrgbClr r="0" g="0" b="0"/>
+          </a:fillRef>
+          <a:effectRef idx="0">
+            <a:scrgbClr r="0" g="0" b="0"/>
+          </a:effectRef>
+          <a:fontRef idx="minor">
+            <a:schemeClr val="tx1"/>
+          </a:fontRef>
+        </p:style>
+      </p:cxnSp>
+      <p:cxnSp>
+        <p:nvCxnSpPr>
+          <p:cNvPr id="45" name="Straight Arrow Connector 44">
+            <a:extLst>
+              <a:ext uri="{FF2B5EF4-FFF2-40B4-BE49-F238E27FC236}">
+                <a16:creationId xmlns:a16="http://schemas.microsoft.com/office/drawing/2014/main" id="{CD43E1DE-880D-855A-AE85-9DF786F9C918}"/>
+              </a:ext>
+            </a:extLst>
+          </p:cNvPr>
+          <p:cNvCxnSpPr>
+            <a:cxnSpLocks/>
+          </p:cNvCxnSpPr>
+          <p:nvPr/>
+        </p:nvCxnSpPr>
+        <p:spPr>
+          <a:xfrm>
+            <a:off x="10364819" y="3158230"/>
+            <a:ext cx="15479" cy="1697571"/>
+          </a:xfrm>
+          <a:prstGeom prst="straightConnector1">
+            <a:avLst/>
+          </a:prstGeom>
+          <a:ln w="19050" cap="flat" cmpd="sng" algn="ctr">
+            <a:solidFill>
+              <a:schemeClr val="dk1"/>
+            </a:solidFill>
+            <a:prstDash val="dash"/>
+            <a:round/>
+            <a:headEnd type="none" w="med" len="med"/>
+            <a:tailEnd type="none" w="med" len="med"/>
+          </a:ln>
+        </p:spPr>
+        <p:style>
+          <a:lnRef idx="0">
+            <a:scrgbClr r="0" g="0" b="0"/>
+          </a:lnRef>
+          <a:fillRef idx="0">
+            <a:scrgbClr r="0" g="0" b="0"/>
+          </a:fillRef>
+          <a:effectRef idx="0">
+            <a:scrgbClr r="0" g="0" b="0"/>
+          </a:effectRef>
+          <a:fontRef idx="minor">
+            <a:schemeClr val="tx1"/>
+          </a:fontRef>
+        </p:style>
+      </p:cxnSp>
+      <p:cxnSp>
+        <p:nvCxnSpPr>
+          <p:cNvPr id="65" name="Straight Arrow Connector 64">
+            <a:extLst>
+              <a:ext uri="{FF2B5EF4-FFF2-40B4-BE49-F238E27FC236}">
+                <a16:creationId xmlns:a16="http://schemas.microsoft.com/office/drawing/2014/main" id="{0150C9E4-7F5F-418A-1EEB-4492BBBF53A0}"/>
+              </a:ext>
+            </a:extLst>
+          </p:cNvPr>
+          <p:cNvCxnSpPr>
+            <a:cxnSpLocks/>
+          </p:cNvCxnSpPr>
+          <p:nvPr/>
+        </p:nvCxnSpPr>
+        <p:spPr>
+          <a:xfrm>
+            <a:off x="7835361" y="3158230"/>
+            <a:ext cx="15321" cy="1697571"/>
+          </a:xfrm>
+          <a:prstGeom prst="straightConnector1">
+            <a:avLst/>
+          </a:prstGeom>
+          <a:ln w="19050" cap="flat" cmpd="sng" algn="ctr">
+            <a:solidFill>
+              <a:schemeClr val="dk1"/>
+            </a:solidFill>
+            <a:prstDash val="dash"/>
+            <a:round/>
+            <a:headEnd type="none" w="med" len="med"/>
+            <a:tailEnd type="none" w="med" len="med"/>
+          </a:ln>
+        </p:spPr>
+        <p:style>
+          <a:lnRef idx="0">
+            <a:scrgbClr r="0" g="0" b="0"/>
+          </a:lnRef>
+          <a:fillRef idx="0">
+            <a:scrgbClr r="0" g="0" b="0"/>
+          </a:fillRef>
+          <a:effectRef idx="0">
+            <a:scrgbClr r="0" g="0" b="0"/>
+          </a:effectRef>
+          <a:fontRef idx="minor">
+            <a:schemeClr val="tx1"/>
+          </a:fontRef>
+        </p:style>
+      </p:cxnSp>
     </p:spTree>
     <p:extLst>
       <p:ext uri="{BB962C8B-B14F-4D97-AF65-F5344CB8AC3E}">

--- a/Dissertation/Beamer/test.pptx
+++ b/Dissertation/Beamer/test.pptx
@@ -5,25 +5,26 @@
     <p:sldMasterId id="2147483648" r:id="rId1"/>
   </p:sldMasterIdLst>
   <p:notesMasterIdLst>
-    <p:notesMasterId r:id="rId18"/>
+    <p:notesMasterId r:id="rId19"/>
   </p:notesMasterIdLst>
   <p:sldIdLst>
     <p:sldId id="256" r:id="rId2"/>
     <p:sldId id="257" r:id="rId3"/>
     <p:sldId id="258" r:id="rId4"/>
     <p:sldId id="259" r:id="rId5"/>
-    <p:sldId id="260" r:id="rId6"/>
-    <p:sldId id="270" r:id="rId7"/>
-    <p:sldId id="271" r:id="rId8"/>
-    <p:sldId id="267" r:id="rId9"/>
-    <p:sldId id="269" r:id="rId10"/>
-    <p:sldId id="268" r:id="rId11"/>
-    <p:sldId id="264" r:id="rId12"/>
-    <p:sldId id="265" r:id="rId13"/>
-    <p:sldId id="266" r:id="rId14"/>
-    <p:sldId id="262" r:id="rId15"/>
-    <p:sldId id="261" r:id="rId16"/>
-    <p:sldId id="263" r:id="rId17"/>
+    <p:sldId id="272" r:id="rId6"/>
+    <p:sldId id="260" r:id="rId7"/>
+    <p:sldId id="270" r:id="rId8"/>
+    <p:sldId id="271" r:id="rId9"/>
+    <p:sldId id="267" r:id="rId10"/>
+    <p:sldId id="269" r:id="rId11"/>
+    <p:sldId id="268" r:id="rId12"/>
+    <p:sldId id="264" r:id="rId13"/>
+    <p:sldId id="265" r:id="rId14"/>
+    <p:sldId id="266" r:id="rId15"/>
+    <p:sldId id="262" r:id="rId16"/>
+    <p:sldId id="261" r:id="rId17"/>
+    <p:sldId id="263" r:id="rId18"/>
   </p:sldIdLst>
   <p:sldSz cx="12192000" cy="6858000"/>
   <p:notesSz cx="6858000" cy="9144000"/>
@@ -212,7 +213,7 @@
           <a:p>
             <a:fld id="{9E12240E-F1A6-4A91-967F-8E68706835E0}" type="datetimeFigureOut">
               <a:rPr lang="en-HK" smtClean="0"/>
-              <a:t>27/7/2024</a:t>
+              <a:t>30/7/2024</a:t>
             </a:fld>
             <a:endParaRPr lang="en-HK"/>
           </a:p>
@@ -716,7 +717,7 @@
           <a:p>
             <a:fld id="{A662AB9F-F8D6-4D84-8C93-94B520C5C2D5}" type="datetimeFigureOut">
               <a:rPr lang="en-HK" smtClean="0"/>
-              <a:t>27/7/2024</a:t>
+              <a:t>30/7/2024</a:t>
             </a:fld>
             <a:endParaRPr lang="en-HK"/>
           </a:p>
@@ -916,7 +917,7 @@
           <a:p>
             <a:fld id="{A662AB9F-F8D6-4D84-8C93-94B520C5C2D5}" type="datetimeFigureOut">
               <a:rPr lang="en-HK" smtClean="0"/>
-              <a:t>27/7/2024</a:t>
+              <a:t>30/7/2024</a:t>
             </a:fld>
             <a:endParaRPr lang="en-HK"/>
           </a:p>
@@ -1126,7 +1127,7 @@
           <a:p>
             <a:fld id="{A662AB9F-F8D6-4D84-8C93-94B520C5C2D5}" type="datetimeFigureOut">
               <a:rPr lang="en-HK" smtClean="0"/>
-              <a:t>27/7/2024</a:t>
+              <a:t>30/7/2024</a:t>
             </a:fld>
             <a:endParaRPr lang="en-HK"/>
           </a:p>
@@ -1326,7 +1327,7 @@
           <a:p>
             <a:fld id="{A662AB9F-F8D6-4D84-8C93-94B520C5C2D5}" type="datetimeFigureOut">
               <a:rPr lang="en-HK" smtClean="0"/>
-              <a:t>27/7/2024</a:t>
+              <a:t>30/7/2024</a:t>
             </a:fld>
             <a:endParaRPr lang="en-HK"/>
           </a:p>
@@ -1602,7 +1603,7 @@
           <a:p>
             <a:fld id="{A662AB9F-F8D6-4D84-8C93-94B520C5C2D5}" type="datetimeFigureOut">
               <a:rPr lang="en-HK" smtClean="0"/>
-              <a:t>27/7/2024</a:t>
+              <a:t>30/7/2024</a:t>
             </a:fld>
             <a:endParaRPr lang="en-HK"/>
           </a:p>
@@ -1870,7 +1871,7 @@
           <a:p>
             <a:fld id="{A662AB9F-F8D6-4D84-8C93-94B520C5C2D5}" type="datetimeFigureOut">
               <a:rPr lang="en-HK" smtClean="0"/>
-              <a:t>27/7/2024</a:t>
+              <a:t>30/7/2024</a:t>
             </a:fld>
             <a:endParaRPr lang="en-HK"/>
           </a:p>
@@ -2285,7 +2286,7 @@
           <a:p>
             <a:fld id="{A662AB9F-F8D6-4D84-8C93-94B520C5C2D5}" type="datetimeFigureOut">
               <a:rPr lang="en-HK" smtClean="0"/>
-              <a:t>27/7/2024</a:t>
+              <a:t>30/7/2024</a:t>
             </a:fld>
             <a:endParaRPr lang="en-HK"/>
           </a:p>
@@ -2427,7 +2428,7 @@
           <a:p>
             <a:fld id="{A662AB9F-F8D6-4D84-8C93-94B520C5C2D5}" type="datetimeFigureOut">
               <a:rPr lang="en-HK" smtClean="0"/>
-              <a:t>27/7/2024</a:t>
+              <a:t>30/7/2024</a:t>
             </a:fld>
             <a:endParaRPr lang="en-HK"/>
           </a:p>
@@ -2540,7 +2541,7 @@
           <a:p>
             <a:fld id="{A662AB9F-F8D6-4D84-8C93-94B520C5C2D5}" type="datetimeFigureOut">
               <a:rPr lang="en-HK" smtClean="0"/>
-              <a:t>27/7/2024</a:t>
+              <a:t>30/7/2024</a:t>
             </a:fld>
             <a:endParaRPr lang="en-HK"/>
           </a:p>
@@ -2853,7 +2854,7 @@
           <a:p>
             <a:fld id="{A662AB9F-F8D6-4D84-8C93-94B520C5C2D5}" type="datetimeFigureOut">
               <a:rPr lang="en-HK" smtClean="0"/>
-              <a:t>27/7/2024</a:t>
+              <a:t>30/7/2024</a:t>
             </a:fld>
             <a:endParaRPr lang="en-HK"/>
           </a:p>
@@ -3142,7 +3143,7 @@
           <a:p>
             <a:fld id="{A662AB9F-F8D6-4D84-8C93-94B520C5C2D5}" type="datetimeFigureOut">
               <a:rPr lang="en-HK" smtClean="0"/>
-              <a:t>27/7/2024</a:t>
+              <a:t>30/7/2024</a:t>
             </a:fld>
             <a:endParaRPr lang="en-HK"/>
           </a:p>
@@ -3385,7 +3386,7 @@
           <a:p>
             <a:fld id="{A662AB9F-F8D6-4D84-8C93-94B520C5C2D5}" type="datetimeFigureOut">
               <a:rPr lang="en-HK" smtClean="0"/>
-              <a:t>27/7/2024</a:t>
+              <a:t>30/7/2024</a:t>
             </a:fld>
             <a:endParaRPr lang="en-HK"/>
           </a:p>
@@ -3873,6 +3874,3654 @@
 </file>
 
 <file path=ppt/slides/slide10.xml><?xml version="1.0" encoding="utf-8"?>
+<p:sld xmlns:a="http://schemas.openxmlformats.org/drawingml/2006/main" xmlns:r="http://schemas.openxmlformats.org/officeDocument/2006/relationships" xmlns:p="http://schemas.openxmlformats.org/presentationml/2006/main">
+  <p:cSld>
+    <p:spTree>
+      <p:nvGrpSpPr>
+        <p:cNvPr id="1" name=""/>
+        <p:cNvGrpSpPr/>
+        <p:nvPr/>
+      </p:nvGrpSpPr>
+      <p:grpSpPr>
+        <a:xfrm>
+          <a:off x="0" y="0"/>
+          <a:ext cx="0" cy="0"/>
+          <a:chOff x="0" y="0"/>
+          <a:chExt cx="0" cy="0"/>
+        </a:xfrm>
+      </p:grpSpPr>
+      <p:graphicFrame>
+        <p:nvGraphicFramePr>
+          <p:cNvPr id="10" name="Table 4">
+            <a:extLst>
+              <a:ext uri="{FF2B5EF4-FFF2-40B4-BE49-F238E27FC236}">
+                <a16:creationId xmlns:a16="http://schemas.microsoft.com/office/drawing/2014/main" id="{6913DCE2-8D26-147F-B65A-42CD0497A807}"/>
+              </a:ext>
+            </a:extLst>
+          </p:cNvPr>
+          <p:cNvGraphicFramePr>
+            <a:graphicFrameLocks noGrp="1"/>
+          </p:cNvGraphicFramePr>
+          <p:nvPr>
+            <p:extLst>
+              <p:ext uri="{D42A27DB-BD31-4B8C-83A1-F6EECF244321}">
+                <p14:modId xmlns:p14="http://schemas.microsoft.com/office/powerpoint/2010/main" val="2256484892"/>
+              </p:ext>
+            </p:extLst>
+          </p:nvPr>
+        </p:nvGraphicFramePr>
+        <p:xfrm>
+          <a:off x="644107" y="1062618"/>
+          <a:ext cx="4230780" cy="370840"/>
+        </p:xfrm>
+        <a:graphic>
+          <a:graphicData uri="http://schemas.openxmlformats.org/drawingml/2006/table">
+            <a:tbl>
+              <a:tblPr firstRow="1" bandRow="1">
+                <a:tableStyleId>{5C22544A-7EE6-4342-B048-85BDC9FD1C3A}</a:tableStyleId>
+              </a:tblPr>
+              <a:tblGrid>
+                <a:gridCol w="423078">
+                  <a:extLst>
+                    <a:ext uri="{9D8B030D-6E8A-4147-A177-3AD203B41FA5}">
+                      <a16:colId xmlns:a16="http://schemas.microsoft.com/office/drawing/2014/main" val="1958716807"/>
+                    </a:ext>
+                  </a:extLst>
+                </a:gridCol>
+                <a:gridCol w="423078">
+                  <a:extLst>
+                    <a:ext uri="{9D8B030D-6E8A-4147-A177-3AD203B41FA5}">
+                      <a16:colId xmlns:a16="http://schemas.microsoft.com/office/drawing/2014/main" val="2177103222"/>
+                    </a:ext>
+                  </a:extLst>
+                </a:gridCol>
+                <a:gridCol w="423078">
+                  <a:extLst>
+                    <a:ext uri="{9D8B030D-6E8A-4147-A177-3AD203B41FA5}">
+                      <a16:colId xmlns:a16="http://schemas.microsoft.com/office/drawing/2014/main" val="3409141404"/>
+                    </a:ext>
+                  </a:extLst>
+                </a:gridCol>
+                <a:gridCol w="423078">
+                  <a:extLst>
+                    <a:ext uri="{9D8B030D-6E8A-4147-A177-3AD203B41FA5}">
+                      <a16:colId xmlns:a16="http://schemas.microsoft.com/office/drawing/2014/main" val="217707470"/>
+                    </a:ext>
+                  </a:extLst>
+                </a:gridCol>
+                <a:gridCol w="423078">
+                  <a:extLst>
+                    <a:ext uri="{9D8B030D-6E8A-4147-A177-3AD203B41FA5}">
+                      <a16:colId xmlns:a16="http://schemas.microsoft.com/office/drawing/2014/main" val="770379941"/>
+                    </a:ext>
+                  </a:extLst>
+                </a:gridCol>
+                <a:gridCol w="423078">
+                  <a:extLst>
+                    <a:ext uri="{9D8B030D-6E8A-4147-A177-3AD203B41FA5}">
+                      <a16:colId xmlns:a16="http://schemas.microsoft.com/office/drawing/2014/main" val="4085467491"/>
+                    </a:ext>
+                  </a:extLst>
+                </a:gridCol>
+                <a:gridCol w="423078">
+                  <a:extLst>
+                    <a:ext uri="{9D8B030D-6E8A-4147-A177-3AD203B41FA5}">
+                      <a16:colId xmlns:a16="http://schemas.microsoft.com/office/drawing/2014/main" val="2183018877"/>
+                    </a:ext>
+                  </a:extLst>
+                </a:gridCol>
+                <a:gridCol w="423078">
+                  <a:extLst>
+                    <a:ext uri="{9D8B030D-6E8A-4147-A177-3AD203B41FA5}">
+                      <a16:colId xmlns:a16="http://schemas.microsoft.com/office/drawing/2014/main" val="3957069584"/>
+                    </a:ext>
+                  </a:extLst>
+                </a:gridCol>
+                <a:gridCol w="423078">
+                  <a:extLst>
+                    <a:ext uri="{9D8B030D-6E8A-4147-A177-3AD203B41FA5}">
+                      <a16:colId xmlns:a16="http://schemas.microsoft.com/office/drawing/2014/main" val="3244291510"/>
+                    </a:ext>
+                  </a:extLst>
+                </a:gridCol>
+                <a:gridCol w="423078">
+                  <a:extLst>
+                    <a:ext uri="{9D8B030D-6E8A-4147-A177-3AD203B41FA5}">
+                      <a16:colId xmlns:a16="http://schemas.microsoft.com/office/drawing/2014/main" val="3722398860"/>
+                    </a:ext>
+                  </a:extLst>
+                </a:gridCol>
+              </a:tblGrid>
+              <a:tr h="370840">
+                <a:tc>
+                  <a:txBody>
+                    <a:bodyPr/>
+                    <a:lstStyle/>
+                    <a:p>
+                      <a:endParaRPr lang="en-HK" dirty="0"/>
+                    </a:p>
+                  </a:txBody>
+                  <a:tcPr>
+                    <a:solidFill>
+                      <a:schemeClr val="accent2">
+                        <a:lumMod val="40000"/>
+                        <a:lumOff val="60000"/>
+                      </a:schemeClr>
+                    </a:solidFill>
+                  </a:tcPr>
+                </a:tc>
+                <a:tc>
+                  <a:txBody>
+                    <a:bodyPr/>
+                    <a:lstStyle/>
+                    <a:p>
+                      <a:endParaRPr lang="en-HK" dirty="0"/>
+                    </a:p>
+                  </a:txBody>
+                  <a:tcPr>
+                    <a:solidFill>
+                      <a:schemeClr val="accent2">
+                        <a:lumMod val="40000"/>
+                        <a:lumOff val="60000"/>
+                      </a:schemeClr>
+                    </a:solidFill>
+                  </a:tcPr>
+                </a:tc>
+                <a:tc>
+                  <a:txBody>
+                    <a:bodyPr/>
+                    <a:lstStyle/>
+                    <a:p>
+                      <a:endParaRPr lang="en-HK" dirty="0"/>
+                    </a:p>
+                  </a:txBody>
+                  <a:tcPr>
+                    <a:solidFill>
+                      <a:schemeClr val="accent1">
+                        <a:lumMod val="40000"/>
+                        <a:lumOff val="60000"/>
+                      </a:schemeClr>
+                    </a:solidFill>
+                  </a:tcPr>
+                </a:tc>
+                <a:tc>
+                  <a:txBody>
+                    <a:bodyPr/>
+                    <a:lstStyle/>
+                    <a:p>
+                      <a:endParaRPr lang="en-HK" dirty="0"/>
+                    </a:p>
+                  </a:txBody>
+                  <a:tcPr>
+                    <a:solidFill>
+                      <a:schemeClr val="accent2">
+                        <a:lumMod val="40000"/>
+                        <a:lumOff val="60000"/>
+                      </a:schemeClr>
+                    </a:solidFill>
+                  </a:tcPr>
+                </a:tc>
+                <a:tc>
+                  <a:txBody>
+                    <a:bodyPr/>
+                    <a:lstStyle/>
+                    <a:p>
+                      <a:endParaRPr lang="en-HK" dirty="0"/>
+                    </a:p>
+                  </a:txBody>
+                  <a:tcPr>
+                    <a:solidFill>
+                      <a:schemeClr val="accent1">
+                        <a:lumMod val="40000"/>
+                        <a:lumOff val="60000"/>
+                      </a:schemeClr>
+                    </a:solidFill>
+                  </a:tcPr>
+                </a:tc>
+                <a:tc>
+                  <a:txBody>
+                    <a:bodyPr/>
+                    <a:lstStyle/>
+                    <a:p>
+                      <a:endParaRPr lang="en-HK" dirty="0"/>
+                    </a:p>
+                  </a:txBody>
+                  <a:tcPr>
+                    <a:solidFill>
+                      <a:schemeClr val="accent2">
+                        <a:lumMod val="40000"/>
+                        <a:lumOff val="60000"/>
+                      </a:schemeClr>
+                    </a:solidFill>
+                  </a:tcPr>
+                </a:tc>
+                <a:tc>
+                  <a:txBody>
+                    <a:bodyPr/>
+                    <a:lstStyle/>
+                    <a:p>
+                      <a:endParaRPr lang="en-HK" dirty="0"/>
+                    </a:p>
+                  </a:txBody>
+                  <a:tcPr>
+                    <a:solidFill>
+                      <a:schemeClr val="accent2">
+                        <a:lumMod val="40000"/>
+                        <a:lumOff val="60000"/>
+                      </a:schemeClr>
+                    </a:solidFill>
+                  </a:tcPr>
+                </a:tc>
+                <a:tc>
+                  <a:txBody>
+                    <a:bodyPr/>
+                    <a:lstStyle/>
+                    <a:p>
+                      <a:endParaRPr lang="en-HK" dirty="0"/>
+                    </a:p>
+                  </a:txBody>
+                  <a:tcPr>
+                    <a:solidFill>
+                      <a:schemeClr val="accent2">
+                        <a:lumMod val="40000"/>
+                        <a:lumOff val="60000"/>
+                      </a:schemeClr>
+                    </a:solidFill>
+                  </a:tcPr>
+                </a:tc>
+                <a:tc>
+                  <a:txBody>
+                    <a:bodyPr/>
+                    <a:lstStyle/>
+                    <a:p>
+                      <a:endParaRPr lang="en-HK" dirty="0"/>
+                    </a:p>
+                  </a:txBody>
+                  <a:tcPr>
+                    <a:solidFill>
+                      <a:schemeClr val="accent1">
+                        <a:lumMod val="40000"/>
+                        <a:lumOff val="60000"/>
+                      </a:schemeClr>
+                    </a:solidFill>
+                  </a:tcPr>
+                </a:tc>
+                <a:tc>
+                  <a:txBody>
+                    <a:bodyPr/>
+                    <a:lstStyle/>
+                    <a:p>
+                      <a:endParaRPr lang="en-HK" dirty="0"/>
+                    </a:p>
+                  </a:txBody>
+                  <a:tcPr>
+                    <a:solidFill>
+                      <a:schemeClr val="accent2">
+                        <a:lumMod val="40000"/>
+                        <a:lumOff val="60000"/>
+                      </a:schemeClr>
+                    </a:solidFill>
+                  </a:tcPr>
+                </a:tc>
+                <a:extLst>
+                  <a:ext uri="{0D108BD9-81ED-4DB2-BD59-A6C34878D82A}">
+                    <a16:rowId xmlns:a16="http://schemas.microsoft.com/office/drawing/2014/main" val="2601047344"/>
+                  </a:ext>
+                </a:extLst>
+              </a:tr>
+            </a:tbl>
+          </a:graphicData>
+        </a:graphic>
+      </p:graphicFrame>
+      <p:graphicFrame>
+        <p:nvGraphicFramePr>
+          <p:cNvPr id="11" name="Table 4">
+            <a:extLst>
+              <a:ext uri="{FF2B5EF4-FFF2-40B4-BE49-F238E27FC236}">
+                <a16:creationId xmlns:a16="http://schemas.microsoft.com/office/drawing/2014/main" id="{0228550D-2E4F-14D2-A000-B8F5130FCEFA}"/>
+              </a:ext>
+            </a:extLst>
+          </p:cNvPr>
+          <p:cNvGraphicFramePr>
+            <a:graphicFrameLocks noGrp="1"/>
+          </p:cNvGraphicFramePr>
+          <p:nvPr>
+            <p:extLst>
+              <p:ext uri="{D42A27DB-BD31-4B8C-83A1-F6EECF244321}">
+                <p14:modId xmlns:p14="http://schemas.microsoft.com/office/powerpoint/2010/main" val="3259476726"/>
+              </p:ext>
+            </p:extLst>
+          </p:nvPr>
+        </p:nvGraphicFramePr>
+        <p:xfrm>
+          <a:off x="648898" y="386684"/>
+          <a:ext cx="846156" cy="370840"/>
+        </p:xfrm>
+        <a:graphic>
+          <a:graphicData uri="http://schemas.openxmlformats.org/drawingml/2006/table">
+            <a:tbl>
+              <a:tblPr firstRow="1" bandRow="1">
+                <a:tableStyleId>{5C22544A-7EE6-4342-B048-85BDC9FD1C3A}</a:tableStyleId>
+              </a:tblPr>
+              <a:tblGrid>
+                <a:gridCol w="423078">
+                  <a:extLst>
+                    <a:ext uri="{9D8B030D-6E8A-4147-A177-3AD203B41FA5}">
+                      <a16:colId xmlns:a16="http://schemas.microsoft.com/office/drawing/2014/main" val="1958716807"/>
+                    </a:ext>
+                  </a:extLst>
+                </a:gridCol>
+                <a:gridCol w="423078">
+                  <a:extLst>
+                    <a:ext uri="{9D8B030D-6E8A-4147-A177-3AD203B41FA5}">
+                      <a16:colId xmlns:a16="http://schemas.microsoft.com/office/drawing/2014/main" val="2177103222"/>
+                    </a:ext>
+                  </a:extLst>
+                </a:gridCol>
+              </a:tblGrid>
+              <a:tr h="370840">
+                <a:tc>
+                  <a:txBody>
+                    <a:bodyPr/>
+                    <a:lstStyle/>
+                    <a:p>
+                      <a:endParaRPr lang="en-HK" dirty="0"/>
+                    </a:p>
+                  </a:txBody>
+                  <a:tcPr>
+                    <a:solidFill>
+                      <a:schemeClr val="accent6">
+                        <a:lumMod val="60000"/>
+                        <a:lumOff val="40000"/>
+                      </a:schemeClr>
+                    </a:solidFill>
+                  </a:tcPr>
+                </a:tc>
+                <a:tc>
+                  <a:txBody>
+                    <a:bodyPr/>
+                    <a:lstStyle/>
+                    <a:p>
+                      <a:endParaRPr lang="en-HK" dirty="0"/>
+                    </a:p>
+                  </a:txBody>
+                  <a:tcPr>
+                    <a:solidFill>
+                      <a:schemeClr val="accent6">
+                        <a:lumMod val="60000"/>
+                        <a:lumOff val="40000"/>
+                      </a:schemeClr>
+                    </a:solidFill>
+                  </a:tcPr>
+                </a:tc>
+                <a:extLst>
+                  <a:ext uri="{0D108BD9-81ED-4DB2-BD59-A6C34878D82A}">
+                    <a16:rowId xmlns:a16="http://schemas.microsoft.com/office/drawing/2014/main" val="2601047344"/>
+                  </a:ext>
+                </a:extLst>
+              </a:tr>
+            </a:tbl>
+          </a:graphicData>
+        </a:graphic>
+      </p:graphicFrame>
+      <p:cxnSp>
+        <p:nvCxnSpPr>
+          <p:cNvPr id="13" name="Straight Arrow Connector 12">
+            <a:extLst>
+              <a:ext uri="{FF2B5EF4-FFF2-40B4-BE49-F238E27FC236}">
+                <a16:creationId xmlns:a16="http://schemas.microsoft.com/office/drawing/2014/main" id="{ED66A68B-9E4D-6CF7-84D9-EB9732A589DA}"/>
+              </a:ext>
+            </a:extLst>
+          </p:cNvPr>
+          <p:cNvCxnSpPr>
+            <a:cxnSpLocks/>
+            <a:stCxn id="11" idx="2"/>
+          </p:cNvCxnSpPr>
+          <p:nvPr/>
+        </p:nvCxnSpPr>
+        <p:spPr>
+          <a:xfrm>
+            <a:off x="1071976" y="757524"/>
+            <a:ext cx="0" cy="260393"/>
+          </a:xfrm>
+          <a:prstGeom prst="straightConnector1">
+            <a:avLst/>
+          </a:prstGeom>
+          <a:ln>
+            <a:tailEnd type="triangle"/>
+          </a:ln>
+        </p:spPr>
+        <p:style>
+          <a:lnRef idx="3">
+            <a:schemeClr val="dk1"/>
+          </a:lnRef>
+          <a:fillRef idx="0">
+            <a:schemeClr val="dk1"/>
+          </a:fillRef>
+          <a:effectRef idx="2">
+            <a:schemeClr val="dk1"/>
+          </a:effectRef>
+          <a:fontRef idx="minor">
+            <a:schemeClr val="tx1"/>
+          </a:fontRef>
+        </p:style>
+      </p:cxnSp>
+      <p:cxnSp>
+        <p:nvCxnSpPr>
+          <p:cNvPr id="15" name="Straight Arrow Connector 14">
+            <a:extLst>
+              <a:ext uri="{FF2B5EF4-FFF2-40B4-BE49-F238E27FC236}">
+                <a16:creationId xmlns:a16="http://schemas.microsoft.com/office/drawing/2014/main" id="{61558E12-4E83-EA9D-F9E8-507F250B36A1}"/>
+              </a:ext>
+            </a:extLst>
+          </p:cNvPr>
+          <p:cNvCxnSpPr>
+            <a:cxnSpLocks/>
+          </p:cNvCxnSpPr>
+          <p:nvPr/>
+        </p:nvCxnSpPr>
+        <p:spPr>
+          <a:xfrm>
+            <a:off x="2767168" y="1459336"/>
+            <a:ext cx="0" cy="250166"/>
+          </a:xfrm>
+          <a:prstGeom prst="straightConnector1">
+            <a:avLst/>
+          </a:prstGeom>
+          <a:ln>
+            <a:tailEnd type="triangle"/>
+          </a:ln>
+        </p:spPr>
+        <p:style>
+          <a:lnRef idx="3">
+            <a:schemeClr val="dk1"/>
+          </a:lnRef>
+          <a:fillRef idx="0">
+            <a:schemeClr val="dk1"/>
+          </a:fillRef>
+          <a:effectRef idx="2">
+            <a:schemeClr val="dk1"/>
+          </a:effectRef>
+          <a:fontRef idx="minor">
+            <a:schemeClr val="tx1"/>
+          </a:fontRef>
+        </p:style>
+      </p:cxnSp>
+      <p:graphicFrame>
+        <p:nvGraphicFramePr>
+          <p:cNvPr id="16" name="Table 4">
+            <a:extLst>
+              <a:ext uri="{FF2B5EF4-FFF2-40B4-BE49-F238E27FC236}">
+                <a16:creationId xmlns:a16="http://schemas.microsoft.com/office/drawing/2014/main" id="{0904DAD7-D973-ABB1-9CF9-0DF8690F3343}"/>
+              </a:ext>
+            </a:extLst>
+          </p:cNvPr>
+          <p:cNvGraphicFramePr>
+            <a:graphicFrameLocks noGrp="1"/>
+          </p:cNvGraphicFramePr>
+          <p:nvPr>
+            <p:extLst>
+              <p:ext uri="{D42A27DB-BD31-4B8C-83A1-F6EECF244321}">
+                <p14:modId xmlns:p14="http://schemas.microsoft.com/office/powerpoint/2010/main" val="349144993"/>
+              </p:ext>
+            </p:extLst>
+          </p:nvPr>
+        </p:nvGraphicFramePr>
+        <p:xfrm>
+          <a:off x="651778" y="1735380"/>
+          <a:ext cx="4230780" cy="370840"/>
+        </p:xfrm>
+        <a:graphic>
+          <a:graphicData uri="http://schemas.openxmlformats.org/drawingml/2006/table">
+            <a:tbl>
+              <a:tblPr firstRow="1" bandRow="1">
+                <a:tableStyleId>{5C22544A-7EE6-4342-B048-85BDC9FD1C3A}</a:tableStyleId>
+              </a:tblPr>
+              <a:tblGrid>
+                <a:gridCol w="423078">
+                  <a:extLst>
+                    <a:ext uri="{9D8B030D-6E8A-4147-A177-3AD203B41FA5}">
+                      <a16:colId xmlns:a16="http://schemas.microsoft.com/office/drawing/2014/main" val="1958716807"/>
+                    </a:ext>
+                  </a:extLst>
+                </a:gridCol>
+                <a:gridCol w="423078">
+                  <a:extLst>
+                    <a:ext uri="{9D8B030D-6E8A-4147-A177-3AD203B41FA5}">
+                      <a16:colId xmlns:a16="http://schemas.microsoft.com/office/drawing/2014/main" val="2177103222"/>
+                    </a:ext>
+                  </a:extLst>
+                </a:gridCol>
+                <a:gridCol w="423078">
+                  <a:extLst>
+                    <a:ext uri="{9D8B030D-6E8A-4147-A177-3AD203B41FA5}">
+                      <a16:colId xmlns:a16="http://schemas.microsoft.com/office/drawing/2014/main" val="3409141404"/>
+                    </a:ext>
+                  </a:extLst>
+                </a:gridCol>
+                <a:gridCol w="423078">
+                  <a:extLst>
+                    <a:ext uri="{9D8B030D-6E8A-4147-A177-3AD203B41FA5}">
+                      <a16:colId xmlns:a16="http://schemas.microsoft.com/office/drawing/2014/main" val="217707470"/>
+                    </a:ext>
+                  </a:extLst>
+                </a:gridCol>
+                <a:gridCol w="423078">
+                  <a:extLst>
+                    <a:ext uri="{9D8B030D-6E8A-4147-A177-3AD203B41FA5}">
+                      <a16:colId xmlns:a16="http://schemas.microsoft.com/office/drawing/2014/main" val="770379941"/>
+                    </a:ext>
+                  </a:extLst>
+                </a:gridCol>
+                <a:gridCol w="423078">
+                  <a:extLst>
+                    <a:ext uri="{9D8B030D-6E8A-4147-A177-3AD203B41FA5}">
+                      <a16:colId xmlns:a16="http://schemas.microsoft.com/office/drawing/2014/main" val="4085467491"/>
+                    </a:ext>
+                  </a:extLst>
+                </a:gridCol>
+                <a:gridCol w="423078">
+                  <a:extLst>
+                    <a:ext uri="{9D8B030D-6E8A-4147-A177-3AD203B41FA5}">
+                      <a16:colId xmlns:a16="http://schemas.microsoft.com/office/drawing/2014/main" val="2183018877"/>
+                    </a:ext>
+                  </a:extLst>
+                </a:gridCol>
+                <a:gridCol w="423078">
+                  <a:extLst>
+                    <a:ext uri="{9D8B030D-6E8A-4147-A177-3AD203B41FA5}">
+                      <a16:colId xmlns:a16="http://schemas.microsoft.com/office/drawing/2014/main" val="3957069584"/>
+                    </a:ext>
+                  </a:extLst>
+                </a:gridCol>
+                <a:gridCol w="423078">
+                  <a:extLst>
+                    <a:ext uri="{9D8B030D-6E8A-4147-A177-3AD203B41FA5}">
+                      <a16:colId xmlns:a16="http://schemas.microsoft.com/office/drawing/2014/main" val="3244291510"/>
+                    </a:ext>
+                  </a:extLst>
+                </a:gridCol>
+                <a:gridCol w="423078">
+                  <a:extLst>
+                    <a:ext uri="{9D8B030D-6E8A-4147-A177-3AD203B41FA5}">
+                      <a16:colId xmlns:a16="http://schemas.microsoft.com/office/drawing/2014/main" val="3722398860"/>
+                    </a:ext>
+                  </a:extLst>
+                </a:gridCol>
+              </a:tblGrid>
+              <a:tr h="370840">
+                <a:tc>
+                  <a:txBody>
+                    <a:bodyPr/>
+                    <a:lstStyle/>
+                    <a:p>
+                      <a:endParaRPr lang="en-HK" dirty="0"/>
+                    </a:p>
+                  </a:txBody>
+                  <a:tcPr>
+                    <a:lnTlToBr w="12700" cap="flat" cmpd="sng" algn="ctr">
+                      <a:solidFill>
+                        <a:schemeClr val="tx1"/>
+                      </a:solidFill>
+                      <a:prstDash val="solid"/>
+                      <a:round/>
+                      <a:headEnd type="none" w="med" len="med"/>
+                      <a:tailEnd type="none" w="med" len="med"/>
+                    </a:lnTlToBr>
+                    <a:lnBlToTr w="12700" cap="flat" cmpd="sng" algn="ctr">
+                      <a:solidFill>
+                        <a:schemeClr val="tx1"/>
+                      </a:solidFill>
+                      <a:prstDash val="solid"/>
+                      <a:round/>
+                      <a:headEnd type="none" w="med" len="med"/>
+                      <a:tailEnd type="none" w="med" len="med"/>
+                    </a:lnBlToTr>
+                    <a:solidFill>
+                      <a:schemeClr val="accent6">
+                        <a:lumMod val="60000"/>
+                        <a:lumOff val="40000"/>
+                      </a:schemeClr>
+                    </a:solidFill>
+                  </a:tcPr>
+                </a:tc>
+                <a:tc>
+                  <a:txBody>
+                    <a:bodyPr/>
+                    <a:lstStyle/>
+                    <a:p>
+                      <a:endParaRPr lang="en-HK" dirty="0"/>
+                    </a:p>
+                  </a:txBody>
+                  <a:tcPr>
+                    <a:lnTlToBr w="12700" cap="flat" cmpd="sng" algn="ctr">
+                      <a:solidFill>
+                        <a:schemeClr val="tx1"/>
+                      </a:solidFill>
+                      <a:prstDash val="solid"/>
+                      <a:round/>
+                      <a:headEnd type="none" w="med" len="med"/>
+                      <a:tailEnd type="none" w="med" len="med"/>
+                    </a:lnTlToBr>
+                    <a:lnBlToTr w="12700" cap="flat" cmpd="sng" algn="ctr">
+                      <a:solidFill>
+                        <a:schemeClr val="tx1"/>
+                      </a:solidFill>
+                      <a:prstDash val="solid"/>
+                      <a:round/>
+                      <a:headEnd type="none" w="med" len="med"/>
+                      <a:tailEnd type="none" w="med" len="med"/>
+                    </a:lnBlToTr>
+                    <a:solidFill>
+                      <a:schemeClr val="accent6">
+                        <a:lumMod val="60000"/>
+                        <a:lumOff val="40000"/>
+                      </a:schemeClr>
+                    </a:solidFill>
+                  </a:tcPr>
+                </a:tc>
+                <a:tc>
+                  <a:txBody>
+                    <a:bodyPr/>
+                    <a:lstStyle/>
+                    <a:p>
+                      <a:endParaRPr lang="en-HK" dirty="0"/>
+                    </a:p>
+                  </a:txBody>
+                  <a:tcPr>
+                    <a:lnTlToBr w="12700" cap="flat" cmpd="sng" algn="ctr">
+                      <a:solidFill>
+                        <a:schemeClr val="tx1"/>
+                      </a:solidFill>
+                      <a:prstDash val="solid"/>
+                      <a:round/>
+                      <a:headEnd type="none" w="med" len="med"/>
+                      <a:tailEnd type="none" w="med" len="med"/>
+                    </a:lnTlToBr>
+                    <a:lnBlToTr w="12700" cap="flat" cmpd="sng" algn="ctr">
+                      <a:solidFill>
+                        <a:schemeClr val="tx1"/>
+                      </a:solidFill>
+                      <a:prstDash val="solid"/>
+                      <a:round/>
+                      <a:headEnd type="none" w="med" len="med"/>
+                      <a:tailEnd type="none" w="med" len="med"/>
+                    </a:lnBlToTr>
+                    <a:solidFill>
+                      <a:schemeClr val="accent1">
+                        <a:lumMod val="40000"/>
+                        <a:lumOff val="60000"/>
+                      </a:schemeClr>
+                    </a:solidFill>
+                  </a:tcPr>
+                </a:tc>
+                <a:tc>
+                  <a:txBody>
+                    <a:bodyPr/>
+                    <a:lstStyle/>
+                    <a:p>
+                      <a:endParaRPr lang="en-HK" dirty="0"/>
+                    </a:p>
+                  </a:txBody>
+                  <a:tcPr>
+                    <a:solidFill>
+                      <a:schemeClr val="accent2">
+                        <a:lumMod val="40000"/>
+                        <a:lumOff val="60000"/>
+                      </a:schemeClr>
+                    </a:solidFill>
+                  </a:tcPr>
+                </a:tc>
+                <a:tc>
+                  <a:txBody>
+                    <a:bodyPr/>
+                    <a:lstStyle/>
+                    <a:p>
+                      <a:endParaRPr lang="en-HK" dirty="0"/>
+                    </a:p>
+                  </a:txBody>
+                  <a:tcPr>
+                    <a:solidFill>
+                      <a:schemeClr val="accent1">
+                        <a:lumMod val="40000"/>
+                        <a:lumOff val="60000"/>
+                      </a:schemeClr>
+                    </a:solidFill>
+                  </a:tcPr>
+                </a:tc>
+                <a:tc>
+                  <a:txBody>
+                    <a:bodyPr/>
+                    <a:lstStyle/>
+                    <a:p>
+                      <a:endParaRPr lang="en-HK" dirty="0"/>
+                    </a:p>
+                  </a:txBody>
+                  <a:tcPr>
+                    <a:solidFill>
+                      <a:schemeClr val="accent2">
+                        <a:lumMod val="40000"/>
+                        <a:lumOff val="60000"/>
+                      </a:schemeClr>
+                    </a:solidFill>
+                  </a:tcPr>
+                </a:tc>
+                <a:tc>
+                  <a:txBody>
+                    <a:bodyPr/>
+                    <a:lstStyle/>
+                    <a:p>
+                      <a:endParaRPr lang="en-HK" dirty="0"/>
+                    </a:p>
+                  </a:txBody>
+                  <a:tcPr>
+                    <a:solidFill>
+                      <a:schemeClr val="accent2">
+                        <a:lumMod val="40000"/>
+                        <a:lumOff val="60000"/>
+                      </a:schemeClr>
+                    </a:solidFill>
+                  </a:tcPr>
+                </a:tc>
+                <a:tc>
+                  <a:txBody>
+                    <a:bodyPr/>
+                    <a:lstStyle/>
+                    <a:p>
+                      <a:endParaRPr lang="en-HK" dirty="0"/>
+                    </a:p>
+                  </a:txBody>
+                  <a:tcPr>
+                    <a:solidFill>
+                      <a:schemeClr val="accent2">
+                        <a:lumMod val="40000"/>
+                        <a:lumOff val="60000"/>
+                      </a:schemeClr>
+                    </a:solidFill>
+                  </a:tcPr>
+                </a:tc>
+                <a:tc>
+                  <a:txBody>
+                    <a:bodyPr/>
+                    <a:lstStyle/>
+                    <a:p>
+                      <a:endParaRPr lang="en-HK" dirty="0"/>
+                    </a:p>
+                  </a:txBody>
+                  <a:tcPr>
+                    <a:solidFill>
+                      <a:schemeClr val="accent1">
+                        <a:lumMod val="40000"/>
+                        <a:lumOff val="60000"/>
+                      </a:schemeClr>
+                    </a:solidFill>
+                  </a:tcPr>
+                </a:tc>
+                <a:tc>
+                  <a:txBody>
+                    <a:bodyPr/>
+                    <a:lstStyle/>
+                    <a:p>
+                      <a:endParaRPr lang="en-HK" dirty="0"/>
+                    </a:p>
+                  </a:txBody>
+                  <a:tcPr>
+                    <a:solidFill>
+                      <a:schemeClr val="accent2">
+                        <a:lumMod val="40000"/>
+                        <a:lumOff val="60000"/>
+                      </a:schemeClr>
+                    </a:solidFill>
+                  </a:tcPr>
+                </a:tc>
+                <a:extLst>
+                  <a:ext uri="{0D108BD9-81ED-4DB2-BD59-A6C34878D82A}">
+                    <a16:rowId xmlns:a16="http://schemas.microsoft.com/office/drawing/2014/main" val="2601047344"/>
+                  </a:ext>
+                </a:extLst>
+              </a:tr>
+            </a:tbl>
+          </a:graphicData>
+        </a:graphic>
+      </p:graphicFrame>
+      <p:graphicFrame>
+        <p:nvGraphicFramePr>
+          <p:cNvPr id="2" name="Table 4">
+            <a:extLst>
+              <a:ext uri="{FF2B5EF4-FFF2-40B4-BE49-F238E27FC236}">
+                <a16:creationId xmlns:a16="http://schemas.microsoft.com/office/drawing/2014/main" id="{B98C2563-CFE7-BE43-C904-A28E112853A0}"/>
+              </a:ext>
+            </a:extLst>
+          </p:cNvPr>
+          <p:cNvGraphicFramePr>
+            <a:graphicFrameLocks noGrp="1"/>
+          </p:cNvGraphicFramePr>
+          <p:nvPr>
+            <p:extLst>
+              <p:ext uri="{D42A27DB-BD31-4B8C-83A1-F6EECF244321}">
+                <p14:modId xmlns:p14="http://schemas.microsoft.com/office/powerpoint/2010/main" val="3863683364"/>
+              </p:ext>
+            </p:extLst>
+          </p:nvPr>
+        </p:nvGraphicFramePr>
+        <p:xfrm>
+          <a:off x="2127854" y="2398304"/>
+          <a:ext cx="1263285" cy="370840"/>
+        </p:xfrm>
+        <a:graphic>
+          <a:graphicData uri="http://schemas.openxmlformats.org/drawingml/2006/table">
+            <a:tbl>
+              <a:tblPr firstRow="1" bandRow="1">
+                <a:tableStyleId>{5C22544A-7EE6-4342-B048-85BDC9FD1C3A}</a:tableStyleId>
+              </a:tblPr>
+              <a:tblGrid>
+                <a:gridCol w="421095">
+                  <a:extLst>
+                    <a:ext uri="{9D8B030D-6E8A-4147-A177-3AD203B41FA5}">
+                      <a16:colId xmlns:a16="http://schemas.microsoft.com/office/drawing/2014/main" val="1958716807"/>
+                    </a:ext>
+                  </a:extLst>
+                </a:gridCol>
+                <a:gridCol w="421095">
+                  <a:extLst>
+                    <a:ext uri="{9D8B030D-6E8A-4147-A177-3AD203B41FA5}">
+                      <a16:colId xmlns:a16="http://schemas.microsoft.com/office/drawing/2014/main" val="2177103222"/>
+                    </a:ext>
+                  </a:extLst>
+                </a:gridCol>
+                <a:gridCol w="421095">
+                  <a:extLst>
+                    <a:ext uri="{9D8B030D-6E8A-4147-A177-3AD203B41FA5}">
+                      <a16:colId xmlns:a16="http://schemas.microsoft.com/office/drawing/2014/main" val="1711010613"/>
+                    </a:ext>
+                  </a:extLst>
+                </a:gridCol>
+              </a:tblGrid>
+              <a:tr h="370840">
+                <a:tc>
+                  <a:txBody>
+                    <a:bodyPr/>
+                    <a:lstStyle/>
+                    <a:p>
+                      <a:endParaRPr lang="en-HK" dirty="0"/>
+                    </a:p>
+                  </a:txBody>
+                  <a:tcPr>
+                    <a:solidFill>
+                      <a:schemeClr val="accent6">
+                        <a:lumMod val="60000"/>
+                        <a:lumOff val="40000"/>
+                      </a:schemeClr>
+                    </a:solidFill>
+                  </a:tcPr>
+                </a:tc>
+                <a:tc>
+                  <a:txBody>
+                    <a:bodyPr/>
+                    <a:lstStyle/>
+                    <a:p>
+                      <a:endParaRPr lang="en-HK" dirty="0"/>
+                    </a:p>
+                  </a:txBody>
+                  <a:tcPr>
+                    <a:solidFill>
+                      <a:schemeClr val="accent6">
+                        <a:lumMod val="60000"/>
+                        <a:lumOff val="40000"/>
+                      </a:schemeClr>
+                    </a:solidFill>
+                  </a:tcPr>
+                </a:tc>
+                <a:tc>
+                  <a:txBody>
+                    <a:bodyPr/>
+                    <a:lstStyle/>
+                    <a:p>
+                      <a:endParaRPr lang="en-HK" dirty="0"/>
+                    </a:p>
+                  </a:txBody>
+                  <a:tcPr>
+                    <a:solidFill>
+                      <a:schemeClr val="accent6">
+                        <a:lumMod val="60000"/>
+                        <a:lumOff val="40000"/>
+                      </a:schemeClr>
+                    </a:solidFill>
+                  </a:tcPr>
+                </a:tc>
+                <a:extLst>
+                  <a:ext uri="{0D108BD9-81ED-4DB2-BD59-A6C34878D82A}">
+                    <a16:rowId xmlns:a16="http://schemas.microsoft.com/office/drawing/2014/main" val="2601047344"/>
+                  </a:ext>
+                </a:extLst>
+              </a:tr>
+            </a:tbl>
+          </a:graphicData>
+        </a:graphic>
+      </p:graphicFrame>
+      <p:graphicFrame>
+        <p:nvGraphicFramePr>
+          <p:cNvPr id="27" name="Table 4">
+            <a:extLst>
+              <a:ext uri="{FF2B5EF4-FFF2-40B4-BE49-F238E27FC236}">
+                <a16:creationId xmlns:a16="http://schemas.microsoft.com/office/drawing/2014/main" id="{D598512F-470A-DB45-C056-AD89F2C29461}"/>
+              </a:ext>
+            </a:extLst>
+          </p:cNvPr>
+          <p:cNvGraphicFramePr>
+            <a:graphicFrameLocks noGrp="1"/>
+          </p:cNvGraphicFramePr>
+          <p:nvPr>
+            <p:extLst>
+              <p:ext uri="{D42A27DB-BD31-4B8C-83A1-F6EECF244321}">
+                <p14:modId xmlns:p14="http://schemas.microsoft.com/office/powerpoint/2010/main" val="1279532020"/>
+              </p:ext>
+            </p:extLst>
+          </p:nvPr>
+        </p:nvGraphicFramePr>
+        <p:xfrm>
+          <a:off x="644107" y="3035318"/>
+          <a:ext cx="4230780" cy="370840"/>
+        </p:xfrm>
+        <a:graphic>
+          <a:graphicData uri="http://schemas.openxmlformats.org/drawingml/2006/table">
+            <a:tbl>
+              <a:tblPr firstRow="1" bandRow="1">
+                <a:tableStyleId>{5C22544A-7EE6-4342-B048-85BDC9FD1C3A}</a:tableStyleId>
+              </a:tblPr>
+              <a:tblGrid>
+                <a:gridCol w="423078">
+                  <a:extLst>
+                    <a:ext uri="{9D8B030D-6E8A-4147-A177-3AD203B41FA5}">
+                      <a16:colId xmlns:a16="http://schemas.microsoft.com/office/drawing/2014/main" val="1958716807"/>
+                    </a:ext>
+                  </a:extLst>
+                </a:gridCol>
+                <a:gridCol w="423078">
+                  <a:extLst>
+                    <a:ext uri="{9D8B030D-6E8A-4147-A177-3AD203B41FA5}">
+                      <a16:colId xmlns:a16="http://schemas.microsoft.com/office/drawing/2014/main" val="2177103222"/>
+                    </a:ext>
+                  </a:extLst>
+                </a:gridCol>
+                <a:gridCol w="423078">
+                  <a:extLst>
+                    <a:ext uri="{9D8B030D-6E8A-4147-A177-3AD203B41FA5}">
+                      <a16:colId xmlns:a16="http://schemas.microsoft.com/office/drawing/2014/main" val="3409141404"/>
+                    </a:ext>
+                  </a:extLst>
+                </a:gridCol>
+                <a:gridCol w="423078">
+                  <a:extLst>
+                    <a:ext uri="{9D8B030D-6E8A-4147-A177-3AD203B41FA5}">
+                      <a16:colId xmlns:a16="http://schemas.microsoft.com/office/drawing/2014/main" val="217707470"/>
+                    </a:ext>
+                  </a:extLst>
+                </a:gridCol>
+                <a:gridCol w="423078">
+                  <a:extLst>
+                    <a:ext uri="{9D8B030D-6E8A-4147-A177-3AD203B41FA5}">
+                      <a16:colId xmlns:a16="http://schemas.microsoft.com/office/drawing/2014/main" val="770379941"/>
+                    </a:ext>
+                  </a:extLst>
+                </a:gridCol>
+                <a:gridCol w="423078">
+                  <a:extLst>
+                    <a:ext uri="{9D8B030D-6E8A-4147-A177-3AD203B41FA5}">
+                      <a16:colId xmlns:a16="http://schemas.microsoft.com/office/drawing/2014/main" val="4085467491"/>
+                    </a:ext>
+                  </a:extLst>
+                </a:gridCol>
+                <a:gridCol w="423078">
+                  <a:extLst>
+                    <a:ext uri="{9D8B030D-6E8A-4147-A177-3AD203B41FA5}">
+                      <a16:colId xmlns:a16="http://schemas.microsoft.com/office/drawing/2014/main" val="2183018877"/>
+                    </a:ext>
+                  </a:extLst>
+                </a:gridCol>
+                <a:gridCol w="423078">
+                  <a:extLst>
+                    <a:ext uri="{9D8B030D-6E8A-4147-A177-3AD203B41FA5}">
+                      <a16:colId xmlns:a16="http://schemas.microsoft.com/office/drawing/2014/main" val="3957069584"/>
+                    </a:ext>
+                  </a:extLst>
+                </a:gridCol>
+                <a:gridCol w="423078">
+                  <a:extLst>
+                    <a:ext uri="{9D8B030D-6E8A-4147-A177-3AD203B41FA5}">
+                      <a16:colId xmlns:a16="http://schemas.microsoft.com/office/drawing/2014/main" val="3244291510"/>
+                    </a:ext>
+                  </a:extLst>
+                </a:gridCol>
+                <a:gridCol w="423078">
+                  <a:extLst>
+                    <a:ext uri="{9D8B030D-6E8A-4147-A177-3AD203B41FA5}">
+                      <a16:colId xmlns:a16="http://schemas.microsoft.com/office/drawing/2014/main" val="3722398860"/>
+                    </a:ext>
+                  </a:extLst>
+                </a:gridCol>
+              </a:tblGrid>
+              <a:tr h="370840">
+                <a:tc>
+                  <a:txBody>
+                    <a:bodyPr/>
+                    <a:lstStyle/>
+                    <a:p>
+                      <a:endParaRPr lang="en-HK" dirty="0"/>
+                    </a:p>
+                  </a:txBody>
+                  <a:tcPr>
+                    <a:lnTlToBr w="12700" cap="flat" cmpd="sng" algn="ctr">
+                      <a:solidFill>
+                        <a:schemeClr val="tx1"/>
+                      </a:solidFill>
+                      <a:prstDash val="solid"/>
+                      <a:round/>
+                      <a:headEnd type="none" w="med" len="med"/>
+                      <a:tailEnd type="none" w="med" len="med"/>
+                    </a:lnTlToBr>
+                    <a:lnBlToTr w="12700" cap="flat" cmpd="sng" algn="ctr">
+                      <a:solidFill>
+                        <a:schemeClr val="tx1"/>
+                      </a:solidFill>
+                      <a:prstDash val="solid"/>
+                      <a:round/>
+                      <a:headEnd type="none" w="med" len="med"/>
+                      <a:tailEnd type="none" w="med" len="med"/>
+                    </a:lnBlToTr>
+                    <a:solidFill>
+                      <a:schemeClr val="accent6">
+                        <a:lumMod val="60000"/>
+                        <a:lumOff val="40000"/>
+                      </a:schemeClr>
+                    </a:solidFill>
+                  </a:tcPr>
+                </a:tc>
+                <a:tc>
+                  <a:txBody>
+                    <a:bodyPr/>
+                    <a:lstStyle/>
+                    <a:p>
+                      <a:endParaRPr lang="en-HK" dirty="0"/>
+                    </a:p>
+                  </a:txBody>
+                  <a:tcPr>
+                    <a:lnTlToBr w="12700" cap="flat" cmpd="sng" algn="ctr">
+                      <a:solidFill>
+                        <a:schemeClr val="tx1"/>
+                      </a:solidFill>
+                      <a:prstDash val="solid"/>
+                      <a:round/>
+                      <a:headEnd type="none" w="med" len="med"/>
+                      <a:tailEnd type="none" w="med" len="med"/>
+                    </a:lnTlToBr>
+                    <a:lnBlToTr w="12700" cap="flat" cmpd="sng" algn="ctr">
+                      <a:solidFill>
+                        <a:schemeClr val="tx1"/>
+                      </a:solidFill>
+                      <a:prstDash val="solid"/>
+                      <a:round/>
+                      <a:headEnd type="none" w="med" len="med"/>
+                      <a:tailEnd type="none" w="med" len="med"/>
+                    </a:lnBlToTr>
+                    <a:solidFill>
+                      <a:schemeClr val="accent6">
+                        <a:lumMod val="60000"/>
+                        <a:lumOff val="40000"/>
+                      </a:schemeClr>
+                    </a:solidFill>
+                  </a:tcPr>
+                </a:tc>
+                <a:tc>
+                  <a:txBody>
+                    <a:bodyPr/>
+                    <a:lstStyle/>
+                    <a:p>
+                      <a:endParaRPr lang="en-HK" dirty="0"/>
+                    </a:p>
+                  </a:txBody>
+                  <a:tcPr>
+                    <a:lnTlToBr w="12700" cap="flat" cmpd="sng" algn="ctr">
+                      <a:solidFill>
+                        <a:schemeClr val="tx1"/>
+                      </a:solidFill>
+                      <a:prstDash val="solid"/>
+                      <a:round/>
+                      <a:headEnd type="none" w="med" len="med"/>
+                      <a:tailEnd type="none" w="med" len="med"/>
+                    </a:lnTlToBr>
+                    <a:lnBlToTr w="12700" cap="flat" cmpd="sng" algn="ctr">
+                      <a:solidFill>
+                        <a:schemeClr val="tx1"/>
+                      </a:solidFill>
+                      <a:prstDash val="solid"/>
+                      <a:round/>
+                      <a:headEnd type="none" w="med" len="med"/>
+                      <a:tailEnd type="none" w="med" len="med"/>
+                    </a:lnBlToTr>
+                    <a:solidFill>
+                      <a:schemeClr val="accent1">
+                        <a:lumMod val="40000"/>
+                        <a:lumOff val="60000"/>
+                      </a:schemeClr>
+                    </a:solidFill>
+                  </a:tcPr>
+                </a:tc>
+                <a:tc>
+                  <a:txBody>
+                    <a:bodyPr/>
+                    <a:lstStyle/>
+                    <a:p>
+                      <a:endParaRPr lang="en-HK" dirty="0"/>
+                    </a:p>
+                  </a:txBody>
+                  <a:tcPr>
+                    <a:solidFill>
+                      <a:schemeClr val="accent2">
+                        <a:lumMod val="40000"/>
+                        <a:lumOff val="60000"/>
+                      </a:schemeClr>
+                    </a:solidFill>
+                  </a:tcPr>
+                </a:tc>
+                <a:tc>
+                  <a:txBody>
+                    <a:bodyPr/>
+                    <a:lstStyle/>
+                    <a:p>
+                      <a:endParaRPr lang="en-HK" dirty="0"/>
+                    </a:p>
+                  </a:txBody>
+                  <a:tcPr>
+                    <a:solidFill>
+                      <a:schemeClr val="accent1">
+                        <a:lumMod val="40000"/>
+                        <a:lumOff val="60000"/>
+                      </a:schemeClr>
+                    </a:solidFill>
+                  </a:tcPr>
+                </a:tc>
+                <a:tc>
+                  <a:txBody>
+                    <a:bodyPr/>
+                    <a:lstStyle/>
+                    <a:p>
+                      <a:endParaRPr lang="en-HK" dirty="0"/>
+                    </a:p>
+                  </a:txBody>
+                  <a:tcPr>
+                    <a:solidFill>
+                      <a:schemeClr val="accent2">
+                        <a:lumMod val="40000"/>
+                        <a:lumOff val="60000"/>
+                      </a:schemeClr>
+                    </a:solidFill>
+                  </a:tcPr>
+                </a:tc>
+                <a:tc>
+                  <a:txBody>
+                    <a:bodyPr/>
+                    <a:lstStyle/>
+                    <a:p>
+                      <a:endParaRPr lang="en-HK" dirty="0"/>
+                    </a:p>
+                  </a:txBody>
+                  <a:tcPr>
+                    <a:solidFill>
+                      <a:schemeClr val="accent2">
+                        <a:lumMod val="40000"/>
+                        <a:lumOff val="60000"/>
+                      </a:schemeClr>
+                    </a:solidFill>
+                  </a:tcPr>
+                </a:tc>
+                <a:tc>
+                  <a:txBody>
+                    <a:bodyPr/>
+                    <a:lstStyle/>
+                    <a:p>
+                      <a:endParaRPr lang="en-HK" dirty="0"/>
+                    </a:p>
+                  </a:txBody>
+                  <a:tcPr>
+                    <a:solidFill>
+                      <a:schemeClr val="accent2">
+                        <a:lumMod val="40000"/>
+                        <a:lumOff val="60000"/>
+                      </a:schemeClr>
+                    </a:solidFill>
+                  </a:tcPr>
+                </a:tc>
+                <a:tc>
+                  <a:txBody>
+                    <a:bodyPr/>
+                    <a:lstStyle/>
+                    <a:p>
+                      <a:endParaRPr lang="en-HK" dirty="0"/>
+                    </a:p>
+                  </a:txBody>
+                  <a:tcPr>
+                    <a:solidFill>
+                      <a:schemeClr val="accent1">
+                        <a:lumMod val="40000"/>
+                        <a:lumOff val="60000"/>
+                      </a:schemeClr>
+                    </a:solidFill>
+                  </a:tcPr>
+                </a:tc>
+                <a:tc>
+                  <a:txBody>
+                    <a:bodyPr/>
+                    <a:lstStyle/>
+                    <a:p>
+                      <a:endParaRPr lang="en-HK" dirty="0"/>
+                    </a:p>
+                  </a:txBody>
+                  <a:tcPr>
+                    <a:solidFill>
+                      <a:schemeClr val="accent2">
+                        <a:lumMod val="40000"/>
+                        <a:lumOff val="60000"/>
+                      </a:schemeClr>
+                    </a:solidFill>
+                  </a:tcPr>
+                </a:tc>
+                <a:extLst>
+                  <a:ext uri="{0D108BD9-81ED-4DB2-BD59-A6C34878D82A}">
+                    <a16:rowId xmlns:a16="http://schemas.microsoft.com/office/drawing/2014/main" val="2601047344"/>
+                  </a:ext>
+                </a:extLst>
+              </a:tr>
+            </a:tbl>
+          </a:graphicData>
+        </a:graphic>
+      </p:graphicFrame>
+      <p:cxnSp>
+        <p:nvCxnSpPr>
+          <p:cNvPr id="28" name="Straight Arrow Connector 27">
+            <a:extLst>
+              <a:ext uri="{FF2B5EF4-FFF2-40B4-BE49-F238E27FC236}">
+                <a16:creationId xmlns:a16="http://schemas.microsoft.com/office/drawing/2014/main" id="{15E46A02-B684-D191-76F6-E556DE2CB800}"/>
+              </a:ext>
+            </a:extLst>
+          </p:cNvPr>
+          <p:cNvCxnSpPr>
+            <a:cxnSpLocks/>
+          </p:cNvCxnSpPr>
+          <p:nvPr/>
+        </p:nvCxnSpPr>
+        <p:spPr>
+          <a:xfrm>
+            <a:off x="2759496" y="2769144"/>
+            <a:ext cx="0" cy="250166"/>
+          </a:xfrm>
+          <a:prstGeom prst="straightConnector1">
+            <a:avLst/>
+          </a:prstGeom>
+          <a:ln>
+            <a:tailEnd type="triangle"/>
+          </a:ln>
+        </p:spPr>
+        <p:style>
+          <a:lnRef idx="3">
+            <a:schemeClr val="dk1"/>
+          </a:lnRef>
+          <a:fillRef idx="0">
+            <a:schemeClr val="dk1"/>
+          </a:fillRef>
+          <a:effectRef idx="2">
+            <a:schemeClr val="dk1"/>
+          </a:effectRef>
+          <a:fontRef idx="minor">
+            <a:schemeClr val="tx1"/>
+          </a:fontRef>
+        </p:style>
+      </p:cxnSp>
+      <p:graphicFrame>
+        <p:nvGraphicFramePr>
+          <p:cNvPr id="29" name="Table 4">
+            <a:extLst>
+              <a:ext uri="{FF2B5EF4-FFF2-40B4-BE49-F238E27FC236}">
+                <a16:creationId xmlns:a16="http://schemas.microsoft.com/office/drawing/2014/main" id="{1C02B6FE-85EF-38F9-F1BC-1EF7E261A139}"/>
+              </a:ext>
+            </a:extLst>
+          </p:cNvPr>
+          <p:cNvGraphicFramePr>
+            <a:graphicFrameLocks noGrp="1"/>
+          </p:cNvGraphicFramePr>
+          <p:nvPr>
+            <p:extLst>
+              <p:ext uri="{D42A27DB-BD31-4B8C-83A1-F6EECF244321}">
+                <p14:modId xmlns:p14="http://schemas.microsoft.com/office/powerpoint/2010/main" val="1994382746"/>
+              </p:ext>
+            </p:extLst>
+          </p:nvPr>
+        </p:nvGraphicFramePr>
+        <p:xfrm>
+          <a:off x="644106" y="3708080"/>
+          <a:ext cx="4230780" cy="370840"/>
+        </p:xfrm>
+        <a:graphic>
+          <a:graphicData uri="http://schemas.openxmlformats.org/drawingml/2006/table">
+            <a:tbl>
+              <a:tblPr firstRow="1" bandRow="1">
+                <a:tableStyleId>{5C22544A-7EE6-4342-B048-85BDC9FD1C3A}</a:tableStyleId>
+              </a:tblPr>
+              <a:tblGrid>
+                <a:gridCol w="423078">
+                  <a:extLst>
+                    <a:ext uri="{9D8B030D-6E8A-4147-A177-3AD203B41FA5}">
+                      <a16:colId xmlns:a16="http://schemas.microsoft.com/office/drawing/2014/main" val="1958716807"/>
+                    </a:ext>
+                  </a:extLst>
+                </a:gridCol>
+                <a:gridCol w="423078">
+                  <a:extLst>
+                    <a:ext uri="{9D8B030D-6E8A-4147-A177-3AD203B41FA5}">
+                      <a16:colId xmlns:a16="http://schemas.microsoft.com/office/drawing/2014/main" val="2177103222"/>
+                    </a:ext>
+                  </a:extLst>
+                </a:gridCol>
+                <a:gridCol w="423078">
+                  <a:extLst>
+                    <a:ext uri="{9D8B030D-6E8A-4147-A177-3AD203B41FA5}">
+                      <a16:colId xmlns:a16="http://schemas.microsoft.com/office/drawing/2014/main" val="3409141404"/>
+                    </a:ext>
+                  </a:extLst>
+                </a:gridCol>
+                <a:gridCol w="423078">
+                  <a:extLst>
+                    <a:ext uri="{9D8B030D-6E8A-4147-A177-3AD203B41FA5}">
+                      <a16:colId xmlns:a16="http://schemas.microsoft.com/office/drawing/2014/main" val="217707470"/>
+                    </a:ext>
+                  </a:extLst>
+                </a:gridCol>
+                <a:gridCol w="423078">
+                  <a:extLst>
+                    <a:ext uri="{9D8B030D-6E8A-4147-A177-3AD203B41FA5}">
+                      <a16:colId xmlns:a16="http://schemas.microsoft.com/office/drawing/2014/main" val="770379941"/>
+                    </a:ext>
+                  </a:extLst>
+                </a:gridCol>
+                <a:gridCol w="423078">
+                  <a:extLst>
+                    <a:ext uri="{9D8B030D-6E8A-4147-A177-3AD203B41FA5}">
+                      <a16:colId xmlns:a16="http://schemas.microsoft.com/office/drawing/2014/main" val="4085467491"/>
+                    </a:ext>
+                  </a:extLst>
+                </a:gridCol>
+                <a:gridCol w="423078">
+                  <a:extLst>
+                    <a:ext uri="{9D8B030D-6E8A-4147-A177-3AD203B41FA5}">
+                      <a16:colId xmlns:a16="http://schemas.microsoft.com/office/drawing/2014/main" val="2183018877"/>
+                    </a:ext>
+                  </a:extLst>
+                </a:gridCol>
+                <a:gridCol w="423078">
+                  <a:extLst>
+                    <a:ext uri="{9D8B030D-6E8A-4147-A177-3AD203B41FA5}">
+                      <a16:colId xmlns:a16="http://schemas.microsoft.com/office/drawing/2014/main" val="3957069584"/>
+                    </a:ext>
+                  </a:extLst>
+                </a:gridCol>
+                <a:gridCol w="423078">
+                  <a:extLst>
+                    <a:ext uri="{9D8B030D-6E8A-4147-A177-3AD203B41FA5}">
+                      <a16:colId xmlns:a16="http://schemas.microsoft.com/office/drawing/2014/main" val="3244291510"/>
+                    </a:ext>
+                  </a:extLst>
+                </a:gridCol>
+                <a:gridCol w="423078">
+                  <a:extLst>
+                    <a:ext uri="{9D8B030D-6E8A-4147-A177-3AD203B41FA5}">
+                      <a16:colId xmlns:a16="http://schemas.microsoft.com/office/drawing/2014/main" val="3722398860"/>
+                    </a:ext>
+                  </a:extLst>
+                </a:gridCol>
+              </a:tblGrid>
+              <a:tr h="370840">
+                <a:tc>
+                  <a:txBody>
+                    <a:bodyPr/>
+                    <a:lstStyle/>
+                    <a:p>
+                      <a:endParaRPr lang="en-HK" dirty="0"/>
+                    </a:p>
+                  </a:txBody>
+                  <a:tcPr>
+                    <a:lnTlToBr w="12700" cap="flat" cmpd="sng" algn="ctr">
+                      <a:solidFill>
+                        <a:schemeClr val="tx1"/>
+                      </a:solidFill>
+                      <a:prstDash val="solid"/>
+                      <a:round/>
+                      <a:headEnd type="none" w="med" len="med"/>
+                      <a:tailEnd type="none" w="med" len="med"/>
+                    </a:lnTlToBr>
+                    <a:lnBlToTr w="12700" cap="flat" cmpd="sng" algn="ctr">
+                      <a:solidFill>
+                        <a:schemeClr val="tx1"/>
+                      </a:solidFill>
+                      <a:prstDash val="solid"/>
+                      <a:round/>
+                      <a:headEnd type="none" w="med" len="med"/>
+                      <a:tailEnd type="none" w="med" len="med"/>
+                    </a:lnBlToTr>
+                    <a:solidFill>
+                      <a:schemeClr val="accent6">
+                        <a:lumMod val="60000"/>
+                        <a:lumOff val="40000"/>
+                      </a:schemeClr>
+                    </a:solidFill>
+                  </a:tcPr>
+                </a:tc>
+                <a:tc>
+                  <a:txBody>
+                    <a:bodyPr/>
+                    <a:lstStyle/>
+                    <a:p>
+                      <a:endParaRPr lang="en-HK" dirty="0"/>
+                    </a:p>
+                  </a:txBody>
+                  <a:tcPr>
+                    <a:lnTlToBr w="12700" cap="flat" cmpd="sng" algn="ctr">
+                      <a:solidFill>
+                        <a:schemeClr val="tx1"/>
+                      </a:solidFill>
+                      <a:prstDash val="solid"/>
+                      <a:round/>
+                      <a:headEnd type="none" w="med" len="med"/>
+                      <a:tailEnd type="none" w="med" len="med"/>
+                    </a:lnTlToBr>
+                    <a:lnBlToTr w="12700" cap="flat" cmpd="sng" algn="ctr">
+                      <a:solidFill>
+                        <a:schemeClr val="tx1"/>
+                      </a:solidFill>
+                      <a:prstDash val="solid"/>
+                      <a:round/>
+                      <a:headEnd type="none" w="med" len="med"/>
+                      <a:tailEnd type="none" w="med" len="med"/>
+                    </a:lnBlToTr>
+                    <a:solidFill>
+                      <a:schemeClr val="accent6">
+                        <a:lumMod val="60000"/>
+                        <a:lumOff val="40000"/>
+                      </a:schemeClr>
+                    </a:solidFill>
+                  </a:tcPr>
+                </a:tc>
+                <a:tc>
+                  <a:txBody>
+                    <a:bodyPr/>
+                    <a:lstStyle/>
+                    <a:p>
+                      <a:endParaRPr lang="en-HK" dirty="0"/>
+                    </a:p>
+                  </a:txBody>
+                  <a:tcPr>
+                    <a:lnTlToBr w="12700" cap="flat" cmpd="sng" algn="ctr">
+                      <a:solidFill>
+                        <a:schemeClr val="tx1"/>
+                      </a:solidFill>
+                      <a:prstDash val="solid"/>
+                      <a:round/>
+                      <a:headEnd type="none" w="med" len="med"/>
+                      <a:tailEnd type="none" w="med" len="med"/>
+                    </a:lnTlToBr>
+                    <a:lnBlToTr w="12700" cap="flat" cmpd="sng" algn="ctr">
+                      <a:solidFill>
+                        <a:schemeClr val="tx1"/>
+                      </a:solidFill>
+                      <a:prstDash val="solid"/>
+                      <a:round/>
+                      <a:headEnd type="none" w="med" len="med"/>
+                      <a:tailEnd type="none" w="med" len="med"/>
+                    </a:lnBlToTr>
+                    <a:solidFill>
+                      <a:schemeClr val="accent1">
+                        <a:lumMod val="40000"/>
+                        <a:lumOff val="60000"/>
+                      </a:schemeClr>
+                    </a:solidFill>
+                  </a:tcPr>
+                </a:tc>
+                <a:tc>
+                  <a:txBody>
+                    <a:bodyPr/>
+                    <a:lstStyle/>
+                    <a:p>
+                      <a:endParaRPr lang="en-HK" dirty="0"/>
+                    </a:p>
+                  </a:txBody>
+                  <a:tcPr>
+                    <a:lnTlToBr w="12700" cap="flat" cmpd="sng" algn="ctr">
+                      <a:solidFill>
+                        <a:schemeClr val="tx1"/>
+                      </a:solidFill>
+                      <a:prstDash val="solid"/>
+                      <a:round/>
+                      <a:headEnd type="none" w="med" len="med"/>
+                      <a:tailEnd type="none" w="med" len="med"/>
+                    </a:lnTlToBr>
+                    <a:lnBlToTr w="12700" cap="flat" cmpd="sng" algn="ctr">
+                      <a:solidFill>
+                        <a:schemeClr val="tx1"/>
+                      </a:solidFill>
+                      <a:prstDash val="solid"/>
+                      <a:round/>
+                      <a:headEnd type="none" w="med" len="med"/>
+                      <a:tailEnd type="none" w="med" len="med"/>
+                    </a:lnBlToTr>
+                    <a:solidFill>
+                      <a:schemeClr val="accent6">
+                        <a:lumMod val="60000"/>
+                        <a:lumOff val="40000"/>
+                      </a:schemeClr>
+                    </a:solidFill>
+                  </a:tcPr>
+                </a:tc>
+                <a:tc>
+                  <a:txBody>
+                    <a:bodyPr/>
+                    <a:lstStyle/>
+                    <a:p>
+                      <a:endParaRPr lang="en-HK" dirty="0"/>
+                    </a:p>
+                  </a:txBody>
+                  <a:tcPr>
+                    <a:lnTlToBr w="12700" cap="flat" cmpd="sng" algn="ctr">
+                      <a:solidFill>
+                        <a:schemeClr val="tx1"/>
+                      </a:solidFill>
+                      <a:prstDash val="solid"/>
+                      <a:round/>
+                      <a:headEnd type="none" w="med" len="med"/>
+                      <a:tailEnd type="none" w="med" len="med"/>
+                    </a:lnTlToBr>
+                    <a:lnBlToTr w="12700" cap="flat" cmpd="sng" algn="ctr">
+                      <a:solidFill>
+                        <a:schemeClr val="tx1"/>
+                      </a:solidFill>
+                      <a:prstDash val="solid"/>
+                      <a:round/>
+                      <a:headEnd type="none" w="med" len="med"/>
+                      <a:tailEnd type="none" w="med" len="med"/>
+                    </a:lnBlToTr>
+                    <a:solidFill>
+                      <a:schemeClr val="accent6">
+                        <a:lumMod val="60000"/>
+                        <a:lumOff val="40000"/>
+                      </a:schemeClr>
+                    </a:solidFill>
+                  </a:tcPr>
+                </a:tc>
+                <a:tc>
+                  <a:txBody>
+                    <a:bodyPr/>
+                    <a:lstStyle/>
+                    <a:p>
+                      <a:endParaRPr lang="en-HK" dirty="0"/>
+                    </a:p>
+                  </a:txBody>
+                  <a:tcPr>
+                    <a:lnTlToBr w="12700" cap="flat" cmpd="sng" algn="ctr">
+                      <a:solidFill>
+                        <a:schemeClr val="tx1"/>
+                      </a:solidFill>
+                      <a:prstDash val="solid"/>
+                      <a:round/>
+                      <a:headEnd type="none" w="med" len="med"/>
+                      <a:tailEnd type="none" w="med" len="med"/>
+                    </a:lnTlToBr>
+                    <a:lnBlToTr w="12700" cap="flat" cmpd="sng" algn="ctr">
+                      <a:solidFill>
+                        <a:schemeClr val="tx1"/>
+                      </a:solidFill>
+                      <a:prstDash val="solid"/>
+                      <a:round/>
+                      <a:headEnd type="none" w="med" len="med"/>
+                      <a:tailEnd type="none" w="med" len="med"/>
+                    </a:lnBlToTr>
+                    <a:solidFill>
+                      <a:schemeClr val="accent6">
+                        <a:lumMod val="60000"/>
+                        <a:lumOff val="40000"/>
+                      </a:schemeClr>
+                    </a:solidFill>
+                  </a:tcPr>
+                </a:tc>
+                <a:tc>
+                  <a:txBody>
+                    <a:bodyPr/>
+                    <a:lstStyle/>
+                    <a:p>
+                      <a:endParaRPr lang="en-HK" dirty="0"/>
+                    </a:p>
+                  </a:txBody>
+                  <a:tcPr>
+                    <a:lnTlToBr w="12700" cap="flat" cmpd="sng" algn="ctr">
+                      <a:solidFill>
+                        <a:schemeClr val="tx1"/>
+                      </a:solidFill>
+                      <a:prstDash val="solid"/>
+                      <a:round/>
+                      <a:headEnd type="none" w="med" len="med"/>
+                      <a:tailEnd type="none" w="med" len="med"/>
+                    </a:lnTlToBr>
+                    <a:lnBlToTr w="12700" cap="flat" cmpd="sng" algn="ctr">
+                      <a:solidFill>
+                        <a:schemeClr val="tx1"/>
+                      </a:solidFill>
+                      <a:prstDash val="solid"/>
+                      <a:round/>
+                      <a:headEnd type="none" w="med" len="med"/>
+                      <a:tailEnd type="none" w="med" len="med"/>
+                    </a:lnBlToTr>
+                    <a:solidFill>
+                      <a:schemeClr val="accent5">
+                        <a:lumMod val="60000"/>
+                        <a:lumOff val="40000"/>
+                      </a:schemeClr>
+                    </a:solidFill>
+                  </a:tcPr>
+                </a:tc>
+                <a:tc>
+                  <a:txBody>
+                    <a:bodyPr/>
+                    <a:lstStyle/>
+                    <a:p>
+                      <a:endParaRPr lang="en-HK" dirty="0"/>
+                    </a:p>
+                  </a:txBody>
+                  <a:tcPr>
+                    <a:solidFill>
+                      <a:schemeClr val="accent2">
+                        <a:lumMod val="40000"/>
+                        <a:lumOff val="60000"/>
+                      </a:schemeClr>
+                    </a:solidFill>
+                  </a:tcPr>
+                </a:tc>
+                <a:tc>
+                  <a:txBody>
+                    <a:bodyPr/>
+                    <a:lstStyle/>
+                    <a:p>
+                      <a:endParaRPr lang="en-HK" dirty="0"/>
+                    </a:p>
+                  </a:txBody>
+                  <a:tcPr>
+                    <a:solidFill>
+                      <a:schemeClr val="accent2">
+                        <a:lumMod val="40000"/>
+                        <a:lumOff val="60000"/>
+                      </a:schemeClr>
+                    </a:solidFill>
+                  </a:tcPr>
+                </a:tc>
+                <a:tc>
+                  <a:txBody>
+                    <a:bodyPr/>
+                    <a:lstStyle/>
+                    <a:p>
+                      <a:endParaRPr lang="en-HK" dirty="0"/>
+                    </a:p>
+                  </a:txBody>
+                  <a:tcPr>
+                    <a:solidFill>
+                      <a:schemeClr val="accent2">
+                        <a:lumMod val="40000"/>
+                        <a:lumOff val="60000"/>
+                      </a:schemeClr>
+                    </a:solidFill>
+                  </a:tcPr>
+                </a:tc>
+                <a:extLst>
+                  <a:ext uri="{0D108BD9-81ED-4DB2-BD59-A6C34878D82A}">
+                    <a16:rowId xmlns:a16="http://schemas.microsoft.com/office/drawing/2014/main" val="2601047344"/>
+                  </a:ext>
+                </a:extLst>
+              </a:tr>
+            </a:tbl>
+          </a:graphicData>
+        </a:graphic>
+      </p:graphicFrame>
+      <p:cxnSp>
+        <p:nvCxnSpPr>
+          <p:cNvPr id="30" name="Straight Arrow Connector 29">
+            <a:extLst>
+              <a:ext uri="{FF2B5EF4-FFF2-40B4-BE49-F238E27FC236}">
+                <a16:creationId xmlns:a16="http://schemas.microsoft.com/office/drawing/2014/main" id="{09BA1AEF-0651-327A-2907-A129A05E9218}"/>
+              </a:ext>
+            </a:extLst>
+          </p:cNvPr>
+          <p:cNvCxnSpPr>
+            <a:cxnSpLocks/>
+          </p:cNvCxnSpPr>
+          <p:nvPr/>
+        </p:nvCxnSpPr>
+        <p:spPr>
+          <a:xfrm>
+            <a:off x="2759496" y="3429000"/>
+            <a:ext cx="0" cy="250166"/>
+          </a:xfrm>
+          <a:prstGeom prst="straightConnector1">
+            <a:avLst/>
+          </a:prstGeom>
+          <a:ln>
+            <a:tailEnd type="triangle"/>
+          </a:ln>
+        </p:spPr>
+        <p:style>
+          <a:lnRef idx="3">
+            <a:schemeClr val="dk1"/>
+          </a:lnRef>
+          <a:fillRef idx="0">
+            <a:schemeClr val="dk1"/>
+          </a:fillRef>
+          <a:effectRef idx="2">
+            <a:schemeClr val="dk1"/>
+          </a:effectRef>
+          <a:fontRef idx="minor">
+            <a:schemeClr val="tx1"/>
+          </a:fontRef>
+        </p:style>
+      </p:cxnSp>
+      <p:graphicFrame>
+        <p:nvGraphicFramePr>
+          <p:cNvPr id="31" name="Table 4">
+            <a:extLst>
+              <a:ext uri="{FF2B5EF4-FFF2-40B4-BE49-F238E27FC236}">
+                <a16:creationId xmlns:a16="http://schemas.microsoft.com/office/drawing/2014/main" id="{0FDA643D-732B-D245-A230-59083DD7DF64}"/>
+              </a:ext>
+            </a:extLst>
+          </p:cNvPr>
+          <p:cNvGraphicFramePr>
+            <a:graphicFrameLocks noGrp="1"/>
+          </p:cNvGraphicFramePr>
+          <p:nvPr>
+            <p:extLst>
+              <p:ext uri="{D42A27DB-BD31-4B8C-83A1-F6EECF244321}">
+                <p14:modId xmlns:p14="http://schemas.microsoft.com/office/powerpoint/2010/main" val="1193758571"/>
+              </p:ext>
+            </p:extLst>
+          </p:nvPr>
+        </p:nvGraphicFramePr>
+        <p:xfrm>
+          <a:off x="5825695" y="1062618"/>
+          <a:ext cx="4230780" cy="370840"/>
+        </p:xfrm>
+        <a:graphic>
+          <a:graphicData uri="http://schemas.openxmlformats.org/drawingml/2006/table">
+            <a:tbl>
+              <a:tblPr firstRow="1" bandRow="1">
+                <a:tableStyleId>{5C22544A-7EE6-4342-B048-85BDC9FD1C3A}</a:tableStyleId>
+              </a:tblPr>
+              <a:tblGrid>
+                <a:gridCol w="423078">
+                  <a:extLst>
+                    <a:ext uri="{9D8B030D-6E8A-4147-A177-3AD203B41FA5}">
+                      <a16:colId xmlns:a16="http://schemas.microsoft.com/office/drawing/2014/main" val="1958716807"/>
+                    </a:ext>
+                  </a:extLst>
+                </a:gridCol>
+                <a:gridCol w="423078">
+                  <a:extLst>
+                    <a:ext uri="{9D8B030D-6E8A-4147-A177-3AD203B41FA5}">
+                      <a16:colId xmlns:a16="http://schemas.microsoft.com/office/drawing/2014/main" val="2177103222"/>
+                    </a:ext>
+                  </a:extLst>
+                </a:gridCol>
+                <a:gridCol w="423078">
+                  <a:extLst>
+                    <a:ext uri="{9D8B030D-6E8A-4147-A177-3AD203B41FA5}">
+                      <a16:colId xmlns:a16="http://schemas.microsoft.com/office/drawing/2014/main" val="3409141404"/>
+                    </a:ext>
+                  </a:extLst>
+                </a:gridCol>
+                <a:gridCol w="423078">
+                  <a:extLst>
+                    <a:ext uri="{9D8B030D-6E8A-4147-A177-3AD203B41FA5}">
+                      <a16:colId xmlns:a16="http://schemas.microsoft.com/office/drawing/2014/main" val="217707470"/>
+                    </a:ext>
+                  </a:extLst>
+                </a:gridCol>
+                <a:gridCol w="423078">
+                  <a:extLst>
+                    <a:ext uri="{9D8B030D-6E8A-4147-A177-3AD203B41FA5}">
+                      <a16:colId xmlns:a16="http://schemas.microsoft.com/office/drawing/2014/main" val="770379941"/>
+                    </a:ext>
+                  </a:extLst>
+                </a:gridCol>
+                <a:gridCol w="423078">
+                  <a:extLst>
+                    <a:ext uri="{9D8B030D-6E8A-4147-A177-3AD203B41FA5}">
+                      <a16:colId xmlns:a16="http://schemas.microsoft.com/office/drawing/2014/main" val="4085467491"/>
+                    </a:ext>
+                  </a:extLst>
+                </a:gridCol>
+                <a:gridCol w="423078">
+                  <a:extLst>
+                    <a:ext uri="{9D8B030D-6E8A-4147-A177-3AD203B41FA5}">
+                      <a16:colId xmlns:a16="http://schemas.microsoft.com/office/drawing/2014/main" val="2183018877"/>
+                    </a:ext>
+                  </a:extLst>
+                </a:gridCol>
+                <a:gridCol w="423078">
+                  <a:extLst>
+                    <a:ext uri="{9D8B030D-6E8A-4147-A177-3AD203B41FA5}">
+                      <a16:colId xmlns:a16="http://schemas.microsoft.com/office/drawing/2014/main" val="3957069584"/>
+                    </a:ext>
+                  </a:extLst>
+                </a:gridCol>
+                <a:gridCol w="423078">
+                  <a:extLst>
+                    <a:ext uri="{9D8B030D-6E8A-4147-A177-3AD203B41FA5}">
+                      <a16:colId xmlns:a16="http://schemas.microsoft.com/office/drawing/2014/main" val="3244291510"/>
+                    </a:ext>
+                  </a:extLst>
+                </a:gridCol>
+                <a:gridCol w="423078">
+                  <a:extLst>
+                    <a:ext uri="{9D8B030D-6E8A-4147-A177-3AD203B41FA5}">
+                      <a16:colId xmlns:a16="http://schemas.microsoft.com/office/drawing/2014/main" val="3722398860"/>
+                    </a:ext>
+                  </a:extLst>
+                </a:gridCol>
+              </a:tblGrid>
+              <a:tr h="370840">
+                <a:tc>
+                  <a:txBody>
+                    <a:bodyPr/>
+                    <a:lstStyle/>
+                    <a:p>
+                      <a:endParaRPr lang="en-HK" dirty="0"/>
+                    </a:p>
+                  </a:txBody>
+                  <a:tcPr>
+                    <a:solidFill>
+                      <a:schemeClr val="accent2">
+                        <a:lumMod val="40000"/>
+                        <a:lumOff val="60000"/>
+                      </a:schemeClr>
+                    </a:solidFill>
+                  </a:tcPr>
+                </a:tc>
+                <a:tc>
+                  <a:txBody>
+                    <a:bodyPr/>
+                    <a:lstStyle/>
+                    <a:p>
+                      <a:endParaRPr lang="en-HK" dirty="0"/>
+                    </a:p>
+                  </a:txBody>
+                  <a:tcPr>
+                    <a:solidFill>
+                      <a:schemeClr val="accent2">
+                        <a:lumMod val="40000"/>
+                        <a:lumOff val="60000"/>
+                      </a:schemeClr>
+                    </a:solidFill>
+                  </a:tcPr>
+                </a:tc>
+                <a:tc>
+                  <a:txBody>
+                    <a:bodyPr/>
+                    <a:lstStyle/>
+                    <a:p>
+                      <a:endParaRPr lang="en-HK" dirty="0"/>
+                    </a:p>
+                  </a:txBody>
+                  <a:tcPr>
+                    <a:lnTlToBr w="12700" cap="flat" cmpd="sng" algn="ctr">
+                      <a:solidFill>
+                        <a:schemeClr val="tx1"/>
+                      </a:solidFill>
+                      <a:prstDash val="solid"/>
+                      <a:round/>
+                      <a:headEnd type="none" w="med" len="med"/>
+                      <a:tailEnd type="none" w="med" len="med"/>
+                    </a:lnTlToBr>
+                    <a:lnBlToTr w="12700" cap="flat" cmpd="sng" algn="ctr">
+                      <a:solidFill>
+                        <a:schemeClr val="tx1"/>
+                      </a:solidFill>
+                      <a:prstDash val="solid"/>
+                      <a:round/>
+                      <a:headEnd type="none" w="med" len="med"/>
+                      <a:tailEnd type="none" w="med" len="med"/>
+                    </a:lnBlToTr>
+                    <a:solidFill>
+                      <a:schemeClr val="accent1">
+                        <a:lumMod val="40000"/>
+                        <a:lumOff val="60000"/>
+                      </a:schemeClr>
+                    </a:solidFill>
+                  </a:tcPr>
+                </a:tc>
+                <a:tc>
+                  <a:txBody>
+                    <a:bodyPr/>
+                    <a:lstStyle/>
+                    <a:p>
+                      <a:endParaRPr lang="en-HK" dirty="0"/>
+                    </a:p>
+                  </a:txBody>
+                  <a:tcPr>
+                    <a:solidFill>
+                      <a:schemeClr val="accent2">
+                        <a:lumMod val="40000"/>
+                        <a:lumOff val="60000"/>
+                      </a:schemeClr>
+                    </a:solidFill>
+                  </a:tcPr>
+                </a:tc>
+                <a:tc>
+                  <a:txBody>
+                    <a:bodyPr/>
+                    <a:lstStyle/>
+                    <a:p>
+                      <a:endParaRPr lang="en-HK" dirty="0"/>
+                    </a:p>
+                  </a:txBody>
+                  <a:tcPr>
+                    <a:lnTlToBr w="12700" cap="flat" cmpd="sng" algn="ctr">
+                      <a:solidFill>
+                        <a:schemeClr val="tx1"/>
+                      </a:solidFill>
+                      <a:prstDash val="solid"/>
+                      <a:round/>
+                      <a:headEnd type="none" w="med" len="med"/>
+                      <a:tailEnd type="none" w="med" len="med"/>
+                    </a:lnTlToBr>
+                    <a:lnBlToTr w="12700" cap="flat" cmpd="sng" algn="ctr">
+                      <a:solidFill>
+                        <a:schemeClr val="tx1"/>
+                      </a:solidFill>
+                      <a:prstDash val="solid"/>
+                      <a:round/>
+                      <a:headEnd type="none" w="med" len="med"/>
+                      <a:tailEnd type="none" w="med" len="med"/>
+                    </a:lnBlToTr>
+                    <a:solidFill>
+                      <a:schemeClr val="accent1">
+                        <a:lumMod val="40000"/>
+                        <a:lumOff val="60000"/>
+                      </a:schemeClr>
+                    </a:solidFill>
+                  </a:tcPr>
+                </a:tc>
+                <a:tc>
+                  <a:txBody>
+                    <a:bodyPr/>
+                    <a:lstStyle/>
+                    <a:p>
+                      <a:endParaRPr lang="en-HK" dirty="0"/>
+                    </a:p>
+                  </a:txBody>
+                  <a:tcPr>
+                    <a:solidFill>
+                      <a:schemeClr val="accent2">
+                        <a:lumMod val="40000"/>
+                        <a:lumOff val="60000"/>
+                      </a:schemeClr>
+                    </a:solidFill>
+                  </a:tcPr>
+                </a:tc>
+                <a:tc>
+                  <a:txBody>
+                    <a:bodyPr/>
+                    <a:lstStyle/>
+                    <a:p>
+                      <a:endParaRPr lang="en-HK" dirty="0"/>
+                    </a:p>
+                  </a:txBody>
+                  <a:tcPr>
+                    <a:solidFill>
+                      <a:schemeClr val="accent2">
+                        <a:lumMod val="40000"/>
+                        <a:lumOff val="60000"/>
+                      </a:schemeClr>
+                    </a:solidFill>
+                  </a:tcPr>
+                </a:tc>
+                <a:tc>
+                  <a:txBody>
+                    <a:bodyPr/>
+                    <a:lstStyle/>
+                    <a:p>
+                      <a:endParaRPr lang="en-HK" dirty="0"/>
+                    </a:p>
+                  </a:txBody>
+                  <a:tcPr>
+                    <a:solidFill>
+                      <a:schemeClr val="accent2">
+                        <a:lumMod val="40000"/>
+                        <a:lumOff val="60000"/>
+                      </a:schemeClr>
+                    </a:solidFill>
+                  </a:tcPr>
+                </a:tc>
+                <a:tc>
+                  <a:txBody>
+                    <a:bodyPr/>
+                    <a:lstStyle/>
+                    <a:p>
+                      <a:endParaRPr lang="en-HK" dirty="0"/>
+                    </a:p>
+                  </a:txBody>
+                  <a:tcPr>
+                    <a:lnTlToBr w="12700" cap="flat" cmpd="sng" algn="ctr">
+                      <a:solidFill>
+                        <a:schemeClr val="tx1"/>
+                      </a:solidFill>
+                      <a:prstDash val="solid"/>
+                      <a:round/>
+                      <a:headEnd type="none" w="med" len="med"/>
+                      <a:tailEnd type="none" w="med" len="med"/>
+                    </a:lnTlToBr>
+                    <a:lnBlToTr w="12700" cap="flat" cmpd="sng" algn="ctr">
+                      <a:solidFill>
+                        <a:schemeClr val="tx1"/>
+                      </a:solidFill>
+                      <a:prstDash val="solid"/>
+                      <a:round/>
+                      <a:headEnd type="none" w="med" len="med"/>
+                      <a:tailEnd type="none" w="med" len="med"/>
+                    </a:lnBlToTr>
+                    <a:solidFill>
+                      <a:schemeClr val="accent1">
+                        <a:lumMod val="40000"/>
+                        <a:lumOff val="60000"/>
+                      </a:schemeClr>
+                    </a:solidFill>
+                  </a:tcPr>
+                </a:tc>
+                <a:tc>
+                  <a:txBody>
+                    <a:bodyPr/>
+                    <a:lstStyle/>
+                    <a:p>
+                      <a:endParaRPr lang="en-HK" dirty="0"/>
+                    </a:p>
+                  </a:txBody>
+                  <a:tcPr>
+                    <a:solidFill>
+                      <a:schemeClr val="accent2">
+                        <a:lumMod val="40000"/>
+                        <a:lumOff val="60000"/>
+                      </a:schemeClr>
+                    </a:solidFill>
+                  </a:tcPr>
+                </a:tc>
+                <a:extLst>
+                  <a:ext uri="{0D108BD9-81ED-4DB2-BD59-A6C34878D82A}">
+                    <a16:rowId xmlns:a16="http://schemas.microsoft.com/office/drawing/2014/main" val="2601047344"/>
+                  </a:ext>
+                </a:extLst>
+              </a:tr>
+            </a:tbl>
+          </a:graphicData>
+        </a:graphic>
+      </p:graphicFrame>
+      <p:graphicFrame>
+        <p:nvGraphicFramePr>
+          <p:cNvPr id="32" name="Table 4">
+            <a:extLst>
+              <a:ext uri="{FF2B5EF4-FFF2-40B4-BE49-F238E27FC236}">
+                <a16:creationId xmlns:a16="http://schemas.microsoft.com/office/drawing/2014/main" id="{F18C4624-DFF6-6FF5-778D-898D5CCBCF8E}"/>
+              </a:ext>
+            </a:extLst>
+          </p:cNvPr>
+          <p:cNvGraphicFramePr>
+            <a:graphicFrameLocks noGrp="1"/>
+          </p:cNvGraphicFramePr>
+          <p:nvPr>
+            <p:extLst>
+              <p:ext uri="{D42A27DB-BD31-4B8C-83A1-F6EECF244321}">
+                <p14:modId xmlns:p14="http://schemas.microsoft.com/office/powerpoint/2010/main" val="3923117448"/>
+              </p:ext>
+            </p:extLst>
+          </p:nvPr>
+        </p:nvGraphicFramePr>
+        <p:xfrm>
+          <a:off x="5830486" y="386684"/>
+          <a:ext cx="846156" cy="370840"/>
+        </p:xfrm>
+        <a:graphic>
+          <a:graphicData uri="http://schemas.openxmlformats.org/drawingml/2006/table">
+            <a:tbl>
+              <a:tblPr firstRow="1" bandRow="1">
+                <a:tableStyleId>{5C22544A-7EE6-4342-B048-85BDC9FD1C3A}</a:tableStyleId>
+              </a:tblPr>
+              <a:tblGrid>
+                <a:gridCol w="423078">
+                  <a:extLst>
+                    <a:ext uri="{9D8B030D-6E8A-4147-A177-3AD203B41FA5}">
+                      <a16:colId xmlns:a16="http://schemas.microsoft.com/office/drawing/2014/main" val="1958716807"/>
+                    </a:ext>
+                  </a:extLst>
+                </a:gridCol>
+                <a:gridCol w="423078">
+                  <a:extLst>
+                    <a:ext uri="{9D8B030D-6E8A-4147-A177-3AD203B41FA5}">
+                      <a16:colId xmlns:a16="http://schemas.microsoft.com/office/drawing/2014/main" val="2177103222"/>
+                    </a:ext>
+                  </a:extLst>
+                </a:gridCol>
+              </a:tblGrid>
+              <a:tr h="370840">
+                <a:tc>
+                  <a:txBody>
+                    <a:bodyPr/>
+                    <a:lstStyle/>
+                    <a:p>
+                      <a:endParaRPr lang="en-HK" dirty="0"/>
+                    </a:p>
+                  </a:txBody>
+                  <a:tcPr>
+                    <a:solidFill>
+                      <a:schemeClr val="accent6">
+                        <a:lumMod val="60000"/>
+                        <a:lumOff val="40000"/>
+                      </a:schemeClr>
+                    </a:solidFill>
+                  </a:tcPr>
+                </a:tc>
+                <a:tc>
+                  <a:txBody>
+                    <a:bodyPr/>
+                    <a:lstStyle/>
+                    <a:p>
+                      <a:endParaRPr lang="en-HK" dirty="0"/>
+                    </a:p>
+                  </a:txBody>
+                  <a:tcPr>
+                    <a:solidFill>
+                      <a:schemeClr val="accent6">
+                        <a:lumMod val="60000"/>
+                        <a:lumOff val="40000"/>
+                      </a:schemeClr>
+                    </a:solidFill>
+                  </a:tcPr>
+                </a:tc>
+                <a:extLst>
+                  <a:ext uri="{0D108BD9-81ED-4DB2-BD59-A6C34878D82A}">
+                    <a16:rowId xmlns:a16="http://schemas.microsoft.com/office/drawing/2014/main" val="2601047344"/>
+                  </a:ext>
+                </a:extLst>
+              </a:tr>
+            </a:tbl>
+          </a:graphicData>
+        </a:graphic>
+      </p:graphicFrame>
+      <p:cxnSp>
+        <p:nvCxnSpPr>
+          <p:cNvPr id="33" name="Straight Arrow Connector 32">
+            <a:extLst>
+              <a:ext uri="{FF2B5EF4-FFF2-40B4-BE49-F238E27FC236}">
+                <a16:creationId xmlns:a16="http://schemas.microsoft.com/office/drawing/2014/main" id="{583F88C5-ED8C-9DD2-E960-4C08DC278085}"/>
+              </a:ext>
+            </a:extLst>
+          </p:cNvPr>
+          <p:cNvCxnSpPr>
+            <a:cxnSpLocks/>
+            <a:stCxn id="32" idx="2"/>
+          </p:cNvCxnSpPr>
+          <p:nvPr/>
+        </p:nvCxnSpPr>
+        <p:spPr>
+          <a:xfrm>
+            <a:off x="6253564" y="757524"/>
+            <a:ext cx="0" cy="260393"/>
+          </a:xfrm>
+          <a:prstGeom prst="straightConnector1">
+            <a:avLst/>
+          </a:prstGeom>
+          <a:ln>
+            <a:tailEnd type="triangle"/>
+          </a:ln>
+        </p:spPr>
+        <p:style>
+          <a:lnRef idx="3">
+            <a:schemeClr val="dk1"/>
+          </a:lnRef>
+          <a:fillRef idx="0">
+            <a:schemeClr val="dk1"/>
+          </a:fillRef>
+          <a:effectRef idx="2">
+            <a:schemeClr val="dk1"/>
+          </a:effectRef>
+          <a:fontRef idx="minor">
+            <a:schemeClr val="tx1"/>
+          </a:fontRef>
+        </p:style>
+      </p:cxnSp>
+      <p:cxnSp>
+        <p:nvCxnSpPr>
+          <p:cNvPr id="34" name="Straight Arrow Connector 33">
+            <a:extLst>
+              <a:ext uri="{FF2B5EF4-FFF2-40B4-BE49-F238E27FC236}">
+                <a16:creationId xmlns:a16="http://schemas.microsoft.com/office/drawing/2014/main" id="{64805C4C-A469-4A3F-093E-83E68DB928E0}"/>
+              </a:ext>
+            </a:extLst>
+          </p:cNvPr>
+          <p:cNvCxnSpPr>
+            <a:cxnSpLocks/>
+          </p:cNvCxnSpPr>
+          <p:nvPr/>
+        </p:nvCxnSpPr>
+        <p:spPr>
+          <a:xfrm>
+            <a:off x="7948756" y="1459336"/>
+            <a:ext cx="0" cy="250166"/>
+          </a:xfrm>
+          <a:prstGeom prst="straightConnector1">
+            <a:avLst/>
+          </a:prstGeom>
+          <a:ln>
+            <a:tailEnd type="triangle"/>
+          </a:ln>
+        </p:spPr>
+        <p:style>
+          <a:lnRef idx="3">
+            <a:schemeClr val="dk1"/>
+          </a:lnRef>
+          <a:fillRef idx="0">
+            <a:schemeClr val="dk1"/>
+          </a:fillRef>
+          <a:effectRef idx="2">
+            <a:schemeClr val="dk1"/>
+          </a:effectRef>
+          <a:fontRef idx="minor">
+            <a:schemeClr val="tx1"/>
+          </a:fontRef>
+        </p:style>
+      </p:cxnSp>
+      <p:graphicFrame>
+        <p:nvGraphicFramePr>
+          <p:cNvPr id="35" name="Table 4">
+            <a:extLst>
+              <a:ext uri="{FF2B5EF4-FFF2-40B4-BE49-F238E27FC236}">
+                <a16:creationId xmlns:a16="http://schemas.microsoft.com/office/drawing/2014/main" id="{783DEFC7-3B4A-716A-4DBA-A4A8EB3F35A8}"/>
+              </a:ext>
+            </a:extLst>
+          </p:cNvPr>
+          <p:cNvGraphicFramePr>
+            <a:graphicFrameLocks noGrp="1"/>
+          </p:cNvGraphicFramePr>
+          <p:nvPr>
+            <p:extLst>
+              <p:ext uri="{D42A27DB-BD31-4B8C-83A1-F6EECF244321}">
+                <p14:modId xmlns:p14="http://schemas.microsoft.com/office/powerpoint/2010/main" val="717609030"/>
+              </p:ext>
+            </p:extLst>
+          </p:nvPr>
+        </p:nvGraphicFramePr>
+        <p:xfrm>
+          <a:off x="5833366" y="1735380"/>
+          <a:ext cx="4230780" cy="370840"/>
+        </p:xfrm>
+        <a:graphic>
+          <a:graphicData uri="http://schemas.openxmlformats.org/drawingml/2006/table">
+            <a:tbl>
+              <a:tblPr firstRow="1" bandRow="1">
+                <a:tableStyleId>{5C22544A-7EE6-4342-B048-85BDC9FD1C3A}</a:tableStyleId>
+              </a:tblPr>
+              <a:tblGrid>
+                <a:gridCol w="423078">
+                  <a:extLst>
+                    <a:ext uri="{9D8B030D-6E8A-4147-A177-3AD203B41FA5}">
+                      <a16:colId xmlns:a16="http://schemas.microsoft.com/office/drawing/2014/main" val="1958716807"/>
+                    </a:ext>
+                  </a:extLst>
+                </a:gridCol>
+                <a:gridCol w="423078">
+                  <a:extLst>
+                    <a:ext uri="{9D8B030D-6E8A-4147-A177-3AD203B41FA5}">
+                      <a16:colId xmlns:a16="http://schemas.microsoft.com/office/drawing/2014/main" val="2177103222"/>
+                    </a:ext>
+                  </a:extLst>
+                </a:gridCol>
+                <a:gridCol w="423078">
+                  <a:extLst>
+                    <a:ext uri="{9D8B030D-6E8A-4147-A177-3AD203B41FA5}">
+                      <a16:colId xmlns:a16="http://schemas.microsoft.com/office/drawing/2014/main" val="3409141404"/>
+                    </a:ext>
+                  </a:extLst>
+                </a:gridCol>
+                <a:gridCol w="423078">
+                  <a:extLst>
+                    <a:ext uri="{9D8B030D-6E8A-4147-A177-3AD203B41FA5}">
+                      <a16:colId xmlns:a16="http://schemas.microsoft.com/office/drawing/2014/main" val="217707470"/>
+                    </a:ext>
+                  </a:extLst>
+                </a:gridCol>
+                <a:gridCol w="423078">
+                  <a:extLst>
+                    <a:ext uri="{9D8B030D-6E8A-4147-A177-3AD203B41FA5}">
+                      <a16:colId xmlns:a16="http://schemas.microsoft.com/office/drawing/2014/main" val="770379941"/>
+                    </a:ext>
+                  </a:extLst>
+                </a:gridCol>
+                <a:gridCol w="423078">
+                  <a:extLst>
+                    <a:ext uri="{9D8B030D-6E8A-4147-A177-3AD203B41FA5}">
+                      <a16:colId xmlns:a16="http://schemas.microsoft.com/office/drawing/2014/main" val="4085467491"/>
+                    </a:ext>
+                  </a:extLst>
+                </a:gridCol>
+                <a:gridCol w="423078">
+                  <a:extLst>
+                    <a:ext uri="{9D8B030D-6E8A-4147-A177-3AD203B41FA5}">
+                      <a16:colId xmlns:a16="http://schemas.microsoft.com/office/drawing/2014/main" val="2183018877"/>
+                    </a:ext>
+                  </a:extLst>
+                </a:gridCol>
+                <a:gridCol w="423078">
+                  <a:extLst>
+                    <a:ext uri="{9D8B030D-6E8A-4147-A177-3AD203B41FA5}">
+                      <a16:colId xmlns:a16="http://schemas.microsoft.com/office/drawing/2014/main" val="3957069584"/>
+                    </a:ext>
+                  </a:extLst>
+                </a:gridCol>
+                <a:gridCol w="423078">
+                  <a:extLst>
+                    <a:ext uri="{9D8B030D-6E8A-4147-A177-3AD203B41FA5}">
+                      <a16:colId xmlns:a16="http://schemas.microsoft.com/office/drawing/2014/main" val="3244291510"/>
+                    </a:ext>
+                  </a:extLst>
+                </a:gridCol>
+                <a:gridCol w="423078">
+                  <a:extLst>
+                    <a:ext uri="{9D8B030D-6E8A-4147-A177-3AD203B41FA5}">
+                      <a16:colId xmlns:a16="http://schemas.microsoft.com/office/drawing/2014/main" val="3722398860"/>
+                    </a:ext>
+                  </a:extLst>
+                </a:gridCol>
+              </a:tblGrid>
+              <a:tr h="370840">
+                <a:tc>
+                  <a:txBody>
+                    <a:bodyPr/>
+                    <a:lstStyle/>
+                    <a:p>
+                      <a:endParaRPr lang="en-HK" dirty="0"/>
+                    </a:p>
+                  </a:txBody>
+                  <a:tcPr>
+                    <a:lnTlToBr w="12700" cap="flat" cmpd="sng" algn="ctr">
+                      <a:solidFill>
+                        <a:schemeClr val="tx1"/>
+                      </a:solidFill>
+                      <a:prstDash val="solid"/>
+                      <a:round/>
+                      <a:headEnd type="none" w="med" len="med"/>
+                      <a:tailEnd type="none" w="med" len="med"/>
+                    </a:lnTlToBr>
+                    <a:lnBlToTr w="12700" cap="flat" cmpd="sng" algn="ctr">
+                      <a:solidFill>
+                        <a:schemeClr val="tx1"/>
+                      </a:solidFill>
+                      <a:prstDash val="solid"/>
+                      <a:round/>
+                      <a:headEnd type="none" w="med" len="med"/>
+                      <a:tailEnd type="none" w="med" len="med"/>
+                    </a:lnBlToTr>
+                    <a:solidFill>
+                      <a:schemeClr val="accent6">
+                        <a:lumMod val="60000"/>
+                        <a:lumOff val="40000"/>
+                      </a:schemeClr>
+                    </a:solidFill>
+                  </a:tcPr>
+                </a:tc>
+                <a:tc>
+                  <a:txBody>
+                    <a:bodyPr/>
+                    <a:lstStyle/>
+                    <a:p>
+                      <a:endParaRPr lang="en-HK" dirty="0"/>
+                    </a:p>
+                  </a:txBody>
+                  <a:tcPr>
+                    <a:lnTlToBr w="12700" cap="flat" cmpd="sng" algn="ctr">
+                      <a:solidFill>
+                        <a:schemeClr val="tx1"/>
+                      </a:solidFill>
+                      <a:prstDash val="solid"/>
+                      <a:round/>
+                      <a:headEnd type="none" w="med" len="med"/>
+                      <a:tailEnd type="none" w="med" len="med"/>
+                    </a:lnTlToBr>
+                    <a:lnBlToTr w="12700" cap="flat" cmpd="sng" algn="ctr">
+                      <a:solidFill>
+                        <a:schemeClr val="tx1"/>
+                      </a:solidFill>
+                      <a:prstDash val="solid"/>
+                      <a:round/>
+                      <a:headEnd type="none" w="med" len="med"/>
+                      <a:tailEnd type="none" w="med" len="med"/>
+                    </a:lnBlToTr>
+                    <a:solidFill>
+                      <a:schemeClr val="accent6">
+                        <a:lumMod val="60000"/>
+                        <a:lumOff val="40000"/>
+                      </a:schemeClr>
+                    </a:solidFill>
+                  </a:tcPr>
+                </a:tc>
+                <a:tc>
+                  <a:txBody>
+                    <a:bodyPr/>
+                    <a:lstStyle/>
+                    <a:p>
+                      <a:endParaRPr lang="en-HK" dirty="0"/>
+                    </a:p>
+                  </a:txBody>
+                  <a:tcPr>
+                    <a:lnTlToBr w="12700" cap="flat" cmpd="sng" algn="ctr">
+                      <a:solidFill>
+                        <a:schemeClr val="tx1"/>
+                      </a:solidFill>
+                      <a:prstDash val="solid"/>
+                      <a:round/>
+                      <a:headEnd type="none" w="med" len="med"/>
+                      <a:tailEnd type="none" w="med" len="med"/>
+                    </a:lnTlToBr>
+                    <a:lnBlToTr w="12700" cap="flat" cmpd="sng" algn="ctr">
+                      <a:solidFill>
+                        <a:schemeClr val="tx1"/>
+                      </a:solidFill>
+                      <a:prstDash val="solid"/>
+                      <a:round/>
+                      <a:headEnd type="none" w="med" len="med"/>
+                      <a:tailEnd type="none" w="med" len="med"/>
+                    </a:lnBlToTr>
+                    <a:solidFill>
+                      <a:schemeClr val="accent1">
+                        <a:lumMod val="40000"/>
+                        <a:lumOff val="60000"/>
+                      </a:schemeClr>
+                    </a:solidFill>
+                  </a:tcPr>
+                </a:tc>
+                <a:tc>
+                  <a:txBody>
+                    <a:bodyPr/>
+                    <a:lstStyle/>
+                    <a:p>
+                      <a:endParaRPr lang="en-HK" dirty="0"/>
+                    </a:p>
+                  </a:txBody>
+                  <a:tcPr>
+                    <a:solidFill>
+                      <a:schemeClr val="accent2">
+                        <a:lumMod val="40000"/>
+                        <a:lumOff val="60000"/>
+                      </a:schemeClr>
+                    </a:solidFill>
+                  </a:tcPr>
+                </a:tc>
+                <a:tc>
+                  <a:txBody>
+                    <a:bodyPr/>
+                    <a:lstStyle/>
+                    <a:p>
+                      <a:endParaRPr lang="en-HK" dirty="0"/>
+                    </a:p>
+                  </a:txBody>
+                  <a:tcPr>
+                    <a:lnTlToBr w="12700" cap="flat" cmpd="sng" algn="ctr">
+                      <a:solidFill>
+                        <a:schemeClr val="tx1"/>
+                      </a:solidFill>
+                      <a:prstDash val="solid"/>
+                      <a:round/>
+                      <a:headEnd type="none" w="med" len="med"/>
+                      <a:tailEnd type="none" w="med" len="med"/>
+                    </a:lnTlToBr>
+                    <a:lnBlToTr w="12700" cap="flat" cmpd="sng" algn="ctr">
+                      <a:solidFill>
+                        <a:schemeClr val="tx1"/>
+                      </a:solidFill>
+                      <a:prstDash val="solid"/>
+                      <a:round/>
+                      <a:headEnd type="none" w="med" len="med"/>
+                      <a:tailEnd type="none" w="med" len="med"/>
+                    </a:lnBlToTr>
+                    <a:solidFill>
+                      <a:schemeClr val="accent1">
+                        <a:lumMod val="40000"/>
+                        <a:lumOff val="60000"/>
+                      </a:schemeClr>
+                    </a:solidFill>
+                  </a:tcPr>
+                </a:tc>
+                <a:tc>
+                  <a:txBody>
+                    <a:bodyPr/>
+                    <a:lstStyle/>
+                    <a:p>
+                      <a:endParaRPr lang="en-HK" dirty="0"/>
+                    </a:p>
+                  </a:txBody>
+                  <a:tcPr>
+                    <a:solidFill>
+                      <a:schemeClr val="accent2">
+                        <a:lumMod val="40000"/>
+                        <a:lumOff val="60000"/>
+                      </a:schemeClr>
+                    </a:solidFill>
+                  </a:tcPr>
+                </a:tc>
+                <a:tc>
+                  <a:txBody>
+                    <a:bodyPr/>
+                    <a:lstStyle/>
+                    <a:p>
+                      <a:endParaRPr lang="en-HK" dirty="0"/>
+                    </a:p>
+                  </a:txBody>
+                  <a:tcPr>
+                    <a:solidFill>
+                      <a:schemeClr val="accent2">
+                        <a:lumMod val="40000"/>
+                        <a:lumOff val="60000"/>
+                      </a:schemeClr>
+                    </a:solidFill>
+                  </a:tcPr>
+                </a:tc>
+                <a:tc>
+                  <a:txBody>
+                    <a:bodyPr/>
+                    <a:lstStyle/>
+                    <a:p>
+                      <a:endParaRPr lang="en-HK" dirty="0"/>
+                    </a:p>
+                  </a:txBody>
+                  <a:tcPr>
+                    <a:solidFill>
+                      <a:schemeClr val="accent2">
+                        <a:lumMod val="40000"/>
+                        <a:lumOff val="60000"/>
+                      </a:schemeClr>
+                    </a:solidFill>
+                  </a:tcPr>
+                </a:tc>
+                <a:tc>
+                  <a:txBody>
+                    <a:bodyPr/>
+                    <a:lstStyle/>
+                    <a:p>
+                      <a:endParaRPr lang="en-HK" dirty="0"/>
+                    </a:p>
+                  </a:txBody>
+                  <a:tcPr>
+                    <a:lnTlToBr w="12700" cap="flat" cmpd="sng" algn="ctr">
+                      <a:solidFill>
+                        <a:schemeClr val="tx1"/>
+                      </a:solidFill>
+                      <a:prstDash val="solid"/>
+                      <a:round/>
+                      <a:headEnd type="none" w="med" len="med"/>
+                      <a:tailEnd type="none" w="med" len="med"/>
+                    </a:lnTlToBr>
+                    <a:lnBlToTr w="12700" cap="flat" cmpd="sng" algn="ctr">
+                      <a:solidFill>
+                        <a:schemeClr val="tx1"/>
+                      </a:solidFill>
+                      <a:prstDash val="solid"/>
+                      <a:round/>
+                      <a:headEnd type="none" w="med" len="med"/>
+                      <a:tailEnd type="none" w="med" len="med"/>
+                    </a:lnBlToTr>
+                    <a:solidFill>
+                      <a:schemeClr val="accent1">
+                        <a:lumMod val="40000"/>
+                        <a:lumOff val="60000"/>
+                      </a:schemeClr>
+                    </a:solidFill>
+                  </a:tcPr>
+                </a:tc>
+                <a:tc>
+                  <a:txBody>
+                    <a:bodyPr/>
+                    <a:lstStyle/>
+                    <a:p>
+                      <a:endParaRPr lang="en-HK" dirty="0"/>
+                    </a:p>
+                  </a:txBody>
+                  <a:tcPr>
+                    <a:solidFill>
+                      <a:schemeClr val="accent2">
+                        <a:lumMod val="40000"/>
+                        <a:lumOff val="60000"/>
+                      </a:schemeClr>
+                    </a:solidFill>
+                  </a:tcPr>
+                </a:tc>
+                <a:extLst>
+                  <a:ext uri="{0D108BD9-81ED-4DB2-BD59-A6C34878D82A}">
+                    <a16:rowId xmlns:a16="http://schemas.microsoft.com/office/drawing/2014/main" val="2601047344"/>
+                  </a:ext>
+                </a:extLst>
+              </a:tr>
+            </a:tbl>
+          </a:graphicData>
+        </a:graphic>
+      </p:graphicFrame>
+      <p:graphicFrame>
+        <p:nvGraphicFramePr>
+          <p:cNvPr id="36" name="Table 4">
+            <a:extLst>
+              <a:ext uri="{FF2B5EF4-FFF2-40B4-BE49-F238E27FC236}">
+                <a16:creationId xmlns:a16="http://schemas.microsoft.com/office/drawing/2014/main" id="{7CF9622A-709F-FD69-93B0-14F82C13661C}"/>
+              </a:ext>
+            </a:extLst>
+          </p:cNvPr>
+          <p:cNvGraphicFramePr>
+            <a:graphicFrameLocks noGrp="1"/>
+          </p:cNvGraphicFramePr>
+          <p:nvPr>
+            <p:extLst>
+              <p:ext uri="{D42A27DB-BD31-4B8C-83A1-F6EECF244321}">
+                <p14:modId xmlns:p14="http://schemas.microsoft.com/office/powerpoint/2010/main" val="3697038702"/>
+              </p:ext>
+            </p:extLst>
+          </p:nvPr>
+        </p:nvGraphicFramePr>
+        <p:xfrm>
+          <a:off x="7309442" y="2398304"/>
+          <a:ext cx="1263285" cy="370840"/>
+        </p:xfrm>
+        <a:graphic>
+          <a:graphicData uri="http://schemas.openxmlformats.org/drawingml/2006/table">
+            <a:tbl>
+              <a:tblPr firstRow="1" bandRow="1">
+                <a:tableStyleId>{5C22544A-7EE6-4342-B048-85BDC9FD1C3A}</a:tableStyleId>
+              </a:tblPr>
+              <a:tblGrid>
+                <a:gridCol w="421095">
+                  <a:extLst>
+                    <a:ext uri="{9D8B030D-6E8A-4147-A177-3AD203B41FA5}">
+                      <a16:colId xmlns:a16="http://schemas.microsoft.com/office/drawing/2014/main" val="1958716807"/>
+                    </a:ext>
+                  </a:extLst>
+                </a:gridCol>
+                <a:gridCol w="421095">
+                  <a:extLst>
+                    <a:ext uri="{9D8B030D-6E8A-4147-A177-3AD203B41FA5}">
+                      <a16:colId xmlns:a16="http://schemas.microsoft.com/office/drawing/2014/main" val="2177103222"/>
+                    </a:ext>
+                  </a:extLst>
+                </a:gridCol>
+                <a:gridCol w="421095">
+                  <a:extLst>
+                    <a:ext uri="{9D8B030D-6E8A-4147-A177-3AD203B41FA5}">
+                      <a16:colId xmlns:a16="http://schemas.microsoft.com/office/drawing/2014/main" val="1711010613"/>
+                    </a:ext>
+                  </a:extLst>
+                </a:gridCol>
+              </a:tblGrid>
+              <a:tr h="370840">
+                <a:tc>
+                  <a:txBody>
+                    <a:bodyPr/>
+                    <a:lstStyle/>
+                    <a:p>
+                      <a:endParaRPr lang="en-HK" dirty="0"/>
+                    </a:p>
+                  </a:txBody>
+                  <a:tcPr>
+                    <a:solidFill>
+                      <a:schemeClr val="accent6">
+                        <a:lumMod val="60000"/>
+                        <a:lumOff val="40000"/>
+                      </a:schemeClr>
+                    </a:solidFill>
+                  </a:tcPr>
+                </a:tc>
+                <a:tc>
+                  <a:txBody>
+                    <a:bodyPr/>
+                    <a:lstStyle/>
+                    <a:p>
+                      <a:endParaRPr lang="en-HK" dirty="0"/>
+                    </a:p>
+                  </a:txBody>
+                  <a:tcPr>
+                    <a:solidFill>
+                      <a:schemeClr val="accent6">
+                        <a:lumMod val="60000"/>
+                        <a:lumOff val="40000"/>
+                      </a:schemeClr>
+                    </a:solidFill>
+                  </a:tcPr>
+                </a:tc>
+                <a:tc>
+                  <a:txBody>
+                    <a:bodyPr/>
+                    <a:lstStyle/>
+                    <a:p>
+                      <a:endParaRPr lang="en-HK" dirty="0"/>
+                    </a:p>
+                  </a:txBody>
+                  <a:tcPr>
+                    <a:solidFill>
+                      <a:schemeClr val="accent6">
+                        <a:lumMod val="60000"/>
+                        <a:lumOff val="40000"/>
+                      </a:schemeClr>
+                    </a:solidFill>
+                  </a:tcPr>
+                </a:tc>
+                <a:extLst>
+                  <a:ext uri="{0D108BD9-81ED-4DB2-BD59-A6C34878D82A}">
+                    <a16:rowId xmlns:a16="http://schemas.microsoft.com/office/drawing/2014/main" val="2601047344"/>
+                  </a:ext>
+                </a:extLst>
+              </a:tr>
+            </a:tbl>
+          </a:graphicData>
+        </a:graphic>
+      </p:graphicFrame>
+      <p:cxnSp>
+        <p:nvCxnSpPr>
+          <p:cNvPr id="38" name="Straight Arrow Connector 37">
+            <a:extLst>
+              <a:ext uri="{FF2B5EF4-FFF2-40B4-BE49-F238E27FC236}">
+                <a16:creationId xmlns:a16="http://schemas.microsoft.com/office/drawing/2014/main" id="{09DFDA73-0EEF-0E15-B62F-2A8C0C1464A9}"/>
+              </a:ext>
+            </a:extLst>
+          </p:cNvPr>
+          <p:cNvCxnSpPr>
+            <a:cxnSpLocks/>
+          </p:cNvCxnSpPr>
+          <p:nvPr/>
+        </p:nvCxnSpPr>
+        <p:spPr>
+          <a:xfrm>
+            <a:off x="7941084" y="2769144"/>
+            <a:ext cx="0" cy="250166"/>
+          </a:xfrm>
+          <a:prstGeom prst="straightConnector1">
+            <a:avLst/>
+          </a:prstGeom>
+          <a:ln>
+            <a:tailEnd type="triangle"/>
+          </a:ln>
+        </p:spPr>
+        <p:style>
+          <a:lnRef idx="3">
+            <a:schemeClr val="dk1"/>
+          </a:lnRef>
+          <a:fillRef idx="0">
+            <a:schemeClr val="dk1"/>
+          </a:fillRef>
+          <a:effectRef idx="2">
+            <a:schemeClr val="dk1"/>
+          </a:effectRef>
+          <a:fontRef idx="minor">
+            <a:schemeClr val="tx1"/>
+          </a:fontRef>
+        </p:style>
+      </p:cxnSp>
+      <p:graphicFrame>
+        <p:nvGraphicFramePr>
+          <p:cNvPr id="41" name="Table 4">
+            <a:extLst>
+              <a:ext uri="{FF2B5EF4-FFF2-40B4-BE49-F238E27FC236}">
+                <a16:creationId xmlns:a16="http://schemas.microsoft.com/office/drawing/2014/main" id="{27CCFF38-6F0A-EF24-F2BA-CB54A56FE512}"/>
+              </a:ext>
+            </a:extLst>
+          </p:cNvPr>
+          <p:cNvGraphicFramePr>
+            <a:graphicFrameLocks noGrp="1"/>
+          </p:cNvGraphicFramePr>
+          <p:nvPr>
+            <p:extLst>
+              <p:ext uri="{D42A27DB-BD31-4B8C-83A1-F6EECF244321}">
+                <p14:modId xmlns:p14="http://schemas.microsoft.com/office/powerpoint/2010/main" val="778886460"/>
+              </p:ext>
+            </p:extLst>
+          </p:nvPr>
+        </p:nvGraphicFramePr>
+        <p:xfrm>
+          <a:off x="5825694" y="3035318"/>
+          <a:ext cx="4230780" cy="370840"/>
+        </p:xfrm>
+        <a:graphic>
+          <a:graphicData uri="http://schemas.openxmlformats.org/drawingml/2006/table">
+            <a:tbl>
+              <a:tblPr firstRow="1" bandRow="1">
+                <a:tableStyleId>{5C22544A-7EE6-4342-B048-85BDC9FD1C3A}</a:tableStyleId>
+              </a:tblPr>
+              <a:tblGrid>
+                <a:gridCol w="423078">
+                  <a:extLst>
+                    <a:ext uri="{9D8B030D-6E8A-4147-A177-3AD203B41FA5}">
+                      <a16:colId xmlns:a16="http://schemas.microsoft.com/office/drawing/2014/main" val="1958716807"/>
+                    </a:ext>
+                  </a:extLst>
+                </a:gridCol>
+                <a:gridCol w="423078">
+                  <a:extLst>
+                    <a:ext uri="{9D8B030D-6E8A-4147-A177-3AD203B41FA5}">
+                      <a16:colId xmlns:a16="http://schemas.microsoft.com/office/drawing/2014/main" val="2177103222"/>
+                    </a:ext>
+                  </a:extLst>
+                </a:gridCol>
+                <a:gridCol w="423078">
+                  <a:extLst>
+                    <a:ext uri="{9D8B030D-6E8A-4147-A177-3AD203B41FA5}">
+                      <a16:colId xmlns:a16="http://schemas.microsoft.com/office/drawing/2014/main" val="3409141404"/>
+                    </a:ext>
+                  </a:extLst>
+                </a:gridCol>
+                <a:gridCol w="423078">
+                  <a:extLst>
+                    <a:ext uri="{9D8B030D-6E8A-4147-A177-3AD203B41FA5}">
+                      <a16:colId xmlns:a16="http://schemas.microsoft.com/office/drawing/2014/main" val="217707470"/>
+                    </a:ext>
+                  </a:extLst>
+                </a:gridCol>
+                <a:gridCol w="423078">
+                  <a:extLst>
+                    <a:ext uri="{9D8B030D-6E8A-4147-A177-3AD203B41FA5}">
+                      <a16:colId xmlns:a16="http://schemas.microsoft.com/office/drawing/2014/main" val="770379941"/>
+                    </a:ext>
+                  </a:extLst>
+                </a:gridCol>
+                <a:gridCol w="423078">
+                  <a:extLst>
+                    <a:ext uri="{9D8B030D-6E8A-4147-A177-3AD203B41FA5}">
+                      <a16:colId xmlns:a16="http://schemas.microsoft.com/office/drawing/2014/main" val="4085467491"/>
+                    </a:ext>
+                  </a:extLst>
+                </a:gridCol>
+                <a:gridCol w="423078">
+                  <a:extLst>
+                    <a:ext uri="{9D8B030D-6E8A-4147-A177-3AD203B41FA5}">
+                      <a16:colId xmlns:a16="http://schemas.microsoft.com/office/drawing/2014/main" val="2183018877"/>
+                    </a:ext>
+                  </a:extLst>
+                </a:gridCol>
+                <a:gridCol w="423078">
+                  <a:extLst>
+                    <a:ext uri="{9D8B030D-6E8A-4147-A177-3AD203B41FA5}">
+                      <a16:colId xmlns:a16="http://schemas.microsoft.com/office/drawing/2014/main" val="3957069584"/>
+                    </a:ext>
+                  </a:extLst>
+                </a:gridCol>
+                <a:gridCol w="423078">
+                  <a:extLst>
+                    <a:ext uri="{9D8B030D-6E8A-4147-A177-3AD203B41FA5}">
+                      <a16:colId xmlns:a16="http://schemas.microsoft.com/office/drawing/2014/main" val="3244291510"/>
+                    </a:ext>
+                  </a:extLst>
+                </a:gridCol>
+                <a:gridCol w="423078">
+                  <a:extLst>
+                    <a:ext uri="{9D8B030D-6E8A-4147-A177-3AD203B41FA5}">
+                      <a16:colId xmlns:a16="http://schemas.microsoft.com/office/drawing/2014/main" val="3722398860"/>
+                    </a:ext>
+                  </a:extLst>
+                </a:gridCol>
+              </a:tblGrid>
+              <a:tr h="370840">
+                <a:tc>
+                  <a:txBody>
+                    <a:bodyPr/>
+                    <a:lstStyle/>
+                    <a:p>
+                      <a:endParaRPr lang="en-HK" dirty="0"/>
+                    </a:p>
+                  </a:txBody>
+                  <a:tcPr>
+                    <a:lnTlToBr w="12700" cap="flat" cmpd="sng" algn="ctr">
+                      <a:solidFill>
+                        <a:schemeClr val="tx1"/>
+                      </a:solidFill>
+                      <a:prstDash val="solid"/>
+                      <a:round/>
+                      <a:headEnd type="none" w="med" len="med"/>
+                      <a:tailEnd type="none" w="med" len="med"/>
+                    </a:lnTlToBr>
+                    <a:lnBlToTr w="12700" cap="flat" cmpd="sng" algn="ctr">
+                      <a:solidFill>
+                        <a:schemeClr val="tx1"/>
+                      </a:solidFill>
+                      <a:prstDash val="solid"/>
+                      <a:round/>
+                      <a:headEnd type="none" w="med" len="med"/>
+                      <a:tailEnd type="none" w="med" len="med"/>
+                    </a:lnBlToTr>
+                    <a:solidFill>
+                      <a:schemeClr val="accent6">
+                        <a:lumMod val="60000"/>
+                        <a:lumOff val="40000"/>
+                      </a:schemeClr>
+                    </a:solidFill>
+                  </a:tcPr>
+                </a:tc>
+                <a:tc>
+                  <a:txBody>
+                    <a:bodyPr/>
+                    <a:lstStyle/>
+                    <a:p>
+                      <a:endParaRPr lang="en-HK" dirty="0"/>
+                    </a:p>
+                  </a:txBody>
+                  <a:tcPr>
+                    <a:lnTlToBr w="12700" cap="flat" cmpd="sng" algn="ctr">
+                      <a:solidFill>
+                        <a:schemeClr val="tx1"/>
+                      </a:solidFill>
+                      <a:prstDash val="solid"/>
+                      <a:round/>
+                      <a:headEnd type="none" w="med" len="med"/>
+                      <a:tailEnd type="none" w="med" len="med"/>
+                    </a:lnTlToBr>
+                    <a:lnBlToTr w="12700" cap="flat" cmpd="sng" algn="ctr">
+                      <a:solidFill>
+                        <a:schemeClr val="tx1"/>
+                      </a:solidFill>
+                      <a:prstDash val="solid"/>
+                      <a:round/>
+                      <a:headEnd type="none" w="med" len="med"/>
+                      <a:tailEnd type="none" w="med" len="med"/>
+                    </a:lnBlToTr>
+                    <a:solidFill>
+                      <a:schemeClr val="accent6">
+                        <a:lumMod val="60000"/>
+                        <a:lumOff val="40000"/>
+                      </a:schemeClr>
+                    </a:solidFill>
+                  </a:tcPr>
+                </a:tc>
+                <a:tc>
+                  <a:txBody>
+                    <a:bodyPr/>
+                    <a:lstStyle/>
+                    <a:p>
+                      <a:endParaRPr lang="en-HK" dirty="0"/>
+                    </a:p>
+                  </a:txBody>
+                  <a:tcPr>
+                    <a:lnTlToBr w="12700" cap="flat" cmpd="sng" algn="ctr">
+                      <a:solidFill>
+                        <a:schemeClr val="tx1"/>
+                      </a:solidFill>
+                      <a:prstDash val="solid"/>
+                      <a:round/>
+                      <a:headEnd type="none" w="med" len="med"/>
+                      <a:tailEnd type="none" w="med" len="med"/>
+                    </a:lnTlToBr>
+                    <a:lnBlToTr w="12700" cap="flat" cmpd="sng" algn="ctr">
+                      <a:solidFill>
+                        <a:schemeClr val="tx1"/>
+                      </a:solidFill>
+                      <a:prstDash val="solid"/>
+                      <a:round/>
+                      <a:headEnd type="none" w="med" len="med"/>
+                      <a:tailEnd type="none" w="med" len="med"/>
+                    </a:lnBlToTr>
+                    <a:solidFill>
+                      <a:schemeClr val="accent1">
+                        <a:lumMod val="40000"/>
+                        <a:lumOff val="60000"/>
+                      </a:schemeClr>
+                    </a:solidFill>
+                  </a:tcPr>
+                </a:tc>
+                <a:tc>
+                  <a:txBody>
+                    <a:bodyPr/>
+                    <a:lstStyle/>
+                    <a:p>
+                      <a:endParaRPr lang="en-HK" dirty="0"/>
+                    </a:p>
+                  </a:txBody>
+                  <a:tcPr>
+                    <a:solidFill>
+                      <a:schemeClr val="accent2">
+                        <a:lumMod val="40000"/>
+                        <a:lumOff val="60000"/>
+                      </a:schemeClr>
+                    </a:solidFill>
+                  </a:tcPr>
+                </a:tc>
+                <a:tc>
+                  <a:txBody>
+                    <a:bodyPr/>
+                    <a:lstStyle/>
+                    <a:p>
+                      <a:endParaRPr lang="en-HK" dirty="0"/>
+                    </a:p>
+                  </a:txBody>
+                  <a:tcPr>
+                    <a:lnTlToBr w="12700" cap="flat" cmpd="sng" algn="ctr">
+                      <a:solidFill>
+                        <a:schemeClr val="tx1"/>
+                      </a:solidFill>
+                      <a:prstDash val="solid"/>
+                      <a:round/>
+                      <a:headEnd type="none" w="med" len="med"/>
+                      <a:tailEnd type="none" w="med" len="med"/>
+                    </a:lnTlToBr>
+                    <a:lnBlToTr w="12700" cap="flat" cmpd="sng" algn="ctr">
+                      <a:solidFill>
+                        <a:schemeClr val="tx1"/>
+                      </a:solidFill>
+                      <a:prstDash val="solid"/>
+                      <a:round/>
+                      <a:headEnd type="none" w="med" len="med"/>
+                      <a:tailEnd type="none" w="med" len="med"/>
+                    </a:lnBlToTr>
+                    <a:solidFill>
+                      <a:schemeClr val="accent1">
+                        <a:lumMod val="40000"/>
+                        <a:lumOff val="60000"/>
+                      </a:schemeClr>
+                    </a:solidFill>
+                  </a:tcPr>
+                </a:tc>
+                <a:tc>
+                  <a:txBody>
+                    <a:bodyPr/>
+                    <a:lstStyle/>
+                    <a:p>
+                      <a:endParaRPr lang="en-HK" dirty="0"/>
+                    </a:p>
+                  </a:txBody>
+                  <a:tcPr>
+                    <a:solidFill>
+                      <a:schemeClr val="accent2">
+                        <a:lumMod val="40000"/>
+                        <a:lumOff val="60000"/>
+                      </a:schemeClr>
+                    </a:solidFill>
+                  </a:tcPr>
+                </a:tc>
+                <a:tc>
+                  <a:txBody>
+                    <a:bodyPr/>
+                    <a:lstStyle/>
+                    <a:p>
+                      <a:endParaRPr lang="en-HK" dirty="0"/>
+                    </a:p>
+                  </a:txBody>
+                  <a:tcPr>
+                    <a:solidFill>
+                      <a:schemeClr val="accent2">
+                        <a:lumMod val="40000"/>
+                        <a:lumOff val="60000"/>
+                      </a:schemeClr>
+                    </a:solidFill>
+                  </a:tcPr>
+                </a:tc>
+                <a:tc>
+                  <a:txBody>
+                    <a:bodyPr/>
+                    <a:lstStyle/>
+                    <a:p>
+                      <a:endParaRPr lang="en-HK" dirty="0"/>
+                    </a:p>
+                  </a:txBody>
+                  <a:tcPr>
+                    <a:solidFill>
+                      <a:schemeClr val="accent2">
+                        <a:lumMod val="40000"/>
+                        <a:lumOff val="60000"/>
+                      </a:schemeClr>
+                    </a:solidFill>
+                  </a:tcPr>
+                </a:tc>
+                <a:tc>
+                  <a:txBody>
+                    <a:bodyPr/>
+                    <a:lstStyle/>
+                    <a:p>
+                      <a:endParaRPr lang="en-HK" dirty="0"/>
+                    </a:p>
+                  </a:txBody>
+                  <a:tcPr>
+                    <a:lnTlToBr w="12700" cap="flat" cmpd="sng" algn="ctr">
+                      <a:solidFill>
+                        <a:schemeClr val="tx1"/>
+                      </a:solidFill>
+                      <a:prstDash val="solid"/>
+                      <a:round/>
+                      <a:headEnd type="none" w="med" len="med"/>
+                      <a:tailEnd type="none" w="med" len="med"/>
+                    </a:lnTlToBr>
+                    <a:lnBlToTr w="12700" cap="flat" cmpd="sng" algn="ctr">
+                      <a:solidFill>
+                        <a:schemeClr val="tx1"/>
+                      </a:solidFill>
+                      <a:prstDash val="solid"/>
+                      <a:round/>
+                      <a:headEnd type="none" w="med" len="med"/>
+                      <a:tailEnd type="none" w="med" len="med"/>
+                    </a:lnBlToTr>
+                    <a:solidFill>
+                      <a:schemeClr val="accent1">
+                        <a:lumMod val="40000"/>
+                        <a:lumOff val="60000"/>
+                      </a:schemeClr>
+                    </a:solidFill>
+                  </a:tcPr>
+                </a:tc>
+                <a:tc>
+                  <a:txBody>
+                    <a:bodyPr/>
+                    <a:lstStyle/>
+                    <a:p>
+                      <a:endParaRPr lang="en-HK" dirty="0"/>
+                    </a:p>
+                  </a:txBody>
+                  <a:tcPr>
+                    <a:solidFill>
+                      <a:schemeClr val="accent2">
+                        <a:lumMod val="40000"/>
+                        <a:lumOff val="60000"/>
+                      </a:schemeClr>
+                    </a:solidFill>
+                  </a:tcPr>
+                </a:tc>
+                <a:extLst>
+                  <a:ext uri="{0D108BD9-81ED-4DB2-BD59-A6C34878D82A}">
+                    <a16:rowId xmlns:a16="http://schemas.microsoft.com/office/drawing/2014/main" val="2601047344"/>
+                  </a:ext>
+                </a:extLst>
+              </a:tr>
+            </a:tbl>
+          </a:graphicData>
+        </a:graphic>
+      </p:graphicFrame>
+      <p:cxnSp>
+        <p:nvCxnSpPr>
+          <p:cNvPr id="42" name="Straight Arrow Connector 41">
+            <a:extLst>
+              <a:ext uri="{FF2B5EF4-FFF2-40B4-BE49-F238E27FC236}">
+                <a16:creationId xmlns:a16="http://schemas.microsoft.com/office/drawing/2014/main" id="{74EB2F81-C10A-FFAF-B5FE-48DDB06A2081}"/>
+              </a:ext>
+            </a:extLst>
+          </p:cNvPr>
+          <p:cNvCxnSpPr>
+            <a:cxnSpLocks/>
+          </p:cNvCxnSpPr>
+          <p:nvPr/>
+        </p:nvCxnSpPr>
+        <p:spPr>
+          <a:xfrm>
+            <a:off x="7941084" y="3457914"/>
+            <a:ext cx="0" cy="250166"/>
+          </a:xfrm>
+          <a:prstGeom prst="straightConnector1">
+            <a:avLst/>
+          </a:prstGeom>
+          <a:ln>
+            <a:tailEnd type="triangle"/>
+          </a:ln>
+        </p:spPr>
+        <p:style>
+          <a:lnRef idx="3">
+            <a:schemeClr val="dk1"/>
+          </a:lnRef>
+          <a:fillRef idx="0">
+            <a:schemeClr val="dk1"/>
+          </a:fillRef>
+          <a:effectRef idx="2">
+            <a:schemeClr val="dk1"/>
+          </a:effectRef>
+          <a:fontRef idx="minor">
+            <a:schemeClr val="tx1"/>
+          </a:fontRef>
+        </p:style>
+      </p:cxnSp>
+      <p:graphicFrame>
+        <p:nvGraphicFramePr>
+          <p:cNvPr id="43" name="Table 4">
+            <a:extLst>
+              <a:ext uri="{FF2B5EF4-FFF2-40B4-BE49-F238E27FC236}">
+                <a16:creationId xmlns:a16="http://schemas.microsoft.com/office/drawing/2014/main" id="{23B5C3E2-60EF-817C-E87C-988D7BE25C5D}"/>
+              </a:ext>
+            </a:extLst>
+          </p:cNvPr>
+          <p:cNvGraphicFramePr>
+            <a:graphicFrameLocks noGrp="1"/>
+          </p:cNvGraphicFramePr>
+          <p:nvPr>
+            <p:extLst>
+              <p:ext uri="{D42A27DB-BD31-4B8C-83A1-F6EECF244321}">
+                <p14:modId xmlns:p14="http://schemas.microsoft.com/office/powerpoint/2010/main" val="529587972"/>
+              </p:ext>
+            </p:extLst>
+          </p:nvPr>
+        </p:nvGraphicFramePr>
+        <p:xfrm>
+          <a:off x="5825694" y="3708080"/>
+          <a:ext cx="4230780" cy="370840"/>
+        </p:xfrm>
+        <a:graphic>
+          <a:graphicData uri="http://schemas.openxmlformats.org/drawingml/2006/table">
+            <a:tbl>
+              <a:tblPr firstRow="1" bandRow="1">
+                <a:tableStyleId>{5C22544A-7EE6-4342-B048-85BDC9FD1C3A}</a:tableStyleId>
+              </a:tblPr>
+              <a:tblGrid>
+                <a:gridCol w="423078">
+                  <a:extLst>
+                    <a:ext uri="{9D8B030D-6E8A-4147-A177-3AD203B41FA5}">
+                      <a16:colId xmlns:a16="http://schemas.microsoft.com/office/drawing/2014/main" val="1958716807"/>
+                    </a:ext>
+                  </a:extLst>
+                </a:gridCol>
+                <a:gridCol w="423078">
+                  <a:extLst>
+                    <a:ext uri="{9D8B030D-6E8A-4147-A177-3AD203B41FA5}">
+                      <a16:colId xmlns:a16="http://schemas.microsoft.com/office/drawing/2014/main" val="2177103222"/>
+                    </a:ext>
+                  </a:extLst>
+                </a:gridCol>
+                <a:gridCol w="423078">
+                  <a:extLst>
+                    <a:ext uri="{9D8B030D-6E8A-4147-A177-3AD203B41FA5}">
+                      <a16:colId xmlns:a16="http://schemas.microsoft.com/office/drawing/2014/main" val="3409141404"/>
+                    </a:ext>
+                  </a:extLst>
+                </a:gridCol>
+                <a:gridCol w="423078">
+                  <a:extLst>
+                    <a:ext uri="{9D8B030D-6E8A-4147-A177-3AD203B41FA5}">
+                      <a16:colId xmlns:a16="http://schemas.microsoft.com/office/drawing/2014/main" val="217707470"/>
+                    </a:ext>
+                  </a:extLst>
+                </a:gridCol>
+                <a:gridCol w="423078">
+                  <a:extLst>
+                    <a:ext uri="{9D8B030D-6E8A-4147-A177-3AD203B41FA5}">
+                      <a16:colId xmlns:a16="http://schemas.microsoft.com/office/drawing/2014/main" val="770379941"/>
+                    </a:ext>
+                  </a:extLst>
+                </a:gridCol>
+                <a:gridCol w="423078">
+                  <a:extLst>
+                    <a:ext uri="{9D8B030D-6E8A-4147-A177-3AD203B41FA5}">
+                      <a16:colId xmlns:a16="http://schemas.microsoft.com/office/drawing/2014/main" val="4085467491"/>
+                    </a:ext>
+                  </a:extLst>
+                </a:gridCol>
+                <a:gridCol w="423078">
+                  <a:extLst>
+                    <a:ext uri="{9D8B030D-6E8A-4147-A177-3AD203B41FA5}">
+                      <a16:colId xmlns:a16="http://schemas.microsoft.com/office/drawing/2014/main" val="2183018877"/>
+                    </a:ext>
+                  </a:extLst>
+                </a:gridCol>
+                <a:gridCol w="423078">
+                  <a:extLst>
+                    <a:ext uri="{9D8B030D-6E8A-4147-A177-3AD203B41FA5}">
+                      <a16:colId xmlns:a16="http://schemas.microsoft.com/office/drawing/2014/main" val="3957069584"/>
+                    </a:ext>
+                  </a:extLst>
+                </a:gridCol>
+                <a:gridCol w="423078">
+                  <a:extLst>
+                    <a:ext uri="{9D8B030D-6E8A-4147-A177-3AD203B41FA5}">
+                      <a16:colId xmlns:a16="http://schemas.microsoft.com/office/drawing/2014/main" val="3244291510"/>
+                    </a:ext>
+                  </a:extLst>
+                </a:gridCol>
+                <a:gridCol w="423078">
+                  <a:extLst>
+                    <a:ext uri="{9D8B030D-6E8A-4147-A177-3AD203B41FA5}">
+                      <a16:colId xmlns:a16="http://schemas.microsoft.com/office/drawing/2014/main" val="3722398860"/>
+                    </a:ext>
+                  </a:extLst>
+                </a:gridCol>
+              </a:tblGrid>
+              <a:tr h="370840">
+                <a:tc>
+                  <a:txBody>
+                    <a:bodyPr/>
+                    <a:lstStyle/>
+                    <a:p>
+                      <a:endParaRPr lang="en-HK" dirty="0"/>
+                    </a:p>
+                  </a:txBody>
+                  <a:tcPr>
+                    <a:lnTlToBr w="12700" cap="flat" cmpd="sng" algn="ctr">
+                      <a:solidFill>
+                        <a:schemeClr val="tx1"/>
+                      </a:solidFill>
+                      <a:prstDash val="solid"/>
+                      <a:round/>
+                      <a:headEnd type="none" w="med" len="med"/>
+                      <a:tailEnd type="none" w="med" len="med"/>
+                    </a:lnTlToBr>
+                    <a:lnBlToTr w="12700" cap="flat" cmpd="sng" algn="ctr">
+                      <a:solidFill>
+                        <a:schemeClr val="tx1"/>
+                      </a:solidFill>
+                      <a:prstDash val="solid"/>
+                      <a:round/>
+                      <a:headEnd type="none" w="med" len="med"/>
+                      <a:tailEnd type="none" w="med" len="med"/>
+                    </a:lnBlToTr>
+                    <a:solidFill>
+                      <a:schemeClr val="accent6">
+                        <a:lumMod val="60000"/>
+                        <a:lumOff val="40000"/>
+                      </a:schemeClr>
+                    </a:solidFill>
+                  </a:tcPr>
+                </a:tc>
+                <a:tc>
+                  <a:txBody>
+                    <a:bodyPr/>
+                    <a:lstStyle/>
+                    <a:p>
+                      <a:endParaRPr lang="en-HK" dirty="0"/>
+                    </a:p>
+                  </a:txBody>
+                  <a:tcPr>
+                    <a:lnTlToBr w="12700" cap="flat" cmpd="sng" algn="ctr">
+                      <a:solidFill>
+                        <a:schemeClr val="tx1"/>
+                      </a:solidFill>
+                      <a:prstDash val="solid"/>
+                      <a:round/>
+                      <a:headEnd type="none" w="med" len="med"/>
+                      <a:tailEnd type="none" w="med" len="med"/>
+                    </a:lnTlToBr>
+                    <a:lnBlToTr w="12700" cap="flat" cmpd="sng" algn="ctr">
+                      <a:solidFill>
+                        <a:schemeClr val="tx1"/>
+                      </a:solidFill>
+                      <a:prstDash val="solid"/>
+                      <a:round/>
+                      <a:headEnd type="none" w="med" len="med"/>
+                      <a:tailEnd type="none" w="med" len="med"/>
+                    </a:lnBlToTr>
+                    <a:solidFill>
+                      <a:schemeClr val="accent6">
+                        <a:lumMod val="60000"/>
+                        <a:lumOff val="40000"/>
+                      </a:schemeClr>
+                    </a:solidFill>
+                  </a:tcPr>
+                </a:tc>
+                <a:tc>
+                  <a:txBody>
+                    <a:bodyPr/>
+                    <a:lstStyle/>
+                    <a:p>
+                      <a:endParaRPr lang="en-HK" dirty="0"/>
+                    </a:p>
+                  </a:txBody>
+                  <a:tcPr>
+                    <a:lnTlToBr w="12700" cap="flat" cmpd="sng" algn="ctr">
+                      <a:solidFill>
+                        <a:schemeClr val="tx1"/>
+                      </a:solidFill>
+                      <a:prstDash val="solid"/>
+                      <a:round/>
+                      <a:headEnd type="none" w="med" len="med"/>
+                      <a:tailEnd type="none" w="med" len="med"/>
+                    </a:lnTlToBr>
+                    <a:lnBlToTr w="12700" cap="flat" cmpd="sng" algn="ctr">
+                      <a:solidFill>
+                        <a:schemeClr val="tx1"/>
+                      </a:solidFill>
+                      <a:prstDash val="solid"/>
+                      <a:round/>
+                      <a:headEnd type="none" w="med" len="med"/>
+                      <a:tailEnd type="none" w="med" len="med"/>
+                    </a:lnBlToTr>
+                    <a:solidFill>
+                      <a:schemeClr val="accent1">
+                        <a:lumMod val="40000"/>
+                        <a:lumOff val="60000"/>
+                      </a:schemeClr>
+                    </a:solidFill>
+                  </a:tcPr>
+                </a:tc>
+                <a:tc>
+                  <a:txBody>
+                    <a:bodyPr/>
+                    <a:lstStyle/>
+                    <a:p>
+                      <a:endParaRPr lang="en-HK" dirty="0"/>
+                    </a:p>
+                  </a:txBody>
+                  <a:tcPr>
+                    <a:solidFill>
+                      <a:schemeClr val="accent2">
+                        <a:lumMod val="40000"/>
+                        <a:lumOff val="60000"/>
+                      </a:schemeClr>
+                    </a:solidFill>
+                  </a:tcPr>
+                </a:tc>
+                <a:tc>
+                  <a:txBody>
+                    <a:bodyPr/>
+                    <a:lstStyle/>
+                    <a:p>
+                      <a:endParaRPr lang="en-HK" dirty="0"/>
+                    </a:p>
+                  </a:txBody>
+                  <a:tcPr>
+                    <a:lnTlToBr w="12700" cap="flat" cmpd="sng" algn="ctr">
+                      <a:solidFill>
+                        <a:schemeClr val="tx1"/>
+                      </a:solidFill>
+                      <a:prstDash val="solid"/>
+                      <a:round/>
+                      <a:headEnd type="none" w="med" len="med"/>
+                      <a:tailEnd type="none" w="med" len="med"/>
+                    </a:lnTlToBr>
+                    <a:lnBlToTr w="12700" cap="flat" cmpd="sng" algn="ctr">
+                      <a:solidFill>
+                        <a:schemeClr val="tx1"/>
+                      </a:solidFill>
+                      <a:prstDash val="solid"/>
+                      <a:round/>
+                      <a:headEnd type="none" w="med" len="med"/>
+                      <a:tailEnd type="none" w="med" len="med"/>
+                    </a:lnBlToTr>
+                    <a:solidFill>
+                      <a:schemeClr val="accent1">
+                        <a:lumMod val="40000"/>
+                        <a:lumOff val="60000"/>
+                      </a:schemeClr>
+                    </a:solidFill>
+                  </a:tcPr>
+                </a:tc>
+                <a:tc>
+                  <a:txBody>
+                    <a:bodyPr/>
+                    <a:lstStyle/>
+                    <a:p>
+                      <a:endParaRPr lang="en-HK" dirty="0"/>
+                    </a:p>
+                  </a:txBody>
+                  <a:tcPr>
+                    <a:lnTlToBr w="12700" cap="flat" cmpd="sng" algn="ctr">
+                      <a:solidFill>
+                        <a:schemeClr val="tx1"/>
+                      </a:solidFill>
+                      <a:prstDash val="solid"/>
+                      <a:round/>
+                      <a:headEnd type="none" w="med" len="med"/>
+                      <a:tailEnd type="none" w="med" len="med"/>
+                    </a:lnTlToBr>
+                    <a:lnBlToTr w="12700" cap="flat" cmpd="sng" algn="ctr">
+                      <a:solidFill>
+                        <a:schemeClr val="tx1"/>
+                      </a:solidFill>
+                      <a:prstDash val="solid"/>
+                      <a:round/>
+                      <a:headEnd type="none" w="med" len="med"/>
+                      <a:tailEnd type="none" w="med" len="med"/>
+                    </a:lnBlToTr>
+                    <a:solidFill>
+                      <a:schemeClr val="accent6">
+                        <a:lumMod val="60000"/>
+                        <a:lumOff val="40000"/>
+                      </a:schemeClr>
+                    </a:solidFill>
+                  </a:tcPr>
+                </a:tc>
+                <a:tc>
+                  <a:txBody>
+                    <a:bodyPr/>
+                    <a:lstStyle/>
+                    <a:p>
+                      <a:endParaRPr lang="en-HK" dirty="0"/>
+                    </a:p>
+                  </a:txBody>
+                  <a:tcPr>
+                    <a:lnTlToBr w="12700" cap="flat" cmpd="sng" algn="ctr">
+                      <a:solidFill>
+                        <a:schemeClr val="tx1"/>
+                      </a:solidFill>
+                      <a:prstDash val="solid"/>
+                      <a:round/>
+                      <a:headEnd type="none" w="med" len="med"/>
+                      <a:tailEnd type="none" w="med" len="med"/>
+                    </a:lnTlToBr>
+                    <a:lnBlToTr w="12700" cap="flat" cmpd="sng" algn="ctr">
+                      <a:solidFill>
+                        <a:schemeClr val="tx1"/>
+                      </a:solidFill>
+                      <a:prstDash val="solid"/>
+                      <a:round/>
+                      <a:headEnd type="none" w="med" len="med"/>
+                      <a:tailEnd type="none" w="med" len="med"/>
+                    </a:lnBlToTr>
+                    <a:solidFill>
+                      <a:schemeClr val="accent6">
+                        <a:lumMod val="60000"/>
+                        <a:lumOff val="40000"/>
+                      </a:schemeClr>
+                    </a:solidFill>
+                  </a:tcPr>
+                </a:tc>
+                <a:tc>
+                  <a:txBody>
+                    <a:bodyPr/>
+                    <a:lstStyle/>
+                    <a:p>
+                      <a:endParaRPr lang="en-HK" dirty="0"/>
+                    </a:p>
+                  </a:txBody>
+                  <a:tcPr>
+                    <a:lnTlToBr w="12700" cap="flat" cmpd="sng" algn="ctr">
+                      <a:solidFill>
+                        <a:schemeClr val="tx1"/>
+                      </a:solidFill>
+                      <a:prstDash val="solid"/>
+                      <a:round/>
+                      <a:headEnd type="none" w="med" len="med"/>
+                      <a:tailEnd type="none" w="med" len="med"/>
+                    </a:lnTlToBr>
+                    <a:lnBlToTr w="12700" cap="flat" cmpd="sng" algn="ctr">
+                      <a:solidFill>
+                        <a:schemeClr val="tx1"/>
+                      </a:solidFill>
+                      <a:prstDash val="solid"/>
+                      <a:round/>
+                      <a:headEnd type="none" w="med" len="med"/>
+                      <a:tailEnd type="none" w="med" len="med"/>
+                    </a:lnBlToTr>
+                    <a:solidFill>
+                      <a:schemeClr val="accent6">
+                        <a:lumMod val="60000"/>
+                        <a:lumOff val="40000"/>
+                      </a:schemeClr>
+                    </a:solidFill>
+                  </a:tcPr>
+                </a:tc>
+                <a:tc>
+                  <a:txBody>
+                    <a:bodyPr/>
+                    <a:lstStyle/>
+                    <a:p>
+                      <a:endParaRPr lang="en-HK" dirty="0"/>
+                    </a:p>
+                  </a:txBody>
+                  <a:tcPr>
+                    <a:lnTlToBr w="12700" cap="flat" cmpd="sng" algn="ctr">
+                      <a:solidFill>
+                        <a:schemeClr val="tx1"/>
+                      </a:solidFill>
+                      <a:prstDash val="solid"/>
+                      <a:round/>
+                      <a:headEnd type="none" w="med" len="med"/>
+                      <a:tailEnd type="none" w="med" len="med"/>
+                    </a:lnTlToBr>
+                    <a:lnBlToTr w="12700" cap="flat" cmpd="sng" algn="ctr">
+                      <a:solidFill>
+                        <a:schemeClr val="tx1"/>
+                      </a:solidFill>
+                      <a:prstDash val="solid"/>
+                      <a:round/>
+                      <a:headEnd type="none" w="med" len="med"/>
+                      <a:tailEnd type="none" w="med" len="med"/>
+                    </a:lnBlToTr>
+                    <a:solidFill>
+                      <a:schemeClr val="accent1">
+                        <a:lumMod val="40000"/>
+                        <a:lumOff val="60000"/>
+                      </a:schemeClr>
+                    </a:solidFill>
+                  </a:tcPr>
+                </a:tc>
+                <a:tc>
+                  <a:txBody>
+                    <a:bodyPr/>
+                    <a:lstStyle/>
+                    <a:p>
+                      <a:endParaRPr lang="en-HK" dirty="0"/>
+                    </a:p>
+                  </a:txBody>
+                  <a:tcPr>
+                    <a:solidFill>
+                      <a:schemeClr val="accent2">
+                        <a:lumMod val="40000"/>
+                        <a:lumOff val="60000"/>
+                      </a:schemeClr>
+                    </a:solidFill>
+                  </a:tcPr>
+                </a:tc>
+                <a:extLst>
+                  <a:ext uri="{0D108BD9-81ED-4DB2-BD59-A6C34878D82A}">
+                    <a16:rowId xmlns:a16="http://schemas.microsoft.com/office/drawing/2014/main" val="2601047344"/>
+                  </a:ext>
+                </a:extLst>
+              </a:tr>
+            </a:tbl>
+          </a:graphicData>
+        </a:graphic>
+      </p:graphicFrame>
+    </p:spTree>
+    <p:extLst>
+      <p:ext uri="{BB962C8B-B14F-4D97-AF65-F5344CB8AC3E}">
+        <p14:creationId xmlns:p14="http://schemas.microsoft.com/office/powerpoint/2010/main" val="3750844697"/>
+      </p:ext>
+    </p:extLst>
+  </p:cSld>
+  <p:clrMapOvr>
+    <a:masterClrMapping/>
+  </p:clrMapOvr>
+</p:sld>
+</file>
+
+<file path=ppt/slides/slide11.xml><?xml version="1.0" encoding="utf-8"?>
 <p:sld xmlns:a="http://schemas.openxmlformats.org/drawingml/2006/main" xmlns:r="http://schemas.openxmlformats.org/officeDocument/2006/relationships" xmlns:p="http://schemas.openxmlformats.org/presentationml/2006/main">
   <p:cSld>
     <p:spTree>
@@ -8347,7 +11996,7 @@
 </p:sld>
 </file>
 
-<file path=ppt/slides/slide11.xml><?xml version="1.0" encoding="utf-8"?>
+<file path=ppt/slides/slide12.xml><?xml version="1.0" encoding="utf-8"?>
 <p:sld xmlns:a="http://schemas.openxmlformats.org/drawingml/2006/main" xmlns:r="http://schemas.openxmlformats.org/officeDocument/2006/relationships" xmlns:p="http://schemas.openxmlformats.org/presentationml/2006/main">
   <p:cSld>
     <p:spTree>
@@ -10711,7 +14360,7 @@
 </p:sld>
 </file>
 
-<file path=ppt/slides/slide12.xml><?xml version="1.0" encoding="utf-8"?>
+<file path=ppt/slides/slide13.xml><?xml version="1.0" encoding="utf-8"?>
 <p:sld xmlns:a="http://schemas.openxmlformats.org/drawingml/2006/main" xmlns:r="http://schemas.openxmlformats.org/officeDocument/2006/relationships" xmlns:p="http://schemas.openxmlformats.org/presentationml/2006/main">
   <p:cSld>
     <p:spTree>
@@ -13940,7 +17589,7 @@
 </p:sld>
 </file>
 
-<file path=ppt/slides/slide13.xml><?xml version="1.0" encoding="utf-8"?>
+<file path=ppt/slides/slide14.xml><?xml version="1.0" encoding="utf-8"?>
 <p:sld xmlns:a="http://schemas.openxmlformats.org/drawingml/2006/main" xmlns:r="http://schemas.openxmlformats.org/officeDocument/2006/relationships" xmlns:p="http://schemas.openxmlformats.org/presentationml/2006/main">
   <p:cSld>
     <p:spTree>
@@ -17071,7 +20720,7 @@
 </p:sld>
 </file>
 
-<file path=ppt/slides/slide14.xml><?xml version="1.0" encoding="utf-8"?>
+<file path=ppt/slides/slide15.xml><?xml version="1.0" encoding="utf-8"?>
 <p:sld xmlns:a="http://schemas.openxmlformats.org/drawingml/2006/main" xmlns:r="http://schemas.openxmlformats.org/officeDocument/2006/relationships" xmlns:p="http://schemas.openxmlformats.org/presentationml/2006/main">
   <p:cSld>
     <p:spTree>
@@ -21285,7 +24934,7 @@
 </p:sld>
 </file>
 
-<file path=ppt/slides/slide15.xml><?xml version="1.0" encoding="utf-8"?>
+<file path=ppt/slides/slide16.xml><?xml version="1.0" encoding="utf-8"?>
 <p:sld xmlns:a="http://schemas.openxmlformats.org/drawingml/2006/main" xmlns:r="http://schemas.openxmlformats.org/officeDocument/2006/relationships" xmlns:p="http://schemas.openxmlformats.org/presentationml/2006/main">
   <p:cSld>
     <p:spTree>
@@ -22237,7 +25886,7 @@
 </p:sld>
 </file>
 
-<file path=ppt/slides/slide16.xml><?xml version="1.0" encoding="utf-8"?>
+<file path=ppt/slides/slide17.xml><?xml version="1.0" encoding="utf-8"?>
 <p:sld xmlns:a="http://schemas.openxmlformats.org/drawingml/2006/main" xmlns:r="http://schemas.openxmlformats.org/officeDocument/2006/relationships" xmlns:p="http://schemas.openxmlformats.org/presentationml/2006/main">
   <p:cSld>
     <p:spTree>
@@ -23178,7 +26827,7 @@
         </p:nvSpPr>
         <p:spPr>
           <a:xfrm>
-            <a:off x="1682151" y="2743200"/>
+            <a:off x="1682151" y="1138692"/>
             <a:ext cx="1733909" cy="750498"/>
           </a:xfrm>
           <a:prstGeom prst="roundRect">
@@ -23228,7 +26877,7 @@
         </p:nvSpPr>
         <p:spPr>
           <a:xfrm>
-            <a:off x="5699185" y="2743200"/>
+            <a:off x="5699185" y="1138692"/>
             <a:ext cx="1733909" cy="750498"/>
           </a:xfrm>
           <a:prstGeom prst="roundRect">
@@ -23278,7 +26927,7 @@
         </p:nvCxnSpPr>
         <p:spPr>
           <a:xfrm>
-            <a:off x="3562709" y="3010612"/>
+            <a:off x="3562709" y="1406104"/>
             <a:ext cx="1992701" cy="0"/>
           </a:xfrm>
           <a:prstGeom prst="straightConnector1">
@@ -23319,7 +26968,7 @@
         </p:nvCxnSpPr>
         <p:spPr>
           <a:xfrm flipH="1">
-            <a:off x="3562709" y="3347049"/>
+            <a:off x="3562709" y="1742541"/>
             <a:ext cx="1949568" cy="0"/>
           </a:xfrm>
           <a:prstGeom prst="straightConnector1">
@@ -23358,7 +27007,7 @@
         </p:nvSpPr>
         <p:spPr>
           <a:xfrm>
-            <a:off x="3968151" y="2675793"/>
+            <a:off x="3968151" y="1071285"/>
             <a:ext cx="1050288" cy="369332"/>
           </a:xfrm>
           <a:prstGeom prst="rect">
@@ -23393,7 +27042,7 @@
         </p:nvSpPr>
         <p:spPr>
           <a:xfrm>
-            <a:off x="3925021" y="3328186"/>
+            <a:off x="3925021" y="1723678"/>
             <a:ext cx="1241237" cy="369332"/>
           </a:xfrm>
           <a:prstGeom prst="rect">
@@ -23428,6 +27077,313 @@
 </file>
 
 <file path=ppt/slides/slide5.xml><?xml version="1.0" encoding="utf-8"?>
+<p:sld xmlns:a="http://schemas.openxmlformats.org/drawingml/2006/main" xmlns:r="http://schemas.openxmlformats.org/officeDocument/2006/relationships" xmlns:p="http://schemas.openxmlformats.org/presentationml/2006/main">
+  <p:cSld>
+    <p:spTree>
+      <p:nvGrpSpPr>
+        <p:cNvPr id="1" name=""/>
+        <p:cNvGrpSpPr/>
+        <p:nvPr/>
+      </p:nvGrpSpPr>
+      <p:grpSpPr>
+        <a:xfrm>
+          <a:off x="0" y="0"/>
+          <a:ext cx="0" cy="0"/>
+          <a:chOff x="0" y="0"/>
+          <a:chExt cx="0" cy="0"/>
+        </a:xfrm>
+      </p:grpSpPr>
+      <p:sp>
+        <p:nvSpPr>
+          <p:cNvPr id="8" name="Rectangle: Rounded Corners 7">
+            <a:extLst>
+              <a:ext uri="{FF2B5EF4-FFF2-40B4-BE49-F238E27FC236}">
+                <a16:creationId xmlns:a16="http://schemas.microsoft.com/office/drawing/2014/main" id="{4B54537D-9247-E891-DEBD-50882ECA8442}"/>
+              </a:ext>
+            </a:extLst>
+          </p:cNvPr>
+          <p:cNvSpPr/>
+          <p:nvPr/>
+        </p:nvSpPr>
+        <p:spPr>
+          <a:xfrm>
+            <a:off x="1338333" y="1535487"/>
+            <a:ext cx="3666494" cy="3010613"/>
+          </a:xfrm>
+          <a:prstGeom prst="roundRect">
+            <a:avLst/>
+          </a:prstGeom>
+        </p:spPr>
+        <p:style>
+          <a:lnRef idx="2">
+            <a:schemeClr val="accent5"/>
+          </a:lnRef>
+          <a:fillRef idx="1">
+            <a:schemeClr val="lt1"/>
+          </a:fillRef>
+          <a:effectRef idx="0">
+            <a:schemeClr val="accent5"/>
+          </a:effectRef>
+          <a:fontRef idx="minor">
+            <a:schemeClr val="dk1"/>
+          </a:fontRef>
+        </p:style>
+        <p:txBody>
+          <a:bodyPr rtlCol="0" anchor="ctr"/>
+          <a:lstStyle/>
+          <a:p>
+            <a:pPr algn="ctr"/>
+            <a:r>
+              <a:rPr lang="en-US" altLang="zh-CN" sz="2800" dirty="0">
+                <a:solidFill>
+                  <a:srgbClr val="FF0000"/>
+                </a:solidFill>
+              </a:rPr>
+              <a:t>Seat Planning</a:t>
+            </a:r>
+          </a:p>
+          <a:p>
+            <a:pPr algn="ctr"/>
+            <a:endParaRPr lang="en-US" altLang="zh-CN" sz="2000" dirty="0">
+              <a:solidFill>
+                <a:srgbClr val="FF0000"/>
+              </a:solidFill>
+            </a:endParaRPr>
+          </a:p>
+          <a:p>
+            <a:endParaRPr lang="en-US" dirty="0"/>
+          </a:p>
+          <a:p>
+            <a:pPr marL="342900" indent="-342900">
+              <a:buClr>
+                <a:schemeClr val="accent1"/>
+              </a:buClr>
+              <a:buFont typeface="Wingdings" panose="05000000000000000000" pitchFamily="2" charset="2"/>
+              <a:buChar char=""/>
+            </a:pPr>
+            <a:r>
+              <a:rPr lang="en-US" dirty="0"/>
+              <a:t>New model and technique for stochastic demand</a:t>
+            </a:r>
+          </a:p>
+          <a:p>
+            <a:pPr>
+              <a:buClr>
+                <a:schemeClr val="accent1"/>
+              </a:buClr>
+            </a:pPr>
+            <a:endParaRPr lang="en-US" dirty="0"/>
+          </a:p>
+          <a:p>
+            <a:pPr marL="342900" indent="-342900">
+              <a:buClr>
+                <a:schemeClr val="accent1"/>
+              </a:buClr>
+              <a:buFont typeface="Wingdings" panose="05000000000000000000" pitchFamily="2" charset="2"/>
+              <a:buChar char=""/>
+            </a:pPr>
+            <a:r>
+              <a:rPr lang="en-US" dirty="0"/>
+              <a:t>Provide seat planning as a basis for seat assignment </a:t>
+            </a:r>
+          </a:p>
+          <a:p>
+            <a:pPr algn="ctr"/>
+            <a:endParaRPr lang="en-US" dirty="0"/>
+          </a:p>
+          <a:p>
+            <a:pPr algn="ctr"/>
+            <a:endParaRPr lang="en-HK" dirty="0"/>
+          </a:p>
+        </p:txBody>
+      </p:sp>
+      <p:sp>
+        <p:nvSpPr>
+          <p:cNvPr id="9" name="Rectangle: Rounded Corners 8">
+            <a:extLst>
+              <a:ext uri="{FF2B5EF4-FFF2-40B4-BE49-F238E27FC236}">
+                <a16:creationId xmlns:a16="http://schemas.microsoft.com/office/drawing/2014/main" id="{7C8871F8-6BEA-D726-A96C-88269BDB372F}"/>
+              </a:ext>
+            </a:extLst>
+          </p:cNvPr>
+          <p:cNvSpPr/>
+          <p:nvPr/>
+        </p:nvSpPr>
+        <p:spPr>
+          <a:xfrm>
+            <a:off x="6678390" y="1535487"/>
+            <a:ext cx="3749438" cy="3010614"/>
+          </a:xfrm>
+          <a:prstGeom prst="roundRect">
+            <a:avLst/>
+          </a:prstGeom>
+        </p:spPr>
+        <p:style>
+          <a:lnRef idx="2">
+            <a:schemeClr val="accent5"/>
+          </a:lnRef>
+          <a:fillRef idx="1">
+            <a:schemeClr val="lt1"/>
+          </a:fillRef>
+          <a:effectRef idx="0">
+            <a:schemeClr val="accent5"/>
+          </a:effectRef>
+          <a:fontRef idx="minor">
+            <a:schemeClr val="dk1"/>
+          </a:fontRef>
+        </p:style>
+        <p:txBody>
+          <a:bodyPr rtlCol="0" anchor="ctr"/>
+          <a:lstStyle/>
+          <a:p>
+            <a:pPr algn="ctr"/>
+            <a:r>
+              <a:rPr lang="en-HK" sz="2800" dirty="0">
+                <a:solidFill>
+                  <a:srgbClr val="FF0000"/>
+                </a:solidFill>
+              </a:rPr>
+              <a:t>Seat Assignment</a:t>
+            </a:r>
+          </a:p>
+          <a:p>
+            <a:pPr algn="ctr"/>
+            <a:endParaRPr lang="en-HK" dirty="0"/>
+          </a:p>
+          <a:p>
+            <a:endParaRPr lang="en-HK" dirty="0"/>
+          </a:p>
+          <a:p>
+            <a:pPr marL="285750" indent="-285750">
+              <a:buClr>
+                <a:schemeClr val="accent1"/>
+              </a:buClr>
+              <a:buFont typeface="Wingdings" panose="05000000000000000000" pitchFamily="2" charset="2"/>
+              <a:buChar char="n"/>
+            </a:pPr>
+            <a:r>
+              <a:rPr lang="en-US" dirty="0"/>
+              <a:t>New model for seat assignment problem </a:t>
+            </a:r>
+          </a:p>
+          <a:p>
+            <a:endParaRPr lang="en-US" dirty="0"/>
+          </a:p>
+          <a:p>
+            <a:pPr marL="285750" indent="-285750">
+              <a:buClr>
+                <a:schemeClr val="accent1"/>
+              </a:buClr>
+              <a:buFont typeface="Wingdings" panose="05000000000000000000" pitchFamily="2" charset="2"/>
+              <a:buChar char="n"/>
+            </a:pPr>
+            <a:r>
+              <a:rPr lang="en-US" dirty="0"/>
+              <a:t>Provide practical policies and insights</a:t>
+            </a:r>
+          </a:p>
+          <a:p>
+            <a:endParaRPr lang="en-US" dirty="0"/>
+          </a:p>
+          <a:p>
+            <a:endParaRPr lang="en-HK" dirty="0"/>
+          </a:p>
+        </p:txBody>
+      </p:sp>
+      <p:cxnSp>
+        <p:nvCxnSpPr>
+          <p:cNvPr id="14" name="Straight Arrow Connector 13">
+            <a:extLst>
+              <a:ext uri="{FF2B5EF4-FFF2-40B4-BE49-F238E27FC236}">
+                <a16:creationId xmlns:a16="http://schemas.microsoft.com/office/drawing/2014/main" id="{25CE45FA-7761-657D-7F25-88FCA6AE8D90}"/>
+              </a:ext>
+            </a:extLst>
+          </p:cNvPr>
+          <p:cNvCxnSpPr>
+            <a:cxnSpLocks/>
+          </p:cNvCxnSpPr>
+          <p:nvPr/>
+        </p:nvCxnSpPr>
+        <p:spPr>
+          <a:xfrm>
+            <a:off x="5106836" y="2406781"/>
+            <a:ext cx="1469543" cy="0"/>
+          </a:xfrm>
+          <a:prstGeom prst="straightConnector1">
+            <a:avLst/>
+          </a:prstGeom>
+          <a:ln>
+            <a:tailEnd type="triangle"/>
+          </a:ln>
+        </p:spPr>
+        <p:style>
+          <a:lnRef idx="3">
+            <a:schemeClr val="dk1"/>
+          </a:lnRef>
+          <a:fillRef idx="0">
+            <a:schemeClr val="dk1"/>
+          </a:fillRef>
+          <a:effectRef idx="2">
+            <a:schemeClr val="dk1"/>
+          </a:effectRef>
+          <a:fontRef idx="minor">
+            <a:schemeClr val="tx1"/>
+          </a:fontRef>
+        </p:style>
+      </p:cxnSp>
+      <p:sp>
+        <p:nvSpPr>
+          <p:cNvPr id="21" name="TextBox 20">
+            <a:extLst>
+              <a:ext uri="{FF2B5EF4-FFF2-40B4-BE49-F238E27FC236}">
+                <a16:creationId xmlns:a16="http://schemas.microsoft.com/office/drawing/2014/main" id="{FF83A1A0-340D-2837-86B3-E0E5C55FC67E}"/>
+              </a:ext>
+            </a:extLst>
+          </p:cNvPr>
+          <p:cNvSpPr txBox="1"/>
+          <p:nvPr/>
+        </p:nvSpPr>
+        <p:spPr>
+          <a:xfrm>
+            <a:off x="5299633" y="2037445"/>
+            <a:ext cx="1083951" cy="369332"/>
+          </a:xfrm>
+          <a:prstGeom prst="rect">
+            <a:avLst/>
+          </a:prstGeom>
+          <a:noFill/>
+        </p:spPr>
+        <p:txBody>
+          <a:bodyPr wrap="none" rtlCol="0">
+            <a:spAutoFit/>
+          </a:bodyPr>
+          <a:lstStyle/>
+          <a:p>
+            <a:r>
+              <a:rPr lang="en-HK" b="1" dirty="0">
+                <a:solidFill>
+                  <a:schemeClr val="accent1"/>
+                </a:solidFill>
+              </a:rPr>
+              <a:t>Guidance</a:t>
+            </a:r>
+          </a:p>
+        </p:txBody>
+      </p:sp>
+    </p:spTree>
+    <p:extLst>
+      <p:ext uri="{BB962C8B-B14F-4D97-AF65-F5344CB8AC3E}">
+        <p14:creationId xmlns:p14="http://schemas.microsoft.com/office/powerpoint/2010/main" val="3488605081"/>
+      </p:ext>
+    </p:extLst>
+  </p:cSld>
+  <p:clrMapOvr>
+    <a:masterClrMapping/>
+  </p:clrMapOvr>
+</p:sld>
+</file>
+
+<file path=ppt/slides/slide6.xml><?xml version="1.0" encoding="utf-8"?>
 <p:sld xmlns:a="http://schemas.openxmlformats.org/drawingml/2006/main" xmlns:r="http://schemas.openxmlformats.org/officeDocument/2006/relationships" xmlns:p="http://schemas.openxmlformats.org/presentationml/2006/main">
   <p:cSld>
     <p:spTree>
@@ -26051,7 +30007,7 @@
 </p:sld>
 </file>
 
-<file path=ppt/slides/slide6.xml><?xml version="1.0" encoding="utf-8"?>
+<file path=ppt/slides/slide7.xml><?xml version="1.0" encoding="utf-8"?>
 <p:sld xmlns:a="http://schemas.openxmlformats.org/drawingml/2006/main" xmlns:r="http://schemas.openxmlformats.org/officeDocument/2006/relationships" xmlns:p="http://schemas.openxmlformats.org/presentationml/2006/main">
   <p:cSld>
     <p:spTree>
@@ -28214,7 +32170,7 @@
 </p:sld>
 </file>
 
-<file path=ppt/slides/slide7.xml><?xml version="1.0" encoding="utf-8"?>
+<file path=ppt/slides/slide8.xml><?xml version="1.0" encoding="utf-8"?>
 <p:sld xmlns:a="http://schemas.openxmlformats.org/drawingml/2006/main" xmlns:r="http://schemas.openxmlformats.org/officeDocument/2006/relationships" xmlns:p="http://schemas.openxmlformats.org/presentationml/2006/main">
   <p:cSld>
     <p:spTree>
@@ -31107,7 +35063,7 @@
 </p:sld>
 </file>
 
-<file path=ppt/slides/slide8.xml><?xml version="1.0" encoding="utf-8"?>
+<file path=ppt/slides/slide9.xml><?xml version="1.0" encoding="utf-8"?>
 <p:sld xmlns:a="http://schemas.openxmlformats.org/drawingml/2006/main" xmlns:r="http://schemas.openxmlformats.org/officeDocument/2006/relationships" xmlns:p="http://schemas.openxmlformats.org/presentationml/2006/main">
   <p:cSld>
     <p:spTree>
@@ -33875,3654 +37831,6 @@
     <p:extLst>
       <p:ext uri="{BB962C8B-B14F-4D97-AF65-F5344CB8AC3E}">
         <p14:creationId xmlns:p14="http://schemas.microsoft.com/office/powerpoint/2010/main" val="558083304"/>
-      </p:ext>
-    </p:extLst>
-  </p:cSld>
-  <p:clrMapOvr>
-    <a:masterClrMapping/>
-  </p:clrMapOvr>
-</p:sld>
-</file>
-
-<file path=ppt/slides/slide9.xml><?xml version="1.0" encoding="utf-8"?>
-<p:sld xmlns:a="http://schemas.openxmlformats.org/drawingml/2006/main" xmlns:r="http://schemas.openxmlformats.org/officeDocument/2006/relationships" xmlns:p="http://schemas.openxmlformats.org/presentationml/2006/main">
-  <p:cSld>
-    <p:spTree>
-      <p:nvGrpSpPr>
-        <p:cNvPr id="1" name=""/>
-        <p:cNvGrpSpPr/>
-        <p:nvPr/>
-      </p:nvGrpSpPr>
-      <p:grpSpPr>
-        <a:xfrm>
-          <a:off x="0" y="0"/>
-          <a:ext cx="0" cy="0"/>
-          <a:chOff x="0" y="0"/>
-          <a:chExt cx="0" cy="0"/>
-        </a:xfrm>
-      </p:grpSpPr>
-      <p:graphicFrame>
-        <p:nvGraphicFramePr>
-          <p:cNvPr id="10" name="Table 4">
-            <a:extLst>
-              <a:ext uri="{FF2B5EF4-FFF2-40B4-BE49-F238E27FC236}">
-                <a16:creationId xmlns:a16="http://schemas.microsoft.com/office/drawing/2014/main" id="{6913DCE2-8D26-147F-B65A-42CD0497A807}"/>
-              </a:ext>
-            </a:extLst>
-          </p:cNvPr>
-          <p:cNvGraphicFramePr>
-            <a:graphicFrameLocks noGrp="1"/>
-          </p:cNvGraphicFramePr>
-          <p:nvPr>
-            <p:extLst>
-              <p:ext uri="{D42A27DB-BD31-4B8C-83A1-F6EECF244321}">
-                <p14:modId xmlns:p14="http://schemas.microsoft.com/office/powerpoint/2010/main" val="2256484892"/>
-              </p:ext>
-            </p:extLst>
-          </p:nvPr>
-        </p:nvGraphicFramePr>
-        <p:xfrm>
-          <a:off x="644107" y="1062618"/>
-          <a:ext cx="4230780" cy="370840"/>
-        </p:xfrm>
-        <a:graphic>
-          <a:graphicData uri="http://schemas.openxmlformats.org/drawingml/2006/table">
-            <a:tbl>
-              <a:tblPr firstRow="1" bandRow="1">
-                <a:tableStyleId>{5C22544A-7EE6-4342-B048-85BDC9FD1C3A}</a:tableStyleId>
-              </a:tblPr>
-              <a:tblGrid>
-                <a:gridCol w="423078">
-                  <a:extLst>
-                    <a:ext uri="{9D8B030D-6E8A-4147-A177-3AD203B41FA5}">
-                      <a16:colId xmlns:a16="http://schemas.microsoft.com/office/drawing/2014/main" val="1958716807"/>
-                    </a:ext>
-                  </a:extLst>
-                </a:gridCol>
-                <a:gridCol w="423078">
-                  <a:extLst>
-                    <a:ext uri="{9D8B030D-6E8A-4147-A177-3AD203B41FA5}">
-                      <a16:colId xmlns:a16="http://schemas.microsoft.com/office/drawing/2014/main" val="2177103222"/>
-                    </a:ext>
-                  </a:extLst>
-                </a:gridCol>
-                <a:gridCol w="423078">
-                  <a:extLst>
-                    <a:ext uri="{9D8B030D-6E8A-4147-A177-3AD203B41FA5}">
-                      <a16:colId xmlns:a16="http://schemas.microsoft.com/office/drawing/2014/main" val="3409141404"/>
-                    </a:ext>
-                  </a:extLst>
-                </a:gridCol>
-                <a:gridCol w="423078">
-                  <a:extLst>
-                    <a:ext uri="{9D8B030D-6E8A-4147-A177-3AD203B41FA5}">
-                      <a16:colId xmlns:a16="http://schemas.microsoft.com/office/drawing/2014/main" val="217707470"/>
-                    </a:ext>
-                  </a:extLst>
-                </a:gridCol>
-                <a:gridCol w="423078">
-                  <a:extLst>
-                    <a:ext uri="{9D8B030D-6E8A-4147-A177-3AD203B41FA5}">
-                      <a16:colId xmlns:a16="http://schemas.microsoft.com/office/drawing/2014/main" val="770379941"/>
-                    </a:ext>
-                  </a:extLst>
-                </a:gridCol>
-                <a:gridCol w="423078">
-                  <a:extLst>
-                    <a:ext uri="{9D8B030D-6E8A-4147-A177-3AD203B41FA5}">
-                      <a16:colId xmlns:a16="http://schemas.microsoft.com/office/drawing/2014/main" val="4085467491"/>
-                    </a:ext>
-                  </a:extLst>
-                </a:gridCol>
-                <a:gridCol w="423078">
-                  <a:extLst>
-                    <a:ext uri="{9D8B030D-6E8A-4147-A177-3AD203B41FA5}">
-                      <a16:colId xmlns:a16="http://schemas.microsoft.com/office/drawing/2014/main" val="2183018877"/>
-                    </a:ext>
-                  </a:extLst>
-                </a:gridCol>
-                <a:gridCol w="423078">
-                  <a:extLst>
-                    <a:ext uri="{9D8B030D-6E8A-4147-A177-3AD203B41FA5}">
-                      <a16:colId xmlns:a16="http://schemas.microsoft.com/office/drawing/2014/main" val="3957069584"/>
-                    </a:ext>
-                  </a:extLst>
-                </a:gridCol>
-                <a:gridCol w="423078">
-                  <a:extLst>
-                    <a:ext uri="{9D8B030D-6E8A-4147-A177-3AD203B41FA5}">
-                      <a16:colId xmlns:a16="http://schemas.microsoft.com/office/drawing/2014/main" val="3244291510"/>
-                    </a:ext>
-                  </a:extLst>
-                </a:gridCol>
-                <a:gridCol w="423078">
-                  <a:extLst>
-                    <a:ext uri="{9D8B030D-6E8A-4147-A177-3AD203B41FA5}">
-                      <a16:colId xmlns:a16="http://schemas.microsoft.com/office/drawing/2014/main" val="3722398860"/>
-                    </a:ext>
-                  </a:extLst>
-                </a:gridCol>
-              </a:tblGrid>
-              <a:tr h="370840">
-                <a:tc>
-                  <a:txBody>
-                    <a:bodyPr/>
-                    <a:lstStyle/>
-                    <a:p>
-                      <a:endParaRPr lang="en-HK" dirty="0"/>
-                    </a:p>
-                  </a:txBody>
-                  <a:tcPr>
-                    <a:solidFill>
-                      <a:schemeClr val="accent2">
-                        <a:lumMod val="40000"/>
-                        <a:lumOff val="60000"/>
-                      </a:schemeClr>
-                    </a:solidFill>
-                  </a:tcPr>
-                </a:tc>
-                <a:tc>
-                  <a:txBody>
-                    <a:bodyPr/>
-                    <a:lstStyle/>
-                    <a:p>
-                      <a:endParaRPr lang="en-HK" dirty="0"/>
-                    </a:p>
-                  </a:txBody>
-                  <a:tcPr>
-                    <a:solidFill>
-                      <a:schemeClr val="accent2">
-                        <a:lumMod val="40000"/>
-                        <a:lumOff val="60000"/>
-                      </a:schemeClr>
-                    </a:solidFill>
-                  </a:tcPr>
-                </a:tc>
-                <a:tc>
-                  <a:txBody>
-                    <a:bodyPr/>
-                    <a:lstStyle/>
-                    <a:p>
-                      <a:endParaRPr lang="en-HK" dirty="0"/>
-                    </a:p>
-                  </a:txBody>
-                  <a:tcPr>
-                    <a:solidFill>
-                      <a:schemeClr val="accent1">
-                        <a:lumMod val="40000"/>
-                        <a:lumOff val="60000"/>
-                      </a:schemeClr>
-                    </a:solidFill>
-                  </a:tcPr>
-                </a:tc>
-                <a:tc>
-                  <a:txBody>
-                    <a:bodyPr/>
-                    <a:lstStyle/>
-                    <a:p>
-                      <a:endParaRPr lang="en-HK" dirty="0"/>
-                    </a:p>
-                  </a:txBody>
-                  <a:tcPr>
-                    <a:solidFill>
-                      <a:schemeClr val="accent2">
-                        <a:lumMod val="40000"/>
-                        <a:lumOff val="60000"/>
-                      </a:schemeClr>
-                    </a:solidFill>
-                  </a:tcPr>
-                </a:tc>
-                <a:tc>
-                  <a:txBody>
-                    <a:bodyPr/>
-                    <a:lstStyle/>
-                    <a:p>
-                      <a:endParaRPr lang="en-HK" dirty="0"/>
-                    </a:p>
-                  </a:txBody>
-                  <a:tcPr>
-                    <a:solidFill>
-                      <a:schemeClr val="accent1">
-                        <a:lumMod val="40000"/>
-                        <a:lumOff val="60000"/>
-                      </a:schemeClr>
-                    </a:solidFill>
-                  </a:tcPr>
-                </a:tc>
-                <a:tc>
-                  <a:txBody>
-                    <a:bodyPr/>
-                    <a:lstStyle/>
-                    <a:p>
-                      <a:endParaRPr lang="en-HK" dirty="0"/>
-                    </a:p>
-                  </a:txBody>
-                  <a:tcPr>
-                    <a:solidFill>
-                      <a:schemeClr val="accent2">
-                        <a:lumMod val="40000"/>
-                        <a:lumOff val="60000"/>
-                      </a:schemeClr>
-                    </a:solidFill>
-                  </a:tcPr>
-                </a:tc>
-                <a:tc>
-                  <a:txBody>
-                    <a:bodyPr/>
-                    <a:lstStyle/>
-                    <a:p>
-                      <a:endParaRPr lang="en-HK" dirty="0"/>
-                    </a:p>
-                  </a:txBody>
-                  <a:tcPr>
-                    <a:solidFill>
-                      <a:schemeClr val="accent2">
-                        <a:lumMod val="40000"/>
-                        <a:lumOff val="60000"/>
-                      </a:schemeClr>
-                    </a:solidFill>
-                  </a:tcPr>
-                </a:tc>
-                <a:tc>
-                  <a:txBody>
-                    <a:bodyPr/>
-                    <a:lstStyle/>
-                    <a:p>
-                      <a:endParaRPr lang="en-HK" dirty="0"/>
-                    </a:p>
-                  </a:txBody>
-                  <a:tcPr>
-                    <a:solidFill>
-                      <a:schemeClr val="accent2">
-                        <a:lumMod val="40000"/>
-                        <a:lumOff val="60000"/>
-                      </a:schemeClr>
-                    </a:solidFill>
-                  </a:tcPr>
-                </a:tc>
-                <a:tc>
-                  <a:txBody>
-                    <a:bodyPr/>
-                    <a:lstStyle/>
-                    <a:p>
-                      <a:endParaRPr lang="en-HK" dirty="0"/>
-                    </a:p>
-                  </a:txBody>
-                  <a:tcPr>
-                    <a:solidFill>
-                      <a:schemeClr val="accent1">
-                        <a:lumMod val="40000"/>
-                        <a:lumOff val="60000"/>
-                      </a:schemeClr>
-                    </a:solidFill>
-                  </a:tcPr>
-                </a:tc>
-                <a:tc>
-                  <a:txBody>
-                    <a:bodyPr/>
-                    <a:lstStyle/>
-                    <a:p>
-                      <a:endParaRPr lang="en-HK" dirty="0"/>
-                    </a:p>
-                  </a:txBody>
-                  <a:tcPr>
-                    <a:solidFill>
-                      <a:schemeClr val="accent2">
-                        <a:lumMod val="40000"/>
-                        <a:lumOff val="60000"/>
-                      </a:schemeClr>
-                    </a:solidFill>
-                  </a:tcPr>
-                </a:tc>
-                <a:extLst>
-                  <a:ext uri="{0D108BD9-81ED-4DB2-BD59-A6C34878D82A}">
-                    <a16:rowId xmlns:a16="http://schemas.microsoft.com/office/drawing/2014/main" val="2601047344"/>
-                  </a:ext>
-                </a:extLst>
-              </a:tr>
-            </a:tbl>
-          </a:graphicData>
-        </a:graphic>
-      </p:graphicFrame>
-      <p:graphicFrame>
-        <p:nvGraphicFramePr>
-          <p:cNvPr id="11" name="Table 4">
-            <a:extLst>
-              <a:ext uri="{FF2B5EF4-FFF2-40B4-BE49-F238E27FC236}">
-                <a16:creationId xmlns:a16="http://schemas.microsoft.com/office/drawing/2014/main" id="{0228550D-2E4F-14D2-A000-B8F5130FCEFA}"/>
-              </a:ext>
-            </a:extLst>
-          </p:cNvPr>
-          <p:cNvGraphicFramePr>
-            <a:graphicFrameLocks noGrp="1"/>
-          </p:cNvGraphicFramePr>
-          <p:nvPr>
-            <p:extLst>
-              <p:ext uri="{D42A27DB-BD31-4B8C-83A1-F6EECF244321}">
-                <p14:modId xmlns:p14="http://schemas.microsoft.com/office/powerpoint/2010/main" val="3259476726"/>
-              </p:ext>
-            </p:extLst>
-          </p:nvPr>
-        </p:nvGraphicFramePr>
-        <p:xfrm>
-          <a:off x="648898" y="386684"/>
-          <a:ext cx="846156" cy="370840"/>
-        </p:xfrm>
-        <a:graphic>
-          <a:graphicData uri="http://schemas.openxmlformats.org/drawingml/2006/table">
-            <a:tbl>
-              <a:tblPr firstRow="1" bandRow="1">
-                <a:tableStyleId>{5C22544A-7EE6-4342-B048-85BDC9FD1C3A}</a:tableStyleId>
-              </a:tblPr>
-              <a:tblGrid>
-                <a:gridCol w="423078">
-                  <a:extLst>
-                    <a:ext uri="{9D8B030D-6E8A-4147-A177-3AD203B41FA5}">
-                      <a16:colId xmlns:a16="http://schemas.microsoft.com/office/drawing/2014/main" val="1958716807"/>
-                    </a:ext>
-                  </a:extLst>
-                </a:gridCol>
-                <a:gridCol w="423078">
-                  <a:extLst>
-                    <a:ext uri="{9D8B030D-6E8A-4147-A177-3AD203B41FA5}">
-                      <a16:colId xmlns:a16="http://schemas.microsoft.com/office/drawing/2014/main" val="2177103222"/>
-                    </a:ext>
-                  </a:extLst>
-                </a:gridCol>
-              </a:tblGrid>
-              <a:tr h="370840">
-                <a:tc>
-                  <a:txBody>
-                    <a:bodyPr/>
-                    <a:lstStyle/>
-                    <a:p>
-                      <a:endParaRPr lang="en-HK" dirty="0"/>
-                    </a:p>
-                  </a:txBody>
-                  <a:tcPr>
-                    <a:solidFill>
-                      <a:schemeClr val="accent6">
-                        <a:lumMod val="60000"/>
-                        <a:lumOff val="40000"/>
-                      </a:schemeClr>
-                    </a:solidFill>
-                  </a:tcPr>
-                </a:tc>
-                <a:tc>
-                  <a:txBody>
-                    <a:bodyPr/>
-                    <a:lstStyle/>
-                    <a:p>
-                      <a:endParaRPr lang="en-HK" dirty="0"/>
-                    </a:p>
-                  </a:txBody>
-                  <a:tcPr>
-                    <a:solidFill>
-                      <a:schemeClr val="accent6">
-                        <a:lumMod val="60000"/>
-                        <a:lumOff val="40000"/>
-                      </a:schemeClr>
-                    </a:solidFill>
-                  </a:tcPr>
-                </a:tc>
-                <a:extLst>
-                  <a:ext uri="{0D108BD9-81ED-4DB2-BD59-A6C34878D82A}">
-                    <a16:rowId xmlns:a16="http://schemas.microsoft.com/office/drawing/2014/main" val="2601047344"/>
-                  </a:ext>
-                </a:extLst>
-              </a:tr>
-            </a:tbl>
-          </a:graphicData>
-        </a:graphic>
-      </p:graphicFrame>
-      <p:cxnSp>
-        <p:nvCxnSpPr>
-          <p:cNvPr id="13" name="Straight Arrow Connector 12">
-            <a:extLst>
-              <a:ext uri="{FF2B5EF4-FFF2-40B4-BE49-F238E27FC236}">
-                <a16:creationId xmlns:a16="http://schemas.microsoft.com/office/drawing/2014/main" id="{ED66A68B-9E4D-6CF7-84D9-EB9732A589DA}"/>
-              </a:ext>
-            </a:extLst>
-          </p:cNvPr>
-          <p:cNvCxnSpPr>
-            <a:cxnSpLocks/>
-            <a:stCxn id="11" idx="2"/>
-          </p:cNvCxnSpPr>
-          <p:nvPr/>
-        </p:nvCxnSpPr>
-        <p:spPr>
-          <a:xfrm>
-            <a:off x="1071976" y="757524"/>
-            <a:ext cx="0" cy="260393"/>
-          </a:xfrm>
-          <a:prstGeom prst="straightConnector1">
-            <a:avLst/>
-          </a:prstGeom>
-          <a:ln>
-            <a:tailEnd type="triangle"/>
-          </a:ln>
-        </p:spPr>
-        <p:style>
-          <a:lnRef idx="3">
-            <a:schemeClr val="dk1"/>
-          </a:lnRef>
-          <a:fillRef idx="0">
-            <a:schemeClr val="dk1"/>
-          </a:fillRef>
-          <a:effectRef idx="2">
-            <a:schemeClr val="dk1"/>
-          </a:effectRef>
-          <a:fontRef idx="minor">
-            <a:schemeClr val="tx1"/>
-          </a:fontRef>
-        </p:style>
-      </p:cxnSp>
-      <p:cxnSp>
-        <p:nvCxnSpPr>
-          <p:cNvPr id="15" name="Straight Arrow Connector 14">
-            <a:extLst>
-              <a:ext uri="{FF2B5EF4-FFF2-40B4-BE49-F238E27FC236}">
-                <a16:creationId xmlns:a16="http://schemas.microsoft.com/office/drawing/2014/main" id="{61558E12-4E83-EA9D-F9E8-507F250B36A1}"/>
-              </a:ext>
-            </a:extLst>
-          </p:cNvPr>
-          <p:cNvCxnSpPr>
-            <a:cxnSpLocks/>
-          </p:cNvCxnSpPr>
-          <p:nvPr/>
-        </p:nvCxnSpPr>
-        <p:spPr>
-          <a:xfrm>
-            <a:off x="2767168" y="1459336"/>
-            <a:ext cx="0" cy="250166"/>
-          </a:xfrm>
-          <a:prstGeom prst="straightConnector1">
-            <a:avLst/>
-          </a:prstGeom>
-          <a:ln>
-            <a:tailEnd type="triangle"/>
-          </a:ln>
-        </p:spPr>
-        <p:style>
-          <a:lnRef idx="3">
-            <a:schemeClr val="dk1"/>
-          </a:lnRef>
-          <a:fillRef idx="0">
-            <a:schemeClr val="dk1"/>
-          </a:fillRef>
-          <a:effectRef idx="2">
-            <a:schemeClr val="dk1"/>
-          </a:effectRef>
-          <a:fontRef idx="minor">
-            <a:schemeClr val="tx1"/>
-          </a:fontRef>
-        </p:style>
-      </p:cxnSp>
-      <p:graphicFrame>
-        <p:nvGraphicFramePr>
-          <p:cNvPr id="16" name="Table 4">
-            <a:extLst>
-              <a:ext uri="{FF2B5EF4-FFF2-40B4-BE49-F238E27FC236}">
-                <a16:creationId xmlns:a16="http://schemas.microsoft.com/office/drawing/2014/main" id="{0904DAD7-D973-ABB1-9CF9-0DF8690F3343}"/>
-              </a:ext>
-            </a:extLst>
-          </p:cNvPr>
-          <p:cNvGraphicFramePr>
-            <a:graphicFrameLocks noGrp="1"/>
-          </p:cNvGraphicFramePr>
-          <p:nvPr>
-            <p:extLst>
-              <p:ext uri="{D42A27DB-BD31-4B8C-83A1-F6EECF244321}">
-                <p14:modId xmlns:p14="http://schemas.microsoft.com/office/powerpoint/2010/main" val="349144993"/>
-              </p:ext>
-            </p:extLst>
-          </p:nvPr>
-        </p:nvGraphicFramePr>
-        <p:xfrm>
-          <a:off x="651778" y="1735380"/>
-          <a:ext cx="4230780" cy="370840"/>
-        </p:xfrm>
-        <a:graphic>
-          <a:graphicData uri="http://schemas.openxmlformats.org/drawingml/2006/table">
-            <a:tbl>
-              <a:tblPr firstRow="1" bandRow="1">
-                <a:tableStyleId>{5C22544A-7EE6-4342-B048-85BDC9FD1C3A}</a:tableStyleId>
-              </a:tblPr>
-              <a:tblGrid>
-                <a:gridCol w="423078">
-                  <a:extLst>
-                    <a:ext uri="{9D8B030D-6E8A-4147-A177-3AD203B41FA5}">
-                      <a16:colId xmlns:a16="http://schemas.microsoft.com/office/drawing/2014/main" val="1958716807"/>
-                    </a:ext>
-                  </a:extLst>
-                </a:gridCol>
-                <a:gridCol w="423078">
-                  <a:extLst>
-                    <a:ext uri="{9D8B030D-6E8A-4147-A177-3AD203B41FA5}">
-                      <a16:colId xmlns:a16="http://schemas.microsoft.com/office/drawing/2014/main" val="2177103222"/>
-                    </a:ext>
-                  </a:extLst>
-                </a:gridCol>
-                <a:gridCol w="423078">
-                  <a:extLst>
-                    <a:ext uri="{9D8B030D-6E8A-4147-A177-3AD203B41FA5}">
-                      <a16:colId xmlns:a16="http://schemas.microsoft.com/office/drawing/2014/main" val="3409141404"/>
-                    </a:ext>
-                  </a:extLst>
-                </a:gridCol>
-                <a:gridCol w="423078">
-                  <a:extLst>
-                    <a:ext uri="{9D8B030D-6E8A-4147-A177-3AD203B41FA5}">
-                      <a16:colId xmlns:a16="http://schemas.microsoft.com/office/drawing/2014/main" val="217707470"/>
-                    </a:ext>
-                  </a:extLst>
-                </a:gridCol>
-                <a:gridCol w="423078">
-                  <a:extLst>
-                    <a:ext uri="{9D8B030D-6E8A-4147-A177-3AD203B41FA5}">
-                      <a16:colId xmlns:a16="http://schemas.microsoft.com/office/drawing/2014/main" val="770379941"/>
-                    </a:ext>
-                  </a:extLst>
-                </a:gridCol>
-                <a:gridCol w="423078">
-                  <a:extLst>
-                    <a:ext uri="{9D8B030D-6E8A-4147-A177-3AD203B41FA5}">
-                      <a16:colId xmlns:a16="http://schemas.microsoft.com/office/drawing/2014/main" val="4085467491"/>
-                    </a:ext>
-                  </a:extLst>
-                </a:gridCol>
-                <a:gridCol w="423078">
-                  <a:extLst>
-                    <a:ext uri="{9D8B030D-6E8A-4147-A177-3AD203B41FA5}">
-                      <a16:colId xmlns:a16="http://schemas.microsoft.com/office/drawing/2014/main" val="2183018877"/>
-                    </a:ext>
-                  </a:extLst>
-                </a:gridCol>
-                <a:gridCol w="423078">
-                  <a:extLst>
-                    <a:ext uri="{9D8B030D-6E8A-4147-A177-3AD203B41FA5}">
-                      <a16:colId xmlns:a16="http://schemas.microsoft.com/office/drawing/2014/main" val="3957069584"/>
-                    </a:ext>
-                  </a:extLst>
-                </a:gridCol>
-                <a:gridCol w="423078">
-                  <a:extLst>
-                    <a:ext uri="{9D8B030D-6E8A-4147-A177-3AD203B41FA5}">
-                      <a16:colId xmlns:a16="http://schemas.microsoft.com/office/drawing/2014/main" val="3244291510"/>
-                    </a:ext>
-                  </a:extLst>
-                </a:gridCol>
-                <a:gridCol w="423078">
-                  <a:extLst>
-                    <a:ext uri="{9D8B030D-6E8A-4147-A177-3AD203B41FA5}">
-                      <a16:colId xmlns:a16="http://schemas.microsoft.com/office/drawing/2014/main" val="3722398860"/>
-                    </a:ext>
-                  </a:extLst>
-                </a:gridCol>
-              </a:tblGrid>
-              <a:tr h="370840">
-                <a:tc>
-                  <a:txBody>
-                    <a:bodyPr/>
-                    <a:lstStyle/>
-                    <a:p>
-                      <a:endParaRPr lang="en-HK" dirty="0"/>
-                    </a:p>
-                  </a:txBody>
-                  <a:tcPr>
-                    <a:lnTlToBr w="12700" cap="flat" cmpd="sng" algn="ctr">
-                      <a:solidFill>
-                        <a:schemeClr val="tx1"/>
-                      </a:solidFill>
-                      <a:prstDash val="solid"/>
-                      <a:round/>
-                      <a:headEnd type="none" w="med" len="med"/>
-                      <a:tailEnd type="none" w="med" len="med"/>
-                    </a:lnTlToBr>
-                    <a:lnBlToTr w="12700" cap="flat" cmpd="sng" algn="ctr">
-                      <a:solidFill>
-                        <a:schemeClr val="tx1"/>
-                      </a:solidFill>
-                      <a:prstDash val="solid"/>
-                      <a:round/>
-                      <a:headEnd type="none" w="med" len="med"/>
-                      <a:tailEnd type="none" w="med" len="med"/>
-                    </a:lnBlToTr>
-                    <a:solidFill>
-                      <a:schemeClr val="accent6">
-                        <a:lumMod val="60000"/>
-                        <a:lumOff val="40000"/>
-                      </a:schemeClr>
-                    </a:solidFill>
-                  </a:tcPr>
-                </a:tc>
-                <a:tc>
-                  <a:txBody>
-                    <a:bodyPr/>
-                    <a:lstStyle/>
-                    <a:p>
-                      <a:endParaRPr lang="en-HK" dirty="0"/>
-                    </a:p>
-                  </a:txBody>
-                  <a:tcPr>
-                    <a:lnTlToBr w="12700" cap="flat" cmpd="sng" algn="ctr">
-                      <a:solidFill>
-                        <a:schemeClr val="tx1"/>
-                      </a:solidFill>
-                      <a:prstDash val="solid"/>
-                      <a:round/>
-                      <a:headEnd type="none" w="med" len="med"/>
-                      <a:tailEnd type="none" w="med" len="med"/>
-                    </a:lnTlToBr>
-                    <a:lnBlToTr w="12700" cap="flat" cmpd="sng" algn="ctr">
-                      <a:solidFill>
-                        <a:schemeClr val="tx1"/>
-                      </a:solidFill>
-                      <a:prstDash val="solid"/>
-                      <a:round/>
-                      <a:headEnd type="none" w="med" len="med"/>
-                      <a:tailEnd type="none" w="med" len="med"/>
-                    </a:lnBlToTr>
-                    <a:solidFill>
-                      <a:schemeClr val="accent6">
-                        <a:lumMod val="60000"/>
-                        <a:lumOff val="40000"/>
-                      </a:schemeClr>
-                    </a:solidFill>
-                  </a:tcPr>
-                </a:tc>
-                <a:tc>
-                  <a:txBody>
-                    <a:bodyPr/>
-                    <a:lstStyle/>
-                    <a:p>
-                      <a:endParaRPr lang="en-HK" dirty="0"/>
-                    </a:p>
-                  </a:txBody>
-                  <a:tcPr>
-                    <a:lnTlToBr w="12700" cap="flat" cmpd="sng" algn="ctr">
-                      <a:solidFill>
-                        <a:schemeClr val="tx1"/>
-                      </a:solidFill>
-                      <a:prstDash val="solid"/>
-                      <a:round/>
-                      <a:headEnd type="none" w="med" len="med"/>
-                      <a:tailEnd type="none" w="med" len="med"/>
-                    </a:lnTlToBr>
-                    <a:lnBlToTr w="12700" cap="flat" cmpd="sng" algn="ctr">
-                      <a:solidFill>
-                        <a:schemeClr val="tx1"/>
-                      </a:solidFill>
-                      <a:prstDash val="solid"/>
-                      <a:round/>
-                      <a:headEnd type="none" w="med" len="med"/>
-                      <a:tailEnd type="none" w="med" len="med"/>
-                    </a:lnBlToTr>
-                    <a:solidFill>
-                      <a:schemeClr val="accent1">
-                        <a:lumMod val="40000"/>
-                        <a:lumOff val="60000"/>
-                      </a:schemeClr>
-                    </a:solidFill>
-                  </a:tcPr>
-                </a:tc>
-                <a:tc>
-                  <a:txBody>
-                    <a:bodyPr/>
-                    <a:lstStyle/>
-                    <a:p>
-                      <a:endParaRPr lang="en-HK" dirty="0"/>
-                    </a:p>
-                  </a:txBody>
-                  <a:tcPr>
-                    <a:solidFill>
-                      <a:schemeClr val="accent2">
-                        <a:lumMod val="40000"/>
-                        <a:lumOff val="60000"/>
-                      </a:schemeClr>
-                    </a:solidFill>
-                  </a:tcPr>
-                </a:tc>
-                <a:tc>
-                  <a:txBody>
-                    <a:bodyPr/>
-                    <a:lstStyle/>
-                    <a:p>
-                      <a:endParaRPr lang="en-HK" dirty="0"/>
-                    </a:p>
-                  </a:txBody>
-                  <a:tcPr>
-                    <a:solidFill>
-                      <a:schemeClr val="accent1">
-                        <a:lumMod val="40000"/>
-                        <a:lumOff val="60000"/>
-                      </a:schemeClr>
-                    </a:solidFill>
-                  </a:tcPr>
-                </a:tc>
-                <a:tc>
-                  <a:txBody>
-                    <a:bodyPr/>
-                    <a:lstStyle/>
-                    <a:p>
-                      <a:endParaRPr lang="en-HK" dirty="0"/>
-                    </a:p>
-                  </a:txBody>
-                  <a:tcPr>
-                    <a:solidFill>
-                      <a:schemeClr val="accent2">
-                        <a:lumMod val="40000"/>
-                        <a:lumOff val="60000"/>
-                      </a:schemeClr>
-                    </a:solidFill>
-                  </a:tcPr>
-                </a:tc>
-                <a:tc>
-                  <a:txBody>
-                    <a:bodyPr/>
-                    <a:lstStyle/>
-                    <a:p>
-                      <a:endParaRPr lang="en-HK" dirty="0"/>
-                    </a:p>
-                  </a:txBody>
-                  <a:tcPr>
-                    <a:solidFill>
-                      <a:schemeClr val="accent2">
-                        <a:lumMod val="40000"/>
-                        <a:lumOff val="60000"/>
-                      </a:schemeClr>
-                    </a:solidFill>
-                  </a:tcPr>
-                </a:tc>
-                <a:tc>
-                  <a:txBody>
-                    <a:bodyPr/>
-                    <a:lstStyle/>
-                    <a:p>
-                      <a:endParaRPr lang="en-HK" dirty="0"/>
-                    </a:p>
-                  </a:txBody>
-                  <a:tcPr>
-                    <a:solidFill>
-                      <a:schemeClr val="accent2">
-                        <a:lumMod val="40000"/>
-                        <a:lumOff val="60000"/>
-                      </a:schemeClr>
-                    </a:solidFill>
-                  </a:tcPr>
-                </a:tc>
-                <a:tc>
-                  <a:txBody>
-                    <a:bodyPr/>
-                    <a:lstStyle/>
-                    <a:p>
-                      <a:endParaRPr lang="en-HK" dirty="0"/>
-                    </a:p>
-                  </a:txBody>
-                  <a:tcPr>
-                    <a:solidFill>
-                      <a:schemeClr val="accent1">
-                        <a:lumMod val="40000"/>
-                        <a:lumOff val="60000"/>
-                      </a:schemeClr>
-                    </a:solidFill>
-                  </a:tcPr>
-                </a:tc>
-                <a:tc>
-                  <a:txBody>
-                    <a:bodyPr/>
-                    <a:lstStyle/>
-                    <a:p>
-                      <a:endParaRPr lang="en-HK" dirty="0"/>
-                    </a:p>
-                  </a:txBody>
-                  <a:tcPr>
-                    <a:solidFill>
-                      <a:schemeClr val="accent2">
-                        <a:lumMod val="40000"/>
-                        <a:lumOff val="60000"/>
-                      </a:schemeClr>
-                    </a:solidFill>
-                  </a:tcPr>
-                </a:tc>
-                <a:extLst>
-                  <a:ext uri="{0D108BD9-81ED-4DB2-BD59-A6C34878D82A}">
-                    <a16:rowId xmlns:a16="http://schemas.microsoft.com/office/drawing/2014/main" val="2601047344"/>
-                  </a:ext>
-                </a:extLst>
-              </a:tr>
-            </a:tbl>
-          </a:graphicData>
-        </a:graphic>
-      </p:graphicFrame>
-      <p:graphicFrame>
-        <p:nvGraphicFramePr>
-          <p:cNvPr id="2" name="Table 4">
-            <a:extLst>
-              <a:ext uri="{FF2B5EF4-FFF2-40B4-BE49-F238E27FC236}">
-                <a16:creationId xmlns:a16="http://schemas.microsoft.com/office/drawing/2014/main" id="{B98C2563-CFE7-BE43-C904-A28E112853A0}"/>
-              </a:ext>
-            </a:extLst>
-          </p:cNvPr>
-          <p:cNvGraphicFramePr>
-            <a:graphicFrameLocks noGrp="1"/>
-          </p:cNvGraphicFramePr>
-          <p:nvPr>
-            <p:extLst>
-              <p:ext uri="{D42A27DB-BD31-4B8C-83A1-F6EECF244321}">
-                <p14:modId xmlns:p14="http://schemas.microsoft.com/office/powerpoint/2010/main" val="3863683364"/>
-              </p:ext>
-            </p:extLst>
-          </p:nvPr>
-        </p:nvGraphicFramePr>
-        <p:xfrm>
-          <a:off x="2127854" y="2398304"/>
-          <a:ext cx="1263285" cy="370840"/>
-        </p:xfrm>
-        <a:graphic>
-          <a:graphicData uri="http://schemas.openxmlformats.org/drawingml/2006/table">
-            <a:tbl>
-              <a:tblPr firstRow="1" bandRow="1">
-                <a:tableStyleId>{5C22544A-7EE6-4342-B048-85BDC9FD1C3A}</a:tableStyleId>
-              </a:tblPr>
-              <a:tblGrid>
-                <a:gridCol w="421095">
-                  <a:extLst>
-                    <a:ext uri="{9D8B030D-6E8A-4147-A177-3AD203B41FA5}">
-                      <a16:colId xmlns:a16="http://schemas.microsoft.com/office/drawing/2014/main" val="1958716807"/>
-                    </a:ext>
-                  </a:extLst>
-                </a:gridCol>
-                <a:gridCol w="421095">
-                  <a:extLst>
-                    <a:ext uri="{9D8B030D-6E8A-4147-A177-3AD203B41FA5}">
-                      <a16:colId xmlns:a16="http://schemas.microsoft.com/office/drawing/2014/main" val="2177103222"/>
-                    </a:ext>
-                  </a:extLst>
-                </a:gridCol>
-                <a:gridCol w="421095">
-                  <a:extLst>
-                    <a:ext uri="{9D8B030D-6E8A-4147-A177-3AD203B41FA5}">
-                      <a16:colId xmlns:a16="http://schemas.microsoft.com/office/drawing/2014/main" val="1711010613"/>
-                    </a:ext>
-                  </a:extLst>
-                </a:gridCol>
-              </a:tblGrid>
-              <a:tr h="370840">
-                <a:tc>
-                  <a:txBody>
-                    <a:bodyPr/>
-                    <a:lstStyle/>
-                    <a:p>
-                      <a:endParaRPr lang="en-HK" dirty="0"/>
-                    </a:p>
-                  </a:txBody>
-                  <a:tcPr>
-                    <a:solidFill>
-                      <a:schemeClr val="accent6">
-                        <a:lumMod val="60000"/>
-                        <a:lumOff val="40000"/>
-                      </a:schemeClr>
-                    </a:solidFill>
-                  </a:tcPr>
-                </a:tc>
-                <a:tc>
-                  <a:txBody>
-                    <a:bodyPr/>
-                    <a:lstStyle/>
-                    <a:p>
-                      <a:endParaRPr lang="en-HK" dirty="0"/>
-                    </a:p>
-                  </a:txBody>
-                  <a:tcPr>
-                    <a:solidFill>
-                      <a:schemeClr val="accent6">
-                        <a:lumMod val="60000"/>
-                        <a:lumOff val="40000"/>
-                      </a:schemeClr>
-                    </a:solidFill>
-                  </a:tcPr>
-                </a:tc>
-                <a:tc>
-                  <a:txBody>
-                    <a:bodyPr/>
-                    <a:lstStyle/>
-                    <a:p>
-                      <a:endParaRPr lang="en-HK" dirty="0"/>
-                    </a:p>
-                  </a:txBody>
-                  <a:tcPr>
-                    <a:solidFill>
-                      <a:schemeClr val="accent6">
-                        <a:lumMod val="60000"/>
-                        <a:lumOff val="40000"/>
-                      </a:schemeClr>
-                    </a:solidFill>
-                  </a:tcPr>
-                </a:tc>
-                <a:extLst>
-                  <a:ext uri="{0D108BD9-81ED-4DB2-BD59-A6C34878D82A}">
-                    <a16:rowId xmlns:a16="http://schemas.microsoft.com/office/drawing/2014/main" val="2601047344"/>
-                  </a:ext>
-                </a:extLst>
-              </a:tr>
-            </a:tbl>
-          </a:graphicData>
-        </a:graphic>
-      </p:graphicFrame>
-      <p:graphicFrame>
-        <p:nvGraphicFramePr>
-          <p:cNvPr id="27" name="Table 4">
-            <a:extLst>
-              <a:ext uri="{FF2B5EF4-FFF2-40B4-BE49-F238E27FC236}">
-                <a16:creationId xmlns:a16="http://schemas.microsoft.com/office/drawing/2014/main" id="{D598512F-470A-DB45-C056-AD89F2C29461}"/>
-              </a:ext>
-            </a:extLst>
-          </p:cNvPr>
-          <p:cNvGraphicFramePr>
-            <a:graphicFrameLocks noGrp="1"/>
-          </p:cNvGraphicFramePr>
-          <p:nvPr>
-            <p:extLst>
-              <p:ext uri="{D42A27DB-BD31-4B8C-83A1-F6EECF244321}">
-                <p14:modId xmlns:p14="http://schemas.microsoft.com/office/powerpoint/2010/main" val="1279532020"/>
-              </p:ext>
-            </p:extLst>
-          </p:nvPr>
-        </p:nvGraphicFramePr>
-        <p:xfrm>
-          <a:off x="644107" y="3035318"/>
-          <a:ext cx="4230780" cy="370840"/>
-        </p:xfrm>
-        <a:graphic>
-          <a:graphicData uri="http://schemas.openxmlformats.org/drawingml/2006/table">
-            <a:tbl>
-              <a:tblPr firstRow="1" bandRow="1">
-                <a:tableStyleId>{5C22544A-7EE6-4342-B048-85BDC9FD1C3A}</a:tableStyleId>
-              </a:tblPr>
-              <a:tblGrid>
-                <a:gridCol w="423078">
-                  <a:extLst>
-                    <a:ext uri="{9D8B030D-6E8A-4147-A177-3AD203B41FA5}">
-                      <a16:colId xmlns:a16="http://schemas.microsoft.com/office/drawing/2014/main" val="1958716807"/>
-                    </a:ext>
-                  </a:extLst>
-                </a:gridCol>
-                <a:gridCol w="423078">
-                  <a:extLst>
-                    <a:ext uri="{9D8B030D-6E8A-4147-A177-3AD203B41FA5}">
-                      <a16:colId xmlns:a16="http://schemas.microsoft.com/office/drawing/2014/main" val="2177103222"/>
-                    </a:ext>
-                  </a:extLst>
-                </a:gridCol>
-                <a:gridCol w="423078">
-                  <a:extLst>
-                    <a:ext uri="{9D8B030D-6E8A-4147-A177-3AD203B41FA5}">
-                      <a16:colId xmlns:a16="http://schemas.microsoft.com/office/drawing/2014/main" val="3409141404"/>
-                    </a:ext>
-                  </a:extLst>
-                </a:gridCol>
-                <a:gridCol w="423078">
-                  <a:extLst>
-                    <a:ext uri="{9D8B030D-6E8A-4147-A177-3AD203B41FA5}">
-                      <a16:colId xmlns:a16="http://schemas.microsoft.com/office/drawing/2014/main" val="217707470"/>
-                    </a:ext>
-                  </a:extLst>
-                </a:gridCol>
-                <a:gridCol w="423078">
-                  <a:extLst>
-                    <a:ext uri="{9D8B030D-6E8A-4147-A177-3AD203B41FA5}">
-                      <a16:colId xmlns:a16="http://schemas.microsoft.com/office/drawing/2014/main" val="770379941"/>
-                    </a:ext>
-                  </a:extLst>
-                </a:gridCol>
-                <a:gridCol w="423078">
-                  <a:extLst>
-                    <a:ext uri="{9D8B030D-6E8A-4147-A177-3AD203B41FA5}">
-                      <a16:colId xmlns:a16="http://schemas.microsoft.com/office/drawing/2014/main" val="4085467491"/>
-                    </a:ext>
-                  </a:extLst>
-                </a:gridCol>
-                <a:gridCol w="423078">
-                  <a:extLst>
-                    <a:ext uri="{9D8B030D-6E8A-4147-A177-3AD203B41FA5}">
-                      <a16:colId xmlns:a16="http://schemas.microsoft.com/office/drawing/2014/main" val="2183018877"/>
-                    </a:ext>
-                  </a:extLst>
-                </a:gridCol>
-                <a:gridCol w="423078">
-                  <a:extLst>
-                    <a:ext uri="{9D8B030D-6E8A-4147-A177-3AD203B41FA5}">
-                      <a16:colId xmlns:a16="http://schemas.microsoft.com/office/drawing/2014/main" val="3957069584"/>
-                    </a:ext>
-                  </a:extLst>
-                </a:gridCol>
-                <a:gridCol w="423078">
-                  <a:extLst>
-                    <a:ext uri="{9D8B030D-6E8A-4147-A177-3AD203B41FA5}">
-                      <a16:colId xmlns:a16="http://schemas.microsoft.com/office/drawing/2014/main" val="3244291510"/>
-                    </a:ext>
-                  </a:extLst>
-                </a:gridCol>
-                <a:gridCol w="423078">
-                  <a:extLst>
-                    <a:ext uri="{9D8B030D-6E8A-4147-A177-3AD203B41FA5}">
-                      <a16:colId xmlns:a16="http://schemas.microsoft.com/office/drawing/2014/main" val="3722398860"/>
-                    </a:ext>
-                  </a:extLst>
-                </a:gridCol>
-              </a:tblGrid>
-              <a:tr h="370840">
-                <a:tc>
-                  <a:txBody>
-                    <a:bodyPr/>
-                    <a:lstStyle/>
-                    <a:p>
-                      <a:endParaRPr lang="en-HK" dirty="0"/>
-                    </a:p>
-                  </a:txBody>
-                  <a:tcPr>
-                    <a:lnTlToBr w="12700" cap="flat" cmpd="sng" algn="ctr">
-                      <a:solidFill>
-                        <a:schemeClr val="tx1"/>
-                      </a:solidFill>
-                      <a:prstDash val="solid"/>
-                      <a:round/>
-                      <a:headEnd type="none" w="med" len="med"/>
-                      <a:tailEnd type="none" w="med" len="med"/>
-                    </a:lnTlToBr>
-                    <a:lnBlToTr w="12700" cap="flat" cmpd="sng" algn="ctr">
-                      <a:solidFill>
-                        <a:schemeClr val="tx1"/>
-                      </a:solidFill>
-                      <a:prstDash val="solid"/>
-                      <a:round/>
-                      <a:headEnd type="none" w="med" len="med"/>
-                      <a:tailEnd type="none" w="med" len="med"/>
-                    </a:lnBlToTr>
-                    <a:solidFill>
-                      <a:schemeClr val="accent6">
-                        <a:lumMod val="60000"/>
-                        <a:lumOff val="40000"/>
-                      </a:schemeClr>
-                    </a:solidFill>
-                  </a:tcPr>
-                </a:tc>
-                <a:tc>
-                  <a:txBody>
-                    <a:bodyPr/>
-                    <a:lstStyle/>
-                    <a:p>
-                      <a:endParaRPr lang="en-HK" dirty="0"/>
-                    </a:p>
-                  </a:txBody>
-                  <a:tcPr>
-                    <a:lnTlToBr w="12700" cap="flat" cmpd="sng" algn="ctr">
-                      <a:solidFill>
-                        <a:schemeClr val="tx1"/>
-                      </a:solidFill>
-                      <a:prstDash val="solid"/>
-                      <a:round/>
-                      <a:headEnd type="none" w="med" len="med"/>
-                      <a:tailEnd type="none" w="med" len="med"/>
-                    </a:lnTlToBr>
-                    <a:lnBlToTr w="12700" cap="flat" cmpd="sng" algn="ctr">
-                      <a:solidFill>
-                        <a:schemeClr val="tx1"/>
-                      </a:solidFill>
-                      <a:prstDash val="solid"/>
-                      <a:round/>
-                      <a:headEnd type="none" w="med" len="med"/>
-                      <a:tailEnd type="none" w="med" len="med"/>
-                    </a:lnBlToTr>
-                    <a:solidFill>
-                      <a:schemeClr val="accent6">
-                        <a:lumMod val="60000"/>
-                        <a:lumOff val="40000"/>
-                      </a:schemeClr>
-                    </a:solidFill>
-                  </a:tcPr>
-                </a:tc>
-                <a:tc>
-                  <a:txBody>
-                    <a:bodyPr/>
-                    <a:lstStyle/>
-                    <a:p>
-                      <a:endParaRPr lang="en-HK" dirty="0"/>
-                    </a:p>
-                  </a:txBody>
-                  <a:tcPr>
-                    <a:lnTlToBr w="12700" cap="flat" cmpd="sng" algn="ctr">
-                      <a:solidFill>
-                        <a:schemeClr val="tx1"/>
-                      </a:solidFill>
-                      <a:prstDash val="solid"/>
-                      <a:round/>
-                      <a:headEnd type="none" w="med" len="med"/>
-                      <a:tailEnd type="none" w="med" len="med"/>
-                    </a:lnTlToBr>
-                    <a:lnBlToTr w="12700" cap="flat" cmpd="sng" algn="ctr">
-                      <a:solidFill>
-                        <a:schemeClr val="tx1"/>
-                      </a:solidFill>
-                      <a:prstDash val="solid"/>
-                      <a:round/>
-                      <a:headEnd type="none" w="med" len="med"/>
-                      <a:tailEnd type="none" w="med" len="med"/>
-                    </a:lnBlToTr>
-                    <a:solidFill>
-                      <a:schemeClr val="accent1">
-                        <a:lumMod val="40000"/>
-                        <a:lumOff val="60000"/>
-                      </a:schemeClr>
-                    </a:solidFill>
-                  </a:tcPr>
-                </a:tc>
-                <a:tc>
-                  <a:txBody>
-                    <a:bodyPr/>
-                    <a:lstStyle/>
-                    <a:p>
-                      <a:endParaRPr lang="en-HK" dirty="0"/>
-                    </a:p>
-                  </a:txBody>
-                  <a:tcPr>
-                    <a:solidFill>
-                      <a:schemeClr val="accent2">
-                        <a:lumMod val="40000"/>
-                        <a:lumOff val="60000"/>
-                      </a:schemeClr>
-                    </a:solidFill>
-                  </a:tcPr>
-                </a:tc>
-                <a:tc>
-                  <a:txBody>
-                    <a:bodyPr/>
-                    <a:lstStyle/>
-                    <a:p>
-                      <a:endParaRPr lang="en-HK" dirty="0"/>
-                    </a:p>
-                  </a:txBody>
-                  <a:tcPr>
-                    <a:solidFill>
-                      <a:schemeClr val="accent1">
-                        <a:lumMod val="40000"/>
-                        <a:lumOff val="60000"/>
-                      </a:schemeClr>
-                    </a:solidFill>
-                  </a:tcPr>
-                </a:tc>
-                <a:tc>
-                  <a:txBody>
-                    <a:bodyPr/>
-                    <a:lstStyle/>
-                    <a:p>
-                      <a:endParaRPr lang="en-HK" dirty="0"/>
-                    </a:p>
-                  </a:txBody>
-                  <a:tcPr>
-                    <a:solidFill>
-                      <a:schemeClr val="accent2">
-                        <a:lumMod val="40000"/>
-                        <a:lumOff val="60000"/>
-                      </a:schemeClr>
-                    </a:solidFill>
-                  </a:tcPr>
-                </a:tc>
-                <a:tc>
-                  <a:txBody>
-                    <a:bodyPr/>
-                    <a:lstStyle/>
-                    <a:p>
-                      <a:endParaRPr lang="en-HK" dirty="0"/>
-                    </a:p>
-                  </a:txBody>
-                  <a:tcPr>
-                    <a:solidFill>
-                      <a:schemeClr val="accent2">
-                        <a:lumMod val="40000"/>
-                        <a:lumOff val="60000"/>
-                      </a:schemeClr>
-                    </a:solidFill>
-                  </a:tcPr>
-                </a:tc>
-                <a:tc>
-                  <a:txBody>
-                    <a:bodyPr/>
-                    <a:lstStyle/>
-                    <a:p>
-                      <a:endParaRPr lang="en-HK" dirty="0"/>
-                    </a:p>
-                  </a:txBody>
-                  <a:tcPr>
-                    <a:solidFill>
-                      <a:schemeClr val="accent2">
-                        <a:lumMod val="40000"/>
-                        <a:lumOff val="60000"/>
-                      </a:schemeClr>
-                    </a:solidFill>
-                  </a:tcPr>
-                </a:tc>
-                <a:tc>
-                  <a:txBody>
-                    <a:bodyPr/>
-                    <a:lstStyle/>
-                    <a:p>
-                      <a:endParaRPr lang="en-HK" dirty="0"/>
-                    </a:p>
-                  </a:txBody>
-                  <a:tcPr>
-                    <a:solidFill>
-                      <a:schemeClr val="accent1">
-                        <a:lumMod val="40000"/>
-                        <a:lumOff val="60000"/>
-                      </a:schemeClr>
-                    </a:solidFill>
-                  </a:tcPr>
-                </a:tc>
-                <a:tc>
-                  <a:txBody>
-                    <a:bodyPr/>
-                    <a:lstStyle/>
-                    <a:p>
-                      <a:endParaRPr lang="en-HK" dirty="0"/>
-                    </a:p>
-                  </a:txBody>
-                  <a:tcPr>
-                    <a:solidFill>
-                      <a:schemeClr val="accent2">
-                        <a:lumMod val="40000"/>
-                        <a:lumOff val="60000"/>
-                      </a:schemeClr>
-                    </a:solidFill>
-                  </a:tcPr>
-                </a:tc>
-                <a:extLst>
-                  <a:ext uri="{0D108BD9-81ED-4DB2-BD59-A6C34878D82A}">
-                    <a16:rowId xmlns:a16="http://schemas.microsoft.com/office/drawing/2014/main" val="2601047344"/>
-                  </a:ext>
-                </a:extLst>
-              </a:tr>
-            </a:tbl>
-          </a:graphicData>
-        </a:graphic>
-      </p:graphicFrame>
-      <p:cxnSp>
-        <p:nvCxnSpPr>
-          <p:cNvPr id="28" name="Straight Arrow Connector 27">
-            <a:extLst>
-              <a:ext uri="{FF2B5EF4-FFF2-40B4-BE49-F238E27FC236}">
-                <a16:creationId xmlns:a16="http://schemas.microsoft.com/office/drawing/2014/main" id="{15E46A02-B684-D191-76F6-E556DE2CB800}"/>
-              </a:ext>
-            </a:extLst>
-          </p:cNvPr>
-          <p:cNvCxnSpPr>
-            <a:cxnSpLocks/>
-          </p:cNvCxnSpPr>
-          <p:nvPr/>
-        </p:nvCxnSpPr>
-        <p:spPr>
-          <a:xfrm>
-            <a:off x="2759496" y="2769144"/>
-            <a:ext cx="0" cy="250166"/>
-          </a:xfrm>
-          <a:prstGeom prst="straightConnector1">
-            <a:avLst/>
-          </a:prstGeom>
-          <a:ln>
-            <a:tailEnd type="triangle"/>
-          </a:ln>
-        </p:spPr>
-        <p:style>
-          <a:lnRef idx="3">
-            <a:schemeClr val="dk1"/>
-          </a:lnRef>
-          <a:fillRef idx="0">
-            <a:schemeClr val="dk1"/>
-          </a:fillRef>
-          <a:effectRef idx="2">
-            <a:schemeClr val="dk1"/>
-          </a:effectRef>
-          <a:fontRef idx="minor">
-            <a:schemeClr val="tx1"/>
-          </a:fontRef>
-        </p:style>
-      </p:cxnSp>
-      <p:graphicFrame>
-        <p:nvGraphicFramePr>
-          <p:cNvPr id="29" name="Table 4">
-            <a:extLst>
-              <a:ext uri="{FF2B5EF4-FFF2-40B4-BE49-F238E27FC236}">
-                <a16:creationId xmlns:a16="http://schemas.microsoft.com/office/drawing/2014/main" id="{1C02B6FE-85EF-38F9-F1BC-1EF7E261A139}"/>
-              </a:ext>
-            </a:extLst>
-          </p:cNvPr>
-          <p:cNvGraphicFramePr>
-            <a:graphicFrameLocks noGrp="1"/>
-          </p:cNvGraphicFramePr>
-          <p:nvPr>
-            <p:extLst>
-              <p:ext uri="{D42A27DB-BD31-4B8C-83A1-F6EECF244321}">
-                <p14:modId xmlns:p14="http://schemas.microsoft.com/office/powerpoint/2010/main" val="1994382746"/>
-              </p:ext>
-            </p:extLst>
-          </p:nvPr>
-        </p:nvGraphicFramePr>
-        <p:xfrm>
-          <a:off x="644106" y="3708080"/>
-          <a:ext cx="4230780" cy="370840"/>
-        </p:xfrm>
-        <a:graphic>
-          <a:graphicData uri="http://schemas.openxmlformats.org/drawingml/2006/table">
-            <a:tbl>
-              <a:tblPr firstRow="1" bandRow="1">
-                <a:tableStyleId>{5C22544A-7EE6-4342-B048-85BDC9FD1C3A}</a:tableStyleId>
-              </a:tblPr>
-              <a:tblGrid>
-                <a:gridCol w="423078">
-                  <a:extLst>
-                    <a:ext uri="{9D8B030D-6E8A-4147-A177-3AD203B41FA5}">
-                      <a16:colId xmlns:a16="http://schemas.microsoft.com/office/drawing/2014/main" val="1958716807"/>
-                    </a:ext>
-                  </a:extLst>
-                </a:gridCol>
-                <a:gridCol w="423078">
-                  <a:extLst>
-                    <a:ext uri="{9D8B030D-6E8A-4147-A177-3AD203B41FA5}">
-                      <a16:colId xmlns:a16="http://schemas.microsoft.com/office/drawing/2014/main" val="2177103222"/>
-                    </a:ext>
-                  </a:extLst>
-                </a:gridCol>
-                <a:gridCol w="423078">
-                  <a:extLst>
-                    <a:ext uri="{9D8B030D-6E8A-4147-A177-3AD203B41FA5}">
-                      <a16:colId xmlns:a16="http://schemas.microsoft.com/office/drawing/2014/main" val="3409141404"/>
-                    </a:ext>
-                  </a:extLst>
-                </a:gridCol>
-                <a:gridCol w="423078">
-                  <a:extLst>
-                    <a:ext uri="{9D8B030D-6E8A-4147-A177-3AD203B41FA5}">
-                      <a16:colId xmlns:a16="http://schemas.microsoft.com/office/drawing/2014/main" val="217707470"/>
-                    </a:ext>
-                  </a:extLst>
-                </a:gridCol>
-                <a:gridCol w="423078">
-                  <a:extLst>
-                    <a:ext uri="{9D8B030D-6E8A-4147-A177-3AD203B41FA5}">
-                      <a16:colId xmlns:a16="http://schemas.microsoft.com/office/drawing/2014/main" val="770379941"/>
-                    </a:ext>
-                  </a:extLst>
-                </a:gridCol>
-                <a:gridCol w="423078">
-                  <a:extLst>
-                    <a:ext uri="{9D8B030D-6E8A-4147-A177-3AD203B41FA5}">
-                      <a16:colId xmlns:a16="http://schemas.microsoft.com/office/drawing/2014/main" val="4085467491"/>
-                    </a:ext>
-                  </a:extLst>
-                </a:gridCol>
-                <a:gridCol w="423078">
-                  <a:extLst>
-                    <a:ext uri="{9D8B030D-6E8A-4147-A177-3AD203B41FA5}">
-                      <a16:colId xmlns:a16="http://schemas.microsoft.com/office/drawing/2014/main" val="2183018877"/>
-                    </a:ext>
-                  </a:extLst>
-                </a:gridCol>
-                <a:gridCol w="423078">
-                  <a:extLst>
-                    <a:ext uri="{9D8B030D-6E8A-4147-A177-3AD203B41FA5}">
-                      <a16:colId xmlns:a16="http://schemas.microsoft.com/office/drawing/2014/main" val="3957069584"/>
-                    </a:ext>
-                  </a:extLst>
-                </a:gridCol>
-                <a:gridCol w="423078">
-                  <a:extLst>
-                    <a:ext uri="{9D8B030D-6E8A-4147-A177-3AD203B41FA5}">
-                      <a16:colId xmlns:a16="http://schemas.microsoft.com/office/drawing/2014/main" val="3244291510"/>
-                    </a:ext>
-                  </a:extLst>
-                </a:gridCol>
-                <a:gridCol w="423078">
-                  <a:extLst>
-                    <a:ext uri="{9D8B030D-6E8A-4147-A177-3AD203B41FA5}">
-                      <a16:colId xmlns:a16="http://schemas.microsoft.com/office/drawing/2014/main" val="3722398860"/>
-                    </a:ext>
-                  </a:extLst>
-                </a:gridCol>
-              </a:tblGrid>
-              <a:tr h="370840">
-                <a:tc>
-                  <a:txBody>
-                    <a:bodyPr/>
-                    <a:lstStyle/>
-                    <a:p>
-                      <a:endParaRPr lang="en-HK" dirty="0"/>
-                    </a:p>
-                  </a:txBody>
-                  <a:tcPr>
-                    <a:lnTlToBr w="12700" cap="flat" cmpd="sng" algn="ctr">
-                      <a:solidFill>
-                        <a:schemeClr val="tx1"/>
-                      </a:solidFill>
-                      <a:prstDash val="solid"/>
-                      <a:round/>
-                      <a:headEnd type="none" w="med" len="med"/>
-                      <a:tailEnd type="none" w="med" len="med"/>
-                    </a:lnTlToBr>
-                    <a:lnBlToTr w="12700" cap="flat" cmpd="sng" algn="ctr">
-                      <a:solidFill>
-                        <a:schemeClr val="tx1"/>
-                      </a:solidFill>
-                      <a:prstDash val="solid"/>
-                      <a:round/>
-                      <a:headEnd type="none" w="med" len="med"/>
-                      <a:tailEnd type="none" w="med" len="med"/>
-                    </a:lnBlToTr>
-                    <a:solidFill>
-                      <a:schemeClr val="accent6">
-                        <a:lumMod val="60000"/>
-                        <a:lumOff val="40000"/>
-                      </a:schemeClr>
-                    </a:solidFill>
-                  </a:tcPr>
-                </a:tc>
-                <a:tc>
-                  <a:txBody>
-                    <a:bodyPr/>
-                    <a:lstStyle/>
-                    <a:p>
-                      <a:endParaRPr lang="en-HK" dirty="0"/>
-                    </a:p>
-                  </a:txBody>
-                  <a:tcPr>
-                    <a:lnTlToBr w="12700" cap="flat" cmpd="sng" algn="ctr">
-                      <a:solidFill>
-                        <a:schemeClr val="tx1"/>
-                      </a:solidFill>
-                      <a:prstDash val="solid"/>
-                      <a:round/>
-                      <a:headEnd type="none" w="med" len="med"/>
-                      <a:tailEnd type="none" w="med" len="med"/>
-                    </a:lnTlToBr>
-                    <a:lnBlToTr w="12700" cap="flat" cmpd="sng" algn="ctr">
-                      <a:solidFill>
-                        <a:schemeClr val="tx1"/>
-                      </a:solidFill>
-                      <a:prstDash val="solid"/>
-                      <a:round/>
-                      <a:headEnd type="none" w="med" len="med"/>
-                      <a:tailEnd type="none" w="med" len="med"/>
-                    </a:lnBlToTr>
-                    <a:solidFill>
-                      <a:schemeClr val="accent6">
-                        <a:lumMod val="60000"/>
-                        <a:lumOff val="40000"/>
-                      </a:schemeClr>
-                    </a:solidFill>
-                  </a:tcPr>
-                </a:tc>
-                <a:tc>
-                  <a:txBody>
-                    <a:bodyPr/>
-                    <a:lstStyle/>
-                    <a:p>
-                      <a:endParaRPr lang="en-HK" dirty="0"/>
-                    </a:p>
-                  </a:txBody>
-                  <a:tcPr>
-                    <a:lnTlToBr w="12700" cap="flat" cmpd="sng" algn="ctr">
-                      <a:solidFill>
-                        <a:schemeClr val="tx1"/>
-                      </a:solidFill>
-                      <a:prstDash val="solid"/>
-                      <a:round/>
-                      <a:headEnd type="none" w="med" len="med"/>
-                      <a:tailEnd type="none" w="med" len="med"/>
-                    </a:lnTlToBr>
-                    <a:lnBlToTr w="12700" cap="flat" cmpd="sng" algn="ctr">
-                      <a:solidFill>
-                        <a:schemeClr val="tx1"/>
-                      </a:solidFill>
-                      <a:prstDash val="solid"/>
-                      <a:round/>
-                      <a:headEnd type="none" w="med" len="med"/>
-                      <a:tailEnd type="none" w="med" len="med"/>
-                    </a:lnBlToTr>
-                    <a:solidFill>
-                      <a:schemeClr val="accent1">
-                        <a:lumMod val="40000"/>
-                        <a:lumOff val="60000"/>
-                      </a:schemeClr>
-                    </a:solidFill>
-                  </a:tcPr>
-                </a:tc>
-                <a:tc>
-                  <a:txBody>
-                    <a:bodyPr/>
-                    <a:lstStyle/>
-                    <a:p>
-                      <a:endParaRPr lang="en-HK" dirty="0"/>
-                    </a:p>
-                  </a:txBody>
-                  <a:tcPr>
-                    <a:lnTlToBr w="12700" cap="flat" cmpd="sng" algn="ctr">
-                      <a:solidFill>
-                        <a:schemeClr val="tx1"/>
-                      </a:solidFill>
-                      <a:prstDash val="solid"/>
-                      <a:round/>
-                      <a:headEnd type="none" w="med" len="med"/>
-                      <a:tailEnd type="none" w="med" len="med"/>
-                    </a:lnTlToBr>
-                    <a:lnBlToTr w="12700" cap="flat" cmpd="sng" algn="ctr">
-                      <a:solidFill>
-                        <a:schemeClr val="tx1"/>
-                      </a:solidFill>
-                      <a:prstDash val="solid"/>
-                      <a:round/>
-                      <a:headEnd type="none" w="med" len="med"/>
-                      <a:tailEnd type="none" w="med" len="med"/>
-                    </a:lnBlToTr>
-                    <a:solidFill>
-                      <a:schemeClr val="accent6">
-                        <a:lumMod val="60000"/>
-                        <a:lumOff val="40000"/>
-                      </a:schemeClr>
-                    </a:solidFill>
-                  </a:tcPr>
-                </a:tc>
-                <a:tc>
-                  <a:txBody>
-                    <a:bodyPr/>
-                    <a:lstStyle/>
-                    <a:p>
-                      <a:endParaRPr lang="en-HK" dirty="0"/>
-                    </a:p>
-                  </a:txBody>
-                  <a:tcPr>
-                    <a:lnTlToBr w="12700" cap="flat" cmpd="sng" algn="ctr">
-                      <a:solidFill>
-                        <a:schemeClr val="tx1"/>
-                      </a:solidFill>
-                      <a:prstDash val="solid"/>
-                      <a:round/>
-                      <a:headEnd type="none" w="med" len="med"/>
-                      <a:tailEnd type="none" w="med" len="med"/>
-                    </a:lnTlToBr>
-                    <a:lnBlToTr w="12700" cap="flat" cmpd="sng" algn="ctr">
-                      <a:solidFill>
-                        <a:schemeClr val="tx1"/>
-                      </a:solidFill>
-                      <a:prstDash val="solid"/>
-                      <a:round/>
-                      <a:headEnd type="none" w="med" len="med"/>
-                      <a:tailEnd type="none" w="med" len="med"/>
-                    </a:lnBlToTr>
-                    <a:solidFill>
-                      <a:schemeClr val="accent6">
-                        <a:lumMod val="60000"/>
-                        <a:lumOff val="40000"/>
-                      </a:schemeClr>
-                    </a:solidFill>
-                  </a:tcPr>
-                </a:tc>
-                <a:tc>
-                  <a:txBody>
-                    <a:bodyPr/>
-                    <a:lstStyle/>
-                    <a:p>
-                      <a:endParaRPr lang="en-HK" dirty="0"/>
-                    </a:p>
-                  </a:txBody>
-                  <a:tcPr>
-                    <a:lnTlToBr w="12700" cap="flat" cmpd="sng" algn="ctr">
-                      <a:solidFill>
-                        <a:schemeClr val="tx1"/>
-                      </a:solidFill>
-                      <a:prstDash val="solid"/>
-                      <a:round/>
-                      <a:headEnd type="none" w="med" len="med"/>
-                      <a:tailEnd type="none" w="med" len="med"/>
-                    </a:lnTlToBr>
-                    <a:lnBlToTr w="12700" cap="flat" cmpd="sng" algn="ctr">
-                      <a:solidFill>
-                        <a:schemeClr val="tx1"/>
-                      </a:solidFill>
-                      <a:prstDash val="solid"/>
-                      <a:round/>
-                      <a:headEnd type="none" w="med" len="med"/>
-                      <a:tailEnd type="none" w="med" len="med"/>
-                    </a:lnBlToTr>
-                    <a:solidFill>
-                      <a:schemeClr val="accent6">
-                        <a:lumMod val="60000"/>
-                        <a:lumOff val="40000"/>
-                      </a:schemeClr>
-                    </a:solidFill>
-                  </a:tcPr>
-                </a:tc>
-                <a:tc>
-                  <a:txBody>
-                    <a:bodyPr/>
-                    <a:lstStyle/>
-                    <a:p>
-                      <a:endParaRPr lang="en-HK" dirty="0"/>
-                    </a:p>
-                  </a:txBody>
-                  <a:tcPr>
-                    <a:lnTlToBr w="12700" cap="flat" cmpd="sng" algn="ctr">
-                      <a:solidFill>
-                        <a:schemeClr val="tx1"/>
-                      </a:solidFill>
-                      <a:prstDash val="solid"/>
-                      <a:round/>
-                      <a:headEnd type="none" w="med" len="med"/>
-                      <a:tailEnd type="none" w="med" len="med"/>
-                    </a:lnTlToBr>
-                    <a:lnBlToTr w="12700" cap="flat" cmpd="sng" algn="ctr">
-                      <a:solidFill>
-                        <a:schemeClr val="tx1"/>
-                      </a:solidFill>
-                      <a:prstDash val="solid"/>
-                      <a:round/>
-                      <a:headEnd type="none" w="med" len="med"/>
-                      <a:tailEnd type="none" w="med" len="med"/>
-                    </a:lnBlToTr>
-                    <a:solidFill>
-                      <a:schemeClr val="accent5">
-                        <a:lumMod val="60000"/>
-                        <a:lumOff val="40000"/>
-                      </a:schemeClr>
-                    </a:solidFill>
-                  </a:tcPr>
-                </a:tc>
-                <a:tc>
-                  <a:txBody>
-                    <a:bodyPr/>
-                    <a:lstStyle/>
-                    <a:p>
-                      <a:endParaRPr lang="en-HK" dirty="0"/>
-                    </a:p>
-                  </a:txBody>
-                  <a:tcPr>
-                    <a:solidFill>
-                      <a:schemeClr val="accent2">
-                        <a:lumMod val="40000"/>
-                        <a:lumOff val="60000"/>
-                      </a:schemeClr>
-                    </a:solidFill>
-                  </a:tcPr>
-                </a:tc>
-                <a:tc>
-                  <a:txBody>
-                    <a:bodyPr/>
-                    <a:lstStyle/>
-                    <a:p>
-                      <a:endParaRPr lang="en-HK" dirty="0"/>
-                    </a:p>
-                  </a:txBody>
-                  <a:tcPr>
-                    <a:solidFill>
-                      <a:schemeClr val="accent2">
-                        <a:lumMod val="40000"/>
-                        <a:lumOff val="60000"/>
-                      </a:schemeClr>
-                    </a:solidFill>
-                  </a:tcPr>
-                </a:tc>
-                <a:tc>
-                  <a:txBody>
-                    <a:bodyPr/>
-                    <a:lstStyle/>
-                    <a:p>
-                      <a:endParaRPr lang="en-HK" dirty="0"/>
-                    </a:p>
-                  </a:txBody>
-                  <a:tcPr>
-                    <a:solidFill>
-                      <a:schemeClr val="accent2">
-                        <a:lumMod val="40000"/>
-                        <a:lumOff val="60000"/>
-                      </a:schemeClr>
-                    </a:solidFill>
-                  </a:tcPr>
-                </a:tc>
-                <a:extLst>
-                  <a:ext uri="{0D108BD9-81ED-4DB2-BD59-A6C34878D82A}">
-                    <a16:rowId xmlns:a16="http://schemas.microsoft.com/office/drawing/2014/main" val="2601047344"/>
-                  </a:ext>
-                </a:extLst>
-              </a:tr>
-            </a:tbl>
-          </a:graphicData>
-        </a:graphic>
-      </p:graphicFrame>
-      <p:cxnSp>
-        <p:nvCxnSpPr>
-          <p:cNvPr id="30" name="Straight Arrow Connector 29">
-            <a:extLst>
-              <a:ext uri="{FF2B5EF4-FFF2-40B4-BE49-F238E27FC236}">
-                <a16:creationId xmlns:a16="http://schemas.microsoft.com/office/drawing/2014/main" id="{09BA1AEF-0651-327A-2907-A129A05E9218}"/>
-              </a:ext>
-            </a:extLst>
-          </p:cNvPr>
-          <p:cNvCxnSpPr>
-            <a:cxnSpLocks/>
-          </p:cNvCxnSpPr>
-          <p:nvPr/>
-        </p:nvCxnSpPr>
-        <p:spPr>
-          <a:xfrm>
-            <a:off x="2759496" y="3429000"/>
-            <a:ext cx="0" cy="250166"/>
-          </a:xfrm>
-          <a:prstGeom prst="straightConnector1">
-            <a:avLst/>
-          </a:prstGeom>
-          <a:ln>
-            <a:tailEnd type="triangle"/>
-          </a:ln>
-        </p:spPr>
-        <p:style>
-          <a:lnRef idx="3">
-            <a:schemeClr val="dk1"/>
-          </a:lnRef>
-          <a:fillRef idx="0">
-            <a:schemeClr val="dk1"/>
-          </a:fillRef>
-          <a:effectRef idx="2">
-            <a:schemeClr val="dk1"/>
-          </a:effectRef>
-          <a:fontRef idx="minor">
-            <a:schemeClr val="tx1"/>
-          </a:fontRef>
-        </p:style>
-      </p:cxnSp>
-      <p:graphicFrame>
-        <p:nvGraphicFramePr>
-          <p:cNvPr id="31" name="Table 4">
-            <a:extLst>
-              <a:ext uri="{FF2B5EF4-FFF2-40B4-BE49-F238E27FC236}">
-                <a16:creationId xmlns:a16="http://schemas.microsoft.com/office/drawing/2014/main" id="{0FDA643D-732B-D245-A230-59083DD7DF64}"/>
-              </a:ext>
-            </a:extLst>
-          </p:cNvPr>
-          <p:cNvGraphicFramePr>
-            <a:graphicFrameLocks noGrp="1"/>
-          </p:cNvGraphicFramePr>
-          <p:nvPr>
-            <p:extLst>
-              <p:ext uri="{D42A27DB-BD31-4B8C-83A1-F6EECF244321}">
-                <p14:modId xmlns:p14="http://schemas.microsoft.com/office/powerpoint/2010/main" val="1193758571"/>
-              </p:ext>
-            </p:extLst>
-          </p:nvPr>
-        </p:nvGraphicFramePr>
-        <p:xfrm>
-          <a:off x="5825695" y="1062618"/>
-          <a:ext cx="4230780" cy="370840"/>
-        </p:xfrm>
-        <a:graphic>
-          <a:graphicData uri="http://schemas.openxmlformats.org/drawingml/2006/table">
-            <a:tbl>
-              <a:tblPr firstRow="1" bandRow="1">
-                <a:tableStyleId>{5C22544A-7EE6-4342-B048-85BDC9FD1C3A}</a:tableStyleId>
-              </a:tblPr>
-              <a:tblGrid>
-                <a:gridCol w="423078">
-                  <a:extLst>
-                    <a:ext uri="{9D8B030D-6E8A-4147-A177-3AD203B41FA5}">
-                      <a16:colId xmlns:a16="http://schemas.microsoft.com/office/drawing/2014/main" val="1958716807"/>
-                    </a:ext>
-                  </a:extLst>
-                </a:gridCol>
-                <a:gridCol w="423078">
-                  <a:extLst>
-                    <a:ext uri="{9D8B030D-6E8A-4147-A177-3AD203B41FA5}">
-                      <a16:colId xmlns:a16="http://schemas.microsoft.com/office/drawing/2014/main" val="2177103222"/>
-                    </a:ext>
-                  </a:extLst>
-                </a:gridCol>
-                <a:gridCol w="423078">
-                  <a:extLst>
-                    <a:ext uri="{9D8B030D-6E8A-4147-A177-3AD203B41FA5}">
-                      <a16:colId xmlns:a16="http://schemas.microsoft.com/office/drawing/2014/main" val="3409141404"/>
-                    </a:ext>
-                  </a:extLst>
-                </a:gridCol>
-                <a:gridCol w="423078">
-                  <a:extLst>
-                    <a:ext uri="{9D8B030D-6E8A-4147-A177-3AD203B41FA5}">
-                      <a16:colId xmlns:a16="http://schemas.microsoft.com/office/drawing/2014/main" val="217707470"/>
-                    </a:ext>
-                  </a:extLst>
-                </a:gridCol>
-                <a:gridCol w="423078">
-                  <a:extLst>
-                    <a:ext uri="{9D8B030D-6E8A-4147-A177-3AD203B41FA5}">
-                      <a16:colId xmlns:a16="http://schemas.microsoft.com/office/drawing/2014/main" val="770379941"/>
-                    </a:ext>
-                  </a:extLst>
-                </a:gridCol>
-                <a:gridCol w="423078">
-                  <a:extLst>
-                    <a:ext uri="{9D8B030D-6E8A-4147-A177-3AD203B41FA5}">
-                      <a16:colId xmlns:a16="http://schemas.microsoft.com/office/drawing/2014/main" val="4085467491"/>
-                    </a:ext>
-                  </a:extLst>
-                </a:gridCol>
-                <a:gridCol w="423078">
-                  <a:extLst>
-                    <a:ext uri="{9D8B030D-6E8A-4147-A177-3AD203B41FA5}">
-                      <a16:colId xmlns:a16="http://schemas.microsoft.com/office/drawing/2014/main" val="2183018877"/>
-                    </a:ext>
-                  </a:extLst>
-                </a:gridCol>
-                <a:gridCol w="423078">
-                  <a:extLst>
-                    <a:ext uri="{9D8B030D-6E8A-4147-A177-3AD203B41FA5}">
-                      <a16:colId xmlns:a16="http://schemas.microsoft.com/office/drawing/2014/main" val="3957069584"/>
-                    </a:ext>
-                  </a:extLst>
-                </a:gridCol>
-                <a:gridCol w="423078">
-                  <a:extLst>
-                    <a:ext uri="{9D8B030D-6E8A-4147-A177-3AD203B41FA5}">
-                      <a16:colId xmlns:a16="http://schemas.microsoft.com/office/drawing/2014/main" val="3244291510"/>
-                    </a:ext>
-                  </a:extLst>
-                </a:gridCol>
-                <a:gridCol w="423078">
-                  <a:extLst>
-                    <a:ext uri="{9D8B030D-6E8A-4147-A177-3AD203B41FA5}">
-                      <a16:colId xmlns:a16="http://schemas.microsoft.com/office/drawing/2014/main" val="3722398860"/>
-                    </a:ext>
-                  </a:extLst>
-                </a:gridCol>
-              </a:tblGrid>
-              <a:tr h="370840">
-                <a:tc>
-                  <a:txBody>
-                    <a:bodyPr/>
-                    <a:lstStyle/>
-                    <a:p>
-                      <a:endParaRPr lang="en-HK" dirty="0"/>
-                    </a:p>
-                  </a:txBody>
-                  <a:tcPr>
-                    <a:solidFill>
-                      <a:schemeClr val="accent2">
-                        <a:lumMod val="40000"/>
-                        <a:lumOff val="60000"/>
-                      </a:schemeClr>
-                    </a:solidFill>
-                  </a:tcPr>
-                </a:tc>
-                <a:tc>
-                  <a:txBody>
-                    <a:bodyPr/>
-                    <a:lstStyle/>
-                    <a:p>
-                      <a:endParaRPr lang="en-HK" dirty="0"/>
-                    </a:p>
-                  </a:txBody>
-                  <a:tcPr>
-                    <a:solidFill>
-                      <a:schemeClr val="accent2">
-                        <a:lumMod val="40000"/>
-                        <a:lumOff val="60000"/>
-                      </a:schemeClr>
-                    </a:solidFill>
-                  </a:tcPr>
-                </a:tc>
-                <a:tc>
-                  <a:txBody>
-                    <a:bodyPr/>
-                    <a:lstStyle/>
-                    <a:p>
-                      <a:endParaRPr lang="en-HK" dirty="0"/>
-                    </a:p>
-                  </a:txBody>
-                  <a:tcPr>
-                    <a:lnTlToBr w="12700" cap="flat" cmpd="sng" algn="ctr">
-                      <a:solidFill>
-                        <a:schemeClr val="tx1"/>
-                      </a:solidFill>
-                      <a:prstDash val="solid"/>
-                      <a:round/>
-                      <a:headEnd type="none" w="med" len="med"/>
-                      <a:tailEnd type="none" w="med" len="med"/>
-                    </a:lnTlToBr>
-                    <a:lnBlToTr w="12700" cap="flat" cmpd="sng" algn="ctr">
-                      <a:solidFill>
-                        <a:schemeClr val="tx1"/>
-                      </a:solidFill>
-                      <a:prstDash val="solid"/>
-                      <a:round/>
-                      <a:headEnd type="none" w="med" len="med"/>
-                      <a:tailEnd type="none" w="med" len="med"/>
-                    </a:lnBlToTr>
-                    <a:solidFill>
-                      <a:schemeClr val="accent1">
-                        <a:lumMod val="40000"/>
-                        <a:lumOff val="60000"/>
-                      </a:schemeClr>
-                    </a:solidFill>
-                  </a:tcPr>
-                </a:tc>
-                <a:tc>
-                  <a:txBody>
-                    <a:bodyPr/>
-                    <a:lstStyle/>
-                    <a:p>
-                      <a:endParaRPr lang="en-HK" dirty="0"/>
-                    </a:p>
-                  </a:txBody>
-                  <a:tcPr>
-                    <a:solidFill>
-                      <a:schemeClr val="accent2">
-                        <a:lumMod val="40000"/>
-                        <a:lumOff val="60000"/>
-                      </a:schemeClr>
-                    </a:solidFill>
-                  </a:tcPr>
-                </a:tc>
-                <a:tc>
-                  <a:txBody>
-                    <a:bodyPr/>
-                    <a:lstStyle/>
-                    <a:p>
-                      <a:endParaRPr lang="en-HK" dirty="0"/>
-                    </a:p>
-                  </a:txBody>
-                  <a:tcPr>
-                    <a:lnTlToBr w="12700" cap="flat" cmpd="sng" algn="ctr">
-                      <a:solidFill>
-                        <a:schemeClr val="tx1"/>
-                      </a:solidFill>
-                      <a:prstDash val="solid"/>
-                      <a:round/>
-                      <a:headEnd type="none" w="med" len="med"/>
-                      <a:tailEnd type="none" w="med" len="med"/>
-                    </a:lnTlToBr>
-                    <a:lnBlToTr w="12700" cap="flat" cmpd="sng" algn="ctr">
-                      <a:solidFill>
-                        <a:schemeClr val="tx1"/>
-                      </a:solidFill>
-                      <a:prstDash val="solid"/>
-                      <a:round/>
-                      <a:headEnd type="none" w="med" len="med"/>
-                      <a:tailEnd type="none" w="med" len="med"/>
-                    </a:lnBlToTr>
-                    <a:solidFill>
-                      <a:schemeClr val="accent1">
-                        <a:lumMod val="40000"/>
-                        <a:lumOff val="60000"/>
-                      </a:schemeClr>
-                    </a:solidFill>
-                  </a:tcPr>
-                </a:tc>
-                <a:tc>
-                  <a:txBody>
-                    <a:bodyPr/>
-                    <a:lstStyle/>
-                    <a:p>
-                      <a:endParaRPr lang="en-HK" dirty="0"/>
-                    </a:p>
-                  </a:txBody>
-                  <a:tcPr>
-                    <a:solidFill>
-                      <a:schemeClr val="accent2">
-                        <a:lumMod val="40000"/>
-                        <a:lumOff val="60000"/>
-                      </a:schemeClr>
-                    </a:solidFill>
-                  </a:tcPr>
-                </a:tc>
-                <a:tc>
-                  <a:txBody>
-                    <a:bodyPr/>
-                    <a:lstStyle/>
-                    <a:p>
-                      <a:endParaRPr lang="en-HK" dirty="0"/>
-                    </a:p>
-                  </a:txBody>
-                  <a:tcPr>
-                    <a:solidFill>
-                      <a:schemeClr val="accent2">
-                        <a:lumMod val="40000"/>
-                        <a:lumOff val="60000"/>
-                      </a:schemeClr>
-                    </a:solidFill>
-                  </a:tcPr>
-                </a:tc>
-                <a:tc>
-                  <a:txBody>
-                    <a:bodyPr/>
-                    <a:lstStyle/>
-                    <a:p>
-                      <a:endParaRPr lang="en-HK" dirty="0"/>
-                    </a:p>
-                  </a:txBody>
-                  <a:tcPr>
-                    <a:solidFill>
-                      <a:schemeClr val="accent2">
-                        <a:lumMod val="40000"/>
-                        <a:lumOff val="60000"/>
-                      </a:schemeClr>
-                    </a:solidFill>
-                  </a:tcPr>
-                </a:tc>
-                <a:tc>
-                  <a:txBody>
-                    <a:bodyPr/>
-                    <a:lstStyle/>
-                    <a:p>
-                      <a:endParaRPr lang="en-HK" dirty="0"/>
-                    </a:p>
-                  </a:txBody>
-                  <a:tcPr>
-                    <a:lnTlToBr w="12700" cap="flat" cmpd="sng" algn="ctr">
-                      <a:solidFill>
-                        <a:schemeClr val="tx1"/>
-                      </a:solidFill>
-                      <a:prstDash val="solid"/>
-                      <a:round/>
-                      <a:headEnd type="none" w="med" len="med"/>
-                      <a:tailEnd type="none" w="med" len="med"/>
-                    </a:lnTlToBr>
-                    <a:lnBlToTr w="12700" cap="flat" cmpd="sng" algn="ctr">
-                      <a:solidFill>
-                        <a:schemeClr val="tx1"/>
-                      </a:solidFill>
-                      <a:prstDash val="solid"/>
-                      <a:round/>
-                      <a:headEnd type="none" w="med" len="med"/>
-                      <a:tailEnd type="none" w="med" len="med"/>
-                    </a:lnBlToTr>
-                    <a:solidFill>
-                      <a:schemeClr val="accent1">
-                        <a:lumMod val="40000"/>
-                        <a:lumOff val="60000"/>
-                      </a:schemeClr>
-                    </a:solidFill>
-                  </a:tcPr>
-                </a:tc>
-                <a:tc>
-                  <a:txBody>
-                    <a:bodyPr/>
-                    <a:lstStyle/>
-                    <a:p>
-                      <a:endParaRPr lang="en-HK" dirty="0"/>
-                    </a:p>
-                  </a:txBody>
-                  <a:tcPr>
-                    <a:solidFill>
-                      <a:schemeClr val="accent2">
-                        <a:lumMod val="40000"/>
-                        <a:lumOff val="60000"/>
-                      </a:schemeClr>
-                    </a:solidFill>
-                  </a:tcPr>
-                </a:tc>
-                <a:extLst>
-                  <a:ext uri="{0D108BD9-81ED-4DB2-BD59-A6C34878D82A}">
-                    <a16:rowId xmlns:a16="http://schemas.microsoft.com/office/drawing/2014/main" val="2601047344"/>
-                  </a:ext>
-                </a:extLst>
-              </a:tr>
-            </a:tbl>
-          </a:graphicData>
-        </a:graphic>
-      </p:graphicFrame>
-      <p:graphicFrame>
-        <p:nvGraphicFramePr>
-          <p:cNvPr id="32" name="Table 4">
-            <a:extLst>
-              <a:ext uri="{FF2B5EF4-FFF2-40B4-BE49-F238E27FC236}">
-                <a16:creationId xmlns:a16="http://schemas.microsoft.com/office/drawing/2014/main" id="{F18C4624-DFF6-6FF5-778D-898D5CCBCF8E}"/>
-              </a:ext>
-            </a:extLst>
-          </p:cNvPr>
-          <p:cNvGraphicFramePr>
-            <a:graphicFrameLocks noGrp="1"/>
-          </p:cNvGraphicFramePr>
-          <p:nvPr>
-            <p:extLst>
-              <p:ext uri="{D42A27DB-BD31-4B8C-83A1-F6EECF244321}">
-                <p14:modId xmlns:p14="http://schemas.microsoft.com/office/powerpoint/2010/main" val="3923117448"/>
-              </p:ext>
-            </p:extLst>
-          </p:nvPr>
-        </p:nvGraphicFramePr>
-        <p:xfrm>
-          <a:off x="5830486" y="386684"/>
-          <a:ext cx="846156" cy="370840"/>
-        </p:xfrm>
-        <a:graphic>
-          <a:graphicData uri="http://schemas.openxmlformats.org/drawingml/2006/table">
-            <a:tbl>
-              <a:tblPr firstRow="1" bandRow="1">
-                <a:tableStyleId>{5C22544A-7EE6-4342-B048-85BDC9FD1C3A}</a:tableStyleId>
-              </a:tblPr>
-              <a:tblGrid>
-                <a:gridCol w="423078">
-                  <a:extLst>
-                    <a:ext uri="{9D8B030D-6E8A-4147-A177-3AD203B41FA5}">
-                      <a16:colId xmlns:a16="http://schemas.microsoft.com/office/drawing/2014/main" val="1958716807"/>
-                    </a:ext>
-                  </a:extLst>
-                </a:gridCol>
-                <a:gridCol w="423078">
-                  <a:extLst>
-                    <a:ext uri="{9D8B030D-6E8A-4147-A177-3AD203B41FA5}">
-                      <a16:colId xmlns:a16="http://schemas.microsoft.com/office/drawing/2014/main" val="2177103222"/>
-                    </a:ext>
-                  </a:extLst>
-                </a:gridCol>
-              </a:tblGrid>
-              <a:tr h="370840">
-                <a:tc>
-                  <a:txBody>
-                    <a:bodyPr/>
-                    <a:lstStyle/>
-                    <a:p>
-                      <a:endParaRPr lang="en-HK" dirty="0"/>
-                    </a:p>
-                  </a:txBody>
-                  <a:tcPr>
-                    <a:solidFill>
-                      <a:schemeClr val="accent6">
-                        <a:lumMod val="60000"/>
-                        <a:lumOff val="40000"/>
-                      </a:schemeClr>
-                    </a:solidFill>
-                  </a:tcPr>
-                </a:tc>
-                <a:tc>
-                  <a:txBody>
-                    <a:bodyPr/>
-                    <a:lstStyle/>
-                    <a:p>
-                      <a:endParaRPr lang="en-HK" dirty="0"/>
-                    </a:p>
-                  </a:txBody>
-                  <a:tcPr>
-                    <a:solidFill>
-                      <a:schemeClr val="accent6">
-                        <a:lumMod val="60000"/>
-                        <a:lumOff val="40000"/>
-                      </a:schemeClr>
-                    </a:solidFill>
-                  </a:tcPr>
-                </a:tc>
-                <a:extLst>
-                  <a:ext uri="{0D108BD9-81ED-4DB2-BD59-A6C34878D82A}">
-                    <a16:rowId xmlns:a16="http://schemas.microsoft.com/office/drawing/2014/main" val="2601047344"/>
-                  </a:ext>
-                </a:extLst>
-              </a:tr>
-            </a:tbl>
-          </a:graphicData>
-        </a:graphic>
-      </p:graphicFrame>
-      <p:cxnSp>
-        <p:nvCxnSpPr>
-          <p:cNvPr id="33" name="Straight Arrow Connector 32">
-            <a:extLst>
-              <a:ext uri="{FF2B5EF4-FFF2-40B4-BE49-F238E27FC236}">
-                <a16:creationId xmlns:a16="http://schemas.microsoft.com/office/drawing/2014/main" id="{583F88C5-ED8C-9DD2-E960-4C08DC278085}"/>
-              </a:ext>
-            </a:extLst>
-          </p:cNvPr>
-          <p:cNvCxnSpPr>
-            <a:cxnSpLocks/>
-            <a:stCxn id="32" idx="2"/>
-          </p:cNvCxnSpPr>
-          <p:nvPr/>
-        </p:nvCxnSpPr>
-        <p:spPr>
-          <a:xfrm>
-            <a:off x="6253564" y="757524"/>
-            <a:ext cx="0" cy="260393"/>
-          </a:xfrm>
-          <a:prstGeom prst="straightConnector1">
-            <a:avLst/>
-          </a:prstGeom>
-          <a:ln>
-            <a:tailEnd type="triangle"/>
-          </a:ln>
-        </p:spPr>
-        <p:style>
-          <a:lnRef idx="3">
-            <a:schemeClr val="dk1"/>
-          </a:lnRef>
-          <a:fillRef idx="0">
-            <a:schemeClr val="dk1"/>
-          </a:fillRef>
-          <a:effectRef idx="2">
-            <a:schemeClr val="dk1"/>
-          </a:effectRef>
-          <a:fontRef idx="minor">
-            <a:schemeClr val="tx1"/>
-          </a:fontRef>
-        </p:style>
-      </p:cxnSp>
-      <p:cxnSp>
-        <p:nvCxnSpPr>
-          <p:cNvPr id="34" name="Straight Arrow Connector 33">
-            <a:extLst>
-              <a:ext uri="{FF2B5EF4-FFF2-40B4-BE49-F238E27FC236}">
-                <a16:creationId xmlns:a16="http://schemas.microsoft.com/office/drawing/2014/main" id="{64805C4C-A469-4A3F-093E-83E68DB928E0}"/>
-              </a:ext>
-            </a:extLst>
-          </p:cNvPr>
-          <p:cNvCxnSpPr>
-            <a:cxnSpLocks/>
-          </p:cNvCxnSpPr>
-          <p:nvPr/>
-        </p:nvCxnSpPr>
-        <p:spPr>
-          <a:xfrm>
-            <a:off x="7948756" y="1459336"/>
-            <a:ext cx="0" cy="250166"/>
-          </a:xfrm>
-          <a:prstGeom prst="straightConnector1">
-            <a:avLst/>
-          </a:prstGeom>
-          <a:ln>
-            <a:tailEnd type="triangle"/>
-          </a:ln>
-        </p:spPr>
-        <p:style>
-          <a:lnRef idx="3">
-            <a:schemeClr val="dk1"/>
-          </a:lnRef>
-          <a:fillRef idx="0">
-            <a:schemeClr val="dk1"/>
-          </a:fillRef>
-          <a:effectRef idx="2">
-            <a:schemeClr val="dk1"/>
-          </a:effectRef>
-          <a:fontRef idx="minor">
-            <a:schemeClr val="tx1"/>
-          </a:fontRef>
-        </p:style>
-      </p:cxnSp>
-      <p:graphicFrame>
-        <p:nvGraphicFramePr>
-          <p:cNvPr id="35" name="Table 4">
-            <a:extLst>
-              <a:ext uri="{FF2B5EF4-FFF2-40B4-BE49-F238E27FC236}">
-                <a16:creationId xmlns:a16="http://schemas.microsoft.com/office/drawing/2014/main" id="{783DEFC7-3B4A-716A-4DBA-A4A8EB3F35A8}"/>
-              </a:ext>
-            </a:extLst>
-          </p:cNvPr>
-          <p:cNvGraphicFramePr>
-            <a:graphicFrameLocks noGrp="1"/>
-          </p:cNvGraphicFramePr>
-          <p:nvPr>
-            <p:extLst>
-              <p:ext uri="{D42A27DB-BD31-4B8C-83A1-F6EECF244321}">
-                <p14:modId xmlns:p14="http://schemas.microsoft.com/office/powerpoint/2010/main" val="717609030"/>
-              </p:ext>
-            </p:extLst>
-          </p:nvPr>
-        </p:nvGraphicFramePr>
-        <p:xfrm>
-          <a:off x="5833366" y="1735380"/>
-          <a:ext cx="4230780" cy="370840"/>
-        </p:xfrm>
-        <a:graphic>
-          <a:graphicData uri="http://schemas.openxmlformats.org/drawingml/2006/table">
-            <a:tbl>
-              <a:tblPr firstRow="1" bandRow="1">
-                <a:tableStyleId>{5C22544A-7EE6-4342-B048-85BDC9FD1C3A}</a:tableStyleId>
-              </a:tblPr>
-              <a:tblGrid>
-                <a:gridCol w="423078">
-                  <a:extLst>
-                    <a:ext uri="{9D8B030D-6E8A-4147-A177-3AD203B41FA5}">
-                      <a16:colId xmlns:a16="http://schemas.microsoft.com/office/drawing/2014/main" val="1958716807"/>
-                    </a:ext>
-                  </a:extLst>
-                </a:gridCol>
-                <a:gridCol w="423078">
-                  <a:extLst>
-                    <a:ext uri="{9D8B030D-6E8A-4147-A177-3AD203B41FA5}">
-                      <a16:colId xmlns:a16="http://schemas.microsoft.com/office/drawing/2014/main" val="2177103222"/>
-                    </a:ext>
-                  </a:extLst>
-                </a:gridCol>
-                <a:gridCol w="423078">
-                  <a:extLst>
-                    <a:ext uri="{9D8B030D-6E8A-4147-A177-3AD203B41FA5}">
-                      <a16:colId xmlns:a16="http://schemas.microsoft.com/office/drawing/2014/main" val="3409141404"/>
-                    </a:ext>
-                  </a:extLst>
-                </a:gridCol>
-                <a:gridCol w="423078">
-                  <a:extLst>
-                    <a:ext uri="{9D8B030D-6E8A-4147-A177-3AD203B41FA5}">
-                      <a16:colId xmlns:a16="http://schemas.microsoft.com/office/drawing/2014/main" val="217707470"/>
-                    </a:ext>
-                  </a:extLst>
-                </a:gridCol>
-                <a:gridCol w="423078">
-                  <a:extLst>
-                    <a:ext uri="{9D8B030D-6E8A-4147-A177-3AD203B41FA5}">
-                      <a16:colId xmlns:a16="http://schemas.microsoft.com/office/drawing/2014/main" val="770379941"/>
-                    </a:ext>
-                  </a:extLst>
-                </a:gridCol>
-                <a:gridCol w="423078">
-                  <a:extLst>
-                    <a:ext uri="{9D8B030D-6E8A-4147-A177-3AD203B41FA5}">
-                      <a16:colId xmlns:a16="http://schemas.microsoft.com/office/drawing/2014/main" val="4085467491"/>
-                    </a:ext>
-                  </a:extLst>
-                </a:gridCol>
-                <a:gridCol w="423078">
-                  <a:extLst>
-                    <a:ext uri="{9D8B030D-6E8A-4147-A177-3AD203B41FA5}">
-                      <a16:colId xmlns:a16="http://schemas.microsoft.com/office/drawing/2014/main" val="2183018877"/>
-                    </a:ext>
-                  </a:extLst>
-                </a:gridCol>
-                <a:gridCol w="423078">
-                  <a:extLst>
-                    <a:ext uri="{9D8B030D-6E8A-4147-A177-3AD203B41FA5}">
-                      <a16:colId xmlns:a16="http://schemas.microsoft.com/office/drawing/2014/main" val="3957069584"/>
-                    </a:ext>
-                  </a:extLst>
-                </a:gridCol>
-                <a:gridCol w="423078">
-                  <a:extLst>
-                    <a:ext uri="{9D8B030D-6E8A-4147-A177-3AD203B41FA5}">
-                      <a16:colId xmlns:a16="http://schemas.microsoft.com/office/drawing/2014/main" val="3244291510"/>
-                    </a:ext>
-                  </a:extLst>
-                </a:gridCol>
-                <a:gridCol w="423078">
-                  <a:extLst>
-                    <a:ext uri="{9D8B030D-6E8A-4147-A177-3AD203B41FA5}">
-                      <a16:colId xmlns:a16="http://schemas.microsoft.com/office/drawing/2014/main" val="3722398860"/>
-                    </a:ext>
-                  </a:extLst>
-                </a:gridCol>
-              </a:tblGrid>
-              <a:tr h="370840">
-                <a:tc>
-                  <a:txBody>
-                    <a:bodyPr/>
-                    <a:lstStyle/>
-                    <a:p>
-                      <a:endParaRPr lang="en-HK" dirty="0"/>
-                    </a:p>
-                  </a:txBody>
-                  <a:tcPr>
-                    <a:lnTlToBr w="12700" cap="flat" cmpd="sng" algn="ctr">
-                      <a:solidFill>
-                        <a:schemeClr val="tx1"/>
-                      </a:solidFill>
-                      <a:prstDash val="solid"/>
-                      <a:round/>
-                      <a:headEnd type="none" w="med" len="med"/>
-                      <a:tailEnd type="none" w="med" len="med"/>
-                    </a:lnTlToBr>
-                    <a:lnBlToTr w="12700" cap="flat" cmpd="sng" algn="ctr">
-                      <a:solidFill>
-                        <a:schemeClr val="tx1"/>
-                      </a:solidFill>
-                      <a:prstDash val="solid"/>
-                      <a:round/>
-                      <a:headEnd type="none" w="med" len="med"/>
-                      <a:tailEnd type="none" w="med" len="med"/>
-                    </a:lnBlToTr>
-                    <a:solidFill>
-                      <a:schemeClr val="accent6">
-                        <a:lumMod val="60000"/>
-                        <a:lumOff val="40000"/>
-                      </a:schemeClr>
-                    </a:solidFill>
-                  </a:tcPr>
-                </a:tc>
-                <a:tc>
-                  <a:txBody>
-                    <a:bodyPr/>
-                    <a:lstStyle/>
-                    <a:p>
-                      <a:endParaRPr lang="en-HK" dirty="0"/>
-                    </a:p>
-                  </a:txBody>
-                  <a:tcPr>
-                    <a:lnTlToBr w="12700" cap="flat" cmpd="sng" algn="ctr">
-                      <a:solidFill>
-                        <a:schemeClr val="tx1"/>
-                      </a:solidFill>
-                      <a:prstDash val="solid"/>
-                      <a:round/>
-                      <a:headEnd type="none" w="med" len="med"/>
-                      <a:tailEnd type="none" w="med" len="med"/>
-                    </a:lnTlToBr>
-                    <a:lnBlToTr w="12700" cap="flat" cmpd="sng" algn="ctr">
-                      <a:solidFill>
-                        <a:schemeClr val="tx1"/>
-                      </a:solidFill>
-                      <a:prstDash val="solid"/>
-                      <a:round/>
-                      <a:headEnd type="none" w="med" len="med"/>
-                      <a:tailEnd type="none" w="med" len="med"/>
-                    </a:lnBlToTr>
-                    <a:solidFill>
-                      <a:schemeClr val="accent6">
-                        <a:lumMod val="60000"/>
-                        <a:lumOff val="40000"/>
-                      </a:schemeClr>
-                    </a:solidFill>
-                  </a:tcPr>
-                </a:tc>
-                <a:tc>
-                  <a:txBody>
-                    <a:bodyPr/>
-                    <a:lstStyle/>
-                    <a:p>
-                      <a:endParaRPr lang="en-HK" dirty="0"/>
-                    </a:p>
-                  </a:txBody>
-                  <a:tcPr>
-                    <a:lnTlToBr w="12700" cap="flat" cmpd="sng" algn="ctr">
-                      <a:solidFill>
-                        <a:schemeClr val="tx1"/>
-                      </a:solidFill>
-                      <a:prstDash val="solid"/>
-                      <a:round/>
-                      <a:headEnd type="none" w="med" len="med"/>
-                      <a:tailEnd type="none" w="med" len="med"/>
-                    </a:lnTlToBr>
-                    <a:lnBlToTr w="12700" cap="flat" cmpd="sng" algn="ctr">
-                      <a:solidFill>
-                        <a:schemeClr val="tx1"/>
-                      </a:solidFill>
-                      <a:prstDash val="solid"/>
-                      <a:round/>
-                      <a:headEnd type="none" w="med" len="med"/>
-                      <a:tailEnd type="none" w="med" len="med"/>
-                    </a:lnBlToTr>
-                    <a:solidFill>
-                      <a:schemeClr val="accent1">
-                        <a:lumMod val="40000"/>
-                        <a:lumOff val="60000"/>
-                      </a:schemeClr>
-                    </a:solidFill>
-                  </a:tcPr>
-                </a:tc>
-                <a:tc>
-                  <a:txBody>
-                    <a:bodyPr/>
-                    <a:lstStyle/>
-                    <a:p>
-                      <a:endParaRPr lang="en-HK" dirty="0"/>
-                    </a:p>
-                  </a:txBody>
-                  <a:tcPr>
-                    <a:solidFill>
-                      <a:schemeClr val="accent2">
-                        <a:lumMod val="40000"/>
-                        <a:lumOff val="60000"/>
-                      </a:schemeClr>
-                    </a:solidFill>
-                  </a:tcPr>
-                </a:tc>
-                <a:tc>
-                  <a:txBody>
-                    <a:bodyPr/>
-                    <a:lstStyle/>
-                    <a:p>
-                      <a:endParaRPr lang="en-HK" dirty="0"/>
-                    </a:p>
-                  </a:txBody>
-                  <a:tcPr>
-                    <a:lnTlToBr w="12700" cap="flat" cmpd="sng" algn="ctr">
-                      <a:solidFill>
-                        <a:schemeClr val="tx1"/>
-                      </a:solidFill>
-                      <a:prstDash val="solid"/>
-                      <a:round/>
-                      <a:headEnd type="none" w="med" len="med"/>
-                      <a:tailEnd type="none" w="med" len="med"/>
-                    </a:lnTlToBr>
-                    <a:lnBlToTr w="12700" cap="flat" cmpd="sng" algn="ctr">
-                      <a:solidFill>
-                        <a:schemeClr val="tx1"/>
-                      </a:solidFill>
-                      <a:prstDash val="solid"/>
-                      <a:round/>
-                      <a:headEnd type="none" w="med" len="med"/>
-                      <a:tailEnd type="none" w="med" len="med"/>
-                    </a:lnBlToTr>
-                    <a:solidFill>
-                      <a:schemeClr val="accent1">
-                        <a:lumMod val="40000"/>
-                        <a:lumOff val="60000"/>
-                      </a:schemeClr>
-                    </a:solidFill>
-                  </a:tcPr>
-                </a:tc>
-                <a:tc>
-                  <a:txBody>
-                    <a:bodyPr/>
-                    <a:lstStyle/>
-                    <a:p>
-                      <a:endParaRPr lang="en-HK" dirty="0"/>
-                    </a:p>
-                  </a:txBody>
-                  <a:tcPr>
-                    <a:solidFill>
-                      <a:schemeClr val="accent2">
-                        <a:lumMod val="40000"/>
-                        <a:lumOff val="60000"/>
-                      </a:schemeClr>
-                    </a:solidFill>
-                  </a:tcPr>
-                </a:tc>
-                <a:tc>
-                  <a:txBody>
-                    <a:bodyPr/>
-                    <a:lstStyle/>
-                    <a:p>
-                      <a:endParaRPr lang="en-HK" dirty="0"/>
-                    </a:p>
-                  </a:txBody>
-                  <a:tcPr>
-                    <a:solidFill>
-                      <a:schemeClr val="accent2">
-                        <a:lumMod val="40000"/>
-                        <a:lumOff val="60000"/>
-                      </a:schemeClr>
-                    </a:solidFill>
-                  </a:tcPr>
-                </a:tc>
-                <a:tc>
-                  <a:txBody>
-                    <a:bodyPr/>
-                    <a:lstStyle/>
-                    <a:p>
-                      <a:endParaRPr lang="en-HK" dirty="0"/>
-                    </a:p>
-                  </a:txBody>
-                  <a:tcPr>
-                    <a:solidFill>
-                      <a:schemeClr val="accent2">
-                        <a:lumMod val="40000"/>
-                        <a:lumOff val="60000"/>
-                      </a:schemeClr>
-                    </a:solidFill>
-                  </a:tcPr>
-                </a:tc>
-                <a:tc>
-                  <a:txBody>
-                    <a:bodyPr/>
-                    <a:lstStyle/>
-                    <a:p>
-                      <a:endParaRPr lang="en-HK" dirty="0"/>
-                    </a:p>
-                  </a:txBody>
-                  <a:tcPr>
-                    <a:lnTlToBr w="12700" cap="flat" cmpd="sng" algn="ctr">
-                      <a:solidFill>
-                        <a:schemeClr val="tx1"/>
-                      </a:solidFill>
-                      <a:prstDash val="solid"/>
-                      <a:round/>
-                      <a:headEnd type="none" w="med" len="med"/>
-                      <a:tailEnd type="none" w="med" len="med"/>
-                    </a:lnTlToBr>
-                    <a:lnBlToTr w="12700" cap="flat" cmpd="sng" algn="ctr">
-                      <a:solidFill>
-                        <a:schemeClr val="tx1"/>
-                      </a:solidFill>
-                      <a:prstDash val="solid"/>
-                      <a:round/>
-                      <a:headEnd type="none" w="med" len="med"/>
-                      <a:tailEnd type="none" w="med" len="med"/>
-                    </a:lnBlToTr>
-                    <a:solidFill>
-                      <a:schemeClr val="accent1">
-                        <a:lumMod val="40000"/>
-                        <a:lumOff val="60000"/>
-                      </a:schemeClr>
-                    </a:solidFill>
-                  </a:tcPr>
-                </a:tc>
-                <a:tc>
-                  <a:txBody>
-                    <a:bodyPr/>
-                    <a:lstStyle/>
-                    <a:p>
-                      <a:endParaRPr lang="en-HK" dirty="0"/>
-                    </a:p>
-                  </a:txBody>
-                  <a:tcPr>
-                    <a:solidFill>
-                      <a:schemeClr val="accent2">
-                        <a:lumMod val="40000"/>
-                        <a:lumOff val="60000"/>
-                      </a:schemeClr>
-                    </a:solidFill>
-                  </a:tcPr>
-                </a:tc>
-                <a:extLst>
-                  <a:ext uri="{0D108BD9-81ED-4DB2-BD59-A6C34878D82A}">
-                    <a16:rowId xmlns:a16="http://schemas.microsoft.com/office/drawing/2014/main" val="2601047344"/>
-                  </a:ext>
-                </a:extLst>
-              </a:tr>
-            </a:tbl>
-          </a:graphicData>
-        </a:graphic>
-      </p:graphicFrame>
-      <p:graphicFrame>
-        <p:nvGraphicFramePr>
-          <p:cNvPr id="36" name="Table 4">
-            <a:extLst>
-              <a:ext uri="{FF2B5EF4-FFF2-40B4-BE49-F238E27FC236}">
-                <a16:creationId xmlns:a16="http://schemas.microsoft.com/office/drawing/2014/main" id="{7CF9622A-709F-FD69-93B0-14F82C13661C}"/>
-              </a:ext>
-            </a:extLst>
-          </p:cNvPr>
-          <p:cNvGraphicFramePr>
-            <a:graphicFrameLocks noGrp="1"/>
-          </p:cNvGraphicFramePr>
-          <p:nvPr>
-            <p:extLst>
-              <p:ext uri="{D42A27DB-BD31-4B8C-83A1-F6EECF244321}">
-                <p14:modId xmlns:p14="http://schemas.microsoft.com/office/powerpoint/2010/main" val="3697038702"/>
-              </p:ext>
-            </p:extLst>
-          </p:nvPr>
-        </p:nvGraphicFramePr>
-        <p:xfrm>
-          <a:off x="7309442" y="2398304"/>
-          <a:ext cx="1263285" cy="370840"/>
-        </p:xfrm>
-        <a:graphic>
-          <a:graphicData uri="http://schemas.openxmlformats.org/drawingml/2006/table">
-            <a:tbl>
-              <a:tblPr firstRow="1" bandRow="1">
-                <a:tableStyleId>{5C22544A-7EE6-4342-B048-85BDC9FD1C3A}</a:tableStyleId>
-              </a:tblPr>
-              <a:tblGrid>
-                <a:gridCol w="421095">
-                  <a:extLst>
-                    <a:ext uri="{9D8B030D-6E8A-4147-A177-3AD203B41FA5}">
-                      <a16:colId xmlns:a16="http://schemas.microsoft.com/office/drawing/2014/main" val="1958716807"/>
-                    </a:ext>
-                  </a:extLst>
-                </a:gridCol>
-                <a:gridCol w="421095">
-                  <a:extLst>
-                    <a:ext uri="{9D8B030D-6E8A-4147-A177-3AD203B41FA5}">
-                      <a16:colId xmlns:a16="http://schemas.microsoft.com/office/drawing/2014/main" val="2177103222"/>
-                    </a:ext>
-                  </a:extLst>
-                </a:gridCol>
-                <a:gridCol w="421095">
-                  <a:extLst>
-                    <a:ext uri="{9D8B030D-6E8A-4147-A177-3AD203B41FA5}">
-                      <a16:colId xmlns:a16="http://schemas.microsoft.com/office/drawing/2014/main" val="1711010613"/>
-                    </a:ext>
-                  </a:extLst>
-                </a:gridCol>
-              </a:tblGrid>
-              <a:tr h="370840">
-                <a:tc>
-                  <a:txBody>
-                    <a:bodyPr/>
-                    <a:lstStyle/>
-                    <a:p>
-                      <a:endParaRPr lang="en-HK" dirty="0"/>
-                    </a:p>
-                  </a:txBody>
-                  <a:tcPr>
-                    <a:solidFill>
-                      <a:schemeClr val="accent6">
-                        <a:lumMod val="60000"/>
-                        <a:lumOff val="40000"/>
-                      </a:schemeClr>
-                    </a:solidFill>
-                  </a:tcPr>
-                </a:tc>
-                <a:tc>
-                  <a:txBody>
-                    <a:bodyPr/>
-                    <a:lstStyle/>
-                    <a:p>
-                      <a:endParaRPr lang="en-HK" dirty="0"/>
-                    </a:p>
-                  </a:txBody>
-                  <a:tcPr>
-                    <a:solidFill>
-                      <a:schemeClr val="accent6">
-                        <a:lumMod val="60000"/>
-                        <a:lumOff val="40000"/>
-                      </a:schemeClr>
-                    </a:solidFill>
-                  </a:tcPr>
-                </a:tc>
-                <a:tc>
-                  <a:txBody>
-                    <a:bodyPr/>
-                    <a:lstStyle/>
-                    <a:p>
-                      <a:endParaRPr lang="en-HK" dirty="0"/>
-                    </a:p>
-                  </a:txBody>
-                  <a:tcPr>
-                    <a:solidFill>
-                      <a:schemeClr val="accent6">
-                        <a:lumMod val="60000"/>
-                        <a:lumOff val="40000"/>
-                      </a:schemeClr>
-                    </a:solidFill>
-                  </a:tcPr>
-                </a:tc>
-                <a:extLst>
-                  <a:ext uri="{0D108BD9-81ED-4DB2-BD59-A6C34878D82A}">
-                    <a16:rowId xmlns:a16="http://schemas.microsoft.com/office/drawing/2014/main" val="2601047344"/>
-                  </a:ext>
-                </a:extLst>
-              </a:tr>
-            </a:tbl>
-          </a:graphicData>
-        </a:graphic>
-      </p:graphicFrame>
-      <p:cxnSp>
-        <p:nvCxnSpPr>
-          <p:cNvPr id="38" name="Straight Arrow Connector 37">
-            <a:extLst>
-              <a:ext uri="{FF2B5EF4-FFF2-40B4-BE49-F238E27FC236}">
-                <a16:creationId xmlns:a16="http://schemas.microsoft.com/office/drawing/2014/main" id="{09DFDA73-0EEF-0E15-B62F-2A8C0C1464A9}"/>
-              </a:ext>
-            </a:extLst>
-          </p:cNvPr>
-          <p:cNvCxnSpPr>
-            <a:cxnSpLocks/>
-          </p:cNvCxnSpPr>
-          <p:nvPr/>
-        </p:nvCxnSpPr>
-        <p:spPr>
-          <a:xfrm>
-            <a:off x="7941084" y="2769144"/>
-            <a:ext cx="0" cy="250166"/>
-          </a:xfrm>
-          <a:prstGeom prst="straightConnector1">
-            <a:avLst/>
-          </a:prstGeom>
-          <a:ln>
-            <a:tailEnd type="triangle"/>
-          </a:ln>
-        </p:spPr>
-        <p:style>
-          <a:lnRef idx="3">
-            <a:schemeClr val="dk1"/>
-          </a:lnRef>
-          <a:fillRef idx="0">
-            <a:schemeClr val="dk1"/>
-          </a:fillRef>
-          <a:effectRef idx="2">
-            <a:schemeClr val="dk1"/>
-          </a:effectRef>
-          <a:fontRef idx="minor">
-            <a:schemeClr val="tx1"/>
-          </a:fontRef>
-        </p:style>
-      </p:cxnSp>
-      <p:graphicFrame>
-        <p:nvGraphicFramePr>
-          <p:cNvPr id="41" name="Table 4">
-            <a:extLst>
-              <a:ext uri="{FF2B5EF4-FFF2-40B4-BE49-F238E27FC236}">
-                <a16:creationId xmlns:a16="http://schemas.microsoft.com/office/drawing/2014/main" id="{27CCFF38-6F0A-EF24-F2BA-CB54A56FE512}"/>
-              </a:ext>
-            </a:extLst>
-          </p:cNvPr>
-          <p:cNvGraphicFramePr>
-            <a:graphicFrameLocks noGrp="1"/>
-          </p:cNvGraphicFramePr>
-          <p:nvPr>
-            <p:extLst>
-              <p:ext uri="{D42A27DB-BD31-4B8C-83A1-F6EECF244321}">
-                <p14:modId xmlns:p14="http://schemas.microsoft.com/office/powerpoint/2010/main" val="778886460"/>
-              </p:ext>
-            </p:extLst>
-          </p:nvPr>
-        </p:nvGraphicFramePr>
-        <p:xfrm>
-          <a:off x="5825694" y="3035318"/>
-          <a:ext cx="4230780" cy="370840"/>
-        </p:xfrm>
-        <a:graphic>
-          <a:graphicData uri="http://schemas.openxmlformats.org/drawingml/2006/table">
-            <a:tbl>
-              <a:tblPr firstRow="1" bandRow="1">
-                <a:tableStyleId>{5C22544A-7EE6-4342-B048-85BDC9FD1C3A}</a:tableStyleId>
-              </a:tblPr>
-              <a:tblGrid>
-                <a:gridCol w="423078">
-                  <a:extLst>
-                    <a:ext uri="{9D8B030D-6E8A-4147-A177-3AD203B41FA5}">
-                      <a16:colId xmlns:a16="http://schemas.microsoft.com/office/drawing/2014/main" val="1958716807"/>
-                    </a:ext>
-                  </a:extLst>
-                </a:gridCol>
-                <a:gridCol w="423078">
-                  <a:extLst>
-                    <a:ext uri="{9D8B030D-6E8A-4147-A177-3AD203B41FA5}">
-                      <a16:colId xmlns:a16="http://schemas.microsoft.com/office/drawing/2014/main" val="2177103222"/>
-                    </a:ext>
-                  </a:extLst>
-                </a:gridCol>
-                <a:gridCol w="423078">
-                  <a:extLst>
-                    <a:ext uri="{9D8B030D-6E8A-4147-A177-3AD203B41FA5}">
-                      <a16:colId xmlns:a16="http://schemas.microsoft.com/office/drawing/2014/main" val="3409141404"/>
-                    </a:ext>
-                  </a:extLst>
-                </a:gridCol>
-                <a:gridCol w="423078">
-                  <a:extLst>
-                    <a:ext uri="{9D8B030D-6E8A-4147-A177-3AD203B41FA5}">
-                      <a16:colId xmlns:a16="http://schemas.microsoft.com/office/drawing/2014/main" val="217707470"/>
-                    </a:ext>
-                  </a:extLst>
-                </a:gridCol>
-                <a:gridCol w="423078">
-                  <a:extLst>
-                    <a:ext uri="{9D8B030D-6E8A-4147-A177-3AD203B41FA5}">
-                      <a16:colId xmlns:a16="http://schemas.microsoft.com/office/drawing/2014/main" val="770379941"/>
-                    </a:ext>
-                  </a:extLst>
-                </a:gridCol>
-                <a:gridCol w="423078">
-                  <a:extLst>
-                    <a:ext uri="{9D8B030D-6E8A-4147-A177-3AD203B41FA5}">
-                      <a16:colId xmlns:a16="http://schemas.microsoft.com/office/drawing/2014/main" val="4085467491"/>
-                    </a:ext>
-                  </a:extLst>
-                </a:gridCol>
-                <a:gridCol w="423078">
-                  <a:extLst>
-                    <a:ext uri="{9D8B030D-6E8A-4147-A177-3AD203B41FA5}">
-                      <a16:colId xmlns:a16="http://schemas.microsoft.com/office/drawing/2014/main" val="2183018877"/>
-                    </a:ext>
-                  </a:extLst>
-                </a:gridCol>
-                <a:gridCol w="423078">
-                  <a:extLst>
-                    <a:ext uri="{9D8B030D-6E8A-4147-A177-3AD203B41FA5}">
-                      <a16:colId xmlns:a16="http://schemas.microsoft.com/office/drawing/2014/main" val="3957069584"/>
-                    </a:ext>
-                  </a:extLst>
-                </a:gridCol>
-                <a:gridCol w="423078">
-                  <a:extLst>
-                    <a:ext uri="{9D8B030D-6E8A-4147-A177-3AD203B41FA5}">
-                      <a16:colId xmlns:a16="http://schemas.microsoft.com/office/drawing/2014/main" val="3244291510"/>
-                    </a:ext>
-                  </a:extLst>
-                </a:gridCol>
-                <a:gridCol w="423078">
-                  <a:extLst>
-                    <a:ext uri="{9D8B030D-6E8A-4147-A177-3AD203B41FA5}">
-                      <a16:colId xmlns:a16="http://schemas.microsoft.com/office/drawing/2014/main" val="3722398860"/>
-                    </a:ext>
-                  </a:extLst>
-                </a:gridCol>
-              </a:tblGrid>
-              <a:tr h="370840">
-                <a:tc>
-                  <a:txBody>
-                    <a:bodyPr/>
-                    <a:lstStyle/>
-                    <a:p>
-                      <a:endParaRPr lang="en-HK" dirty="0"/>
-                    </a:p>
-                  </a:txBody>
-                  <a:tcPr>
-                    <a:lnTlToBr w="12700" cap="flat" cmpd="sng" algn="ctr">
-                      <a:solidFill>
-                        <a:schemeClr val="tx1"/>
-                      </a:solidFill>
-                      <a:prstDash val="solid"/>
-                      <a:round/>
-                      <a:headEnd type="none" w="med" len="med"/>
-                      <a:tailEnd type="none" w="med" len="med"/>
-                    </a:lnTlToBr>
-                    <a:lnBlToTr w="12700" cap="flat" cmpd="sng" algn="ctr">
-                      <a:solidFill>
-                        <a:schemeClr val="tx1"/>
-                      </a:solidFill>
-                      <a:prstDash val="solid"/>
-                      <a:round/>
-                      <a:headEnd type="none" w="med" len="med"/>
-                      <a:tailEnd type="none" w="med" len="med"/>
-                    </a:lnBlToTr>
-                    <a:solidFill>
-                      <a:schemeClr val="accent6">
-                        <a:lumMod val="60000"/>
-                        <a:lumOff val="40000"/>
-                      </a:schemeClr>
-                    </a:solidFill>
-                  </a:tcPr>
-                </a:tc>
-                <a:tc>
-                  <a:txBody>
-                    <a:bodyPr/>
-                    <a:lstStyle/>
-                    <a:p>
-                      <a:endParaRPr lang="en-HK" dirty="0"/>
-                    </a:p>
-                  </a:txBody>
-                  <a:tcPr>
-                    <a:lnTlToBr w="12700" cap="flat" cmpd="sng" algn="ctr">
-                      <a:solidFill>
-                        <a:schemeClr val="tx1"/>
-                      </a:solidFill>
-                      <a:prstDash val="solid"/>
-                      <a:round/>
-                      <a:headEnd type="none" w="med" len="med"/>
-                      <a:tailEnd type="none" w="med" len="med"/>
-                    </a:lnTlToBr>
-                    <a:lnBlToTr w="12700" cap="flat" cmpd="sng" algn="ctr">
-                      <a:solidFill>
-                        <a:schemeClr val="tx1"/>
-                      </a:solidFill>
-                      <a:prstDash val="solid"/>
-                      <a:round/>
-                      <a:headEnd type="none" w="med" len="med"/>
-                      <a:tailEnd type="none" w="med" len="med"/>
-                    </a:lnBlToTr>
-                    <a:solidFill>
-                      <a:schemeClr val="accent6">
-                        <a:lumMod val="60000"/>
-                        <a:lumOff val="40000"/>
-                      </a:schemeClr>
-                    </a:solidFill>
-                  </a:tcPr>
-                </a:tc>
-                <a:tc>
-                  <a:txBody>
-                    <a:bodyPr/>
-                    <a:lstStyle/>
-                    <a:p>
-                      <a:endParaRPr lang="en-HK" dirty="0"/>
-                    </a:p>
-                  </a:txBody>
-                  <a:tcPr>
-                    <a:lnTlToBr w="12700" cap="flat" cmpd="sng" algn="ctr">
-                      <a:solidFill>
-                        <a:schemeClr val="tx1"/>
-                      </a:solidFill>
-                      <a:prstDash val="solid"/>
-                      <a:round/>
-                      <a:headEnd type="none" w="med" len="med"/>
-                      <a:tailEnd type="none" w="med" len="med"/>
-                    </a:lnTlToBr>
-                    <a:lnBlToTr w="12700" cap="flat" cmpd="sng" algn="ctr">
-                      <a:solidFill>
-                        <a:schemeClr val="tx1"/>
-                      </a:solidFill>
-                      <a:prstDash val="solid"/>
-                      <a:round/>
-                      <a:headEnd type="none" w="med" len="med"/>
-                      <a:tailEnd type="none" w="med" len="med"/>
-                    </a:lnBlToTr>
-                    <a:solidFill>
-                      <a:schemeClr val="accent1">
-                        <a:lumMod val="40000"/>
-                        <a:lumOff val="60000"/>
-                      </a:schemeClr>
-                    </a:solidFill>
-                  </a:tcPr>
-                </a:tc>
-                <a:tc>
-                  <a:txBody>
-                    <a:bodyPr/>
-                    <a:lstStyle/>
-                    <a:p>
-                      <a:endParaRPr lang="en-HK" dirty="0"/>
-                    </a:p>
-                  </a:txBody>
-                  <a:tcPr>
-                    <a:solidFill>
-                      <a:schemeClr val="accent2">
-                        <a:lumMod val="40000"/>
-                        <a:lumOff val="60000"/>
-                      </a:schemeClr>
-                    </a:solidFill>
-                  </a:tcPr>
-                </a:tc>
-                <a:tc>
-                  <a:txBody>
-                    <a:bodyPr/>
-                    <a:lstStyle/>
-                    <a:p>
-                      <a:endParaRPr lang="en-HK" dirty="0"/>
-                    </a:p>
-                  </a:txBody>
-                  <a:tcPr>
-                    <a:lnTlToBr w="12700" cap="flat" cmpd="sng" algn="ctr">
-                      <a:solidFill>
-                        <a:schemeClr val="tx1"/>
-                      </a:solidFill>
-                      <a:prstDash val="solid"/>
-                      <a:round/>
-                      <a:headEnd type="none" w="med" len="med"/>
-                      <a:tailEnd type="none" w="med" len="med"/>
-                    </a:lnTlToBr>
-                    <a:lnBlToTr w="12700" cap="flat" cmpd="sng" algn="ctr">
-                      <a:solidFill>
-                        <a:schemeClr val="tx1"/>
-                      </a:solidFill>
-                      <a:prstDash val="solid"/>
-                      <a:round/>
-                      <a:headEnd type="none" w="med" len="med"/>
-                      <a:tailEnd type="none" w="med" len="med"/>
-                    </a:lnBlToTr>
-                    <a:solidFill>
-                      <a:schemeClr val="accent1">
-                        <a:lumMod val="40000"/>
-                        <a:lumOff val="60000"/>
-                      </a:schemeClr>
-                    </a:solidFill>
-                  </a:tcPr>
-                </a:tc>
-                <a:tc>
-                  <a:txBody>
-                    <a:bodyPr/>
-                    <a:lstStyle/>
-                    <a:p>
-                      <a:endParaRPr lang="en-HK" dirty="0"/>
-                    </a:p>
-                  </a:txBody>
-                  <a:tcPr>
-                    <a:solidFill>
-                      <a:schemeClr val="accent2">
-                        <a:lumMod val="40000"/>
-                        <a:lumOff val="60000"/>
-                      </a:schemeClr>
-                    </a:solidFill>
-                  </a:tcPr>
-                </a:tc>
-                <a:tc>
-                  <a:txBody>
-                    <a:bodyPr/>
-                    <a:lstStyle/>
-                    <a:p>
-                      <a:endParaRPr lang="en-HK" dirty="0"/>
-                    </a:p>
-                  </a:txBody>
-                  <a:tcPr>
-                    <a:solidFill>
-                      <a:schemeClr val="accent2">
-                        <a:lumMod val="40000"/>
-                        <a:lumOff val="60000"/>
-                      </a:schemeClr>
-                    </a:solidFill>
-                  </a:tcPr>
-                </a:tc>
-                <a:tc>
-                  <a:txBody>
-                    <a:bodyPr/>
-                    <a:lstStyle/>
-                    <a:p>
-                      <a:endParaRPr lang="en-HK" dirty="0"/>
-                    </a:p>
-                  </a:txBody>
-                  <a:tcPr>
-                    <a:solidFill>
-                      <a:schemeClr val="accent2">
-                        <a:lumMod val="40000"/>
-                        <a:lumOff val="60000"/>
-                      </a:schemeClr>
-                    </a:solidFill>
-                  </a:tcPr>
-                </a:tc>
-                <a:tc>
-                  <a:txBody>
-                    <a:bodyPr/>
-                    <a:lstStyle/>
-                    <a:p>
-                      <a:endParaRPr lang="en-HK" dirty="0"/>
-                    </a:p>
-                  </a:txBody>
-                  <a:tcPr>
-                    <a:lnTlToBr w="12700" cap="flat" cmpd="sng" algn="ctr">
-                      <a:solidFill>
-                        <a:schemeClr val="tx1"/>
-                      </a:solidFill>
-                      <a:prstDash val="solid"/>
-                      <a:round/>
-                      <a:headEnd type="none" w="med" len="med"/>
-                      <a:tailEnd type="none" w="med" len="med"/>
-                    </a:lnTlToBr>
-                    <a:lnBlToTr w="12700" cap="flat" cmpd="sng" algn="ctr">
-                      <a:solidFill>
-                        <a:schemeClr val="tx1"/>
-                      </a:solidFill>
-                      <a:prstDash val="solid"/>
-                      <a:round/>
-                      <a:headEnd type="none" w="med" len="med"/>
-                      <a:tailEnd type="none" w="med" len="med"/>
-                    </a:lnBlToTr>
-                    <a:solidFill>
-                      <a:schemeClr val="accent1">
-                        <a:lumMod val="40000"/>
-                        <a:lumOff val="60000"/>
-                      </a:schemeClr>
-                    </a:solidFill>
-                  </a:tcPr>
-                </a:tc>
-                <a:tc>
-                  <a:txBody>
-                    <a:bodyPr/>
-                    <a:lstStyle/>
-                    <a:p>
-                      <a:endParaRPr lang="en-HK" dirty="0"/>
-                    </a:p>
-                  </a:txBody>
-                  <a:tcPr>
-                    <a:solidFill>
-                      <a:schemeClr val="accent2">
-                        <a:lumMod val="40000"/>
-                        <a:lumOff val="60000"/>
-                      </a:schemeClr>
-                    </a:solidFill>
-                  </a:tcPr>
-                </a:tc>
-                <a:extLst>
-                  <a:ext uri="{0D108BD9-81ED-4DB2-BD59-A6C34878D82A}">
-                    <a16:rowId xmlns:a16="http://schemas.microsoft.com/office/drawing/2014/main" val="2601047344"/>
-                  </a:ext>
-                </a:extLst>
-              </a:tr>
-            </a:tbl>
-          </a:graphicData>
-        </a:graphic>
-      </p:graphicFrame>
-      <p:cxnSp>
-        <p:nvCxnSpPr>
-          <p:cNvPr id="42" name="Straight Arrow Connector 41">
-            <a:extLst>
-              <a:ext uri="{FF2B5EF4-FFF2-40B4-BE49-F238E27FC236}">
-                <a16:creationId xmlns:a16="http://schemas.microsoft.com/office/drawing/2014/main" id="{74EB2F81-C10A-FFAF-B5FE-48DDB06A2081}"/>
-              </a:ext>
-            </a:extLst>
-          </p:cNvPr>
-          <p:cNvCxnSpPr>
-            <a:cxnSpLocks/>
-          </p:cNvCxnSpPr>
-          <p:nvPr/>
-        </p:nvCxnSpPr>
-        <p:spPr>
-          <a:xfrm>
-            <a:off x="7941084" y="3457914"/>
-            <a:ext cx="0" cy="250166"/>
-          </a:xfrm>
-          <a:prstGeom prst="straightConnector1">
-            <a:avLst/>
-          </a:prstGeom>
-          <a:ln>
-            <a:tailEnd type="triangle"/>
-          </a:ln>
-        </p:spPr>
-        <p:style>
-          <a:lnRef idx="3">
-            <a:schemeClr val="dk1"/>
-          </a:lnRef>
-          <a:fillRef idx="0">
-            <a:schemeClr val="dk1"/>
-          </a:fillRef>
-          <a:effectRef idx="2">
-            <a:schemeClr val="dk1"/>
-          </a:effectRef>
-          <a:fontRef idx="minor">
-            <a:schemeClr val="tx1"/>
-          </a:fontRef>
-        </p:style>
-      </p:cxnSp>
-      <p:graphicFrame>
-        <p:nvGraphicFramePr>
-          <p:cNvPr id="43" name="Table 4">
-            <a:extLst>
-              <a:ext uri="{FF2B5EF4-FFF2-40B4-BE49-F238E27FC236}">
-                <a16:creationId xmlns:a16="http://schemas.microsoft.com/office/drawing/2014/main" id="{23B5C3E2-60EF-817C-E87C-988D7BE25C5D}"/>
-              </a:ext>
-            </a:extLst>
-          </p:cNvPr>
-          <p:cNvGraphicFramePr>
-            <a:graphicFrameLocks noGrp="1"/>
-          </p:cNvGraphicFramePr>
-          <p:nvPr>
-            <p:extLst>
-              <p:ext uri="{D42A27DB-BD31-4B8C-83A1-F6EECF244321}">
-                <p14:modId xmlns:p14="http://schemas.microsoft.com/office/powerpoint/2010/main" val="529587972"/>
-              </p:ext>
-            </p:extLst>
-          </p:nvPr>
-        </p:nvGraphicFramePr>
-        <p:xfrm>
-          <a:off x="5825694" y="3708080"/>
-          <a:ext cx="4230780" cy="370840"/>
-        </p:xfrm>
-        <a:graphic>
-          <a:graphicData uri="http://schemas.openxmlformats.org/drawingml/2006/table">
-            <a:tbl>
-              <a:tblPr firstRow="1" bandRow="1">
-                <a:tableStyleId>{5C22544A-7EE6-4342-B048-85BDC9FD1C3A}</a:tableStyleId>
-              </a:tblPr>
-              <a:tblGrid>
-                <a:gridCol w="423078">
-                  <a:extLst>
-                    <a:ext uri="{9D8B030D-6E8A-4147-A177-3AD203B41FA5}">
-                      <a16:colId xmlns:a16="http://schemas.microsoft.com/office/drawing/2014/main" val="1958716807"/>
-                    </a:ext>
-                  </a:extLst>
-                </a:gridCol>
-                <a:gridCol w="423078">
-                  <a:extLst>
-                    <a:ext uri="{9D8B030D-6E8A-4147-A177-3AD203B41FA5}">
-                      <a16:colId xmlns:a16="http://schemas.microsoft.com/office/drawing/2014/main" val="2177103222"/>
-                    </a:ext>
-                  </a:extLst>
-                </a:gridCol>
-                <a:gridCol w="423078">
-                  <a:extLst>
-                    <a:ext uri="{9D8B030D-6E8A-4147-A177-3AD203B41FA5}">
-                      <a16:colId xmlns:a16="http://schemas.microsoft.com/office/drawing/2014/main" val="3409141404"/>
-                    </a:ext>
-                  </a:extLst>
-                </a:gridCol>
-                <a:gridCol w="423078">
-                  <a:extLst>
-                    <a:ext uri="{9D8B030D-6E8A-4147-A177-3AD203B41FA5}">
-                      <a16:colId xmlns:a16="http://schemas.microsoft.com/office/drawing/2014/main" val="217707470"/>
-                    </a:ext>
-                  </a:extLst>
-                </a:gridCol>
-                <a:gridCol w="423078">
-                  <a:extLst>
-                    <a:ext uri="{9D8B030D-6E8A-4147-A177-3AD203B41FA5}">
-                      <a16:colId xmlns:a16="http://schemas.microsoft.com/office/drawing/2014/main" val="770379941"/>
-                    </a:ext>
-                  </a:extLst>
-                </a:gridCol>
-                <a:gridCol w="423078">
-                  <a:extLst>
-                    <a:ext uri="{9D8B030D-6E8A-4147-A177-3AD203B41FA5}">
-                      <a16:colId xmlns:a16="http://schemas.microsoft.com/office/drawing/2014/main" val="4085467491"/>
-                    </a:ext>
-                  </a:extLst>
-                </a:gridCol>
-                <a:gridCol w="423078">
-                  <a:extLst>
-                    <a:ext uri="{9D8B030D-6E8A-4147-A177-3AD203B41FA5}">
-                      <a16:colId xmlns:a16="http://schemas.microsoft.com/office/drawing/2014/main" val="2183018877"/>
-                    </a:ext>
-                  </a:extLst>
-                </a:gridCol>
-                <a:gridCol w="423078">
-                  <a:extLst>
-                    <a:ext uri="{9D8B030D-6E8A-4147-A177-3AD203B41FA5}">
-                      <a16:colId xmlns:a16="http://schemas.microsoft.com/office/drawing/2014/main" val="3957069584"/>
-                    </a:ext>
-                  </a:extLst>
-                </a:gridCol>
-                <a:gridCol w="423078">
-                  <a:extLst>
-                    <a:ext uri="{9D8B030D-6E8A-4147-A177-3AD203B41FA5}">
-                      <a16:colId xmlns:a16="http://schemas.microsoft.com/office/drawing/2014/main" val="3244291510"/>
-                    </a:ext>
-                  </a:extLst>
-                </a:gridCol>
-                <a:gridCol w="423078">
-                  <a:extLst>
-                    <a:ext uri="{9D8B030D-6E8A-4147-A177-3AD203B41FA5}">
-                      <a16:colId xmlns:a16="http://schemas.microsoft.com/office/drawing/2014/main" val="3722398860"/>
-                    </a:ext>
-                  </a:extLst>
-                </a:gridCol>
-              </a:tblGrid>
-              <a:tr h="370840">
-                <a:tc>
-                  <a:txBody>
-                    <a:bodyPr/>
-                    <a:lstStyle/>
-                    <a:p>
-                      <a:endParaRPr lang="en-HK" dirty="0"/>
-                    </a:p>
-                  </a:txBody>
-                  <a:tcPr>
-                    <a:lnTlToBr w="12700" cap="flat" cmpd="sng" algn="ctr">
-                      <a:solidFill>
-                        <a:schemeClr val="tx1"/>
-                      </a:solidFill>
-                      <a:prstDash val="solid"/>
-                      <a:round/>
-                      <a:headEnd type="none" w="med" len="med"/>
-                      <a:tailEnd type="none" w="med" len="med"/>
-                    </a:lnTlToBr>
-                    <a:lnBlToTr w="12700" cap="flat" cmpd="sng" algn="ctr">
-                      <a:solidFill>
-                        <a:schemeClr val="tx1"/>
-                      </a:solidFill>
-                      <a:prstDash val="solid"/>
-                      <a:round/>
-                      <a:headEnd type="none" w="med" len="med"/>
-                      <a:tailEnd type="none" w="med" len="med"/>
-                    </a:lnBlToTr>
-                    <a:solidFill>
-                      <a:schemeClr val="accent6">
-                        <a:lumMod val="60000"/>
-                        <a:lumOff val="40000"/>
-                      </a:schemeClr>
-                    </a:solidFill>
-                  </a:tcPr>
-                </a:tc>
-                <a:tc>
-                  <a:txBody>
-                    <a:bodyPr/>
-                    <a:lstStyle/>
-                    <a:p>
-                      <a:endParaRPr lang="en-HK" dirty="0"/>
-                    </a:p>
-                  </a:txBody>
-                  <a:tcPr>
-                    <a:lnTlToBr w="12700" cap="flat" cmpd="sng" algn="ctr">
-                      <a:solidFill>
-                        <a:schemeClr val="tx1"/>
-                      </a:solidFill>
-                      <a:prstDash val="solid"/>
-                      <a:round/>
-                      <a:headEnd type="none" w="med" len="med"/>
-                      <a:tailEnd type="none" w="med" len="med"/>
-                    </a:lnTlToBr>
-                    <a:lnBlToTr w="12700" cap="flat" cmpd="sng" algn="ctr">
-                      <a:solidFill>
-                        <a:schemeClr val="tx1"/>
-                      </a:solidFill>
-                      <a:prstDash val="solid"/>
-                      <a:round/>
-                      <a:headEnd type="none" w="med" len="med"/>
-                      <a:tailEnd type="none" w="med" len="med"/>
-                    </a:lnBlToTr>
-                    <a:solidFill>
-                      <a:schemeClr val="accent6">
-                        <a:lumMod val="60000"/>
-                        <a:lumOff val="40000"/>
-                      </a:schemeClr>
-                    </a:solidFill>
-                  </a:tcPr>
-                </a:tc>
-                <a:tc>
-                  <a:txBody>
-                    <a:bodyPr/>
-                    <a:lstStyle/>
-                    <a:p>
-                      <a:endParaRPr lang="en-HK" dirty="0"/>
-                    </a:p>
-                  </a:txBody>
-                  <a:tcPr>
-                    <a:lnTlToBr w="12700" cap="flat" cmpd="sng" algn="ctr">
-                      <a:solidFill>
-                        <a:schemeClr val="tx1"/>
-                      </a:solidFill>
-                      <a:prstDash val="solid"/>
-                      <a:round/>
-                      <a:headEnd type="none" w="med" len="med"/>
-                      <a:tailEnd type="none" w="med" len="med"/>
-                    </a:lnTlToBr>
-                    <a:lnBlToTr w="12700" cap="flat" cmpd="sng" algn="ctr">
-                      <a:solidFill>
-                        <a:schemeClr val="tx1"/>
-                      </a:solidFill>
-                      <a:prstDash val="solid"/>
-                      <a:round/>
-                      <a:headEnd type="none" w="med" len="med"/>
-                      <a:tailEnd type="none" w="med" len="med"/>
-                    </a:lnBlToTr>
-                    <a:solidFill>
-                      <a:schemeClr val="accent1">
-                        <a:lumMod val="40000"/>
-                        <a:lumOff val="60000"/>
-                      </a:schemeClr>
-                    </a:solidFill>
-                  </a:tcPr>
-                </a:tc>
-                <a:tc>
-                  <a:txBody>
-                    <a:bodyPr/>
-                    <a:lstStyle/>
-                    <a:p>
-                      <a:endParaRPr lang="en-HK" dirty="0"/>
-                    </a:p>
-                  </a:txBody>
-                  <a:tcPr>
-                    <a:solidFill>
-                      <a:schemeClr val="accent2">
-                        <a:lumMod val="40000"/>
-                        <a:lumOff val="60000"/>
-                      </a:schemeClr>
-                    </a:solidFill>
-                  </a:tcPr>
-                </a:tc>
-                <a:tc>
-                  <a:txBody>
-                    <a:bodyPr/>
-                    <a:lstStyle/>
-                    <a:p>
-                      <a:endParaRPr lang="en-HK" dirty="0"/>
-                    </a:p>
-                  </a:txBody>
-                  <a:tcPr>
-                    <a:lnTlToBr w="12700" cap="flat" cmpd="sng" algn="ctr">
-                      <a:solidFill>
-                        <a:schemeClr val="tx1"/>
-                      </a:solidFill>
-                      <a:prstDash val="solid"/>
-                      <a:round/>
-                      <a:headEnd type="none" w="med" len="med"/>
-                      <a:tailEnd type="none" w="med" len="med"/>
-                    </a:lnTlToBr>
-                    <a:lnBlToTr w="12700" cap="flat" cmpd="sng" algn="ctr">
-                      <a:solidFill>
-                        <a:schemeClr val="tx1"/>
-                      </a:solidFill>
-                      <a:prstDash val="solid"/>
-                      <a:round/>
-                      <a:headEnd type="none" w="med" len="med"/>
-                      <a:tailEnd type="none" w="med" len="med"/>
-                    </a:lnBlToTr>
-                    <a:solidFill>
-                      <a:schemeClr val="accent1">
-                        <a:lumMod val="40000"/>
-                        <a:lumOff val="60000"/>
-                      </a:schemeClr>
-                    </a:solidFill>
-                  </a:tcPr>
-                </a:tc>
-                <a:tc>
-                  <a:txBody>
-                    <a:bodyPr/>
-                    <a:lstStyle/>
-                    <a:p>
-                      <a:endParaRPr lang="en-HK" dirty="0"/>
-                    </a:p>
-                  </a:txBody>
-                  <a:tcPr>
-                    <a:lnTlToBr w="12700" cap="flat" cmpd="sng" algn="ctr">
-                      <a:solidFill>
-                        <a:schemeClr val="tx1"/>
-                      </a:solidFill>
-                      <a:prstDash val="solid"/>
-                      <a:round/>
-                      <a:headEnd type="none" w="med" len="med"/>
-                      <a:tailEnd type="none" w="med" len="med"/>
-                    </a:lnTlToBr>
-                    <a:lnBlToTr w="12700" cap="flat" cmpd="sng" algn="ctr">
-                      <a:solidFill>
-                        <a:schemeClr val="tx1"/>
-                      </a:solidFill>
-                      <a:prstDash val="solid"/>
-                      <a:round/>
-                      <a:headEnd type="none" w="med" len="med"/>
-                      <a:tailEnd type="none" w="med" len="med"/>
-                    </a:lnBlToTr>
-                    <a:solidFill>
-                      <a:schemeClr val="accent6">
-                        <a:lumMod val="60000"/>
-                        <a:lumOff val="40000"/>
-                      </a:schemeClr>
-                    </a:solidFill>
-                  </a:tcPr>
-                </a:tc>
-                <a:tc>
-                  <a:txBody>
-                    <a:bodyPr/>
-                    <a:lstStyle/>
-                    <a:p>
-                      <a:endParaRPr lang="en-HK" dirty="0"/>
-                    </a:p>
-                  </a:txBody>
-                  <a:tcPr>
-                    <a:lnTlToBr w="12700" cap="flat" cmpd="sng" algn="ctr">
-                      <a:solidFill>
-                        <a:schemeClr val="tx1"/>
-                      </a:solidFill>
-                      <a:prstDash val="solid"/>
-                      <a:round/>
-                      <a:headEnd type="none" w="med" len="med"/>
-                      <a:tailEnd type="none" w="med" len="med"/>
-                    </a:lnTlToBr>
-                    <a:lnBlToTr w="12700" cap="flat" cmpd="sng" algn="ctr">
-                      <a:solidFill>
-                        <a:schemeClr val="tx1"/>
-                      </a:solidFill>
-                      <a:prstDash val="solid"/>
-                      <a:round/>
-                      <a:headEnd type="none" w="med" len="med"/>
-                      <a:tailEnd type="none" w="med" len="med"/>
-                    </a:lnBlToTr>
-                    <a:solidFill>
-                      <a:schemeClr val="accent6">
-                        <a:lumMod val="60000"/>
-                        <a:lumOff val="40000"/>
-                      </a:schemeClr>
-                    </a:solidFill>
-                  </a:tcPr>
-                </a:tc>
-                <a:tc>
-                  <a:txBody>
-                    <a:bodyPr/>
-                    <a:lstStyle/>
-                    <a:p>
-                      <a:endParaRPr lang="en-HK" dirty="0"/>
-                    </a:p>
-                  </a:txBody>
-                  <a:tcPr>
-                    <a:lnTlToBr w="12700" cap="flat" cmpd="sng" algn="ctr">
-                      <a:solidFill>
-                        <a:schemeClr val="tx1"/>
-                      </a:solidFill>
-                      <a:prstDash val="solid"/>
-                      <a:round/>
-                      <a:headEnd type="none" w="med" len="med"/>
-                      <a:tailEnd type="none" w="med" len="med"/>
-                    </a:lnTlToBr>
-                    <a:lnBlToTr w="12700" cap="flat" cmpd="sng" algn="ctr">
-                      <a:solidFill>
-                        <a:schemeClr val="tx1"/>
-                      </a:solidFill>
-                      <a:prstDash val="solid"/>
-                      <a:round/>
-                      <a:headEnd type="none" w="med" len="med"/>
-                      <a:tailEnd type="none" w="med" len="med"/>
-                    </a:lnBlToTr>
-                    <a:solidFill>
-                      <a:schemeClr val="accent6">
-                        <a:lumMod val="60000"/>
-                        <a:lumOff val="40000"/>
-                      </a:schemeClr>
-                    </a:solidFill>
-                  </a:tcPr>
-                </a:tc>
-                <a:tc>
-                  <a:txBody>
-                    <a:bodyPr/>
-                    <a:lstStyle/>
-                    <a:p>
-                      <a:endParaRPr lang="en-HK" dirty="0"/>
-                    </a:p>
-                  </a:txBody>
-                  <a:tcPr>
-                    <a:lnTlToBr w="12700" cap="flat" cmpd="sng" algn="ctr">
-                      <a:solidFill>
-                        <a:schemeClr val="tx1"/>
-                      </a:solidFill>
-                      <a:prstDash val="solid"/>
-                      <a:round/>
-                      <a:headEnd type="none" w="med" len="med"/>
-                      <a:tailEnd type="none" w="med" len="med"/>
-                    </a:lnTlToBr>
-                    <a:lnBlToTr w="12700" cap="flat" cmpd="sng" algn="ctr">
-                      <a:solidFill>
-                        <a:schemeClr val="tx1"/>
-                      </a:solidFill>
-                      <a:prstDash val="solid"/>
-                      <a:round/>
-                      <a:headEnd type="none" w="med" len="med"/>
-                      <a:tailEnd type="none" w="med" len="med"/>
-                    </a:lnBlToTr>
-                    <a:solidFill>
-                      <a:schemeClr val="accent1">
-                        <a:lumMod val="40000"/>
-                        <a:lumOff val="60000"/>
-                      </a:schemeClr>
-                    </a:solidFill>
-                  </a:tcPr>
-                </a:tc>
-                <a:tc>
-                  <a:txBody>
-                    <a:bodyPr/>
-                    <a:lstStyle/>
-                    <a:p>
-                      <a:endParaRPr lang="en-HK" dirty="0"/>
-                    </a:p>
-                  </a:txBody>
-                  <a:tcPr>
-                    <a:solidFill>
-                      <a:schemeClr val="accent2">
-                        <a:lumMod val="40000"/>
-                        <a:lumOff val="60000"/>
-                      </a:schemeClr>
-                    </a:solidFill>
-                  </a:tcPr>
-                </a:tc>
-                <a:extLst>
-                  <a:ext uri="{0D108BD9-81ED-4DB2-BD59-A6C34878D82A}">
-                    <a16:rowId xmlns:a16="http://schemas.microsoft.com/office/drawing/2014/main" val="2601047344"/>
-                  </a:ext>
-                </a:extLst>
-              </a:tr>
-            </a:tbl>
-          </a:graphicData>
-        </a:graphic>
-      </p:graphicFrame>
-    </p:spTree>
-    <p:extLst>
-      <p:ext uri="{BB962C8B-B14F-4D97-AF65-F5344CB8AC3E}">
-        <p14:creationId xmlns:p14="http://schemas.microsoft.com/office/powerpoint/2010/main" val="3750844697"/>
       </p:ext>
     </p:extLst>
   </p:cSld>
